--- a/advancing-into-analytics-presentation.pptx
+++ b/advancing-into-analytics-presentation.pptx
@@ -4,6 +4,9 @@
   <p:sldMasterIdLst>
     <p:sldMasterId id="2147483648" r:id="rId1"/>
   </p:sldMasterIdLst>
+  <p:notesMasterIdLst>
+    <p:notesMasterId r:id="rId32"/>
+  </p:notesMasterIdLst>
   <p:sldIdLst>
     <p:sldId id="256" r:id="rId2"/>
     <p:sldId id="258" r:id="rId3"/>
@@ -14,26 +17,27 @@
     <p:sldId id="313" r:id="rId8"/>
     <p:sldId id="320" r:id="rId9"/>
     <p:sldId id="311" r:id="rId10"/>
-    <p:sldId id="273" r:id="rId11"/>
-    <p:sldId id="327" r:id="rId12"/>
-    <p:sldId id="312" r:id="rId13"/>
-    <p:sldId id="321" r:id="rId14"/>
-    <p:sldId id="275" r:id="rId15"/>
-    <p:sldId id="322" r:id="rId16"/>
-    <p:sldId id="329" r:id="rId17"/>
-    <p:sldId id="317" r:id="rId18"/>
-    <p:sldId id="328" r:id="rId19"/>
-    <p:sldId id="324" r:id="rId20"/>
-    <p:sldId id="325" r:id="rId21"/>
-    <p:sldId id="326" r:id="rId22"/>
-    <p:sldId id="261" r:id="rId23"/>
-    <p:sldId id="318" r:id="rId24"/>
-    <p:sldId id="319" r:id="rId25"/>
-    <p:sldId id="305" r:id="rId26"/>
-    <p:sldId id="306" r:id="rId27"/>
-    <p:sldId id="314" r:id="rId28"/>
-    <p:sldId id="315" r:id="rId29"/>
-    <p:sldId id="316" r:id="rId30"/>
+    <p:sldId id="390" r:id="rId11"/>
+    <p:sldId id="273" r:id="rId12"/>
+    <p:sldId id="327" r:id="rId13"/>
+    <p:sldId id="312" r:id="rId14"/>
+    <p:sldId id="321" r:id="rId15"/>
+    <p:sldId id="275" r:id="rId16"/>
+    <p:sldId id="322" r:id="rId17"/>
+    <p:sldId id="329" r:id="rId18"/>
+    <p:sldId id="317" r:id="rId19"/>
+    <p:sldId id="328" r:id="rId20"/>
+    <p:sldId id="324" r:id="rId21"/>
+    <p:sldId id="325" r:id="rId22"/>
+    <p:sldId id="326" r:id="rId23"/>
+    <p:sldId id="261" r:id="rId24"/>
+    <p:sldId id="318" r:id="rId25"/>
+    <p:sldId id="319" r:id="rId26"/>
+    <p:sldId id="305" r:id="rId27"/>
+    <p:sldId id="306" r:id="rId28"/>
+    <p:sldId id="314" r:id="rId29"/>
+    <p:sldId id="315" r:id="rId30"/>
+    <p:sldId id="316" r:id="rId31"/>
   </p:sldIdLst>
   <p:sldSz cx="12192000" cy="6858000"/>
   <p:notesSz cx="6858000" cy="9144000"/>
@@ -1770,6 +1774,355 @@
 </pc:chgInfo>
 </file>
 
+<file path=ppt/notesMasters/notesMaster1.xml><?xml version="1.0" encoding="utf-8"?>
+<p:notesMaster xmlns:a="http://schemas.openxmlformats.org/drawingml/2006/main" xmlns:r="http://schemas.openxmlformats.org/officeDocument/2006/relationships" xmlns:p="http://schemas.openxmlformats.org/presentationml/2006/main">
+  <p:cSld>
+    <p:bg>
+      <p:bgRef idx="1001">
+        <a:schemeClr val="bg1"/>
+      </p:bgRef>
+    </p:bg>
+    <p:spTree>
+      <p:nvGrpSpPr>
+        <p:cNvPr id="1" name=""/>
+        <p:cNvGrpSpPr/>
+        <p:nvPr/>
+      </p:nvGrpSpPr>
+      <p:grpSpPr>
+        <a:xfrm>
+          <a:off x="0" y="0"/>
+          <a:ext cx="0" cy="0"/>
+          <a:chOff x="0" y="0"/>
+          <a:chExt cx="0" cy="0"/>
+        </a:xfrm>
+      </p:grpSpPr>
+      <p:sp>
+        <p:nvSpPr>
+          <p:cNvPr id="2" name="Header Placeholder 1"/>
+          <p:cNvSpPr>
+            <a:spLocks noGrp="1"/>
+          </p:cNvSpPr>
+          <p:nvPr>
+            <p:ph type="hdr" sz="quarter"/>
+          </p:nvPr>
+        </p:nvSpPr>
+        <p:spPr>
+          <a:xfrm>
+            <a:off x="0" y="0"/>
+            <a:ext cx="2971800" cy="458788"/>
+          </a:xfrm>
+          <a:prstGeom prst="rect">
+            <a:avLst/>
+          </a:prstGeom>
+        </p:spPr>
+        <p:txBody>
+          <a:bodyPr vert="horz" lIns="91440" tIns="45720" rIns="91440" bIns="45720" rtlCol="0"/>
+          <a:lstStyle>
+            <a:lvl1pPr algn="l">
+              <a:defRPr sz="1200"/>
+            </a:lvl1pPr>
+          </a:lstStyle>
+          <a:p>
+            <a:endParaRPr lang="en-US"/>
+          </a:p>
+        </p:txBody>
+      </p:sp>
+      <p:sp>
+        <p:nvSpPr>
+          <p:cNvPr id="3" name="Date Placeholder 2"/>
+          <p:cNvSpPr>
+            <a:spLocks noGrp="1"/>
+          </p:cNvSpPr>
+          <p:nvPr>
+            <p:ph type="dt" idx="1"/>
+          </p:nvPr>
+        </p:nvSpPr>
+        <p:spPr>
+          <a:xfrm>
+            <a:off x="3884613" y="0"/>
+            <a:ext cx="2971800" cy="458788"/>
+          </a:xfrm>
+          <a:prstGeom prst="rect">
+            <a:avLst/>
+          </a:prstGeom>
+        </p:spPr>
+        <p:txBody>
+          <a:bodyPr vert="horz" lIns="91440" tIns="45720" rIns="91440" bIns="45720" rtlCol="0"/>
+          <a:lstStyle>
+            <a:lvl1pPr algn="r">
+              <a:defRPr sz="1200"/>
+            </a:lvl1pPr>
+          </a:lstStyle>
+          <a:p>
+            <a:fld id="{503F064B-41F2-4661-BDF0-BFD135E9A557}" type="datetimeFigureOut">
+              <a:rPr lang="en-US" smtClean="0"/>
+              <a:t>4/14/2021</a:t>
+            </a:fld>
+            <a:endParaRPr lang="en-US"/>
+          </a:p>
+        </p:txBody>
+      </p:sp>
+      <p:sp>
+        <p:nvSpPr>
+          <p:cNvPr id="4" name="Slide Image Placeholder 3"/>
+          <p:cNvSpPr>
+            <a:spLocks noGrp="1" noRot="1" noChangeAspect="1"/>
+          </p:cNvSpPr>
+          <p:nvPr>
+            <p:ph type="sldImg" idx="2"/>
+          </p:nvPr>
+        </p:nvSpPr>
+        <p:spPr>
+          <a:xfrm>
+            <a:off x="685800" y="1143000"/>
+            <a:ext cx="5486400" cy="3086100"/>
+          </a:xfrm>
+          <a:prstGeom prst="rect">
+            <a:avLst/>
+          </a:prstGeom>
+          <a:noFill/>
+          <a:ln w="12700">
+            <a:solidFill>
+              <a:prstClr val="black"/>
+            </a:solidFill>
+          </a:ln>
+        </p:spPr>
+        <p:txBody>
+          <a:bodyPr vert="horz" lIns="91440" tIns="45720" rIns="91440" bIns="45720" rtlCol="0" anchor="ctr"/>
+          <a:lstStyle/>
+          <a:p>
+            <a:endParaRPr lang="en-US"/>
+          </a:p>
+        </p:txBody>
+      </p:sp>
+      <p:sp>
+        <p:nvSpPr>
+          <p:cNvPr id="5" name="Notes Placeholder 4"/>
+          <p:cNvSpPr>
+            <a:spLocks noGrp="1"/>
+          </p:cNvSpPr>
+          <p:nvPr>
+            <p:ph type="body" sz="quarter" idx="3"/>
+          </p:nvPr>
+        </p:nvSpPr>
+        <p:spPr>
+          <a:xfrm>
+            <a:off x="685800" y="4400550"/>
+            <a:ext cx="5486400" cy="3600450"/>
+          </a:xfrm>
+          <a:prstGeom prst="rect">
+            <a:avLst/>
+          </a:prstGeom>
+        </p:spPr>
+        <p:txBody>
+          <a:bodyPr vert="horz" lIns="91440" tIns="45720" rIns="91440" bIns="45720" rtlCol="0"/>
+          <a:lstStyle/>
+          <a:p>
+            <a:pPr lvl="0"/>
+            <a:r>
+              <a:rPr lang="en-US"/>
+              <a:t>Click to edit Master text styles</a:t>
+            </a:r>
+          </a:p>
+          <a:p>
+            <a:pPr lvl="1"/>
+            <a:r>
+              <a:rPr lang="en-US"/>
+              <a:t>Second level</a:t>
+            </a:r>
+          </a:p>
+          <a:p>
+            <a:pPr lvl="2"/>
+            <a:r>
+              <a:rPr lang="en-US"/>
+              <a:t>Third level</a:t>
+            </a:r>
+          </a:p>
+          <a:p>
+            <a:pPr lvl="3"/>
+            <a:r>
+              <a:rPr lang="en-US"/>
+              <a:t>Fourth level</a:t>
+            </a:r>
+          </a:p>
+          <a:p>
+            <a:pPr lvl="4"/>
+            <a:r>
+              <a:rPr lang="en-US"/>
+              <a:t>Fifth level</a:t>
+            </a:r>
+          </a:p>
+        </p:txBody>
+      </p:sp>
+      <p:sp>
+        <p:nvSpPr>
+          <p:cNvPr id="6" name="Footer Placeholder 5"/>
+          <p:cNvSpPr>
+            <a:spLocks noGrp="1"/>
+          </p:cNvSpPr>
+          <p:nvPr>
+            <p:ph type="ftr" sz="quarter" idx="4"/>
+          </p:nvPr>
+        </p:nvSpPr>
+        <p:spPr>
+          <a:xfrm>
+            <a:off x="0" y="8685213"/>
+            <a:ext cx="2971800" cy="458787"/>
+          </a:xfrm>
+          <a:prstGeom prst="rect">
+            <a:avLst/>
+          </a:prstGeom>
+        </p:spPr>
+        <p:txBody>
+          <a:bodyPr vert="horz" lIns="91440" tIns="45720" rIns="91440" bIns="45720" rtlCol="0" anchor="b"/>
+          <a:lstStyle>
+            <a:lvl1pPr algn="l">
+              <a:defRPr sz="1200"/>
+            </a:lvl1pPr>
+          </a:lstStyle>
+          <a:p>
+            <a:endParaRPr lang="en-US"/>
+          </a:p>
+        </p:txBody>
+      </p:sp>
+      <p:sp>
+        <p:nvSpPr>
+          <p:cNvPr id="7" name="Slide Number Placeholder 6"/>
+          <p:cNvSpPr>
+            <a:spLocks noGrp="1"/>
+          </p:cNvSpPr>
+          <p:nvPr>
+            <p:ph type="sldNum" sz="quarter" idx="5"/>
+          </p:nvPr>
+        </p:nvSpPr>
+        <p:spPr>
+          <a:xfrm>
+            <a:off x="3884613" y="8685213"/>
+            <a:ext cx="2971800" cy="458787"/>
+          </a:xfrm>
+          <a:prstGeom prst="rect">
+            <a:avLst/>
+          </a:prstGeom>
+        </p:spPr>
+        <p:txBody>
+          <a:bodyPr vert="horz" lIns="91440" tIns="45720" rIns="91440" bIns="45720" rtlCol="0" anchor="b"/>
+          <a:lstStyle>
+            <a:lvl1pPr algn="r">
+              <a:defRPr sz="1200"/>
+            </a:lvl1pPr>
+          </a:lstStyle>
+          <a:p>
+            <a:fld id="{F9DB3DAC-CD90-4DD2-80B1-E135CFB4F8DD}" type="slidenum">
+              <a:rPr lang="en-US" smtClean="0"/>
+              <a:t>‹#›</a:t>
+            </a:fld>
+            <a:endParaRPr lang="en-US"/>
+          </a:p>
+        </p:txBody>
+      </p:sp>
+    </p:spTree>
+    <p:extLst>
+      <p:ext uri="{BB962C8B-B14F-4D97-AF65-F5344CB8AC3E}">
+        <p14:creationId xmlns:p14="http://schemas.microsoft.com/office/powerpoint/2010/main" val="910863514"/>
+      </p:ext>
+    </p:extLst>
+  </p:cSld>
+  <p:clrMap bg1="lt1" tx1="dk1" bg2="lt2" tx2="dk2" accent1="accent1" accent2="accent2" accent3="accent3" accent4="accent4" accent5="accent5" accent6="accent6" hlink="hlink" folHlink="folHlink"/>
+  <p:notesStyle>
+    <a:lvl1pPr marL="0" algn="l" defTabSz="914400" rtl="0" eaLnBrk="1" latinLnBrk="0" hangingPunct="1">
+      <a:defRPr sz="1200" kern="1200">
+        <a:solidFill>
+          <a:schemeClr val="tx1"/>
+        </a:solidFill>
+        <a:latin typeface="+mn-lt"/>
+        <a:ea typeface="+mn-ea"/>
+        <a:cs typeface="+mn-cs"/>
+      </a:defRPr>
+    </a:lvl1pPr>
+    <a:lvl2pPr marL="457200" algn="l" defTabSz="914400" rtl="0" eaLnBrk="1" latinLnBrk="0" hangingPunct="1">
+      <a:defRPr sz="1200" kern="1200">
+        <a:solidFill>
+          <a:schemeClr val="tx1"/>
+        </a:solidFill>
+        <a:latin typeface="+mn-lt"/>
+        <a:ea typeface="+mn-ea"/>
+        <a:cs typeface="+mn-cs"/>
+      </a:defRPr>
+    </a:lvl2pPr>
+    <a:lvl3pPr marL="914400" algn="l" defTabSz="914400" rtl="0" eaLnBrk="1" latinLnBrk="0" hangingPunct="1">
+      <a:defRPr sz="1200" kern="1200">
+        <a:solidFill>
+          <a:schemeClr val="tx1"/>
+        </a:solidFill>
+        <a:latin typeface="+mn-lt"/>
+        <a:ea typeface="+mn-ea"/>
+        <a:cs typeface="+mn-cs"/>
+      </a:defRPr>
+    </a:lvl3pPr>
+    <a:lvl4pPr marL="1371600" algn="l" defTabSz="914400" rtl="0" eaLnBrk="1" latinLnBrk="0" hangingPunct="1">
+      <a:defRPr sz="1200" kern="1200">
+        <a:solidFill>
+          <a:schemeClr val="tx1"/>
+        </a:solidFill>
+        <a:latin typeface="+mn-lt"/>
+        <a:ea typeface="+mn-ea"/>
+        <a:cs typeface="+mn-cs"/>
+      </a:defRPr>
+    </a:lvl4pPr>
+    <a:lvl5pPr marL="1828800" algn="l" defTabSz="914400" rtl="0" eaLnBrk="1" latinLnBrk="0" hangingPunct="1">
+      <a:defRPr sz="1200" kern="1200">
+        <a:solidFill>
+          <a:schemeClr val="tx1"/>
+        </a:solidFill>
+        <a:latin typeface="+mn-lt"/>
+        <a:ea typeface="+mn-ea"/>
+        <a:cs typeface="+mn-cs"/>
+      </a:defRPr>
+    </a:lvl5pPr>
+    <a:lvl6pPr marL="2286000" algn="l" defTabSz="914400" rtl="0" eaLnBrk="1" latinLnBrk="0" hangingPunct="1">
+      <a:defRPr sz="1200" kern="1200">
+        <a:solidFill>
+          <a:schemeClr val="tx1"/>
+        </a:solidFill>
+        <a:latin typeface="+mn-lt"/>
+        <a:ea typeface="+mn-ea"/>
+        <a:cs typeface="+mn-cs"/>
+      </a:defRPr>
+    </a:lvl6pPr>
+    <a:lvl7pPr marL="2743200" algn="l" defTabSz="914400" rtl="0" eaLnBrk="1" latinLnBrk="0" hangingPunct="1">
+      <a:defRPr sz="1200" kern="1200">
+        <a:solidFill>
+          <a:schemeClr val="tx1"/>
+        </a:solidFill>
+        <a:latin typeface="+mn-lt"/>
+        <a:ea typeface="+mn-ea"/>
+        <a:cs typeface="+mn-cs"/>
+      </a:defRPr>
+    </a:lvl7pPr>
+    <a:lvl8pPr marL="3200400" algn="l" defTabSz="914400" rtl="0" eaLnBrk="1" latinLnBrk="0" hangingPunct="1">
+      <a:defRPr sz="1200" kern="1200">
+        <a:solidFill>
+          <a:schemeClr val="tx1"/>
+        </a:solidFill>
+        <a:latin typeface="+mn-lt"/>
+        <a:ea typeface="+mn-ea"/>
+        <a:cs typeface="+mn-cs"/>
+      </a:defRPr>
+    </a:lvl8pPr>
+    <a:lvl9pPr marL="3657600" algn="l" defTabSz="914400" rtl="0" eaLnBrk="1" latinLnBrk="0" hangingPunct="1">
+      <a:defRPr sz="1200" kern="1200">
+        <a:solidFill>
+          <a:schemeClr val="tx1"/>
+        </a:solidFill>
+        <a:latin typeface="+mn-lt"/>
+        <a:ea typeface="+mn-ea"/>
+        <a:cs typeface="+mn-cs"/>
+      </a:defRPr>
+    </a:lvl9pPr>
+  </p:notesStyle>
+</p:notesMaster>
+</file>
+
 <file path=ppt/slideLayouts/slideLayout1.xml><?xml version="1.0" encoding="utf-8"?>
 <p:sldLayout xmlns:a="http://schemas.openxmlformats.org/drawingml/2006/main" xmlns:r="http://schemas.openxmlformats.org/officeDocument/2006/relationships" xmlns:p="http://schemas.openxmlformats.org/presentationml/2006/main" type="title" preserve="1">
   <p:cSld name="Title Slide">
@@ -1899,7 +2252,7 @@
           <a:p>
             <a:fld id="{0138B082-EFC2-46C1-B47C-51736C670379}" type="datetimeFigureOut">
               <a:rPr lang="en-US" smtClean="0"/>
-              <a:t>3/6/2021</a:t>
+              <a:t>4/14/2021</a:t>
             </a:fld>
             <a:endParaRPr lang="en-US"/>
           </a:p>
@@ -2067,7 +2420,7 @@
           <a:p>
             <a:fld id="{0138B082-EFC2-46C1-B47C-51736C670379}" type="datetimeFigureOut">
               <a:rPr lang="en-US" smtClean="0"/>
-              <a:t>3/6/2021</a:t>
+              <a:t>4/14/2021</a:t>
             </a:fld>
             <a:endParaRPr lang="en-US"/>
           </a:p>
@@ -2245,7 +2598,7 @@
           <a:p>
             <a:fld id="{0138B082-EFC2-46C1-B47C-51736C670379}" type="datetimeFigureOut">
               <a:rPr lang="en-US" smtClean="0"/>
-              <a:t>3/6/2021</a:t>
+              <a:t>4/14/2021</a:t>
             </a:fld>
             <a:endParaRPr lang="en-US"/>
           </a:p>
@@ -2413,7 +2766,7 @@
           <a:p>
             <a:fld id="{0138B082-EFC2-46C1-B47C-51736C670379}" type="datetimeFigureOut">
               <a:rPr lang="en-US" smtClean="0"/>
-              <a:t>3/6/2021</a:t>
+              <a:t>4/14/2021</a:t>
             </a:fld>
             <a:endParaRPr lang="en-US"/>
           </a:p>
@@ -2658,7 +3011,7 @@
           <a:p>
             <a:fld id="{0138B082-EFC2-46C1-B47C-51736C670379}" type="datetimeFigureOut">
               <a:rPr lang="en-US" smtClean="0"/>
-              <a:t>3/6/2021</a:t>
+              <a:t>4/14/2021</a:t>
             </a:fld>
             <a:endParaRPr lang="en-US"/>
           </a:p>
@@ -2887,7 +3240,7 @@
           <a:p>
             <a:fld id="{0138B082-EFC2-46C1-B47C-51736C670379}" type="datetimeFigureOut">
               <a:rPr lang="en-US" smtClean="0"/>
-              <a:t>3/6/2021</a:t>
+              <a:t>4/14/2021</a:t>
             </a:fld>
             <a:endParaRPr lang="en-US"/>
           </a:p>
@@ -3251,7 +3604,7 @@
           <a:p>
             <a:fld id="{0138B082-EFC2-46C1-B47C-51736C670379}" type="datetimeFigureOut">
               <a:rPr lang="en-US" smtClean="0"/>
-              <a:t>3/6/2021</a:t>
+              <a:t>4/14/2021</a:t>
             </a:fld>
             <a:endParaRPr lang="en-US"/>
           </a:p>
@@ -3368,7 +3721,7 @@
           <a:p>
             <a:fld id="{0138B082-EFC2-46C1-B47C-51736C670379}" type="datetimeFigureOut">
               <a:rPr lang="en-US" smtClean="0"/>
-              <a:t>3/6/2021</a:t>
+              <a:t>4/14/2021</a:t>
             </a:fld>
             <a:endParaRPr lang="en-US"/>
           </a:p>
@@ -3463,7 +3816,7 @@
           <a:p>
             <a:fld id="{0138B082-EFC2-46C1-B47C-51736C670379}" type="datetimeFigureOut">
               <a:rPr lang="en-US" smtClean="0"/>
-              <a:t>3/6/2021</a:t>
+              <a:t>4/14/2021</a:t>
             </a:fld>
             <a:endParaRPr lang="en-US"/>
           </a:p>
@@ -3738,7 +4091,7 @@
           <a:p>
             <a:fld id="{0138B082-EFC2-46C1-B47C-51736C670379}" type="datetimeFigureOut">
               <a:rPr lang="en-US" smtClean="0"/>
-              <a:t>3/6/2021</a:t>
+              <a:t>4/14/2021</a:t>
             </a:fld>
             <a:endParaRPr lang="en-US"/>
           </a:p>
@@ -3990,7 +4343,7 @@
           <a:p>
             <a:fld id="{0138B082-EFC2-46C1-B47C-51736C670379}" type="datetimeFigureOut">
               <a:rPr lang="en-US" smtClean="0"/>
-              <a:t>3/6/2021</a:t>
+              <a:t>4/14/2021</a:t>
             </a:fld>
             <a:endParaRPr lang="en-US"/>
           </a:p>
@@ -4201,7 +4554,7 @@
           <a:p>
             <a:fld id="{0138B082-EFC2-46C1-B47C-51736C670379}" type="datetimeFigureOut">
               <a:rPr lang="en-US" smtClean="0"/>
-              <a:t>3/6/2021</a:t>
+              <a:t>4/14/2021</a:t>
             </a:fld>
             <a:endParaRPr lang="en-US"/>
           </a:p>
@@ -4737,8 +5090,8 @@
         </p:nvSpPr>
         <p:spPr>
           <a:xfrm>
-            <a:off x="0" y="0"/>
-            <a:ext cx="12192000" cy="6858000"/>
+            <a:off x="6574420" y="0"/>
+            <a:ext cx="5617580" cy="6858000"/>
           </a:xfrm>
           <a:prstGeom prst="rect">
             <a:avLst/>
@@ -4780,8 +5133,8 @@
         </p:nvSpPr>
         <p:spPr>
           <a:xfrm>
-            <a:off x="520861" y="393539"/>
-            <a:ext cx="10324617" cy="3139321"/>
+            <a:off x="6817489" y="0"/>
+            <a:ext cx="4120587" cy="1446550"/>
           </a:xfrm>
           <a:prstGeom prst="rect">
             <a:avLst/>
@@ -4795,13 +5148,213 @@
           <a:lstStyle/>
           <a:p>
             <a:r>
-              <a:rPr lang="en-US" sz="6600" b="1" dirty="0">
+              <a:rPr lang="en-US" sz="8800" dirty="0">
                 <a:solidFill>
                   <a:schemeClr val="bg1"/>
                 </a:solidFill>
+                <a:latin typeface="Aliens &amp; cows" panose="00000500000000000000" pitchFamily="2" charset="0"/>
+              </a:rPr>
+              <a:t>Demo</a:t>
+            </a:r>
+          </a:p>
+        </p:txBody>
+      </p:sp>
+      <p:pic>
+        <p:nvPicPr>
+          <p:cNvPr id="2" name="Picture 1"/>
+          <p:cNvPicPr>
+            <a:picLocks noChangeAspect="1"/>
+          </p:cNvPicPr>
+          <p:nvPr/>
+        </p:nvPicPr>
+        <p:blipFill rotWithShape="1">
+          <a:blip r:embed="rId2">
+            <a:extLst>
+              <a:ext uri="{28A0092B-C50C-407E-A947-70E740481C1C}">
+                <a14:useLocalDpi xmlns:a14="http://schemas.microsoft.com/office/drawing/2010/main" val="0"/>
+              </a:ext>
+            </a:extLst>
+          </a:blip>
+          <a:srcRect l="69227" t="33418" r="20112" b="50548"/>
+          <a:stretch/>
+        </p:blipFill>
+        <p:spPr>
+          <a:xfrm>
+            <a:off x="10386349" y="5029795"/>
+            <a:ext cx="1805651" cy="1991719"/>
+          </a:xfrm>
+          <a:prstGeom prst="rect">
+            <a:avLst/>
+          </a:prstGeom>
+        </p:spPr>
+      </p:pic>
+      <p:sp>
+        <p:nvSpPr>
+          <p:cNvPr id="3" name="TextBox 2"/>
+          <p:cNvSpPr txBox="1"/>
+          <p:nvPr/>
+        </p:nvSpPr>
+        <p:spPr>
+          <a:xfrm>
+            <a:off x="173620" y="219919"/>
+            <a:ext cx="5937813" cy="3970318"/>
+          </a:xfrm>
+          <a:prstGeom prst="rect">
+            <a:avLst/>
+          </a:prstGeom>
+          <a:noFill/>
+        </p:spPr>
+        <p:txBody>
+          <a:bodyPr wrap="square" rtlCol="0">
+            <a:spAutoFit/>
+          </a:bodyPr>
+          <a:lstStyle/>
+          <a:p>
+            <a:r>
+              <a:rPr lang="en-US" sz="2800" b="1" dirty="0">
+                <a:solidFill>
+                  <a:srgbClr val="CF3338"/>
+                </a:solidFill>
                 <a:latin typeface="Pragmatica" pitchFamily="2" charset="0"/>
               </a:rPr>
-              <a:t>Welcome to the R Project for Statistical Computing</a:t>
+              <a:t>File: </a:t>
+            </a:r>
+            <a:r>
+              <a:rPr lang="en-US" sz="2800" b="1" dirty="0">
+                <a:solidFill>
+                  <a:srgbClr val="CF3338"/>
+                </a:solidFill>
+                <a:latin typeface="Consolas" panose="020B0609020204030204" pitchFamily="49" charset="0"/>
+              </a:rPr>
+              <a:t>monty-hall.xlsx</a:t>
+            </a:r>
+          </a:p>
+          <a:p>
+            <a:endParaRPr lang="en-US" sz="2800" b="1" dirty="0">
+              <a:solidFill>
+                <a:srgbClr val="CF3338"/>
+              </a:solidFill>
+              <a:latin typeface="Pragmatica" pitchFamily="2" charset="0"/>
+            </a:endParaRPr>
+          </a:p>
+          <a:p>
+            <a:pPr marL="514350" indent="-514350">
+              <a:buFont typeface="Arial" panose="020B0604020202020204" pitchFamily="34" charset="0"/>
+              <a:buChar char="•"/>
+            </a:pPr>
+            <a:r>
+              <a:rPr lang="en-US" sz="2800" b="1" dirty="0">
+                <a:solidFill>
+                  <a:srgbClr val="CF3338"/>
+                </a:solidFill>
+                <a:latin typeface="Pragmatica" pitchFamily="2" charset="0"/>
+              </a:rPr>
+              <a:t>Three doors: one car, two goats</a:t>
+            </a:r>
+          </a:p>
+          <a:p>
+            <a:pPr marL="514350" indent="-514350">
+              <a:buFont typeface="Arial" panose="020B0604020202020204" pitchFamily="34" charset="0"/>
+              <a:buChar char="•"/>
+            </a:pPr>
+            <a:r>
+              <a:rPr lang="en-US" sz="2800" b="1" dirty="0">
+                <a:solidFill>
+                  <a:srgbClr val="CF3338"/>
+                </a:solidFill>
+                <a:latin typeface="Pragmatica" pitchFamily="2" charset="0"/>
+              </a:rPr>
+              <a:t>You pick a door</a:t>
+            </a:r>
+          </a:p>
+          <a:p>
+            <a:pPr marL="514350" indent="-514350">
+              <a:buFont typeface="Arial" panose="020B0604020202020204" pitchFamily="34" charset="0"/>
+              <a:buChar char="•"/>
+            </a:pPr>
+            <a:r>
+              <a:rPr lang="en-US" sz="2800" b="1" dirty="0">
+                <a:solidFill>
+                  <a:srgbClr val="CF3338"/>
+                </a:solidFill>
+                <a:latin typeface="Pragmatica" pitchFamily="2" charset="0"/>
+              </a:rPr>
+              <a:t>Monty opens another door: it has a goat</a:t>
+            </a:r>
+          </a:p>
+          <a:p>
+            <a:pPr marL="514350" indent="-514350">
+              <a:buFont typeface="Arial" panose="020B0604020202020204" pitchFamily="34" charset="0"/>
+              <a:buChar char="•"/>
+            </a:pPr>
+            <a:r>
+              <a:rPr lang="en-US" sz="2800" b="1" dirty="0">
+                <a:solidFill>
+                  <a:srgbClr val="CF3338"/>
+                </a:solidFill>
+                <a:latin typeface="Pragmatica" pitchFamily="2" charset="0"/>
+              </a:rPr>
+              <a:t>Do you stick to your door, or switch doors? Does it matter? </a:t>
+            </a:r>
+          </a:p>
+          <a:p>
+            <a:pPr marL="514350" indent="-514350">
+              <a:buFont typeface="+mj-lt"/>
+              <a:buAutoNum type="arabicPeriod"/>
+            </a:pPr>
+            <a:endParaRPr lang="en-US" sz="2800" b="1" dirty="0">
+              <a:solidFill>
+                <a:srgbClr val="CF3338"/>
+              </a:solidFill>
+              <a:latin typeface="Pragmatica" pitchFamily="2" charset="0"/>
+            </a:endParaRPr>
+          </a:p>
+        </p:txBody>
+      </p:sp>
+      <p:sp>
+        <p:nvSpPr>
+          <p:cNvPr id="7" name="Rectangle 6">
+            <a:extLst>
+              <a:ext uri="{FF2B5EF4-FFF2-40B4-BE49-F238E27FC236}">
+                <a16:creationId xmlns:a16="http://schemas.microsoft.com/office/drawing/2014/main" id="{77BBEC85-7633-435D-A5B3-FFD4CC6C299B}"/>
+              </a:ext>
+            </a:extLst>
+          </p:cNvPr>
+          <p:cNvSpPr/>
+          <p:nvPr/>
+        </p:nvSpPr>
+        <p:spPr>
+          <a:xfrm>
+            <a:off x="6941527" y="4919008"/>
+            <a:ext cx="4120586" cy="1938992"/>
+          </a:xfrm>
+          <a:prstGeom prst="rect">
+            <a:avLst/>
+          </a:prstGeom>
+        </p:spPr>
+        <p:txBody>
+          <a:bodyPr wrap="square">
+            <a:spAutoFit/>
+          </a:bodyPr>
+          <a:lstStyle/>
+          <a:p>
+            <a:r>
+              <a:rPr lang="en-US" sz="6000" dirty="0">
+                <a:solidFill>
+                  <a:schemeClr val="bg1"/>
+                </a:solidFill>
+              </a:rPr>
+              <a:t>🚪🚪🚪</a:t>
+            </a:r>
+          </a:p>
+          <a:p>
+            <a:r>
+              <a:rPr lang="en-US" sz="6000" dirty="0">
+                <a:solidFill>
+                  <a:schemeClr val="bg1"/>
+                </a:solidFill>
+              </a:rPr>
+              <a:t>🐐🚗🐐 </a:t>
             </a:r>
           </a:p>
         </p:txBody>
@@ -4809,7 +5362,7 @@
     </p:spTree>
     <p:extLst>
       <p:ext uri="{BB962C8B-B14F-4D97-AF65-F5344CB8AC3E}">
-        <p14:creationId xmlns:p14="http://schemas.microsoft.com/office/powerpoint/2010/main" val="3466469417"/>
+        <p14:creationId xmlns:p14="http://schemas.microsoft.com/office/powerpoint/2010/main" val="1541719548"/>
       </p:ext>
     </p:extLst>
   </p:cSld>
@@ -4836,45 +5389,59 @@
           <a:chExt cx="0" cy="0"/>
         </a:xfrm>
       </p:grpSpPr>
-      <p:pic>
-        <p:nvPicPr>
-          <p:cNvPr id="10" name="Picture 9"/>
-          <p:cNvPicPr>
-            <a:picLocks noChangeAspect="1"/>
-          </p:cNvPicPr>
-          <p:nvPr/>
-        </p:nvPicPr>
-        <p:blipFill rotWithShape="1">
-          <a:blip r:embed="rId2">
-            <a:extLst>
-              <a:ext uri="{28A0092B-C50C-407E-A947-70E740481C1C}">
-                <a14:useLocalDpi xmlns:a14="http://schemas.microsoft.com/office/drawing/2010/main" val="0"/>
-              </a:ext>
-            </a:extLst>
-          </a:blip>
-          <a:srcRect l="50728" t="56371"/>
-          <a:stretch/>
-        </p:blipFill>
-        <p:spPr>
-          <a:xfrm>
-            <a:off x="10894024" y="5370653"/>
-            <a:ext cx="1297975" cy="1487348"/>
-          </a:xfrm>
-          <a:prstGeom prst="rect">
-            <a:avLst/>
-          </a:prstGeom>
-        </p:spPr>
-      </p:pic>
-      <p:sp>
-        <p:nvSpPr>
-          <p:cNvPr id="11" name="TextBox 10"/>
+      <p:sp>
+        <p:nvSpPr>
+          <p:cNvPr id="4" name="Rectangle 3"/>
+          <p:cNvSpPr/>
+          <p:nvPr/>
+        </p:nvSpPr>
+        <p:spPr>
+          <a:xfrm>
+            <a:off x="0" y="0"/>
+            <a:ext cx="12192000" cy="6858000"/>
+          </a:xfrm>
+          <a:prstGeom prst="rect">
+            <a:avLst/>
+          </a:prstGeom>
+          <a:solidFill>
+            <a:srgbClr val="CF3338"/>
+          </a:solidFill>
+        </p:spPr>
+        <p:style>
+          <a:lnRef idx="2">
+            <a:schemeClr val="accent1">
+              <a:shade val="50000"/>
+            </a:schemeClr>
+          </a:lnRef>
+          <a:fillRef idx="1">
+            <a:schemeClr val="accent1"/>
+          </a:fillRef>
+          <a:effectRef idx="0">
+            <a:schemeClr val="accent1"/>
+          </a:effectRef>
+          <a:fontRef idx="minor">
+            <a:schemeClr val="lt1"/>
+          </a:fontRef>
+        </p:style>
+        <p:txBody>
+          <a:bodyPr rtlCol="0" anchor="ctr"/>
+          <a:lstStyle/>
+          <a:p>
+            <a:pPr algn="ctr"/>
+            <a:endParaRPr lang="en-US"/>
+          </a:p>
+        </p:txBody>
+      </p:sp>
+      <p:sp>
+        <p:nvSpPr>
+          <p:cNvPr id="5" name="TextBox 4"/>
           <p:cNvSpPr txBox="1"/>
           <p:nvPr/>
         </p:nvSpPr>
         <p:spPr>
           <a:xfrm>
-            <a:off x="347240" y="113388"/>
-            <a:ext cx="9799937" cy="1015663"/>
+            <a:off x="520861" y="393539"/>
+            <a:ext cx="10324617" cy="3139321"/>
           </a:xfrm>
           <a:prstGeom prst="rect">
             <a:avLst/>
@@ -4888,178 +5455,13 @@
           <a:lstStyle/>
           <a:p>
             <a:r>
-              <a:rPr lang="en-US" sz="6000" dirty="0">
-                <a:latin typeface="Aliens &amp; cows" panose="00000500000000000000" pitchFamily="2" charset="0"/>
-              </a:rPr>
-              <a:t>R + RStudio</a:t>
-            </a:r>
-          </a:p>
-        </p:txBody>
-      </p:sp>
-      <p:pic>
-        <p:nvPicPr>
-          <p:cNvPr id="2050" name="Picture 2" descr="R (programming language) - Wikipedia">
-            <a:extLst>
-              <a:ext uri="{FF2B5EF4-FFF2-40B4-BE49-F238E27FC236}">
-                <a16:creationId xmlns:a16="http://schemas.microsoft.com/office/drawing/2014/main" id="{0128CF47-2A1A-42EA-88FE-A6A4CE80EA2A}"/>
-              </a:ext>
-            </a:extLst>
-          </p:cNvPr>
-          <p:cNvPicPr>
-            <a:picLocks noChangeAspect="1" noChangeArrowheads="1"/>
-          </p:cNvPicPr>
-          <p:nvPr/>
-        </p:nvPicPr>
-        <p:blipFill>
-          <a:blip r:embed="rId3" cstate="print">
-            <a:extLst>
-              <a:ext uri="{28A0092B-C50C-407E-A947-70E740481C1C}">
-                <a14:useLocalDpi xmlns:a14="http://schemas.microsoft.com/office/drawing/2010/main" val="0"/>
-              </a:ext>
-            </a:extLst>
-          </a:blip>
-          <a:srcRect/>
-          <a:stretch>
-            <a:fillRect/>
-          </a:stretch>
-        </p:blipFill>
-        <p:spPr bwMode="auto">
-          <a:xfrm>
-            <a:off x="238766" y="1888627"/>
-            <a:ext cx="3975018" cy="3080746"/>
-          </a:xfrm>
-          <a:prstGeom prst="rect">
-            <a:avLst/>
-          </a:prstGeom>
-          <a:noFill/>
-          <a:extLst>
-            <a:ext uri="{909E8E84-426E-40DD-AFC4-6F175D3DCCD1}">
-              <a14:hiddenFill xmlns:a14="http://schemas.microsoft.com/office/drawing/2010/main">
-                <a:solidFill>
-                  <a:srgbClr val="FFFFFF"/>
-                </a:solidFill>
-              </a14:hiddenFill>
-            </a:ext>
-          </a:extLst>
-        </p:spPr>
-      </p:pic>
-      <p:pic>
-        <p:nvPicPr>
-          <p:cNvPr id="2052" name="Picture 4" descr="RStudio Partnership and Consultancy Services | Mango Solutions">
-            <a:extLst>
-              <a:ext uri="{FF2B5EF4-FFF2-40B4-BE49-F238E27FC236}">
-                <a16:creationId xmlns:a16="http://schemas.microsoft.com/office/drawing/2014/main" id="{EA0D657F-7250-41AF-AB4A-1E6E0E6D3D7F}"/>
-              </a:ext>
-            </a:extLst>
-          </p:cNvPr>
-          <p:cNvPicPr>
-            <a:picLocks noChangeAspect="1" noChangeArrowheads="1"/>
-          </p:cNvPicPr>
-          <p:nvPr/>
-        </p:nvPicPr>
-        <p:blipFill>
-          <a:blip r:embed="rId4">
-            <a:extLst>
-              <a:ext uri="{28A0092B-C50C-407E-A947-70E740481C1C}">
-                <a14:useLocalDpi xmlns:a14="http://schemas.microsoft.com/office/drawing/2010/main" val="0"/>
-              </a:ext>
-            </a:extLst>
-          </a:blip>
-          <a:srcRect/>
-          <a:stretch>
-            <a:fillRect/>
-          </a:stretch>
-        </p:blipFill>
-        <p:spPr bwMode="auto">
-          <a:xfrm>
-            <a:off x="4820642" y="1690187"/>
-            <a:ext cx="7371358" cy="3680466"/>
-          </a:xfrm>
-          <a:prstGeom prst="rect">
-            <a:avLst/>
-          </a:prstGeom>
-          <a:noFill/>
-          <a:extLst>
-            <a:ext uri="{909E8E84-426E-40DD-AFC4-6F175D3DCCD1}">
-              <a14:hiddenFill xmlns:a14="http://schemas.microsoft.com/office/drawing/2010/main">
-                <a:solidFill>
-                  <a:srgbClr val="FFFFFF"/>
-                </a:solidFill>
-              </a14:hiddenFill>
-            </a:ext>
-          </a:extLst>
-        </p:spPr>
-      </p:pic>
-      <p:sp>
-        <p:nvSpPr>
-          <p:cNvPr id="8" name="TextBox 7">
-            <a:extLst>
-              <a:ext uri="{FF2B5EF4-FFF2-40B4-BE49-F238E27FC236}">
-                <a16:creationId xmlns:a16="http://schemas.microsoft.com/office/drawing/2014/main" id="{11840D5C-3D15-43FA-828B-81755108AC4E}"/>
-              </a:ext>
-            </a:extLst>
-          </p:cNvPr>
-          <p:cNvSpPr txBox="1"/>
-          <p:nvPr/>
-        </p:nvSpPr>
-        <p:spPr>
-          <a:xfrm>
-            <a:off x="6168274" y="5139819"/>
-            <a:ext cx="3223967" cy="461665"/>
-          </a:xfrm>
-          <a:prstGeom prst="rect">
-            <a:avLst/>
-          </a:prstGeom>
-          <a:noFill/>
-        </p:spPr>
-        <p:txBody>
-          <a:bodyPr wrap="square" rtlCol="0">
-            <a:spAutoFit/>
-          </a:bodyPr>
-          <a:lstStyle/>
-          <a:p>
-            <a:r>
-              <a:rPr lang="en-US" sz="2400" dirty="0">
+              <a:rPr lang="en-US" sz="6600" b="1" dirty="0">
+                <a:solidFill>
+                  <a:schemeClr val="bg1"/>
+                </a:solidFill>
                 <a:latin typeface="Pragmatica" pitchFamily="2" charset="0"/>
               </a:rPr>
-              <a:t>The interface</a:t>
-            </a:r>
-          </a:p>
-        </p:txBody>
-      </p:sp>
-      <p:sp>
-        <p:nvSpPr>
-          <p:cNvPr id="12" name="TextBox 11">
-            <a:extLst>
-              <a:ext uri="{FF2B5EF4-FFF2-40B4-BE49-F238E27FC236}">
-                <a16:creationId xmlns:a16="http://schemas.microsoft.com/office/drawing/2014/main" id="{58B22640-98BF-4B6B-939E-E50C08DEC28C}"/>
-              </a:ext>
-            </a:extLst>
-          </p:cNvPr>
-          <p:cNvSpPr txBox="1"/>
-          <p:nvPr/>
-        </p:nvSpPr>
-        <p:spPr>
-          <a:xfrm>
-            <a:off x="334451" y="5139820"/>
-            <a:ext cx="6103856" cy="461665"/>
-          </a:xfrm>
-          <a:prstGeom prst="rect">
-            <a:avLst/>
-          </a:prstGeom>
-          <a:noFill/>
-        </p:spPr>
-        <p:txBody>
-          <a:bodyPr wrap="square">
-            <a:spAutoFit/>
-          </a:bodyPr>
-          <a:lstStyle/>
-          <a:p>
-            <a:r>
-              <a:rPr lang="en-US" sz="2400" dirty="0">
-                <a:latin typeface="Pragmatica" pitchFamily="2" charset="0"/>
-              </a:rPr>
-              <a:t>The code base</a:t>
+              <a:t>Welcome to the R Project for Statistical Computing</a:t>
             </a:r>
           </a:p>
         </p:txBody>
@@ -5067,7 +5469,7 @@
     </p:spTree>
     <p:extLst>
       <p:ext uri="{BB962C8B-B14F-4D97-AF65-F5344CB8AC3E}">
-        <p14:creationId xmlns:p14="http://schemas.microsoft.com/office/powerpoint/2010/main" val="3954831561"/>
+        <p14:creationId xmlns:p14="http://schemas.microsoft.com/office/powerpoint/2010/main" val="3466469417"/>
       </p:ext>
     </p:extLst>
   </p:cSld>
@@ -5094,86 +5496,9 @@
           <a:chExt cx="0" cy="0"/>
         </a:xfrm>
       </p:grpSpPr>
-      <p:sp>
-        <p:nvSpPr>
-          <p:cNvPr id="4" name="Rectangle 3"/>
-          <p:cNvSpPr/>
-          <p:nvPr/>
-        </p:nvSpPr>
-        <p:spPr>
-          <a:xfrm>
-            <a:off x="6574420" y="0"/>
-            <a:ext cx="5617580" cy="6858000"/>
-          </a:xfrm>
-          <a:prstGeom prst="rect">
-            <a:avLst/>
-          </a:prstGeom>
-          <a:solidFill>
-            <a:srgbClr val="CF3338"/>
-          </a:solidFill>
-        </p:spPr>
-        <p:style>
-          <a:lnRef idx="2">
-            <a:schemeClr val="accent1">
-              <a:shade val="50000"/>
-            </a:schemeClr>
-          </a:lnRef>
-          <a:fillRef idx="1">
-            <a:schemeClr val="accent1"/>
-          </a:fillRef>
-          <a:effectRef idx="0">
-            <a:schemeClr val="accent1"/>
-          </a:effectRef>
-          <a:fontRef idx="minor">
-            <a:schemeClr val="lt1"/>
-          </a:fontRef>
-        </p:style>
-        <p:txBody>
-          <a:bodyPr rtlCol="0" anchor="ctr"/>
-          <a:lstStyle/>
-          <a:p>
-            <a:pPr algn="ctr"/>
-            <a:endParaRPr lang="en-US"/>
-          </a:p>
-        </p:txBody>
-      </p:sp>
-      <p:sp>
-        <p:nvSpPr>
-          <p:cNvPr id="5" name="TextBox 4"/>
-          <p:cNvSpPr txBox="1"/>
-          <p:nvPr/>
-        </p:nvSpPr>
-        <p:spPr>
-          <a:xfrm>
-            <a:off x="6817489" y="0"/>
-            <a:ext cx="4120587" cy="1446550"/>
-          </a:xfrm>
-          <a:prstGeom prst="rect">
-            <a:avLst/>
-          </a:prstGeom>
-          <a:noFill/>
-        </p:spPr>
-        <p:txBody>
-          <a:bodyPr wrap="square" rtlCol="0">
-            <a:spAutoFit/>
-          </a:bodyPr>
-          <a:lstStyle/>
-          <a:p>
-            <a:r>
-              <a:rPr lang="en-US" sz="8800" dirty="0">
-                <a:solidFill>
-                  <a:schemeClr val="bg1"/>
-                </a:solidFill>
-                <a:latin typeface="Aliens &amp; cows" panose="00000500000000000000" pitchFamily="2" charset="0"/>
-              </a:rPr>
-              <a:t>Demo</a:t>
-            </a:r>
-          </a:p>
-        </p:txBody>
-      </p:sp>
       <p:pic>
         <p:nvPicPr>
-          <p:cNvPr id="2" name="Picture 1"/>
+          <p:cNvPr id="10" name="Picture 9"/>
           <p:cNvPicPr>
             <a:picLocks noChangeAspect="1"/>
           </p:cNvPicPr>
@@ -5187,13 +5512,13 @@
               </a:ext>
             </a:extLst>
           </a:blip>
-          <a:srcRect l="69227" t="33418" r="20112" b="50548"/>
+          <a:srcRect l="50728" t="56371"/>
           <a:stretch/>
         </p:blipFill>
         <p:spPr>
           <a:xfrm>
-            <a:off x="10386349" y="5029795"/>
-            <a:ext cx="1805651" cy="1991719"/>
+            <a:off x="10894024" y="5370653"/>
+            <a:ext cx="1297975" cy="1487348"/>
           </a:xfrm>
           <a:prstGeom prst="rect">
             <a:avLst/>
@@ -5202,14 +5527,14 @@
       </p:pic>
       <p:sp>
         <p:nvSpPr>
-          <p:cNvPr id="3" name="TextBox 2"/>
+          <p:cNvPr id="11" name="TextBox 10"/>
           <p:cNvSpPr txBox="1"/>
           <p:nvPr/>
         </p:nvSpPr>
         <p:spPr>
           <a:xfrm>
-            <a:off x="173620" y="219919"/>
-            <a:ext cx="5937813" cy="523220"/>
+            <a:off x="347240" y="113388"/>
+            <a:ext cx="9799937" cy="1015663"/>
           </a:xfrm>
           <a:prstGeom prst="rect">
             <a:avLst/>
@@ -5223,53 +5548,67 @@
           <a:lstStyle/>
           <a:p>
             <a:r>
-              <a:rPr lang="en-US" sz="2800" b="1" dirty="0">
-                <a:solidFill>
-                  <a:srgbClr val="CF3338"/>
-                </a:solidFill>
-                <a:latin typeface="Pragmatica" pitchFamily="2" charset="0"/>
-              </a:rPr>
-              <a:t>Navigate RStudio, beginning with 1+1</a:t>
+              <a:rPr lang="en-US" sz="6000" dirty="0">
+                <a:latin typeface="Aliens &amp; cows" panose="00000500000000000000" pitchFamily="2" charset="0"/>
+              </a:rPr>
+              <a:t>R + RStudio</a:t>
             </a:r>
           </a:p>
         </p:txBody>
       </p:sp>
       <p:pic>
         <p:nvPicPr>
-          <p:cNvPr id="6" name="Picture 5">
+          <p:cNvPr id="2050" name="Picture 2" descr="R (programming language) - Wikipedia">
             <a:extLst>
               <a:ext uri="{FF2B5EF4-FFF2-40B4-BE49-F238E27FC236}">
-                <a16:creationId xmlns:a16="http://schemas.microsoft.com/office/drawing/2014/main" id="{5218695F-4AE3-433F-9564-91CBE67F0F20}"/>
+                <a16:creationId xmlns:a16="http://schemas.microsoft.com/office/drawing/2014/main" id="{0128CF47-2A1A-42EA-88FE-A6A4CE80EA2A}"/>
               </a:ext>
             </a:extLst>
           </p:cNvPr>
           <p:cNvPicPr>
-            <a:picLocks noChangeAspect="1"/>
+            <a:picLocks noChangeAspect="1" noChangeArrowheads="1"/>
           </p:cNvPicPr>
           <p:nvPr/>
         </p:nvPicPr>
         <p:blipFill>
-          <a:blip r:embed="rId3"/>
+          <a:blip r:embed="rId3" cstate="print">
+            <a:extLst>
+              <a:ext uri="{28A0092B-C50C-407E-A947-70E740481C1C}">
+                <a14:useLocalDpi xmlns:a14="http://schemas.microsoft.com/office/drawing/2010/main" val="0"/>
+              </a:ext>
+            </a:extLst>
+          </a:blip>
+          <a:srcRect/>
           <a:stretch>
             <a:fillRect/>
           </a:stretch>
         </p:blipFill>
-        <p:spPr>
-          <a:xfrm>
-            <a:off x="830216" y="1229759"/>
-            <a:ext cx="4442822" cy="1111899"/>
-          </a:xfrm>
-          <a:prstGeom prst="rect">
-            <a:avLst/>
-          </a:prstGeom>
+        <p:spPr bwMode="auto">
+          <a:xfrm>
+            <a:off x="238766" y="1888627"/>
+            <a:ext cx="3975018" cy="3080746"/>
+          </a:xfrm>
+          <a:prstGeom prst="rect">
+            <a:avLst/>
+          </a:prstGeom>
+          <a:noFill/>
+          <a:extLst>
+            <a:ext uri="{909E8E84-426E-40DD-AFC4-6F175D3DCCD1}">
+              <a14:hiddenFill xmlns:a14="http://schemas.microsoft.com/office/drawing/2010/main">
+                <a:solidFill>
+                  <a:srgbClr val="FFFFFF"/>
+                </a:solidFill>
+              </a14:hiddenFill>
+            </a:ext>
+          </a:extLst>
         </p:spPr>
       </p:pic>
       <p:pic>
         <p:nvPicPr>
-          <p:cNvPr id="7" name="Picture 2">
+          <p:cNvPr id="2052" name="Picture 4" descr="RStudio Partnership and Consultancy Services | Mango Solutions">
             <a:extLst>
               <a:ext uri="{FF2B5EF4-FFF2-40B4-BE49-F238E27FC236}">
-                <a16:creationId xmlns:a16="http://schemas.microsoft.com/office/drawing/2014/main" id="{6AA3752F-7DE4-42EF-930F-41F529023B4D}"/>
+                <a16:creationId xmlns:a16="http://schemas.microsoft.com/office/drawing/2014/main" id="{EA0D657F-7250-41AF-AB4A-1E6E0E6D3D7F}"/>
               </a:ext>
             </a:extLst>
           </p:cNvPr>
@@ -5293,8 +5632,8 @@
         </p:blipFill>
         <p:spPr bwMode="auto">
           <a:xfrm>
-            <a:off x="817355" y="2489120"/>
-            <a:ext cx="7995854" cy="4285278"/>
+            <a:off x="4820642" y="1690187"/>
+            <a:ext cx="7371358" cy="3680466"/>
           </a:xfrm>
           <a:prstGeom prst="rect">
             <a:avLst/>
@@ -5311,10 +5650,84 @@
           </a:extLst>
         </p:spPr>
       </p:pic>
+      <p:sp>
+        <p:nvSpPr>
+          <p:cNvPr id="8" name="TextBox 7">
+            <a:extLst>
+              <a:ext uri="{FF2B5EF4-FFF2-40B4-BE49-F238E27FC236}">
+                <a16:creationId xmlns:a16="http://schemas.microsoft.com/office/drawing/2014/main" id="{11840D5C-3D15-43FA-828B-81755108AC4E}"/>
+              </a:ext>
+            </a:extLst>
+          </p:cNvPr>
+          <p:cNvSpPr txBox="1"/>
+          <p:nvPr/>
+        </p:nvSpPr>
+        <p:spPr>
+          <a:xfrm>
+            <a:off x="6168274" y="5139819"/>
+            <a:ext cx="3223967" cy="461665"/>
+          </a:xfrm>
+          <a:prstGeom prst="rect">
+            <a:avLst/>
+          </a:prstGeom>
+          <a:noFill/>
+        </p:spPr>
+        <p:txBody>
+          <a:bodyPr wrap="square" rtlCol="0">
+            <a:spAutoFit/>
+          </a:bodyPr>
+          <a:lstStyle/>
+          <a:p>
+            <a:r>
+              <a:rPr lang="en-US" sz="2400" dirty="0">
+                <a:latin typeface="Pragmatica" pitchFamily="2" charset="0"/>
+              </a:rPr>
+              <a:t>The interface</a:t>
+            </a:r>
+          </a:p>
+        </p:txBody>
+      </p:sp>
+      <p:sp>
+        <p:nvSpPr>
+          <p:cNvPr id="12" name="TextBox 11">
+            <a:extLst>
+              <a:ext uri="{FF2B5EF4-FFF2-40B4-BE49-F238E27FC236}">
+                <a16:creationId xmlns:a16="http://schemas.microsoft.com/office/drawing/2014/main" id="{58B22640-98BF-4B6B-939E-E50C08DEC28C}"/>
+              </a:ext>
+            </a:extLst>
+          </p:cNvPr>
+          <p:cNvSpPr txBox="1"/>
+          <p:nvPr/>
+        </p:nvSpPr>
+        <p:spPr>
+          <a:xfrm>
+            <a:off x="334451" y="5139820"/>
+            <a:ext cx="6103856" cy="461665"/>
+          </a:xfrm>
+          <a:prstGeom prst="rect">
+            <a:avLst/>
+          </a:prstGeom>
+          <a:noFill/>
+        </p:spPr>
+        <p:txBody>
+          <a:bodyPr wrap="square">
+            <a:spAutoFit/>
+          </a:bodyPr>
+          <a:lstStyle/>
+          <a:p>
+            <a:r>
+              <a:rPr lang="en-US" sz="2400" dirty="0">
+                <a:latin typeface="Pragmatica" pitchFamily="2" charset="0"/>
+              </a:rPr>
+              <a:t>The code base</a:t>
+            </a:r>
+          </a:p>
+        </p:txBody>
+      </p:sp>
     </p:spTree>
     <p:extLst>
       <p:ext uri="{BB962C8B-B14F-4D97-AF65-F5344CB8AC3E}">
-        <p14:creationId xmlns:p14="http://schemas.microsoft.com/office/powerpoint/2010/main" val="3438141686"/>
+        <p14:creationId xmlns:p14="http://schemas.microsoft.com/office/powerpoint/2010/main" val="3954831561"/>
       </p:ext>
     </p:extLst>
   </p:cSld>
@@ -5341,9 +5754,86 @@
           <a:chExt cx="0" cy="0"/>
         </a:xfrm>
       </p:grpSpPr>
+      <p:sp>
+        <p:nvSpPr>
+          <p:cNvPr id="4" name="Rectangle 3"/>
+          <p:cNvSpPr/>
+          <p:nvPr/>
+        </p:nvSpPr>
+        <p:spPr>
+          <a:xfrm>
+            <a:off x="6574420" y="0"/>
+            <a:ext cx="5617580" cy="6858000"/>
+          </a:xfrm>
+          <a:prstGeom prst="rect">
+            <a:avLst/>
+          </a:prstGeom>
+          <a:solidFill>
+            <a:srgbClr val="CF3338"/>
+          </a:solidFill>
+        </p:spPr>
+        <p:style>
+          <a:lnRef idx="2">
+            <a:schemeClr val="accent1">
+              <a:shade val="50000"/>
+            </a:schemeClr>
+          </a:lnRef>
+          <a:fillRef idx="1">
+            <a:schemeClr val="accent1"/>
+          </a:fillRef>
+          <a:effectRef idx="0">
+            <a:schemeClr val="accent1"/>
+          </a:effectRef>
+          <a:fontRef idx="minor">
+            <a:schemeClr val="lt1"/>
+          </a:fontRef>
+        </p:style>
+        <p:txBody>
+          <a:bodyPr rtlCol="0" anchor="ctr"/>
+          <a:lstStyle/>
+          <a:p>
+            <a:pPr algn="ctr"/>
+            <a:endParaRPr lang="en-US"/>
+          </a:p>
+        </p:txBody>
+      </p:sp>
+      <p:sp>
+        <p:nvSpPr>
+          <p:cNvPr id="5" name="TextBox 4"/>
+          <p:cNvSpPr txBox="1"/>
+          <p:nvPr/>
+        </p:nvSpPr>
+        <p:spPr>
+          <a:xfrm>
+            <a:off x="6817489" y="0"/>
+            <a:ext cx="4120587" cy="1446550"/>
+          </a:xfrm>
+          <a:prstGeom prst="rect">
+            <a:avLst/>
+          </a:prstGeom>
+          <a:noFill/>
+        </p:spPr>
+        <p:txBody>
+          <a:bodyPr wrap="square" rtlCol="0">
+            <a:spAutoFit/>
+          </a:bodyPr>
+          <a:lstStyle/>
+          <a:p>
+            <a:r>
+              <a:rPr lang="en-US" sz="8800" dirty="0">
+                <a:solidFill>
+                  <a:schemeClr val="bg1"/>
+                </a:solidFill>
+                <a:latin typeface="Aliens &amp; cows" panose="00000500000000000000" pitchFamily="2" charset="0"/>
+              </a:rPr>
+              <a:t>Demo</a:t>
+            </a:r>
+          </a:p>
+        </p:txBody>
+      </p:sp>
       <p:pic>
         <p:nvPicPr>
-          <p:cNvPr id="10" name="Picture 9"/>
+          <p:cNvPr id="2" name="Picture 1"/>
           <p:cNvPicPr>
             <a:picLocks noChangeAspect="1"/>
           </p:cNvPicPr>
@@ -5357,13 +5847,13 @@
               </a:ext>
             </a:extLst>
           </a:blip>
-          <a:srcRect l="50728" t="56371"/>
+          <a:srcRect l="69227" t="33418" r="20112" b="50548"/>
           <a:stretch/>
         </p:blipFill>
         <p:spPr>
           <a:xfrm>
-            <a:off x="10894024" y="5370653"/>
-            <a:ext cx="1297975" cy="1487348"/>
+            <a:off x="10386349" y="5029795"/>
+            <a:ext cx="1805651" cy="1991719"/>
           </a:xfrm>
           <a:prstGeom prst="rect">
             <a:avLst/>
@@ -5372,14 +5862,14 @@
       </p:pic>
       <p:sp>
         <p:nvSpPr>
-          <p:cNvPr id="11" name="TextBox 10"/>
+          <p:cNvPr id="3" name="TextBox 2"/>
           <p:cNvSpPr txBox="1"/>
           <p:nvPr/>
         </p:nvSpPr>
         <p:spPr>
           <a:xfrm>
-            <a:off x="347240" y="113388"/>
-            <a:ext cx="9799937" cy="1015663"/>
+            <a:off x="173620" y="219919"/>
+            <a:ext cx="5937813" cy="523220"/>
           </a:xfrm>
           <a:prstGeom prst="rect">
             <a:avLst/>
@@ -5393,285 +5883,23 @@
           <a:lstStyle/>
           <a:p>
             <a:r>
-              <a:rPr lang="en-US" sz="6000" dirty="0">
-                <a:latin typeface="Aliens &amp; cows" panose="00000500000000000000" pitchFamily="2" charset="0"/>
-              </a:rPr>
-              <a:t>The dialects of data</a:t>
-            </a:r>
-          </a:p>
-        </p:txBody>
-      </p:sp>
-      <p:sp>
-        <p:nvSpPr>
-          <p:cNvPr id="3" name="TextBox 2"/>
-          <p:cNvSpPr txBox="1"/>
-          <p:nvPr/>
-        </p:nvSpPr>
-        <p:spPr>
-          <a:xfrm>
-            <a:off x="347240" y="2544846"/>
-            <a:ext cx="4325428" cy="1815882"/>
-          </a:xfrm>
-          <a:prstGeom prst="rect">
-            <a:avLst/>
-          </a:prstGeom>
-          <a:noFill/>
-        </p:spPr>
-        <p:txBody>
-          <a:bodyPr wrap="square" rtlCol="0">
-            <a:spAutoFit/>
-          </a:bodyPr>
-          <a:lstStyle/>
-          <a:p>
-            <a:r>
-              <a:rPr lang="en-US" sz="2800" dirty="0">
-                <a:solidFill>
-                  <a:srgbClr val="707070"/>
-                </a:solidFill>
-                <a:latin typeface="Pragmatica" panose="020B0403040502020204" pitchFamily="34" charset="0"/>
-              </a:rPr>
-              <a:t>“Get me the average price for each cut, sorted from high to low.” </a:t>
-            </a:r>
-          </a:p>
-        </p:txBody>
-      </p:sp>
-      <p:sp>
-        <p:nvSpPr>
-          <p:cNvPr id="5" name="TextBox 4">
+              <a:rPr lang="en-US" sz="2800" b="1" dirty="0">
+                <a:solidFill>
+                  <a:srgbClr val="CF3338"/>
+                </a:solidFill>
+                <a:latin typeface="Pragmatica" pitchFamily="2" charset="0"/>
+              </a:rPr>
+              <a:t>Navigate RStudio, beginning with 1+1</a:t>
+            </a:r>
+          </a:p>
+        </p:txBody>
+      </p:sp>
+      <p:pic>
+        <p:nvPicPr>
+          <p:cNvPr id="6" name="Picture 5">
             <a:extLst>
               <a:ext uri="{FF2B5EF4-FFF2-40B4-BE49-F238E27FC236}">
-                <a16:creationId xmlns:a16="http://schemas.microsoft.com/office/drawing/2014/main" id="{5CD2711C-9244-49AC-9EDF-AC9C2AA093A7}"/>
-              </a:ext>
-            </a:extLst>
-          </p:cNvPr>
-          <p:cNvSpPr txBox="1"/>
-          <p:nvPr/>
-        </p:nvSpPr>
-        <p:spPr>
-          <a:xfrm>
-            <a:off x="6682326" y="1977831"/>
-            <a:ext cx="5040191" cy="2677656"/>
-          </a:xfrm>
-          <a:prstGeom prst="rect">
-            <a:avLst/>
-          </a:prstGeom>
-          <a:noFill/>
-        </p:spPr>
-        <p:txBody>
-          <a:bodyPr wrap="square" rtlCol="0">
-            <a:spAutoFit/>
-          </a:bodyPr>
-          <a:lstStyle/>
-          <a:p>
-            <a:pPr marL="514350" indent="-514350">
-              <a:buAutoNum type="arabicPeriod"/>
-            </a:pPr>
-            <a:r>
-              <a:rPr lang="en-US" sz="2800" dirty="0">
-                <a:solidFill>
-                  <a:srgbClr val="707070"/>
-                </a:solidFill>
-                <a:latin typeface="Pragmatica" panose="020B0403040502020204" pitchFamily="34" charset="0"/>
-              </a:rPr>
-              <a:t>Group by origin</a:t>
-            </a:r>
-          </a:p>
-          <a:p>
-            <a:pPr marL="514350" indent="-514350">
-              <a:buAutoNum type="arabicPeriod"/>
-            </a:pPr>
-            <a:endParaRPr lang="en-US" sz="2800" dirty="0">
-              <a:solidFill>
-                <a:srgbClr val="707070"/>
-              </a:solidFill>
-              <a:latin typeface="Pragmatica" panose="020B0403040502020204" pitchFamily="34" charset="0"/>
-            </a:endParaRPr>
-          </a:p>
-          <a:p>
-            <a:pPr marL="514350" indent="-514350">
-              <a:buAutoNum type="arabicPeriod"/>
-            </a:pPr>
-            <a:r>
-              <a:rPr lang="en-US" sz="2800" dirty="0">
-                <a:solidFill>
-                  <a:srgbClr val="707070"/>
-                </a:solidFill>
-                <a:latin typeface="Pragmatica" panose="020B0403040502020204" pitchFamily="34" charset="0"/>
-              </a:rPr>
-              <a:t>Find average for each group</a:t>
-            </a:r>
-          </a:p>
-          <a:p>
-            <a:pPr marL="514350" indent="-514350">
-              <a:buAutoNum type="arabicPeriod"/>
-            </a:pPr>
-            <a:endParaRPr lang="en-US" sz="2800" dirty="0">
-              <a:solidFill>
-                <a:srgbClr val="707070"/>
-              </a:solidFill>
-              <a:latin typeface="Pragmatica" panose="020B0403040502020204" pitchFamily="34" charset="0"/>
-            </a:endParaRPr>
-          </a:p>
-          <a:p>
-            <a:pPr marL="514350" indent="-514350">
-              <a:buAutoNum type="arabicPeriod"/>
-            </a:pPr>
-            <a:r>
-              <a:rPr lang="en-US" sz="2800" dirty="0">
-                <a:solidFill>
-                  <a:srgbClr val="707070"/>
-                </a:solidFill>
-                <a:latin typeface="Pragmatica" panose="020B0403040502020204" pitchFamily="34" charset="0"/>
-              </a:rPr>
-              <a:t>Sort the results</a:t>
-            </a:r>
-          </a:p>
-        </p:txBody>
-      </p:sp>
-      <p:cxnSp>
-        <p:nvCxnSpPr>
-          <p:cNvPr id="4" name="Straight Arrow Connector 3">
-            <a:extLst>
-              <a:ext uri="{FF2B5EF4-FFF2-40B4-BE49-F238E27FC236}">
-                <a16:creationId xmlns:a16="http://schemas.microsoft.com/office/drawing/2014/main" id="{8D12AC44-E2BF-4091-8644-F8DFC5A9B165}"/>
-              </a:ext>
-            </a:extLst>
-          </p:cNvPr>
-          <p:cNvCxnSpPr>
-            <a:cxnSpLocks/>
-          </p:cNvCxnSpPr>
-          <p:nvPr/>
-        </p:nvCxnSpPr>
-        <p:spPr>
-          <a:xfrm flipV="1">
-            <a:off x="4672668" y="2306972"/>
-            <a:ext cx="1585519" cy="578841"/>
-          </a:xfrm>
-          <a:prstGeom prst="straightConnector1">
-            <a:avLst/>
-          </a:prstGeom>
-          <a:ln>
-            <a:solidFill>
-              <a:schemeClr val="bg1">
-                <a:lumMod val="50000"/>
-              </a:schemeClr>
-            </a:solidFill>
-            <a:tailEnd type="triangle"/>
-          </a:ln>
-        </p:spPr>
-        <p:style>
-          <a:lnRef idx="1">
-            <a:schemeClr val="accent1"/>
-          </a:lnRef>
-          <a:fillRef idx="0">
-            <a:schemeClr val="accent1"/>
-          </a:fillRef>
-          <a:effectRef idx="0">
-            <a:schemeClr val="accent1"/>
-          </a:effectRef>
-          <a:fontRef idx="minor">
-            <a:schemeClr val="tx1"/>
-          </a:fontRef>
-        </p:style>
-      </p:cxnSp>
-      <p:cxnSp>
-        <p:nvCxnSpPr>
-          <p:cNvPr id="9" name="Straight Arrow Connector 8">
-            <a:extLst>
-              <a:ext uri="{FF2B5EF4-FFF2-40B4-BE49-F238E27FC236}">
-                <a16:creationId xmlns:a16="http://schemas.microsoft.com/office/drawing/2014/main" id="{BFF5B32E-6D9D-45AD-87CB-F7077A45F6C0}"/>
-              </a:ext>
-            </a:extLst>
-          </p:cNvPr>
-          <p:cNvCxnSpPr>
-            <a:cxnSpLocks/>
-          </p:cNvCxnSpPr>
-          <p:nvPr/>
-        </p:nvCxnSpPr>
-        <p:spPr>
-          <a:xfrm flipV="1">
-            <a:off x="4803193" y="3203003"/>
-            <a:ext cx="1454994" cy="40393"/>
-          </a:xfrm>
-          <a:prstGeom prst="straightConnector1">
-            <a:avLst/>
-          </a:prstGeom>
-          <a:ln>
-            <a:solidFill>
-              <a:schemeClr val="bg1">
-                <a:lumMod val="50000"/>
-              </a:schemeClr>
-            </a:solidFill>
-            <a:tailEnd type="triangle"/>
-          </a:ln>
-        </p:spPr>
-        <p:style>
-          <a:lnRef idx="1">
-            <a:schemeClr val="accent1"/>
-          </a:lnRef>
-          <a:fillRef idx="0">
-            <a:schemeClr val="accent1"/>
-          </a:fillRef>
-          <a:effectRef idx="0">
-            <a:schemeClr val="accent1"/>
-          </a:effectRef>
-          <a:fontRef idx="minor">
-            <a:schemeClr val="tx1"/>
-          </a:fontRef>
-        </p:style>
-      </p:cxnSp>
-      <p:cxnSp>
-        <p:nvCxnSpPr>
-          <p:cNvPr id="12" name="Straight Arrow Connector 11">
-            <a:extLst>
-              <a:ext uri="{FF2B5EF4-FFF2-40B4-BE49-F238E27FC236}">
-                <a16:creationId xmlns:a16="http://schemas.microsoft.com/office/drawing/2014/main" id="{555197BB-D59B-4ABE-9165-62CB521FBC6D}"/>
-              </a:ext>
-            </a:extLst>
-          </p:cNvPr>
-          <p:cNvCxnSpPr>
-            <a:cxnSpLocks/>
-          </p:cNvCxnSpPr>
-          <p:nvPr/>
-        </p:nvCxnSpPr>
-        <p:spPr>
-          <a:xfrm>
-            <a:off x="4803193" y="3734593"/>
-            <a:ext cx="1585519" cy="626135"/>
-          </a:xfrm>
-          <a:prstGeom prst="straightConnector1">
-            <a:avLst/>
-          </a:prstGeom>
-          <a:ln>
-            <a:solidFill>
-              <a:schemeClr val="bg1">
-                <a:lumMod val="50000"/>
-              </a:schemeClr>
-            </a:solidFill>
-            <a:tailEnd type="triangle"/>
-          </a:ln>
-        </p:spPr>
-        <p:style>
-          <a:lnRef idx="1">
-            <a:schemeClr val="accent1"/>
-          </a:lnRef>
-          <a:fillRef idx="0">
-            <a:schemeClr val="accent1"/>
-          </a:fillRef>
-          <a:effectRef idx="0">
-            <a:schemeClr val="accent1"/>
-          </a:effectRef>
-          <a:fontRef idx="minor">
-            <a:schemeClr val="tx1"/>
-          </a:fontRef>
-        </p:style>
-      </p:cxnSp>
-      <p:pic>
-        <p:nvPicPr>
-          <p:cNvPr id="14" name="Graphic 13" descr="Diamond with solid fill">
-            <a:extLst>
-              <a:ext uri="{FF2B5EF4-FFF2-40B4-BE49-F238E27FC236}">
-                <a16:creationId xmlns:a16="http://schemas.microsoft.com/office/drawing/2014/main" id="{F3C80350-D54B-46FE-B232-4E9E12B20698}"/>
+                <a16:creationId xmlns:a16="http://schemas.microsoft.com/office/drawing/2014/main" id="{5218695F-4AE3-433F-9564-91CBE67F0F20}"/>
               </a:ext>
             </a:extLst>
           </p:cNvPr>
@@ -5681,34 +5909,72 @@
           <p:nvPr/>
         </p:nvPicPr>
         <p:blipFill>
-          <a:blip r:embed="rId3">
+          <a:blip r:embed="rId3"/>
+          <a:stretch>
+            <a:fillRect/>
+          </a:stretch>
+        </p:blipFill>
+        <p:spPr>
+          <a:xfrm>
+            <a:off x="830216" y="1229759"/>
+            <a:ext cx="4442822" cy="1111899"/>
+          </a:xfrm>
+          <a:prstGeom prst="rect">
+            <a:avLst/>
+          </a:prstGeom>
+        </p:spPr>
+      </p:pic>
+      <p:pic>
+        <p:nvPicPr>
+          <p:cNvPr id="7" name="Picture 2">
+            <a:extLst>
+              <a:ext uri="{FF2B5EF4-FFF2-40B4-BE49-F238E27FC236}">
+                <a16:creationId xmlns:a16="http://schemas.microsoft.com/office/drawing/2014/main" id="{6AA3752F-7DE4-42EF-930F-41F529023B4D}"/>
+              </a:ext>
+            </a:extLst>
+          </p:cNvPr>
+          <p:cNvPicPr>
+            <a:picLocks noChangeAspect="1" noChangeArrowheads="1"/>
+          </p:cNvPicPr>
+          <p:nvPr/>
+        </p:nvPicPr>
+        <p:blipFill>
+          <a:blip r:embed="rId4">
             <a:extLst>
               <a:ext uri="{28A0092B-C50C-407E-A947-70E740481C1C}">
                 <a14:useLocalDpi xmlns:a14="http://schemas.microsoft.com/office/drawing/2010/main" val="0"/>
               </a:ext>
-              <a:ext uri="{96DAC541-7B7A-43D3-8B79-37D633B846F1}">
-                <asvg:svgBlip xmlns:asvg="http://schemas.microsoft.com/office/drawing/2016/SVG/main" r:embed="rId4"/>
-              </a:ext>
             </a:extLst>
           </a:blip>
+          <a:srcRect/>
           <a:stretch>
             <a:fillRect/>
           </a:stretch>
         </p:blipFill>
-        <p:spPr>
-          <a:xfrm>
-            <a:off x="1" y="5180904"/>
-            <a:ext cx="1845578" cy="1845578"/>
-          </a:xfrm>
-          <a:prstGeom prst="rect">
-            <a:avLst/>
-          </a:prstGeom>
+        <p:spPr bwMode="auto">
+          <a:xfrm>
+            <a:off x="817355" y="2489120"/>
+            <a:ext cx="7995854" cy="4285278"/>
+          </a:xfrm>
+          <a:prstGeom prst="rect">
+            <a:avLst/>
+          </a:prstGeom>
+          <a:noFill/>
+          <a:extLst>
+            <a:ext uri="{909E8E84-426E-40DD-AFC4-6F175D3DCCD1}">
+              <a14:hiddenFill xmlns:a14="http://schemas.microsoft.com/office/drawing/2010/main">
+                <a:solidFill>
+                  <a:srgbClr val="FFFFFF"/>
+                </a:solidFill>
+              </a14:hiddenFill>
+            </a:ext>
+          </a:extLst>
         </p:spPr>
       </p:pic>
     </p:spTree>
     <p:extLst>
       <p:ext uri="{BB962C8B-B14F-4D97-AF65-F5344CB8AC3E}">
-        <p14:creationId xmlns:p14="http://schemas.microsoft.com/office/powerpoint/2010/main" val="1013603368"/>
+        <p14:creationId xmlns:p14="http://schemas.microsoft.com/office/powerpoint/2010/main" val="3438141686"/>
       </p:ext>
     </p:extLst>
   </p:cSld>
@@ -5773,7 +6039,7 @@
         <p:spPr>
           <a:xfrm>
             <a:off x="347240" y="113388"/>
-            <a:ext cx="9799937" cy="1938992"/>
+            <a:ext cx="9799937" cy="1015663"/>
           </a:xfrm>
           <a:prstGeom prst="rect">
             <a:avLst/>
@@ -5790,7 +6056,7 @@
               <a:rPr lang="en-US" sz="6000" dirty="0">
                 <a:latin typeface="Aliens &amp; cows" panose="00000500000000000000" pitchFamily="2" charset="0"/>
               </a:rPr>
-              <a:t>Packages: “There’s an App for that!”</a:t>
+              <a:t>The dialects of data</a:t>
             </a:r>
           </a:p>
         </p:txBody>
@@ -5803,8 +6069,8 @@
         </p:nvSpPr>
         <p:spPr>
           <a:xfrm>
-            <a:off x="454109" y="2297968"/>
-            <a:ext cx="9799937" cy="954107"/>
+            <a:off x="347240" y="2544846"/>
+            <a:ext cx="4325428" cy="1815882"/>
           </a:xfrm>
           <a:prstGeom prst="rect">
             <a:avLst/>
@@ -5817,6 +6083,46 @@
           </a:bodyPr>
           <a:lstStyle/>
           <a:p>
+            <a:r>
+              <a:rPr lang="en-US" sz="2800" dirty="0">
+                <a:solidFill>
+                  <a:srgbClr val="707070"/>
+                </a:solidFill>
+                <a:latin typeface="Pragmatica" panose="020B0403040502020204" pitchFamily="34" charset="0"/>
+              </a:rPr>
+              <a:t>“Get me the average price for each cut, sorted from high to low.” </a:t>
+            </a:r>
+          </a:p>
+        </p:txBody>
+      </p:sp>
+      <p:sp>
+        <p:nvSpPr>
+          <p:cNvPr id="5" name="TextBox 4">
+            <a:extLst>
+              <a:ext uri="{FF2B5EF4-FFF2-40B4-BE49-F238E27FC236}">
+                <a16:creationId xmlns:a16="http://schemas.microsoft.com/office/drawing/2014/main" id="{5CD2711C-9244-49AC-9EDF-AC9C2AA093A7}"/>
+              </a:ext>
+            </a:extLst>
+          </p:cNvPr>
+          <p:cNvSpPr txBox="1"/>
+          <p:nvPr/>
+        </p:nvSpPr>
+        <p:spPr>
+          <a:xfrm>
+            <a:off x="6682326" y="1977831"/>
+            <a:ext cx="5040191" cy="2677656"/>
+          </a:xfrm>
+          <a:prstGeom prst="rect">
+            <a:avLst/>
+          </a:prstGeom>
+          <a:noFill/>
+        </p:spPr>
+        <p:txBody>
+          <a:bodyPr wrap="square" rtlCol="0">
+            <a:spAutoFit/>
+          </a:bodyPr>
+          <a:lstStyle/>
+          <a:p>
             <a:pPr marL="514350" indent="-514350">
               <a:buAutoNum type="arabicPeriod"/>
             </a:pPr>
@@ -5827,13 +6133,24 @@
                 </a:solidFill>
                 <a:latin typeface="Pragmatica" panose="020B0403040502020204" pitchFamily="34" charset="0"/>
               </a:rPr>
-              <a:t>Install the package</a:t>
+              <a:t>Group by origin</a:t>
             </a:r>
           </a:p>
           <a:p>
             <a:pPr marL="514350" indent="-514350">
               <a:buAutoNum type="arabicPeriod"/>
             </a:pPr>
+            <a:endParaRPr lang="en-US" sz="2800" dirty="0">
+              <a:solidFill>
+                <a:srgbClr val="707070"/>
+              </a:solidFill>
+              <a:latin typeface="Pragmatica" panose="020B0403040502020204" pitchFamily="34" charset="0"/>
+            </a:endParaRPr>
+          </a:p>
+          <a:p>
+            <a:pPr marL="514350" indent="-514350">
+              <a:buAutoNum type="arabicPeriod"/>
+            </a:pPr>
             <a:r>
               <a:rPr lang="en-US" sz="2800" dirty="0">
                 <a:solidFill>
@@ -5841,62 +6158,217 @@
                 </a:solidFill>
                 <a:latin typeface="Pragmatica" panose="020B0403040502020204" pitchFamily="34" charset="0"/>
               </a:rPr>
-              <a:t>Open the package</a:t>
-            </a:r>
-          </a:p>
-        </p:txBody>
-      </p:sp>
+              <a:t>Find average for each group</a:t>
+            </a:r>
+          </a:p>
+          <a:p>
+            <a:pPr marL="514350" indent="-514350">
+              <a:buAutoNum type="arabicPeriod"/>
+            </a:pPr>
+            <a:endParaRPr lang="en-US" sz="2800" dirty="0">
+              <a:solidFill>
+                <a:srgbClr val="707070"/>
+              </a:solidFill>
+              <a:latin typeface="Pragmatica" panose="020B0403040502020204" pitchFamily="34" charset="0"/>
+            </a:endParaRPr>
+          </a:p>
+          <a:p>
+            <a:pPr marL="514350" indent="-514350">
+              <a:buAutoNum type="arabicPeriod"/>
+            </a:pPr>
+            <a:r>
+              <a:rPr lang="en-US" sz="2800" dirty="0">
+                <a:solidFill>
+                  <a:srgbClr val="707070"/>
+                </a:solidFill>
+                <a:latin typeface="Pragmatica" panose="020B0403040502020204" pitchFamily="34" charset="0"/>
+              </a:rPr>
+              <a:t>Sort the results</a:t>
+            </a:r>
+          </a:p>
+        </p:txBody>
+      </p:sp>
+      <p:cxnSp>
+        <p:nvCxnSpPr>
+          <p:cNvPr id="4" name="Straight Arrow Connector 3">
+            <a:extLst>
+              <a:ext uri="{FF2B5EF4-FFF2-40B4-BE49-F238E27FC236}">
+                <a16:creationId xmlns:a16="http://schemas.microsoft.com/office/drawing/2014/main" id="{8D12AC44-E2BF-4091-8644-F8DFC5A9B165}"/>
+              </a:ext>
+            </a:extLst>
+          </p:cNvPr>
+          <p:cNvCxnSpPr>
+            <a:cxnSpLocks/>
+          </p:cNvCxnSpPr>
+          <p:nvPr/>
+        </p:nvCxnSpPr>
+        <p:spPr>
+          <a:xfrm flipV="1">
+            <a:off x="4672668" y="2306972"/>
+            <a:ext cx="1585519" cy="578841"/>
+          </a:xfrm>
+          <a:prstGeom prst="straightConnector1">
+            <a:avLst/>
+          </a:prstGeom>
+          <a:ln>
+            <a:solidFill>
+              <a:schemeClr val="bg1">
+                <a:lumMod val="50000"/>
+              </a:schemeClr>
+            </a:solidFill>
+            <a:tailEnd type="triangle"/>
+          </a:ln>
+        </p:spPr>
+        <p:style>
+          <a:lnRef idx="1">
+            <a:schemeClr val="accent1"/>
+          </a:lnRef>
+          <a:fillRef idx="0">
+            <a:schemeClr val="accent1"/>
+          </a:fillRef>
+          <a:effectRef idx="0">
+            <a:schemeClr val="accent1"/>
+          </a:effectRef>
+          <a:fontRef idx="minor">
+            <a:schemeClr val="tx1"/>
+          </a:fontRef>
+        </p:style>
+      </p:cxnSp>
+      <p:cxnSp>
+        <p:nvCxnSpPr>
+          <p:cNvPr id="9" name="Straight Arrow Connector 8">
+            <a:extLst>
+              <a:ext uri="{FF2B5EF4-FFF2-40B4-BE49-F238E27FC236}">
+                <a16:creationId xmlns:a16="http://schemas.microsoft.com/office/drawing/2014/main" id="{BFF5B32E-6D9D-45AD-87CB-F7077A45F6C0}"/>
+              </a:ext>
+            </a:extLst>
+          </p:cNvPr>
+          <p:cNvCxnSpPr>
+            <a:cxnSpLocks/>
+          </p:cNvCxnSpPr>
+          <p:nvPr/>
+        </p:nvCxnSpPr>
+        <p:spPr>
+          <a:xfrm flipV="1">
+            <a:off x="4803193" y="3203003"/>
+            <a:ext cx="1454994" cy="40393"/>
+          </a:xfrm>
+          <a:prstGeom prst="straightConnector1">
+            <a:avLst/>
+          </a:prstGeom>
+          <a:ln>
+            <a:solidFill>
+              <a:schemeClr val="bg1">
+                <a:lumMod val="50000"/>
+              </a:schemeClr>
+            </a:solidFill>
+            <a:tailEnd type="triangle"/>
+          </a:ln>
+        </p:spPr>
+        <p:style>
+          <a:lnRef idx="1">
+            <a:schemeClr val="accent1"/>
+          </a:lnRef>
+          <a:fillRef idx="0">
+            <a:schemeClr val="accent1"/>
+          </a:fillRef>
+          <a:effectRef idx="0">
+            <a:schemeClr val="accent1"/>
+          </a:effectRef>
+          <a:fontRef idx="minor">
+            <a:schemeClr val="tx1"/>
+          </a:fontRef>
+        </p:style>
+      </p:cxnSp>
+      <p:cxnSp>
+        <p:nvCxnSpPr>
+          <p:cNvPr id="12" name="Straight Arrow Connector 11">
+            <a:extLst>
+              <a:ext uri="{FF2B5EF4-FFF2-40B4-BE49-F238E27FC236}">
+                <a16:creationId xmlns:a16="http://schemas.microsoft.com/office/drawing/2014/main" id="{555197BB-D59B-4ABE-9165-62CB521FBC6D}"/>
+              </a:ext>
+            </a:extLst>
+          </p:cNvPr>
+          <p:cNvCxnSpPr>
+            <a:cxnSpLocks/>
+          </p:cNvCxnSpPr>
+          <p:nvPr/>
+        </p:nvCxnSpPr>
+        <p:spPr>
+          <a:xfrm>
+            <a:off x="4803193" y="3734593"/>
+            <a:ext cx="1585519" cy="626135"/>
+          </a:xfrm>
+          <a:prstGeom prst="straightConnector1">
+            <a:avLst/>
+          </a:prstGeom>
+          <a:ln>
+            <a:solidFill>
+              <a:schemeClr val="bg1">
+                <a:lumMod val="50000"/>
+              </a:schemeClr>
+            </a:solidFill>
+            <a:tailEnd type="triangle"/>
+          </a:ln>
+        </p:spPr>
+        <p:style>
+          <a:lnRef idx="1">
+            <a:schemeClr val="accent1"/>
+          </a:lnRef>
+          <a:fillRef idx="0">
+            <a:schemeClr val="accent1"/>
+          </a:fillRef>
+          <a:effectRef idx="0">
+            <a:schemeClr val="accent1"/>
+          </a:effectRef>
+          <a:fontRef idx="minor">
+            <a:schemeClr val="tx1"/>
+          </a:fontRef>
+        </p:style>
+      </p:cxnSp>
       <p:pic>
         <p:nvPicPr>
-          <p:cNvPr id="8194" name="Picture 2">
+          <p:cNvPr id="14" name="Graphic 13" descr="Diamond with solid fill">
             <a:extLst>
               <a:ext uri="{FF2B5EF4-FFF2-40B4-BE49-F238E27FC236}">
-                <a16:creationId xmlns:a16="http://schemas.microsoft.com/office/drawing/2014/main" id="{93A3D79E-EFB5-4C74-925C-52E65CFB9662}"/>
+                <a16:creationId xmlns:a16="http://schemas.microsoft.com/office/drawing/2014/main" id="{F3C80350-D54B-46FE-B232-4E9E12B20698}"/>
               </a:ext>
             </a:extLst>
           </p:cNvPr>
           <p:cNvPicPr>
-            <a:picLocks noChangeAspect="1" noChangeArrowheads="1"/>
+            <a:picLocks noChangeAspect="1"/>
           </p:cNvPicPr>
           <p:nvPr/>
         </p:nvPicPr>
         <p:blipFill>
-          <a:blip r:embed="rId3" cstate="print">
+          <a:blip r:embed="rId3">
             <a:extLst>
               <a:ext uri="{28A0092B-C50C-407E-A947-70E740481C1C}">
                 <a14:useLocalDpi xmlns:a14="http://schemas.microsoft.com/office/drawing/2010/main" val="0"/>
               </a:ext>
+              <a:ext uri="{96DAC541-7B7A-43D3-8B79-37D633B846F1}">
+                <asvg:svgBlip xmlns:asvg="http://schemas.microsoft.com/office/drawing/2016/SVG/main" r:embed="rId4"/>
+              </a:ext>
             </a:extLst>
           </a:blip>
-          <a:srcRect/>
           <a:stretch>
             <a:fillRect/>
           </a:stretch>
         </p:blipFill>
-        <p:spPr bwMode="auto">
-          <a:xfrm rot="16200000">
-            <a:off x="4795276" y="1137677"/>
-            <a:ext cx="5720323" cy="5720323"/>
-          </a:xfrm>
-          <a:prstGeom prst="rect">
-            <a:avLst/>
-          </a:prstGeom>
-          <a:noFill/>
-          <a:extLst>
-            <a:ext uri="{909E8E84-426E-40DD-AFC4-6F175D3DCCD1}">
-              <a14:hiddenFill xmlns:a14="http://schemas.microsoft.com/office/drawing/2010/main">
-                <a:solidFill>
-                  <a:srgbClr val="FFFFFF"/>
-                </a:solidFill>
-              </a14:hiddenFill>
-            </a:ext>
-          </a:extLst>
+        <p:spPr>
+          <a:xfrm>
+            <a:off x="1" y="5180904"/>
+            <a:ext cx="1845578" cy="1845578"/>
+          </a:xfrm>
+          <a:prstGeom prst="rect">
+            <a:avLst/>
+          </a:prstGeom>
         </p:spPr>
       </p:pic>
     </p:spTree>
     <p:extLst>
       <p:ext uri="{BB962C8B-B14F-4D97-AF65-F5344CB8AC3E}">
-        <p14:creationId xmlns:p14="http://schemas.microsoft.com/office/powerpoint/2010/main" val="1008184787"/>
+        <p14:creationId xmlns:p14="http://schemas.microsoft.com/office/powerpoint/2010/main" val="1013603368"/>
       </p:ext>
     </p:extLst>
   </p:cSld>
@@ -5923,86 +6395,9 @@
           <a:chExt cx="0" cy="0"/>
         </a:xfrm>
       </p:grpSpPr>
-      <p:sp>
-        <p:nvSpPr>
-          <p:cNvPr id="4" name="Rectangle 3"/>
-          <p:cNvSpPr/>
-          <p:nvPr/>
-        </p:nvSpPr>
-        <p:spPr>
-          <a:xfrm>
-            <a:off x="6574420" y="0"/>
-            <a:ext cx="5617580" cy="6858000"/>
-          </a:xfrm>
-          <a:prstGeom prst="rect">
-            <a:avLst/>
-          </a:prstGeom>
-          <a:solidFill>
-            <a:srgbClr val="CF3338"/>
-          </a:solidFill>
-        </p:spPr>
-        <p:style>
-          <a:lnRef idx="2">
-            <a:schemeClr val="accent1">
-              <a:shade val="50000"/>
-            </a:schemeClr>
-          </a:lnRef>
-          <a:fillRef idx="1">
-            <a:schemeClr val="accent1"/>
-          </a:fillRef>
-          <a:effectRef idx="0">
-            <a:schemeClr val="accent1"/>
-          </a:effectRef>
-          <a:fontRef idx="minor">
-            <a:schemeClr val="lt1"/>
-          </a:fontRef>
-        </p:style>
-        <p:txBody>
-          <a:bodyPr rtlCol="0" anchor="ctr"/>
-          <a:lstStyle/>
-          <a:p>
-            <a:pPr algn="ctr"/>
-            <a:endParaRPr lang="en-US"/>
-          </a:p>
-        </p:txBody>
-      </p:sp>
-      <p:sp>
-        <p:nvSpPr>
-          <p:cNvPr id="5" name="TextBox 4"/>
-          <p:cNvSpPr txBox="1"/>
-          <p:nvPr/>
-        </p:nvSpPr>
-        <p:spPr>
-          <a:xfrm>
-            <a:off x="6817489" y="0"/>
-            <a:ext cx="4120587" cy="1446550"/>
-          </a:xfrm>
-          <a:prstGeom prst="rect">
-            <a:avLst/>
-          </a:prstGeom>
-          <a:noFill/>
-        </p:spPr>
-        <p:txBody>
-          <a:bodyPr wrap="square" rtlCol="0">
-            <a:spAutoFit/>
-          </a:bodyPr>
-          <a:lstStyle/>
-          <a:p>
-            <a:r>
-              <a:rPr lang="en-US" sz="8800" dirty="0">
-                <a:solidFill>
-                  <a:schemeClr val="bg1"/>
-                </a:solidFill>
-                <a:latin typeface="Aliens &amp; cows" panose="00000500000000000000" pitchFamily="2" charset="0"/>
-              </a:rPr>
-              <a:t>Demo</a:t>
-            </a:r>
-          </a:p>
-        </p:txBody>
-      </p:sp>
       <p:pic>
         <p:nvPicPr>
-          <p:cNvPr id="2" name="Picture 1"/>
+          <p:cNvPr id="10" name="Picture 9"/>
           <p:cNvPicPr>
             <a:picLocks noChangeAspect="1"/>
           </p:cNvPicPr>
@@ -6016,13 +6411,13 @@
               </a:ext>
             </a:extLst>
           </a:blip>
-          <a:srcRect l="69227" t="33418" r="20112" b="50548"/>
+          <a:srcRect l="50728" t="56371"/>
           <a:stretch/>
         </p:blipFill>
         <p:spPr>
           <a:xfrm>
-            <a:off x="10386349" y="5029795"/>
-            <a:ext cx="1805651" cy="1991719"/>
+            <a:off x="10894024" y="5370653"/>
+            <a:ext cx="1297975" cy="1487348"/>
           </a:xfrm>
           <a:prstGeom prst="rect">
             <a:avLst/>
@@ -6031,14 +6426,14 @@
       </p:pic>
       <p:sp>
         <p:nvSpPr>
-          <p:cNvPr id="3" name="TextBox 2"/>
+          <p:cNvPr id="11" name="TextBox 10"/>
           <p:cNvSpPr txBox="1"/>
           <p:nvPr/>
         </p:nvSpPr>
         <p:spPr>
           <a:xfrm>
-            <a:off x="173620" y="219919"/>
-            <a:ext cx="5937813" cy="954107"/>
+            <a:off x="347240" y="113388"/>
+            <a:ext cx="9799937" cy="1938992"/>
           </a:xfrm>
           <a:prstGeom prst="rect">
             <a:avLst/>
@@ -6052,196 +6447,116 @@
           <a:lstStyle/>
           <a:p>
             <a:r>
-              <a:rPr lang="en-US" sz="2800" b="1" dirty="0">
-                <a:solidFill>
-                  <a:srgbClr val="CF3338"/>
-                </a:solidFill>
-                <a:latin typeface="Pragmatica" pitchFamily="2" charset="0"/>
-              </a:rPr>
-              <a:t>Speaking the language of data with the </a:t>
-            </a:r>
-            <a:r>
-              <a:rPr lang="en-US" sz="2800" b="1" dirty="0" err="1">
-                <a:solidFill>
-                  <a:srgbClr val="CF3338"/>
-                </a:solidFill>
-                <a:latin typeface="Consolas" panose="020B0609020204030204" pitchFamily="49" charset="0"/>
-              </a:rPr>
-              <a:t>tidyverse</a:t>
-            </a:r>
-            <a:endParaRPr lang="en-US" sz="2800" b="1" dirty="0">
-              <a:solidFill>
-                <a:srgbClr val="CF3338"/>
-              </a:solidFill>
-              <a:latin typeface="Consolas" panose="020B0609020204030204" pitchFamily="49" charset="0"/>
-            </a:endParaRPr>
-          </a:p>
-        </p:txBody>
-      </p:sp>
-      <p:sp>
-        <p:nvSpPr>
-          <p:cNvPr id="7" name="TextBox 6">
+              <a:rPr lang="en-US" sz="6000" dirty="0">
+                <a:latin typeface="Aliens &amp; cows" panose="00000500000000000000" pitchFamily="2" charset="0"/>
+              </a:rPr>
+              <a:t>Packages: “There’s an App for that!”</a:t>
+            </a:r>
+          </a:p>
+        </p:txBody>
+      </p:sp>
+      <p:sp>
+        <p:nvSpPr>
+          <p:cNvPr id="3" name="TextBox 2"/>
+          <p:cNvSpPr txBox="1"/>
+          <p:nvPr/>
+        </p:nvSpPr>
+        <p:spPr>
+          <a:xfrm>
+            <a:off x="454109" y="2297968"/>
+            <a:ext cx="9799937" cy="954107"/>
+          </a:xfrm>
+          <a:prstGeom prst="rect">
+            <a:avLst/>
+          </a:prstGeom>
+          <a:noFill/>
+        </p:spPr>
+        <p:txBody>
+          <a:bodyPr wrap="square" rtlCol="0">
+            <a:spAutoFit/>
+          </a:bodyPr>
+          <a:lstStyle/>
+          <a:p>
+            <a:pPr marL="514350" indent="-514350">
+              <a:buAutoNum type="arabicPeriod"/>
+            </a:pPr>
+            <a:r>
+              <a:rPr lang="en-US" sz="2800" dirty="0">
+                <a:solidFill>
+                  <a:srgbClr val="707070"/>
+                </a:solidFill>
+                <a:latin typeface="Pragmatica" panose="020B0403040502020204" pitchFamily="34" charset="0"/>
+              </a:rPr>
+              <a:t>Install the package</a:t>
+            </a:r>
+          </a:p>
+          <a:p>
+            <a:pPr marL="514350" indent="-514350">
+              <a:buAutoNum type="arabicPeriod"/>
+            </a:pPr>
+            <a:r>
+              <a:rPr lang="en-US" sz="2800" dirty="0">
+                <a:solidFill>
+                  <a:srgbClr val="707070"/>
+                </a:solidFill>
+                <a:latin typeface="Pragmatica" panose="020B0403040502020204" pitchFamily="34" charset="0"/>
+              </a:rPr>
+              <a:t>Open the package</a:t>
+            </a:r>
+          </a:p>
+        </p:txBody>
+      </p:sp>
+      <p:pic>
+        <p:nvPicPr>
+          <p:cNvPr id="8194" name="Picture 2">
             <a:extLst>
               <a:ext uri="{FF2B5EF4-FFF2-40B4-BE49-F238E27FC236}">
-                <a16:creationId xmlns:a16="http://schemas.microsoft.com/office/drawing/2014/main" id="{855BC584-A237-4C91-9DAB-ADA80256CAC8}"/>
+                <a16:creationId xmlns:a16="http://schemas.microsoft.com/office/drawing/2014/main" id="{93A3D79E-EFB5-4C74-925C-52E65CFB9662}"/>
               </a:ext>
             </a:extLst>
           </p:cNvPr>
-          <p:cNvSpPr txBox="1"/>
-          <p:nvPr/>
-        </p:nvSpPr>
-        <p:spPr>
-          <a:xfrm>
-            <a:off x="158187" y="1446550"/>
-            <a:ext cx="5937813" cy="3970318"/>
+          <p:cNvPicPr>
+            <a:picLocks noChangeAspect="1" noChangeArrowheads="1"/>
+          </p:cNvPicPr>
+          <p:nvPr/>
+        </p:nvPicPr>
+        <p:blipFill>
+          <a:blip r:embed="rId3" cstate="print">
+            <a:extLst>
+              <a:ext uri="{28A0092B-C50C-407E-A947-70E740481C1C}">
+                <a14:useLocalDpi xmlns:a14="http://schemas.microsoft.com/office/drawing/2010/main" val="0"/>
+              </a:ext>
+            </a:extLst>
+          </a:blip>
+          <a:srcRect/>
+          <a:stretch>
+            <a:fillRect/>
+          </a:stretch>
+        </p:blipFill>
+        <p:spPr bwMode="auto">
+          <a:xfrm rot="16200000">
+            <a:off x="4795276" y="1137677"/>
+            <a:ext cx="5720323" cy="5720323"/>
           </a:xfrm>
           <a:prstGeom prst="rect">
             <a:avLst/>
           </a:prstGeom>
           <a:noFill/>
-        </p:spPr>
-        <p:txBody>
-          <a:bodyPr wrap="square" rtlCol="0">
-            <a:spAutoFit/>
-          </a:bodyPr>
-          <a:lstStyle/>
-          <a:p>
-            <a:pPr marL="514350" indent="-514350">
-              <a:buFont typeface="+mj-lt"/>
-              <a:buAutoNum type="arabicPeriod"/>
-            </a:pPr>
-            <a:r>
-              <a:rPr lang="en-US" sz="2800" b="1" dirty="0">
-                <a:solidFill>
-                  <a:srgbClr val="CF3338"/>
-                </a:solidFill>
-                <a:latin typeface="Pragmatica" pitchFamily="2" charset="0"/>
-              </a:rPr>
-              <a:t>Load and explore </a:t>
-            </a:r>
-            <a:r>
-              <a:rPr lang="en-US" sz="2800" b="1" dirty="0">
-                <a:solidFill>
-                  <a:srgbClr val="CF3338"/>
-                </a:solidFill>
-                <a:latin typeface="Consolas" panose="020B0609020204030204" pitchFamily="49" charset="0"/>
-              </a:rPr>
-              <a:t>diamonds</a:t>
-            </a:r>
-            <a:r>
-              <a:rPr lang="en-US" sz="2800" b="1" dirty="0">
-                <a:solidFill>
-                  <a:srgbClr val="CF3338"/>
-                </a:solidFill>
-                <a:latin typeface="Pragmatica" pitchFamily="2" charset="0"/>
-              </a:rPr>
-              <a:t> dataset</a:t>
-            </a:r>
-            <a:endParaRPr lang="en-US" sz="2800" b="1" dirty="0">
-              <a:solidFill>
-                <a:srgbClr val="CF3338"/>
-              </a:solidFill>
-              <a:latin typeface="Consolas" panose="020B0609020204030204" pitchFamily="49" charset="0"/>
-            </a:endParaRPr>
-          </a:p>
-          <a:p>
-            <a:pPr marL="514350" indent="-514350">
-              <a:buFont typeface="+mj-lt"/>
-              <a:buAutoNum type="arabicPeriod"/>
-            </a:pPr>
-            <a:r>
-              <a:rPr lang="en-US" sz="2800" b="1" dirty="0">
-                <a:solidFill>
-                  <a:srgbClr val="CF3338"/>
-                </a:solidFill>
-                <a:latin typeface="Pragmatica" pitchFamily="2" charset="0"/>
-              </a:rPr>
-              <a:t>Write a “sentence” in </a:t>
-            </a:r>
-            <a:r>
-              <a:rPr lang="en-US" sz="2800" b="1" dirty="0" err="1">
-                <a:solidFill>
-                  <a:srgbClr val="CF3338"/>
-                </a:solidFill>
-                <a:latin typeface="Consolas" panose="020B0609020204030204" pitchFamily="49" charset="0"/>
-              </a:rPr>
-              <a:t>dplyr</a:t>
-            </a:r>
-            <a:r>
-              <a:rPr lang="en-US" sz="2800" b="1" dirty="0">
-                <a:solidFill>
-                  <a:srgbClr val="CF3338"/>
-                </a:solidFill>
-                <a:latin typeface="Pragmatica" pitchFamily="2" charset="0"/>
-              </a:rPr>
-              <a:t>:</a:t>
-            </a:r>
-          </a:p>
-          <a:p>
-            <a:pPr lvl="1"/>
-            <a:r>
-              <a:rPr lang="en-US" sz="2800" i="1" dirty="0">
-                <a:solidFill>
-                  <a:srgbClr val="CF3338"/>
-                </a:solidFill>
-                <a:latin typeface="Pragmatica" panose="020B0403040502020204" pitchFamily="34" charset="0"/>
-              </a:rPr>
-              <a:t>“Get me the average price for each cut, sorted from high to low.” </a:t>
-            </a:r>
-          </a:p>
-          <a:p>
-            <a:pPr lvl="1"/>
-            <a:endParaRPr lang="en-US" sz="2800" i="1" dirty="0">
-              <a:solidFill>
-                <a:srgbClr val="CF3338"/>
-              </a:solidFill>
-              <a:latin typeface="Pragmatica" panose="020B0403040502020204" pitchFamily="34" charset="0"/>
-            </a:endParaRPr>
-          </a:p>
-          <a:p>
-            <a:r>
-              <a:rPr lang="en-US" sz="2800" b="1" dirty="0">
-                <a:solidFill>
-                  <a:srgbClr val="CF3338"/>
-                </a:solidFill>
-                <a:latin typeface="Pragmatica" pitchFamily="2" charset="0"/>
-              </a:rPr>
-              <a:t>File: </a:t>
-            </a:r>
-            <a:r>
-              <a:rPr lang="en-US" sz="2800" b="1" dirty="0" err="1">
-                <a:solidFill>
-                  <a:srgbClr val="CF3338"/>
-                </a:solidFill>
-                <a:latin typeface="Consolas" panose="020B0609020204030204" pitchFamily="49" charset="0"/>
-              </a:rPr>
-              <a:t>diamonds.r</a:t>
-            </a:r>
-            <a:endParaRPr lang="en-US" sz="2800" b="1" dirty="0">
-              <a:solidFill>
-                <a:srgbClr val="CF3338"/>
-              </a:solidFill>
-              <a:latin typeface="Consolas" panose="020B0609020204030204" pitchFamily="49" charset="0"/>
-            </a:endParaRPr>
-          </a:p>
-          <a:p>
-            <a:pPr marL="514350" indent="-514350">
-              <a:buFont typeface="+mj-lt"/>
-              <a:buAutoNum type="arabicPeriod"/>
-            </a:pPr>
-            <a:endParaRPr lang="en-US" sz="2800" b="1" dirty="0">
-              <a:solidFill>
-                <a:srgbClr val="CF3338"/>
-              </a:solidFill>
-              <a:latin typeface="Pragmatica" pitchFamily="2" charset="0"/>
-            </a:endParaRPr>
-          </a:p>
-        </p:txBody>
-      </p:sp>
+          <a:extLst>
+            <a:ext uri="{909E8E84-426E-40DD-AFC4-6F175D3DCCD1}">
+              <a14:hiddenFill xmlns:a14="http://schemas.microsoft.com/office/drawing/2010/main">
+                <a:solidFill>
+                  <a:srgbClr val="FFFFFF"/>
+                </a:solidFill>
+              </a14:hiddenFill>
+            </a:ext>
+          </a:extLst>
+        </p:spPr>
+      </p:pic>
     </p:spTree>
     <p:extLst>
       <p:ext uri="{BB962C8B-B14F-4D97-AF65-F5344CB8AC3E}">
-        <p14:creationId xmlns:p14="http://schemas.microsoft.com/office/powerpoint/2010/main" val="1917160677"/>
+        <p14:creationId xmlns:p14="http://schemas.microsoft.com/office/powerpoint/2010/main" val="1008184787"/>
       </p:ext>
     </p:extLst>
   </p:cSld>
@@ -6268,9 +6583,86 @@
           <a:chExt cx="0" cy="0"/>
         </a:xfrm>
       </p:grpSpPr>
+      <p:sp>
+        <p:nvSpPr>
+          <p:cNvPr id="4" name="Rectangle 3"/>
+          <p:cNvSpPr/>
+          <p:nvPr/>
+        </p:nvSpPr>
+        <p:spPr>
+          <a:xfrm>
+            <a:off x="6574420" y="0"/>
+            <a:ext cx="5617580" cy="6858000"/>
+          </a:xfrm>
+          <a:prstGeom prst="rect">
+            <a:avLst/>
+          </a:prstGeom>
+          <a:solidFill>
+            <a:srgbClr val="CF3338"/>
+          </a:solidFill>
+        </p:spPr>
+        <p:style>
+          <a:lnRef idx="2">
+            <a:schemeClr val="accent1">
+              <a:shade val="50000"/>
+            </a:schemeClr>
+          </a:lnRef>
+          <a:fillRef idx="1">
+            <a:schemeClr val="accent1"/>
+          </a:fillRef>
+          <a:effectRef idx="0">
+            <a:schemeClr val="accent1"/>
+          </a:effectRef>
+          <a:fontRef idx="minor">
+            <a:schemeClr val="lt1"/>
+          </a:fontRef>
+        </p:style>
+        <p:txBody>
+          <a:bodyPr rtlCol="0" anchor="ctr"/>
+          <a:lstStyle/>
+          <a:p>
+            <a:pPr algn="ctr"/>
+            <a:endParaRPr lang="en-US"/>
+          </a:p>
+        </p:txBody>
+      </p:sp>
+      <p:sp>
+        <p:nvSpPr>
+          <p:cNvPr id="5" name="TextBox 4"/>
+          <p:cNvSpPr txBox="1"/>
+          <p:nvPr/>
+        </p:nvSpPr>
+        <p:spPr>
+          <a:xfrm>
+            <a:off x="6817489" y="0"/>
+            <a:ext cx="4120587" cy="1446550"/>
+          </a:xfrm>
+          <a:prstGeom prst="rect">
+            <a:avLst/>
+          </a:prstGeom>
+          <a:noFill/>
+        </p:spPr>
+        <p:txBody>
+          <a:bodyPr wrap="square" rtlCol="0">
+            <a:spAutoFit/>
+          </a:bodyPr>
+          <a:lstStyle/>
+          <a:p>
+            <a:r>
+              <a:rPr lang="en-US" sz="8800" dirty="0">
+                <a:solidFill>
+                  <a:schemeClr val="bg1"/>
+                </a:solidFill>
+                <a:latin typeface="Aliens &amp; cows" panose="00000500000000000000" pitchFamily="2" charset="0"/>
+              </a:rPr>
+              <a:t>Demo</a:t>
+            </a:r>
+          </a:p>
+        </p:txBody>
+      </p:sp>
       <p:pic>
         <p:nvPicPr>
-          <p:cNvPr id="10" name="Picture 9"/>
+          <p:cNvPr id="2" name="Picture 1"/>
           <p:cNvPicPr>
             <a:picLocks noChangeAspect="1"/>
           </p:cNvPicPr>
@@ -6284,59 +6676,29 @@
               </a:ext>
             </a:extLst>
           </a:blip>
-          <a:srcRect l="50728" t="56371"/>
+          <a:srcRect l="69227" t="33418" r="20112" b="50548"/>
           <a:stretch/>
         </p:blipFill>
         <p:spPr>
           <a:xfrm>
-            <a:off x="8136460" y="2210765"/>
-            <a:ext cx="4055539" cy="4647236"/>
+            <a:off x="10386349" y="5029795"/>
+            <a:ext cx="1805651" cy="1991719"/>
           </a:xfrm>
           <a:prstGeom prst="rect">
             <a:avLst/>
           </a:prstGeom>
         </p:spPr>
       </p:pic>
-      <p:pic>
-        <p:nvPicPr>
-          <p:cNvPr id="4" name="Picture 3"/>
-          <p:cNvPicPr>
-            <a:picLocks noChangeAspect="1"/>
-          </p:cNvPicPr>
-          <p:nvPr/>
-        </p:nvPicPr>
-        <p:blipFill>
-          <a:blip r:embed="rId3">
-            <a:extLst>
-              <a:ext uri="{28A0092B-C50C-407E-A947-70E740481C1C}">
-                <a14:useLocalDpi xmlns:a14="http://schemas.microsoft.com/office/drawing/2010/main" val="0"/>
-              </a:ext>
-            </a:extLst>
-          </a:blip>
-          <a:stretch>
-            <a:fillRect/>
-          </a:stretch>
-        </p:blipFill>
-        <p:spPr>
-          <a:xfrm>
-            <a:off x="-538496" y="-2482770"/>
-            <a:ext cx="10171472" cy="7459883"/>
-          </a:xfrm>
-          <a:prstGeom prst="rect">
-            <a:avLst/>
-          </a:prstGeom>
-        </p:spPr>
-      </p:pic>
-      <p:sp>
-        <p:nvSpPr>
-          <p:cNvPr id="11" name="TextBox 10"/>
+      <p:sp>
+        <p:nvSpPr>
+          <p:cNvPr id="3" name="TextBox 2"/>
           <p:cNvSpPr txBox="1"/>
           <p:nvPr/>
         </p:nvSpPr>
         <p:spPr>
           <a:xfrm>
-            <a:off x="324091" y="1687545"/>
-            <a:ext cx="7986531" cy="523220"/>
+            <a:off x="173620" y="219919"/>
+            <a:ext cx="5937813" cy="954107"/>
           </a:xfrm>
           <a:prstGeom prst="rect">
             <a:avLst/>
@@ -6352,19 +6714,194 @@
             <a:r>
               <a:rPr lang="en-US" sz="2800" b="1" dirty="0">
                 <a:solidFill>
-                  <a:srgbClr val="707070"/>
+                  <a:srgbClr val="CF3338"/>
+                </a:solidFill>
+                <a:latin typeface="Pragmatica" pitchFamily="2" charset="0"/>
+              </a:rPr>
+              <a:t>Speaking the language of data with the </a:t>
+            </a:r>
+            <a:r>
+              <a:rPr lang="en-US" sz="2800" b="1" dirty="0" err="1">
+                <a:solidFill>
+                  <a:srgbClr val="CF3338"/>
+                </a:solidFill>
+                <a:latin typeface="Consolas" panose="020B0609020204030204" pitchFamily="49" charset="0"/>
+              </a:rPr>
+              <a:t>tidyverse</a:t>
+            </a:r>
+            <a:endParaRPr lang="en-US" sz="2800" b="1" dirty="0">
+              <a:solidFill>
+                <a:srgbClr val="CF3338"/>
+              </a:solidFill>
+              <a:latin typeface="Consolas" panose="020B0609020204030204" pitchFamily="49" charset="0"/>
+            </a:endParaRPr>
+          </a:p>
+        </p:txBody>
+      </p:sp>
+      <p:sp>
+        <p:nvSpPr>
+          <p:cNvPr id="7" name="TextBox 6">
+            <a:extLst>
+              <a:ext uri="{FF2B5EF4-FFF2-40B4-BE49-F238E27FC236}">
+                <a16:creationId xmlns:a16="http://schemas.microsoft.com/office/drawing/2014/main" id="{855BC584-A237-4C91-9DAB-ADA80256CAC8}"/>
+              </a:ext>
+            </a:extLst>
+          </p:cNvPr>
+          <p:cNvSpPr txBox="1"/>
+          <p:nvPr/>
+        </p:nvSpPr>
+        <p:spPr>
+          <a:xfrm>
+            <a:off x="158187" y="1446550"/>
+            <a:ext cx="5937813" cy="3970318"/>
+          </a:xfrm>
+          <a:prstGeom prst="rect">
+            <a:avLst/>
+          </a:prstGeom>
+          <a:noFill/>
+        </p:spPr>
+        <p:txBody>
+          <a:bodyPr wrap="square" rtlCol="0">
+            <a:spAutoFit/>
+          </a:bodyPr>
+          <a:lstStyle/>
+          <a:p>
+            <a:pPr marL="514350" indent="-514350">
+              <a:buFont typeface="+mj-lt"/>
+              <a:buAutoNum type="arabicPeriod"/>
+            </a:pPr>
+            <a:r>
+              <a:rPr lang="en-US" sz="2800" b="1" dirty="0">
+                <a:solidFill>
+                  <a:srgbClr val="CF3338"/>
+                </a:solidFill>
+                <a:latin typeface="Pragmatica" pitchFamily="2" charset="0"/>
+              </a:rPr>
+              <a:t>Load and explore </a:t>
+            </a:r>
+            <a:r>
+              <a:rPr lang="en-US" sz="2800" b="1" dirty="0">
+                <a:solidFill>
+                  <a:srgbClr val="CF3338"/>
+                </a:solidFill>
+                <a:latin typeface="Consolas" panose="020B0609020204030204" pitchFamily="49" charset="0"/>
+              </a:rPr>
+              <a:t>diamonds</a:t>
+            </a:r>
+            <a:r>
+              <a:rPr lang="en-US" sz="2800" b="1" dirty="0">
+                <a:solidFill>
+                  <a:srgbClr val="CF3338"/>
+                </a:solidFill>
+                <a:latin typeface="Pragmatica" pitchFamily="2" charset="0"/>
+              </a:rPr>
+              <a:t> dataset</a:t>
+            </a:r>
+            <a:endParaRPr lang="en-US" sz="2800" b="1" dirty="0">
+              <a:solidFill>
+                <a:srgbClr val="CF3338"/>
+              </a:solidFill>
+              <a:latin typeface="Consolas" panose="020B0609020204030204" pitchFamily="49" charset="0"/>
+            </a:endParaRPr>
+          </a:p>
+          <a:p>
+            <a:pPr marL="514350" indent="-514350">
+              <a:buFont typeface="+mj-lt"/>
+              <a:buAutoNum type="arabicPeriod"/>
+            </a:pPr>
+            <a:r>
+              <a:rPr lang="en-US" sz="2800" b="1" dirty="0">
+                <a:solidFill>
+                  <a:srgbClr val="CF3338"/>
+                </a:solidFill>
+                <a:latin typeface="Pragmatica" pitchFamily="2" charset="0"/>
+              </a:rPr>
+              <a:t>Write a “sentence” in </a:t>
+            </a:r>
+            <a:r>
+              <a:rPr lang="en-US" sz="2800" b="1" dirty="0" err="1">
+                <a:solidFill>
+                  <a:srgbClr val="CF3338"/>
+                </a:solidFill>
+                <a:latin typeface="Consolas" panose="020B0609020204030204" pitchFamily="49" charset="0"/>
+              </a:rPr>
+              <a:t>dplyr</a:t>
+            </a:r>
+            <a:r>
+              <a:rPr lang="en-US" sz="2800" b="1" dirty="0">
+                <a:solidFill>
+                  <a:srgbClr val="CF3338"/>
+                </a:solidFill>
+                <a:latin typeface="Pragmatica" pitchFamily="2" charset="0"/>
+              </a:rPr>
+              <a:t>:</a:t>
+            </a:r>
+          </a:p>
+          <a:p>
+            <a:pPr lvl="1"/>
+            <a:r>
+              <a:rPr lang="en-US" sz="2800" i="1" dirty="0">
+                <a:solidFill>
+                  <a:srgbClr val="CF3338"/>
                 </a:solidFill>
                 <a:latin typeface="Pragmatica" panose="020B0403040502020204" pitchFamily="34" charset="0"/>
               </a:rPr>
-              <a:t>Questions?</a:t>
-            </a:r>
+              <a:t>“Get me the average price for each cut, sorted from high to low.” </a:t>
+            </a:r>
+          </a:p>
+          <a:p>
+            <a:pPr lvl="1"/>
+            <a:endParaRPr lang="en-US" sz="2800" i="1" dirty="0">
+              <a:solidFill>
+                <a:srgbClr val="CF3338"/>
+              </a:solidFill>
+              <a:latin typeface="Pragmatica" panose="020B0403040502020204" pitchFamily="34" charset="0"/>
+            </a:endParaRPr>
+          </a:p>
+          <a:p>
+            <a:r>
+              <a:rPr lang="en-US" sz="2800" b="1" dirty="0">
+                <a:solidFill>
+                  <a:srgbClr val="CF3338"/>
+                </a:solidFill>
+                <a:latin typeface="Pragmatica" pitchFamily="2" charset="0"/>
+              </a:rPr>
+              <a:t>File: </a:t>
+            </a:r>
+            <a:r>
+              <a:rPr lang="en-US" sz="2800" b="1" dirty="0" err="1">
+                <a:solidFill>
+                  <a:srgbClr val="CF3338"/>
+                </a:solidFill>
+                <a:latin typeface="Consolas" panose="020B0609020204030204" pitchFamily="49" charset="0"/>
+              </a:rPr>
+              <a:t>diamonds.r</a:t>
+            </a:r>
+            <a:endParaRPr lang="en-US" sz="2800" b="1" dirty="0">
+              <a:solidFill>
+                <a:srgbClr val="CF3338"/>
+              </a:solidFill>
+              <a:latin typeface="Consolas" panose="020B0609020204030204" pitchFamily="49" charset="0"/>
+            </a:endParaRPr>
+          </a:p>
+          <a:p>
+            <a:pPr marL="514350" indent="-514350">
+              <a:buFont typeface="+mj-lt"/>
+              <a:buAutoNum type="arabicPeriod"/>
+            </a:pPr>
+            <a:endParaRPr lang="en-US" sz="2800" b="1" dirty="0">
+              <a:solidFill>
+                <a:srgbClr val="CF3338"/>
+              </a:solidFill>
+              <a:latin typeface="Pragmatica" pitchFamily="2" charset="0"/>
+            </a:endParaRPr>
           </a:p>
         </p:txBody>
       </p:sp>
     </p:spTree>
     <p:extLst>
       <p:ext uri="{BB962C8B-B14F-4D97-AF65-F5344CB8AC3E}">
-        <p14:creationId xmlns:p14="http://schemas.microsoft.com/office/powerpoint/2010/main" val="284881867"/>
+        <p14:creationId xmlns:p14="http://schemas.microsoft.com/office/powerpoint/2010/main" val="1917160677"/>
       </p:ext>
     </p:extLst>
   </p:cSld>
@@ -6391,59 +6928,75 @@
           <a:chExt cx="0" cy="0"/>
         </a:xfrm>
       </p:grpSpPr>
-      <p:sp>
-        <p:nvSpPr>
-          <p:cNvPr id="4" name="Rectangle 3"/>
-          <p:cNvSpPr/>
-          <p:nvPr/>
-        </p:nvSpPr>
-        <p:spPr>
-          <a:xfrm>
-            <a:off x="0" y="0"/>
-            <a:ext cx="12192000" cy="6858000"/>
-          </a:xfrm>
-          <a:prstGeom prst="rect">
-            <a:avLst/>
-          </a:prstGeom>
-          <a:solidFill>
-            <a:srgbClr val="CF3338"/>
-          </a:solidFill>
-        </p:spPr>
-        <p:style>
-          <a:lnRef idx="2">
-            <a:schemeClr val="accent1">
-              <a:shade val="50000"/>
-            </a:schemeClr>
-          </a:lnRef>
-          <a:fillRef idx="1">
-            <a:schemeClr val="accent1"/>
-          </a:fillRef>
-          <a:effectRef idx="0">
-            <a:schemeClr val="accent1"/>
-          </a:effectRef>
-          <a:fontRef idx="minor">
-            <a:schemeClr val="lt1"/>
-          </a:fontRef>
-        </p:style>
-        <p:txBody>
-          <a:bodyPr rtlCol="0" anchor="ctr"/>
-          <a:lstStyle/>
-          <a:p>
-            <a:pPr algn="ctr"/>
-            <a:endParaRPr lang="en-US"/>
-          </a:p>
-        </p:txBody>
-      </p:sp>
-      <p:sp>
-        <p:nvSpPr>
-          <p:cNvPr id="5" name="TextBox 4"/>
+      <p:pic>
+        <p:nvPicPr>
+          <p:cNvPr id="10" name="Picture 9"/>
+          <p:cNvPicPr>
+            <a:picLocks noChangeAspect="1"/>
+          </p:cNvPicPr>
+          <p:nvPr/>
+        </p:nvPicPr>
+        <p:blipFill rotWithShape="1">
+          <a:blip r:embed="rId2">
+            <a:extLst>
+              <a:ext uri="{28A0092B-C50C-407E-A947-70E740481C1C}">
+                <a14:useLocalDpi xmlns:a14="http://schemas.microsoft.com/office/drawing/2010/main" val="0"/>
+              </a:ext>
+            </a:extLst>
+          </a:blip>
+          <a:srcRect l="50728" t="56371"/>
+          <a:stretch/>
+        </p:blipFill>
+        <p:spPr>
+          <a:xfrm>
+            <a:off x="8136460" y="2210765"/>
+            <a:ext cx="4055539" cy="4647236"/>
+          </a:xfrm>
+          <a:prstGeom prst="rect">
+            <a:avLst/>
+          </a:prstGeom>
+        </p:spPr>
+      </p:pic>
+      <p:pic>
+        <p:nvPicPr>
+          <p:cNvPr id="4" name="Picture 3"/>
+          <p:cNvPicPr>
+            <a:picLocks noChangeAspect="1"/>
+          </p:cNvPicPr>
+          <p:nvPr/>
+        </p:nvPicPr>
+        <p:blipFill>
+          <a:blip r:embed="rId3">
+            <a:extLst>
+              <a:ext uri="{28A0092B-C50C-407E-A947-70E740481C1C}">
+                <a14:useLocalDpi xmlns:a14="http://schemas.microsoft.com/office/drawing/2010/main" val="0"/>
+              </a:ext>
+            </a:extLst>
+          </a:blip>
+          <a:stretch>
+            <a:fillRect/>
+          </a:stretch>
+        </p:blipFill>
+        <p:spPr>
+          <a:xfrm>
+            <a:off x="-538496" y="-2482770"/>
+            <a:ext cx="10171472" cy="7459883"/>
+          </a:xfrm>
+          <a:prstGeom prst="rect">
+            <a:avLst/>
+          </a:prstGeom>
+        </p:spPr>
+      </p:pic>
+      <p:sp>
+        <p:nvSpPr>
+          <p:cNvPr id="11" name="TextBox 10"/>
           <p:cNvSpPr txBox="1"/>
           <p:nvPr/>
         </p:nvSpPr>
         <p:spPr>
           <a:xfrm>
-            <a:off x="520861" y="393539"/>
-            <a:ext cx="10324617" cy="1107996"/>
+            <a:off x="324091" y="1687545"/>
+            <a:ext cx="7986531" cy="523220"/>
           </a:xfrm>
           <a:prstGeom prst="rect">
             <a:avLst/>
@@ -6457,13 +7010,13 @@
           <a:lstStyle/>
           <a:p>
             <a:r>
-              <a:rPr lang="en-US" sz="6600" b="1" dirty="0">
-                <a:solidFill>
-                  <a:schemeClr val="bg1"/>
-                </a:solidFill>
-                <a:latin typeface="Pragmatica" pitchFamily="2" charset="0"/>
-              </a:rPr>
-              <a:t>Prancing into Python</a:t>
+              <a:rPr lang="en-US" sz="2800" b="1" dirty="0">
+                <a:solidFill>
+                  <a:srgbClr val="707070"/>
+                </a:solidFill>
+                <a:latin typeface="Pragmatica" panose="020B0403040502020204" pitchFamily="34" charset="0"/>
+              </a:rPr>
+              <a:t>Questions?</a:t>
             </a:r>
           </a:p>
         </p:txBody>
@@ -6471,7 +7024,7 @@
     </p:spTree>
     <p:extLst>
       <p:ext uri="{BB962C8B-B14F-4D97-AF65-F5344CB8AC3E}">
-        <p14:creationId xmlns:p14="http://schemas.microsoft.com/office/powerpoint/2010/main" val="1362530689"/>
+        <p14:creationId xmlns:p14="http://schemas.microsoft.com/office/powerpoint/2010/main" val="284881867"/>
       </p:ext>
     </p:extLst>
   </p:cSld>
@@ -6498,45 +7051,59 @@
           <a:chExt cx="0" cy="0"/>
         </a:xfrm>
       </p:grpSpPr>
-      <p:pic>
-        <p:nvPicPr>
-          <p:cNvPr id="10" name="Picture 9"/>
-          <p:cNvPicPr>
-            <a:picLocks noChangeAspect="1"/>
-          </p:cNvPicPr>
-          <p:nvPr/>
-        </p:nvPicPr>
-        <p:blipFill rotWithShape="1">
-          <a:blip r:embed="rId2">
-            <a:extLst>
-              <a:ext uri="{28A0092B-C50C-407E-A947-70E740481C1C}">
-                <a14:useLocalDpi xmlns:a14="http://schemas.microsoft.com/office/drawing/2010/main" val="0"/>
-              </a:ext>
-            </a:extLst>
-          </a:blip>
-          <a:srcRect l="50728" t="56371"/>
-          <a:stretch/>
-        </p:blipFill>
-        <p:spPr>
-          <a:xfrm>
-            <a:off x="10894024" y="5370653"/>
-            <a:ext cx="1297975" cy="1487348"/>
-          </a:xfrm>
-          <a:prstGeom prst="rect">
-            <a:avLst/>
-          </a:prstGeom>
-        </p:spPr>
-      </p:pic>
-      <p:sp>
-        <p:nvSpPr>
-          <p:cNvPr id="11" name="TextBox 10"/>
+      <p:sp>
+        <p:nvSpPr>
+          <p:cNvPr id="4" name="Rectangle 3"/>
+          <p:cNvSpPr/>
+          <p:nvPr/>
+        </p:nvSpPr>
+        <p:spPr>
+          <a:xfrm>
+            <a:off x="0" y="0"/>
+            <a:ext cx="12192000" cy="6858000"/>
+          </a:xfrm>
+          <a:prstGeom prst="rect">
+            <a:avLst/>
+          </a:prstGeom>
+          <a:solidFill>
+            <a:srgbClr val="CF3338"/>
+          </a:solidFill>
+        </p:spPr>
+        <p:style>
+          <a:lnRef idx="2">
+            <a:schemeClr val="accent1">
+              <a:shade val="50000"/>
+            </a:schemeClr>
+          </a:lnRef>
+          <a:fillRef idx="1">
+            <a:schemeClr val="accent1"/>
+          </a:fillRef>
+          <a:effectRef idx="0">
+            <a:schemeClr val="accent1"/>
+          </a:effectRef>
+          <a:fontRef idx="minor">
+            <a:schemeClr val="lt1"/>
+          </a:fontRef>
+        </p:style>
+        <p:txBody>
+          <a:bodyPr rtlCol="0" anchor="ctr"/>
+          <a:lstStyle/>
+          <a:p>
+            <a:pPr algn="ctr"/>
+            <a:endParaRPr lang="en-US"/>
+          </a:p>
+        </p:txBody>
+      </p:sp>
+      <p:sp>
+        <p:nvSpPr>
+          <p:cNvPr id="5" name="TextBox 4"/>
           <p:cNvSpPr txBox="1"/>
           <p:nvPr/>
         </p:nvSpPr>
         <p:spPr>
           <a:xfrm>
-            <a:off x="347240" y="113388"/>
-            <a:ext cx="9799937" cy="1015663"/>
+            <a:off x="520861" y="393539"/>
+            <a:ext cx="10324617" cy="1107996"/>
           </a:xfrm>
           <a:prstGeom prst="rect">
             <a:avLst/>
@@ -6550,273 +7117,13 @@
           <a:lstStyle/>
           <a:p>
             <a:r>
-              <a:rPr lang="en-US" sz="6000" dirty="0">
-                <a:latin typeface="Aliens &amp; cows" panose="00000500000000000000" pitchFamily="2" charset="0"/>
-              </a:rPr>
-              <a:t>Python+ Anaconda + </a:t>
-            </a:r>
-            <a:r>
-              <a:rPr lang="en-US" sz="6000" dirty="0" err="1">
-                <a:latin typeface="Aliens &amp; cows" panose="00000500000000000000" pitchFamily="2" charset="0"/>
-              </a:rPr>
-              <a:t>Jupyter</a:t>
-            </a:r>
-            <a:endParaRPr lang="en-US" sz="6000" dirty="0">
-              <a:latin typeface="Aliens &amp; cows" panose="00000500000000000000" pitchFamily="2" charset="0"/>
-            </a:endParaRPr>
-          </a:p>
-        </p:txBody>
-      </p:sp>
-      <p:sp>
-        <p:nvSpPr>
-          <p:cNvPr id="8" name="TextBox 7">
-            <a:extLst>
-              <a:ext uri="{FF2B5EF4-FFF2-40B4-BE49-F238E27FC236}">
-                <a16:creationId xmlns:a16="http://schemas.microsoft.com/office/drawing/2014/main" id="{11840D5C-3D15-43FA-828B-81755108AC4E}"/>
-              </a:ext>
-            </a:extLst>
-          </p:cNvPr>
-          <p:cNvSpPr txBox="1"/>
-          <p:nvPr/>
-        </p:nvSpPr>
-        <p:spPr>
-          <a:xfrm>
-            <a:off x="4211235" y="5048028"/>
-            <a:ext cx="3223967" cy="830997"/>
-          </a:xfrm>
-          <a:prstGeom prst="rect">
-            <a:avLst/>
-          </a:prstGeom>
-          <a:noFill/>
-        </p:spPr>
-        <p:txBody>
-          <a:bodyPr wrap="square" rtlCol="0">
-            <a:spAutoFit/>
-          </a:bodyPr>
-          <a:lstStyle/>
-          <a:p>
-            <a:pPr algn="ctr"/>
-            <a:r>
-              <a:rPr lang="en-US" sz="2400" dirty="0">
+              <a:rPr lang="en-US" sz="6600" b="1" dirty="0">
+                <a:solidFill>
+                  <a:schemeClr val="bg1"/>
+                </a:solidFill>
                 <a:latin typeface="Pragmatica" pitchFamily="2" charset="0"/>
               </a:rPr>
-              <a:t>The distribution of code &amp; apps</a:t>
-            </a:r>
-          </a:p>
-        </p:txBody>
-      </p:sp>
-      <p:sp>
-        <p:nvSpPr>
-          <p:cNvPr id="12" name="TextBox 11">
-            <a:extLst>
-              <a:ext uri="{FF2B5EF4-FFF2-40B4-BE49-F238E27FC236}">
-                <a16:creationId xmlns:a16="http://schemas.microsoft.com/office/drawing/2014/main" id="{58B22640-98BF-4B6B-939E-E50C08DEC28C}"/>
-              </a:ext>
-            </a:extLst>
-          </p:cNvPr>
-          <p:cNvSpPr txBox="1"/>
-          <p:nvPr/>
-        </p:nvSpPr>
-        <p:spPr>
-          <a:xfrm>
-            <a:off x="334451" y="5139820"/>
-            <a:ext cx="3641931" cy="830997"/>
-          </a:xfrm>
-          <a:prstGeom prst="rect">
-            <a:avLst/>
-          </a:prstGeom>
-          <a:noFill/>
-        </p:spPr>
-        <p:txBody>
-          <a:bodyPr wrap="square">
-            <a:spAutoFit/>
-          </a:bodyPr>
-          <a:lstStyle/>
-          <a:p>
-            <a:r>
-              <a:rPr lang="en-US" sz="2400" dirty="0">
-                <a:latin typeface="Pragmatica" pitchFamily="2" charset="0"/>
-              </a:rPr>
-              <a:t>The (open) source code</a:t>
-            </a:r>
-          </a:p>
-        </p:txBody>
-      </p:sp>
-      <p:pic>
-        <p:nvPicPr>
-          <p:cNvPr id="3074" name="Picture 2">
-            <a:extLst>
-              <a:ext uri="{FF2B5EF4-FFF2-40B4-BE49-F238E27FC236}">
-                <a16:creationId xmlns:a16="http://schemas.microsoft.com/office/drawing/2014/main" id="{E3988C34-2EF3-4BC5-A72A-3F7595D4F9CB}"/>
-              </a:ext>
-            </a:extLst>
-          </p:cNvPr>
-          <p:cNvPicPr>
-            <a:picLocks noChangeAspect="1" noChangeArrowheads="1"/>
-          </p:cNvPicPr>
-          <p:nvPr/>
-        </p:nvPicPr>
-        <p:blipFill>
-          <a:blip r:embed="rId3" cstate="print">
-            <a:extLst>
-              <a:ext uri="{28A0092B-C50C-407E-A947-70E740481C1C}">
-                <a14:useLocalDpi xmlns:a14="http://schemas.microsoft.com/office/drawing/2010/main" val="0"/>
-              </a:ext>
-            </a:extLst>
-          </a:blip>
-          <a:srcRect/>
-          <a:stretch>
-            <a:fillRect/>
-          </a:stretch>
-        </p:blipFill>
-        <p:spPr bwMode="auto">
-          <a:xfrm>
-            <a:off x="418750" y="2407641"/>
-            <a:ext cx="2608976" cy="2608976"/>
-          </a:xfrm>
-          <a:prstGeom prst="rect">
-            <a:avLst/>
-          </a:prstGeom>
-          <a:noFill/>
-          <a:extLst>
-            <a:ext uri="{909E8E84-426E-40DD-AFC4-6F175D3DCCD1}">
-              <a14:hiddenFill xmlns:a14="http://schemas.microsoft.com/office/drawing/2010/main">
-                <a:solidFill>
-                  <a:srgbClr val="FFFFFF"/>
-                </a:solidFill>
-              </a14:hiddenFill>
-            </a:ext>
-          </a:extLst>
-        </p:spPr>
-      </p:pic>
-      <p:pic>
-        <p:nvPicPr>
-          <p:cNvPr id="3076" name="Picture 4" descr="Anaconda (Python distribution) - Wikipedia">
-            <a:extLst>
-              <a:ext uri="{FF2B5EF4-FFF2-40B4-BE49-F238E27FC236}">
-                <a16:creationId xmlns:a16="http://schemas.microsoft.com/office/drawing/2014/main" id="{68DA0063-7FE8-4DF8-994B-B10B1C977495}"/>
-              </a:ext>
-            </a:extLst>
-          </p:cNvPr>
-          <p:cNvPicPr>
-            <a:picLocks noChangeAspect="1" noChangeArrowheads="1"/>
-          </p:cNvPicPr>
-          <p:nvPr/>
-        </p:nvPicPr>
-        <p:blipFill>
-          <a:blip r:embed="rId4">
-            <a:extLst>
-              <a:ext uri="{28A0092B-C50C-407E-A947-70E740481C1C}">
-                <a14:useLocalDpi xmlns:a14="http://schemas.microsoft.com/office/drawing/2010/main" val="0"/>
-              </a:ext>
-            </a:extLst>
-          </a:blip>
-          <a:srcRect/>
-          <a:stretch>
-            <a:fillRect/>
-          </a:stretch>
-        </p:blipFill>
-        <p:spPr bwMode="auto">
-          <a:xfrm>
-            <a:off x="3698716" y="2576686"/>
-            <a:ext cx="4257675" cy="2124075"/>
-          </a:xfrm>
-          <a:prstGeom prst="rect">
-            <a:avLst/>
-          </a:prstGeom>
-          <a:noFill/>
-          <a:extLst>
-            <a:ext uri="{909E8E84-426E-40DD-AFC4-6F175D3DCCD1}">
-              <a14:hiddenFill xmlns:a14="http://schemas.microsoft.com/office/drawing/2010/main">
-                <a:solidFill>
-                  <a:srgbClr val="FFFFFF"/>
-                </a:solidFill>
-              </a14:hiddenFill>
-            </a:ext>
-          </a:extLst>
-        </p:spPr>
-      </p:pic>
-      <p:pic>
-        <p:nvPicPr>
-          <p:cNvPr id="3078" name="Picture 6" descr="Project Jupyter - Wikipedia">
-            <a:extLst>
-              <a:ext uri="{FF2B5EF4-FFF2-40B4-BE49-F238E27FC236}">
-                <a16:creationId xmlns:a16="http://schemas.microsoft.com/office/drawing/2014/main" id="{CD5F432D-C909-4287-9AEF-76EB923DE370}"/>
-              </a:ext>
-            </a:extLst>
-          </p:cNvPr>
-          <p:cNvPicPr>
-            <a:picLocks noChangeAspect="1" noChangeArrowheads="1"/>
-          </p:cNvPicPr>
-          <p:nvPr/>
-        </p:nvPicPr>
-        <p:blipFill>
-          <a:blip r:embed="rId5" cstate="print">
-            <a:extLst>
-              <a:ext uri="{28A0092B-C50C-407E-A947-70E740481C1C}">
-                <a14:useLocalDpi xmlns:a14="http://schemas.microsoft.com/office/drawing/2010/main" val="0"/>
-              </a:ext>
-            </a:extLst>
-          </a:blip>
-          <a:srcRect/>
-          <a:stretch>
-            <a:fillRect/>
-          </a:stretch>
-        </p:blipFill>
-        <p:spPr bwMode="auto">
-          <a:xfrm>
-            <a:off x="8967904" y="1882550"/>
-            <a:ext cx="2730958" cy="3165478"/>
-          </a:xfrm>
-          <a:prstGeom prst="rect">
-            <a:avLst/>
-          </a:prstGeom>
-          <a:noFill/>
-          <a:extLst>
-            <a:ext uri="{909E8E84-426E-40DD-AFC4-6F175D3DCCD1}">
-              <a14:hiddenFill xmlns:a14="http://schemas.microsoft.com/office/drawing/2010/main">
-                <a:solidFill>
-                  <a:srgbClr val="FFFFFF"/>
-                </a:solidFill>
-              </a14:hiddenFill>
-            </a:ext>
-          </a:extLst>
-        </p:spPr>
-      </p:pic>
-      <p:sp>
-        <p:nvSpPr>
-          <p:cNvPr id="13" name="TextBox 12">
-            <a:extLst>
-              <a:ext uri="{FF2B5EF4-FFF2-40B4-BE49-F238E27FC236}">
-                <a16:creationId xmlns:a16="http://schemas.microsoft.com/office/drawing/2014/main" id="{6DEA6594-3D2D-47D7-A4AB-E3B31A6DA3E8}"/>
-              </a:ext>
-            </a:extLst>
-          </p:cNvPr>
-          <p:cNvSpPr txBox="1"/>
-          <p:nvPr/>
-        </p:nvSpPr>
-        <p:spPr>
-          <a:xfrm>
-            <a:off x="8721400" y="5139819"/>
-            <a:ext cx="3223967" cy="830997"/>
-          </a:xfrm>
-          <a:prstGeom prst="rect">
-            <a:avLst/>
-          </a:prstGeom>
-          <a:noFill/>
-        </p:spPr>
-        <p:txBody>
-          <a:bodyPr wrap="square" rtlCol="0">
-            <a:spAutoFit/>
-          </a:bodyPr>
-          <a:lstStyle/>
-          <a:p>
-            <a:pPr algn="ctr"/>
-            <a:r>
-              <a:rPr lang="en-US" sz="2400" dirty="0">
-                <a:latin typeface="Pragmatica" pitchFamily="2" charset="0"/>
-              </a:rPr>
-              <a:t>The browser-based app</a:t>
+              <a:t>Prancing into Python</a:t>
             </a:r>
           </a:p>
         </p:txBody>
@@ -6824,7 +7131,7 @@
     </p:spTree>
     <p:extLst>
       <p:ext uri="{BB962C8B-B14F-4D97-AF65-F5344CB8AC3E}">
-        <p14:creationId xmlns:p14="http://schemas.microsoft.com/office/powerpoint/2010/main" val="383149556"/>
+        <p14:creationId xmlns:p14="http://schemas.microsoft.com/office/powerpoint/2010/main" val="1362530689"/>
       </p:ext>
     </p:extLst>
   </p:cSld>
@@ -6851,86 +7158,9 @@
           <a:chExt cx="0" cy="0"/>
         </a:xfrm>
       </p:grpSpPr>
-      <p:sp>
-        <p:nvSpPr>
-          <p:cNvPr id="4" name="Rectangle 3"/>
-          <p:cNvSpPr/>
-          <p:nvPr/>
-        </p:nvSpPr>
-        <p:spPr>
-          <a:xfrm>
-            <a:off x="6574420" y="0"/>
-            <a:ext cx="5617580" cy="6858000"/>
-          </a:xfrm>
-          <a:prstGeom prst="rect">
-            <a:avLst/>
-          </a:prstGeom>
-          <a:solidFill>
-            <a:srgbClr val="CF3338"/>
-          </a:solidFill>
-        </p:spPr>
-        <p:style>
-          <a:lnRef idx="2">
-            <a:schemeClr val="accent1">
-              <a:shade val="50000"/>
-            </a:schemeClr>
-          </a:lnRef>
-          <a:fillRef idx="1">
-            <a:schemeClr val="accent1"/>
-          </a:fillRef>
-          <a:effectRef idx="0">
-            <a:schemeClr val="accent1"/>
-          </a:effectRef>
-          <a:fontRef idx="minor">
-            <a:schemeClr val="lt1"/>
-          </a:fontRef>
-        </p:style>
-        <p:txBody>
-          <a:bodyPr rtlCol="0" anchor="ctr"/>
-          <a:lstStyle/>
-          <a:p>
-            <a:pPr algn="ctr"/>
-            <a:endParaRPr lang="en-US"/>
-          </a:p>
-        </p:txBody>
-      </p:sp>
-      <p:sp>
-        <p:nvSpPr>
-          <p:cNvPr id="5" name="TextBox 4"/>
-          <p:cNvSpPr txBox="1"/>
-          <p:nvPr/>
-        </p:nvSpPr>
-        <p:spPr>
-          <a:xfrm>
-            <a:off x="6817489" y="0"/>
-            <a:ext cx="4120587" cy="1446550"/>
-          </a:xfrm>
-          <a:prstGeom prst="rect">
-            <a:avLst/>
-          </a:prstGeom>
-          <a:noFill/>
-        </p:spPr>
-        <p:txBody>
-          <a:bodyPr wrap="square" rtlCol="0">
-            <a:spAutoFit/>
-          </a:bodyPr>
-          <a:lstStyle/>
-          <a:p>
-            <a:r>
-              <a:rPr lang="en-US" sz="8800" dirty="0">
-                <a:solidFill>
-                  <a:schemeClr val="bg1"/>
-                </a:solidFill>
-                <a:latin typeface="Aliens &amp; cows" panose="00000500000000000000" pitchFamily="2" charset="0"/>
-              </a:rPr>
-              <a:t>Demo</a:t>
-            </a:r>
-          </a:p>
-        </p:txBody>
-      </p:sp>
       <p:pic>
         <p:nvPicPr>
-          <p:cNvPr id="2" name="Picture 1"/>
+          <p:cNvPr id="10" name="Picture 9"/>
           <p:cNvPicPr>
             <a:picLocks noChangeAspect="1"/>
           </p:cNvPicPr>
@@ -6944,13 +7174,13 @@
               </a:ext>
             </a:extLst>
           </a:blip>
-          <a:srcRect l="69227" t="33418" r="20112" b="50548"/>
+          <a:srcRect l="50728" t="56371"/>
           <a:stretch/>
         </p:blipFill>
         <p:spPr>
           <a:xfrm>
-            <a:off x="10386349" y="5029795"/>
-            <a:ext cx="1805651" cy="1991719"/>
+            <a:off x="10894024" y="5370653"/>
+            <a:ext cx="1297975" cy="1487348"/>
           </a:xfrm>
           <a:prstGeom prst="rect">
             <a:avLst/>
@@ -6959,14 +7189,14 @@
       </p:pic>
       <p:sp>
         <p:nvSpPr>
-          <p:cNvPr id="3" name="TextBox 2"/>
+          <p:cNvPr id="11" name="TextBox 10"/>
           <p:cNvSpPr txBox="1"/>
           <p:nvPr/>
         </p:nvSpPr>
         <p:spPr>
           <a:xfrm>
-            <a:off x="173620" y="219919"/>
-            <a:ext cx="6285903" cy="1815882"/>
+            <a:off x="347240" y="113388"/>
+            <a:ext cx="9799937" cy="1015663"/>
           </a:xfrm>
           <a:prstGeom prst="rect">
             <a:avLst/>
@@ -6980,147 +7210,245 @@
           <a:lstStyle/>
           <a:p>
             <a:r>
-              <a:rPr lang="en-US" sz="2800" b="1" dirty="0">
-                <a:solidFill>
-                  <a:srgbClr val="CF3338"/>
-                </a:solidFill>
+              <a:rPr lang="en-US" sz="6000" dirty="0">
+                <a:latin typeface="Aliens &amp; cows" panose="00000500000000000000" pitchFamily="2" charset="0"/>
+              </a:rPr>
+              <a:t>Python+ Anaconda + </a:t>
+            </a:r>
+            <a:r>
+              <a:rPr lang="en-US" sz="6000" dirty="0" err="1">
+                <a:latin typeface="Aliens &amp; cows" panose="00000500000000000000" pitchFamily="2" charset="0"/>
+              </a:rPr>
+              <a:t>Jupyter</a:t>
+            </a:r>
+            <a:endParaRPr lang="en-US" sz="6000" dirty="0">
+              <a:latin typeface="Aliens &amp; cows" panose="00000500000000000000" pitchFamily="2" charset="0"/>
+            </a:endParaRPr>
+          </a:p>
+        </p:txBody>
+      </p:sp>
+      <p:sp>
+        <p:nvSpPr>
+          <p:cNvPr id="8" name="TextBox 7">
+            <a:extLst>
+              <a:ext uri="{FF2B5EF4-FFF2-40B4-BE49-F238E27FC236}">
+                <a16:creationId xmlns:a16="http://schemas.microsoft.com/office/drawing/2014/main" id="{11840D5C-3D15-43FA-828B-81755108AC4E}"/>
+              </a:ext>
+            </a:extLst>
+          </p:cNvPr>
+          <p:cNvSpPr txBox="1"/>
+          <p:nvPr/>
+        </p:nvSpPr>
+        <p:spPr>
+          <a:xfrm>
+            <a:off x="4211235" y="5048028"/>
+            <a:ext cx="3223967" cy="830997"/>
+          </a:xfrm>
+          <a:prstGeom prst="rect">
+            <a:avLst/>
+          </a:prstGeom>
+          <a:noFill/>
+        </p:spPr>
+        <p:txBody>
+          <a:bodyPr wrap="square" rtlCol="0">
+            <a:spAutoFit/>
+          </a:bodyPr>
+          <a:lstStyle/>
+          <a:p>
+            <a:pPr algn="ctr"/>
+            <a:r>
+              <a:rPr lang="en-US" sz="2400" dirty="0">
                 <a:latin typeface="Pragmatica" pitchFamily="2" charset="0"/>
               </a:rPr>
-              <a:t>Navigate </a:t>
-            </a:r>
-            <a:r>
-              <a:rPr lang="en-US" sz="2800" b="1" dirty="0" err="1">
-                <a:solidFill>
-                  <a:srgbClr val="CF3338"/>
-                </a:solidFill>
+              <a:t>The distribution of code &amp; apps</a:t>
+            </a:r>
+          </a:p>
+        </p:txBody>
+      </p:sp>
+      <p:sp>
+        <p:nvSpPr>
+          <p:cNvPr id="12" name="TextBox 11">
+            <a:extLst>
+              <a:ext uri="{FF2B5EF4-FFF2-40B4-BE49-F238E27FC236}">
+                <a16:creationId xmlns:a16="http://schemas.microsoft.com/office/drawing/2014/main" id="{58B22640-98BF-4B6B-939E-E50C08DEC28C}"/>
+              </a:ext>
+            </a:extLst>
+          </p:cNvPr>
+          <p:cNvSpPr txBox="1"/>
+          <p:nvPr/>
+        </p:nvSpPr>
+        <p:spPr>
+          <a:xfrm>
+            <a:off x="334451" y="5139820"/>
+            <a:ext cx="3641931" cy="830997"/>
+          </a:xfrm>
+          <a:prstGeom prst="rect">
+            <a:avLst/>
+          </a:prstGeom>
+          <a:noFill/>
+        </p:spPr>
+        <p:txBody>
+          <a:bodyPr wrap="square">
+            <a:spAutoFit/>
+          </a:bodyPr>
+          <a:lstStyle/>
+          <a:p>
+            <a:r>
+              <a:rPr lang="en-US" sz="2400" dirty="0">
                 <a:latin typeface="Pragmatica" pitchFamily="2" charset="0"/>
               </a:rPr>
-              <a:t>Jupyter</a:t>
-            </a:r>
-            <a:r>
-              <a:rPr lang="en-US" sz="2800" b="1" dirty="0">
-                <a:solidFill>
-                  <a:srgbClr val="CF3338"/>
-                </a:solidFill>
-                <a:latin typeface="Pragmatica" pitchFamily="2" charset="0"/>
-              </a:rPr>
-              <a:t>, starting with 1 + 1</a:t>
-            </a:r>
-          </a:p>
-          <a:p>
-            <a:endParaRPr lang="en-US" sz="2800" b="1" dirty="0">
-              <a:solidFill>
-                <a:srgbClr val="CF3338"/>
-              </a:solidFill>
-              <a:latin typeface="Pragmatica" pitchFamily="2" charset="0"/>
-            </a:endParaRPr>
-          </a:p>
-          <a:p>
-            <a:r>
-              <a:rPr lang="en-US" sz="2800" b="1" dirty="0">
-                <a:solidFill>
-                  <a:srgbClr val="CF3338"/>
-                </a:solidFill>
-                <a:latin typeface="Pragmatica" pitchFamily="2" charset="0"/>
-              </a:rPr>
-              <a:t>File: Open a new </a:t>
-            </a:r>
-            <a:r>
-              <a:rPr lang="en-US" sz="2800" b="1" dirty="0">
-                <a:solidFill>
-                  <a:srgbClr val="CF3338"/>
-                </a:solidFill>
-                <a:latin typeface="Consolas" panose="020B0609020204030204" pitchFamily="49" charset="0"/>
-              </a:rPr>
-              <a:t>.</a:t>
-            </a:r>
-            <a:r>
-              <a:rPr lang="en-US" sz="2800" b="1" dirty="0" err="1">
-                <a:solidFill>
-                  <a:srgbClr val="CF3338"/>
-                </a:solidFill>
-                <a:latin typeface="Consolas" panose="020B0609020204030204" pitchFamily="49" charset="0"/>
-              </a:rPr>
-              <a:t>ipynb</a:t>
-            </a:r>
-            <a:r>
-              <a:rPr lang="en-US" sz="2800" b="1" dirty="0">
-                <a:solidFill>
-                  <a:srgbClr val="CF3338"/>
-                </a:solidFill>
-                <a:latin typeface="Pragmatica" pitchFamily="2" charset="0"/>
-              </a:rPr>
-              <a:t> notebook</a:t>
+              <a:t>The (open) source code</a:t>
             </a:r>
           </a:p>
         </p:txBody>
       </p:sp>
       <p:pic>
         <p:nvPicPr>
-          <p:cNvPr id="9" name="Picture 8">
+          <p:cNvPr id="3074" name="Picture 2">
             <a:extLst>
               <a:ext uri="{FF2B5EF4-FFF2-40B4-BE49-F238E27FC236}">
-                <a16:creationId xmlns:a16="http://schemas.microsoft.com/office/drawing/2014/main" id="{54086B7D-6DA5-45E4-BFAC-565935D853D4}"/>
+                <a16:creationId xmlns:a16="http://schemas.microsoft.com/office/drawing/2014/main" id="{E3988C34-2EF3-4BC5-A72A-3F7595D4F9CB}"/>
               </a:ext>
             </a:extLst>
           </p:cNvPr>
           <p:cNvPicPr>
-            <a:picLocks noChangeAspect="1"/>
+            <a:picLocks noChangeAspect="1" noChangeArrowheads="1"/>
           </p:cNvPicPr>
           <p:nvPr/>
         </p:nvPicPr>
         <p:blipFill>
-          <a:blip r:embed="rId3"/>
+          <a:blip r:embed="rId3" cstate="print">
+            <a:extLst>
+              <a:ext uri="{28A0092B-C50C-407E-A947-70E740481C1C}">
+                <a14:useLocalDpi xmlns:a14="http://schemas.microsoft.com/office/drawing/2010/main" val="0"/>
+              </a:ext>
+            </a:extLst>
+          </a:blip>
+          <a:srcRect/>
           <a:stretch>
             <a:fillRect/>
           </a:stretch>
         </p:blipFill>
-        <p:spPr>
-          <a:xfrm>
-            <a:off x="392397" y="3923670"/>
-            <a:ext cx="9856197" cy="2646866"/>
-          </a:xfrm>
-          <a:prstGeom prst="rect">
-            <a:avLst/>
-          </a:prstGeom>
+        <p:spPr bwMode="auto">
+          <a:xfrm>
+            <a:off x="418750" y="2407641"/>
+            <a:ext cx="2608976" cy="2608976"/>
+          </a:xfrm>
+          <a:prstGeom prst="rect">
+            <a:avLst/>
+          </a:prstGeom>
+          <a:noFill/>
+          <a:extLst>
+            <a:ext uri="{909E8E84-426E-40DD-AFC4-6F175D3DCCD1}">
+              <a14:hiddenFill xmlns:a14="http://schemas.microsoft.com/office/drawing/2010/main">
+                <a:solidFill>
+                  <a:srgbClr val="FFFFFF"/>
+                </a:solidFill>
+              </a14:hiddenFill>
+            </a:ext>
+          </a:extLst>
         </p:spPr>
       </p:pic>
       <p:pic>
         <p:nvPicPr>
-          <p:cNvPr id="11" name="Picture 10">
+          <p:cNvPr id="3076" name="Picture 4" descr="Anaconda (Python distribution) - Wikipedia">
             <a:extLst>
               <a:ext uri="{FF2B5EF4-FFF2-40B4-BE49-F238E27FC236}">
-                <a16:creationId xmlns:a16="http://schemas.microsoft.com/office/drawing/2014/main" id="{3CD83BF2-3603-4E70-91DF-99EE1A9BEFA8}"/>
+                <a16:creationId xmlns:a16="http://schemas.microsoft.com/office/drawing/2014/main" id="{68DA0063-7FE8-4DF8-994B-B10B1C977495}"/>
               </a:ext>
             </a:extLst>
           </p:cNvPr>
           <p:cNvPicPr>
-            <a:picLocks noChangeAspect="1"/>
+            <a:picLocks noChangeAspect="1" noChangeArrowheads="1"/>
           </p:cNvPicPr>
           <p:nvPr/>
         </p:nvPicPr>
         <p:blipFill>
-          <a:blip r:embed="rId4"/>
+          <a:blip r:embed="rId4">
+            <a:extLst>
+              <a:ext uri="{28A0092B-C50C-407E-A947-70E740481C1C}">
+                <a14:useLocalDpi xmlns:a14="http://schemas.microsoft.com/office/drawing/2010/main" val="0"/>
+              </a:ext>
+            </a:extLst>
+          </a:blip>
+          <a:srcRect/>
           <a:stretch>
             <a:fillRect/>
           </a:stretch>
         </p:blipFill>
-        <p:spPr>
-          <a:xfrm>
-            <a:off x="493018" y="2516702"/>
-            <a:ext cx="4844484" cy="835256"/>
-          </a:xfrm>
-          <a:prstGeom prst="rect">
-            <a:avLst/>
-          </a:prstGeom>
+        <p:spPr bwMode="auto">
+          <a:xfrm>
+            <a:off x="3698716" y="2576686"/>
+            <a:ext cx="4257675" cy="2124075"/>
+          </a:xfrm>
+          <a:prstGeom prst="rect">
+            <a:avLst/>
+          </a:prstGeom>
+          <a:noFill/>
+          <a:extLst>
+            <a:ext uri="{909E8E84-426E-40DD-AFC4-6F175D3DCCD1}">
+              <a14:hiddenFill xmlns:a14="http://schemas.microsoft.com/office/drawing/2010/main">
+                <a:solidFill>
+                  <a:srgbClr val="FFFFFF"/>
+                </a:solidFill>
+              </a14:hiddenFill>
+            </a:ext>
+          </a:extLst>
         </p:spPr>
       </p:pic>
-      <p:sp>
-        <p:nvSpPr>
-          <p:cNvPr id="12" name="TextBox 11">
+      <p:pic>
+        <p:nvPicPr>
+          <p:cNvPr id="3078" name="Picture 6" descr="Project Jupyter - Wikipedia">
             <a:extLst>
               <a:ext uri="{FF2B5EF4-FFF2-40B4-BE49-F238E27FC236}">
-                <a16:creationId xmlns:a16="http://schemas.microsoft.com/office/drawing/2014/main" id="{1F343DE5-C90A-486A-8D20-55C935580E3E}"/>
+                <a16:creationId xmlns:a16="http://schemas.microsoft.com/office/drawing/2014/main" id="{CD5F432D-C909-4287-9AEF-76EB923DE370}"/>
+              </a:ext>
+            </a:extLst>
+          </p:cNvPr>
+          <p:cNvPicPr>
+            <a:picLocks noChangeAspect="1" noChangeArrowheads="1"/>
+          </p:cNvPicPr>
+          <p:nvPr/>
+        </p:nvPicPr>
+        <p:blipFill>
+          <a:blip r:embed="rId5" cstate="print">
+            <a:extLst>
+              <a:ext uri="{28A0092B-C50C-407E-A947-70E740481C1C}">
+                <a14:useLocalDpi xmlns:a14="http://schemas.microsoft.com/office/drawing/2010/main" val="0"/>
+              </a:ext>
+            </a:extLst>
+          </a:blip>
+          <a:srcRect/>
+          <a:stretch>
+            <a:fillRect/>
+          </a:stretch>
+        </p:blipFill>
+        <p:spPr bwMode="auto">
+          <a:xfrm>
+            <a:off x="8967904" y="1882550"/>
+            <a:ext cx="2730958" cy="3165478"/>
+          </a:xfrm>
+          <a:prstGeom prst="rect">
+            <a:avLst/>
+          </a:prstGeom>
+          <a:noFill/>
+          <a:extLst>
+            <a:ext uri="{909E8E84-426E-40DD-AFC4-6F175D3DCCD1}">
+              <a14:hiddenFill xmlns:a14="http://schemas.microsoft.com/office/drawing/2010/main">
+                <a:solidFill>
+                  <a:srgbClr val="FFFFFF"/>
+                </a:solidFill>
+              </a14:hiddenFill>
+            </a:ext>
+          </a:extLst>
+        </p:spPr>
+      </p:pic>
+      <p:sp>
+        <p:nvSpPr>
+          <p:cNvPr id="13" name="TextBox 12">
+            <a:extLst>
+              <a:ext uri="{FF2B5EF4-FFF2-40B4-BE49-F238E27FC236}">
+                <a16:creationId xmlns:a16="http://schemas.microsoft.com/office/drawing/2014/main" id="{6DEA6594-3D2D-47D7-A4AB-E3B31A6DA3E8}"/>
               </a:ext>
             </a:extLst>
           </p:cNvPr>
@@ -7129,8 +7457,8 @@
         </p:nvSpPr>
         <p:spPr>
           <a:xfrm>
-            <a:off x="1657656" y="3516922"/>
-            <a:ext cx="2856649" cy="523220"/>
+            <a:off x="8721400" y="5139819"/>
+            <a:ext cx="3223967" cy="830997"/>
           </a:xfrm>
           <a:prstGeom prst="rect">
             <a:avLst/>
@@ -7143,134 +7471,12 @@
           </a:bodyPr>
           <a:lstStyle/>
           <a:p>
-            <a:r>
-              <a:rPr lang="en-US" sz="2800" dirty="0">
-                <a:solidFill>
-                  <a:srgbClr val="CF3338"/>
-                </a:solidFill>
-                <a:latin typeface="Aliens &amp; cows" panose="00000500000000000000" pitchFamily="2" charset="0"/>
-              </a:rPr>
-              <a:t>Notebook name</a:t>
-            </a:r>
-          </a:p>
-        </p:txBody>
-      </p:sp>
-      <p:sp>
-        <p:nvSpPr>
-          <p:cNvPr id="13" name="TextBox 12">
-            <a:extLst>
-              <a:ext uri="{FF2B5EF4-FFF2-40B4-BE49-F238E27FC236}">
-                <a16:creationId xmlns:a16="http://schemas.microsoft.com/office/drawing/2014/main" id="{15039CAE-3A25-441F-86F2-FB512EB8851E}"/>
-              </a:ext>
-            </a:extLst>
-          </p:cNvPr>
-          <p:cNvSpPr txBox="1"/>
-          <p:nvPr/>
-        </p:nvSpPr>
-        <p:spPr>
-          <a:xfrm>
-            <a:off x="5429963" y="4120693"/>
-            <a:ext cx="1963024" cy="523220"/>
-          </a:xfrm>
-          <a:prstGeom prst="rect">
-            <a:avLst/>
-          </a:prstGeom>
-          <a:noFill/>
-        </p:spPr>
-        <p:txBody>
-          <a:bodyPr wrap="square" rtlCol="0">
-            <a:spAutoFit/>
-          </a:bodyPr>
-          <a:lstStyle/>
-          <a:p>
-            <a:r>
-              <a:rPr lang="en-US" sz="2800" dirty="0">
-                <a:solidFill>
-                  <a:srgbClr val="CF3338"/>
-                </a:solidFill>
-                <a:latin typeface="Aliens &amp; cows" panose="00000500000000000000" pitchFamily="2" charset="0"/>
-              </a:rPr>
-              <a:t>Menu bar</a:t>
-            </a:r>
-          </a:p>
-        </p:txBody>
-      </p:sp>
-      <p:sp>
-        <p:nvSpPr>
-          <p:cNvPr id="14" name="TextBox 13">
-            <a:extLst>
-              <a:ext uri="{FF2B5EF4-FFF2-40B4-BE49-F238E27FC236}">
-                <a16:creationId xmlns:a16="http://schemas.microsoft.com/office/drawing/2014/main" id="{B4BC673B-ED2C-4075-A2A9-AF56F43DCED5}"/>
-              </a:ext>
-            </a:extLst>
-          </p:cNvPr>
-          <p:cNvSpPr txBox="1"/>
-          <p:nvPr/>
-        </p:nvSpPr>
-        <p:spPr>
-          <a:xfrm>
-            <a:off x="6091171" y="4522932"/>
-            <a:ext cx="1963024" cy="523220"/>
-          </a:xfrm>
-          <a:prstGeom prst="rect">
-            <a:avLst/>
-          </a:prstGeom>
-          <a:noFill/>
-        </p:spPr>
-        <p:txBody>
-          <a:bodyPr wrap="square" rtlCol="0">
-            <a:spAutoFit/>
-          </a:bodyPr>
-          <a:lstStyle/>
-          <a:p>
-            <a:r>
-              <a:rPr lang="en-US" sz="2800" dirty="0">
-                <a:solidFill>
-                  <a:srgbClr val="CF3338"/>
-                </a:solidFill>
-                <a:latin typeface="Aliens &amp; cows" panose="00000500000000000000" pitchFamily="2" charset="0"/>
-              </a:rPr>
-              <a:t>Toolbar</a:t>
-            </a:r>
-          </a:p>
-        </p:txBody>
-      </p:sp>
-      <p:sp>
-        <p:nvSpPr>
-          <p:cNvPr id="15" name="TextBox 14">
-            <a:extLst>
-              <a:ext uri="{FF2B5EF4-FFF2-40B4-BE49-F238E27FC236}">
-                <a16:creationId xmlns:a16="http://schemas.microsoft.com/office/drawing/2014/main" id="{65490B59-D9B7-4C84-BA19-C822A1B450EF}"/>
-              </a:ext>
-            </a:extLst>
-          </p:cNvPr>
-          <p:cNvSpPr txBox="1"/>
-          <p:nvPr/>
-        </p:nvSpPr>
-        <p:spPr>
-          <a:xfrm>
-            <a:off x="1933748" y="5247103"/>
-            <a:ext cx="1963024" cy="523220"/>
-          </a:xfrm>
-          <a:prstGeom prst="rect">
-            <a:avLst/>
-          </a:prstGeom>
-          <a:noFill/>
-        </p:spPr>
-        <p:txBody>
-          <a:bodyPr wrap="square" rtlCol="0">
-            <a:spAutoFit/>
-          </a:bodyPr>
-          <a:lstStyle/>
-          <a:p>
-            <a:r>
-              <a:rPr lang="en-US" sz="2800" dirty="0">
-                <a:solidFill>
-                  <a:srgbClr val="CF3338"/>
-                </a:solidFill>
-                <a:latin typeface="Aliens &amp; cows" panose="00000500000000000000" pitchFamily="2" charset="0"/>
-              </a:rPr>
-              <a:t>Code cell</a:t>
+            <a:pPr algn="ctr"/>
+            <a:r>
+              <a:rPr lang="en-US" sz="2400" dirty="0">
+                <a:latin typeface="Pragmatica" pitchFamily="2" charset="0"/>
+              </a:rPr>
+              <a:t>The browser-based app</a:t>
             </a:r>
           </a:p>
         </p:txBody>
@@ -7278,7 +7484,7 @@
     </p:spTree>
     <p:extLst>
       <p:ext uri="{BB962C8B-B14F-4D97-AF65-F5344CB8AC3E}">
-        <p14:creationId xmlns:p14="http://schemas.microsoft.com/office/powerpoint/2010/main" val="4094946107"/>
+        <p14:creationId xmlns:p14="http://schemas.microsoft.com/office/powerpoint/2010/main" val="383149556"/>
       </p:ext>
     </p:extLst>
   </p:cSld>
@@ -7374,7 +7580,7 @@
         <p:spPr>
           <a:xfrm>
             <a:off x="462987" y="1365813"/>
-            <a:ext cx="9595413" cy="1815882"/>
+            <a:ext cx="9595413" cy="1384995"/>
           </a:xfrm>
           <a:prstGeom prst="rect">
             <a:avLst/>
@@ -7414,21 +7620,6 @@
                 <a:latin typeface="Pragmatica" panose="020B0403040502020204" pitchFamily="34" charset="0"/>
               </a:rPr>
               <a:t>Chart a clear learning path from Excel to R and Python</a:t>
-            </a:r>
-          </a:p>
-          <a:p>
-            <a:pPr marL="285750" indent="-285750">
-              <a:buFont typeface="Arial" panose="020B0604020202020204" pitchFamily="34" charset="0"/>
-              <a:buChar char="•"/>
-            </a:pPr>
-            <a:r>
-              <a:rPr lang="en-US" sz="2800" dirty="0">
-                <a:solidFill>
-                  <a:srgbClr val="707070"/>
-                </a:solidFill>
-                <a:latin typeface="Pragmatica" panose="020B0403040502020204" pitchFamily="34" charset="0"/>
-              </a:rPr>
-              <a:t>Demonstrate tangible use cases for combining these tools</a:t>
             </a:r>
           </a:p>
           <a:p>
@@ -7475,9 +7666,86 @@
           <a:chExt cx="0" cy="0"/>
         </a:xfrm>
       </p:grpSpPr>
+      <p:sp>
+        <p:nvSpPr>
+          <p:cNvPr id="4" name="Rectangle 3"/>
+          <p:cNvSpPr/>
+          <p:nvPr/>
+        </p:nvSpPr>
+        <p:spPr>
+          <a:xfrm>
+            <a:off x="6574420" y="0"/>
+            <a:ext cx="5617580" cy="6858000"/>
+          </a:xfrm>
+          <a:prstGeom prst="rect">
+            <a:avLst/>
+          </a:prstGeom>
+          <a:solidFill>
+            <a:srgbClr val="CF3338"/>
+          </a:solidFill>
+        </p:spPr>
+        <p:style>
+          <a:lnRef idx="2">
+            <a:schemeClr val="accent1">
+              <a:shade val="50000"/>
+            </a:schemeClr>
+          </a:lnRef>
+          <a:fillRef idx="1">
+            <a:schemeClr val="accent1"/>
+          </a:fillRef>
+          <a:effectRef idx="0">
+            <a:schemeClr val="accent1"/>
+          </a:effectRef>
+          <a:fontRef idx="minor">
+            <a:schemeClr val="lt1"/>
+          </a:fontRef>
+        </p:style>
+        <p:txBody>
+          <a:bodyPr rtlCol="0" anchor="ctr"/>
+          <a:lstStyle/>
+          <a:p>
+            <a:pPr algn="ctr"/>
+            <a:endParaRPr lang="en-US"/>
+          </a:p>
+        </p:txBody>
+      </p:sp>
+      <p:sp>
+        <p:nvSpPr>
+          <p:cNvPr id="5" name="TextBox 4"/>
+          <p:cNvSpPr txBox="1"/>
+          <p:nvPr/>
+        </p:nvSpPr>
+        <p:spPr>
+          <a:xfrm>
+            <a:off x="6817489" y="0"/>
+            <a:ext cx="4120587" cy="1446550"/>
+          </a:xfrm>
+          <a:prstGeom prst="rect">
+            <a:avLst/>
+          </a:prstGeom>
+          <a:noFill/>
+        </p:spPr>
+        <p:txBody>
+          <a:bodyPr wrap="square" rtlCol="0">
+            <a:spAutoFit/>
+          </a:bodyPr>
+          <a:lstStyle/>
+          <a:p>
+            <a:r>
+              <a:rPr lang="en-US" sz="8800" dirty="0">
+                <a:solidFill>
+                  <a:schemeClr val="bg1"/>
+                </a:solidFill>
+                <a:latin typeface="Aliens &amp; cows" panose="00000500000000000000" pitchFamily="2" charset="0"/>
+              </a:rPr>
+              <a:t>Demo</a:t>
+            </a:r>
+          </a:p>
+        </p:txBody>
+      </p:sp>
       <p:pic>
         <p:nvPicPr>
-          <p:cNvPr id="10" name="Picture 9"/>
+          <p:cNvPr id="2" name="Picture 1"/>
           <p:cNvPicPr>
             <a:picLocks noChangeAspect="1"/>
           </p:cNvPicPr>
@@ -7491,13 +7759,13 @@
               </a:ext>
             </a:extLst>
           </a:blip>
-          <a:srcRect l="50728" t="56371"/>
+          <a:srcRect l="69227" t="33418" r="20112" b="50548"/>
           <a:stretch/>
         </p:blipFill>
         <p:spPr>
           <a:xfrm>
-            <a:off x="10894024" y="5370653"/>
-            <a:ext cx="1297975" cy="1487348"/>
+            <a:off x="10386349" y="5029795"/>
+            <a:ext cx="1805651" cy="1991719"/>
           </a:xfrm>
           <a:prstGeom prst="rect">
             <a:avLst/>
@@ -7506,14 +7774,14 @@
       </p:pic>
       <p:sp>
         <p:nvSpPr>
-          <p:cNvPr id="11" name="TextBox 10"/>
+          <p:cNvPr id="3" name="TextBox 2"/>
           <p:cNvSpPr txBox="1"/>
           <p:nvPr/>
         </p:nvSpPr>
         <p:spPr>
           <a:xfrm>
-            <a:off x="347240" y="113388"/>
-            <a:ext cx="9799937" cy="1015663"/>
+            <a:off x="173620" y="219919"/>
+            <a:ext cx="6285903" cy="1815882"/>
           </a:xfrm>
           <a:prstGeom prst="rect">
             <a:avLst/>
@@ -7527,54 +7795,87 @@
           <a:lstStyle/>
           <a:p>
             <a:r>
-              <a:rPr lang="en-US" sz="6000" dirty="0">
-                <a:latin typeface="Aliens &amp; cows" panose="00000500000000000000" pitchFamily="2" charset="0"/>
-              </a:rPr>
-              <a:t>Python for Excel</a:t>
-            </a:r>
-          </a:p>
-        </p:txBody>
-      </p:sp>
-      <p:sp>
-        <p:nvSpPr>
-          <p:cNvPr id="3" name="TextBox 2"/>
-          <p:cNvSpPr txBox="1"/>
-          <p:nvPr/>
-        </p:nvSpPr>
-        <p:spPr>
-          <a:xfrm>
-            <a:off x="0" y="6334780"/>
-            <a:ext cx="7420966" cy="523220"/>
-          </a:xfrm>
-          <a:prstGeom prst="rect">
-            <a:avLst/>
-          </a:prstGeom>
-          <a:noFill/>
-        </p:spPr>
-        <p:txBody>
-          <a:bodyPr wrap="square" rtlCol="0">
-            <a:spAutoFit/>
-          </a:bodyPr>
-          <a:lstStyle/>
-          <a:p>
-            <a:r>
-              <a:rPr lang="en-US" sz="1400" dirty="0">
-                <a:solidFill>
-                  <a:srgbClr val="707070"/>
-                </a:solidFill>
-                <a:latin typeface="Pragmatica" panose="020B0403040502020204" pitchFamily="34" charset="0"/>
-              </a:rPr>
-              <a:t>https://excel.uservoice.com/forums/304921-excel-for-windows-desktop-application/suggestions/10549005-python-as-an-excel-scripting-language</a:t>
+              <a:rPr lang="en-US" sz="2800" b="1" dirty="0">
+                <a:solidFill>
+                  <a:srgbClr val="CF3338"/>
+                </a:solidFill>
+                <a:latin typeface="Pragmatica" pitchFamily="2" charset="0"/>
+              </a:rPr>
+              <a:t>Navigate </a:t>
+            </a:r>
+            <a:r>
+              <a:rPr lang="en-US" sz="2800" b="1" dirty="0" err="1">
+                <a:solidFill>
+                  <a:srgbClr val="CF3338"/>
+                </a:solidFill>
+                <a:latin typeface="Pragmatica" pitchFamily="2" charset="0"/>
+              </a:rPr>
+              <a:t>Jupyter</a:t>
+            </a:r>
+            <a:r>
+              <a:rPr lang="en-US" sz="2800" b="1" dirty="0">
+                <a:solidFill>
+                  <a:srgbClr val="CF3338"/>
+                </a:solidFill>
+                <a:latin typeface="Pragmatica" pitchFamily="2" charset="0"/>
+              </a:rPr>
+              <a:t>, starting with 1 + 1</a:t>
+            </a:r>
+          </a:p>
+          <a:p>
+            <a:endParaRPr lang="en-US" sz="2800" b="1" dirty="0">
+              <a:solidFill>
+                <a:srgbClr val="CF3338"/>
+              </a:solidFill>
+              <a:latin typeface="Pragmatica" pitchFamily="2" charset="0"/>
+            </a:endParaRPr>
+          </a:p>
+          <a:p>
+            <a:r>
+              <a:rPr lang="en-US" sz="2800" b="1" dirty="0">
+                <a:solidFill>
+                  <a:srgbClr val="CF3338"/>
+                </a:solidFill>
+                <a:latin typeface="Pragmatica" pitchFamily="2" charset="0"/>
+              </a:rPr>
+              <a:t>File: Open a new </a:t>
+            </a:r>
+            <a:r>
+              <a:rPr lang="en-US" sz="2800" b="1" dirty="0">
+                <a:solidFill>
+                  <a:srgbClr val="CF3338"/>
+                </a:solidFill>
+                <a:latin typeface="Consolas" panose="020B0609020204030204" pitchFamily="49" charset="0"/>
+              </a:rPr>
+              <a:t>.</a:t>
+            </a:r>
+            <a:r>
+              <a:rPr lang="en-US" sz="2800" b="1" dirty="0" err="1">
+                <a:solidFill>
+                  <a:srgbClr val="CF3338"/>
+                </a:solidFill>
+                <a:latin typeface="Consolas" panose="020B0609020204030204" pitchFamily="49" charset="0"/>
+              </a:rPr>
+              <a:t>ipynb</a:t>
+            </a:r>
+            <a:r>
+              <a:rPr lang="en-US" sz="2800" b="1" dirty="0">
+                <a:solidFill>
+                  <a:srgbClr val="CF3338"/>
+                </a:solidFill>
+                <a:latin typeface="Pragmatica" pitchFamily="2" charset="0"/>
+              </a:rPr>
+              <a:t> notebook</a:t>
             </a:r>
           </a:p>
         </p:txBody>
       </p:sp>
       <p:pic>
         <p:nvPicPr>
-          <p:cNvPr id="6" name="Picture 5">
+          <p:cNvPr id="9" name="Picture 8">
             <a:extLst>
               <a:ext uri="{FF2B5EF4-FFF2-40B4-BE49-F238E27FC236}">
-                <a16:creationId xmlns:a16="http://schemas.microsoft.com/office/drawing/2014/main" id="{AB9B98DE-851E-4DCE-A682-83C2082D863E}"/>
+                <a16:creationId xmlns:a16="http://schemas.microsoft.com/office/drawing/2014/main" id="{54086B7D-6DA5-45E4-BFAC-565935D853D4}"/>
               </a:ext>
             </a:extLst>
           </p:cNvPr>
@@ -7591,8 +7892,8 @@
         </p:blipFill>
         <p:spPr>
           <a:xfrm>
-            <a:off x="249829" y="1497416"/>
-            <a:ext cx="6777117" cy="3062800"/>
+            <a:off x="392397" y="3923670"/>
+            <a:ext cx="9856197" cy="2646866"/>
           </a:xfrm>
           <a:prstGeom prst="rect">
             <a:avLst/>
@@ -7601,57 +7902,10 @@
       </p:pic>
       <p:pic>
         <p:nvPicPr>
-          <p:cNvPr id="1026" name="Picture 2" descr="Logo">
+          <p:cNvPr id="11" name="Picture 10">
             <a:extLst>
               <a:ext uri="{FF2B5EF4-FFF2-40B4-BE49-F238E27FC236}">
-                <a16:creationId xmlns:a16="http://schemas.microsoft.com/office/drawing/2014/main" id="{DFA31B08-9729-493E-ACD6-0C1ED2EDA81F}"/>
-              </a:ext>
-            </a:extLst>
-          </p:cNvPr>
-          <p:cNvPicPr>
-            <a:picLocks noChangeAspect="1" noChangeArrowheads="1"/>
-          </p:cNvPicPr>
-          <p:nvPr/>
-        </p:nvPicPr>
-        <p:blipFill>
-          <a:blip r:embed="rId4">
-            <a:extLst>
-              <a:ext uri="{28A0092B-C50C-407E-A947-70E740481C1C}">
-                <a14:useLocalDpi xmlns:a14="http://schemas.microsoft.com/office/drawing/2010/main" val="0"/>
-              </a:ext>
-            </a:extLst>
-          </a:blip>
-          <a:srcRect/>
-          <a:stretch>
-            <a:fillRect/>
-          </a:stretch>
-        </p:blipFill>
-        <p:spPr bwMode="auto">
-          <a:xfrm>
-            <a:off x="8447030" y="2858833"/>
-            <a:ext cx="3199732" cy="625646"/>
-          </a:xfrm>
-          <a:prstGeom prst="rect">
-            <a:avLst/>
-          </a:prstGeom>
-          <a:noFill/>
-          <a:extLst>
-            <a:ext uri="{909E8E84-426E-40DD-AFC4-6F175D3DCCD1}">
-              <a14:hiddenFill xmlns:a14="http://schemas.microsoft.com/office/drawing/2010/main">
-                <a:solidFill>
-                  <a:srgbClr val="FFFFFF"/>
-                </a:solidFill>
-              </a14:hiddenFill>
-            </a:ext>
-          </a:extLst>
-        </p:spPr>
-      </p:pic>
-      <p:pic>
-        <p:nvPicPr>
-          <p:cNvPr id="8" name="Picture 7">
-            <a:extLst>
-              <a:ext uri="{FF2B5EF4-FFF2-40B4-BE49-F238E27FC236}">
-                <a16:creationId xmlns:a16="http://schemas.microsoft.com/office/drawing/2014/main" id="{D3A04345-EA68-47E4-9BEA-A8B53EF2B21B}"/>
+                <a16:creationId xmlns:a16="http://schemas.microsoft.com/office/drawing/2014/main" id="{3CD83BF2-3603-4E70-91DF-99EE1A9BEFA8}"/>
               </a:ext>
             </a:extLst>
           </p:cNvPr>
@@ -7661,15 +7915,15 @@
           <p:nvPr/>
         </p:nvPicPr>
         <p:blipFill>
-          <a:blip r:embed="rId5"/>
+          <a:blip r:embed="rId4"/>
           <a:stretch>
             <a:fillRect/>
           </a:stretch>
         </p:blipFill>
         <p:spPr>
           <a:xfrm>
-            <a:off x="7026946" y="3484479"/>
-            <a:ext cx="2840168" cy="842688"/>
+            <a:off x="493018" y="2516702"/>
+            <a:ext cx="4844484" cy="835256"/>
           </a:xfrm>
           <a:prstGeom prst="rect">
             <a:avLst/>
@@ -7678,10 +7932,10 @@
       </p:pic>
       <p:sp>
         <p:nvSpPr>
-          <p:cNvPr id="13" name="TextBox 12">
+          <p:cNvPr id="12" name="TextBox 11">
             <a:extLst>
               <a:ext uri="{FF2B5EF4-FFF2-40B4-BE49-F238E27FC236}">
-                <a16:creationId xmlns:a16="http://schemas.microsoft.com/office/drawing/2014/main" id="{D76C3081-EF88-4D32-9F9A-7B0E3EAEB568}"/>
+                <a16:creationId xmlns:a16="http://schemas.microsoft.com/office/drawing/2014/main" id="{1F343DE5-C90A-486A-8D20-55C935580E3E}"/>
               </a:ext>
             </a:extLst>
           </p:cNvPr>
@@ -7690,8 +7944,8 @@
         </p:nvSpPr>
         <p:spPr>
           <a:xfrm>
-            <a:off x="7167868" y="5596729"/>
-            <a:ext cx="4628435" cy="369332"/>
+            <a:off x="1657656" y="3516922"/>
+            <a:ext cx="2856649" cy="523220"/>
           </a:xfrm>
           <a:prstGeom prst="rect">
             <a:avLst/>
@@ -7705,65 +7959,141 @@
           <a:lstStyle/>
           <a:p>
             <a:r>
-              <a:rPr lang="en-US" b="1" dirty="0">
-                <a:latin typeface="Pragmatica" pitchFamily="2" charset="0"/>
-              </a:rPr>
-              <a:t>More: http://www.python-excel.org</a:t>
-            </a:r>
-          </a:p>
-        </p:txBody>
-      </p:sp>
-      <p:pic>
-        <p:nvPicPr>
-          <p:cNvPr id="1028" name="Picture 4">
+              <a:rPr lang="en-US" sz="2800" dirty="0">
+                <a:solidFill>
+                  <a:srgbClr val="CF3338"/>
+                </a:solidFill>
+                <a:latin typeface="Aliens &amp; cows" panose="00000500000000000000" pitchFamily="2" charset="0"/>
+              </a:rPr>
+              <a:t>Notebook name</a:t>
+            </a:r>
+          </a:p>
+        </p:txBody>
+      </p:sp>
+      <p:sp>
+        <p:nvSpPr>
+          <p:cNvPr id="13" name="TextBox 12">
             <a:extLst>
               <a:ext uri="{FF2B5EF4-FFF2-40B4-BE49-F238E27FC236}">
-                <a16:creationId xmlns:a16="http://schemas.microsoft.com/office/drawing/2014/main" id="{3C329EA7-0AC7-4A26-A24D-2507FC7AAAB6}"/>
+                <a16:creationId xmlns:a16="http://schemas.microsoft.com/office/drawing/2014/main" id="{15039CAE-3A25-441F-86F2-FB512EB8851E}"/>
               </a:ext>
             </a:extLst>
           </p:cNvPr>
-          <p:cNvPicPr>
-            <a:picLocks noChangeAspect="1" noChangeArrowheads="1"/>
-          </p:cNvPicPr>
-          <p:nvPr/>
-        </p:nvPicPr>
-        <p:blipFill>
-          <a:blip r:embed="rId6">
+          <p:cNvSpPr txBox="1"/>
+          <p:nvPr/>
+        </p:nvSpPr>
+        <p:spPr>
+          <a:xfrm>
+            <a:off x="5429963" y="4120693"/>
+            <a:ext cx="1963024" cy="523220"/>
+          </a:xfrm>
+          <a:prstGeom prst="rect">
+            <a:avLst/>
+          </a:prstGeom>
+          <a:noFill/>
+        </p:spPr>
+        <p:txBody>
+          <a:bodyPr wrap="square" rtlCol="0">
+            <a:spAutoFit/>
+          </a:bodyPr>
+          <a:lstStyle/>
+          <a:p>
+            <a:r>
+              <a:rPr lang="en-US" sz="2800" dirty="0">
+                <a:solidFill>
+                  <a:srgbClr val="CF3338"/>
+                </a:solidFill>
+                <a:latin typeface="Aliens &amp; cows" panose="00000500000000000000" pitchFamily="2" charset="0"/>
+              </a:rPr>
+              <a:t>Menu bar</a:t>
+            </a:r>
+          </a:p>
+        </p:txBody>
+      </p:sp>
+      <p:sp>
+        <p:nvSpPr>
+          <p:cNvPr id="14" name="TextBox 13">
             <a:extLst>
-              <a:ext uri="{28A0092B-C50C-407E-A947-70E740481C1C}">
-                <a14:useLocalDpi xmlns:a14="http://schemas.microsoft.com/office/drawing/2010/main" val="0"/>
+              <a:ext uri="{FF2B5EF4-FFF2-40B4-BE49-F238E27FC236}">
+                <a16:creationId xmlns:a16="http://schemas.microsoft.com/office/drawing/2014/main" id="{B4BC673B-ED2C-4075-A2A9-AF56F43DCED5}"/>
               </a:ext>
             </a:extLst>
-          </a:blip>
-          <a:srcRect/>
-          <a:stretch>
-            <a:fillRect/>
-          </a:stretch>
-        </p:blipFill>
-        <p:spPr bwMode="auto">
-          <a:xfrm>
-            <a:off x="7783672" y="4327167"/>
-            <a:ext cx="3933825" cy="1095375"/>
+          </p:cNvPr>
+          <p:cNvSpPr txBox="1"/>
+          <p:nvPr/>
+        </p:nvSpPr>
+        <p:spPr>
+          <a:xfrm>
+            <a:off x="6091171" y="4522932"/>
+            <a:ext cx="1963024" cy="523220"/>
           </a:xfrm>
           <a:prstGeom prst="rect">
             <a:avLst/>
           </a:prstGeom>
           <a:noFill/>
-          <a:extLst>
-            <a:ext uri="{909E8E84-426E-40DD-AFC4-6F175D3DCCD1}">
-              <a14:hiddenFill xmlns:a14="http://schemas.microsoft.com/office/drawing/2010/main">
-                <a:solidFill>
-                  <a:srgbClr val="FFFFFF"/>
-                </a:solidFill>
-              </a14:hiddenFill>
-            </a:ext>
-          </a:extLst>
-        </p:spPr>
-      </p:pic>
+        </p:spPr>
+        <p:txBody>
+          <a:bodyPr wrap="square" rtlCol="0">
+            <a:spAutoFit/>
+          </a:bodyPr>
+          <a:lstStyle/>
+          <a:p>
+            <a:r>
+              <a:rPr lang="en-US" sz="2800" dirty="0">
+                <a:solidFill>
+                  <a:srgbClr val="CF3338"/>
+                </a:solidFill>
+                <a:latin typeface="Aliens &amp; cows" panose="00000500000000000000" pitchFamily="2" charset="0"/>
+              </a:rPr>
+              <a:t>Toolbar</a:t>
+            </a:r>
+          </a:p>
+        </p:txBody>
+      </p:sp>
+      <p:sp>
+        <p:nvSpPr>
+          <p:cNvPr id="15" name="TextBox 14">
+            <a:extLst>
+              <a:ext uri="{FF2B5EF4-FFF2-40B4-BE49-F238E27FC236}">
+                <a16:creationId xmlns:a16="http://schemas.microsoft.com/office/drawing/2014/main" id="{65490B59-D9B7-4C84-BA19-C822A1B450EF}"/>
+              </a:ext>
+            </a:extLst>
+          </p:cNvPr>
+          <p:cNvSpPr txBox="1"/>
+          <p:nvPr/>
+        </p:nvSpPr>
+        <p:spPr>
+          <a:xfrm>
+            <a:off x="1933748" y="5247103"/>
+            <a:ext cx="1963024" cy="523220"/>
+          </a:xfrm>
+          <a:prstGeom prst="rect">
+            <a:avLst/>
+          </a:prstGeom>
+          <a:noFill/>
+        </p:spPr>
+        <p:txBody>
+          <a:bodyPr wrap="square" rtlCol="0">
+            <a:spAutoFit/>
+          </a:bodyPr>
+          <a:lstStyle/>
+          <a:p>
+            <a:r>
+              <a:rPr lang="en-US" sz="2800" dirty="0">
+                <a:solidFill>
+                  <a:srgbClr val="CF3338"/>
+                </a:solidFill>
+                <a:latin typeface="Aliens &amp; cows" panose="00000500000000000000" pitchFamily="2" charset="0"/>
+              </a:rPr>
+              <a:t>Code cell</a:t>
+            </a:r>
+          </a:p>
+        </p:txBody>
+      </p:sp>
     </p:spTree>
     <p:extLst>
       <p:ext uri="{BB962C8B-B14F-4D97-AF65-F5344CB8AC3E}">
-        <p14:creationId xmlns:p14="http://schemas.microsoft.com/office/powerpoint/2010/main" val="3281768856"/>
+        <p14:creationId xmlns:p14="http://schemas.microsoft.com/office/powerpoint/2010/main" val="4094946107"/>
       </p:ext>
     </p:extLst>
   </p:cSld>
@@ -7790,86 +8120,9 @@
           <a:chExt cx="0" cy="0"/>
         </a:xfrm>
       </p:grpSpPr>
-      <p:sp>
-        <p:nvSpPr>
-          <p:cNvPr id="4" name="Rectangle 3"/>
-          <p:cNvSpPr/>
-          <p:nvPr/>
-        </p:nvSpPr>
-        <p:spPr>
-          <a:xfrm>
-            <a:off x="6574420" y="0"/>
-            <a:ext cx="5617580" cy="6858000"/>
-          </a:xfrm>
-          <a:prstGeom prst="rect">
-            <a:avLst/>
-          </a:prstGeom>
-          <a:solidFill>
-            <a:srgbClr val="CF3338"/>
-          </a:solidFill>
-        </p:spPr>
-        <p:style>
-          <a:lnRef idx="2">
-            <a:schemeClr val="accent1">
-              <a:shade val="50000"/>
-            </a:schemeClr>
-          </a:lnRef>
-          <a:fillRef idx="1">
-            <a:schemeClr val="accent1"/>
-          </a:fillRef>
-          <a:effectRef idx="0">
-            <a:schemeClr val="accent1"/>
-          </a:effectRef>
-          <a:fontRef idx="minor">
-            <a:schemeClr val="lt1"/>
-          </a:fontRef>
-        </p:style>
-        <p:txBody>
-          <a:bodyPr rtlCol="0" anchor="ctr"/>
-          <a:lstStyle/>
-          <a:p>
-            <a:pPr algn="ctr"/>
-            <a:endParaRPr lang="en-US"/>
-          </a:p>
-        </p:txBody>
-      </p:sp>
-      <p:sp>
-        <p:nvSpPr>
-          <p:cNvPr id="5" name="TextBox 4"/>
-          <p:cNvSpPr txBox="1"/>
-          <p:nvPr/>
-        </p:nvSpPr>
-        <p:spPr>
-          <a:xfrm>
-            <a:off x="6817489" y="0"/>
-            <a:ext cx="4120587" cy="1446550"/>
-          </a:xfrm>
-          <a:prstGeom prst="rect">
-            <a:avLst/>
-          </a:prstGeom>
-          <a:noFill/>
-        </p:spPr>
-        <p:txBody>
-          <a:bodyPr wrap="square" rtlCol="0">
-            <a:spAutoFit/>
-          </a:bodyPr>
-          <a:lstStyle/>
-          <a:p>
-            <a:r>
-              <a:rPr lang="en-US" sz="8800" dirty="0">
-                <a:solidFill>
-                  <a:schemeClr val="bg1"/>
-                </a:solidFill>
-                <a:latin typeface="Aliens &amp; cows" panose="00000500000000000000" pitchFamily="2" charset="0"/>
-              </a:rPr>
-              <a:t>Demo</a:t>
-            </a:r>
-          </a:p>
-        </p:txBody>
-      </p:sp>
       <p:pic>
         <p:nvPicPr>
-          <p:cNvPr id="2" name="Picture 1"/>
+          <p:cNvPr id="10" name="Picture 9"/>
           <p:cNvPicPr>
             <a:picLocks noChangeAspect="1"/>
           </p:cNvPicPr>
@@ -7883,13 +8136,13 @@
               </a:ext>
             </a:extLst>
           </a:blip>
-          <a:srcRect l="69227" t="33418" r="20112" b="50548"/>
+          <a:srcRect l="50728" t="56371"/>
           <a:stretch/>
         </p:blipFill>
         <p:spPr>
           <a:xfrm>
-            <a:off x="10386349" y="5029795"/>
-            <a:ext cx="1805651" cy="1991719"/>
+            <a:off x="10894024" y="5370653"/>
+            <a:ext cx="1297975" cy="1487348"/>
           </a:xfrm>
           <a:prstGeom prst="rect">
             <a:avLst/>
@@ -7898,14 +8151,14 @@
       </p:pic>
       <p:sp>
         <p:nvSpPr>
-          <p:cNvPr id="3" name="TextBox 2"/>
+          <p:cNvPr id="11" name="TextBox 10"/>
           <p:cNvSpPr txBox="1"/>
           <p:nvPr/>
         </p:nvSpPr>
         <p:spPr>
           <a:xfrm>
-            <a:off x="173620" y="219919"/>
-            <a:ext cx="6084567" cy="5262979"/>
+            <a:off x="347240" y="113388"/>
+            <a:ext cx="9799937" cy="1015663"/>
           </a:xfrm>
           <a:prstGeom prst="rect">
             <a:avLst/>
@@ -7919,125 +8172,243 @@
           <a:lstStyle/>
           <a:p>
             <a:r>
-              <a:rPr lang="en-US" sz="2800" b="1" dirty="0">
-                <a:solidFill>
-                  <a:srgbClr val="CF3338"/>
-                </a:solidFill>
+              <a:rPr lang="en-US" sz="6000" dirty="0">
+                <a:latin typeface="Aliens &amp; cows" panose="00000500000000000000" pitchFamily="2" charset="0"/>
+              </a:rPr>
+              <a:t>Python for Excel</a:t>
+            </a:r>
+          </a:p>
+        </p:txBody>
+      </p:sp>
+      <p:sp>
+        <p:nvSpPr>
+          <p:cNvPr id="3" name="TextBox 2"/>
+          <p:cNvSpPr txBox="1"/>
+          <p:nvPr/>
+        </p:nvSpPr>
+        <p:spPr>
+          <a:xfrm>
+            <a:off x="0" y="6334780"/>
+            <a:ext cx="7420966" cy="523220"/>
+          </a:xfrm>
+          <a:prstGeom prst="rect">
+            <a:avLst/>
+          </a:prstGeom>
+          <a:noFill/>
+        </p:spPr>
+        <p:txBody>
+          <a:bodyPr wrap="square" rtlCol="0">
+            <a:spAutoFit/>
+          </a:bodyPr>
+          <a:lstStyle/>
+          <a:p>
+            <a:r>
+              <a:rPr lang="en-US" sz="1400" dirty="0">
+                <a:solidFill>
+                  <a:srgbClr val="707070"/>
+                </a:solidFill>
+                <a:latin typeface="Pragmatica" panose="020B0403040502020204" pitchFamily="34" charset="0"/>
+              </a:rPr>
+              <a:t>https://excel.uservoice.com/forums/304921-excel-for-windows-desktop-application/suggestions/10549005-python-as-an-excel-scripting-language</a:t>
+            </a:r>
+          </a:p>
+        </p:txBody>
+      </p:sp>
+      <p:pic>
+        <p:nvPicPr>
+          <p:cNvPr id="6" name="Picture 5">
+            <a:extLst>
+              <a:ext uri="{FF2B5EF4-FFF2-40B4-BE49-F238E27FC236}">
+                <a16:creationId xmlns:a16="http://schemas.microsoft.com/office/drawing/2014/main" id="{AB9B98DE-851E-4DCE-A682-83C2082D863E}"/>
+              </a:ext>
+            </a:extLst>
+          </p:cNvPr>
+          <p:cNvPicPr>
+            <a:picLocks noChangeAspect="1"/>
+          </p:cNvPicPr>
+          <p:nvPr/>
+        </p:nvPicPr>
+        <p:blipFill>
+          <a:blip r:embed="rId3"/>
+          <a:stretch>
+            <a:fillRect/>
+          </a:stretch>
+        </p:blipFill>
+        <p:spPr>
+          <a:xfrm>
+            <a:off x="249829" y="1497416"/>
+            <a:ext cx="6777117" cy="3062800"/>
+          </a:xfrm>
+          <a:prstGeom prst="rect">
+            <a:avLst/>
+          </a:prstGeom>
+        </p:spPr>
+      </p:pic>
+      <p:pic>
+        <p:nvPicPr>
+          <p:cNvPr id="1026" name="Picture 2" descr="Logo">
+            <a:extLst>
+              <a:ext uri="{FF2B5EF4-FFF2-40B4-BE49-F238E27FC236}">
+                <a16:creationId xmlns:a16="http://schemas.microsoft.com/office/drawing/2014/main" id="{DFA31B08-9729-493E-ACD6-0C1ED2EDA81F}"/>
+              </a:ext>
+            </a:extLst>
+          </p:cNvPr>
+          <p:cNvPicPr>
+            <a:picLocks noChangeAspect="1" noChangeArrowheads="1"/>
+          </p:cNvPicPr>
+          <p:nvPr/>
+        </p:nvPicPr>
+        <p:blipFill>
+          <a:blip r:embed="rId4">
+            <a:extLst>
+              <a:ext uri="{28A0092B-C50C-407E-A947-70E740481C1C}">
+                <a14:useLocalDpi xmlns:a14="http://schemas.microsoft.com/office/drawing/2010/main" val="0"/>
+              </a:ext>
+            </a:extLst>
+          </a:blip>
+          <a:srcRect/>
+          <a:stretch>
+            <a:fillRect/>
+          </a:stretch>
+        </p:blipFill>
+        <p:spPr bwMode="auto">
+          <a:xfrm>
+            <a:off x="8447030" y="2858833"/>
+            <a:ext cx="3199732" cy="625646"/>
+          </a:xfrm>
+          <a:prstGeom prst="rect">
+            <a:avLst/>
+          </a:prstGeom>
+          <a:noFill/>
+          <a:extLst>
+            <a:ext uri="{909E8E84-426E-40DD-AFC4-6F175D3DCCD1}">
+              <a14:hiddenFill xmlns:a14="http://schemas.microsoft.com/office/drawing/2010/main">
+                <a:solidFill>
+                  <a:srgbClr val="FFFFFF"/>
+                </a:solidFill>
+              </a14:hiddenFill>
+            </a:ext>
+          </a:extLst>
+        </p:spPr>
+      </p:pic>
+      <p:pic>
+        <p:nvPicPr>
+          <p:cNvPr id="8" name="Picture 7">
+            <a:extLst>
+              <a:ext uri="{FF2B5EF4-FFF2-40B4-BE49-F238E27FC236}">
+                <a16:creationId xmlns:a16="http://schemas.microsoft.com/office/drawing/2014/main" id="{D3A04345-EA68-47E4-9BEA-A8B53EF2B21B}"/>
+              </a:ext>
+            </a:extLst>
+          </p:cNvPr>
+          <p:cNvPicPr>
+            <a:picLocks noChangeAspect="1"/>
+          </p:cNvPicPr>
+          <p:nvPr/>
+        </p:nvPicPr>
+        <p:blipFill>
+          <a:blip r:embed="rId5"/>
+          <a:stretch>
+            <a:fillRect/>
+          </a:stretch>
+        </p:blipFill>
+        <p:spPr>
+          <a:xfrm>
+            <a:off x="7026946" y="3484479"/>
+            <a:ext cx="2840168" cy="842688"/>
+          </a:xfrm>
+          <a:prstGeom prst="rect">
+            <a:avLst/>
+          </a:prstGeom>
+        </p:spPr>
+      </p:pic>
+      <p:sp>
+        <p:nvSpPr>
+          <p:cNvPr id="13" name="TextBox 12">
+            <a:extLst>
+              <a:ext uri="{FF2B5EF4-FFF2-40B4-BE49-F238E27FC236}">
+                <a16:creationId xmlns:a16="http://schemas.microsoft.com/office/drawing/2014/main" id="{D76C3081-EF88-4D32-9F9A-7B0E3EAEB568}"/>
+              </a:ext>
+            </a:extLst>
+          </p:cNvPr>
+          <p:cNvSpPr txBox="1"/>
+          <p:nvPr/>
+        </p:nvSpPr>
+        <p:spPr>
+          <a:xfrm>
+            <a:off x="7167868" y="5596729"/>
+            <a:ext cx="4628435" cy="369332"/>
+          </a:xfrm>
+          <a:prstGeom prst="rect">
+            <a:avLst/>
+          </a:prstGeom>
+          <a:noFill/>
+        </p:spPr>
+        <p:txBody>
+          <a:bodyPr wrap="square" rtlCol="0">
+            <a:spAutoFit/>
+          </a:bodyPr>
+          <a:lstStyle/>
+          <a:p>
+            <a:r>
+              <a:rPr lang="en-US" b="1" dirty="0">
                 <a:latin typeface="Pragmatica" pitchFamily="2" charset="0"/>
               </a:rPr>
-              <a:t>Export &amp; format a dataset to Excel</a:t>
-            </a:r>
-          </a:p>
-          <a:p>
-            <a:endParaRPr lang="en-US" sz="2800" b="1" dirty="0">
-              <a:solidFill>
-                <a:srgbClr val="CF3338"/>
-              </a:solidFill>
-              <a:latin typeface="Pragmatica" pitchFamily="2" charset="0"/>
-            </a:endParaRPr>
-          </a:p>
-          <a:p>
-            <a:pPr marL="514350" indent="-514350">
-              <a:buFont typeface="+mj-lt"/>
-              <a:buAutoNum type="arabicPeriod"/>
-            </a:pPr>
-            <a:r>
-              <a:rPr lang="en-US" sz="2800" b="1" dirty="0">
-                <a:solidFill>
-                  <a:srgbClr val="CF3338"/>
-                </a:solidFill>
-                <a:latin typeface="Pragmatica" pitchFamily="2" charset="0"/>
-              </a:rPr>
-              <a:t>Working with modules in Python</a:t>
-            </a:r>
-          </a:p>
-          <a:p>
-            <a:pPr marL="514350" indent="-514350">
-              <a:buFont typeface="+mj-lt"/>
-              <a:buAutoNum type="arabicPeriod"/>
-            </a:pPr>
-            <a:r>
-              <a:rPr lang="en-US" sz="2800" b="1" dirty="0">
-                <a:solidFill>
-                  <a:srgbClr val="CF3338"/>
-                </a:solidFill>
-                <a:latin typeface="Pragmatica" pitchFamily="2" charset="0"/>
-              </a:rPr>
-              <a:t>Working with tabular data in Python</a:t>
-            </a:r>
-          </a:p>
-          <a:p>
-            <a:pPr marL="514350" indent="-514350">
-              <a:buFont typeface="+mj-lt"/>
-              <a:buAutoNum type="arabicPeriod"/>
-            </a:pPr>
-            <a:r>
-              <a:rPr lang="en-US" sz="2800" b="1" dirty="0">
-                <a:solidFill>
-                  <a:srgbClr val="CF3338"/>
-                </a:solidFill>
-                <a:latin typeface="Pragmatica" pitchFamily="2" charset="0"/>
-              </a:rPr>
-              <a:t>“Python-Powered Excel”</a:t>
-            </a:r>
-          </a:p>
-          <a:p>
-            <a:endParaRPr lang="en-US" sz="2800" b="1" dirty="0">
-              <a:solidFill>
-                <a:srgbClr val="CF3338"/>
-              </a:solidFill>
-              <a:latin typeface="Pragmatica" pitchFamily="2" charset="0"/>
-            </a:endParaRPr>
-          </a:p>
-          <a:p>
-            <a:endParaRPr lang="en-US" sz="2800" b="1" dirty="0">
-              <a:solidFill>
-                <a:srgbClr val="CF3338"/>
-              </a:solidFill>
-              <a:latin typeface="Pragmatica" pitchFamily="2" charset="0"/>
-            </a:endParaRPr>
-          </a:p>
-          <a:p>
-            <a:r>
-              <a:rPr lang="en-US" sz="2800" b="1" dirty="0">
-                <a:solidFill>
-                  <a:srgbClr val="CF3338"/>
-                </a:solidFill>
-                <a:latin typeface="Pragmatica" pitchFamily="2" charset="0"/>
-              </a:rPr>
-              <a:t>File: </a:t>
-            </a:r>
-            <a:r>
-              <a:rPr lang="en-US" sz="2800" b="1" dirty="0">
-                <a:solidFill>
-                  <a:srgbClr val="CF3338"/>
-                </a:solidFill>
-                <a:latin typeface="Consolas" panose="020B0609020204030204" pitchFamily="49" charset="0"/>
-              </a:rPr>
-              <a:t>python-powered-</a:t>
-            </a:r>
-            <a:r>
-              <a:rPr lang="en-US" sz="2800" b="1" dirty="0" err="1">
-                <a:solidFill>
-                  <a:srgbClr val="CF3338"/>
-                </a:solidFill>
-                <a:latin typeface="Consolas" panose="020B0609020204030204" pitchFamily="49" charset="0"/>
-              </a:rPr>
-              <a:t>excel.ipynb</a:t>
-            </a:r>
-            <a:endParaRPr lang="en-US" sz="2800" b="1" dirty="0">
-              <a:solidFill>
-                <a:srgbClr val="CF3338"/>
-              </a:solidFill>
-              <a:latin typeface="Consolas" panose="020B0609020204030204" pitchFamily="49" charset="0"/>
-            </a:endParaRPr>
-          </a:p>
-        </p:txBody>
-      </p:sp>
+              <a:t>More: http://www.python-excel.org</a:t>
+            </a:r>
+          </a:p>
+        </p:txBody>
+      </p:sp>
+      <p:pic>
+        <p:nvPicPr>
+          <p:cNvPr id="1028" name="Picture 4">
+            <a:extLst>
+              <a:ext uri="{FF2B5EF4-FFF2-40B4-BE49-F238E27FC236}">
+                <a16:creationId xmlns:a16="http://schemas.microsoft.com/office/drawing/2014/main" id="{3C329EA7-0AC7-4A26-A24D-2507FC7AAAB6}"/>
+              </a:ext>
+            </a:extLst>
+          </p:cNvPr>
+          <p:cNvPicPr>
+            <a:picLocks noChangeAspect="1" noChangeArrowheads="1"/>
+          </p:cNvPicPr>
+          <p:nvPr/>
+        </p:nvPicPr>
+        <p:blipFill>
+          <a:blip r:embed="rId6">
+            <a:extLst>
+              <a:ext uri="{28A0092B-C50C-407E-A947-70E740481C1C}">
+                <a14:useLocalDpi xmlns:a14="http://schemas.microsoft.com/office/drawing/2010/main" val="0"/>
+              </a:ext>
+            </a:extLst>
+          </a:blip>
+          <a:srcRect/>
+          <a:stretch>
+            <a:fillRect/>
+          </a:stretch>
+        </p:blipFill>
+        <p:spPr bwMode="auto">
+          <a:xfrm>
+            <a:off x="7783672" y="4327167"/>
+            <a:ext cx="3933825" cy="1095375"/>
+          </a:xfrm>
+          <a:prstGeom prst="rect">
+            <a:avLst/>
+          </a:prstGeom>
+          <a:noFill/>
+          <a:extLst>
+            <a:ext uri="{909E8E84-426E-40DD-AFC4-6F175D3DCCD1}">
+              <a14:hiddenFill xmlns:a14="http://schemas.microsoft.com/office/drawing/2010/main">
+                <a:solidFill>
+                  <a:srgbClr val="FFFFFF"/>
+                </a:solidFill>
+              </a14:hiddenFill>
+            </a:ext>
+          </a:extLst>
+        </p:spPr>
+      </p:pic>
     </p:spTree>
     <p:extLst>
       <p:ext uri="{BB962C8B-B14F-4D97-AF65-F5344CB8AC3E}">
-        <p14:creationId xmlns:p14="http://schemas.microsoft.com/office/powerpoint/2010/main" val="463841088"/>
+        <p14:creationId xmlns:p14="http://schemas.microsoft.com/office/powerpoint/2010/main" val="3281768856"/>
       </p:ext>
     </p:extLst>
   </p:cSld>
@@ -8064,9 +8435,86 @@
           <a:chExt cx="0" cy="0"/>
         </a:xfrm>
       </p:grpSpPr>
+      <p:sp>
+        <p:nvSpPr>
+          <p:cNvPr id="4" name="Rectangle 3"/>
+          <p:cNvSpPr/>
+          <p:nvPr/>
+        </p:nvSpPr>
+        <p:spPr>
+          <a:xfrm>
+            <a:off x="6574420" y="0"/>
+            <a:ext cx="5617580" cy="6858000"/>
+          </a:xfrm>
+          <a:prstGeom prst="rect">
+            <a:avLst/>
+          </a:prstGeom>
+          <a:solidFill>
+            <a:srgbClr val="CF3338"/>
+          </a:solidFill>
+        </p:spPr>
+        <p:style>
+          <a:lnRef idx="2">
+            <a:schemeClr val="accent1">
+              <a:shade val="50000"/>
+            </a:schemeClr>
+          </a:lnRef>
+          <a:fillRef idx="1">
+            <a:schemeClr val="accent1"/>
+          </a:fillRef>
+          <a:effectRef idx="0">
+            <a:schemeClr val="accent1"/>
+          </a:effectRef>
+          <a:fontRef idx="minor">
+            <a:schemeClr val="lt1"/>
+          </a:fontRef>
+        </p:style>
+        <p:txBody>
+          <a:bodyPr rtlCol="0" anchor="ctr"/>
+          <a:lstStyle/>
+          <a:p>
+            <a:pPr algn="ctr"/>
+            <a:endParaRPr lang="en-US"/>
+          </a:p>
+        </p:txBody>
+      </p:sp>
+      <p:sp>
+        <p:nvSpPr>
+          <p:cNvPr id="5" name="TextBox 4"/>
+          <p:cNvSpPr txBox="1"/>
+          <p:nvPr/>
+        </p:nvSpPr>
+        <p:spPr>
+          <a:xfrm>
+            <a:off x="6817489" y="0"/>
+            <a:ext cx="4120587" cy="1446550"/>
+          </a:xfrm>
+          <a:prstGeom prst="rect">
+            <a:avLst/>
+          </a:prstGeom>
+          <a:noFill/>
+        </p:spPr>
+        <p:txBody>
+          <a:bodyPr wrap="square" rtlCol="0">
+            <a:spAutoFit/>
+          </a:bodyPr>
+          <a:lstStyle/>
+          <a:p>
+            <a:r>
+              <a:rPr lang="en-US" sz="8800" dirty="0">
+                <a:solidFill>
+                  <a:schemeClr val="bg1"/>
+                </a:solidFill>
+                <a:latin typeface="Aliens &amp; cows" panose="00000500000000000000" pitchFamily="2" charset="0"/>
+              </a:rPr>
+              <a:t>Demo</a:t>
+            </a:r>
+          </a:p>
+        </p:txBody>
+      </p:sp>
       <p:pic>
         <p:nvPicPr>
-          <p:cNvPr id="10" name="Picture 9"/>
+          <p:cNvPr id="2" name="Picture 1"/>
           <p:cNvPicPr>
             <a:picLocks noChangeAspect="1"/>
           </p:cNvPicPr>
@@ -8080,59 +8528,29 @@
               </a:ext>
             </a:extLst>
           </a:blip>
-          <a:srcRect l="50728" t="56371"/>
+          <a:srcRect l="69227" t="33418" r="20112" b="50548"/>
           <a:stretch/>
         </p:blipFill>
         <p:spPr>
           <a:xfrm>
-            <a:off x="8136460" y="2210765"/>
-            <a:ext cx="4055539" cy="4647236"/>
+            <a:off x="10386349" y="5029795"/>
+            <a:ext cx="1805651" cy="1991719"/>
           </a:xfrm>
           <a:prstGeom prst="rect">
             <a:avLst/>
           </a:prstGeom>
         </p:spPr>
       </p:pic>
-      <p:pic>
-        <p:nvPicPr>
-          <p:cNvPr id="4" name="Picture 3"/>
-          <p:cNvPicPr>
-            <a:picLocks noChangeAspect="1"/>
-          </p:cNvPicPr>
-          <p:nvPr/>
-        </p:nvPicPr>
-        <p:blipFill>
-          <a:blip r:embed="rId3">
-            <a:extLst>
-              <a:ext uri="{28A0092B-C50C-407E-A947-70E740481C1C}">
-                <a14:useLocalDpi xmlns:a14="http://schemas.microsoft.com/office/drawing/2010/main" val="0"/>
-              </a:ext>
-            </a:extLst>
-          </a:blip>
-          <a:stretch>
-            <a:fillRect/>
-          </a:stretch>
-        </p:blipFill>
-        <p:spPr>
-          <a:xfrm>
-            <a:off x="-538496" y="-2482770"/>
-            <a:ext cx="10171472" cy="7459883"/>
-          </a:xfrm>
-          <a:prstGeom prst="rect">
-            <a:avLst/>
-          </a:prstGeom>
-        </p:spPr>
-      </p:pic>
-      <p:sp>
-        <p:nvSpPr>
-          <p:cNvPr id="11" name="TextBox 10"/>
+      <p:sp>
+        <p:nvSpPr>
+          <p:cNvPr id="3" name="TextBox 2"/>
           <p:cNvSpPr txBox="1"/>
           <p:nvPr/>
         </p:nvSpPr>
         <p:spPr>
           <a:xfrm>
-            <a:off x="324091" y="1687545"/>
-            <a:ext cx="7986531" cy="523220"/>
+            <a:off x="173620" y="219919"/>
+            <a:ext cx="6084567" cy="5262979"/>
           </a:xfrm>
           <a:prstGeom prst="rect">
             <a:avLst/>
@@ -8148,19 +8566,123 @@
             <a:r>
               <a:rPr lang="en-US" sz="2800" b="1" dirty="0">
                 <a:solidFill>
-                  <a:srgbClr val="707070"/>
-                </a:solidFill>
-                <a:latin typeface="Pragmatica" panose="020B0403040502020204" pitchFamily="34" charset="0"/>
-              </a:rPr>
-              <a:t>Questions?</a:t>
-            </a:r>
+                  <a:srgbClr val="CF3338"/>
+                </a:solidFill>
+                <a:latin typeface="Pragmatica" pitchFamily="2" charset="0"/>
+              </a:rPr>
+              <a:t>Export &amp; format a dataset to Excel</a:t>
+            </a:r>
+          </a:p>
+          <a:p>
+            <a:endParaRPr lang="en-US" sz="2800" b="1" dirty="0">
+              <a:solidFill>
+                <a:srgbClr val="CF3338"/>
+              </a:solidFill>
+              <a:latin typeface="Pragmatica" pitchFamily="2" charset="0"/>
+            </a:endParaRPr>
+          </a:p>
+          <a:p>
+            <a:pPr marL="514350" indent="-514350">
+              <a:buFont typeface="+mj-lt"/>
+              <a:buAutoNum type="arabicPeriod"/>
+            </a:pPr>
+            <a:r>
+              <a:rPr lang="en-US" sz="2800" b="1" dirty="0">
+                <a:solidFill>
+                  <a:srgbClr val="CF3338"/>
+                </a:solidFill>
+                <a:latin typeface="Pragmatica" pitchFamily="2" charset="0"/>
+              </a:rPr>
+              <a:t>Working with modules in Python</a:t>
+            </a:r>
+          </a:p>
+          <a:p>
+            <a:pPr marL="514350" indent="-514350">
+              <a:buFont typeface="+mj-lt"/>
+              <a:buAutoNum type="arabicPeriod"/>
+            </a:pPr>
+            <a:r>
+              <a:rPr lang="en-US" sz="2800" b="1" dirty="0">
+                <a:solidFill>
+                  <a:srgbClr val="CF3338"/>
+                </a:solidFill>
+                <a:latin typeface="Pragmatica" pitchFamily="2" charset="0"/>
+              </a:rPr>
+              <a:t>Working with tabular data in Python</a:t>
+            </a:r>
+          </a:p>
+          <a:p>
+            <a:pPr marL="514350" indent="-514350">
+              <a:buFont typeface="+mj-lt"/>
+              <a:buAutoNum type="arabicPeriod"/>
+            </a:pPr>
+            <a:r>
+              <a:rPr lang="en-US" sz="2800" b="1" dirty="0">
+                <a:solidFill>
+                  <a:srgbClr val="CF3338"/>
+                </a:solidFill>
+                <a:latin typeface="Pragmatica" pitchFamily="2" charset="0"/>
+              </a:rPr>
+              <a:t>“Python-Powered Excel”</a:t>
+            </a:r>
+          </a:p>
+          <a:p>
+            <a:endParaRPr lang="en-US" sz="2800" b="1" dirty="0">
+              <a:solidFill>
+                <a:srgbClr val="CF3338"/>
+              </a:solidFill>
+              <a:latin typeface="Pragmatica" pitchFamily="2" charset="0"/>
+            </a:endParaRPr>
+          </a:p>
+          <a:p>
+            <a:endParaRPr lang="en-US" sz="2800" b="1" dirty="0">
+              <a:solidFill>
+                <a:srgbClr val="CF3338"/>
+              </a:solidFill>
+              <a:latin typeface="Pragmatica" pitchFamily="2" charset="0"/>
+            </a:endParaRPr>
+          </a:p>
+          <a:p>
+            <a:r>
+              <a:rPr lang="en-US" sz="2800" b="1" dirty="0">
+                <a:solidFill>
+                  <a:srgbClr val="CF3338"/>
+                </a:solidFill>
+                <a:latin typeface="Pragmatica" pitchFamily="2" charset="0"/>
+              </a:rPr>
+              <a:t>File: </a:t>
+            </a:r>
+            <a:r>
+              <a:rPr lang="en-US" sz="2800" b="1" dirty="0">
+                <a:solidFill>
+                  <a:srgbClr val="CF3338"/>
+                </a:solidFill>
+                <a:latin typeface="Consolas" panose="020B0609020204030204" pitchFamily="49" charset="0"/>
+              </a:rPr>
+              <a:t>python-powered-</a:t>
+            </a:r>
+            <a:r>
+              <a:rPr lang="en-US" sz="2800" b="1" dirty="0" err="1">
+                <a:solidFill>
+                  <a:srgbClr val="CF3338"/>
+                </a:solidFill>
+                <a:latin typeface="Consolas" panose="020B0609020204030204" pitchFamily="49" charset="0"/>
+              </a:rPr>
+              <a:t>excel.ipynb</a:t>
+            </a:r>
+            <a:endParaRPr lang="en-US" sz="2800" b="1" dirty="0">
+              <a:solidFill>
+                <a:srgbClr val="CF3338"/>
+              </a:solidFill>
+              <a:latin typeface="Consolas" panose="020B0609020204030204" pitchFamily="49" charset="0"/>
+            </a:endParaRPr>
           </a:p>
         </p:txBody>
       </p:sp>
     </p:spTree>
     <p:extLst>
       <p:ext uri="{BB962C8B-B14F-4D97-AF65-F5344CB8AC3E}">
-        <p14:creationId xmlns:p14="http://schemas.microsoft.com/office/powerpoint/2010/main" val="3672653518"/>
+        <p14:creationId xmlns:p14="http://schemas.microsoft.com/office/powerpoint/2010/main" val="463841088"/>
       </p:ext>
     </p:extLst>
   </p:cSld>
@@ -8187,59 +8709,75 @@
           <a:chExt cx="0" cy="0"/>
         </a:xfrm>
       </p:grpSpPr>
-      <p:sp>
-        <p:nvSpPr>
-          <p:cNvPr id="4" name="Rectangle 3"/>
-          <p:cNvSpPr/>
-          <p:nvPr/>
-        </p:nvSpPr>
-        <p:spPr>
-          <a:xfrm>
-            <a:off x="0" y="0"/>
-            <a:ext cx="12192000" cy="6858000"/>
-          </a:xfrm>
-          <a:prstGeom prst="rect">
-            <a:avLst/>
-          </a:prstGeom>
-          <a:solidFill>
-            <a:srgbClr val="CF3338"/>
-          </a:solidFill>
-        </p:spPr>
-        <p:style>
-          <a:lnRef idx="2">
-            <a:schemeClr val="accent1">
-              <a:shade val="50000"/>
-            </a:schemeClr>
-          </a:lnRef>
-          <a:fillRef idx="1">
-            <a:schemeClr val="accent1"/>
-          </a:fillRef>
-          <a:effectRef idx="0">
-            <a:schemeClr val="accent1"/>
-          </a:effectRef>
-          <a:fontRef idx="minor">
-            <a:schemeClr val="lt1"/>
-          </a:fontRef>
-        </p:style>
-        <p:txBody>
-          <a:bodyPr rtlCol="0" anchor="ctr"/>
-          <a:lstStyle/>
-          <a:p>
-            <a:pPr algn="ctr"/>
-            <a:endParaRPr lang="en-US"/>
-          </a:p>
-        </p:txBody>
-      </p:sp>
-      <p:sp>
-        <p:nvSpPr>
-          <p:cNvPr id="5" name="TextBox 4"/>
+      <p:pic>
+        <p:nvPicPr>
+          <p:cNvPr id="10" name="Picture 9"/>
+          <p:cNvPicPr>
+            <a:picLocks noChangeAspect="1"/>
+          </p:cNvPicPr>
+          <p:nvPr/>
+        </p:nvPicPr>
+        <p:blipFill rotWithShape="1">
+          <a:blip r:embed="rId2">
+            <a:extLst>
+              <a:ext uri="{28A0092B-C50C-407E-A947-70E740481C1C}">
+                <a14:useLocalDpi xmlns:a14="http://schemas.microsoft.com/office/drawing/2010/main" val="0"/>
+              </a:ext>
+            </a:extLst>
+          </a:blip>
+          <a:srcRect l="50728" t="56371"/>
+          <a:stretch/>
+        </p:blipFill>
+        <p:spPr>
+          <a:xfrm>
+            <a:off x="8136460" y="2210765"/>
+            <a:ext cx="4055539" cy="4647236"/>
+          </a:xfrm>
+          <a:prstGeom prst="rect">
+            <a:avLst/>
+          </a:prstGeom>
+        </p:spPr>
+      </p:pic>
+      <p:pic>
+        <p:nvPicPr>
+          <p:cNvPr id="4" name="Picture 3"/>
+          <p:cNvPicPr>
+            <a:picLocks noChangeAspect="1"/>
+          </p:cNvPicPr>
+          <p:nvPr/>
+        </p:nvPicPr>
+        <p:blipFill>
+          <a:blip r:embed="rId3">
+            <a:extLst>
+              <a:ext uri="{28A0092B-C50C-407E-A947-70E740481C1C}">
+                <a14:useLocalDpi xmlns:a14="http://schemas.microsoft.com/office/drawing/2010/main" val="0"/>
+              </a:ext>
+            </a:extLst>
+          </a:blip>
+          <a:stretch>
+            <a:fillRect/>
+          </a:stretch>
+        </p:blipFill>
+        <p:spPr>
+          <a:xfrm>
+            <a:off x="-538496" y="-2482770"/>
+            <a:ext cx="10171472" cy="7459883"/>
+          </a:xfrm>
+          <a:prstGeom prst="rect">
+            <a:avLst/>
+          </a:prstGeom>
+        </p:spPr>
+      </p:pic>
+      <p:sp>
+        <p:nvSpPr>
+          <p:cNvPr id="11" name="TextBox 10"/>
           <p:cNvSpPr txBox="1"/>
           <p:nvPr/>
         </p:nvSpPr>
         <p:spPr>
           <a:xfrm>
-            <a:off x="520861" y="393539"/>
-            <a:ext cx="10324617" cy="2123658"/>
+            <a:off x="324091" y="1687545"/>
+            <a:ext cx="7986531" cy="523220"/>
           </a:xfrm>
           <a:prstGeom prst="rect">
             <a:avLst/>
@@ -8253,13 +8791,13 @@
           <a:lstStyle/>
           <a:p>
             <a:r>
-              <a:rPr lang="en-US" sz="6600" b="1" dirty="0">
-                <a:solidFill>
-                  <a:schemeClr val="bg1"/>
-                </a:solidFill>
-                <a:latin typeface="Pragmatica" pitchFamily="2" charset="0"/>
-              </a:rPr>
-              <a:t>The data world is your oyster shell</a:t>
+              <a:rPr lang="en-US" sz="2800" b="1" dirty="0">
+                <a:solidFill>
+                  <a:srgbClr val="707070"/>
+                </a:solidFill>
+                <a:latin typeface="Pragmatica" panose="020B0403040502020204" pitchFamily="34" charset="0"/>
+              </a:rPr>
+              <a:t>Questions?</a:t>
             </a:r>
           </a:p>
         </p:txBody>
@@ -8267,7 +8805,7 @@
     </p:spTree>
     <p:extLst>
       <p:ext uri="{BB962C8B-B14F-4D97-AF65-F5344CB8AC3E}">
-        <p14:creationId xmlns:p14="http://schemas.microsoft.com/office/powerpoint/2010/main" val="3553521403"/>
+        <p14:creationId xmlns:p14="http://schemas.microsoft.com/office/powerpoint/2010/main" val="3672653518"/>
       </p:ext>
     </p:extLst>
   </p:cSld>
@@ -8302,8 +8840,8 @@
         </p:nvSpPr>
         <p:spPr>
           <a:xfrm>
-            <a:off x="6574420" y="0"/>
-            <a:ext cx="5617580" cy="6858000"/>
+            <a:off x="0" y="0"/>
+            <a:ext cx="12192000" cy="6858000"/>
           </a:xfrm>
           <a:prstGeom prst="rect">
             <a:avLst/>
@@ -8345,8 +8883,8 @@
         </p:nvSpPr>
         <p:spPr>
           <a:xfrm>
-            <a:off x="6817489" y="0"/>
-            <a:ext cx="4120587" cy="1446550"/>
+            <a:off x="520861" y="393539"/>
+            <a:ext cx="10324617" cy="2123658"/>
           </a:xfrm>
           <a:prstGeom prst="rect">
             <a:avLst/>
@@ -8360,187 +8898,21 @@
           <a:lstStyle/>
           <a:p>
             <a:r>
-              <a:rPr lang="en-US" sz="8800" dirty="0">
+              <a:rPr lang="en-US" sz="6600" b="1" dirty="0">
                 <a:solidFill>
                   <a:schemeClr val="bg1"/>
                 </a:solidFill>
-                <a:latin typeface="Aliens &amp; cows" panose="00000500000000000000" pitchFamily="2" charset="0"/>
-              </a:rPr>
-              <a:t>Demo</a:t>
-            </a:r>
-          </a:p>
-        </p:txBody>
-      </p:sp>
-      <p:pic>
-        <p:nvPicPr>
-          <p:cNvPr id="2" name="Picture 1"/>
-          <p:cNvPicPr>
-            <a:picLocks noChangeAspect="1"/>
-          </p:cNvPicPr>
-          <p:nvPr/>
-        </p:nvPicPr>
-        <p:blipFill rotWithShape="1">
-          <a:blip r:embed="rId2">
-            <a:extLst>
-              <a:ext uri="{28A0092B-C50C-407E-A947-70E740481C1C}">
-                <a14:useLocalDpi xmlns:a14="http://schemas.microsoft.com/office/drawing/2010/main" val="0"/>
-              </a:ext>
-            </a:extLst>
-          </a:blip>
-          <a:srcRect l="69227" t="33418" r="20112" b="50548"/>
-          <a:stretch/>
-        </p:blipFill>
-        <p:spPr>
-          <a:xfrm>
-            <a:off x="10386349" y="5029795"/>
-            <a:ext cx="1805651" cy="1991719"/>
-          </a:xfrm>
-          <a:prstGeom prst="rect">
-            <a:avLst/>
-          </a:prstGeom>
-        </p:spPr>
-      </p:pic>
-      <p:sp>
-        <p:nvSpPr>
-          <p:cNvPr id="3" name="TextBox 2"/>
-          <p:cNvSpPr txBox="1"/>
-          <p:nvPr/>
-        </p:nvSpPr>
-        <p:spPr>
-          <a:xfrm>
-            <a:off x="173620" y="219919"/>
-            <a:ext cx="5937813" cy="3539430"/>
-          </a:xfrm>
-          <a:prstGeom prst="rect">
-            <a:avLst/>
-          </a:prstGeom>
-          <a:noFill/>
-        </p:spPr>
-        <p:txBody>
-          <a:bodyPr wrap="square" rtlCol="0">
-            <a:spAutoFit/>
-          </a:bodyPr>
-          <a:lstStyle/>
-          <a:p>
-            <a:r>
-              <a:rPr lang="en-US" sz="2800" b="1" dirty="0">
-                <a:solidFill>
-                  <a:srgbClr val="CF3338"/>
-                </a:solidFill>
                 <a:latin typeface="Pragmatica" pitchFamily="2" charset="0"/>
               </a:rPr>
-              <a:t>Export an R regression to Excel</a:t>
-            </a:r>
-          </a:p>
-          <a:p>
-            <a:endParaRPr lang="en-US" sz="2800" b="1" dirty="0">
-              <a:solidFill>
-                <a:srgbClr val="CF3338"/>
-              </a:solidFill>
-              <a:latin typeface="Pragmatica" pitchFamily="2" charset="0"/>
-            </a:endParaRPr>
-          </a:p>
-          <a:p>
-            <a:pPr marL="514350" indent="-514350">
-              <a:buFont typeface="+mj-lt"/>
-              <a:buAutoNum type="arabicPeriod"/>
-            </a:pPr>
-            <a:r>
-              <a:rPr lang="en-US" sz="2800" b="1" dirty="0">
-                <a:solidFill>
-                  <a:srgbClr val="CF3338"/>
-                </a:solidFill>
-                <a:latin typeface="Pragmatica" pitchFamily="2" charset="0"/>
-              </a:rPr>
-              <a:t>Decoupling of platforms and applications</a:t>
-            </a:r>
-          </a:p>
-          <a:p>
-            <a:pPr marL="514350" indent="-514350">
-              <a:buFont typeface="+mj-lt"/>
-              <a:buAutoNum type="arabicPeriod"/>
-            </a:pPr>
-            <a:r>
-              <a:rPr lang="en-US" sz="2800" b="1" dirty="0">
-                <a:solidFill>
-                  <a:srgbClr val="CF3338"/>
-                </a:solidFill>
-                <a:latin typeface="Pragmatica" pitchFamily="2" charset="0"/>
-              </a:rPr>
-              <a:t>The magic of </a:t>
-            </a:r>
-            <a:r>
-              <a:rPr lang="en-US" sz="2800" b="1" dirty="0">
-                <a:solidFill>
-                  <a:srgbClr val="CF3338"/>
-                </a:solidFill>
-                <a:latin typeface="Consolas" panose="020B0609020204030204" pitchFamily="49" charset="0"/>
-              </a:rPr>
-              <a:t>ggplot2</a:t>
-            </a:r>
-            <a:r>
-              <a:rPr lang="en-US" sz="2800" b="1" dirty="0">
-                <a:solidFill>
-                  <a:srgbClr val="CF3338"/>
-                </a:solidFill>
-                <a:latin typeface="Pragmatica" pitchFamily="2" charset="0"/>
-              </a:rPr>
-              <a:t> visualizations</a:t>
-            </a:r>
-          </a:p>
-          <a:p>
-            <a:pPr marL="514350" indent="-514350">
-              <a:buFont typeface="+mj-lt"/>
-              <a:buAutoNum type="arabicPeriod"/>
-            </a:pPr>
-            <a:endParaRPr lang="en-US" sz="2800" b="1" dirty="0">
-              <a:solidFill>
-                <a:srgbClr val="CF3338"/>
-              </a:solidFill>
-              <a:latin typeface="Pragmatica" pitchFamily="2" charset="0"/>
-            </a:endParaRPr>
-          </a:p>
-          <a:p>
-            <a:r>
-              <a:rPr lang="en-US" sz="2800" b="1" dirty="0">
-                <a:solidFill>
-                  <a:srgbClr val="CF3338"/>
-                </a:solidFill>
-                <a:latin typeface="Pragmatica" pitchFamily="2" charset="0"/>
-              </a:rPr>
-              <a:t>File: </a:t>
-            </a:r>
-            <a:r>
-              <a:rPr lang="en-US" sz="2800" b="1" dirty="0">
-                <a:solidFill>
-                  <a:srgbClr val="CF3338"/>
-                </a:solidFill>
-                <a:latin typeface="Consolas" panose="020B0609020204030204" pitchFamily="49" charset="0"/>
-              </a:rPr>
-              <a:t>r-powered-</a:t>
-            </a:r>
-            <a:r>
-              <a:rPr lang="en-US" sz="2800" b="1" dirty="0" err="1">
-                <a:solidFill>
-                  <a:srgbClr val="CF3338"/>
-                </a:solidFill>
-                <a:latin typeface="Consolas" panose="020B0609020204030204" pitchFamily="49" charset="0"/>
-              </a:rPr>
-              <a:t>excel.ipynb</a:t>
-            </a:r>
-            <a:endParaRPr lang="en-US" sz="2800" b="1" dirty="0">
-              <a:solidFill>
-                <a:srgbClr val="CF3338"/>
-              </a:solidFill>
-              <a:latin typeface="Consolas" panose="020B0609020204030204" pitchFamily="49" charset="0"/>
-            </a:endParaRPr>
+              <a:t>The data world is your oyster shell</a:t>
+            </a:r>
           </a:p>
         </p:txBody>
       </p:sp>
     </p:spTree>
     <p:extLst>
       <p:ext uri="{BB962C8B-B14F-4D97-AF65-F5344CB8AC3E}">
-        <p14:creationId xmlns:p14="http://schemas.microsoft.com/office/powerpoint/2010/main" val="2347368189"/>
+        <p14:creationId xmlns:p14="http://schemas.microsoft.com/office/powerpoint/2010/main" val="3553521403"/>
       </p:ext>
     </p:extLst>
   </p:cSld>
@@ -8567,9 +8939,86 @@
           <a:chExt cx="0" cy="0"/>
         </a:xfrm>
       </p:grpSpPr>
+      <p:sp>
+        <p:nvSpPr>
+          <p:cNvPr id="4" name="Rectangle 3"/>
+          <p:cNvSpPr/>
+          <p:nvPr/>
+        </p:nvSpPr>
+        <p:spPr>
+          <a:xfrm>
+            <a:off x="6574420" y="0"/>
+            <a:ext cx="5617580" cy="6858000"/>
+          </a:xfrm>
+          <a:prstGeom prst="rect">
+            <a:avLst/>
+          </a:prstGeom>
+          <a:solidFill>
+            <a:srgbClr val="CF3338"/>
+          </a:solidFill>
+        </p:spPr>
+        <p:style>
+          <a:lnRef idx="2">
+            <a:schemeClr val="accent1">
+              <a:shade val="50000"/>
+            </a:schemeClr>
+          </a:lnRef>
+          <a:fillRef idx="1">
+            <a:schemeClr val="accent1"/>
+          </a:fillRef>
+          <a:effectRef idx="0">
+            <a:schemeClr val="accent1"/>
+          </a:effectRef>
+          <a:fontRef idx="minor">
+            <a:schemeClr val="lt1"/>
+          </a:fontRef>
+        </p:style>
+        <p:txBody>
+          <a:bodyPr rtlCol="0" anchor="ctr"/>
+          <a:lstStyle/>
+          <a:p>
+            <a:pPr algn="ctr"/>
+            <a:endParaRPr lang="en-US"/>
+          </a:p>
+        </p:txBody>
+      </p:sp>
+      <p:sp>
+        <p:nvSpPr>
+          <p:cNvPr id="5" name="TextBox 4"/>
+          <p:cNvSpPr txBox="1"/>
+          <p:nvPr/>
+        </p:nvSpPr>
+        <p:spPr>
+          <a:xfrm>
+            <a:off x="6817489" y="0"/>
+            <a:ext cx="4120587" cy="1446550"/>
+          </a:xfrm>
+          <a:prstGeom prst="rect">
+            <a:avLst/>
+          </a:prstGeom>
+          <a:noFill/>
+        </p:spPr>
+        <p:txBody>
+          <a:bodyPr wrap="square" rtlCol="0">
+            <a:spAutoFit/>
+          </a:bodyPr>
+          <a:lstStyle/>
+          <a:p>
+            <a:r>
+              <a:rPr lang="en-US" sz="8800" dirty="0">
+                <a:solidFill>
+                  <a:schemeClr val="bg1"/>
+                </a:solidFill>
+                <a:latin typeface="Aliens &amp; cows" panose="00000500000000000000" pitchFamily="2" charset="0"/>
+              </a:rPr>
+              <a:t>Demo</a:t>
+            </a:r>
+          </a:p>
+        </p:txBody>
+      </p:sp>
       <p:pic>
         <p:nvPicPr>
-          <p:cNvPr id="10" name="Picture 9"/>
+          <p:cNvPr id="2" name="Picture 1"/>
           <p:cNvPicPr>
             <a:picLocks noChangeAspect="1"/>
           </p:cNvPicPr>
@@ -8583,59 +9032,29 @@
               </a:ext>
             </a:extLst>
           </a:blip>
-          <a:srcRect l="50728" t="56371"/>
+          <a:srcRect l="69227" t="33418" r="20112" b="50548"/>
           <a:stretch/>
         </p:blipFill>
         <p:spPr>
           <a:xfrm>
-            <a:off x="8136460" y="2210765"/>
-            <a:ext cx="4055539" cy="4647236"/>
+            <a:off x="10386349" y="5029795"/>
+            <a:ext cx="1805651" cy="1991719"/>
           </a:xfrm>
           <a:prstGeom prst="rect">
             <a:avLst/>
           </a:prstGeom>
         </p:spPr>
       </p:pic>
-      <p:pic>
-        <p:nvPicPr>
-          <p:cNvPr id="4" name="Picture 3"/>
-          <p:cNvPicPr>
-            <a:picLocks noChangeAspect="1"/>
-          </p:cNvPicPr>
-          <p:nvPr/>
-        </p:nvPicPr>
-        <p:blipFill>
-          <a:blip r:embed="rId3">
-            <a:extLst>
-              <a:ext uri="{28A0092B-C50C-407E-A947-70E740481C1C}">
-                <a14:useLocalDpi xmlns:a14="http://schemas.microsoft.com/office/drawing/2010/main" val="0"/>
-              </a:ext>
-            </a:extLst>
-          </a:blip>
-          <a:stretch>
-            <a:fillRect/>
-          </a:stretch>
-        </p:blipFill>
-        <p:spPr>
-          <a:xfrm>
-            <a:off x="-538496" y="-2482770"/>
-            <a:ext cx="10171472" cy="7459883"/>
-          </a:xfrm>
-          <a:prstGeom prst="rect">
-            <a:avLst/>
-          </a:prstGeom>
-        </p:spPr>
-      </p:pic>
-      <p:sp>
-        <p:nvSpPr>
-          <p:cNvPr id="11" name="TextBox 10"/>
+      <p:sp>
+        <p:nvSpPr>
+          <p:cNvPr id="3" name="TextBox 2"/>
           <p:cNvSpPr txBox="1"/>
           <p:nvPr/>
         </p:nvSpPr>
         <p:spPr>
           <a:xfrm>
-            <a:off x="324091" y="1687545"/>
-            <a:ext cx="7986531" cy="523220"/>
+            <a:off x="173620" y="219919"/>
+            <a:ext cx="5937813" cy="3539430"/>
           </a:xfrm>
           <a:prstGeom prst="rect">
             <a:avLst/>
@@ -8651,19 +9070,122 @@
             <a:r>
               <a:rPr lang="en-US" sz="2800" b="1" dirty="0">
                 <a:solidFill>
-                  <a:srgbClr val="707070"/>
-                </a:solidFill>
-                <a:latin typeface="Pragmatica" panose="020B0403040502020204" pitchFamily="34" charset="0"/>
-              </a:rPr>
-              <a:t>Questions?</a:t>
-            </a:r>
+                  <a:srgbClr val="CF3338"/>
+                </a:solidFill>
+                <a:latin typeface="Pragmatica" pitchFamily="2" charset="0"/>
+              </a:rPr>
+              <a:t>Export an R regression to Excel</a:t>
+            </a:r>
+          </a:p>
+          <a:p>
+            <a:endParaRPr lang="en-US" sz="2800" b="1" dirty="0">
+              <a:solidFill>
+                <a:srgbClr val="CF3338"/>
+              </a:solidFill>
+              <a:latin typeface="Pragmatica" pitchFamily="2" charset="0"/>
+            </a:endParaRPr>
+          </a:p>
+          <a:p>
+            <a:pPr marL="514350" indent="-514350">
+              <a:buFont typeface="+mj-lt"/>
+              <a:buAutoNum type="arabicPeriod"/>
+            </a:pPr>
+            <a:r>
+              <a:rPr lang="en-US" sz="2800" b="1" dirty="0">
+                <a:solidFill>
+                  <a:srgbClr val="CF3338"/>
+                </a:solidFill>
+                <a:latin typeface="Pragmatica" pitchFamily="2" charset="0"/>
+              </a:rPr>
+              <a:t>Decoupling of platforms and applications</a:t>
+            </a:r>
+          </a:p>
+          <a:p>
+            <a:pPr marL="514350" indent="-514350">
+              <a:buFont typeface="+mj-lt"/>
+              <a:buAutoNum type="arabicPeriod"/>
+            </a:pPr>
+            <a:r>
+              <a:rPr lang="en-US" sz="2800" b="1" dirty="0">
+                <a:solidFill>
+                  <a:srgbClr val="CF3338"/>
+                </a:solidFill>
+                <a:latin typeface="Pragmatica" pitchFamily="2" charset="0"/>
+              </a:rPr>
+              <a:t>The magic of </a:t>
+            </a:r>
+            <a:r>
+              <a:rPr lang="en-US" sz="2800" b="1" dirty="0">
+                <a:solidFill>
+                  <a:srgbClr val="CF3338"/>
+                </a:solidFill>
+                <a:latin typeface="Consolas" panose="020B0609020204030204" pitchFamily="49" charset="0"/>
+              </a:rPr>
+              <a:t>ggplot2</a:t>
+            </a:r>
+            <a:r>
+              <a:rPr lang="en-US" sz="2800" b="1" dirty="0">
+                <a:solidFill>
+                  <a:srgbClr val="CF3338"/>
+                </a:solidFill>
+                <a:latin typeface="Pragmatica" pitchFamily="2" charset="0"/>
+              </a:rPr>
+              <a:t> visualizations</a:t>
+            </a:r>
+          </a:p>
+          <a:p>
+            <a:pPr marL="514350" indent="-514350">
+              <a:buFont typeface="+mj-lt"/>
+              <a:buAutoNum type="arabicPeriod"/>
+            </a:pPr>
+            <a:endParaRPr lang="en-US" sz="2800" b="1" dirty="0">
+              <a:solidFill>
+                <a:srgbClr val="CF3338"/>
+              </a:solidFill>
+              <a:latin typeface="Pragmatica" pitchFamily="2" charset="0"/>
+            </a:endParaRPr>
+          </a:p>
+          <a:p>
+            <a:r>
+              <a:rPr lang="en-US" sz="2800" b="1" dirty="0">
+                <a:solidFill>
+                  <a:srgbClr val="CF3338"/>
+                </a:solidFill>
+                <a:latin typeface="Pragmatica" pitchFamily="2" charset="0"/>
+              </a:rPr>
+              <a:t>File: </a:t>
+            </a:r>
+            <a:r>
+              <a:rPr lang="en-US" sz="2800" b="1" dirty="0">
+                <a:solidFill>
+                  <a:srgbClr val="CF3338"/>
+                </a:solidFill>
+                <a:latin typeface="Consolas" panose="020B0609020204030204" pitchFamily="49" charset="0"/>
+              </a:rPr>
+              <a:t>r-powered-</a:t>
+            </a:r>
+            <a:r>
+              <a:rPr lang="en-US" sz="2800" b="1" dirty="0" err="1">
+                <a:solidFill>
+                  <a:srgbClr val="CF3338"/>
+                </a:solidFill>
+                <a:latin typeface="Consolas" panose="020B0609020204030204" pitchFamily="49" charset="0"/>
+              </a:rPr>
+              <a:t>excel.ipynb</a:t>
+            </a:r>
+            <a:endParaRPr lang="en-US" sz="2800" b="1" dirty="0">
+              <a:solidFill>
+                <a:srgbClr val="CF3338"/>
+              </a:solidFill>
+              <a:latin typeface="Consolas" panose="020B0609020204030204" pitchFamily="49" charset="0"/>
+            </a:endParaRPr>
           </a:p>
         </p:txBody>
       </p:sp>
     </p:spTree>
     <p:extLst>
       <p:ext uri="{BB962C8B-B14F-4D97-AF65-F5344CB8AC3E}">
-        <p14:creationId xmlns:p14="http://schemas.microsoft.com/office/powerpoint/2010/main" val="2191243340"/>
+        <p14:creationId xmlns:p14="http://schemas.microsoft.com/office/powerpoint/2010/main" val="2347368189"/>
       </p:ext>
     </p:extLst>
   </p:cSld>
@@ -8690,59 +9212,75 @@
           <a:chExt cx="0" cy="0"/>
         </a:xfrm>
       </p:grpSpPr>
-      <p:sp>
-        <p:nvSpPr>
-          <p:cNvPr id="4" name="Rectangle 3"/>
-          <p:cNvSpPr/>
-          <p:nvPr/>
-        </p:nvSpPr>
-        <p:spPr>
-          <a:xfrm>
-            <a:off x="0" y="0"/>
-            <a:ext cx="12192000" cy="6858000"/>
-          </a:xfrm>
-          <a:prstGeom prst="rect">
-            <a:avLst/>
-          </a:prstGeom>
-          <a:solidFill>
-            <a:srgbClr val="CF3338"/>
-          </a:solidFill>
-        </p:spPr>
-        <p:style>
-          <a:lnRef idx="2">
-            <a:schemeClr val="accent1">
-              <a:shade val="50000"/>
-            </a:schemeClr>
-          </a:lnRef>
-          <a:fillRef idx="1">
-            <a:schemeClr val="accent1"/>
-          </a:fillRef>
-          <a:effectRef idx="0">
-            <a:schemeClr val="accent1"/>
-          </a:effectRef>
-          <a:fontRef idx="minor">
-            <a:schemeClr val="lt1"/>
-          </a:fontRef>
-        </p:style>
-        <p:txBody>
-          <a:bodyPr rtlCol="0" anchor="ctr"/>
-          <a:lstStyle/>
-          <a:p>
-            <a:pPr algn="ctr"/>
-            <a:endParaRPr lang="en-US"/>
-          </a:p>
-        </p:txBody>
-      </p:sp>
-      <p:sp>
-        <p:nvSpPr>
-          <p:cNvPr id="5" name="TextBox 4"/>
+      <p:pic>
+        <p:nvPicPr>
+          <p:cNvPr id="10" name="Picture 9"/>
+          <p:cNvPicPr>
+            <a:picLocks noChangeAspect="1"/>
+          </p:cNvPicPr>
+          <p:nvPr/>
+        </p:nvPicPr>
+        <p:blipFill rotWithShape="1">
+          <a:blip r:embed="rId2">
+            <a:extLst>
+              <a:ext uri="{28A0092B-C50C-407E-A947-70E740481C1C}">
+                <a14:useLocalDpi xmlns:a14="http://schemas.microsoft.com/office/drawing/2010/main" val="0"/>
+              </a:ext>
+            </a:extLst>
+          </a:blip>
+          <a:srcRect l="50728" t="56371"/>
+          <a:stretch/>
+        </p:blipFill>
+        <p:spPr>
+          <a:xfrm>
+            <a:off x="8136460" y="2210765"/>
+            <a:ext cx="4055539" cy="4647236"/>
+          </a:xfrm>
+          <a:prstGeom prst="rect">
+            <a:avLst/>
+          </a:prstGeom>
+        </p:spPr>
+      </p:pic>
+      <p:pic>
+        <p:nvPicPr>
+          <p:cNvPr id="4" name="Picture 3"/>
+          <p:cNvPicPr>
+            <a:picLocks noChangeAspect="1"/>
+          </p:cNvPicPr>
+          <p:nvPr/>
+        </p:nvPicPr>
+        <p:blipFill>
+          <a:blip r:embed="rId3">
+            <a:extLst>
+              <a:ext uri="{28A0092B-C50C-407E-A947-70E740481C1C}">
+                <a14:useLocalDpi xmlns:a14="http://schemas.microsoft.com/office/drawing/2010/main" val="0"/>
+              </a:ext>
+            </a:extLst>
+          </a:blip>
+          <a:stretch>
+            <a:fillRect/>
+          </a:stretch>
+        </p:blipFill>
+        <p:spPr>
+          <a:xfrm>
+            <a:off x="-538496" y="-2482770"/>
+            <a:ext cx="10171472" cy="7459883"/>
+          </a:xfrm>
+          <a:prstGeom prst="rect">
+            <a:avLst/>
+          </a:prstGeom>
+        </p:spPr>
+      </p:pic>
+      <p:sp>
+        <p:nvSpPr>
+          <p:cNvPr id="11" name="TextBox 10"/>
           <p:cNvSpPr txBox="1"/>
           <p:nvPr/>
         </p:nvSpPr>
         <p:spPr>
           <a:xfrm>
-            <a:off x="520861" y="393539"/>
-            <a:ext cx="10324617" cy="1107996"/>
+            <a:off x="324091" y="1687545"/>
+            <a:ext cx="7986531" cy="523220"/>
           </a:xfrm>
           <a:prstGeom prst="rect">
             <a:avLst/>
@@ -8756,13 +9294,13 @@
           <a:lstStyle/>
           <a:p>
             <a:r>
-              <a:rPr lang="en-US" sz="6600" b="1" dirty="0">
-                <a:solidFill>
-                  <a:schemeClr val="bg1"/>
-                </a:solidFill>
-                <a:latin typeface="Pragmatica" pitchFamily="2" charset="0"/>
-              </a:rPr>
-              <a:t>Conclusion/Resources</a:t>
+              <a:rPr lang="en-US" sz="2800" b="1" dirty="0">
+                <a:solidFill>
+                  <a:srgbClr val="707070"/>
+                </a:solidFill>
+                <a:latin typeface="Pragmatica" panose="020B0403040502020204" pitchFamily="34" charset="0"/>
+              </a:rPr>
+              <a:t>Questions?</a:t>
             </a:r>
           </a:p>
         </p:txBody>
@@ -8770,7 +9308,7 @@
     </p:spTree>
     <p:extLst>
       <p:ext uri="{BB962C8B-B14F-4D97-AF65-F5344CB8AC3E}">
-        <p14:creationId xmlns:p14="http://schemas.microsoft.com/office/powerpoint/2010/main" val="2952985971"/>
+        <p14:creationId xmlns:p14="http://schemas.microsoft.com/office/powerpoint/2010/main" val="2191243340"/>
       </p:ext>
     </p:extLst>
   </p:cSld>
@@ -8797,45 +9335,59 @@
           <a:chExt cx="0" cy="0"/>
         </a:xfrm>
       </p:grpSpPr>
-      <p:pic>
-        <p:nvPicPr>
-          <p:cNvPr id="10" name="Picture 9"/>
-          <p:cNvPicPr>
-            <a:picLocks noChangeAspect="1"/>
-          </p:cNvPicPr>
-          <p:nvPr/>
-        </p:nvPicPr>
-        <p:blipFill rotWithShape="1">
-          <a:blip r:embed="rId2">
-            <a:extLst>
-              <a:ext uri="{28A0092B-C50C-407E-A947-70E740481C1C}">
-                <a14:useLocalDpi xmlns:a14="http://schemas.microsoft.com/office/drawing/2010/main" val="0"/>
-              </a:ext>
-            </a:extLst>
-          </a:blip>
-          <a:srcRect l="50728" t="56371"/>
-          <a:stretch/>
-        </p:blipFill>
-        <p:spPr>
-          <a:xfrm>
-            <a:off x="10894024" y="5370653"/>
-            <a:ext cx="1297975" cy="1487348"/>
-          </a:xfrm>
-          <a:prstGeom prst="rect">
-            <a:avLst/>
-          </a:prstGeom>
-        </p:spPr>
-      </p:pic>
-      <p:sp>
-        <p:nvSpPr>
-          <p:cNvPr id="11" name="TextBox 10"/>
+      <p:sp>
+        <p:nvSpPr>
+          <p:cNvPr id="4" name="Rectangle 3"/>
+          <p:cNvSpPr/>
+          <p:nvPr/>
+        </p:nvSpPr>
+        <p:spPr>
+          <a:xfrm>
+            <a:off x="0" y="0"/>
+            <a:ext cx="12192000" cy="6858000"/>
+          </a:xfrm>
+          <a:prstGeom prst="rect">
+            <a:avLst/>
+          </a:prstGeom>
+          <a:solidFill>
+            <a:srgbClr val="CF3338"/>
+          </a:solidFill>
+        </p:spPr>
+        <p:style>
+          <a:lnRef idx="2">
+            <a:schemeClr val="accent1">
+              <a:shade val="50000"/>
+            </a:schemeClr>
+          </a:lnRef>
+          <a:fillRef idx="1">
+            <a:schemeClr val="accent1"/>
+          </a:fillRef>
+          <a:effectRef idx="0">
+            <a:schemeClr val="accent1"/>
+          </a:effectRef>
+          <a:fontRef idx="minor">
+            <a:schemeClr val="lt1"/>
+          </a:fontRef>
+        </p:style>
+        <p:txBody>
+          <a:bodyPr rtlCol="0" anchor="ctr"/>
+          <a:lstStyle/>
+          <a:p>
+            <a:pPr algn="ctr"/>
+            <a:endParaRPr lang="en-US"/>
+          </a:p>
+        </p:txBody>
+      </p:sp>
+      <p:sp>
+        <p:nvSpPr>
+          <p:cNvPr id="5" name="TextBox 4"/>
           <p:cNvSpPr txBox="1"/>
           <p:nvPr/>
         </p:nvSpPr>
         <p:spPr>
           <a:xfrm>
-            <a:off x="347240" y="113388"/>
-            <a:ext cx="10861534" cy="1015663"/>
+            <a:off x="520861" y="393539"/>
+            <a:ext cx="10324617" cy="1107996"/>
           </a:xfrm>
           <a:prstGeom prst="rect">
             <a:avLst/>
@@ -8849,163 +9401,21 @@
           <a:lstStyle/>
           <a:p>
             <a:r>
-              <a:rPr lang="en-US" sz="6000" dirty="0">
-                <a:latin typeface="Aliens &amp; cows" panose="00000500000000000000" pitchFamily="2" charset="0"/>
-              </a:rPr>
-              <a:t>Buy my book</a:t>
-            </a:r>
-          </a:p>
-        </p:txBody>
-      </p:sp>
-      <p:sp>
-        <p:nvSpPr>
-          <p:cNvPr id="4" name="TextBox 3">
-            <a:extLst>
-              <a:ext uri="{FF2B5EF4-FFF2-40B4-BE49-F238E27FC236}">
-                <a16:creationId xmlns:a16="http://schemas.microsoft.com/office/drawing/2014/main" id="{5A4F6C64-3E8D-4255-95B8-CF64265213DA}"/>
-              </a:ext>
-            </a:extLst>
-          </p:cNvPr>
-          <p:cNvSpPr txBox="1"/>
-          <p:nvPr/>
-        </p:nvSpPr>
-        <p:spPr>
-          <a:xfrm>
-            <a:off x="347240" y="1424949"/>
-            <a:ext cx="6285506" cy="3108543"/>
-          </a:xfrm>
-          <a:prstGeom prst="rect">
-            <a:avLst/>
-          </a:prstGeom>
-          <a:noFill/>
-        </p:spPr>
-        <p:txBody>
-          <a:bodyPr wrap="square" rtlCol="0">
-            <a:spAutoFit/>
-          </a:bodyPr>
-          <a:lstStyle/>
-          <a:p>
-            <a:pPr>
-              <a:buClr>
-                <a:srgbClr val="CF3338"/>
-              </a:buClr>
-            </a:pPr>
-            <a:r>
-              <a:rPr lang="en-US" sz="2800" dirty="0">
-                <a:solidFill>
-                  <a:srgbClr val="707070"/>
-                </a:solidFill>
-                <a:latin typeface="Pragmatica" panose="020B0403040502020204" pitchFamily="34" charset="0"/>
-                <a:hlinkClick r:id="rId3"/>
-              </a:rPr>
-              <a:t>http://georgejmount.com/book/</a:t>
-            </a:r>
-            <a:r>
-              <a:rPr lang="en-US" sz="2800" dirty="0">
-                <a:solidFill>
-                  <a:srgbClr val="707070"/>
-                </a:solidFill>
-                <a:latin typeface="Pragmatica" panose="020B0403040502020204" pitchFamily="34" charset="0"/>
-              </a:rPr>
-              <a:t>  </a:t>
-            </a:r>
-          </a:p>
-          <a:p>
-            <a:pPr>
-              <a:buClr>
-                <a:srgbClr val="CF3338"/>
-              </a:buClr>
-            </a:pPr>
-            <a:endParaRPr lang="en-US" sz="2800" dirty="0">
-              <a:solidFill>
-                <a:srgbClr val="707070"/>
-              </a:solidFill>
-              <a:latin typeface="Pragmatica" panose="020B0403040502020204" pitchFamily="34" charset="0"/>
-            </a:endParaRPr>
-          </a:p>
-          <a:p>
-            <a:pPr>
-              <a:buClr>
-                <a:srgbClr val="CF3338"/>
-              </a:buClr>
-            </a:pPr>
-            <a:r>
-              <a:rPr lang="en-US" sz="2800" dirty="0">
-                <a:solidFill>
-                  <a:srgbClr val="707070"/>
-                </a:solidFill>
-                <a:latin typeface="Pragmatica" panose="020B0403040502020204" pitchFamily="34" charset="0"/>
-              </a:rPr>
-              <a:t>Learning objective: </a:t>
-            </a:r>
-            <a:r>
-              <a:rPr lang="en-US" sz="2800" i="1" dirty="0">
-                <a:solidFill>
-                  <a:srgbClr val="707070"/>
-                </a:solidFill>
-                <a:latin typeface="Pragmatica" panose="020B0403040502020204" pitchFamily="34" charset="0"/>
-              </a:rPr>
-              <a:t>By the end of this book, you should be able to conduct exploratory data analysis and</a:t>
-            </a:r>
-          </a:p>
-          <a:p>
-            <a:pPr>
-              <a:buClr>
-                <a:srgbClr val="CF3338"/>
-              </a:buClr>
-            </a:pPr>
-            <a:r>
-              <a:rPr lang="en-US" sz="2800" i="1" dirty="0">
-                <a:solidFill>
-                  <a:srgbClr val="707070"/>
-                </a:solidFill>
-                <a:latin typeface="Pragmatica" panose="020B0403040502020204" pitchFamily="34" charset="0"/>
-              </a:rPr>
-              <a:t>hypothesis testing using a programming language.</a:t>
-            </a:r>
-          </a:p>
-        </p:txBody>
-      </p:sp>
-      <p:pic>
-        <p:nvPicPr>
-          <p:cNvPr id="3" name="Picture 2" descr="A picture containing text, bird, sitting, oscine&#10;&#10;Description automatically generated">
-            <a:extLst>
-              <a:ext uri="{FF2B5EF4-FFF2-40B4-BE49-F238E27FC236}">
-                <a16:creationId xmlns:a16="http://schemas.microsoft.com/office/drawing/2014/main" id="{F54A0A62-9059-476F-9CB3-A2C41B7B2D91}"/>
-              </a:ext>
-            </a:extLst>
-          </p:cNvPr>
-          <p:cNvPicPr>
-            <a:picLocks noChangeAspect="1"/>
-          </p:cNvPicPr>
-          <p:nvPr/>
-        </p:nvPicPr>
-        <p:blipFill>
-          <a:blip r:embed="rId4">
-            <a:extLst>
-              <a:ext uri="{28A0092B-C50C-407E-A947-70E740481C1C}">
-                <a14:useLocalDpi xmlns:a14="http://schemas.microsoft.com/office/drawing/2010/main" val="0"/>
-              </a:ext>
-            </a:extLst>
-          </a:blip>
-          <a:stretch>
-            <a:fillRect/>
-          </a:stretch>
-        </p:blipFill>
-        <p:spPr>
-          <a:xfrm>
-            <a:off x="6956381" y="0"/>
-            <a:ext cx="5235618" cy="6858000"/>
-          </a:xfrm>
-          <a:prstGeom prst="rect">
-            <a:avLst/>
-          </a:prstGeom>
-        </p:spPr>
-      </p:pic>
+              <a:rPr lang="en-US" sz="6600" b="1" dirty="0">
+                <a:solidFill>
+                  <a:schemeClr val="bg1"/>
+                </a:solidFill>
+                <a:latin typeface="Pragmatica" pitchFamily="2" charset="0"/>
+              </a:rPr>
+              <a:t>Conclusion/Resources</a:t>
+            </a:r>
+          </a:p>
+        </p:txBody>
+      </p:sp>
     </p:spTree>
     <p:extLst>
       <p:ext uri="{BB962C8B-B14F-4D97-AF65-F5344CB8AC3E}">
-        <p14:creationId xmlns:p14="http://schemas.microsoft.com/office/powerpoint/2010/main" val="1911765370"/>
+        <p14:creationId xmlns:p14="http://schemas.microsoft.com/office/powerpoint/2010/main" val="2952985971"/>
       </p:ext>
     </p:extLst>
   </p:cSld>
@@ -9087,7 +9497,7 @@
               <a:rPr lang="en-US" sz="6000" dirty="0">
                 <a:latin typeface="Aliens &amp; cows" panose="00000500000000000000" pitchFamily="2" charset="0"/>
               </a:rPr>
-              <a:t>After you’ve bought my book</a:t>
+              <a:t>Buy my book</a:t>
             </a:r>
           </a:p>
         </p:txBody>
@@ -9106,8 +9516,8 @@
         </p:nvSpPr>
         <p:spPr>
           <a:xfrm>
-            <a:off x="347240" y="1465093"/>
-            <a:ext cx="8255987" cy="2246769"/>
+            <a:off x="347240" y="1424949"/>
+            <a:ext cx="6285506" cy="3108543"/>
           </a:xfrm>
           <a:prstGeom prst="rect">
             <a:avLst/>
@@ -9120,21 +9530,20 @@
           </a:bodyPr>
           <a:lstStyle/>
           <a:p>
-            <a:pPr marL="457200" indent="-457200">
+            <a:pPr>
               <a:buClr>
                 <a:srgbClr val="CF3338"/>
               </a:buClr>
-              <a:buFont typeface="Arial" panose="020B0604020202020204" pitchFamily="34" charset="0"/>
-              <a:buChar char="•"/>
             </a:pPr>
             <a:r>
-              <a:rPr lang="en-US" sz="2800" i="1" dirty="0">
+              <a:rPr lang="en-US" sz="2800" dirty="0">
                 <a:solidFill>
                   <a:srgbClr val="707070"/>
                 </a:solidFill>
                 <a:latin typeface="Pragmatica" panose="020B0403040502020204" pitchFamily="34" charset="0"/>
-              </a:rPr>
-              <a:t>R for Data Science </a:t>
+                <a:hlinkClick r:id="rId3"/>
+              </a:rPr>
+              <a:t>http://georgejmount.com/book/</a:t>
             </a:r>
             <a:r>
               <a:rPr lang="en-US" sz="2800" dirty="0">
@@ -9143,17 +9552,15 @@
                 </a:solidFill>
                 <a:latin typeface="Pragmatica" panose="020B0403040502020204" pitchFamily="34" charset="0"/>
               </a:rPr>
-              <a:t>by Hadley Wickham and Garrett </a:t>
-            </a:r>
-            <a:r>
-              <a:rPr lang="en-US" sz="2800" dirty="0" err="1">
-                <a:solidFill>
-                  <a:srgbClr val="707070"/>
-                </a:solidFill>
-                <a:latin typeface="Pragmatica" panose="020B0403040502020204" pitchFamily="34" charset="0"/>
-              </a:rPr>
-              <a:t>Grolemund</a:t>
-            </a:r>
+              <a:t>  </a:t>
+            </a:r>
+          </a:p>
+          <a:p>
+            <a:pPr>
+              <a:buClr>
+                <a:srgbClr val="CF3338"/>
+              </a:buClr>
+            </a:pPr>
             <a:endParaRPr lang="en-US" sz="2800" dirty="0">
               <a:solidFill>
                 <a:srgbClr val="707070"/>
@@ -9162,57 +9569,35 @@
             </a:endParaRPr>
           </a:p>
           <a:p>
-            <a:pPr marL="457200" indent="-457200">
+            <a:pPr>
               <a:buClr>
                 <a:srgbClr val="CF3338"/>
               </a:buClr>
-              <a:buFont typeface="Arial" panose="020B0604020202020204" pitchFamily="34" charset="0"/>
-              <a:buChar char="•"/>
             </a:pPr>
             <a:r>
+              <a:rPr lang="en-US" sz="2800" dirty="0">
+                <a:solidFill>
+                  <a:srgbClr val="707070"/>
+                </a:solidFill>
+                <a:latin typeface="Pragmatica" panose="020B0403040502020204" pitchFamily="34" charset="0"/>
+              </a:rPr>
+              <a:t>Learning objective: </a:t>
+            </a:r>
+            <a:r>
               <a:rPr lang="en-US" sz="2800" i="1" dirty="0">
                 <a:solidFill>
                   <a:srgbClr val="707070"/>
                 </a:solidFill>
                 <a:latin typeface="Pragmatica" panose="020B0403040502020204" pitchFamily="34" charset="0"/>
               </a:rPr>
-              <a:t>Python for Data Analysis</a:t>
-            </a:r>
-            <a:r>
-              <a:rPr lang="en-US" sz="2800" dirty="0">
-                <a:solidFill>
-                  <a:srgbClr val="707070"/>
-                </a:solidFill>
-                <a:latin typeface="Pragmatica" panose="020B0403040502020204" pitchFamily="34" charset="0"/>
-              </a:rPr>
-              <a:t>, 2</a:t>
-            </a:r>
-            <a:r>
-              <a:rPr lang="en-US" sz="2800" baseline="30000" dirty="0">
-                <a:solidFill>
-                  <a:srgbClr val="707070"/>
-                </a:solidFill>
-                <a:latin typeface="Pragmatica" panose="020B0403040502020204" pitchFamily="34" charset="0"/>
-              </a:rPr>
-              <a:t>nd</a:t>
-            </a:r>
-            <a:r>
-              <a:rPr lang="en-US" sz="2800" dirty="0">
-                <a:solidFill>
-                  <a:srgbClr val="707070"/>
-                </a:solidFill>
-                <a:latin typeface="Pragmatica" panose="020B0403040502020204" pitchFamily="34" charset="0"/>
-              </a:rPr>
-              <a:t> Edition by Wes McKinney</a:t>
-            </a:r>
-          </a:p>
-          <a:p>
-            <a:pPr marL="457200" indent="-457200">
+              <a:t>By the end of this book, you should be able to conduct exploratory data analysis and</a:t>
+            </a:r>
+          </a:p>
+          <a:p>
+            <a:pPr>
               <a:buClr>
                 <a:srgbClr val="CF3338"/>
               </a:buClr>
-              <a:buFont typeface="Arial" panose="020B0604020202020204" pitchFamily="34" charset="0"/>
-              <a:buChar char="•"/>
             </a:pPr>
             <a:r>
               <a:rPr lang="en-US" sz="2800" i="1" dirty="0">
@@ -9221,42 +9606,51 @@
                 </a:solidFill>
                 <a:latin typeface="Pragmatica" panose="020B0403040502020204" pitchFamily="34" charset="0"/>
               </a:rPr>
-              <a:t>Python for Excel </a:t>
-            </a:r>
-            <a:r>
-              <a:rPr lang="en-US" sz="2800" dirty="0">
-                <a:solidFill>
-                  <a:srgbClr val="707070"/>
-                </a:solidFill>
-                <a:latin typeface="Pragmatica" panose="020B0403040502020204" pitchFamily="34" charset="0"/>
-              </a:rPr>
-              <a:t>by Felix </a:t>
-            </a:r>
-            <a:r>
-              <a:rPr lang="en-US" sz="2800" dirty="0" err="1">
-                <a:solidFill>
-                  <a:srgbClr val="707070"/>
-                </a:solidFill>
-                <a:latin typeface="Pragmatica" panose="020B0403040502020204" pitchFamily="34" charset="0"/>
-              </a:rPr>
-              <a:t>Zumstein</a:t>
-            </a:r>
-            <a:r>
-              <a:rPr lang="en-US" sz="2800" dirty="0">
-                <a:solidFill>
-                  <a:srgbClr val="707070"/>
-                </a:solidFill>
-                <a:latin typeface="Pragmatica" panose="020B0403040502020204" pitchFamily="34" charset="0"/>
-              </a:rPr>
-              <a:t> </a:t>
-            </a:r>
-          </a:p>
-        </p:txBody>
-      </p:sp>
+              <a:t>hypothesis testing using a programming language.</a:t>
+            </a:r>
+          </a:p>
+        </p:txBody>
+      </p:sp>
+      <p:pic>
+        <p:nvPicPr>
+          <p:cNvPr id="3" name="Picture 2" descr="A picture containing text, bird, sitting, oscine&#10;&#10;Description automatically generated">
+            <a:extLst>
+              <a:ext uri="{FF2B5EF4-FFF2-40B4-BE49-F238E27FC236}">
+                <a16:creationId xmlns:a16="http://schemas.microsoft.com/office/drawing/2014/main" id="{F54A0A62-9059-476F-9CB3-A2C41B7B2D91}"/>
+              </a:ext>
+            </a:extLst>
+          </p:cNvPr>
+          <p:cNvPicPr>
+            <a:picLocks noChangeAspect="1"/>
+          </p:cNvPicPr>
+          <p:nvPr/>
+        </p:nvPicPr>
+        <p:blipFill>
+          <a:blip r:embed="rId4">
+            <a:extLst>
+              <a:ext uri="{28A0092B-C50C-407E-A947-70E740481C1C}">
+                <a14:useLocalDpi xmlns:a14="http://schemas.microsoft.com/office/drawing/2010/main" val="0"/>
+              </a:ext>
+            </a:extLst>
+          </a:blip>
+          <a:stretch>
+            <a:fillRect/>
+          </a:stretch>
+        </p:blipFill>
+        <p:spPr>
+          <a:xfrm>
+            <a:off x="6956381" y="0"/>
+            <a:ext cx="5235618" cy="6858000"/>
+          </a:xfrm>
+          <a:prstGeom prst="rect">
+            <a:avLst/>
+          </a:prstGeom>
+        </p:spPr>
+      </p:pic>
     </p:spTree>
     <p:extLst>
       <p:ext uri="{BB962C8B-B14F-4D97-AF65-F5344CB8AC3E}">
-        <p14:creationId xmlns:p14="http://schemas.microsoft.com/office/powerpoint/2010/main" val="159719367"/>
+        <p14:creationId xmlns:p14="http://schemas.microsoft.com/office/powerpoint/2010/main" val="1911765370"/>
       </p:ext>
     </p:extLst>
   </p:cSld>
@@ -9338,7 +9732,7 @@
               <a:rPr lang="en-US" sz="6000" dirty="0">
                 <a:latin typeface="Aliens &amp; cows" panose="00000500000000000000" pitchFamily="2" charset="0"/>
               </a:rPr>
-              <a:t>Get in touch</a:t>
+              <a:t>After you’ve bought my book</a:t>
             </a:r>
           </a:p>
         </p:txBody>
@@ -9357,8 +9751,8 @@
         </p:nvSpPr>
         <p:spPr>
           <a:xfrm>
-            <a:off x="347239" y="1424949"/>
-            <a:ext cx="6352413" cy="1384995"/>
+            <a:off x="347240" y="1465093"/>
+            <a:ext cx="8255987" cy="2246769"/>
           </a:xfrm>
           <a:prstGeom prst="rect">
             <a:avLst/>
@@ -9371,7 +9765,7 @@
           </a:bodyPr>
           <a:lstStyle/>
           <a:p>
-            <a:pPr marL="514350" indent="-514350">
+            <a:pPr marL="457200" indent="-457200">
               <a:buClr>
                 <a:srgbClr val="CF3338"/>
               </a:buClr>
@@ -9379,17 +9773,41 @@
               <a:buChar char="•"/>
             </a:pPr>
             <a:r>
+              <a:rPr lang="en-US" sz="2800" i="1" dirty="0">
+                <a:solidFill>
+                  <a:srgbClr val="707070"/>
+                </a:solidFill>
+                <a:latin typeface="Pragmatica" panose="020B0403040502020204" pitchFamily="34" charset="0"/>
+              </a:rPr>
+              <a:t>R for Data Science </a:t>
+            </a:r>
+            <a:r>
               <a:rPr lang="en-US" sz="2800" dirty="0">
                 <a:solidFill>
                   <a:srgbClr val="707070"/>
                 </a:solidFill>
                 <a:latin typeface="Pragmatica" panose="020B0403040502020204" pitchFamily="34" charset="0"/>
               </a:rPr>
-              <a:t>george@stringfestanalytics.com</a:t>
-            </a:r>
-          </a:p>
-          <a:p>
-            <a:pPr marL="514350" indent="-514350">
+              <a:t>by Hadley Wickham and Garrett </a:t>
+            </a:r>
+            <a:r>
+              <a:rPr lang="en-US" sz="2800" dirty="0" err="1">
+                <a:solidFill>
+                  <a:srgbClr val="707070"/>
+                </a:solidFill>
+                <a:latin typeface="Pragmatica" panose="020B0403040502020204" pitchFamily="34" charset="0"/>
+              </a:rPr>
+              <a:t>Grolemund</a:t>
+            </a:r>
+            <a:endParaRPr lang="en-US" sz="2800" dirty="0">
+              <a:solidFill>
+                <a:srgbClr val="707070"/>
+              </a:solidFill>
+              <a:latin typeface="Pragmatica" panose="020B0403040502020204" pitchFamily="34" charset="0"/>
+            </a:endParaRPr>
+          </a:p>
+          <a:p>
+            <a:pPr marL="457200" indent="-457200">
               <a:buClr>
                 <a:srgbClr val="CF3338"/>
               </a:buClr>
@@ -9397,17 +9815,44 @@
               <a:buChar char="•"/>
             </a:pPr>
             <a:r>
+              <a:rPr lang="en-US" sz="2800" i="1" dirty="0">
+                <a:solidFill>
+                  <a:srgbClr val="707070"/>
+                </a:solidFill>
+                <a:latin typeface="Pragmatica" panose="020B0403040502020204" pitchFamily="34" charset="0"/>
+              </a:rPr>
+              <a:t>Python for Data Analysis</a:t>
+            </a:r>
+            <a:r>
               <a:rPr lang="en-US" sz="2800" dirty="0">
                 <a:solidFill>
                   <a:srgbClr val="707070"/>
                 </a:solidFill>
                 <a:latin typeface="Pragmatica" panose="020B0403040502020204" pitchFamily="34" charset="0"/>
               </a:rPr>
-              <a:t>stringfestanalytics.com/book</a:t>
-            </a:r>
-          </a:p>
-          <a:p>
-            <a:pPr marL="514350" indent="-514350">
+              <a:t>, 2</a:t>
+            </a:r>
+            <a:r>
+              <a:rPr lang="en-US" sz="2800" baseline="30000" dirty="0">
+                <a:solidFill>
+                  <a:srgbClr val="707070"/>
+                </a:solidFill>
+                <a:latin typeface="Pragmatica" panose="020B0403040502020204" pitchFamily="34" charset="0"/>
+              </a:rPr>
+              <a:t>nd</a:t>
+            </a:r>
+            <a:r>
+              <a:rPr lang="en-US" sz="2800" dirty="0">
+                <a:solidFill>
+                  <a:srgbClr val="707070"/>
+                </a:solidFill>
+                <a:latin typeface="Pragmatica" panose="020B0403040502020204" pitchFamily="34" charset="0"/>
+              </a:rPr>
+              <a:t> Edition by Wes McKinney</a:t>
+            </a:r>
+          </a:p>
+          <a:p>
+            <a:pPr marL="457200" indent="-457200">
               <a:buClr>
                 <a:srgbClr val="CF3338"/>
               </a:buClr>
@@ -9415,13 +9860,40 @@
               <a:buChar char="•"/>
             </a:pPr>
             <a:r>
+              <a:rPr lang="en-US" sz="2800" i="1" dirty="0">
+                <a:solidFill>
+                  <a:srgbClr val="707070"/>
+                </a:solidFill>
+                <a:latin typeface="Pragmatica" panose="020B0403040502020204" pitchFamily="34" charset="0"/>
+              </a:rPr>
+              <a:t>Python for Excel </a:t>
+            </a:r>
+            <a:r>
               <a:rPr lang="en-US" sz="2800" dirty="0">
                 <a:solidFill>
                   <a:srgbClr val="707070"/>
                 </a:solidFill>
                 <a:latin typeface="Pragmatica" panose="020B0403040502020204" pitchFamily="34" charset="0"/>
               </a:rPr>
-              <a:t>linkedin.com/in/gjmount  </a:t>
+              <a:t>by Felix </a:t>
+            </a:r>
+            <a:r>
+              <a:rPr lang="en-US" sz="2800" dirty="0" err="1">
+                <a:solidFill>
+                  <a:srgbClr val="707070"/>
+                </a:solidFill>
+                <a:latin typeface="Pragmatica" panose="020B0403040502020204" pitchFamily="34" charset="0"/>
+              </a:rPr>
+              <a:t>Zumstein</a:t>
+            </a:r>
+            <a:r>
+              <a:rPr lang="en-US" sz="2800" dirty="0">
+                <a:solidFill>
+                  <a:srgbClr val="707070"/>
+                </a:solidFill>
+                <a:latin typeface="Pragmatica" panose="020B0403040502020204" pitchFamily="34" charset="0"/>
+              </a:rPr>
+              <a:t> </a:t>
             </a:r>
           </a:p>
         </p:txBody>
@@ -9429,7 +9901,7 @@
     </p:spTree>
     <p:extLst>
       <p:ext uri="{BB962C8B-B14F-4D97-AF65-F5344CB8AC3E}">
-        <p14:creationId xmlns:p14="http://schemas.microsoft.com/office/powerpoint/2010/main" val="1370879176"/>
+        <p14:creationId xmlns:p14="http://schemas.microsoft.com/office/powerpoint/2010/main" val="159719367"/>
       </p:ext>
     </p:extLst>
   </p:cSld>
@@ -9570,6 +10042,179 @@
     <p:extLst>
       <p:ext uri="{BB962C8B-B14F-4D97-AF65-F5344CB8AC3E}">
         <p14:creationId xmlns:p14="http://schemas.microsoft.com/office/powerpoint/2010/main" val="3088404701"/>
+      </p:ext>
+    </p:extLst>
+  </p:cSld>
+  <p:clrMapOvr>
+    <a:masterClrMapping/>
+  </p:clrMapOvr>
+</p:sld>
+</file>
+
+<file path=ppt/slides/slide30.xml><?xml version="1.0" encoding="utf-8"?>
+<p:sld xmlns:a="http://schemas.openxmlformats.org/drawingml/2006/main" xmlns:r="http://schemas.openxmlformats.org/officeDocument/2006/relationships" xmlns:p="http://schemas.openxmlformats.org/presentationml/2006/main">
+  <p:cSld>
+    <p:spTree>
+      <p:nvGrpSpPr>
+        <p:cNvPr id="1" name=""/>
+        <p:cNvGrpSpPr/>
+        <p:nvPr/>
+      </p:nvGrpSpPr>
+      <p:grpSpPr>
+        <a:xfrm>
+          <a:off x="0" y="0"/>
+          <a:ext cx="0" cy="0"/>
+          <a:chOff x="0" y="0"/>
+          <a:chExt cx="0" cy="0"/>
+        </a:xfrm>
+      </p:grpSpPr>
+      <p:pic>
+        <p:nvPicPr>
+          <p:cNvPr id="10" name="Picture 9"/>
+          <p:cNvPicPr>
+            <a:picLocks noChangeAspect="1"/>
+          </p:cNvPicPr>
+          <p:nvPr/>
+        </p:nvPicPr>
+        <p:blipFill rotWithShape="1">
+          <a:blip r:embed="rId2">
+            <a:extLst>
+              <a:ext uri="{28A0092B-C50C-407E-A947-70E740481C1C}">
+                <a14:useLocalDpi xmlns:a14="http://schemas.microsoft.com/office/drawing/2010/main" val="0"/>
+              </a:ext>
+            </a:extLst>
+          </a:blip>
+          <a:srcRect l="50728" t="56371"/>
+          <a:stretch/>
+        </p:blipFill>
+        <p:spPr>
+          <a:xfrm>
+            <a:off x="10894024" y="5370653"/>
+            <a:ext cx="1297975" cy="1487348"/>
+          </a:xfrm>
+          <a:prstGeom prst="rect">
+            <a:avLst/>
+          </a:prstGeom>
+        </p:spPr>
+      </p:pic>
+      <p:sp>
+        <p:nvSpPr>
+          <p:cNvPr id="11" name="TextBox 10"/>
+          <p:cNvSpPr txBox="1"/>
+          <p:nvPr/>
+        </p:nvSpPr>
+        <p:spPr>
+          <a:xfrm>
+            <a:off x="347240" y="113388"/>
+            <a:ext cx="10861534" cy="1015663"/>
+          </a:xfrm>
+          <a:prstGeom prst="rect">
+            <a:avLst/>
+          </a:prstGeom>
+          <a:noFill/>
+        </p:spPr>
+        <p:txBody>
+          <a:bodyPr wrap="square" rtlCol="0">
+            <a:spAutoFit/>
+          </a:bodyPr>
+          <a:lstStyle/>
+          <a:p>
+            <a:r>
+              <a:rPr lang="en-US" sz="6000" dirty="0">
+                <a:latin typeface="Aliens &amp; cows" panose="00000500000000000000" pitchFamily="2" charset="0"/>
+              </a:rPr>
+              <a:t>Get in touch</a:t>
+            </a:r>
+          </a:p>
+        </p:txBody>
+      </p:sp>
+      <p:sp>
+        <p:nvSpPr>
+          <p:cNvPr id="4" name="TextBox 3">
+            <a:extLst>
+              <a:ext uri="{FF2B5EF4-FFF2-40B4-BE49-F238E27FC236}">
+                <a16:creationId xmlns:a16="http://schemas.microsoft.com/office/drawing/2014/main" id="{5A4F6C64-3E8D-4255-95B8-CF64265213DA}"/>
+              </a:ext>
+            </a:extLst>
+          </p:cNvPr>
+          <p:cNvSpPr txBox="1"/>
+          <p:nvPr/>
+        </p:nvSpPr>
+        <p:spPr>
+          <a:xfrm>
+            <a:off x="347239" y="1424949"/>
+            <a:ext cx="6352413" cy="1384995"/>
+          </a:xfrm>
+          <a:prstGeom prst="rect">
+            <a:avLst/>
+          </a:prstGeom>
+          <a:noFill/>
+        </p:spPr>
+        <p:txBody>
+          <a:bodyPr wrap="square" rtlCol="0">
+            <a:spAutoFit/>
+          </a:bodyPr>
+          <a:lstStyle/>
+          <a:p>
+            <a:pPr marL="514350" indent="-514350">
+              <a:buClr>
+                <a:srgbClr val="CF3338"/>
+              </a:buClr>
+              <a:buFont typeface="Arial" panose="020B0604020202020204" pitchFamily="34" charset="0"/>
+              <a:buChar char="•"/>
+            </a:pPr>
+            <a:r>
+              <a:rPr lang="en-US" sz="2800" dirty="0">
+                <a:solidFill>
+                  <a:srgbClr val="707070"/>
+                </a:solidFill>
+                <a:latin typeface="Pragmatica" panose="020B0403040502020204" pitchFamily="34" charset="0"/>
+              </a:rPr>
+              <a:t>george@stringfestanalytics.com</a:t>
+            </a:r>
+          </a:p>
+          <a:p>
+            <a:pPr marL="514350" indent="-514350">
+              <a:buClr>
+                <a:srgbClr val="CF3338"/>
+              </a:buClr>
+              <a:buFont typeface="Arial" panose="020B0604020202020204" pitchFamily="34" charset="0"/>
+              <a:buChar char="•"/>
+            </a:pPr>
+            <a:r>
+              <a:rPr lang="en-US" sz="2800" dirty="0">
+                <a:solidFill>
+                  <a:srgbClr val="707070"/>
+                </a:solidFill>
+                <a:latin typeface="Pragmatica" panose="020B0403040502020204" pitchFamily="34" charset="0"/>
+              </a:rPr>
+              <a:t>stringfestanalytics.com/book</a:t>
+            </a:r>
+          </a:p>
+          <a:p>
+            <a:pPr marL="514350" indent="-514350">
+              <a:buClr>
+                <a:srgbClr val="CF3338"/>
+              </a:buClr>
+              <a:buFont typeface="Arial" panose="020B0604020202020204" pitchFamily="34" charset="0"/>
+              <a:buChar char="•"/>
+            </a:pPr>
+            <a:r>
+              <a:rPr lang="en-US" sz="2800" dirty="0">
+                <a:solidFill>
+                  <a:srgbClr val="707070"/>
+                </a:solidFill>
+                <a:latin typeface="Pragmatica" panose="020B0403040502020204" pitchFamily="34" charset="0"/>
+              </a:rPr>
+              <a:t>linkedin.com/in/gjmount  </a:t>
+            </a:r>
+          </a:p>
+        </p:txBody>
+      </p:sp>
+    </p:spTree>
+    <p:extLst>
+      <p:ext uri="{BB962C8B-B14F-4D97-AF65-F5344CB8AC3E}">
+        <p14:creationId xmlns:p14="http://schemas.microsoft.com/office/powerpoint/2010/main" val="1370879176"/>
       </p:ext>
     </p:extLst>
   </p:cSld>
@@ -9811,7 +10456,7 @@
 </file>
 
 <file path=ppt/slides/slide6.xml><?xml version="1.0" encoding="utf-8"?>
-<p:sld xmlns:a="http://schemas.openxmlformats.org/drawingml/2006/main" xmlns:r="http://schemas.openxmlformats.org/officeDocument/2006/relationships" xmlns:p="http://schemas.openxmlformats.org/presentationml/2006/main">
+<p:sld xmlns:a="http://schemas.openxmlformats.org/drawingml/2006/main" xmlns:r="http://schemas.openxmlformats.org/officeDocument/2006/relationships" xmlns:p="http://schemas.openxmlformats.org/presentationml/2006/main" show="0">
   <p:cSld>
     <p:spTree>
       <p:nvGrpSpPr>
@@ -10919,4 +11564,299 @@
     </a:ext>
   </a:extLst>
 </a:theme>
+</file>
+
+<file path=ppt/theme/theme2.xml><?xml version="1.0" encoding="utf-8"?>
+<a:theme xmlns:a="http://schemas.openxmlformats.org/drawingml/2006/main" name="Office Theme">
+  <a:themeElements>
+    <a:clrScheme name="Office">
+      <a:dk1>
+        <a:sysClr val="windowText" lastClr="000000"/>
+      </a:dk1>
+      <a:lt1>
+        <a:sysClr val="window" lastClr="FFFFFF"/>
+      </a:lt1>
+      <a:dk2>
+        <a:srgbClr val="44546A"/>
+      </a:dk2>
+      <a:lt2>
+        <a:srgbClr val="E7E6E6"/>
+      </a:lt2>
+      <a:accent1>
+        <a:srgbClr val="4472C4"/>
+      </a:accent1>
+      <a:accent2>
+        <a:srgbClr val="ED7D31"/>
+      </a:accent2>
+      <a:accent3>
+        <a:srgbClr val="A5A5A5"/>
+      </a:accent3>
+      <a:accent4>
+        <a:srgbClr val="FFC000"/>
+      </a:accent4>
+      <a:accent5>
+        <a:srgbClr val="5B9BD5"/>
+      </a:accent5>
+      <a:accent6>
+        <a:srgbClr val="70AD47"/>
+      </a:accent6>
+      <a:hlink>
+        <a:srgbClr val="0563C1"/>
+      </a:hlink>
+      <a:folHlink>
+        <a:srgbClr val="954F72"/>
+      </a:folHlink>
+    </a:clrScheme>
+    <a:fontScheme name="Office">
+      <a:majorFont>
+        <a:latin typeface="Calibri Light" panose="020F0302020204030204"/>
+        <a:ea typeface=""/>
+        <a:cs typeface=""/>
+        <a:font script="Jpan" typeface="游ゴシック Light"/>
+        <a:font script="Hang" typeface="맑은 고딕"/>
+        <a:font script="Hans" typeface="等线 Light"/>
+        <a:font script="Hant" typeface="新細明體"/>
+        <a:font script="Arab" typeface="Times New Roman"/>
+        <a:font script="Hebr" typeface="Times New Roman"/>
+        <a:font script="Thai" typeface="Angsana New"/>
+        <a:font script="Ethi" typeface="Nyala"/>
+        <a:font script="Beng" typeface="Vrinda"/>
+        <a:font script="Gujr" typeface="Shruti"/>
+        <a:font script="Khmr" typeface="MoolBoran"/>
+        <a:font script="Knda" typeface="Tunga"/>
+        <a:font script="Guru" typeface="Raavi"/>
+        <a:font script="Cans" typeface="Euphemia"/>
+        <a:font script="Cher" typeface="Plantagenet Cherokee"/>
+        <a:font script="Yiii" typeface="Microsoft Yi Baiti"/>
+        <a:font script="Tibt" typeface="Microsoft Himalaya"/>
+        <a:font script="Thaa" typeface="MV Boli"/>
+        <a:font script="Deva" typeface="Mangal"/>
+        <a:font script="Telu" typeface="Gautami"/>
+        <a:font script="Taml" typeface="Latha"/>
+        <a:font script="Syrc" typeface="Estrangelo Edessa"/>
+        <a:font script="Orya" typeface="Kalinga"/>
+        <a:font script="Mlym" typeface="Kartika"/>
+        <a:font script="Laoo" typeface="DokChampa"/>
+        <a:font script="Sinh" typeface="Iskoola Pota"/>
+        <a:font script="Mong" typeface="Mongolian Baiti"/>
+        <a:font script="Viet" typeface="Times New Roman"/>
+        <a:font script="Uigh" typeface="Microsoft Uighur"/>
+        <a:font script="Geor" typeface="Sylfaen"/>
+        <a:font script="Armn" typeface="Arial"/>
+        <a:font script="Bugi" typeface="Leelawadee UI"/>
+        <a:font script="Bopo" typeface="Microsoft JhengHei"/>
+        <a:font script="Java" typeface="Javanese Text"/>
+        <a:font script="Lisu" typeface="Segoe UI"/>
+        <a:font script="Mymr" typeface="Myanmar Text"/>
+        <a:font script="Nkoo" typeface="Ebrima"/>
+        <a:font script="Olck" typeface="Nirmala UI"/>
+        <a:font script="Osma" typeface="Ebrima"/>
+        <a:font script="Phag" typeface="Phagspa"/>
+        <a:font script="Syrn" typeface="Estrangelo Edessa"/>
+        <a:font script="Syrj" typeface="Estrangelo Edessa"/>
+        <a:font script="Syre" typeface="Estrangelo Edessa"/>
+        <a:font script="Sora" typeface="Nirmala UI"/>
+        <a:font script="Tale" typeface="Microsoft Tai Le"/>
+        <a:font script="Talu" typeface="Microsoft New Tai Lue"/>
+        <a:font script="Tfng" typeface="Ebrima"/>
+      </a:majorFont>
+      <a:minorFont>
+        <a:latin typeface="Calibri" panose="020F0502020204030204"/>
+        <a:ea typeface=""/>
+        <a:cs typeface=""/>
+        <a:font script="Jpan" typeface="游ゴシック"/>
+        <a:font script="Hang" typeface="맑은 고딕"/>
+        <a:font script="Hans" typeface="等线"/>
+        <a:font script="Hant" typeface="新細明體"/>
+        <a:font script="Arab" typeface="Arial"/>
+        <a:font script="Hebr" typeface="Arial"/>
+        <a:font script="Thai" typeface="Cordia New"/>
+        <a:font script="Ethi" typeface="Nyala"/>
+        <a:font script="Beng" typeface="Vrinda"/>
+        <a:font script="Gujr" typeface="Shruti"/>
+        <a:font script="Khmr" typeface="DaunPenh"/>
+        <a:font script="Knda" typeface="Tunga"/>
+        <a:font script="Guru" typeface="Raavi"/>
+        <a:font script="Cans" typeface="Euphemia"/>
+        <a:font script="Cher" typeface="Plantagenet Cherokee"/>
+        <a:font script="Yiii" typeface="Microsoft Yi Baiti"/>
+        <a:font script="Tibt" typeface="Microsoft Himalaya"/>
+        <a:font script="Thaa" typeface="MV Boli"/>
+        <a:font script="Deva" typeface="Mangal"/>
+        <a:font script="Telu" typeface="Gautami"/>
+        <a:font script="Taml" typeface="Latha"/>
+        <a:font script="Syrc" typeface="Estrangelo Edessa"/>
+        <a:font script="Orya" typeface="Kalinga"/>
+        <a:font script="Mlym" typeface="Kartika"/>
+        <a:font script="Laoo" typeface="DokChampa"/>
+        <a:font script="Sinh" typeface="Iskoola Pota"/>
+        <a:font script="Mong" typeface="Mongolian Baiti"/>
+        <a:font script="Viet" typeface="Arial"/>
+        <a:font script="Uigh" typeface="Microsoft Uighur"/>
+        <a:font script="Geor" typeface="Sylfaen"/>
+        <a:font script="Armn" typeface="Arial"/>
+        <a:font script="Bugi" typeface="Leelawadee UI"/>
+        <a:font script="Bopo" typeface="Microsoft JhengHei"/>
+        <a:font script="Java" typeface="Javanese Text"/>
+        <a:font script="Lisu" typeface="Segoe UI"/>
+        <a:font script="Mymr" typeface="Myanmar Text"/>
+        <a:font script="Nkoo" typeface="Ebrima"/>
+        <a:font script="Olck" typeface="Nirmala UI"/>
+        <a:font script="Osma" typeface="Ebrima"/>
+        <a:font script="Phag" typeface="Phagspa"/>
+        <a:font script="Syrn" typeface="Estrangelo Edessa"/>
+        <a:font script="Syrj" typeface="Estrangelo Edessa"/>
+        <a:font script="Syre" typeface="Estrangelo Edessa"/>
+        <a:font script="Sora" typeface="Nirmala UI"/>
+        <a:font script="Tale" typeface="Microsoft Tai Le"/>
+        <a:font script="Talu" typeface="Microsoft New Tai Lue"/>
+        <a:font script="Tfng" typeface="Ebrima"/>
+      </a:minorFont>
+    </a:fontScheme>
+    <a:fmtScheme name="Office">
+      <a:fillStyleLst>
+        <a:solidFill>
+          <a:schemeClr val="phClr"/>
+        </a:solidFill>
+        <a:gradFill rotWithShape="1">
+          <a:gsLst>
+            <a:gs pos="0">
+              <a:schemeClr val="phClr">
+                <a:lumMod val="110000"/>
+                <a:satMod val="105000"/>
+                <a:tint val="67000"/>
+              </a:schemeClr>
+            </a:gs>
+            <a:gs pos="50000">
+              <a:schemeClr val="phClr">
+                <a:lumMod val="105000"/>
+                <a:satMod val="103000"/>
+                <a:tint val="73000"/>
+              </a:schemeClr>
+            </a:gs>
+            <a:gs pos="100000">
+              <a:schemeClr val="phClr">
+                <a:lumMod val="105000"/>
+                <a:satMod val="109000"/>
+                <a:tint val="81000"/>
+              </a:schemeClr>
+            </a:gs>
+          </a:gsLst>
+          <a:lin ang="5400000" scaled="0"/>
+        </a:gradFill>
+        <a:gradFill rotWithShape="1">
+          <a:gsLst>
+            <a:gs pos="0">
+              <a:schemeClr val="phClr">
+                <a:satMod val="103000"/>
+                <a:lumMod val="102000"/>
+                <a:tint val="94000"/>
+              </a:schemeClr>
+            </a:gs>
+            <a:gs pos="50000">
+              <a:schemeClr val="phClr">
+                <a:satMod val="110000"/>
+                <a:lumMod val="100000"/>
+                <a:shade val="100000"/>
+              </a:schemeClr>
+            </a:gs>
+            <a:gs pos="100000">
+              <a:schemeClr val="phClr">
+                <a:lumMod val="99000"/>
+                <a:satMod val="120000"/>
+                <a:shade val="78000"/>
+              </a:schemeClr>
+            </a:gs>
+          </a:gsLst>
+          <a:lin ang="5400000" scaled="0"/>
+        </a:gradFill>
+      </a:fillStyleLst>
+      <a:lnStyleLst>
+        <a:ln w="6350" cap="flat" cmpd="sng" algn="ctr">
+          <a:solidFill>
+            <a:schemeClr val="phClr"/>
+          </a:solidFill>
+          <a:prstDash val="solid"/>
+          <a:miter lim="800000"/>
+        </a:ln>
+        <a:ln w="12700" cap="flat" cmpd="sng" algn="ctr">
+          <a:solidFill>
+            <a:schemeClr val="phClr"/>
+          </a:solidFill>
+          <a:prstDash val="solid"/>
+          <a:miter lim="800000"/>
+        </a:ln>
+        <a:ln w="19050" cap="flat" cmpd="sng" algn="ctr">
+          <a:solidFill>
+            <a:schemeClr val="phClr"/>
+          </a:solidFill>
+          <a:prstDash val="solid"/>
+          <a:miter lim="800000"/>
+        </a:ln>
+      </a:lnStyleLst>
+      <a:effectStyleLst>
+        <a:effectStyle>
+          <a:effectLst/>
+        </a:effectStyle>
+        <a:effectStyle>
+          <a:effectLst/>
+        </a:effectStyle>
+        <a:effectStyle>
+          <a:effectLst>
+            <a:outerShdw blurRad="57150" dist="19050" dir="5400000" algn="ctr" rotWithShape="0">
+              <a:srgbClr val="000000">
+                <a:alpha val="63000"/>
+              </a:srgbClr>
+            </a:outerShdw>
+          </a:effectLst>
+        </a:effectStyle>
+      </a:effectStyleLst>
+      <a:bgFillStyleLst>
+        <a:solidFill>
+          <a:schemeClr val="phClr"/>
+        </a:solidFill>
+        <a:solidFill>
+          <a:schemeClr val="phClr">
+            <a:tint val="95000"/>
+            <a:satMod val="170000"/>
+          </a:schemeClr>
+        </a:solidFill>
+        <a:gradFill rotWithShape="1">
+          <a:gsLst>
+            <a:gs pos="0">
+              <a:schemeClr val="phClr">
+                <a:tint val="93000"/>
+                <a:satMod val="150000"/>
+                <a:shade val="98000"/>
+                <a:lumMod val="102000"/>
+              </a:schemeClr>
+            </a:gs>
+            <a:gs pos="50000">
+              <a:schemeClr val="phClr">
+                <a:tint val="98000"/>
+                <a:satMod val="130000"/>
+                <a:shade val="90000"/>
+                <a:lumMod val="103000"/>
+              </a:schemeClr>
+            </a:gs>
+            <a:gs pos="100000">
+              <a:schemeClr val="phClr">
+                <a:shade val="63000"/>
+                <a:satMod val="120000"/>
+              </a:schemeClr>
+            </a:gs>
+          </a:gsLst>
+          <a:lin ang="5400000" scaled="0"/>
+        </a:gradFill>
+      </a:bgFillStyleLst>
+    </a:fmtScheme>
+  </a:themeElements>
+  <a:objectDefaults/>
+  <a:extraClrSchemeLst/>
+  <a:extLst>
+    <a:ext uri="{05A4C25C-085E-4340-85A3-A5531E510DB2}">
+      <thm15:themeFamily xmlns:thm15="http://schemas.microsoft.com/office/thememl/2012/main" name="Office Theme" id="{62F939B6-93AF-4DB8-9C6B-D6C7DFDC589F}" vid="{4A3C46E8-61CC-4603-A589-7422A47A8E4A}"/>
+    </a:ext>
+  </a:extLst>
+</a:theme>
 </file>
--- a/advancing-into-analytics-presentation.pptx
+++ b/advancing-into-analytics-presentation.pptx
@@ -5,39 +5,40 @@
     <p:sldMasterId id="2147483648" r:id="rId1"/>
   </p:sldMasterIdLst>
   <p:notesMasterIdLst>
-    <p:notesMasterId r:id="rId32"/>
+    <p:notesMasterId r:id="rId33"/>
   </p:notesMasterIdLst>
   <p:sldIdLst>
     <p:sldId id="256" r:id="rId2"/>
-    <p:sldId id="258" r:id="rId3"/>
-    <p:sldId id="266" r:id="rId4"/>
-    <p:sldId id="267" r:id="rId5"/>
-    <p:sldId id="268" r:id="rId6"/>
-    <p:sldId id="269" r:id="rId7"/>
-    <p:sldId id="313" r:id="rId8"/>
-    <p:sldId id="320" r:id="rId9"/>
-    <p:sldId id="311" r:id="rId10"/>
-    <p:sldId id="390" r:id="rId11"/>
-    <p:sldId id="273" r:id="rId12"/>
-    <p:sldId id="327" r:id="rId13"/>
-    <p:sldId id="312" r:id="rId14"/>
-    <p:sldId id="321" r:id="rId15"/>
-    <p:sldId id="275" r:id="rId16"/>
-    <p:sldId id="322" r:id="rId17"/>
-    <p:sldId id="329" r:id="rId18"/>
-    <p:sldId id="317" r:id="rId19"/>
-    <p:sldId id="328" r:id="rId20"/>
-    <p:sldId id="324" r:id="rId21"/>
-    <p:sldId id="325" r:id="rId22"/>
-    <p:sldId id="326" r:id="rId23"/>
-    <p:sldId id="261" r:id="rId24"/>
-    <p:sldId id="318" r:id="rId25"/>
-    <p:sldId id="319" r:id="rId26"/>
-    <p:sldId id="305" r:id="rId27"/>
-    <p:sldId id="306" r:id="rId28"/>
-    <p:sldId id="314" r:id="rId29"/>
-    <p:sldId id="315" r:id="rId30"/>
-    <p:sldId id="316" r:id="rId31"/>
+    <p:sldId id="392" r:id="rId3"/>
+    <p:sldId id="393" r:id="rId4"/>
+    <p:sldId id="394" r:id="rId5"/>
+    <p:sldId id="413" r:id="rId6"/>
+    <p:sldId id="414" r:id="rId7"/>
+    <p:sldId id="332" r:id="rId8"/>
+    <p:sldId id="415" r:id="rId9"/>
+    <p:sldId id="416" r:id="rId10"/>
+    <p:sldId id="405" r:id="rId11"/>
+    <p:sldId id="417" r:id="rId12"/>
+    <p:sldId id="406" r:id="rId13"/>
+    <p:sldId id="418" r:id="rId14"/>
+    <p:sldId id="419" r:id="rId15"/>
+    <p:sldId id="420" r:id="rId16"/>
+    <p:sldId id="421" r:id="rId17"/>
+    <p:sldId id="407" r:id="rId18"/>
+    <p:sldId id="422" r:id="rId19"/>
+    <p:sldId id="423" r:id="rId20"/>
+    <p:sldId id="424" r:id="rId21"/>
+    <p:sldId id="425" r:id="rId22"/>
+    <p:sldId id="408" r:id="rId23"/>
+    <p:sldId id="409" r:id="rId24"/>
+    <p:sldId id="410" r:id="rId25"/>
+    <p:sldId id="411" r:id="rId26"/>
+    <p:sldId id="426" r:id="rId27"/>
+    <p:sldId id="427" r:id="rId28"/>
+    <p:sldId id="338" r:id="rId29"/>
+    <p:sldId id="339" r:id="rId30"/>
+    <p:sldId id="412" r:id="rId31"/>
+    <p:sldId id="336" r:id="rId32"/>
   </p:sldIdLst>
   <p:sldSz cx="12192000" cy="6858000"/>
   <p:notesSz cx="6858000" cy="9144000"/>
@@ -1856,7 +1857,7 @@
           <a:p>
             <a:fld id="{503F064B-41F2-4661-BDF0-BFD135E9A557}" type="datetimeFigureOut">
               <a:rPr lang="en-US" smtClean="0"/>
-              <a:t>4/14/2021</a:t>
+              <a:t>7/4/2021</a:t>
             </a:fld>
             <a:endParaRPr lang="en-US"/>
           </a:p>
@@ -2123,6 +2124,2029 @@
 </p:notesMaster>
 </file>
 
+<file path=ppt/notesSlides/notesSlide1.xml><?xml version="1.0" encoding="utf-8"?>
+<p:notes xmlns:a="http://schemas.openxmlformats.org/drawingml/2006/main" xmlns:r="http://schemas.openxmlformats.org/officeDocument/2006/relationships" xmlns:p="http://schemas.openxmlformats.org/presentationml/2006/main">
+  <p:cSld>
+    <p:spTree>
+      <p:nvGrpSpPr>
+        <p:cNvPr id="1" name=""/>
+        <p:cNvGrpSpPr/>
+        <p:nvPr/>
+      </p:nvGrpSpPr>
+      <p:grpSpPr>
+        <a:xfrm>
+          <a:off x="0" y="0"/>
+          <a:ext cx="0" cy="0"/>
+          <a:chOff x="0" y="0"/>
+          <a:chExt cx="0" cy="0"/>
+        </a:xfrm>
+      </p:grpSpPr>
+      <p:sp>
+        <p:nvSpPr>
+          <p:cNvPr id="2" name="Slide Image Placeholder 1"/>
+          <p:cNvSpPr>
+            <a:spLocks noGrp="1" noRot="1" noChangeAspect="1"/>
+          </p:cNvSpPr>
+          <p:nvPr>
+            <p:ph type="sldImg"/>
+          </p:nvPr>
+        </p:nvSpPr>
+        <p:spPr/>
+      </p:sp>
+      <p:sp>
+        <p:nvSpPr>
+          <p:cNvPr id="3" name="Notes Placeholder 2"/>
+          <p:cNvSpPr>
+            <a:spLocks noGrp="1"/>
+          </p:cNvSpPr>
+          <p:nvPr>
+            <p:ph type="body" idx="1"/>
+          </p:nvPr>
+        </p:nvSpPr>
+        <p:spPr/>
+        <p:txBody>
+          <a:bodyPr/>
+          <a:lstStyle/>
+          <a:p>
+            <a:r>
+              <a:rPr lang="en-US" dirty="0"/>
+              <a:t>If you’d like to follow along with the presentation, all resources are available at this link.</a:t>
+            </a:r>
+          </a:p>
+          <a:p>
+            <a:endParaRPr lang="en-US" dirty="0"/>
+          </a:p>
+          <a:p>
+            <a:r>
+              <a:rPr lang="en-US" dirty="0"/>
+              <a:t>I also wanted to give a shout-out to Alan Turing, born on this day in 1912. </a:t>
+            </a:r>
+          </a:p>
+        </p:txBody>
+      </p:sp>
+      <p:sp>
+        <p:nvSpPr>
+          <p:cNvPr id="4" name="Slide Number Placeholder 3"/>
+          <p:cNvSpPr>
+            <a:spLocks noGrp="1"/>
+          </p:cNvSpPr>
+          <p:nvPr>
+            <p:ph type="sldNum" sz="quarter" idx="5"/>
+          </p:nvPr>
+        </p:nvSpPr>
+        <p:spPr/>
+        <p:txBody>
+          <a:bodyPr/>
+          <a:lstStyle/>
+          <a:p>
+            <a:fld id="{3BB66621-ADCC-4EF8-8003-B9D3E881DCD2}" type="slidenum">
+              <a:rPr lang="en-US" smtClean="0"/>
+              <a:t>2</a:t>
+            </a:fld>
+            <a:endParaRPr lang="en-US"/>
+          </a:p>
+        </p:txBody>
+      </p:sp>
+    </p:spTree>
+    <p:extLst>
+      <p:ext uri="{BB962C8B-B14F-4D97-AF65-F5344CB8AC3E}">
+        <p14:creationId xmlns:p14="http://schemas.microsoft.com/office/powerpoint/2010/main" val="2213468204"/>
+      </p:ext>
+    </p:extLst>
+  </p:cSld>
+  <p:clrMapOvr>
+    <a:masterClrMapping/>
+  </p:clrMapOvr>
+</p:notes>
+</file>
+
+<file path=ppt/notesSlides/notesSlide10.xml><?xml version="1.0" encoding="utf-8"?>
+<p:notes xmlns:a="http://schemas.openxmlformats.org/drawingml/2006/main" xmlns:r="http://schemas.openxmlformats.org/officeDocument/2006/relationships" xmlns:p="http://schemas.openxmlformats.org/presentationml/2006/main">
+  <p:cSld>
+    <p:spTree>
+      <p:nvGrpSpPr>
+        <p:cNvPr id="1" name=""/>
+        <p:cNvGrpSpPr/>
+        <p:nvPr/>
+      </p:nvGrpSpPr>
+      <p:grpSpPr>
+        <a:xfrm>
+          <a:off x="0" y="0"/>
+          <a:ext cx="0" cy="0"/>
+          <a:chOff x="0" y="0"/>
+          <a:chExt cx="0" cy="0"/>
+        </a:xfrm>
+      </p:grpSpPr>
+      <p:sp>
+        <p:nvSpPr>
+          <p:cNvPr id="2" name="Slide Image Placeholder 1"/>
+          <p:cNvSpPr>
+            <a:spLocks noGrp="1" noRot="1" noChangeAspect="1"/>
+          </p:cNvSpPr>
+          <p:nvPr>
+            <p:ph type="sldImg"/>
+          </p:nvPr>
+        </p:nvSpPr>
+        <p:spPr/>
+      </p:sp>
+      <p:sp>
+        <p:nvSpPr>
+          <p:cNvPr id="3" name="Notes Placeholder 2"/>
+          <p:cNvSpPr>
+            <a:spLocks noGrp="1"/>
+          </p:cNvSpPr>
+          <p:nvPr>
+            <p:ph type="body" idx="1"/>
+          </p:nvPr>
+        </p:nvSpPr>
+        <p:spPr/>
+        <p:txBody>
+          <a:bodyPr/>
+          <a:lstStyle/>
+          <a:p>
+            <a:r>
+              <a:rPr lang="en-US" dirty="0"/>
+              <a:t>OK so what we are going to do here is go back to your session or open a new one. Go to the </a:t>
+            </a:r>
+            <a:r>
+              <a:rPr lang="en-US" dirty="0" err="1"/>
+              <a:t>diamonds.r</a:t>
+            </a:r>
+            <a:r>
+              <a:rPr lang="en-US" dirty="0"/>
+              <a:t> dataset. And let’s actually conduct the analysis that was hinted at earlier. </a:t>
+            </a:r>
+          </a:p>
+        </p:txBody>
+      </p:sp>
+      <p:sp>
+        <p:nvSpPr>
+          <p:cNvPr id="4" name="Slide Number Placeholder 3"/>
+          <p:cNvSpPr>
+            <a:spLocks noGrp="1"/>
+          </p:cNvSpPr>
+          <p:nvPr>
+            <p:ph type="sldNum" sz="quarter" idx="5"/>
+          </p:nvPr>
+        </p:nvSpPr>
+        <p:spPr/>
+        <p:txBody>
+          <a:bodyPr/>
+          <a:lstStyle/>
+          <a:p>
+            <a:fld id="{3BB66621-ADCC-4EF8-8003-B9D3E881DCD2}" type="slidenum">
+              <a:rPr lang="en-US" smtClean="0"/>
+              <a:t>15</a:t>
+            </a:fld>
+            <a:endParaRPr lang="en-US"/>
+          </a:p>
+        </p:txBody>
+      </p:sp>
+    </p:spTree>
+    <p:extLst>
+      <p:ext uri="{BB962C8B-B14F-4D97-AF65-F5344CB8AC3E}">
+        <p14:creationId xmlns:p14="http://schemas.microsoft.com/office/powerpoint/2010/main" val="886286121"/>
+      </p:ext>
+    </p:extLst>
+  </p:cSld>
+  <p:clrMapOvr>
+    <a:masterClrMapping/>
+  </p:clrMapOvr>
+</p:notes>
+</file>
+
+<file path=ppt/notesSlides/notesSlide11.xml><?xml version="1.0" encoding="utf-8"?>
+<p:notes xmlns:a="http://schemas.openxmlformats.org/drawingml/2006/main" xmlns:r="http://schemas.openxmlformats.org/officeDocument/2006/relationships" xmlns:p="http://schemas.openxmlformats.org/presentationml/2006/main">
+  <p:cSld>
+    <p:spTree>
+      <p:nvGrpSpPr>
+        <p:cNvPr id="1" name=""/>
+        <p:cNvGrpSpPr/>
+        <p:nvPr/>
+      </p:nvGrpSpPr>
+      <p:grpSpPr>
+        <a:xfrm>
+          <a:off x="0" y="0"/>
+          <a:ext cx="0" cy="0"/>
+          <a:chOff x="0" y="0"/>
+          <a:chExt cx="0" cy="0"/>
+        </a:xfrm>
+      </p:grpSpPr>
+      <p:sp>
+        <p:nvSpPr>
+          <p:cNvPr id="2" name="Slide Image Placeholder 1"/>
+          <p:cNvSpPr>
+            <a:spLocks noGrp="1" noRot="1" noChangeAspect="1"/>
+          </p:cNvSpPr>
+          <p:nvPr>
+            <p:ph type="sldImg"/>
+          </p:nvPr>
+        </p:nvSpPr>
+        <p:spPr/>
+      </p:sp>
+      <p:sp>
+        <p:nvSpPr>
+          <p:cNvPr id="3" name="Notes Placeholder 2"/>
+          <p:cNvSpPr>
+            <a:spLocks noGrp="1"/>
+          </p:cNvSpPr>
+          <p:nvPr>
+            <p:ph type="body" idx="1"/>
+          </p:nvPr>
+        </p:nvSpPr>
+        <p:spPr/>
+        <p:txBody>
+          <a:bodyPr/>
+          <a:lstStyle/>
+          <a:p>
+            <a:r>
+              <a:rPr lang="en-US" dirty="0"/>
+              <a:t>Any questions so far about using R? </a:t>
+            </a:r>
+          </a:p>
+          <a:p>
+            <a:r>
+              <a:rPr lang="en-US" dirty="0"/>
+              <a:t>Again I just want to show you how easy it is to get up and running there as an Excel user and what to expect when working with open source programs. </a:t>
+            </a:r>
+          </a:p>
+          <a:p>
+            <a:endParaRPr lang="en-US" dirty="0"/>
+          </a:p>
+          <a:p>
+            <a:r>
+              <a:rPr lang="en-US" dirty="0"/>
+              <a:t>Now I guess one of the questions I might have in your shoes is what’s the big deal, we can do the same kind of stuff with Power Query. So I want to acknowledge that. </a:t>
+            </a:r>
+          </a:p>
+        </p:txBody>
+      </p:sp>
+      <p:sp>
+        <p:nvSpPr>
+          <p:cNvPr id="4" name="Slide Number Placeholder 3"/>
+          <p:cNvSpPr>
+            <a:spLocks noGrp="1"/>
+          </p:cNvSpPr>
+          <p:nvPr>
+            <p:ph type="sldNum" sz="quarter" idx="5"/>
+          </p:nvPr>
+        </p:nvSpPr>
+        <p:spPr/>
+        <p:txBody>
+          <a:bodyPr/>
+          <a:lstStyle/>
+          <a:p>
+            <a:fld id="{3BB66621-ADCC-4EF8-8003-B9D3E881DCD2}" type="slidenum">
+              <a:rPr lang="en-US" smtClean="0"/>
+              <a:t>16</a:t>
+            </a:fld>
+            <a:endParaRPr lang="en-US"/>
+          </a:p>
+        </p:txBody>
+      </p:sp>
+    </p:spTree>
+    <p:extLst>
+      <p:ext uri="{BB962C8B-B14F-4D97-AF65-F5344CB8AC3E}">
+        <p14:creationId xmlns:p14="http://schemas.microsoft.com/office/powerpoint/2010/main" val="2041702506"/>
+      </p:ext>
+    </p:extLst>
+  </p:cSld>
+  <p:clrMapOvr>
+    <a:masterClrMapping/>
+  </p:clrMapOvr>
+</p:notes>
+</file>
+
+<file path=ppt/notesSlides/notesSlide12.xml><?xml version="1.0" encoding="utf-8"?>
+<p:notes xmlns:a="http://schemas.openxmlformats.org/drawingml/2006/main" xmlns:r="http://schemas.openxmlformats.org/officeDocument/2006/relationships" xmlns:p="http://schemas.openxmlformats.org/presentationml/2006/main">
+  <p:cSld>
+    <p:spTree>
+      <p:nvGrpSpPr>
+        <p:cNvPr id="1" name=""/>
+        <p:cNvGrpSpPr/>
+        <p:nvPr/>
+      </p:nvGrpSpPr>
+      <p:grpSpPr>
+        <a:xfrm>
+          <a:off x="0" y="0"/>
+          <a:ext cx="0" cy="0"/>
+          <a:chOff x="0" y="0"/>
+          <a:chExt cx="0" cy="0"/>
+        </a:xfrm>
+      </p:grpSpPr>
+      <p:sp>
+        <p:nvSpPr>
+          <p:cNvPr id="2" name="Slide Image Placeholder 1"/>
+          <p:cNvSpPr>
+            <a:spLocks noGrp="1" noRot="1" noChangeAspect="1"/>
+          </p:cNvSpPr>
+          <p:nvPr>
+            <p:ph type="sldImg"/>
+          </p:nvPr>
+        </p:nvSpPr>
+        <p:spPr/>
+      </p:sp>
+      <p:sp>
+        <p:nvSpPr>
+          <p:cNvPr id="3" name="Notes Placeholder 2"/>
+          <p:cNvSpPr>
+            <a:spLocks noGrp="1"/>
+          </p:cNvSpPr>
+          <p:nvPr>
+            <p:ph type="body" idx="1"/>
+          </p:nvPr>
+        </p:nvSpPr>
+        <p:spPr/>
+        <p:txBody>
+          <a:bodyPr/>
+          <a:lstStyle/>
+          <a:p>
+            <a:pPr marL="0" marR="0" lvl="0" indent="0" algn="l" defTabSz="914400" rtl="0" eaLnBrk="1" fontAlgn="auto" latinLnBrk="0" hangingPunct="1">
+              <a:lnSpc>
+                <a:spcPct val="100000"/>
+              </a:lnSpc>
+              <a:spcBef>
+                <a:spcPts val="0"/>
+              </a:spcBef>
+              <a:spcAft>
+                <a:spcPts val="0"/>
+              </a:spcAft>
+              <a:buClrTx/>
+              <a:buSzTx/>
+              <a:buFontTx/>
+              <a:buNone/>
+              <a:tabLst/>
+              <a:defRPr/>
+            </a:pPr>
+            <a:r>
+              <a:rPr lang="en-US" dirty="0"/>
+              <a:t>Well this is the name of the section just because I couldn’t think of anything else that started with a P…. </a:t>
+            </a:r>
+          </a:p>
+          <a:p>
+            <a:endParaRPr lang="en-US" dirty="0"/>
+          </a:p>
+          <a:p>
+            <a:r>
+              <a:rPr lang="en-US" dirty="0"/>
+              <a:t>Anyway let’s situate Python here for a sec. If you are wondering about the difference between R and Python – like I mentioned earlier R is best known for its statistical capabilities, it was born and raised to be a statistical language.</a:t>
+            </a:r>
+          </a:p>
+          <a:p>
+            <a:r>
+              <a:rPr lang="en-US" dirty="0"/>
+              <a:t>On the other hand Python was built primarily as a computer scripting language, sort of like VBA. So they were built for somewhat different needs which means they both have their strengths and weaknesses. For example, Python does not include a built-in data structure for a tabular data source, so we’ll need to rely on open source packages to implement it. </a:t>
+            </a:r>
+          </a:p>
+        </p:txBody>
+      </p:sp>
+      <p:sp>
+        <p:nvSpPr>
+          <p:cNvPr id="4" name="Slide Number Placeholder 3"/>
+          <p:cNvSpPr>
+            <a:spLocks noGrp="1"/>
+          </p:cNvSpPr>
+          <p:nvPr>
+            <p:ph type="sldNum" sz="quarter" idx="5"/>
+          </p:nvPr>
+        </p:nvSpPr>
+        <p:spPr/>
+        <p:txBody>
+          <a:bodyPr/>
+          <a:lstStyle/>
+          <a:p>
+            <a:fld id="{3BB66621-ADCC-4EF8-8003-B9D3E881DCD2}" type="slidenum">
+              <a:rPr lang="en-US" smtClean="0"/>
+              <a:t>17</a:t>
+            </a:fld>
+            <a:endParaRPr lang="en-US"/>
+          </a:p>
+        </p:txBody>
+      </p:sp>
+    </p:spTree>
+    <p:extLst>
+      <p:ext uri="{BB962C8B-B14F-4D97-AF65-F5344CB8AC3E}">
+        <p14:creationId xmlns:p14="http://schemas.microsoft.com/office/powerpoint/2010/main" val="417089810"/>
+      </p:ext>
+    </p:extLst>
+  </p:cSld>
+  <p:clrMapOvr>
+    <a:masterClrMapping/>
+  </p:clrMapOvr>
+</p:notes>
+</file>
+
+<file path=ppt/notesSlides/notesSlide13.xml><?xml version="1.0" encoding="utf-8"?>
+<p:notes xmlns:a="http://schemas.openxmlformats.org/drawingml/2006/main" xmlns:r="http://schemas.openxmlformats.org/officeDocument/2006/relationships" xmlns:p="http://schemas.openxmlformats.org/presentationml/2006/main">
+  <p:cSld>
+    <p:spTree>
+      <p:nvGrpSpPr>
+        <p:cNvPr id="1" name=""/>
+        <p:cNvGrpSpPr/>
+        <p:nvPr/>
+      </p:nvGrpSpPr>
+      <p:grpSpPr>
+        <a:xfrm>
+          <a:off x="0" y="0"/>
+          <a:ext cx="0" cy="0"/>
+          <a:chOff x="0" y="0"/>
+          <a:chExt cx="0" cy="0"/>
+        </a:xfrm>
+      </p:grpSpPr>
+      <p:sp>
+        <p:nvSpPr>
+          <p:cNvPr id="2" name="Slide Image Placeholder 1"/>
+          <p:cNvSpPr>
+            <a:spLocks noGrp="1" noRot="1" noChangeAspect="1"/>
+          </p:cNvSpPr>
+          <p:nvPr>
+            <p:ph type="sldImg"/>
+          </p:nvPr>
+        </p:nvSpPr>
+        <p:spPr/>
+      </p:sp>
+      <p:sp>
+        <p:nvSpPr>
+          <p:cNvPr id="3" name="Notes Placeholder 2"/>
+          <p:cNvSpPr>
+            <a:spLocks noGrp="1"/>
+          </p:cNvSpPr>
+          <p:nvPr>
+            <p:ph type="body" idx="1"/>
+          </p:nvPr>
+        </p:nvSpPr>
+        <p:spPr/>
+        <p:txBody>
+          <a:bodyPr/>
+          <a:lstStyle/>
+          <a:p>
+            <a:r>
+              <a:rPr lang="en-US" dirty="0"/>
+              <a:t>OK now remember that being open source means anyone is free to repackage and redistribute code. In the case of Python the official source code lives with the Python foundation and can be found there. It’s more common however to download from the Anaconda _distribution_ of that code. One of the reasons why is Anaconda comes with some goodies that don’t come with the raw </a:t>
+            </a:r>
+            <a:r>
+              <a:rPr lang="en-US" dirty="0" err="1"/>
+              <a:t>Pyhon</a:t>
+            </a:r>
+            <a:r>
+              <a:rPr lang="en-US" dirty="0"/>
+              <a:t> installation. One of those is the Jupyter notebook, which is a browser-based app we’ll be using to work with Python. </a:t>
+            </a:r>
+          </a:p>
+        </p:txBody>
+      </p:sp>
+      <p:sp>
+        <p:nvSpPr>
+          <p:cNvPr id="4" name="Slide Number Placeholder 3"/>
+          <p:cNvSpPr>
+            <a:spLocks noGrp="1"/>
+          </p:cNvSpPr>
+          <p:nvPr>
+            <p:ph type="sldNum" sz="quarter" idx="5"/>
+          </p:nvPr>
+        </p:nvSpPr>
+        <p:spPr/>
+        <p:txBody>
+          <a:bodyPr/>
+          <a:lstStyle/>
+          <a:p>
+            <a:fld id="{3BB66621-ADCC-4EF8-8003-B9D3E881DCD2}" type="slidenum">
+              <a:rPr lang="en-US" smtClean="0"/>
+              <a:t>18</a:t>
+            </a:fld>
+            <a:endParaRPr lang="en-US"/>
+          </a:p>
+        </p:txBody>
+      </p:sp>
+    </p:spTree>
+    <p:extLst>
+      <p:ext uri="{BB962C8B-B14F-4D97-AF65-F5344CB8AC3E}">
+        <p14:creationId xmlns:p14="http://schemas.microsoft.com/office/powerpoint/2010/main" val="4114936636"/>
+      </p:ext>
+    </p:extLst>
+  </p:cSld>
+  <p:clrMapOvr>
+    <a:masterClrMapping/>
+  </p:clrMapOvr>
+</p:notes>
+</file>
+
+<file path=ppt/notesSlides/notesSlide14.xml><?xml version="1.0" encoding="utf-8"?>
+<p:notes xmlns:a="http://schemas.openxmlformats.org/drawingml/2006/main" xmlns:r="http://schemas.openxmlformats.org/officeDocument/2006/relationships" xmlns:p="http://schemas.openxmlformats.org/presentationml/2006/main">
+  <p:cSld>
+    <p:spTree>
+      <p:nvGrpSpPr>
+        <p:cNvPr id="1" name=""/>
+        <p:cNvGrpSpPr/>
+        <p:nvPr/>
+      </p:nvGrpSpPr>
+      <p:grpSpPr>
+        <a:xfrm>
+          <a:off x="0" y="0"/>
+          <a:ext cx="0" cy="0"/>
+          <a:chOff x="0" y="0"/>
+          <a:chExt cx="0" cy="0"/>
+        </a:xfrm>
+      </p:grpSpPr>
+      <p:sp>
+        <p:nvSpPr>
+          <p:cNvPr id="2" name="Slide Image Placeholder 1"/>
+          <p:cNvSpPr>
+            <a:spLocks noGrp="1" noRot="1" noChangeAspect="1"/>
+          </p:cNvSpPr>
+          <p:nvPr>
+            <p:ph type="sldImg"/>
+          </p:nvPr>
+        </p:nvSpPr>
+        <p:spPr/>
+      </p:sp>
+      <p:sp>
+        <p:nvSpPr>
+          <p:cNvPr id="3" name="Notes Placeholder 2"/>
+          <p:cNvSpPr>
+            <a:spLocks noGrp="1"/>
+          </p:cNvSpPr>
+          <p:nvPr>
+            <p:ph type="body" idx="1"/>
+          </p:nvPr>
+        </p:nvSpPr>
+        <p:spPr/>
+        <p:txBody>
+          <a:bodyPr/>
+          <a:lstStyle/>
+          <a:p>
+            <a:r>
+              <a:rPr lang="en-US" dirty="0"/>
+              <a:t>OK again, what I want to do here is just show you the basics of working with Jupyter. You will see in the repo there is an option to launch an interactive session, so do that and let’s navigate the four sections of Jupyter and get comfortable working there. </a:t>
+            </a:r>
+          </a:p>
+          <a:p>
+            <a:endParaRPr lang="en-US" dirty="0"/>
+          </a:p>
+          <a:p>
+            <a:r>
+              <a:rPr lang="en-US" dirty="0"/>
+              <a:t>Possibly come up with some demo notes for this  </a:t>
+            </a:r>
+          </a:p>
+        </p:txBody>
+      </p:sp>
+      <p:sp>
+        <p:nvSpPr>
+          <p:cNvPr id="4" name="Slide Number Placeholder 3"/>
+          <p:cNvSpPr>
+            <a:spLocks noGrp="1"/>
+          </p:cNvSpPr>
+          <p:nvPr>
+            <p:ph type="sldNum" sz="quarter" idx="5"/>
+          </p:nvPr>
+        </p:nvSpPr>
+        <p:spPr/>
+        <p:txBody>
+          <a:bodyPr/>
+          <a:lstStyle/>
+          <a:p>
+            <a:fld id="{3BB66621-ADCC-4EF8-8003-B9D3E881DCD2}" type="slidenum">
+              <a:rPr lang="en-US" smtClean="0"/>
+              <a:t>19</a:t>
+            </a:fld>
+            <a:endParaRPr lang="en-US"/>
+          </a:p>
+        </p:txBody>
+      </p:sp>
+    </p:spTree>
+    <p:extLst>
+      <p:ext uri="{BB962C8B-B14F-4D97-AF65-F5344CB8AC3E}">
+        <p14:creationId xmlns:p14="http://schemas.microsoft.com/office/powerpoint/2010/main" val="2782667413"/>
+      </p:ext>
+    </p:extLst>
+  </p:cSld>
+  <p:clrMapOvr>
+    <a:masterClrMapping/>
+  </p:clrMapOvr>
+</p:notes>
+</file>
+
+<file path=ppt/notesSlides/notesSlide15.xml><?xml version="1.0" encoding="utf-8"?>
+<p:notes xmlns:a="http://schemas.openxmlformats.org/drawingml/2006/main" xmlns:r="http://schemas.openxmlformats.org/officeDocument/2006/relationships" xmlns:p="http://schemas.openxmlformats.org/presentationml/2006/main">
+  <p:cSld>
+    <p:spTree>
+      <p:nvGrpSpPr>
+        <p:cNvPr id="1" name=""/>
+        <p:cNvGrpSpPr/>
+        <p:nvPr/>
+      </p:nvGrpSpPr>
+      <p:grpSpPr>
+        <a:xfrm>
+          <a:off x="0" y="0"/>
+          <a:ext cx="0" cy="0"/>
+          <a:chOff x="0" y="0"/>
+          <a:chExt cx="0" cy="0"/>
+        </a:xfrm>
+      </p:grpSpPr>
+      <p:sp>
+        <p:nvSpPr>
+          <p:cNvPr id="2" name="Slide Image Placeholder 1"/>
+          <p:cNvSpPr>
+            <a:spLocks noGrp="1" noRot="1" noChangeAspect="1"/>
+          </p:cNvSpPr>
+          <p:nvPr>
+            <p:ph type="sldImg"/>
+          </p:nvPr>
+        </p:nvSpPr>
+        <p:spPr/>
+      </p:sp>
+      <p:sp>
+        <p:nvSpPr>
+          <p:cNvPr id="3" name="Notes Placeholder 2"/>
+          <p:cNvSpPr>
+            <a:spLocks noGrp="1"/>
+          </p:cNvSpPr>
+          <p:nvPr>
+            <p:ph type="body" idx="1"/>
+          </p:nvPr>
+        </p:nvSpPr>
+        <p:spPr/>
+        <p:txBody>
+          <a:bodyPr/>
+          <a:lstStyle/>
+          <a:p>
+            <a:r>
+              <a:rPr lang="en-US" dirty="0"/>
+              <a:t>OK so if you want to head back to that file on your browser what we’ll do here is export and format a dataset from Python to Excel. We’ll need to use some modules, what you know as packages, to do this. </a:t>
+            </a:r>
+          </a:p>
+        </p:txBody>
+      </p:sp>
+      <p:sp>
+        <p:nvSpPr>
+          <p:cNvPr id="4" name="Slide Number Placeholder 3"/>
+          <p:cNvSpPr>
+            <a:spLocks noGrp="1"/>
+          </p:cNvSpPr>
+          <p:nvPr>
+            <p:ph type="sldNum" sz="quarter" idx="5"/>
+          </p:nvPr>
+        </p:nvSpPr>
+        <p:spPr/>
+        <p:txBody>
+          <a:bodyPr/>
+          <a:lstStyle/>
+          <a:p>
+            <a:fld id="{3BB66621-ADCC-4EF8-8003-B9D3E881DCD2}" type="slidenum">
+              <a:rPr lang="en-US" smtClean="0"/>
+              <a:t>20</a:t>
+            </a:fld>
+            <a:endParaRPr lang="en-US"/>
+          </a:p>
+        </p:txBody>
+      </p:sp>
+    </p:spTree>
+    <p:extLst>
+      <p:ext uri="{BB962C8B-B14F-4D97-AF65-F5344CB8AC3E}">
+        <p14:creationId xmlns:p14="http://schemas.microsoft.com/office/powerpoint/2010/main" val="2138736525"/>
+      </p:ext>
+    </p:extLst>
+  </p:cSld>
+  <p:clrMapOvr>
+    <a:masterClrMapping/>
+  </p:clrMapOvr>
+</p:notes>
+</file>
+
+<file path=ppt/notesSlides/notesSlide16.xml><?xml version="1.0" encoding="utf-8"?>
+<p:notes xmlns:a="http://schemas.openxmlformats.org/drawingml/2006/main" xmlns:r="http://schemas.openxmlformats.org/officeDocument/2006/relationships" xmlns:p="http://schemas.openxmlformats.org/presentationml/2006/main">
+  <p:cSld>
+    <p:spTree>
+      <p:nvGrpSpPr>
+        <p:cNvPr id="1" name=""/>
+        <p:cNvGrpSpPr/>
+        <p:nvPr/>
+      </p:nvGrpSpPr>
+      <p:grpSpPr>
+        <a:xfrm>
+          <a:off x="0" y="0"/>
+          <a:ext cx="0" cy="0"/>
+          <a:chOff x="0" y="0"/>
+          <a:chExt cx="0" cy="0"/>
+        </a:xfrm>
+      </p:grpSpPr>
+      <p:sp>
+        <p:nvSpPr>
+          <p:cNvPr id="2" name="Slide Image Placeholder 1"/>
+          <p:cNvSpPr>
+            <a:spLocks noGrp="1" noRot="1" noChangeAspect="1"/>
+          </p:cNvSpPr>
+          <p:nvPr>
+            <p:ph type="sldImg"/>
+          </p:nvPr>
+        </p:nvSpPr>
+        <p:spPr/>
+      </p:sp>
+      <p:sp>
+        <p:nvSpPr>
+          <p:cNvPr id="3" name="Notes Placeholder 2"/>
+          <p:cNvSpPr>
+            <a:spLocks noGrp="1"/>
+          </p:cNvSpPr>
+          <p:nvPr>
+            <p:ph type="body" idx="1"/>
+          </p:nvPr>
+        </p:nvSpPr>
+        <p:spPr/>
+        <p:txBody>
+          <a:bodyPr/>
+          <a:lstStyle/>
+          <a:p>
+            <a:r>
+              <a:rPr lang="en-US" dirty="0"/>
+              <a:t>OK so let’s talk about Python. In particular as an Excel user something to be aware of is the growing interest in integrating it with Python. Now I’ve linked to the infamous UserVoice survey above asking for this feature. I won’t press Alan or any of our MVPs on the matter but something is happening there… </a:t>
+            </a:r>
+          </a:p>
+          <a:p>
+            <a:endParaRPr lang="en-US" dirty="0"/>
+          </a:p>
+          <a:p>
+            <a:r>
+              <a:rPr lang="en-US" dirty="0"/>
+              <a:t>There are also some popular packages over here but there are even more. So in this demo I am going to share a really brief example for “Python-Powered Excel.” </a:t>
+            </a:r>
+          </a:p>
+        </p:txBody>
+      </p:sp>
+      <p:sp>
+        <p:nvSpPr>
+          <p:cNvPr id="4" name="Slide Number Placeholder 3"/>
+          <p:cNvSpPr>
+            <a:spLocks noGrp="1"/>
+          </p:cNvSpPr>
+          <p:nvPr>
+            <p:ph type="sldNum" sz="quarter" idx="5"/>
+          </p:nvPr>
+        </p:nvSpPr>
+        <p:spPr/>
+        <p:txBody>
+          <a:bodyPr/>
+          <a:lstStyle/>
+          <a:p>
+            <a:fld id="{3BB66621-ADCC-4EF8-8003-B9D3E881DCD2}" type="slidenum">
+              <a:rPr lang="en-US" smtClean="0"/>
+              <a:t>21</a:t>
+            </a:fld>
+            <a:endParaRPr lang="en-US"/>
+          </a:p>
+        </p:txBody>
+      </p:sp>
+    </p:spTree>
+    <p:extLst>
+      <p:ext uri="{BB962C8B-B14F-4D97-AF65-F5344CB8AC3E}">
+        <p14:creationId xmlns:p14="http://schemas.microsoft.com/office/powerpoint/2010/main" val="3867863443"/>
+      </p:ext>
+    </p:extLst>
+  </p:cSld>
+  <p:clrMapOvr>
+    <a:masterClrMapping/>
+  </p:clrMapOvr>
+</p:notes>
+</file>
+
+<file path=ppt/notesSlides/notesSlide17.xml><?xml version="1.0" encoding="utf-8"?>
+<p:notes xmlns:a="http://schemas.openxmlformats.org/drawingml/2006/main" xmlns:r="http://schemas.openxmlformats.org/officeDocument/2006/relationships" xmlns:p="http://schemas.openxmlformats.org/presentationml/2006/main">
+  <p:cSld>
+    <p:spTree>
+      <p:nvGrpSpPr>
+        <p:cNvPr id="1" name=""/>
+        <p:cNvGrpSpPr/>
+        <p:nvPr/>
+      </p:nvGrpSpPr>
+      <p:grpSpPr>
+        <a:xfrm>
+          <a:off x="0" y="0"/>
+          <a:ext cx="0" cy="0"/>
+          <a:chOff x="0" y="0"/>
+          <a:chExt cx="0" cy="0"/>
+        </a:xfrm>
+      </p:grpSpPr>
+      <p:sp>
+        <p:nvSpPr>
+          <p:cNvPr id="2" name="Slide Image Placeholder 1"/>
+          <p:cNvSpPr>
+            <a:spLocks noGrp="1" noRot="1" noChangeAspect="1"/>
+          </p:cNvSpPr>
+          <p:nvPr>
+            <p:ph type="sldImg"/>
+          </p:nvPr>
+        </p:nvSpPr>
+        <p:spPr/>
+      </p:sp>
+      <p:sp>
+        <p:nvSpPr>
+          <p:cNvPr id="3" name="Notes Placeholder 2"/>
+          <p:cNvSpPr>
+            <a:spLocks noGrp="1"/>
+          </p:cNvSpPr>
+          <p:nvPr>
+            <p:ph type="body" idx="1"/>
+          </p:nvPr>
+        </p:nvSpPr>
+        <p:spPr/>
+        <p:txBody>
+          <a:bodyPr/>
+          <a:lstStyle/>
+          <a:p>
+            <a:r>
+              <a:rPr lang="en-US" dirty="0"/>
+              <a:t>OK, in this demo you will look a bit more into using Python as an automation tool for Excel. You already saw that Python makes for pretty intuitive data analysis. I don’t know that this package is as intuitive, but I don’t know it’s any worse than VBA, and the nice thing is that it layers so many Python features into it as well. So go back to the repo and the Python-Powered Excel worksheet. </a:t>
+            </a:r>
+          </a:p>
+        </p:txBody>
+      </p:sp>
+      <p:sp>
+        <p:nvSpPr>
+          <p:cNvPr id="4" name="Slide Number Placeholder 3"/>
+          <p:cNvSpPr>
+            <a:spLocks noGrp="1"/>
+          </p:cNvSpPr>
+          <p:nvPr>
+            <p:ph type="sldNum" sz="quarter" idx="5"/>
+          </p:nvPr>
+        </p:nvSpPr>
+        <p:spPr/>
+        <p:txBody>
+          <a:bodyPr/>
+          <a:lstStyle/>
+          <a:p>
+            <a:fld id="{3BB66621-ADCC-4EF8-8003-B9D3E881DCD2}" type="slidenum">
+              <a:rPr lang="en-US" smtClean="0"/>
+              <a:t>22</a:t>
+            </a:fld>
+            <a:endParaRPr lang="en-US"/>
+          </a:p>
+        </p:txBody>
+      </p:sp>
+    </p:spTree>
+    <p:extLst>
+      <p:ext uri="{BB962C8B-B14F-4D97-AF65-F5344CB8AC3E}">
+        <p14:creationId xmlns:p14="http://schemas.microsoft.com/office/powerpoint/2010/main" val="244829016"/>
+      </p:ext>
+    </p:extLst>
+  </p:cSld>
+  <p:clrMapOvr>
+    <a:masterClrMapping/>
+  </p:clrMapOvr>
+</p:notes>
+</file>
+
+<file path=ppt/notesSlides/notesSlide18.xml><?xml version="1.0" encoding="utf-8"?>
+<p:notes xmlns:a="http://schemas.openxmlformats.org/drawingml/2006/main" xmlns:r="http://schemas.openxmlformats.org/officeDocument/2006/relationships" xmlns:p="http://schemas.openxmlformats.org/presentationml/2006/main">
+  <p:cSld>
+    <p:spTree>
+      <p:nvGrpSpPr>
+        <p:cNvPr id="1" name=""/>
+        <p:cNvGrpSpPr/>
+        <p:nvPr/>
+      </p:nvGrpSpPr>
+      <p:grpSpPr>
+        <a:xfrm>
+          <a:off x="0" y="0"/>
+          <a:ext cx="0" cy="0"/>
+          <a:chOff x="0" y="0"/>
+          <a:chExt cx="0" cy="0"/>
+        </a:xfrm>
+      </p:grpSpPr>
+      <p:sp>
+        <p:nvSpPr>
+          <p:cNvPr id="2" name="Slide Image Placeholder 1"/>
+          <p:cNvSpPr>
+            <a:spLocks noGrp="1" noRot="1" noChangeAspect="1"/>
+          </p:cNvSpPr>
+          <p:nvPr>
+            <p:ph type="sldImg"/>
+          </p:nvPr>
+        </p:nvSpPr>
+        <p:spPr/>
+      </p:sp>
+      <p:sp>
+        <p:nvSpPr>
+          <p:cNvPr id="3" name="Notes Placeholder 2"/>
+          <p:cNvSpPr>
+            <a:spLocks noGrp="1"/>
+          </p:cNvSpPr>
+          <p:nvPr>
+            <p:ph type="body" idx="1"/>
+          </p:nvPr>
+        </p:nvSpPr>
+        <p:spPr/>
+        <p:txBody>
+          <a:bodyPr/>
+          <a:lstStyle/>
+          <a:p>
+            <a:r>
+              <a:rPr lang="en-US" dirty="0"/>
+              <a:t>Any questions about Python? </a:t>
+            </a:r>
+          </a:p>
+        </p:txBody>
+      </p:sp>
+      <p:sp>
+        <p:nvSpPr>
+          <p:cNvPr id="4" name="Slide Number Placeholder 3"/>
+          <p:cNvSpPr>
+            <a:spLocks noGrp="1"/>
+          </p:cNvSpPr>
+          <p:nvPr>
+            <p:ph type="sldNum" sz="quarter" idx="5"/>
+          </p:nvPr>
+        </p:nvSpPr>
+        <p:spPr/>
+        <p:txBody>
+          <a:bodyPr/>
+          <a:lstStyle/>
+          <a:p>
+            <a:fld id="{3BB66621-ADCC-4EF8-8003-B9D3E881DCD2}" type="slidenum">
+              <a:rPr lang="en-US" smtClean="0"/>
+              <a:t>23</a:t>
+            </a:fld>
+            <a:endParaRPr lang="en-US"/>
+          </a:p>
+        </p:txBody>
+      </p:sp>
+    </p:spTree>
+    <p:extLst>
+      <p:ext uri="{BB962C8B-B14F-4D97-AF65-F5344CB8AC3E}">
+        <p14:creationId xmlns:p14="http://schemas.microsoft.com/office/powerpoint/2010/main" val="1621402403"/>
+      </p:ext>
+    </p:extLst>
+  </p:cSld>
+  <p:clrMapOvr>
+    <a:masterClrMapping/>
+  </p:clrMapOvr>
+</p:notes>
+</file>
+
+<file path=ppt/notesSlides/notesSlide19.xml><?xml version="1.0" encoding="utf-8"?>
+<p:notes xmlns:a="http://schemas.openxmlformats.org/drawingml/2006/main" xmlns:r="http://schemas.openxmlformats.org/officeDocument/2006/relationships" xmlns:p="http://schemas.openxmlformats.org/presentationml/2006/main">
+  <p:cSld>
+    <p:spTree>
+      <p:nvGrpSpPr>
+        <p:cNvPr id="1" name=""/>
+        <p:cNvGrpSpPr/>
+        <p:nvPr/>
+      </p:nvGrpSpPr>
+      <p:grpSpPr>
+        <a:xfrm>
+          <a:off x="0" y="0"/>
+          <a:ext cx="0" cy="0"/>
+          <a:chOff x="0" y="0"/>
+          <a:chExt cx="0" cy="0"/>
+        </a:xfrm>
+      </p:grpSpPr>
+      <p:sp>
+        <p:nvSpPr>
+          <p:cNvPr id="2" name="Slide Image Placeholder 1"/>
+          <p:cNvSpPr>
+            <a:spLocks noGrp="1" noRot="1" noChangeAspect="1"/>
+          </p:cNvSpPr>
+          <p:nvPr>
+            <p:ph type="sldImg"/>
+          </p:nvPr>
+        </p:nvSpPr>
+        <p:spPr/>
+      </p:sp>
+      <p:sp>
+        <p:nvSpPr>
+          <p:cNvPr id="3" name="Notes Placeholder 2"/>
+          <p:cNvSpPr>
+            <a:spLocks noGrp="1"/>
+          </p:cNvSpPr>
+          <p:nvPr>
+            <p:ph type="body" idx="1"/>
+          </p:nvPr>
+        </p:nvSpPr>
+        <p:spPr/>
+        <p:txBody>
+          <a:bodyPr/>
+          <a:lstStyle/>
+          <a:p>
+            <a:r>
+              <a:rPr lang="en-US" dirty="0"/>
+              <a:t>OK now for one last demo. I want to show you an example of “remixing” some of these different tools and really using each resource to its full potential. And the pun here is “shell” as in </a:t>
+            </a:r>
+            <a:r>
+              <a:rPr lang="en-US"/>
+              <a:t>a programming shell. </a:t>
+            </a:r>
+            <a:endParaRPr lang="en-US" dirty="0"/>
+          </a:p>
+        </p:txBody>
+      </p:sp>
+      <p:sp>
+        <p:nvSpPr>
+          <p:cNvPr id="4" name="Slide Number Placeholder 3"/>
+          <p:cNvSpPr>
+            <a:spLocks noGrp="1"/>
+          </p:cNvSpPr>
+          <p:nvPr>
+            <p:ph type="sldNum" sz="quarter" idx="5"/>
+          </p:nvPr>
+        </p:nvSpPr>
+        <p:spPr/>
+        <p:txBody>
+          <a:bodyPr/>
+          <a:lstStyle/>
+          <a:p>
+            <a:fld id="{3BB66621-ADCC-4EF8-8003-B9D3E881DCD2}" type="slidenum">
+              <a:rPr lang="en-US" smtClean="0"/>
+              <a:t>24</a:t>
+            </a:fld>
+            <a:endParaRPr lang="en-US"/>
+          </a:p>
+        </p:txBody>
+      </p:sp>
+    </p:spTree>
+    <p:extLst>
+      <p:ext uri="{BB962C8B-B14F-4D97-AF65-F5344CB8AC3E}">
+        <p14:creationId xmlns:p14="http://schemas.microsoft.com/office/powerpoint/2010/main" val="2993127751"/>
+      </p:ext>
+    </p:extLst>
+  </p:cSld>
+  <p:clrMapOvr>
+    <a:masterClrMapping/>
+  </p:clrMapOvr>
+</p:notes>
+</file>
+
+<file path=ppt/notesSlides/notesSlide2.xml><?xml version="1.0" encoding="utf-8"?>
+<p:notes xmlns:a="http://schemas.openxmlformats.org/drawingml/2006/main" xmlns:r="http://schemas.openxmlformats.org/officeDocument/2006/relationships" xmlns:p="http://schemas.openxmlformats.org/presentationml/2006/main">
+  <p:cSld>
+    <p:spTree>
+      <p:nvGrpSpPr>
+        <p:cNvPr id="1" name=""/>
+        <p:cNvGrpSpPr/>
+        <p:nvPr/>
+      </p:nvGrpSpPr>
+      <p:grpSpPr>
+        <a:xfrm>
+          <a:off x="0" y="0"/>
+          <a:ext cx="0" cy="0"/>
+          <a:chOff x="0" y="0"/>
+          <a:chExt cx="0" cy="0"/>
+        </a:xfrm>
+      </p:grpSpPr>
+      <p:sp>
+        <p:nvSpPr>
+          <p:cNvPr id="2" name="Slide Image Placeholder 1"/>
+          <p:cNvSpPr>
+            <a:spLocks noGrp="1" noRot="1" noChangeAspect="1"/>
+          </p:cNvSpPr>
+          <p:nvPr>
+            <p:ph type="sldImg"/>
+          </p:nvPr>
+        </p:nvSpPr>
+        <p:spPr/>
+      </p:sp>
+      <p:sp>
+        <p:nvSpPr>
+          <p:cNvPr id="3" name="Notes Placeholder 2"/>
+          <p:cNvSpPr>
+            <a:spLocks noGrp="1"/>
+          </p:cNvSpPr>
+          <p:nvPr>
+            <p:ph type="body" idx="1"/>
+          </p:nvPr>
+        </p:nvSpPr>
+        <p:spPr/>
+        <p:txBody>
+          <a:bodyPr/>
+          <a:lstStyle/>
+          <a:p>
+            <a:r>
+              <a:rPr lang="en-US" dirty="0"/>
+              <a:t>Now this figure comes from my book and it’s a very broad conceptualization of the various slices of the stack. You know we hear engineers or web developers talk about being “full stack” all the time but it’s not so common an expression as it could be. </a:t>
+            </a:r>
+          </a:p>
+          <a:p>
+            <a:endParaRPr lang="en-US" dirty="0"/>
+          </a:p>
+          <a:p>
+            <a:endParaRPr lang="en-US" dirty="0"/>
+          </a:p>
+        </p:txBody>
+      </p:sp>
+      <p:sp>
+        <p:nvSpPr>
+          <p:cNvPr id="4" name="Slide Number Placeholder 3"/>
+          <p:cNvSpPr>
+            <a:spLocks noGrp="1"/>
+          </p:cNvSpPr>
+          <p:nvPr>
+            <p:ph type="sldNum" sz="quarter" idx="5"/>
+          </p:nvPr>
+        </p:nvSpPr>
+        <p:spPr/>
+        <p:txBody>
+          <a:bodyPr/>
+          <a:lstStyle/>
+          <a:p>
+            <a:fld id="{3BB66621-ADCC-4EF8-8003-B9D3E881DCD2}" type="slidenum">
+              <a:rPr lang="en-US" smtClean="0"/>
+              <a:t>7</a:t>
+            </a:fld>
+            <a:endParaRPr lang="en-US"/>
+          </a:p>
+        </p:txBody>
+      </p:sp>
+    </p:spTree>
+    <p:extLst>
+      <p:ext uri="{BB962C8B-B14F-4D97-AF65-F5344CB8AC3E}">
+        <p14:creationId xmlns:p14="http://schemas.microsoft.com/office/powerpoint/2010/main" val="4029739640"/>
+      </p:ext>
+    </p:extLst>
+  </p:cSld>
+  <p:clrMapOvr>
+    <a:masterClrMapping/>
+  </p:clrMapOvr>
+</p:notes>
+</file>
+
+<file path=ppt/notesSlides/notesSlide20.xml><?xml version="1.0" encoding="utf-8"?>
+<p:notes xmlns:a="http://schemas.openxmlformats.org/drawingml/2006/main" xmlns:r="http://schemas.openxmlformats.org/officeDocument/2006/relationships" xmlns:p="http://schemas.openxmlformats.org/presentationml/2006/main">
+  <p:cSld>
+    <p:spTree>
+      <p:nvGrpSpPr>
+        <p:cNvPr id="1" name=""/>
+        <p:cNvGrpSpPr/>
+        <p:nvPr/>
+      </p:nvGrpSpPr>
+      <p:grpSpPr>
+        <a:xfrm>
+          <a:off x="0" y="0"/>
+          <a:ext cx="0" cy="0"/>
+          <a:chOff x="0" y="0"/>
+          <a:chExt cx="0" cy="0"/>
+        </a:xfrm>
+      </p:grpSpPr>
+      <p:sp>
+        <p:nvSpPr>
+          <p:cNvPr id="2" name="Slide Image Placeholder 1"/>
+          <p:cNvSpPr>
+            <a:spLocks noGrp="1" noRot="1" noChangeAspect="1"/>
+          </p:cNvSpPr>
+          <p:nvPr>
+            <p:ph type="sldImg"/>
+          </p:nvPr>
+        </p:nvSpPr>
+        <p:spPr/>
+      </p:sp>
+      <p:sp>
+        <p:nvSpPr>
+          <p:cNvPr id="3" name="Notes Placeholder 2"/>
+          <p:cNvSpPr>
+            <a:spLocks noGrp="1"/>
+          </p:cNvSpPr>
+          <p:nvPr>
+            <p:ph type="body" idx="1"/>
+          </p:nvPr>
+        </p:nvSpPr>
+        <p:spPr/>
+        <p:txBody>
+          <a:bodyPr/>
+          <a:lstStyle/>
+          <a:p>
+            <a:r>
+              <a:rPr lang="en-US" dirty="0"/>
+              <a:t>OK so now you will see R’s equivalent to some of those features you saw with Python. I think that for different reasons Python seems to be taking the lead on Excel automation, but R has some pretty robust features and in some ways are richer than Python’s. </a:t>
+            </a:r>
+          </a:p>
+        </p:txBody>
+      </p:sp>
+      <p:sp>
+        <p:nvSpPr>
+          <p:cNvPr id="4" name="Slide Number Placeholder 3"/>
+          <p:cNvSpPr>
+            <a:spLocks noGrp="1"/>
+          </p:cNvSpPr>
+          <p:nvPr>
+            <p:ph type="sldNum" sz="quarter" idx="5"/>
+          </p:nvPr>
+        </p:nvSpPr>
+        <p:spPr/>
+        <p:txBody>
+          <a:bodyPr/>
+          <a:lstStyle/>
+          <a:p>
+            <a:fld id="{3BB66621-ADCC-4EF8-8003-B9D3E881DCD2}" type="slidenum">
+              <a:rPr lang="en-US" smtClean="0"/>
+              <a:t>25</a:t>
+            </a:fld>
+            <a:endParaRPr lang="en-US"/>
+          </a:p>
+        </p:txBody>
+      </p:sp>
+    </p:spTree>
+    <p:extLst>
+      <p:ext uri="{BB962C8B-B14F-4D97-AF65-F5344CB8AC3E}">
+        <p14:creationId xmlns:p14="http://schemas.microsoft.com/office/powerpoint/2010/main" val="3994188376"/>
+      </p:ext>
+    </p:extLst>
+  </p:cSld>
+  <p:clrMapOvr>
+    <a:masterClrMapping/>
+  </p:clrMapOvr>
+</p:notes>
+</file>
+
+<file path=ppt/notesSlides/notesSlide21.xml><?xml version="1.0" encoding="utf-8"?>
+<p:notes xmlns:a="http://schemas.openxmlformats.org/drawingml/2006/main" xmlns:r="http://schemas.openxmlformats.org/officeDocument/2006/relationships" xmlns:p="http://schemas.openxmlformats.org/presentationml/2006/main">
+  <p:cSld>
+    <p:spTree>
+      <p:nvGrpSpPr>
+        <p:cNvPr id="1" name=""/>
+        <p:cNvGrpSpPr/>
+        <p:nvPr/>
+      </p:nvGrpSpPr>
+      <p:grpSpPr>
+        <a:xfrm>
+          <a:off x="0" y="0"/>
+          <a:ext cx="0" cy="0"/>
+          <a:chOff x="0" y="0"/>
+          <a:chExt cx="0" cy="0"/>
+        </a:xfrm>
+      </p:grpSpPr>
+      <p:sp>
+        <p:nvSpPr>
+          <p:cNvPr id="2" name="Slide Image Placeholder 1"/>
+          <p:cNvSpPr>
+            <a:spLocks noGrp="1" noRot="1" noChangeAspect="1"/>
+          </p:cNvSpPr>
+          <p:nvPr>
+            <p:ph type="sldImg"/>
+          </p:nvPr>
+        </p:nvSpPr>
+        <p:spPr/>
+      </p:sp>
+      <p:sp>
+        <p:nvSpPr>
+          <p:cNvPr id="3" name="Notes Placeholder 2"/>
+          <p:cNvSpPr>
+            <a:spLocks noGrp="1"/>
+          </p:cNvSpPr>
+          <p:nvPr>
+            <p:ph type="body" idx="1"/>
+          </p:nvPr>
+        </p:nvSpPr>
+        <p:spPr/>
+        <p:txBody>
+          <a:bodyPr/>
+          <a:lstStyle/>
+          <a:p>
+            <a:pPr>
+              <a:buClr>
+                <a:srgbClr val="CF3338"/>
+              </a:buClr>
+            </a:pPr>
+            <a:r>
+              <a:rPr lang="en-US" sz="1200" i="1" dirty="0">
+                <a:solidFill>
+                  <a:srgbClr val="707070"/>
+                </a:solidFill>
+                <a:latin typeface="Pragmatica" panose="020B0403040502020204" pitchFamily="34" charset="0"/>
+              </a:rPr>
+              <a:t>By the end of this book, you should be able to conduct exploratory data analysis and</a:t>
+            </a:r>
+          </a:p>
+          <a:p>
+            <a:pPr>
+              <a:buClr>
+                <a:srgbClr val="CF3338"/>
+              </a:buClr>
+            </a:pPr>
+            <a:r>
+              <a:rPr lang="en-US" sz="1200" i="1" dirty="0">
+                <a:solidFill>
+                  <a:srgbClr val="707070"/>
+                </a:solidFill>
+                <a:latin typeface="Pragmatica" panose="020B0403040502020204" pitchFamily="34" charset="0"/>
+              </a:rPr>
+              <a:t>hypothesis testing using a programming language.</a:t>
+            </a:r>
+          </a:p>
+          <a:p>
+            <a:endParaRPr lang="en-US" dirty="0"/>
+          </a:p>
+        </p:txBody>
+      </p:sp>
+      <p:sp>
+        <p:nvSpPr>
+          <p:cNvPr id="4" name="Slide Number Placeholder 3"/>
+          <p:cNvSpPr>
+            <a:spLocks noGrp="1"/>
+          </p:cNvSpPr>
+          <p:nvPr>
+            <p:ph type="sldNum" sz="quarter" idx="5"/>
+          </p:nvPr>
+        </p:nvSpPr>
+        <p:spPr/>
+        <p:txBody>
+          <a:bodyPr/>
+          <a:lstStyle/>
+          <a:p>
+            <a:fld id="{3BB66621-ADCC-4EF8-8003-B9D3E881DCD2}" type="slidenum">
+              <a:rPr lang="en-US" smtClean="0"/>
+              <a:t>28</a:t>
+            </a:fld>
+            <a:endParaRPr lang="en-US"/>
+          </a:p>
+        </p:txBody>
+      </p:sp>
+    </p:spTree>
+    <p:extLst>
+      <p:ext uri="{BB962C8B-B14F-4D97-AF65-F5344CB8AC3E}">
+        <p14:creationId xmlns:p14="http://schemas.microsoft.com/office/powerpoint/2010/main" val="128776136"/>
+      </p:ext>
+    </p:extLst>
+  </p:cSld>
+  <p:clrMapOvr>
+    <a:masterClrMapping/>
+  </p:clrMapOvr>
+</p:notes>
+</file>
+
+<file path=ppt/notesSlides/notesSlide3.xml><?xml version="1.0" encoding="utf-8"?>
+<p:notes xmlns:a="http://schemas.openxmlformats.org/drawingml/2006/main" xmlns:r="http://schemas.openxmlformats.org/officeDocument/2006/relationships" xmlns:p="http://schemas.openxmlformats.org/presentationml/2006/main">
+  <p:cSld>
+    <p:spTree>
+      <p:nvGrpSpPr>
+        <p:cNvPr id="1" name=""/>
+        <p:cNvGrpSpPr/>
+        <p:nvPr/>
+      </p:nvGrpSpPr>
+      <p:grpSpPr>
+        <a:xfrm>
+          <a:off x="0" y="0"/>
+          <a:ext cx="0" cy="0"/>
+          <a:chOff x="0" y="0"/>
+          <a:chExt cx="0" cy="0"/>
+        </a:xfrm>
+      </p:grpSpPr>
+      <p:sp>
+        <p:nvSpPr>
+          <p:cNvPr id="2" name="Slide Image Placeholder 1"/>
+          <p:cNvSpPr>
+            <a:spLocks noGrp="1" noRot="1" noChangeAspect="1"/>
+          </p:cNvSpPr>
+          <p:nvPr>
+            <p:ph type="sldImg"/>
+          </p:nvPr>
+        </p:nvSpPr>
+        <p:spPr/>
+      </p:sp>
+      <p:sp>
+        <p:nvSpPr>
+          <p:cNvPr id="3" name="Notes Placeholder 2"/>
+          <p:cNvSpPr>
+            <a:spLocks noGrp="1"/>
+          </p:cNvSpPr>
+          <p:nvPr>
+            <p:ph type="body" idx="1"/>
+          </p:nvPr>
+        </p:nvSpPr>
+        <p:spPr/>
+        <p:txBody>
+          <a:bodyPr/>
+          <a:lstStyle/>
+          <a:p>
+            <a:r>
+              <a:rPr lang="en-US" dirty="0"/>
+              <a:t>Now, it may seem superfluous to learn a statistical programming language when Microsoft keeps rolling out new features to help with data analysis. And this has been a huge change at how Microsoft itself looks at open source languages. They are now seen as allies. </a:t>
+            </a:r>
+          </a:p>
+        </p:txBody>
+      </p:sp>
+      <p:sp>
+        <p:nvSpPr>
+          <p:cNvPr id="4" name="Slide Number Placeholder 3"/>
+          <p:cNvSpPr>
+            <a:spLocks noGrp="1"/>
+          </p:cNvSpPr>
+          <p:nvPr>
+            <p:ph type="sldNum" sz="quarter" idx="5"/>
+          </p:nvPr>
+        </p:nvSpPr>
+        <p:spPr/>
+        <p:txBody>
+          <a:bodyPr/>
+          <a:lstStyle/>
+          <a:p>
+            <a:fld id="{3BB66621-ADCC-4EF8-8003-B9D3E881DCD2}" type="slidenum">
+              <a:rPr lang="en-US" smtClean="0"/>
+              <a:t>8</a:t>
+            </a:fld>
+            <a:endParaRPr lang="en-US"/>
+          </a:p>
+        </p:txBody>
+      </p:sp>
+    </p:spTree>
+    <p:extLst>
+      <p:ext uri="{BB962C8B-B14F-4D97-AF65-F5344CB8AC3E}">
+        <p14:creationId xmlns:p14="http://schemas.microsoft.com/office/powerpoint/2010/main" val="3341549141"/>
+      </p:ext>
+    </p:extLst>
+  </p:cSld>
+  <p:clrMapOvr>
+    <a:masterClrMapping/>
+  </p:clrMapOvr>
+</p:notes>
+</file>
+
+<file path=ppt/notesSlides/notesSlide4.xml><?xml version="1.0" encoding="utf-8"?>
+<p:notes xmlns:a="http://schemas.openxmlformats.org/drawingml/2006/main" xmlns:r="http://schemas.openxmlformats.org/officeDocument/2006/relationships" xmlns:p="http://schemas.openxmlformats.org/presentationml/2006/main">
+  <p:cSld>
+    <p:spTree>
+      <p:nvGrpSpPr>
+        <p:cNvPr id="1" name=""/>
+        <p:cNvGrpSpPr/>
+        <p:nvPr/>
+      </p:nvGrpSpPr>
+      <p:grpSpPr>
+        <a:xfrm>
+          <a:off x="0" y="0"/>
+          <a:ext cx="0" cy="0"/>
+          <a:chOff x="0" y="0"/>
+          <a:chExt cx="0" cy="0"/>
+        </a:xfrm>
+      </p:grpSpPr>
+      <p:sp>
+        <p:nvSpPr>
+          <p:cNvPr id="2" name="Slide Image Placeholder 1"/>
+          <p:cNvSpPr>
+            <a:spLocks noGrp="1" noRot="1" noChangeAspect="1"/>
+          </p:cNvSpPr>
+          <p:nvPr>
+            <p:ph type="sldImg"/>
+          </p:nvPr>
+        </p:nvSpPr>
+        <p:spPr/>
+      </p:sp>
+      <p:sp>
+        <p:nvSpPr>
+          <p:cNvPr id="3" name="Notes Placeholder 2"/>
+          <p:cNvSpPr>
+            <a:spLocks noGrp="1"/>
+          </p:cNvSpPr>
+          <p:nvPr>
+            <p:ph type="body" idx="1"/>
+          </p:nvPr>
+        </p:nvSpPr>
+        <p:spPr/>
+        <p:txBody>
+          <a:bodyPr/>
+          <a:lstStyle/>
+          <a:p>
+            <a:r>
+              <a:rPr lang="en-US" dirty="0"/>
+              <a:t>The interesting thing is that regardless of these tools used we’re often really speaking the same language when it comes to data analysis. Whether you’re doing it in a spreadsheet or a statistical programming languages, these sorts of operations are the same.</a:t>
+            </a:r>
+          </a:p>
+          <a:p>
+            <a:endParaRPr lang="en-US" dirty="0"/>
+          </a:p>
+          <a:p>
+            <a:r>
+              <a:rPr lang="en-US" dirty="0"/>
+              <a:t>So what I want to help you do is take that mental model of working with data that you’ve so finely honed and show you how to transfer that knowledge into working with these other tools. </a:t>
+            </a:r>
+          </a:p>
+        </p:txBody>
+      </p:sp>
+      <p:sp>
+        <p:nvSpPr>
+          <p:cNvPr id="4" name="Slide Number Placeholder 3"/>
+          <p:cNvSpPr>
+            <a:spLocks noGrp="1"/>
+          </p:cNvSpPr>
+          <p:nvPr>
+            <p:ph type="sldNum" sz="quarter" idx="5"/>
+          </p:nvPr>
+        </p:nvSpPr>
+        <p:spPr/>
+        <p:txBody>
+          <a:bodyPr/>
+          <a:lstStyle/>
+          <a:p>
+            <a:fld id="{3BB66621-ADCC-4EF8-8003-B9D3E881DCD2}" type="slidenum">
+              <a:rPr lang="en-US" smtClean="0"/>
+              <a:t>9</a:t>
+            </a:fld>
+            <a:endParaRPr lang="en-US"/>
+          </a:p>
+        </p:txBody>
+      </p:sp>
+    </p:spTree>
+    <p:extLst>
+      <p:ext uri="{BB962C8B-B14F-4D97-AF65-F5344CB8AC3E}">
+        <p14:creationId xmlns:p14="http://schemas.microsoft.com/office/powerpoint/2010/main" val="3114982846"/>
+      </p:ext>
+    </p:extLst>
+  </p:cSld>
+  <p:clrMapOvr>
+    <a:masterClrMapping/>
+  </p:clrMapOvr>
+</p:notes>
+</file>
+
+<file path=ppt/notesSlides/notesSlide5.xml><?xml version="1.0" encoding="utf-8"?>
+<p:notes xmlns:a="http://schemas.openxmlformats.org/drawingml/2006/main" xmlns:r="http://schemas.openxmlformats.org/officeDocument/2006/relationships" xmlns:p="http://schemas.openxmlformats.org/presentationml/2006/main">
+  <p:cSld>
+    <p:spTree>
+      <p:nvGrpSpPr>
+        <p:cNvPr id="1" name=""/>
+        <p:cNvGrpSpPr/>
+        <p:nvPr/>
+      </p:nvGrpSpPr>
+      <p:grpSpPr>
+        <a:xfrm>
+          <a:off x="0" y="0"/>
+          <a:ext cx="0" cy="0"/>
+          <a:chOff x="0" y="0"/>
+          <a:chExt cx="0" cy="0"/>
+        </a:xfrm>
+      </p:grpSpPr>
+      <p:sp>
+        <p:nvSpPr>
+          <p:cNvPr id="2" name="Slide Image Placeholder 1"/>
+          <p:cNvSpPr>
+            <a:spLocks noGrp="1" noRot="1" noChangeAspect="1"/>
+          </p:cNvSpPr>
+          <p:nvPr>
+            <p:ph type="sldImg"/>
+          </p:nvPr>
+        </p:nvSpPr>
+        <p:spPr/>
+      </p:sp>
+      <p:sp>
+        <p:nvSpPr>
+          <p:cNvPr id="3" name="Notes Placeholder 2"/>
+          <p:cNvSpPr>
+            <a:spLocks noGrp="1"/>
+          </p:cNvSpPr>
+          <p:nvPr>
+            <p:ph type="body" idx="1"/>
+          </p:nvPr>
+        </p:nvSpPr>
+        <p:spPr/>
+        <p:txBody>
+          <a:bodyPr/>
+          <a:lstStyle/>
+          <a:p>
+            <a:r>
+              <a:rPr lang="en-US" dirty="0"/>
+              <a:t>OK, first let’s start with R, and yes its full name is the R Project for Statistical Computing. </a:t>
+            </a:r>
+          </a:p>
+        </p:txBody>
+      </p:sp>
+      <p:sp>
+        <p:nvSpPr>
+          <p:cNvPr id="4" name="Slide Number Placeholder 3"/>
+          <p:cNvSpPr>
+            <a:spLocks noGrp="1"/>
+          </p:cNvSpPr>
+          <p:nvPr>
+            <p:ph type="sldNum" sz="quarter" idx="5"/>
+          </p:nvPr>
+        </p:nvSpPr>
+        <p:spPr/>
+        <p:txBody>
+          <a:bodyPr/>
+          <a:lstStyle/>
+          <a:p>
+            <a:fld id="{3BB66621-ADCC-4EF8-8003-B9D3E881DCD2}" type="slidenum">
+              <a:rPr lang="en-US" smtClean="0"/>
+              <a:t>10</a:t>
+            </a:fld>
+            <a:endParaRPr lang="en-US"/>
+          </a:p>
+        </p:txBody>
+      </p:sp>
+    </p:spTree>
+    <p:extLst>
+      <p:ext uri="{BB962C8B-B14F-4D97-AF65-F5344CB8AC3E}">
+        <p14:creationId xmlns:p14="http://schemas.microsoft.com/office/powerpoint/2010/main" val="2308189684"/>
+      </p:ext>
+    </p:extLst>
+  </p:cSld>
+  <p:clrMapOvr>
+    <a:masterClrMapping/>
+  </p:clrMapOvr>
+</p:notes>
+</file>
+
+<file path=ppt/notesSlides/notesSlide6.xml><?xml version="1.0" encoding="utf-8"?>
+<p:notes xmlns:a="http://schemas.openxmlformats.org/drawingml/2006/main" xmlns:r="http://schemas.openxmlformats.org/officeDocument/2006/relationships" xmlns:p="http://schemas.openxmlformats.org/presentationml/2006/main">
+  <p:cSld>
+    <p:spTree>
+      <p:nvGrpSpPr>
+        <p:cNvPr id="1" name=""/>
+        <p:cNvGrpSpPr/>
+        <p:nvPr/>
+      </p:nvGrpSpPr>
+      <p:grpSpPr>
+        <a:xfrm>
+          <a:off x="0" y="0"/>
+          <a:ext cx="0" cy="0"/>
+          <a:chOff x="0" y="0"/>
+          <a:chExt cx="0" cy="0"/>
+        </a:xfrm>
+      </p:grpSpPr>
+      <p:sp>
+        <p:nvSpPr>
+          <p:cNvPr id="2" name="Slide Image Placeholder 1"/>
+          <p:cNvSpPr>
+            <a:spLocks noGrp="1" noRot="1" noChangeAspect="1"/>
+          </p:cNvSpPr>
+          <p:nvPr>
+            <p:ph type="sldImg"/>
+          </p:nvPr>
+        </p:nvSpPr>
+        <p:spPr/>
+      </p:sp>
+      <p:sp>
+        <p:nvSpPr>
+          <p:cNvPr id="3" name="Notes Placeholder 2"/>
+          <p:cNvSpPr>
+            <a:spLocks noGrp="1"/>
+          </p:cNvSpPr>
+          <p:nvPr>
+            <p:ph type="body" idx="1"/>
+          </p:nvPr>
+        </p:nvSpPr>
+        <p:spPr/>
+        <p:txBody>
+          <a:bodyPr/>
+          <a:lstStyle/>
+          <a:p>
+            <a:r>
+              <a:rPr lang="en-US" dirty="0"/>
+              <a:t>So R was really built by statisticians, for statisticians. </a:t>
+            </a:r>
+          </a:p>
+          <a:p>
+            <a:r>
+              <a:rPr lang="en-US" dirty="0"/>
+              <a:t>Add a slide here who uses it and so forth. </a:t>
+            </a:r>
+          </a:p>
+          <a:p>
+            <a:endParaRPr lang="en-US" dirty="0"/>
+          </a:p>
+        </p:txBody>
+      </p:sp>
+      <p:sp>
+        <p:nvSpPr>
+          <p:cNvPr id="4" name="Slide Number Placeholder 3"/>
+          <p:cNvSpPr>
+            <a:spLocks noGrp="1"/>
+          </p:cNvSpPr>
+          <p:nvPr>
+            <p:ph type="sldNum" sz="quarter" idx="5"/>
+          </p:nvPr>
+        </p:nvSpPr>
+        <p:spPr/>
+        <p:txBody>
+          <a:bodyPr/>
+          <a:lstStyle/>
+          <a:p>
+            <a:fld id="{3BB66621-ADCC-4EF8-8003-B9D3E881DCD2}" type="slidenum">
+              <a:rPr lang="en-US" smtClean="0"/>
+              <a:t>11</a:t>
+            </a:fld>
+            <a:endParaRPr lang="en-US"/>
+          </a:p>
+        </p:txBody>
+      </p:sp>
+    </p:spTree>
+    <p:extLst>
+      <p:ext uri="{BB962C8B-B14F-4D97-AF65-F5344CB8AC3E}">
+        <p14:creationId xmlns:p14="http://schemas.microsoft.com/office/powerpoint/2010/main" val="681382161"/>
+      </p:ext>
+    </p:extLst>
+  </p:cSld>
+  <p:clrMapOvr>
+    <a:masterClrMapping/>
+  </p:clrMapOvr>
+</p:notes>
+</file>
+
+<file path=ppt/notesSlides/notesSlide7.xml><?xml version="1.0" encoding="utf-8"?>
+<p:notes xmlns:a="http://schemas.openxmlformats.org/drawingml/2006/main" xmlns:r="http://schemas.openxmlformats.org/officeDocument/2006/relationships" xmlns:p="http://schemas.openxmlformats.org/presentationml/2006/main">
+  <p:cSld>
+    <p:spTree>
+      <p:nvGrpSpPr>
+        <p:cNvPr id="1" name=""/>
+        <p:cNvGrpSpPr/>
+        <p:nvPr/>
+      </p:nvGrpSpPr>
+      <p:grpSpPr>
+        <a:xfrm>
+          <a:off x="0" y="0"/>
+          <a:ext cx="0" cy="0"/>
+          <a:chOff x="0" y="0"/>
+          <a:chExt cx="0" cy="0"/>
+        </a:xfrm>
+      </p:grpSpPr>
+      <p:sp>
+        <p:nvSpPr>
+          <p:cNvPr id="2" name="Slide Image Placeholder 1"/>
+          <p:cNvSpPr>
+            <a:spLocks noGrp="1" noRot="1" noChangeAspect="1"/>
+          </p:cNvSpPr>
+          <p:nvPr>
+            <p:ph type="sldImg"/>
+          </p:nvPr>
+        </p:nvSpPr>
+        <p:spPr/>
+      </p:sp>
+      <p:sp>
+        <p:nvSpPr>
+          <p:cNvPr id="3" name="Notes Placeholder 2"/>
+          <p:cNvSpPr>
+            <a:spLocks noGrp="1"/>
+          </p:cNvSpPr>
+          <p:nvPr>
+            <p:ph type="body" idx="1"/>
+          </p:nvPr>
+        </p:nvSpPr>
+        <p:spPr/>
+        <p:txBody>
+          <a:bodyPr/>
+          <a:lstStyle/>
+          <a:p>
+            <a:r>
+              <a:rPr lang="en-US" dirty="0"/>
+              <a:t>Now like I mentioned when something is open source that means anyone is welcome to build on the code base however they like. RStudio is a very popular integrated development environment which is used to interact with the code base. </a:t>
+            </a:r>
+          </a:p>
+          <a:p>
+            <a:endParaRPr lang="en-US" dirty="0"/>
+          </a:p>
+          <a:p>
+            <a:r>
+              <a:rPr lang="en-US" dirty="0"/>
+              <a:t>In Excel we are used to the code base and interface all being wrapped up in one package so this is something that could take some getting used to for you. </a:t>
+            </a:r>
+          </a:p>
+          <a:p>
+            <a:endParaRPr lang="en-US" dirty="0"/>
+          </a:p>
+          <a:p>
+            <a:endParaRPr lang="en-US" dirty="0"/>
+          </a:p>
+        </p:txBody>
+      </p:sp>
+      <p:sp>
+        <p:nvSpPr>
+          <p:cNvPr id="4" name="Slide Number Placeholder 3"/>
+          <p:cNvSpPr>
+            <a:spLocks noGrp="1"/>
+          </p:cNvSpPr>
+          <p:nvPr>
+            <p:ph type="sldNum" sz="quarter" idx="5"/>
+          </p:nvPr>
+        </p:nvSpPr>
+        <p:spPr/>
+        <p:txBody>
+          <a:bodyPr/>
+          <a:lstStyle/>
+          <a:p>
+            <a:fld id="{3BB66621-ADCC-4EF8-8003-B9D3E881DCD2}" type="slidenum">
+              <a:rPr lang="en-US" smtClean="0"/>
+              <a:t>12</a:t>
+            </a:fld>
+            <a:endParaRPr lang="en-US"/>
+          </a:p>
+        </p:txBody>
+      </p:sp>
+    </p:spTree>
+    <p:extLst>
+      <p:ext uri="{BB962C8B-B14F-4D97-AF65-F5344CB8AC3E}">
+        <p14:creationId xmlns:p14="http://schemas.microsoft.com/office/powerpoint/2010/main" val="4230799613"/>
+      </p:ext>
+    </p:extLst>
+  </p:cSld>
+  <p:clrMapOvr>
+    <a:masterClrMapping/>
+  </p:clrMapOvr>
+</p:notes>
+</file>
+
+<file path=ppt/notesSlides/notesSlide8.xml><?xml version="1.0" encoding="utf-8"?>
+<p:notes xmlns:a="http://schemas.openxmlformats.org/drawingml/2006/main" xmlns:r="http://schemas.openxmlformats.org/officeDocument/2006/relationships" xmlns:p="http://schemas.openxmlformats.org/presentationml/2006/main">
+  <p:cSld>
+    <p:spTree>
+      <p:nvGrpSpPr>
+        <p:cNvPr id="1" name=""/>
+        <p:cNvGrpSpPr/>
+        <p:nvPr/>
+      </p:nvGrpSpPr>
+      <p:grpSpPr>
+        <a:xfrm>
+          <a:off x="0" y="0"/>
+          <a:ext cx="0" cy="0"/>
+          <a:chOff x="0" y="0"/>
+          <a:chExt cx="0" cy="0"/>
+        </a:xfrm>
+      </p:grpSpPr>
+      <p:sp>
+        <p:nvSpPr>
+          <p:cNvPr id="2" name="Slide Image Placeholder 1"/>
+          <p:cNvSpPr>
+            <a:spLocks noGrp="1" noRot="1" noChangeAspect="1"/>
+          </p:cNvSpPr>
+          <p:nvPr>
+            <p:ph type="sldImg"/>
+          </p:nvPr>
+        </p:nvSpPr>
+        <p:spPr/>
+      </p:sp>
+      <p:sp>
+        <p:nvSpPr>
+          <p:cNvPr id="3" name="Notes Placeholder 2"/>
+          <p:cNvSpPr>
+            <a:spLocks noGrp="1"/>
+          </p:cNvSpPr>
+          <p:nvPr>
+            <p:ph type="body" idx="1"/>
+          </p:nvPr>
+        </p:nvSpPr>
+        <p:spPr/>
+        <p:txBody>
+          <a:bodyPr/>
+          <a:lstStyle/>
+          <a:p>
+            <a:r>
+              <a:rPr lang="en-US" dirty="0"/>
+              <a:t>OK so now it’s time for a demo. I want this meetup to be as interactive as possible. You will see in the repo there is a button that says Run in </a:t>
+            </a:r>
+            <a:r>
+              <a:rPr lang="en-US" dirty="0" err="1"/>
+              <a:t>Rstudio</a:t>
+            </a:r>
+            <a:r>
+              <a:rPr lang="en-US" dirty="0"/>
+              <a:t>. This is going to launch </a:t>
+            </a:r>
+            <a:r>
+              <a:rPr lang="en-US" dirty="0" err="1"/>
+              <a:t>Rstudio</a:t>
+            </a:r>
+            <a:r>
+              <a:rPr lang="en-US" dirty="0"/>
+              <a:t> right in your browser window. And when you get there you are going to see these four screens. </a:t>
+            </a:r>
+          </a:p>
+          <a:p>
+            <a:endParaRPr lang="en-US" dirty="0"/>
+          </a:p>
+          <a:p>
+            <a:r>
+              <a:rPr lang="en-US" dirty="0"/>
+              <a:t>So what I want to do now is just show you what </a:t>
+            </a:r>
+            <a:r>
+              <a:rPr lang="en-US" dirty="0" err="1"/>
+              <a:t>Rstudio</a:t>
+            </a:r>
+            <a:r>
+              <a:rPr lang="en-US" dirty="0"/>
+              <a:t> looks like. We aren’t going to get too into depth about all the object types and so forth, just a little tour here. </a:t>
+            </a:r>
+          </a:p>
+        </p:txBody>
+      </p:sp>
+      <p:sp>
+        <p:nvSpPr>
+          <p:cNvPr id="4" name="Slide Number Placeholder 3"/>
+          <p:cNvSpPr>
+            <a:spLocks noGrp="1"/>
+          </p:cNvSpPr>
+          <p:nvPr>
+            <p:ph type="sldNum" sz="quarter" idx="5"/>
+          </p:nvPr>
+        </p:nvSpPr>
+        <p:spPr/>
+        <p:txBody>
+          <a:bodyPr/>
+          <a:lstStyle/>
+          <a:p>
+            <a:fld id="{3BB66621-ADCC-4EF8-8003-B9D3E881DCD2}" type="slidenum">
+              <a:rPr lang="en-US" smtClean="0"/>
+              <a:t>13</a:t>
+            </a:fld>
+            <a:endParaRPr lang="en-US"/>
+          </a:p>
+        </p:txBody>
+      </p:sp>
+    </p:spTree>
+    <p:extLst>
+      <p:ext uri="{BB962C8B-B14F-4D97-AF65-F5344CB8AC3E}">
+        <p14:creationId xmlns:p14="http://schemas.microsoft.com/office/powerpoint/2010/main" val="568902224"/>
+      </p:ext>
+    </p:extLst>
+  </p:cSld>
+  <p:clrMapOvr>
+    <a:masterClrMapping/>
+  </p:clrMapOvr>
+</p:notes>
+</file>
+
+<file path=ppt/notesSlides/notesSlide9.xml><?xml version="1.0" encoding="utf-8"?>
+<p:notes xmlns:a="http://schemas.openxmlformats.org/drawingml/2006/main" xmlns:r="http://schemas.openxmlformats.org/officeDocument/2006/relationships" xmlns:p="http://schemas.openxmlformats.org/presentationml/2006/main">
+  <p:cSld>
+    <p:spTree>
+      <p:nvGrpSpPr>
+        <p:cNvPr id="1" name=""/>
+        <p:cNvGrpSpPr/>
+        <p:nvPr/>
+      </p:nvGrpSpPr>
+      <p:grpSpPr>
+        <a:xfrm>
+          <a:off x="0" y="0"/>
+          <a:ext cx="0" cy="0"/>
+          <a:chOff x="0" y="0"/>
+          <a:chExt cx="0" cy="0"/>
+        </a:xfrm>
+      </p:grpSpPr>
+      <p:sp>
+        <p:nvSpPr>
+          <p:cNvPr id="2" name="Slide Image Placeholder 1"/>
+          <p:cNvSpPr>
+            <a:spLocks noGrp="1" noRot="1" noChangeAspect="1"/>
+          </p:cNvSpPr>
+          <p:nvPr>
+            <p:ph type="sldImg"/>
+          </p:nvPr>
+        </p:nvSpPr>
+        <p:spPr/>
+      </p:sp>
+      <p:sp>
+        <p:nvSpPr>
+          <p:cNvPr id="3" name="Notes Placeholder 2"/>
+          <p:cNvSpPr>
+            <a:spLocks noGrp="1"/>
+          </p:cNvSpPr>
+          <p:nvPr>
+            <p:ph type="body" idx="1"/>
+          </p:nvPr>
+        </p:nvSpPr>
+        <p:spPr/>
+        <p:txBody>
+          <a:bodyPr/>
+          <a:lstStyle/>
+          <a:p>
+            <a:r>
+              <a:rPr lang="en-US" dirty="0"/>
+              <a:t>Now another thing unique to open source programs is this idea of packages. You can kind of think of this as like add-ins for Excel – the analogy I like to use is as apps on a phone. </a:t>
+            </a:r>
+          </a:p>
+        </p:txBody>
+      </p:sp>
+      <p:sp>
+        <p:nvSpPr>
+          <p:cNvPr id="4" name="Slide Number Placeholder 3"/>
+          <p:cNvSpPr>
+            <a:spLocks noGrp="1"/>
+          </p:cNvSpPr>
+          <p:nvPr>
+            <p:ph type="sldNum" sz="quarter" idx="5"/>
+          </p:nvPr>
+        </p:nvSpPr>
+        <p:spPr/>
+        <p:txBody>
+          <a:bodyPr/>
+          <a:lstStyle/>
+          <a:p>
+            <a:fld id="{3BB66621-ADCC-4EF8-8003-B9D3E881DCD2}" type="slidenum">
+              <a:rPr lang="en-US" smtClean="0"/>
+              <a:t>14</a:t>
+            </a:fld>
+            <a:endParaRPr lang="en-US"/>
+          </a:p>
+        </p:txBody>
+      </p:sp>
+    </p:spTree>
+    <p:extLst>
+      <p:ext uri="{BB962C8B-B14F-4D97-AF65-F5344CB8AC3E}">
+        <p14:creationId xmlns:p14="http://schemas.microsoft.com/office/powerpoint/2010/main" val="4093464438"/>
+      </p:ext>
+    </p:extLst>
+  </p:cSld>
+  <p:clrMapOvr>
+    <a:masterClrMapping/>
+  </p:clrMapOvr>
+</p:notes>
+</file>
+
 <file path=ppt/slideLayouts/slideLayout1.xml><?xml version="1.0" encoding="utf-8"?>
 <p:sldLayout xmlns:a="http://schemas.openxmlformats.org/drawingml/2006/main" xmlns:r="http://schemas.openxmlformats.org/officeDocument/2006/relationships" xmlns:p="http://schemas.openxmlformats.org/presentationml/2006/main" type="title" preserve="1">
   <p:cSld name="Title Slide">
@@ -2252,7 +4276,7 @@
           <a:p>
             <a:fld id="{0138B082-EFC2-46C1-B47C-51736C670379}" type="datetimeFigureOut">
               <a:rPr lang="en-US" smtClean="0"/>
-              <a:t>4/14/2021</a:t>
+              <a:t>7/4/2021</a:t>
             </a:fld>
             <a:endParaRPr lang="en-US"/>
           </a:p>
@@ -2420,7 +4444,7 @@
           <a:p>
             <a:fld id="{0138B082-EFC2-46C1-B47C-51736C670379}" type="datetimeFigureOut">
               <a:rPr lang="en-US" smtClean="0"/>
-              <a:t>4/14/2021</a:t>
+              <a:t>7/4/2021</a:t>
             </a:fld>
             <a:endParaRPr lang="en-US"/>
           </a:p>
@@ -2598,7 +4622,7 @@
           <a:p>
             <a:fld id="{0138B082-EFC2-46C1-B47C-51736C670379}" type="datetimeFigureOut">
               <a:rPr lang="en-US" smtClean="0"/>
-              <a:t>4/14/2021</a:t>
+              <a:t>7/4/2021</a:t>
             </a:fld>
             <a:endParaRPr lang="en-US"/>
           </a:p>
@@ -2766,7 +4790,7 @@
           <a:p>
             <a:fld id="{0138B082-EFC2-46C1-B47C-51736C670379}" type="datetimeFigureOut">
               <a:rPr lang="en-US" smtClean="0"/>
-              <a:t>4/14/2021</a:t>
+              <a:t>7/4/2021</a:t>
             </a:fld>
             <a:endParaRPr lang="en-US"/>
           </a:p>
@@ -3011,7 +5035,7 @@
           <a:p>
             <a:fld id="{0138B082-EFC2-46C1-B47C-51736C670379}" type="datetimeFigureOut">
               <a:rPr lang="en-US" smtClean="0"/>
-              <a:t>4/14/2021</a:t>
+              <a:t>7/4/2021</a:t>
             </a:fld>
             <a:endParaRPr lang="en-US"/>
           </a:p>
@@ -3240,7 +5264,7 @@
           <a:p>
             <a:fld id="{0138B082-EFC2-46C1-B47C-51736C670379}" type="datetimeFigureOut">
               <a:rPr lang="en-US" smtClean="0"/>
-              <a:t>4/14/2021</a:t>
+              <a:t>7/4/2021</a:t>
             </a:fld>
             <a:endParaRPr lang="en-US"/>
           </a:p>
@@ -3604,7 +5628,7 @@
           <a:p>
             <a:fld id="{0138B082-EFC2-46C1-B47C-51736C670379}" type="datetimeFigureOut">
               <a:rPr lang="en-US" smtClean="0"/>
-              <a:t>4/14/2021</a:t>
+              <a:t>7/4/2021</a:t>
             </a:fld>
             <a:endParaRPr lang="en-US"/>
           </a:p>
@@ -3721,7 +5745,7 @@
           <a:p>
             <a:fld id="{0138B082-EFC2-46C1-B47C-51736C670379}" type="datetimeFigureOut">
               <a:rPr lang="en-US" smtClean="0"/>
-              <a:t>4/14/2021</a:t>
+              <a:t>7/4/2021</a:t>
             </a:fld>
             <a:endParaRPr lang="en-US"/>
           </a:p>
@@ -3816,7 +5840,7 @@
           <a:p>
             <a:fld id="{0138B082-EFC2-46C1-B47C-51736C670379}" type="datetimeFigureOut">
               <a:rPr lang="en-US" smtClean="0"/>
-              <a:t>4/14/2021</a:t>
+              <a:t>7/4/2021</a:t>
             </a:fld>
             <a:endParaRPr lang="en-US"/>
           </a:p>
@@ -4091,7 +6115,7 @@
           <a:p>
             <a:fld id="{0138B082-EFC2-46C1-B47C-51736C670379}" type="datetimeFigureOut">
               <a:rPr lang="en-US" smtClean="0"/>
-              <a:t>4/14/2021</a:t>
+              <a:t>7/4/2021</a:t>
             </a:fld>
             <a:endParaRPr lang="en-US"/>
           </a:p>
@@ -4343,7 +6367,7 @@
           <a:p>
             <a:fld id="{0138B082-EFC2-46C1-B47C-51736C670379}" type="datetimeFigureOut">
               <a:rPr lang="en-US" smtClean="0"/>
-              <a:t>4/14/2021</a:t>
+              <a:t>7/4/2021</a:t>
             </a:fld>
             <a:endParaRPr lang="en-US"/>
           </a:p>
@@ -4554,7 +6578,7 @@
           <a:p>
             <a:fld id="{0138B082-EFC2-46C1-B47C-51736C670379}" type="datetimeFigureOut">
               <a:rPr lang="en-US" smtClean="0"/>
-              <a:t>4/14/2021</a:t>
+              <a:t>7/4/2021</a:t>
             </a:fld>
             <a:endParaRPr lang="en-US"/>
           </a:p>
@@ -5041,7 +7065,7 @@
           <a:lstStyle/>
           <a:p>
             <a:r>
-              <a:rPr lang="en-US" sz="2800" b="1" i="1" dirty="0">
+              <a:rPr lang="en-US" sz="2800" b="1" i="1">
                 <a:solidFill>
                   <a:srgbClr val="707070"/>
                 </a:solidFill>
@@ -5049,9 +7073,62 @@
               </a:rPr>
               <a:t>Advancing into Analytics: From Excel to R and Python</a:t>
             </a:r>
-          </a:p>
-        </p:txBody>
-      </p:sp>
+            <a:endParaRPr lang="en-US" sz="2800" b="1" i="1" dirty="0">
+              <a:solidFill>
+                <a:srgbClr val="707070"/>
+              </a:solidFill>
+              <a:latin typeface="Pragmatica" panose="020B0403040502020204" pitchFamily="34" charset="0"/>
+            </a:endParaRPr>
+          </a:p>
+        </p:txBody>
+      </p:sp>
+      <p:pic>
+        <p:nvPicPr>
+          <p:cNvPr id="1026" name="Picture 2" descr="Advancing into Analytics: Financial Modelling in Excel Meetup (Australia)">
+            <a:extLst>
+              <a:ext uri="{FF2B5EF4-FFF2-40B4-BE49-F238E27FC236}">
+                <a16:creationId xmlns:a16="http://schemas.microsoft.com/office/drawing/2014/main" id="{E006D519-3024-41CE-A8A2-285C8BE2FDD8}"/>
+              </a:ext>
+            </a:extLst>
+          </p:cNvPr>
+          <p:cNvPicPr>
+            <a:picLocks noChangeAspect="1" noChangeArrowheads="1"/>
+          </p:cNvPicPr>
+          <p:nvPr/>
+        </p:nvPicPr>
+        <p:blipFill>
+          <a:blip r:embed="rId4">
+            <a:extLst>
+              <a:ext uri="{28A0092B-C50C-407E-A947-70E740481C1C}">
+                <a14:useLocalDpi xmlns:a14="http://schemas.microsoft.com/office/drawing/2010/main" val="0"/>
+              </a:ext>
+            </a:extLst>
+          </a:blip>
+          <a:srcRect/>
+          <a:stretch>
+            <a:fillRect/>
+          </a:stretch>
+        </p:blipFill>
+        <p:spPr bwMode="auto">
+          <a:xfrm>
+            <a:off x="0" y="0"/>
+            <a:ext cx="12192000" cy="6858000"/>
+          </a:xfrm>
+          <a:prstGeom prst="rect">
+            <a:avLst/>
+          </a:prstGeom>
+          <a:noFill/>
+          <a:extLst>
+            <a:ext uri="{909E8E84-426E-40DD-AFC4-6F175D3DCCD1}">
+              <a14:hiddenFill xmlns:a14="http://schemas.microsoft.com/office/drawing/2010/main">
+                <a:solidFill>
+                  <a:srgbClr val="FFFFFF"/>
+                </a:solidFill>
+              </a14:hiddenFill>
+            </a:ext>
+          </a:extLst>
+        </p:spPr>
+      </p:pic>
     </p:spTree>
     <p:extLst>
       <p:ext uri="{BB962C8B-B14F-4D97-AF65-F5344CB8AC3E}">
@@ -5090,8 +7167,8 @@
         </p:nvSpPr>
         <p:spPr>
           <a:xfrm>
-            <a:off x="6574420" y="0"/>
-            <a:ext cx="5617580" cy="6858000"/>
+            <a:off x="0" y="0"/>
+            <a:ext cx="12192000" cy="6858000"/>
           </a:xfrm>
           <a:prstGeom prst="rect">
             <a:avLst/>
@@ -5133,8 +7210,8 @@
         </p:nvSpPr>
         <p:spPr>
           <a:xfrm>
-            <a:off x="6817489" y="0"/>
-            <a:ext cx="4120587" cy="1446550"/>
+            <a:off x="520861" y="393539"/>
+            <a:ext cx="10324617" cy="3139321"/>
           </a:xfrm>
           <a:prstGeom prst="rect">
             <a:avLst/>
@@ -5148,213 +7225,13 @@
           <a:lstStyle/>
           <a:p>
             <a:r>
-              <a:rPr lang="en-US" sz="8800" dirty="0">
+              <a:rPr lang="en-US" sz="6600" b="1" dirty="0">
                 <a:solidFill>
                   <a:schemeClr val="bg1"/>
                 </a:solidFill>
-                <a:latin typeface="Aliens &amp; cows" panose="00000500000000000000" pitchFamily="2" charset="0"/>
-              </a:rPr>
-              <a:t>Demo</a:t>
-            </a:r>
-          </a:p>
-        </p:txBody>
-      </p:sp>
-      <p:pic>
-        <p:nvPicPr>
-          <p:cNvPr id="2" name="Picture 1"/>
-          <p:cNvPicPr>
-            <a:picLocks noChangeAspect="1"/>
-          </p:cNvPicPr>
-          <p:nvPr/>
-        </p:nvPicPr>
-        <p:blipFill rotWithShape="1">
-          <a:blip r:embed="rId2">
-            <a:extLst>
-              <a:ext uri="{28A0092B-C50C-407E-A947-70E740481C1C}">
-                <a14:useLocalDpi xmlns:a14="http://schemas.microsoft.com/office/drawing/2010/main" val="0"/>
-              </a:ext>
-            </a:extLst>
-          </a:blip>
-          <a:srcRect l="69227" t="33418" r="20112" b="50548"/>
-          <a:stretch/>
-        </p:blipFill>
-        <p:spPr>
-          <a:xfrm>
-            <a:off x="10386349" y="5029795"/>
-            <a:ext cx="1805651" cy="1991719"/>
-          </a:xfrm>
-          <a:prstGeom prst="rect">
-            <a:avLst/>
-          </a:prstGeom>
-        </p:spPr>
-      </p:pic>
-      <p:sp>
-        <p:nvSpPr>
-          <p:cNvPr id="3" name="TextBox 2"/>
-          <p:cNvSpPr txBox="1"/>
-          <p:nvPr/>
-        </p:nvSpPr>
-        <p:spPr>
-          <a:xfrm>
-            <a:off x="173620" y="219919"/>
-            <a:ext cx="5937813" cy="3970318"/>
-          </a:xfrm>
-          <a:prstGeom prst="rect">
-            <a:avLst/>
-          </a:prstGeom>
-          <a:noFill/>
-        </p:spPr>
-        <p:txBody>
-          <a:bodyPr wrap="square" rtlCol="0">
-            <a:spAutoFit/>
-          </a:bodyPr>
-          <a:lstStyle/>
-          <a:p>
-            <a:r>
-              <a:rPr lang="en-US" sz="2800" b="1" dirty="0">
-                <a:solidFill>
-                  <a:srgbClr val="CF3338"/>
-                </a:solidFill>
                 <a:latin typeface="Pragmatica" pitchFamily="2" charset="0"/>
               </a:rPr>
-              <a:t>File: </a:t>
-            </a:r>
-            <a:r>
-              <a:rPr lang="en-US" sz="2800" b="1" dirty="0">
-                <a:solidFill>
-                  <a:srgbClr val="CF3338"/>
-                </a:solidFill>
-                <a:latin typeface="Consolas" panose="020B0609020204030204" pitchFamily="49" charset="0"/>
-              </a:rPr>
-              <a:t>monty-hall.xlsx</a:t>
-            </a:r>
-          </a:p>
-          <a:p>
-            <a:endParaRPr lang="en-US" sz="2800" b="1" dirty="0">
-              <a:solidFill>
-                <a:srgbClr val="CF3338"/>
-              </a:solidFill>
-              <a:latin typeface="Pragmatica" pitchFamily="2" charset="0"/>
-            </a:endParaRPr>
-          </a:p>
-          <a:p>
-            <a:pPr marL="514350" indent="-514350">
-              <a:buFont typeface="Arial" panose="020B0604020202020204" pitchFamily="34" charset="0"/>
-              <a:buChar char="•"/>
-            </a:pPr>
-            <a:r>
-              <a:rPr lang="en-US" sz="2800" b="1" dirty="0">
-                <a:solidFill>
-                  <a:srgbClr val="CF3338"/>
-                </a:solidFill>
-                <a:latin typeface="Pragmatica" pitchFamily="2" charset="0"/>
-              </a:rPr>
-              <a:t>Three doors: one car, two goats</a:t>
-            </a:r>
-          </a:p>
-          <a:p>
-            <a:pPr marL="514350" indent="-514350">
-              <a:buFont typeface="Arial" panose="020B0604020202020204" pitchFamily="34" charset="0"/>
-              <a:buChar char="•"/>
-            </a:pPr>
-            <a:r>
-              <a:rPr lang="en-US" sz="2800" b="1" dirty="0">
-                <a:solidFill>
-                  <a:srgbClr val="CF3338"/>
-                </a:solidFill>
-                <a:latin typeface="Pragmatica" pitchFamily="2" charset="0"/>
-              </a:rPr>
-              <a:t>You pick a door</a:t>
-            </a:r>
-          </a:p>
-          <a:p>
-            <a:pPr marL="514350" indent="-514350">
-              <a:buFont typeface="Arial" panose="020B0604020202020204" pitchFamily="34" charset="0"/>
-              <a:buChar char="•"/>
-            </a:pPr>
-            <a:r>
-              <a:rPr lang="en-US" sz="2800" b="1" dirty="0">
-                <a:solidFill>
-                  <a:srgbClr val="CF3338"/>
-                </a:solidFill>
-                <a:latin typeface="Pragmatica" pitchFamily="2" charset="0"/>
-              </a:rPr>
-              <a:t>Monty opens another door: it has a goat</a:t>
-            </a:r>
-          </a:p>
-          <a:p>
-            <a:pPr marL="514350" indent="-514350">
-              <a:buFont typeface="Arial" panose="020B0604020202020204" pitchFamily="34" charset="0"/>
-              <a:buChar char="•"/>
-            </a:pPr>
-            <a:r>
-              <a:rPr lang="en-US" sz="2800" b="1" dirty="0">
-                <a:solidFill>
-                  <a:srgbClr val="CF3338"/>
-                </a:solidFill>
-                <a:latin typeface="Pragmatica" pitchFamily="2" charset="0"/>
-              </a:rPr>
-              <a:t>Do you stick to your door, or switch doors? Does it matter? </a:t>
-            </a:r>
-          </a:p>
-          <a:p>
-            <a:pPr marL="514350" indent="-514350">
-              <a:buFont typeface="+mj-lt"/>
-              <a:buAutoNum type="arabicPeriod"/>
-            </a:pPr>
-            <a:endParaRPr lang="en-US" sz="2800" b="1" dirty="0">
-              <a:solidFill>
-                <a:srgbClr val="CF3338"/>
-              </a:solidFill>
-              <a:latin typeface="Pragmatica" pitchFamily="2" charset="0"/>
-            </a:endParaRPr>
-          </a:p>
-        </p:txBody>
-      </p:sp>
-      <p:sp>
-        <p:nvSpPr>
-          <p:cNvPr id="7" name="Rectangle 6">
-            <a:extLst>
-              <a:ext uri="{FF2B5EF4-FFF2-40B4-BE49-F238E27FC236}">
-                <a16:creationId xmlns:a16="http://schemas.microsoft.com/office/drawing/2014/main" id="{77BBEC85-7633-435D-A5B3-FFD4CC6C299B}"/>
-              </a:ext>
-            </a:extLst>
-          </p:cNvPr>
-          <p:cNvSpPr/>
-          <p:nvPr/>
-        </p:nvSpPr>
-        <p:spPr>
-          <a:xfrm>
-            <a:off x="6941527" y="4919008"/>
-            <a:ext cx="4120586" cy="1938992"/>
-          </a:xfrm>
-          <a:prstGeom prst="rect">
-            <a:avLst/>
-          </a:prstGeom>
-        </p:spPr>
-        <p:txBody>
-          <a:bodyPr wrap="square">
-            <a:spAutoFit/>
-          </a:bodyPr>
-          <a:lstStyle/>
-          <a:p>
-            <a:r>
-              <a:rPr lang="en-US" sz="6000" dirty="0">
-                <a:solidFill>
-                  <a:schemeClr val="bg1"/>
-                </a:solidFill>
-              </a:rPr>
-              <a:t>🚪🚪🚪</a:t>
-            </a:r>
-          </a:p>
-          <a:p>
-            <a:r>
-              <a:rPr lang="en-US" sz="6000" dirty="0">
-                <a:solidFill>
-                  <a:schemeClr val="bg1"/>
-                </a:solidFill>
-              </a:rPr>
-              <a:t>🐐🚗🐐 </a:t>
+              <a:t>Welcome to the R Project for Statistical Computing</a:t>
             </a:r>
           </a:p>
         </p:txBody>
@@ -5362,7 +7239,7 @@
     </p:spTree>
     <p:extLst>
       <p:ext uri="{BB962C8B-B14F-4D97-AF65-F5344CB8AC3E}">
-        <p14:creationId xmlns:p14="http://schemas.microsoft.com/office/powerpoint/2010/main" val="1541719548"/>
+        <p14:creationId xmlns:p14="http://schemas.microsoft.com/office/powerpoint/2010/main" val="801839645"/>
       </p:ext>
     </p:extLst>
   </p:cSld>
@@ -5389,23 +7266,141 @@
           <a:chExt cx="0" cy="0"/>
         </a:xfrm>
       </p:grpSpPr>
-      <p:sp>
-        <p:nvSpPr>
-          <p:cNvPr id="4" name="Rectangle 3"/>
+      <p:pic>
+        <p:nvPicPr>
+          <p:cNvPr id="10" name="Picture 9"/>
+          <p:cNvPicPr>
+            <a:picLocks noChangeAspect="1"/>
+          </p:cNvPicPr>
+          <p:nvPr/>
+        </p:nvPicPr>
+        <p:blipFill rotWithShape="1">
+          <a:blip r:embed="rId3">
+            <a:extLst>
+              <a:ext uri="{28A0092B-C50C-407E-A947-70E740481C1C}">
+                <a14:useLocalDpi xmlns:a14="http://schemas.microsoft.com/office/drawing/2010/main" val="0"/>
+              </a:ext>
+            </a:extLst>
+          </a:blip>
+          <a:srcRect l="50728" t="56371"/>
+          <a:stretch/>
+        </p:blipFill>
+        <p:spPr>
+          <a:xfrm>
+            <a:off x="10894024" y="5370653"/>
+            <a:ext cx="1297975" cy="1487348"/>
+          </a:xfrm>
+          <a:prstGeom prst="rect">
+            <a:avLst/>
+          </a:prstGeom>
+        </p:spPr>
+      </p:pic>
+      <p:sp>
+        <p:nvSpPr>
+          <p:cNvPr id="11" name="TextBox 10"/>
+          <p:cNvSpPr txBox="1"/>
+          <p:nvPr/>
+        </p:nvSpPr>
+        <p:spPr>
+          <a:xfrm>
+            <a:off x="347240" y="113388"/>
+            <a:ext cx="9799937" cy="1015663"/>
+          </a:xfrm>
+          <a:prstGeom prst="rect">
+            <a:avLst/>
+          </a:prstGeom>
+          <a:noFill/>
+        </p:spPr>
+        <p:txBody>
+          <a:bodyPr wrap="square" rtlCol="0">
+            <a:spAutoFit/>
+          </a:bodyPr>
+          <a:lstStyle/>
+          <a:p>
+            <a:r>
+              <a:rPr lang="en-US" sz="6000" dirty="0">
+                <a:latin typeface="Aliens &amp; cows" panose="00000500000000000000" pitchFamily="2" charset="0"/>
+              </a:rPr>
+              <a:t>The R project for…</a:t>
+            </a:r>
+          </a:p>
+        </p:txBody>
+      </p:sp>
+      <p:pic>
+        <p:nvPicPr>
+          <p:cNvPr id="1026" name="Picture 2" descr="FUBU – FUBU">
+            <a:extLst>
+              <a:ext uri="{FF2B5EF4-FFF2-40B4-BE49-F238E27FC236}">
+                <a16:creationId xmlns:a16="http://schemas.microsoft.com/office/drawing/2014/main" id="{EE2B8B44-CCD2-43B9-A751-24A134B928F2}"/>
+              </a:ext>
+            </a:extLst>
+          </p:cNvPr>
+          <p:cNvPicPr>
+            <a:picLocks noChangeAspect="1" noChangeArrowheads="1"/>
+          </p:cNvPicPr>
+          <p:nvPr/>
+        </p:nvPicPr>
+        <p:blipFill>
+          <a:blip r:embed="rId4">
+            <a:extLst>
+              <a:ext uri="{28A0092B-C50C-407E-A947-70E740481C1C}">
+                <a14:useLocalDpi xmlns:a14="http://schemas.microsoft.com/office/drawing/2010/main" val="0"/>
+              </a:ext>
+            </a:extLst>
+          </a:blip>
+          <a:srcRect/>
+          <a:stretch>
+            <a:fillRect/>
+          </a:stretch>
+        </p:blipFill>
+        <p:spPr bwMode="auto">
+          <a:xfrm>
+            <a:off x="2040854" y="2545414"/>
+            <a:ext cx="8853170" cy="1681416"/>
+          </a:xfrm>
+          <a:prstGeom prst="rect">
+            <a:avLst/>
+          </a:prstGeom>
+          <a:noFill/>
+          <a:extLst>
+            <a:ext uri="{909E8E84-426E-40DD-AFC4-6F175D3DCCD1}">
+              <a14:hiddenFill xmlns:a14="http://schemas.microsoft.com/office/drawing/2010/main">
+                <a:solidFill>
+                  <a:srgbClr val="FFFFFF"/>
+                </a:solidFill>
+              </a14:hiddenFill>
+            </a:ext>
+          </a:extLst>
+        </p:spPr>
+      </p:pic>
+      <p:sp>
+        <p:nvSpPr>
+          <p:cNvPr id="2" name="Rectangle 1">
+            <a:extLst>
+              <a:ext uri="{FF2B5EF4-FFF2-40B4-BE49-F238E27FC236}">
+                <a16:creationId xmlns:a16="http://schemas.microsoft.com/office/drawing/2014/main" id="{E7BF33C4-F091-4718-84DD-F4BB838055DC}"/>
+              </a:ext>
+            </a:extLst>
+          </p:cNvPr>
           <p:cNvSpPr/>
           <p:nvPr/>
         </p:nvSpPr>
         <p:spPr>
           <a:xfrm>
-            <a:off x="0" y="0"/>
-            <a:ext cx="12192000" cy="6858000"/>
+            <a:off x="4110005" y="2361696"/>
+            <a:ext cx="2387684" cy="2058914"/>
           </a:xfrm>
           <a:prstGeom prst="rect">
             <a:avLst/>
           </a:prstGeom>
           <a:solidFill>
-            <a:srgbClr val="CF3338"/>
+            <a:schemeClr val="bg1"/>
           </a:solidFill>
+          <a:ln>
+            <a:solidFill>
+              <a:schemeClr val="bg1"/>
+            </a:solidFill>
+          </a:ln>
         </p:spPr>
         <p:style>
           <a:lnRef idx="2">
@@ -5432,44 +7427,158 @@
           </a:p>
         </p:txBody>
       </p:sp>
-      <p:sp>
-        <p:nvSpPr>
-          <p:cNvPr id="5" name="TextBox 4"/>
-          <p:cNvSpPr txBox="1"/>
+      <p:pic>
+        <p:nvPicPr>
+          <p:cNvPr id="1028" name="Picture 4">
+            <a:extLst>
+              <a:ext uri="{FF2B5EF4-FFF2-40B4-BE49-F238E27FC236}">
+                <a16:creationId xmlns:a16="http://schemas.microsoft.com/office/drawing/2014/main" id="{825ACF1B-CE81-4574-A3DF-0CF7DC8ACCB0}"/>
+              </a:ext>
+            </a:extLst>
+          </p:cNvPr>
+          <p:cNvPicPr>
+            <a:picLocks noChangeAspect="1" noChangeArrowheads="1"/>
+          </p:cNvPicPr>
           <p:nvPr/>
-        </p:nvSpPr>
-        <p:spPr>
-          <a:xfrm>
-            <a:off x="520861" y="393539"/>
-            <a:ext cx="10324617" cy="3139321"/>
+        </p:nvPicPr>
+        <p:blipFill>
+          <a:blip r:embed="rId5" cstate="print">
+            <a:extLst>
+              <a:ext uri="{28A0092B-C50C-407E-A947-70E740481C1C}">
+                <a14:useLocalDpi xmlns:a14="http://schemas.microsoft.com/office/drawing/2010/main" val="0"/>
+              </a:ext>
+            </a:extLst>
+          </a:blip>
+          <a:srcRect/>
+          <a:stretch>
+            <a:fillRect/>
+          </a:stretch>
+        </p:blipFill>
+        <p:spPr bwMode="auto">
+          <a:xfrm>
+            <a:off x="4110005" y="2460634"/>
+            <a:ext cx="2169493" cy="1681416"/>
           </a:xfrm>
           <a:prstGeom prst="rect">
             <a:avLst/>
           </a:prstGeom>
           <a:noFill/>
-        </p:spPr>
-        <p:txBody>
-          <a:bodyPr wrap="square" rtlCol="0">
-            <a:spAutoFit/>
-          </a:bodyPr>
-          <a:lstStyle/>
-          <a:p>
-            <a:r>
-              <a:rPr lang="en-US" sz="6600" b="1" dirty="0">
-                <a:solidFill>
-                  <a:schemeClr val="bg1"/>
-                </a:solidFill>
-                <a:latin typeface="Pragmatica" pitchFamily="2" charset="0"/>
-              </a:rPr>
-              <a:t>Welcome to the R Project for Statistical Computing</a:t>
-            </a:r>
-          </a:p>
-        </p:txBody>
-      </p:sp>
+          <a:extLst>
+            <a:ext uri="{909E8E84-426E-40DD-AFC4-6F175D3DCCD1}">
+              <a14:hiddenFill xmlns:a14="http://schemas.microsoft.com/office/drawing/2010/main">
+                <a:solidFill>
+                  <a:srgbClr val="FFFFFF"/>
+                </a:solidFill>
+              </a14:hiddenFill>
+            </a:ext>
+          </a:extLst>
+        </p:spPr>
+      </p:pic>
+      <p:sp>
+        <p:nvSpPr>
+          <p:cNvPr id="14" name="Rectangle 13">
+            <a:extLst>
+              <a:ext uri="{FF2B5EF4-FFF2-40B4-BE49-F238E27FC236}">
+                <a16:creationId xmlns:a16="http://schemas.microsoft.com/office/drawing/2014/main" id="{66C1EADA-8ED9-4554-B2D7-B9BE8D5DA53B}"/>
+              </a:ext>
+            </a:extLst>
+          </p:cNvPr>
+          <p:cNvSpPr/>
+          <p:nvPr/>
+        </p:nvSpPr>
+        <p:spPr>
+          <a:xfrm>
+            <a:off x="8615436" y="2361696"/>
+            <a:ext cx="2387684" cy="2058914"/>
+          </a:xfrm>
+          <a:prstGeom prst="rect">
+            <a:avLst/>
+          </a:prstGeom>
+          <a:solidFill>
+            <a:schemeClr val="bg1"/>
+          </a:solidFill>
+          <a:ln>
+            <a:solidFill>
+              <a:schemeClr val="bg1"/>
+            </a:solidFill>
+          </a:ln>
+        </p:spPr>
+        <p:style>
+          <a:lnRef idx="2">
+            <a:schemeClr val="accent1">
+              <a:shade val="50000"/>
+            </a:schemeClr>
+          </a:lnRef>
+          <a:fillRef idx="1">
+            <a:schemeClr val="accent1"/>
+          </a:fillRef>
+          <a:effectRef idx="0">
+            <a:schemeClr val="accent1"/>
+          </a:effectRef>
+          <a:fontRef idx="minor">
+            <a:schemeClr val="lt1"/>
+          </a:fontRef>
+        </p:style>
+        <p:txBody>
+          <a:bodyPr rtlCol="0" anchor="ctr"/>
+          <a:lstStyle/>
+          <a:p>
+            <a:pPr algn="ctr"/>
+            <a:endParaRPr lang="en-US"/>
+          </a:p>
+        </p:txBody>
+      </p:sp>
+      <p:pic>
+        <p:nvPicPr>
+          <p:cNvPr id="15" name="Picture 4">
+            <a:extLst>
+              <a:ext uri="{FF2B5EF4-FFF2-40B4-BE49-F238E27FC236}">
+                <a16:creationId xmlns:a16="http://schemas.microsoft.com/office/drawing/2014/main" id="{B4BD4C78-1F1F-4683-BFE9-CE9B4B2E1317}"/>
+              </a:ext>
+            </a:extLst>
+          </p:cNvPr>
+          <p:cNvPicPr>
+            <a:picLocks noChangeAspect="1" noChangeArrowheads="1"/>
+          </p:cNvPicPr>
+          <p:nvPr/>
+        </p:nvPicPr>
+        <p:blipFill>
+          <a:blip r:embed="rId5" cstate="print">
+            <a:extLst>
+              <a:ext uri="{28A0092B-C50C-407E-A947-70E740481C1C}">
+                <a14:useLocalDpi xmlns:a14="http://schemas.microsoft.com/office/drawing/2010/main" val="0"/>
+              </a:ext>
+            </a:extLst>
+          </a:blip>
+          <a:srcRect/>
+          <a:stretch>
+            <a:fillRect/>
+          </a:stretch>
+        </p:blipFill>
+        <p:spPr bwMode="auto">
+          <a:xfrm>
+            <a:off x="8615436" y="2460634"/>
+            <a:ext cx="2169493" cy="1681416"/>
+          </a:xfrm>
+          <a:prstGeom prst="rect">
+            <a:avLst/>
+          </a:prstGeom>
+          <a:noFill/>
+          <a:extLst>
+            <a:ext uri="{909E8E84-426E-40DD-AFC4-6F175D3DCCD1}">
+              <a14:hiddenFill xmlns:a14="http://schemas.microsoft.com/office/drawing/2010/main">
+                <a:solidFill>
+                  <a:srgbClr val="FFFFFF"/>
+                </a:solidFill>
+              </a14:hiddenFill>
+            </a:ext>
+          </a:extLst>
+        </p:spPr>
+      </p:pic>
     </p:spTree>
     <p:extLst>
       <p:ext uri="{BB962C8B-B14F-4D97-AF65-F5344CB8AC3E}">
-        <p14:creationId xmlns:p14="http://schemas.microsoft.com/office/powerpoint/2010/main" val="3466469417"/>
+        <p14:creationId xmlns:p14="http://schemas.microsoft.com/office/powerpoint/2010/main" val="2312240890"/>
       </p:ext>
     </p:extLst>
   </p:cSld>
@@ -5505,7 +7614,7 @@
           <p:nvPr/>
         </p:nvPicPr>
         <p:blipFill rotWithShape="1">
-          <a:blip r:embed="rId2">
+          <a:blip r:embed="rId3">
             <a:extLst>
               <a:ext uri="{28A0092B-C50C-407E-A947-70E740481C1C}">
                 <a14:useLocalDpi xmlns:a14="http://schemas.microsoft.com/office/drawing/2010/main" val="0"/>
@@ -5533,7 +7642,7 @@
         </p:nvSpPr>
         <p:spPr>
           <a:xfrm>
-            <a:off x="347240" y="113388"/>
+            <a:off x="334451" y="81469"/>
             <a:ext cx="9799937" cy="1015663"/>
           </a:xfrm>
           <a:prstGeom prst="rect">
@@ -5571,7 +7680,7 @@
           <p:nvPr/>
         </p:nvPicPr>
         <p:blipFill>
-          <a:blip r:embed="rId3" cstate="print">
+          <a:blip r:embed="rId4" cstate="print">
             <a:extLst>
               <a:ext uri="{28A0092B-C50C-407E-A947-70E740481C1C}">
                 <a14:useLocalDpi xmlns:a14="http://schemas.microsoft.com/office/drawing/2010/main" val="0"/>
@@ -5618,7 +7727,7 @@
           <p:nvPr/>
         </p:nvPicPr>
         <p:blipFill>
-          <a:blip r:embed="rId4">
+          <a:blip r:embed="rId5">
             <a:extLst>
               <a:ext uri="{28A0092B-C50C-407E-A947-70E740481C1C}">
                 <a14:useLocalDpi xmlns:a14="http://schemas.microsoft.com/office/drawing/2010/main" val="0"/>
@@ -5727,7 +7836,7 @@
     </p:spTree>
     <p:extLst>
       <p:ext uri="{BB962C8B-B14F-4D97-AF65-F5344CB8AC3E}">
-        <p14:creationId xmlns:p14="http://schemas.microsoft.com/office/powerpoint/2010/main" val="3954831561"/>
+        <p14:creationId xmlns:p14="http://schemas.microsoft.com/office/powerpoint/2010/main" val="4193561338"/>
       </p:ext>
     </p:extLst>
   </p:cSld>
@@ -5840,7 +7949,7 @@
           <p:nvPr/>
         </p:nvPicPr>
         <p:blipFill rotWithShape="1">
-          <a:blip r:embed="rId2">
+          <a:blip r:embed="rId3">
             <a:extLst>
               <a:ext uri="{28A0092B-C50C-407E-A947-70E740481C1C}">
                 <a14:useLocalDpi xmlns:a14="http://schemas.microsoft.com/office/drawing/2010/main" val="0"/>
@@ -5894,36 +8003,6 @@
           </a:p>
         </p:txBody>
       </p:sp>
-      <p:pic>
-        <p:nvPicPr>
-          <p:cNvPr id="6" name="Picture 5">
-            <a:extLst>
-              <a:ext uri="{FF2B5EF4-FFF2-40B4-BE49-F238E27FC236}">
-                <a16:creationId xmlns:a16="http://schemas.microsoft.com/office/drawing/2014/main" id="{5218695F-4AE3-433F-9564-91CBE67F0F20}"/>
-              </a:ext>
-            </a:extLst>
-          </p:cNvPr>
-          <p:cNvPicPr>
-            <a:picLocks noChangeAspect="1"/>
-          </p:cNvPicPr>
-          <p:nvPr/>
-        </p:nvPicPr>
-        <p:blipFill>
-          <a:blip r:embed="rId3"/>
-          <a:stretch>
-            <a:fillRect/>
-          </a:stretch>
-        </p:blipFill>
-        <p:spPr>
-          <a:xfrm>
-            <a:off x="830216" y="1229759"/>
-            <a:ext cx="4442822" cy="1111899"/>
-          </a:xfrm>
-          <a:prstGeom prst="rect">
-            <a:avLst/>
-          </a:prstGeom>
-        </p:spPr>
-      </p:pic>
       <p:pic>
         <p:nvPicPr>
           <p:cNvPr id="7" name="Picture 2">
@@ -5971,10 +8050,86 @@
           </a:extLst>
         </p:spPr>
       </p:pic>
+      <p:pic>
+        <p:nvPicPr>
+          <p:cNvPr id="8" name="Picture 7">
+            <a:extLst>
+              <a:ext uri="{FF2B5EF4-FFF2-40B4-BE49-F238E27FC236}">
+                <a16:creationId xmlns:a16="http://schemas.microsoft.com/office/drawing/2014/main" id="{7A16F770-8038-495F-AA22-4602F7510F9D}"/>
+              </a:ext>
+            </a:extLst>
+          </p:cNvPr>
+          <p:cNvPicPr>
+            <a:picLocks noChangeAspect="1"/>
+          </p:cNvPicPr>
+          <p:nvPr/>
+        </p:nvPicPr>
+        <p:blipFill rotWithShape="1">
+          <a:blip r:embed="rId5"/>
+          <a:srcRect b="47338"/>
+          <a:stretch/>
+        </p:blipFill>
+        <p:spPr>
+          <a:xfrm>
+            <a:off x="1198861" y="1273896"/>
+            <a:ext cx="3993611" cy="613266"/>
+          </a:xfrm>
+          <a:prstGeom prst="rect">
+            <a:avLst/>
+          </a:prstGeom>
+        </p:spPr>
+      </p:pic>
+      <p:sp>
+        <p:nvSpPr>
+          <p:cNvPr id="9" name="TextBox 8">
+            <a:extLst>
+              <a:ext uri="{FF2B5EF4-FFF2-40B4-BE49-F238E27FC236}">
+                <a16:creationId xmlns:a16="http://schemas.microsoft.com/office/drawing/2014/main" id="{F0D02FF3-1492-433C-B9E2-786CF5157C1B}"/>
+              </a:ext>
+            </a:extLst>
+          </p:cNvPr>
+          <p:cNvSpPr txBox="1"/>
+          <p:nvPr/>
+        </p:nvSpPr>
+        <p:spPr>
+          <a:xfrm>
+            <a:off x="1117689" y="1887162"/>
+            <a:ext cx="7695520" cy="400110"/>
+          </a:xfrm>
+          <a:prstGeom prst="rect">
+            <a:avLst/>
+          </a:prstGeom>
+          <a:noFill/>
+        </p:spPr>
+        <p:txBody>
+          <a:bodyPr wrap="square" rtlCol="0">
+            <a:spAutoFit/>
+          </a:bodyPr>
+          <a:lstStyle/>
+          <a:p>
+            <a:r>
+              <a:rPr lang="en-US" sz="2000" dirty="0">
+                <a:solidFill>
+                  <a:srgbClr val="707070"/>
+                </a:solidFill>
+                <a:latin typeface="Pragmatica" panose="020B0403040502020204" pitchFamily="34" charset="0"/>
+                <a:hlinkClick r:id="rId6"/>
+              </a:rPr>
+              <a:t>https://github.com/stringfestdata/london-excel</a:t>
+            </a:r>
+            <a:endParaRPr lang="en-US" sz="2000" dirty="0">
+              <a:solidFill>
+                <a:srgbClr val="707070"/>
+              </a:solidFill>
+              <a:latin typeface="Pragmatica" panose="020B0403040502020204" pitchFamily="34" charset="0"/>
+            </a:endParaRPr>
+          </a:p>
+        </p:txBody>
+      </p:sp>
     </p:spTree>
     <p:extLst>
       <p:ext uri="{BB962C8B-B14F-4D97-AF65-F5344CB8AC3E}">
-        <p14:creationId xmlns:p14="http://schemas.microsoft.com/office/powerpoint/2010/main" val="3438141686"/>
+        <p14:creationId xmlns:p14="http://schemas.microsoft.com/office/powerpoint/2010/main" val="698133896"/>
       </p:ext>
     </p:extLst>
   </p:cSld>
@@ -6010,7 +8165,7 @@
           <p:nvPr/>
         </p:nvPicPr>
         <p:blipFill rotWithShape="1">
-          <a:blip r:embed="rId2">
+          <a:blip r:embed="rId3">
             <a:extLst>
               <a:ext uri="{28A0092B-C50C-407E-A947-70E740481C1C}">
                 <a14:useLocalDpi xmlns:a14="http://schemas.microsoft.com/office/drawing/2010/main" val="0"/>
@@ -6039,7 +8194,7 @@
         <p:spPr>
           <a:xfrm>
             <a:off x="347240" y="113388"/>
-            <a:ext cx="9799937" cy="1015663"/>
+            <a:ext cx="9799937" cy="1938992"/>
           </a:xfrm>
           <a:prstGeom prst="rect">
             <a:avLst/>
@@ -6056,7 +8211,7 @@
               <a:rPr lang="en-US" sz="6000" dirty="0">
                 <a:latin typeface="Aliens &amp; cows" panose="00000500000000000000" pitchFamily="2" charset="0"/>
               </a:rPr>
-              <a:t>The dialects of data</a:t>
+              <a:t>Packages: “There’s an App for that!”</a:t>
             </a:r>
           </a:p>
         </p:txBody>
@@ -6069,8 +8224,8 @@
         </p:nvSpPr>
         <p:spPr>
           <a:xfrm>
-            <a:off x="347240" y="2544846"/>
-            <a:ext cx="4325428" cy="1815882"/>
+            <a:off x="454109" y="2297968"/>
+            <a:ext cx="5414785" cy="1384995"/>
           </a:xfrm>
           <a:prstGeom prst="rect">
             <a:avLst/>
@@ -6083,6 +8238,9 @@
           </a:bodyPr>
           <a:lstStyle/>
           <a:p>
+            <a:pPr marL="514350" indent="-514350">
+              <a:buAutoNum type="arabicPeriod"/>
+            </a:pPr>
             <a:r>
               <a:rPr lang="en-US" sz="2800" dirty="0">
                 <a:solidFill>
@@ -6090,285 +8248,76 @@
                 </a:solidFill>
                 <a:latin typeface="Pragmatica" panose="020B0403040502020204" pitchFamily="34" charset="0"/>
               </a:rPr>
-              <a:t>“Get me the average price for each cut, sorted from high to low.” </a:t>
-            </a:r>
-          </a:p>
-        </p:txBody>
-      </p:sp>
-      <p:sp>
-        <p:nvSpPr>
-          <p:cNvPr id="5" name="TextBox 4">
+              <a:t>Install the package (usually from CRAN)</a:t>
+            </a:r>
+          </a:p>
+          <a:p>
+            <a:pPr marL="514350" indent="-514350">
+              <a:buAutoNum type="arabicPeriod"/>
+            </a:pPr>
+            <a:r>
+              <a:rPr lang="en-US" sz="2800" dirty="0">
+                <a:solidFill>
+                  <a:srgbClr val="707070"/>
+                </a:solidFill>
+                <a:latin typeface="Pragmatica" panose="020B0403040502020204" pitchFamily="34" charset="0"/>
+              </a:rPr>
+              <a:t>Open the package</a:t>
+            </a:r>
+          </a:p>
+        </p:txBody>
+      </p:sp>
+      <p:pic>
+        <p:nvPicPr>
+          <p:cNvPr id="8194" name="Picture 2">
             <a:extLst>
               <a:ext uri="{FF2B5EF4-FFF2-40B4-BE49-F238E27FC236}">
-                <a16:creationId xmlns:a16="http://schemas.microsoft.com/office/drawing/2014/main" id="{5CD2711C-9244-49AC-9EDF-AC9C2AA093A7}"/>
+                <a16:creationId xmlns:a16="http://schemas.microsoft.com/office/drawing/2014/main" id="{93A3D79E-EFB5-4C74-925C-52E65CFB9662}"/>
               </a:ext>
             </a:extLst>
           </p:cNvPr>
-          <p:cNvSpPr txBox="1"/>
+          <p:cNvPicPr>
+            <a:picLocks noChangeAspect="1" noChangeArrowheads="1"/>
+          </p:cNvPicPr>
           <p:nvPr/>
-        </p:nvSpPr>
-        <p:spPr>
-          <a:xfrm>
-            <a:off x="6682326" y="1977831"/>
-            <a:ext cx="5040191" cy="2677656"/>
+        </p:nvPicPr>
+        <p:blipFill>
+          <a:blip r:embed="rId4" cstate="print">
+            <a:extLst>
+              <a:ext uri="{28A0092B-C50C-407E-A947-70E740481C1C}">
+                <a14:useLocalDpi xmlns:a14="http://schemas.microsoft.com/office/drawing/2010/main" val="0"/>
+              </a:ext>
+            </a:extLst>
+          </a:blip>
+          <a:srcRect/>
+          <a:stretch>
+            <a:fillRect/>
+          </a:stretch>
+        </p:blipFill>
+        <p:spPr bwMode="auto">
+          <a:xfrm rot="16200000">
+            <a:off x="4795276" y="1137677"/>
+            <a:ext cx="5720323" cy="5720323"/>
           </a:xfrm>
           <a:prstGeom prst="rect">
             <a:avLst/>
           </a:prstGeom>
           <a:noFill/>
-        </p:spPr>
-        <p:txBody>
-          <a:bodyPr wrap="square" rtlCol="0">
-            <a:spAutoFit/>
-          </a:bodyPr>
-          <a:lstStyle/>
-          <a:p>
-            <a:pPr marL="514350" indent="-514350">
-              <a:buAutoNum type="arabicPeriod"/>
-            </a:pPr>
-            <a:r>
-              <a:rPr lang="en-US" sz="2800" dirty="0">
-                <a:solidFill>
-                  <a:srgbClr val="707070"/>
-                </a:solidFill>
-                <a:latin typeface="Pragmatica" panose="020B0403040502020204" pitchFamily="34" charset="0"/>
-              </a:rPr>
-              <a:t>Group by origin</a:t>
-            </a:r>
-          </a:p>
-          <a:p>
-            <a:pPr marL="514350" indent="-514350">
-              <a:buAutoNum type="arabicPeriod"/>
-            </a:pPr>
-            <a:endParaRPr lang="en-US" sz="2800" dirty="0">
-              <a:solidFill>
-                <a:srgbClr val="707070"/>
-              </a:solidFill>
-              <a:latin typeface="Pragmatica" panose="020B0403040502020204" pitchFamily="34" charset="0"/>
-            </a:endParaRPr>
-          </a:p>
-          <a:p>
-            <a:pPr marL="514350" indent="-514350">
-              <a:buAutoNum type="arabicPeriod"/>
-            </a:pPr>
-            <a:r>
-              <a:rPr lang="en-US" sz="2800" dirty="0">
-                <a:solidFill>
-                  <a:srgbClr val="707070"/>
-                </a:solidFill>
-                <a:latin typeface="Pragmatica" panose="020B0403040502020204" pitchFamily="34" charset="0"/>
-              </a:rPr>
-              <a:t>Find average for each group</a:t>
-            </a:r>
-          </a:p>
-          <a:p>
-            <a:pPr marL="514350" indent="-514350">
-              <a:buAutoNum type="arabicPeriod"/>
-            </a:pPr>
-            <a:endParaRPr lang="en-US" sz="2800" dirty="0">
-              <a:solidFill>
-                <a:srgbClr val="707070"/>
-              </a:solidFill>
-              <a:latin typeface="Pragmatica" panose="020B0403040502020204" pitchFamily="34" charset="0"/>
-            </a:endParaRPr>
-          </a:p>
-          <a:p>
-            <a:pPr marL="514350" indent="-514350">
-              <a:buAutoNum type="arabicPeriod"/>
-            </a:pPr>
-            <a:r>
-              <a:rPr lang="en-US" sz="2800" dirty="0">
-                <a:solidFill>
-                  <a:srgbClr val="707070"/>
-                </a:solidFill>
-                <a:latin typeface="Pragmatica" panose="020B0403040502020204" pitchFamily="34" charset="0"/>
-              </a:rPr>
-              <a:t>Sort the results</a:t>
-            </a:r>
-          </a:p>
-        </p:txBody>
-      </p:sp>
-      <p:cxnSp>
-        <p:nvCxnSpPr>
-          <p:cNvPr id="4" name="Straight Arrow Connector 3">
-            <a:extLst>
-              <a:ext uri="{FF2B5EF4-FFF2-40B4-BE49-F238E27FC236}">
-                <a16:creationId xmlns:a16="http://schemas.microsoft.com/office/drawing/2014/main" id="{8D12AC44-E2BF-4091-8644-F8DFC5A9B165}"/>
-              </a:ext>
-            </a:extLst>
-          </p:cNvPr>
-          <p:cNvCxnSpPr>
-            <a:cxnSpLocks/>
-          </p:cNvCxnSpPr>
-          <p:nvPr/>
-        </p:nvCxnSpPr>
-        <p:spPr>
-          <a:xfrm flipV="1">
-            <a:off x="4672668" y="2306972"/>
-            <a:ext cx="1585519" cy="578841"/>
-          </a:xfrm>
-          <a:prstGeom prst="straightConnector1">
-            <a:avLst/>
-          </a:prstGeom>
-          <a:ln>
-            <a:solidFill>
-              <a:schemeClr val="bg1">
-                <a:lumMod val="50000"/>
-              </a:schemeClr>
-            </a:solidFill>
-            <a:tailEnd type="triangle"/>
-          </a:ln>
-        </p:spPr>
-        <p:style>
-          <a:lnRef idx="1">
-            <a:schemeClr val="accent1"/>
-          </a:lnRef>
-          <a:fillRef idx="0">
-            <a:schemeClr val="accent1"/>
-          </a:fillRef>
-          <a:effectRef idx="0">
-            <a:schemeClr val="accent1"/>
-          </a:effectRef>
-          <a:fontRef idx="minor">
-            <a:schemeClr val="tx1"/>
-          </a:fontRef>
-        </p:style>
-      </p:cxnSp>
-      <p:cxnSp>
-        <p:nvCxnSpPr>
-          <p:cNvPr id="9" name="Straight Arrow Connector 8">
-            <a:extLst>
-              <a:ext uri="{FF2B5EF4-FFF2-40B4-BE49-F238E27FC236}">
-                <a16:creationId xmlns:a16="http://schemas.microsoft.com/office/drawing/2014/main" id="{BFF5B32E-6D9D-45AD-87CB-F7077A45F6C0}"/>
-              </a:ext>
-            </a:extLst>
-          </p:cNvPr>
-          <p:cNvCxnSpPr>
-            <a:cxnSpLocks/>
-          </p:cNvCxnSpPr>
-          <p:nvPr/>
-        </p:nvCxnSpPr>
-        <p:spPr>
-          <a:xfrm flipV="1">
-            <a:off x="4803193" y="3203003"/>
-            <a:ext cx="1454994" cy="40393"/>
-          </a:xfrm>
-          <a:prstGeom prst="straightConnector1">
-            <a:avLst/>
-          </a:prstGeom>
-          <a:ln>
-            <a:solidFill>
-              <a:schemeClr val="bg1">
-                <a:lumMod val="50000"/>
-              </a:schemeClr>
-            </a:solidFill>
-            <a:tailEnd type="triangle"/>
-          </a:ln>
-        </p:spPr>
-        <p:style>
-          <a:lnRef idx="1">
-            <a:schemeClr val="accent1"/>
-          </a:lnRef>
-          <a:fillRef idx="0">
-            <a:schemeClr val="accent1"/>
-          </a:fillRef>
-          <a:effectRef idx="0">
-            <a:schemeClr val="accent1"/>
-          </a:effectRef>
-          <a:fontRef idx="minor">
-            <a:schemeClr val="tx1"/>
-          </a:fontRef>
-        </p:style>
-      </p:cxnSp>
-      <p:cxnSp>
-        <p:nvCxnSpPr>
-          <p:cNvPr id="12" name="Straight Arrow Connector 11">
-            <a:extLst>
-              <a:ext uri="{FF2B5EF4-FFF2-40B4-BE49-F238E27FC236}">
-                <a16:creationId xmlns:a16="http://schemas.microsoft.com/office/drawing/2014/main" id="{555197BB-D59B-4ABE-9165-62CB521FBC6D}"/>
-              </a:ext>
-            </a:extLst>
-          </p:cNvPr>
-          <p:cNvCxnSpPr>
-            <a:cxnSpLocks/>
-          </p:cNvCxnSpPr>
-          <p:nvPr/>
-        </p:nvCxnSpPr>
-        <p:spPr>
-          <a:xfrm>
-            <a:off x="4803193" y="3734593"/>
-            <a:ext cx="1585519" cy="626135"/>
-          </a:xfrm>
-          <a:prstGeom prst="straightConnector1">
-            <a:avLst/>
-          </a:prstGeom>
-          <a:ln>
-            <a:solidFill>
-              <a:schemeClr val="bg1">
-                <a:lumMod val="50000"/>
-              </a:schemeClr>
-            </a:solidFill>
-            <a:tailEnd type="triangle"/>
-          </a:ln>
-        </p:spPr>
-        <p:style>
-          <a:lnRef idx="1">
-            <a:schemeClr val="accent1"/>
-          </a:lnRef>
-          <a:fillRef idx="0">
-            <a:schemeClr val="accent1"/>
-          </a:fillRef>
-          <a:effectRef idx="0">
-            <a:schemeClr val="accent1"/>
-          </a:effectRef>
-          <a:fontRef idx="minor">
-            <a:schemeClr val="tx1"/>
-          </a:fontRef>
-        </p:style>
-      </p:cxnSp>
-      <p:pic>
-        <p:nvPicPr>
-          <p:cNvPr id="14" name="Graphic 13" descr="Diamond with solid fill">
-            <a:extLst>
-              <a:ext uri="{FF2B5EF4-FFF2-40B4-BE49-F238E27FC236}">
-                <a16:creationId xmlns:a16="http://schemas.microsoft.com/office/drawing/2014/main" id="{F3C80350-D54B-46FE-B232-4E9E12B20698}"/>
-              </a:ext>
-            </a:extLst>
-          </p:cNvPr>
-          <p:cNvPicPr>
-            <a:picLocks noChangeAspect="1"/>
-          </p:cNvPicPr>
-          <p:nvPr/>
-        </p:nvPicPr>
-        <p:blipFill>
-          <a:blip r:embed="rId3">
-            <a:extLst>
-              <a:ext uri="{28A0092B-C50C-407E-A947-70E740481C1C}">
-                <a14:useLocalDpi xmlns:a14="http://schemas.microsoft.com/office/drawing/2010/main" val="0"/>
-              </a:ext>
-              <a:ext uri="{96DAC541-7B7A-43D3-8B79-37D633B846F1}">
-                <asvg:svgBlip xmlns:asvg="http://schemas.microsoft.com/office/drawing/2016/SVG/main" r:embed="rId4"/>
-              </a:ext>
-            </a:extLst>
-          </a:blip>
-          <a:stretch>
-            <a:fillRect/>
-          </a:stretch>
-        </p:blipFill>
-        <p:spPr>
-          <a:xfrm>
-            <a:off x="1" y="5180904"/>
-            <a:ext cx="1845578" cy="1845578"/>
-          </a:xfrm>
-          <a:prstGeom prst="rect">
-            <a:avLst/>
-          </a:prstGeom>
+          <a:extLst>
+            <a:ext uri="{909E8E84-426E-40DD-AFC4-6F175D3DCCD1}">
+              <a14:hiddenFill xmlns:a14="http://schemas.microsoft.com/office/drawing/2010/main">
+                <a:solidFill>
+                  <a:srgbClr val="FFFFFF"/>
+                </a:solidFill>
+              </a14:hiddenFill>
+            </a:ext>
+          </a:extLst>
         </p:spPr>
       </p:pic>
     </p:spTree>
     <p:extLst>
       <p:ext uri="{BB962C8B-B14F-4D97-AF65-F5344CB8AC3E}">
-        <p14:creationId xmlns:p14="http://schemas.microsoft.com/office/powerpoint/2010/main" val="1013603368"/>
+        <p14:creationId xmlns:p14="http://schemas.microsoft.com/office/powerpoint/2010/main" val="3260812531"/>
       </p:ext>
     </p:extLst>
   </p:cSld>
@@ -6395,29 +8344,106 @@
           <a:chExt cx="0" cy="0"/>
         </a:xfrm>
       </p:grpSpPr>
+      <p:sp>
+        <p:nvSpPr>
+          <p:cNvPr id="4" name="Rectangle 3"/>
+          <p:cNvSpPr/>
+          <p:nvPr/>
+        </p:nvSpPr>
+        <p:spPr>
+          <a:xfrm>
+            <a:off x="6574420" y="0"/>
+            <a:ext cx="5617580" cy="6858000"/>
+          </a:xfrm>
+          <a:prstGeom prst="rect">
+            <a:avLst/>
+          </a:prstGeom>
+          <a:solidFill>
+            <a:srgbClr val="CF3338"/>
+          </a:solidFill>
+        </p:spPr>
+        <p:style>
+          <a:lnRef idx="2">
+            <a:schemeClr val="accent1">
+              <a:shade val="50000"/>
+            </a:schemeClr>
+          </a:lnRef>
+          <a:fillRef idx="1">
+            <a:schemeClr val="accent1"/>
+          </a:fillRef>
+          <a:effectRef idx="0">
+            <a:schemeClr val="accent1"/>
+          </a:effectRef>
+          <a:fontRef idx="minor">
+            <a:schemeClr val="lt1"/>
+          </a:fontRef>
+        </p:style>
+        <p:txBody>
+          <a:bodyPr rtlCol="0" anchor="ctr"/>
+          <a:lstStyle/>
+          <a:p>
+            <a:pPr algn="ctr"/>
+            <a:endParaRPr lang="en-US"/>
+          </a:p>
+        </p:txBody>
+      </p:sp>
+      <p:sp>
+        <p:nvSpPr>
+          <p:cNvPr id="5" name="TextBox 4"/>
+          <p:cNvSpPr txBox="1"/>
+          <p:nvPr/>
+        </p:nvSpPr>
+        <p:spPr>
+          <a:xfrm>
+            <a:off x="6817489" y="0"/>
+            <a:ext cx="4120587" cy="1446550"/>
+          </a:xfrm>
+          <a:prstGeom prst="rect">
+            <a:avLst/>
+          </a:prstGeom>
+          <a:noFill/>
+        </p:spPr>
+        <p:txBody>
+          <a:bodyPr wrap="square" rtlCol="0">
+            <a:spAutoFit/>
+          </a:bodyPr>
+          <a:lstStyle/>
+          <a:p>
+            <a:r>
+              <a:rPr lang="en-US" sz="8800" dirty="0">
+                <a:solidFill>
+                  <a:schemeClr val="bg1"/>
+                </a:solidFill>
+                <a:latin typeface="Aliens &amp; cows" panose="00000500000000000000" pitchFamily="2" charset="0"/>
+              </a:rPr>
+              <a:t>Demo</a:t>
+            </a:r>
+          </a:p>
+        </p:txBody>
+      </p:sp>
       <p:pic>
         <p:nvPicPr>
-          <p:cNvPr id="10" name="Picture 9"/>
+          <p:cNvPr id="2" name="Picture 1"/>
           <p:cNvPicPr>
             <a:picLocks noChangeAspect="1"/>
           </p:cNvPicPr>
           <p:nvPr/>
         </p:nvPicPr>
         <p:blipFill rotWithShape="1">
-          <a:blip r:embed="rId2">
+          <a:blip r:embed="rId3">
             <a:extLst>
               <a:ext uri="{28A0092B-C50C-407E-A947-70E740481C1C}">
                 <a14:useLocalDpi xmlns:a14="http://schemas.microsoft.com/office/drawing/2010/main" val="0"/>
               </a:ext>
             </a:extLst>
           </a:blip>
-          <a:srcRect l="50728" t="56371"/>
+          <a:srcRect l="69227" t="33418" r="20112" b="50548"/>
           <a:stretch/>
         </p:blipFill>
         <p:spPr>
           <a:xfrm>
-            <a:off x="10894024" y="5370653"/>
-            <a:ext cx="1297975" cy="1487348"/>
+            <a:off x="10386349" y="5029795"/>
+            <a:ext cx="1805651" cy="1991719"/>
           </a:xfrm>
           <a:prstGeom prst="rect">
             <a:avLst/>
@@ -6426,14 +8452,14 @@
       </p:pic>
       <p:sp>
         <p:nvSpPr>
-          <p:cNvPr id="11" name="TextBox 10"/>
+          <p:cNvPr id="3" name="TextBox 2"/>
           <p:cNvSpPr txBox="1"/>
           <p:nvPr/>
         </p:nvSpPr>
         <p:spPr>
           <a:xfrm>
-            <a:off x="347240" y="113388"/>
-            <a:ext cx="9799937" cy="1938992"/>
+            <a:off x="173620" y="219919"/>
+            <a:ext cx="5937813" cy="1384995"/>
           </a:xfrm>
           <a:prstGeom prst="rect">
             <a:avLst/>
@@ -6447,24 +8473,56 @@
           <a:lstStyle/>
           <a:p>
             <a:r>
-              <a:rPr lang="en-US" sz="6000" dirty="0">
-                <a:latin typeface="Aliens &amp; cows" panose="00000500000000000000" pitchFamily="2" charset="0"/>
-              </a:rPr>
-              <a:t>Packages: “There’s an App for that!”</a:t>
-            </a:r>
-          </a:p>
-        </p:txBody>
-      </p:sp>
-      <p:sp>
-        <p:nvSpPr>
-          <p:cNvPr id="3" name="TextBox 2"/>
+              <a:rPr lang="en-US" sz="2800" b="1" dirty="0">
+                <a:solidFill>
+                  <a:srgbClr val="CF3338"/>
+                </a:solidFill>
+                <a:latin typeface="Pragmatica" pitchFamily="2" charset="0"/>
+              </a:rPr>
+              <a:t>Speaking the language of data with the </a:t>
+            </a:r>
+            <a:r>
+              <a:rPr lang="en-US" sz="2800" b="1" dirty="0" err="1">
+                <a:solidFill>
+                  <a:srgbClr val="CF3338"/>
+                </a:solidFill>
+                <a:latin typeface="Consolas" panose="020B0609020204030204" pitchFamily="49" charset="0"/>
+              </a:rPr>
+              <a:t>tidyverse</a:t>
+            </a:r>
+            <a:endParaRPr lang="en-US" sz="2800" b="1" dirty="0">
+              <a:solidFill>
+                <a:srgbClr val="CF3338"/>
+              </a:solidFill>
+              <a:latin typeface="Consolas" panose="020B0609020204030204" pitchFamily="49" charset="0"/>
+            </a:endParaRPr>
+          </a:p>
+          <a:p>
+            <a:endParaRPr lang="en-US" sz="2800" b="1" dirty="0">
+              <a:solidFill>
+                <a:srgbClr val="CF3338"/>
+              </a:solidFill>
+              <a:latin typeface="Consolas" panose="020B0609020204030204" pitchFamily="49" charset="0"/>
+            </a:endParaRPr>
+          </a:p>
+        </p:txBody>
+      </p:sp>
+      <p:sp>
+        <p:nvSpPr>
+          <p:cNvPr id="7" name="TextBox 6">
+            <a:extLst>
+              <a:ext uri="{FF2B5EF4-FFF2-40B4-BE49-F238E27FC236}">
+                <a16:creationId xmlns:a16="http://schemas.microsoft.com/office/drawing/2014/main" id="{855BC584-A237-4C91-9DAB-ADA80256CAC8}"/>
+              </a:ext>
+            </a:extLst>
+          </p:cNvPr>
           <p:cNvSpPr txBox="1"/>
           <p:nvPr/>
         </p:nvSpPr>
         <p:spPr>
           <a:xfrm>
-            <a:off x="454109" y="2297968"/>
-            <a:ext cx="9799937" cy="954107"/>
+            <a:off x="158187" y="1446550"/>
+            <a:ext cx="5937813" cy="5693866"/>
           </a:xfrm>
           <a:prstGeom prst="rect">
             <a:avLst/>
@@ -6478,85 +8536,198 @@
           <a:lstStyle/>
           <a:p>
             <a:pPr marL="514350" indent="-514350">
+              <a:buFont typeface="+mj-lt"/>
               <a:buAutoNum type="arabicPeriod"/>
             </a:pPr>
             <a:r>
-              <a:rPr lang="en-US" sz="2800" dirty="0">
-                <a:solidFill>
-                  <a:srgbClr val="707070"/>
-                </a:solidFill>
-                <a:latin typeface="Pragmatica" panose="020B0403040502020204" pitchFamily="34" charset="0"/>
-              </a:rPr>
-              <a:t>Install the package</a:t>
-            </a:r>
+              <a:rPr lang="en-US" sz="2600" b="1" dirty="0">
+                <a:solidFill>
+                  <a:srgbClr val="CF3338"/>
+                </a:solidFill>
+                <a:latin typeface="Pragmatica" pitchFamily="2" charset="0"/>
+              </a:rPr>
+              <a:t>Load and explore </a:t>
+            </a:r>
+            <a:r>
+              <a:rPr lang="en-US" sz="2600" b="1" dirty="0">
+                <a:solidFill>
+                  <a:srgbClr val="CF3338"/>
+                </a:solidFill>
+                <a:latin typeface="Consolas" panose="020B0609020204030204" pitchFamily="49" charset="0"/>
+              </a:rPr>
+              <a:t>diamonds</a:t>
+            </a:r>
+            <a:r>
+              <a:rPr lang="en-US" sz="2600" b="1" dirty="0">
+                <a:solidFill>
+                  <a:srgbClr val="CF3338"/>
+                </a:solidFill>
+                <a:latin typeface="Pragmatica" pitchFamily="2" charset="0"/>
+              </a:rPr>
+              <a:t> dataset</a:t>
+            </a:r>
+            <a:endParaRPr lang="en-US" sz="2600" b="1" dirty="0">
+              <a:solidFill>
+                <a:srgbClr val="CF3338"/>
+              </a:solidFill>
+              <a:latin typeface="Consolas" panose="020B0609020204030204" pitchFamily="49" charset="0"/>
+            </a:endParaRPr>
           </a:p>
           <a:p>
             <a:pPr marL="514350" indent="-514350">
+              <a:buFont typeface="+mj-lt"/>
               <a:buAutoNum type="arabicPeriod"/>
             </a:pPr>
             <a:r>
-              <a:rPr lang="en-US" sz="2800" dirty="0">
-                <a:solidFill>
-                  <a:srgbClr val="707070"/>
+              <a:rPr lang="en-US" sz="2600" b="1" dirty="0">
+                <a:solidFill>
+                  <a:srgbClr val="CF3338"/>
+                </a:solidFill>
+                <a:latin typeface="Pragmatica" pitchFamily="2" charset="0"/>
+              </a:rPr>
+              <a:t>Write a “sentence” in </a:t>
+            </a:r>
+            <a:r>
+              <a:rPr lang="en-US" sz="2600" b="1" dirty="0" err="1">
+                <a:solidFill>
+                  <a:srgbClr val="CF3338"/>
+                </a:solidFill>
+                <a:latin typeface="Consolas" panose="020B0609020204030204" pitchFamily="49" charset="0"/>
+              </a:rPr>
+              <a:t>dplyr</a:t>
+            </a:r>
+            <a:r>
+              <a:rPr lang="en-US" sz="2600" b="1" dirty="0">
+                <a:solidFill>
+                  <a:srgbClr val="CF3338"/>
+                </a:solidFill>
+                <a:latin typeface="Pragmatica" pitchFamily="2" charset="0"/>
+              </a:rPr>
+              <a:t>:</a:t>
+            </a:r>
+          </a:p>
+          <a:p>
+            <a:pPr lvl="1"/>
+            <a:r>
+              <a:rPr lang="en-US" sz="2600" i="1" dirty="0">
+                <a:solidFill>
+                  <a:srgbClr val="CF3338"/>
                 </a:solidFill>
                 <a:latin typeface="Pragmatica" panose="020B0403040502020204" pitchFamily="34" charset="0"/>
               </a:rPr>
-              <a:t>Open the package</a:t>
-            </a:r>
-          </a:p>
-        </p:txBody>
-      </p:sp>
-      <p:pic>
-        <p:nvPicPr>
-          <p:cNvPr id="8194" name="Picture 2">
-            <a:extLst>
-              <a:ext uri="{FF2B5EF4-FFF2-40B4-BE49-F238E27FC236}">
-                <a16:creationId xmlns:a16="http://schemas.microsoft.com/office/drawing/2014/main" id="{93A3D79E-EFB5-4C74-925C-52E65CFB9662}"/>
-              </a:ext>
-            </a:extLst>
-          </p:cNvPr>
-          <p:cNvPicPr>
-            <a:picLocks noChangeAspect="1" noChangeArrowheads="1"/>
-          </p:cNvPicPr>
-          <p:nvPr/>
-        </p:nvPicPr>
-        <p:blipFill>
-          <a:blip r:embed="rId3" cstate="print">
-            <a:extLst>
-              <a:ext uri="{28A0092B-C50C-407E-A947-70E740481C1C}">
-                <a14:useLocalDpi xmlns:a14="http://schemas.microsoft.com/office/drawing/2010/main" val="0"/>
-              </a:ext>
-            </a:extLst>
-          </a:blip>
-          <a:srcRect/>
-          <a:stretch>
-            <a:fillRect/>
-          </a:stretch>
-        </p:blipFill>
-        <p:spPr bwMode="auto">
-          <a:xfrm rot="16200000">
-            <a:off x="4795276" y="1137677"/>
-            <a:ext cx="5720323" cy="5720323"/>
-          </a:xfrm>
-          <a:prstGeom prst="rect">
-            <a:avLst/>
-          </a:prstGeom>
-          <a:noFill/>
-          <a:extLst>
-            <a:ext uri="{909E8E84-426E-40DD-AFC4-6F175D3DCCD1}">
-              <a14:hiddenFill xmlns:a14="http://schemas.microsoft.com/office/drawing/2010/main">
-                <a:solidFill>
-                  <a:srgbClr val="FFFFFF"/>
-                </a:solidFill>
-              </a14:hiddenFill>
-            </a:ext>
-          </a:extLst>
-        </p:spPr>
-      </p:pic>
+              <a:t>“Get me the average price for each cut, sorted from high to low.”</a:t>
+            </a:r>
+          </a:p>
+          <a:p>
+            <a:pPr lvl="1"/>
+            <a:r>
+              <a:rPr lang="en-US" sz="2600" dirty="0">
+                <a:solidFill>
+                  <a:srgbClr val="CF3338"/>
+                </a:solidFill>
+                <a:latin typeface="Pragmatica" panose="020B0403040502020204" pitchFamily="34" charset="0"/>
+              </a:rPr>
+              <a:t>How would you pseudo-code this?</a:t>
+            </a:r>
+          </a:p>
+          <a:p>
+            <a:pPr marL="914400" lvl="1" indent="-457200">
+              <a:buFont typeface="Arial" panose="020B0604020202020204" pitchFamily="34" charset="0"/>
+              <a:buChar char="•"/>
+            </a:pPr>
+            <a:r>
+              <a:rPr lang="en-US" sz="2600" dirty="0">
+                <a:solidFill>
+                  <a:srgbClr val="CF3338"/>
+                </a:solidFill>
+                <a:latin typeface="Pragmatica" panose="020B0403040502020204" pitchFamily="34" charset="0"/>
+              </a:rPr>
+              <a:t>Group by cut</a:t>
+            </a:r>
+          </a:p>
+          <a:p>
+            <a:pPr marL="914400" lvl="1" indent="-457200">
+              <a:buFont typeface="Arial" panose="020B0604020202020204" pitchFamily="34" charset="0"/>
+              <a:buChar char="•"/>
+            </a:pPr>
+            <a:r>
+              <a:rPr lang="en-US" sz="2600" dirty="0">
+                <a:solidFill>
+                  <a:srgbClr val="CF3338"/>
+                </a:solidFill>
+                <a:latin typeface="Pragmatica" panose="020B0403040502020204" pitchFamily="34" charset="0"/>
+              </a:rPr>
+              <a:t>Find average for each group</a:t>
+            </a:r>
+          </a:p>
+          <a:p>
+            <a:pPr marL="914400" lvl="1" indent="-457200">
+              <a:buFont typeface="Arial" panose="020B0604020202020204" pitchFamily="34" charset="0"/>
+              <a:buChar char="•"/>
+            </a:pPr>
+            <a:r>
+              <a:rPr lang="en-US" sz="2600" dirty="0">
+                <a:solidFill>
+                  <a:srgbClr val="CF3338"/>
+                </a:solidFill>
+                <a:latin typeface="Pragmatica" panose="020B0403040502020204" pitchFamily="34" charset="0"/>
+              </a:rPr>
+              <a:t>Sort the results</a:t>
+            </a:r>
+          </a:p>
+          <a:p>
+            <a:pPr lvl="1"/>
+            <a:endParaRPr lang="en-US" sz="2600" i="1" dirty="0">
+              <a:solidFill>
+                <a:srgbClr val="CF3338"/>
+              </a:solidFill>
+              <a:latin typeface="Pragmatica" panose="020B0403040502020204" pitchFamily="34" charset="0"/>
+            </a:endParaRPr>
+          </a:p>
+          <a:p>
+            <a:r>
+              <a:rPr lang="en-US" sz="2600" b="1" dirty="0">
+                <a:solidFill>
+                  <a:srgbClr val="CF3338"/>
+                </a:solidFill>
+                <a:latin typeface="Pragmatica" pitchFamily="2" charset="0"/>
+              </a:rPr>
+              <a:t>File: </a:t>
+            </a:r>
+            <a:r>
+              <a:rPr lang="en-US" sz="2600" b="1" dirty="0" err="1">
+                <a:solidFill>
+                  <a:srgbClr val="CF3338"/>
+                </a:solidFill>
+                <a:latin typeface="Consolas" panose="020B0609020204030204" pitchFamily="49" charset="0"/>
+              </a:rPr>
+              <a:t>diamonds.r</a:t>
+            </a:r>
+            <a:endParaRPr lang="en-US" sz="2600" b="1" dirty="0">
+              <a:solidFill>
+                <a:srgbClr val="CF3338"/>
+              </a:solidFill>
+              <a:latin typeface="Consolas" panose="020B0609020204030204" pitchFamily="49" charset="0"/>
+            </a:endParaRPr>
+          </a:p>
+          <a:p>
+            <a:pPr marL="514350" indent="-514350">
+              <a:buFont typeface="+mj-lt"/>
+              <a:buAutoNum type="arabicPeriod"/>
+            </a:pPr>
+            <a:endParaRPr lang="en-US" sz="2600" b="1" dirty="0">
+              <a:solidFill>
+                <a:srgbClr val="CF3338"/>
+              </a:solidFill>
+              <a:latin typeface="Pragmatica" pitchFamily="2" charset="0"/>
+            </a:endParaRPr>
+          </a:p>
+        </p:txBody>
+      </p:sp>
     </p:spTree>
     <p:extLst>
       <p:ext uri="{BB962C8B-B14F-4D97-AF65-F5344CB8AC3E}">
-        <p14:creationId xmlns:p14="http://schemas.microsoft.com/office/powerpoint/2010/main" val="1008184787"/>
+        <p14:creationId xmlns:p14="http://schemas.microsoft.com/office/powerpoint/2010/main" val="3861786641"/>
       </p:ext>
     </p:extLst>
   </p:cSld>
@@ -6583,122 +8754,75 @@
           <a:chExt cx="0" cy="0"/>
         </a:xfrm>
       </p:grpSpPr>
-      <p:sp>
-        <p:nvSpPr>
-          <p:cNvPr id="4" name="Rectangle 3"/>
-          <p:cNvSpPr/>
-          <p:nvPr/>
-        </p:nvSpPr>
-        <p:spPr>
-          <a:xfrm>
-            <a:off x="6574420" y="0"/>
-            <a:ext cx="5617580" cy="6858000"/>
-          </a:xfrm>
-          <a:prstGeom prst="rect">
-            <a:avLst/>
-          </a:prstGeom>
-          <a:solidFill>
-            <a:srgbClr val="CF3338"/>
-          </a:solidFill>
-        </p:spPr>
-        <p:style>
-          <a:lnRef idx="2">
-            <a:schemeClr val="accent1">
-              <a:shade val="50000"/>
-            </a:schemeClr>
-          </a:lnRef>
-          <a:fillRef idx="1">
-            <a:schemeClr val="accent1"/>
-          </a:fillRef>
-          <a:effectRef idx="0">
-            <a:schemeClr val="accent1"/>
-          </a:effectRef>
-          <a:fontRef idx="minor">
-            <a:schemeClr val="lt1"/>
-          </a:fontRef>
-        </p:style>
-        <p:txBody>
-          <a:bodyPr rtlCol="0" anchor="ctr"/>
-          <a:lstStyle/>
-          <a:p>
-            <a:pPr algn="ctr"/>
-            <a:endParaRPr lang="en-US"/>
-          </a:p>
-        </p:txBody>
-      </p:sp>
-      <p:sp>
-        <p:nvSpPr>
-          <p:cNvPr id="5" name="TextBox 4"/>
-          <p:cNvSpPr txBox="1"/>
-          <p:nvPr/>
-        </p:nvSpPr>
-        <p:spPr>
-          <a:xfrm>
-            <a:off x="6817489" y="0"/>
-            <a:ext cx="4120587" cy="1446550"/>
-          </a:xfrm>
-          <a:prstGeom prst="rect">
-            <a:avLst/>
-          </a:prstGeom>
-          <a:noFill/>
-        </p:spPr>
-        <p:txBody>
-          <a:bodyPr wrap="square" rtlCol="0">
-            <a:spAutoFit/>
-          </a:bodyPr>
-          <a:lstStyle/>
-          <a:p>
-            <a:r>
-              <a:rPr lang="en-US" sz="8800" dirty="0">
-                <a:solidFill>
-                  <a:schemeClr val="bg1"/>
-                </a:solidFill>
-                <a:latin typeface="Aliens &amp; cows" panose="00000500000000000000" pitchFamily="2" charset="0"/>
-              </a:rPr>
-              <a:t>Demo</a:t>
-            </a:r>
-          </a:p>
-        </p:txBody>
-      </p:sp>
       <p:pic>
         <p:nvPicPr>
-          <p:cNvPr id="2" name="Picture 1"/>
+          <p:cNvPr id="10" name="Picture 9"/>
           <p:cNvPicPr>
             <a:picLocks noChangeAspect="1"/>
           </p:cNvPicPr>
           <p:nvPr/>
         </p:nvPicPr>
         <p:blipFill rotWithShape="1">
-          <a:blip r:embed="rId2">
+          <a:blip r:embed="rId3">
             <a:extLst>
               <a:ext uri="{28A0092B-C50C-407E-A947-70E740481C1C}">
                 <a14:useLocalDpi xmlns:a14="http://schemas.microsoft.com/office/drawing/2010/main" val="0"/>
               </a:ext>
             </a:extLst>
           </a:blip>
-          <a:srcRect l="69227" t="33418" r="20112" b="50548"/>
+          <a:srcRect l="50728" t="56371"/>
           <a:stretch/>
         </p:blipFill>
         <p:spPr>
           <a:xfrm>
-            <a:off x="10386349" y="5029795"/>
-            <a:ext cx="1805651" cy="1991719"/>
+            <a:off x="8136460" y="2210765"/>
+            <a:ext cx="4055539" cy="4647236"/>
           </a:xfrm>
           <a:prstGeom prst="rect">
             <a:avLst/>
           </a:prstGeom>
         </p:spPr>
       </p:pic>
-      <p:sp>
-        <p:nvSpPr>
-          <p:cNvPr id="3" name="TextBox 2"/>
+      <p:pic>
+        <p:nvPicPr>
+          <p:cNvPr id="4" name="Picture 3"/>
+          <p:cNvPicPr>
+            <a:picLocks noChangeAspect="1"/>
+          </p:cNvPicPr>
+          <p:nvPr/>
+        </p:nvPicPr>
+        <p:blipFill>
+          <a:blip r:embed="rId4">
+            <a:extLst>
+              <a:ext uri="{28A0092B-C50C-407E-A947-70E740481C1C}">
+                <a14:useLocalDpi xmlns:a14="http://schemas.microsoft.com/office/drawing/2010/main" val="0"/>
+              </a:ext>
+            </a:extLst>
+          </a:blip>
+          <a:stretch>
+            <a:fillRect/>
+          </a:stretch>
+        </p:blipFill>
+        <p:spPr>
+          <a:xfrm>
+            <a:off x="-538496" y="-2482770"/>
+            <a:ext cx="10171472" cy="7459883"/>
+          </a:xfrm>
+          <a:prstGeom prst="rect">
+            <a:avLst/>
+          </a:prstGeom>
+        </p:spPr>
+      </p:pic>
+      <p:sp>
+        <p:nvSpPr>
+          <p:cNvPr id="11" name="TextBox 10"/>
           <p:cNvSpPr txBox="1"/>
           <p:nvPr/>
         </p:nvSpPr>
         <p:spPr>
           <a:xfrm>
-            <a:off x="173620" y="219919"/>
-            <a:ext cx="5937813" cy="954107"/>
+            <a:off x="324091" y="1687545"/>
+            <a:ext cx="7986531" cy="523220"/>
           </a:xfrm>
           <a:prstGeom prst="rect">
             <a:avLst/>
@@ -6714,194 +8838,19 @@
             <a:r>
               <a:rPr lang="en-US" sz="2800" b="1" dirty="0">
                 <a:solidFill>
-                  <a:srgbClr val="CF3338"/>
-                </a:solidFill>
-                <a:latin typeface="Pragmatica" pitchFamily="2" charset="0"/>
-              </a:rPr>
-              <a:t>Speaking the language of data with the </a:t>
-            </a:r>
-            <a:r>
-              <a:rPr lang="en-US" sz="2800" b="1" dirty="0" err="1">
-                <a:solidFill>
-                  <a:srgbClr val="CF3338"/>
-                </a:solidFill>
-                <a:latin typeface="Consolas" panose="020B0609020204030204" pitchFamily="49" charset="0"/>
-              </a:rPr>
-              <a:t>tidyverse</a:t>
-            </a:r>
-            <a:endParaRPr lang="en-US" sz="2800" b="1" dirty="0">
-              <a:solidFill>
-                <a:srgbClr val="CF3338"/>
-              </a:solidFill>
-              <a:latin typeface="Consolas" panose="020B0609020204030204" pitchFamily="49" charset="0"/>
-            </a:endParaRPr>
-          </a:p>
-        </p:txBody>
-      </p:sp>
-      <p:sp>
-        <p:nvSpPr>
-          <p:cNvPr id="7" name="TextBox 6">
-            <a:extLst>
-              <a:ext uri="{FF2B5EF4-FFF2-40B4-BE49-F238E27FC236}">
-                <a16:creationId xmlns:a16="http://schemas.microsoft.com/office/drawing/2014/main" id="{855BC584-A237-4C91-9DAB-ADA80256CAC8}"/>
-              </a:ext>
-            </a:extLst>
-          </p:cNvPr>
-          <p:cNvSpPr txBox="1"/>
-          <p:nvPr/>
-        </p:nvSpPr>
-        <p:spPr>
-          <a:xfrm>
-            <a:off x="158187" y="1446550"/>
-            <a:ext cx="5937813" cy="3970318"/>
-          </a:xfrm>
-          <a:prstGeom prst="rect">
-            <a:avLst/>
-          </a:prstGeom>
-          <a:noFill/>
-        </p:spPr>
-        <p:txBody>
-          <a:bodyPr wrap="square" rtlCol="0">
-            <a:spAutoFit/>
-          </a:bodyPr>
-          <a:lstStyle/>
-          <a:p>
-            <a:pPr marL="514350" indent="-514350">
-              <a:buFont typeface="+mj-lt"/>
-              <a:buAutoNum type="arabicPeriod"/>
-            </a:pPr>
-            <a:r>
-              <a:rPr lang="en-US" sz="2800" b="1" dirty="0">
-                <a:solidFill>
-                  <a:srgbClr val="CF3338"/>
-                </a:solidFill>
-                <a:latin typeface="Pragmatica" pitchFamily="2" charset="0"/>
-              </a:rPr>
-              <a:t>Load and explore </a:t>
-            </a:r>
-            <a:r>
-              <a:rPr lang="en-US" sz="2800" b="1" dirty="0">
-                <a:solidFill>
-                  <a:srgbClr val="CF3338"/>
-                </a:solidFill>
-                <a:latin typeface="Consolas" panose="020B0609020204030204" pitchFamily="49" charset="0"/>
-              </a:rPr>
-              <a:t>diamonds</a:t>
-            </a:r>
-            <a:r>
-              <a:rPr lang="en-US" sz="2800" b="1" dirty="0">
-                <a:solidFill>
-                  <a:srgbClr val="CF3338"/>
-                </a:solidFill>
-                <a:latin typeface="Pragmatica" pitchFamily="2" charset="0"/>
-              </a:rPr>
-              <a:t> dataset</a:t>
-            </a:r>
-            <a:endParaRPr lang="en-US" sz="2800" b="1" dirty="0">
-              <a:solidFill>
-                <a:srgbClr val="CF3338"/>
-              </a:solidFill>
-              <a:latin typeface="Consolas" panose="020B0609020204030204" pitchFamily="49" charset="0"/>
-            </a:endParaRPr>
-          </a:p>
-          <a:p>
-            <a:pPr marL="514350" indent="-514350">
-              <a:buFont typeface="+mj-lt"/>
-              <a:buAutoNum type="arabicPeriod"/>
-            </a:pPr>
-            <a:r>
-              <a:rPr lang="en-US" sz="2800" b="1" dirty="0">
-                <a:solidFill>
-                  <a:srgbClr val="CF3338"/>
-                </a:solidFill>
-                <a:latin typeface="Pragmatica" pitchFamily="2" charset="0"/>
-              </a:rPr>
-              <a:t>Write a “sentence” in </a:t>
-            </a:r>
-            <a:r>
-              <a:rPr lang="en-US" sz="2800" b="1" dirty="0" err="1">
-                <a:solidFill>
-                  <a:srgbClr val="CF3338"/>
-                </a:solidFill>
-                <a:latin typeface="Consolas" panose="020B0609020204030204" pitchFamily="49" charset="0"/>
-              </a:rPr>
-              <a:t>dplyr</a:t>
-            </a:r>
-            <a:r>
-              <a:rPr lang="en-US" sz="2800" b="1" dirty="0">
-                <a:solidFill>
-                  <a:srgbClr val="CF3338"/>
-                </a:solidFill>
-                <a:latin typeface="Pragmatica" pitchFamily="2" charset="0"/>
-              </a:rPr>
-              <a:t>:</a:t>
-            </a:r>
-          </a:p>
-          <a:p>
-            <a:pPr lvl="1"/>
-            <a:r>
-              <a:rPr lang="en-US" sz="2800" i="1" dirty="0">
-                <a:solidFill>
-                  <a:srgbClr val="CF3338"/>
+                  <a:srgbClr val="707070"/>
                 </a:solidFill>
                 <a:latin typeface="Pragmatica" panose="020B0403040502020204" pitchFamily="34" charset="0"/>
               </a:rPr>
-              <a:t>“Get me the average price for each cut, sorted from high to low.” </a:t>
-            </a:r>
-          </a:p>
-          <a:p>
-            <a:pPr lvl="1"/>
-            <a:endParaRPr lang="en-US" sz="2800" i="1" dirty="0">
-              <a:solidFill>
-                <a:srgbClr val="CF3338"/>
-              </a:solidFill>
-              <a:latin typeface="Pragmatica" panose="020B0403040502020204" pitchFamily="34" charset="0"/>
-            </a:endParaRPr>
-          </a:p>
-          <a:p>
-            <a:r>
-              <a:rPr lang="en-US" sz="2800" b="1" dirty="0">
-                <a:solidFill>
-                  <a:srgbClr val="CF3338"/>
-                </a:solidFill>
-                <a:latin typeface="Pragmatica" pitchFamily="2" charset="0"/>
-              </a:rPr>
-              <a:t>File: </a:t>
-            </a:r>
-            <a:r>
-              <a:rPr lang="en-US" sz="2800" b="1" dirty="0" err="1">
-                <a:solidFill>
-                  <a:srgbClr val="CF3338"/>
-                </a:solidFill>
-                <a:latin typeface="Consolas" panose="020B0609020204030204" pitchFamily="49" charset="0"/>
-              </a:rPr>
-              <a:t>diamonds.r</a:t>
-            </a:r>
-            <a:endParaRPr lang="en-US" sz="2800" b="1" dirty="0">
-              <a:solidFill>
-                <a:srgbClr val="CF3338"/>
-              </a:solidFill>
-              <a:latin typeface="Consolas" panose="020B0609020204030204" pitchFamily="49" charset="0"/>
-            </a:endParaRPr>
-          </a:p>
-          <a:p>
-            <a:pPr marL="514350" indent="-514350">
-              <a:buFont typeface="+mj-lt"/>
-              <a:buAutoNum type="arabicPeriod"/>
-            </a:pPr>
-            <a:endParaRPr lang="en-US" sz="2800" b="1" dirty="0">
-              <a:solidFill>
-                <a:srgbClr val="CF3338"/>
-              </a:solidFill>
-              <a:latin typeface="Pragmatica" pitchFamily="2" charset="0"/>
-            </a:endParaRPr>
+              <a:t>Questions?</a:t>
+            </a:r>
           </a:p>
         </p:txBody>
       </p:sp>
     </p:spTree>
     <p:extLst>
       <p:ext uri="{BB962C8B-B14F-4D97-AF65-F5344CB8AC3E}">
-        <p14:creationId xmlns:p14="http://schemas.microsoft.com/office/powerpoint/2010/main" val="1917160677"/>
+        <p14:creationId xmlns:p14="http://schemas.microsoft.com/office/powerpoint/2010/main" val="4242815480"/>
       </p:ext>
     </p:extLst>
   </p:cSld>
@@ -6928,75 +8877,59 @@
           <a:chExt cx="0" cy="0"/>
         </a:xfrm>
       </p:grpSpPr>
-      <p:pic>
-        <p:nvPicPr>
-          <p:cNvPr id="10" name="Picture 9"/>
-          <p:cNvPicPr>
-            <a:picLocks noChangeAspect="1"/>
-          </p:cNvPicPr>
+      <p:sp>
+        <p:nvSpPr>
+          <p:cNvPr id="4" name="Rectangle 3"/>
+          <p:cNvSpPr/>
           <p:nvPr/>
-        </p:nvPicPr>
-        <p:blipFill rotWithShape="1">
-          <a:blip r:embed="rId2">
-            <a:extLst>
-              <a:ext uri="{28A0092B-C50C-407E-A947-70E740481C1C}">
-                <a14:useLocalDpi xmlns:a14="http://schemas.microsoft.com/office/drawing/2010/main" val="0"/>
-              </a:ext>
-            </a:extLst>
-          </a:blip>
-          <a:srcRect l="50728" t="56371"/>
-          <a:stretch/>
-        </p:blipFill>
-        <p:spPr>
-          <a:xfrm>
-            <a:off x="8136460" y="2210765"/>
-            <a:ext cx="4055539" cy="4647236"/>
+        </p:nvSpPr>
+        <p:spPr>
+          <a:xfrm>
+            <a:off x="0" y="0"/>
+            <a:ext cx="12192000" cy="6858000"/>
           </a:xfrm>
           <a:prstGeom prst="rect">
             <a:avLst/>
           </a:prstGeom>
-        </p:spPr>
-      </p:pic>
-      <p:pic>
-        <p:nvPicPr>
-          <p:cNvPr id="4" name="Picture 3"/>
-          <p:cNvPicPr>
-            <a:picLocks noChangeAspect="1"/>
-          </p:cNvPicPr>
-          <p:nvPr/>
-        </p:nvPicPr>
-        <p:blipFill>
-          <a:blip r:embed="rId3">
-            <a:extLst>
-              <a:ext uri="{28A0092B-C50C-407E-A947-70E740481C1C}">
-                <a14:useLocalDpi xmlns:a14="http://schemas.microsoft.com/office/drawing/2010/main" val="0"/>
-              </a:ext>
-            </a:extLst>
-          </a:blip>
-          <a:stretch>
-            <a:fillRect/>
-          </a:stretch>
-        </p:blipFill>
-        <p:spPr>
-          <a:xfrm>
-            <a:off x="-538496" y="-2482770"/>
-            <a:ext cx="10171472" cy="7459883"/>
-          </a:xfrm>
-          <a:prstGeom prst="rect">
-            <a:avLst/>
-          </a:prstGeom>
-        </p:spPr>
-      </p:pic>
-      <p:sp>
-        <p:nvSpPr>
-          <p:cNvPr id="11" name="TextBox 10"/>
+          <a:solidFill>
+            <a:srgbClr val="CF3338"/>
+          </a:solidFill>
+        </p:spPr>
+        <p:style>
+          <a:lnRef idx="2">
+            <a:schemeClr val="accent1">
+              <a:shade val="50000"/>
+            </a:schemeClr>
+          </a:lnRef>
+          <a:fillRef idx="1">
+            <a:schemeClr val="accent1"/>
+          </a:fillRef>
+          <a:effectRef idx="0">
+            <a:schemeClr val="accent1"/>
+          </a:effectRef>
+          <a:fontRef idx="minor">
+            <a:schemeClr val="lt1"/>
+          </a:fontRef>
+        </p:style>
+        <p:txBody>
+          <a:bodyPr rtlCol="0" anchor="ctr"/>
+          <a:lstStyle/>
+          <a:p>
+            <a:pPr algn="ctr"/>
+            <a:endParaRPr lang="en-US"/>
+          </a:p>
+        </p:txBody>
+      </p:sp>
+      <p:sp>
+        <p:nvSpPr>
+          <p:cNvPr id="5" name="TextBox 4"/>
           <p:cNvSpPr txBox="1"/>
           <p:nvPr/>
         </p:nvSpPr>
         <p:spPr>
           <a:xfrm>
-            <a:off x="324091" y="1687545"/>
-            <a:ext cx="7986531" cy="523220"/>
+            <a:off x="520861" y="393539"/>
+            <a:ext cx="10324617" cy="1107996"/>
           </a:xfrm>
           <a:prstGeom prst="rect">
             <a:avLst/>
@@ -7010,13 +8943,13 @@
           <a:lstStyle/>
           <a:p>
             <a:r>
-              <a:rPr lang="en-US" sz="2800" b="1" dirty="0">
-                <a:solidFill>
-                  <a:srgbClr val="707070"/>
-                </a:solidFill>
-                <a:latin typeface="Pragmatica" panose="020B0403040502020204" pitchFamily="34" charset="0"/>
-              </a:rPr>
-              <a:t>Questions?</a:t>
+              <a:rPr lang="en-US" sz="6600" b="1" dirty="0">
+                <a:solidFill>
+                  <a:schemeClr val="bg1"/>
+                </a:solidFill>
+                <a:latin typeface="Pragmatica" pitchFamily="2" charset="0"/>
+              </a:rPr>
+              <a:t>Prancing into Python</a:t>
             </a:r>
           </a:p>
         </p:txBody>
@@ -7024,7 +8957,7 @@
     </p:spTree>
     <p:extLst>
       <p:ext uri="{BB962C8B-B14F-4D97-AF65-F5344CB8AC3E}">
-        <p14:creationId xmlns:p14="http://schemas.microsoft.com/office/powerpoint/2010/main" val="284881867"/>
+        <p14:creationId xmlns:p14="http://schemas.microsoft.com/office/powerpoint/2010/main" val="692570879"/>
       </p:ext>
     </p:extLst>
   </p:cSld>
@@ -7051,59 +8984,45 @@
           <a:chExt cx="0" cy="0"/>
         </a:xfrm>
       </p:grpSpPr>
-      <p:sp>
-        <p:nvSpPr>
-          <p:cNvPr id="4" name="Rectangle 3"/>
-          <p:cNvSpPr/>
+      <p:pic>
+        <p:nvPicPr>
+          <p:cNvPr id="10" name="Picture 9"/>
+          <p:cNvPicPr>
+            <a:picLocks noChangeAspect="1"/>
+          </p:cNvPicPr>
           <p:nvPr/>
-        </p:nvSpPr>
-        <p:spPr>
-          <a:xfrm>
-            <a:off x="0" y="0"/>
-            <a:ext cx="12192000" cy="6858000"/>
+        </p:nvPicPr>
+        <p:blipFill rotWithShape="1">
+          <a:blip r:embed="rId3">
+            <a:extLst>
+              <a:ext uri="{28A0092B-C50C-407E-A947-70E740481C1C}">
+                <a14:useLocalDpi xmlns:a14="http://schemas.microsoft.com/office/drawing/2010/main" val="0"/>
+              </a:ext>
+            </a:extLst>
+          </a:blip>
+          <a:srcRect l="50728" t="56371"/>
+          <a:stretch/>
+        </p:blipFill>
+        <p:spPr>
+          <a:xfrm>
+            <a:off x="10894024" y="5370653"/>
+            <a:ext cx="1297975" cy="1487348"/>
           </a:xfrm>
           <a:prstGeom prst="rect">
             <a:avLst/>
           </a:prstGeom>
-          <a:solidFill>
-            <a:srgbClr val="CF3338"/>
-          </a:solidFill>
-        </p:spPr>
-        <p:style>
-          <a:lnRef idx="2">
-            <a:schemeClr val="accent1">
-              <a:shade val="50000"/>
-            </a:schemeClr>
-          </a:lnRef>
-          <a:fillRef idx="1">
-            <a:schemeClr val="accent1"/>
-          </a:fillRef>
-          <a:effectRef idx="0">
-            <a:schemeClr val="accent1"/>
-          </a:effectRef>
-          <a:fontRef idx="minor">
-            <a:schemeClr val="lt1"/>
-          </a:fontRef>
-        </p:style>
-        <p:txBody>
-          <a:bodyPr rtlCol="0" anchor="ctr"/>
-          <a:lstStyle/>
-          <a:p>
-            <a:pPr algn="ctr"/>
-            <a:endParaRPr lang="en-US"/>
-          </a:p>
-        </p:txBody>
-      </p:sp>
-      <p:sp>
-        <p:nvSpPr>
-          <p:cNvPr id="5" name="TextBox 4"/>
+        </p:spPr>
+      </p:pic>
+      <p:sp>
+        <p:nvSpPr>
+          <p:cNvPr id="11" name="TextBox 10"/>
           <p:cNvSpPr txBox="1"/>
           <p:nvPr/>
         </p:nvSpPr>
         <p:spPr>
           <a:xfrm>
-            <a:off x="520861" y="393539"/>
-            <a:ext cx="10324617" cy="1107996"/>
+            <a:off x="347240" y="113388"/>
+            <a:ext cx="9799937" cy="1015663"/>
           </a:xfrm>
           <a:prstGeom prst="rect">
             <a:avLst/>
@@ -7117,13 +9036,273 @@
           <a:lstStyle/>
           <a:p>
             <a:r>
-              <a:rPr lang="en-US" sz="6600" b="1" dirty="0">
-                <a:solidFill>
-                  <a:schemeClr val="bg1"/>
-                </a:solidFill>
+              <a:rPr lang="en-US" sz="6000" dirty="0">
+                <a:latin typeface="Aliens &amp; cows" panose="00000500000000000000" pitchFamily="2" charset="0"/>
+              </a:rPr>
+              <a:t>Python+ Anaconda + </a:t>
+            </a:r>
+            <a:r>
+              <a:rPr lang="en-US" sz="6000" dirty="0" err="1">
+                <a:latin typeface="Aliens &amp; cows" panose="00000500000000000000" pitchFamily="2" charset="0"/>
+              </a:rPr>
+              <a:t>Jupyter</a:t>
+            </a:r>
+            <a:endParaRPr lang="en-US" sz="6000" dirty="0">
+              <a:latin typeface="Aliens &amp; cows" panose="00000500000000000000" pitchFamily="2" charset="0"/>
+            </a:endParaRPr>
+          </a:p>
+        </p:txBody>
+      </p:sp>
+      <p:sp>
+        <p:nvSpPr>
+          <p:cNvPr id="8" name="TextBox 7">
+            <a:extLst>
+              <a:ext uri="{FF2B5EF4-FFF2-40B4-BE49-F238E27FC236}">
+                <a16:creationId xmlns:a16="http://schemas.microsoft.com/office/drawing/2014/main" id="{11840D5C-3D15-43FA-828B-81755108AC4E}"/>
+              </a:ext>
+            </a:extLst>
+          </p:cNvPr>
+          <p:cNvSpPr txBox="1"/>
+          <p:nvPr/>
+        </p:nvSpPr>
+        <p:spPr>
+          <a:xfrm>
+            <a:off x="4211235" y="5048028"/>
+            <a:ext cx="3223967" cy="830997"/>
+          </a:xfrm>
+          <a:prstGeom prst="rect">
+            <a:avLst/>
+          </a:prstGeom>
+          <a:noFill/>
+        </p:spPr>
+        <p:txBody>
+          <a:bodyPr wrap="square" rtlCol="0">
+            <a:spAutoFit/>
+          </a:bodyPr>
+          <a:lstStyle/>
+          <a:p>
+            <a:pPr algn="ctr"/>
+            <a:r>
+              <a:rPr lang="en-US" sz="2400" dirty="0">
                 <a:latin typeface="Pragmatica" pitchFamily="2" charset="0"/>
               </a:rPr>
-              <a:t>Prancing into Python</a:t>
+              <a:t>The distribution of code &amp; apps</a:t>
+            </a:r>
+          </a:p>
+        </p:txBody>
+      </p:sp>
+      <p:sp>
+        <p:nvSpPr>
+          <p:cNvPr id="12" name="TextBox 11">
+            <a:extLst>
+              <a:ext uri="{FF2B5EF4-FFF2-40B4-BE49-F238E27FC236}">
+                <a16:creationId xmlns:a16="http://schemas.microsoft.com/office/drawing/2014/main" id="{58B22640-98BF-4B6B-939E-E50C08DEC28C}"/>
+              </a:ext>
+            </a:extLst>
+          </p:cNvPr>
+          <p:cNvSpPr txBox="1"/>
+          <p:nvPr/>
+        </p:nvSpPr>
+        <p:spPr>
+          <a:xfrm>
+            <a:off x="334451" y="5139820"/>
+            <a:ext cx="3641931" cy="830997"/>
+          </a:xfrm>
+          <a:prstGeom prst="rect">
+            <a:avLst/>
+          </a:prstGeom>
+          <a:noFill/>
+        </p:spPr>
+        <p:txBody>
+          <a:bodyPr wrap="square">
+            <a:spAutoFit/>
+          </a:bodyPr>
+          <a:lstStyle/>
+          <a:p>
+            <a:r>
+              <a:rPr lang="en-US" sz="2400" dirty="0">
+                <a:latin typeface="Pragmatica" pitchFamily="2" charset="0"/>
+              </a:rPr>
+              <a:t>The (open) source code</a:t>
+            </a:r>
+          </a:p>
+        </p:txBody>
+      </p:sp>
+      <p:pic>
+        <p:nvPicPr>
+          <p:cNvPr id="3074" name="Picture 2">
+            <a:extLst>
+              <a:ext uri="{FF2B5EF4-FFF2-40B4-BE49-F238E27FC236}">
+                <a16:creationId xmlns:a16="http://schemas.microsoft.com/office/drawing/2014/main" id="{E3988C34-2EF3-4BC5-A72A-3F7595D4F9CB}"/>
+              </a:ext>
+            </a:extLst>
+          </p:cNvPr>
+          <p:cNvPicPr>
+            <a:picLocks noChangeAspect="1" noChangeArrowheads="1"/>
+          </p:cNvPicPr>
+          <p:nvPr/>
+        </p:nvPicPr>
+        <p:blipFill>
+          <a:blip r:embed="rId4" cstate="print">
+            <a:extLst>
+              <a:ext uri="{28A0092B-C50C-407E-A947-70E740481C1C}">
+                <a14:useLocalDpi xmlns:a14="http://schemas.microsoft.com/office/drawing/2010/main" val="0"/>
+              </a:ext>
+            </a:extLst>
+          </a:blip>
+          <a:srcRect/>
+          <a:stretch>
+            <a:fillRect/>
+          </a:stretch>
+        </p:blipFill>
+        <p:spPr bwMode="auto">
+          <a:xfrm>
+            <a:off x="418750" y="2407641"/>
+            <a:ext cx="2608976" cy="2608976"/>
+          </a:xfrm>
+          <a:prstGeom prst="rect">
+            <a:avLst/>
+          </a:prstGeom>
+          <a:noFill/>
+          <a:extLst>
+            <a:ext uri="{909E8E84-426E-40DD-AFC4-6F175D3DCCD1}">
+              <a14:hiddenFill xmlns:a14="http://schemas.microsoft.com/office/drawing/2010/main">
+                <a:solidFill>
+                  <a:srgbClr val="FFFFFF"/>
+                </a:solidFill>
+              </a14:hiddenFill>
+            </a:ext>
+          </a:extLst>
+        </p:spPr>
+      </p:pic>
+      <p:pic>
+        <p:nvPicPr>
+          <p:cNvPr id="3076" name="Picture 4" descr="Anaconda (Python distribution) - Wikipedia">
+            <a:extLst>
+              <a:ext uri="{FF2B5EF4-FFF2-40B4-BE49-F238E27FC236}">
+                <a16:creationId xmlns:a16="http://schemas.microsoft.com/office/drawing/2014/main" id="{68DA0063-7FE8-4DF8-994B-B10B1C977495}"/>
+              </a:ext>
+            </a:extLst>
+          </p:cNvPr>
+          <p:cNvPicPr>
+            <a:picLocks noChangeAspect="1" noChangeArrowheads="1"/>
+          </p:cNvPicPr>
+          <p:nvPr/>
+        </p:nvPicPr>
+        <p:blipFill>
+          <a:blip r:embed="rId5">
+            <a:extLst>
+              <a:ext uri="{28A0092B-C50C-407E-A947-70E740481C1C}">
+                <a14:useLocalDpi xmlns:a14="http://schemas.microsoft.com/office/drawing/2010/main" val="0"/>
+              </a:ext>
+            </a:extLst>
+          </a:blip>
+          <a:srcRect/>
+          <a:stretch>
+            <a:fillRect/>
+          </a:stretch>
+        </p:blipFill>
+        <p:spPr bwMode="auto">
+          <a:xfrm>
+            <a:off x="3698716" y="2576686"/>
+            <a:ext cx="4257675" cy="2124075"/>
+          </a:xfrm>
+          <a:prstGeom prst="rect">
+            <a:avLst/>
+          </a:prstGeom>
+          <a:noFill/>
+          <a:extLst>
+            <a:ext uri="{909E8E84-426E-40DD-AFC4-6F175D3DCCD1}">
+              <a14:hiddenFill xmlns:a14="http://schemas.microsoft.com/office/drawing/2010/main">
+                <a:solidFill>
+                  <a:srgbClr val="FFFFFF"/>
+                </a:solidFill>
+              </a14:hiddenFill>
+            </a:ext>
+          </a:extLst>
+        </p:spPr>
+      </p:pic>
+      <p:pic>
+        <p:nvPicPr>
+          <p:cNvPr id="3078" name="Picture 6" descr="Project Jupyter - Wikipedia">
+            <a:extLst>
+              <a:ext uri="{FF2B5EF4-FFF2-40B4-BE49-F238E27FC236}">
+                <a16:creationId xmlns:a16="http://schemas.microsoft.com/office/drawing/2014/main" id="{CD5F432D-C909-4287-9AEF-76EB923DE370}"/>
+              </a:ext>
+            </a:extLst>
+          </p:cNvPr>
+          <p:cNvPicPr>
+            <a:picLocks noChangeAspect="1" noChangeArrowheads="1"/>
+          </p:cNvPicPr>
+          <p:nvPr/>
+        </p:nvPicPr>
+        <p:blipFill>
+          <a:blip r:embed="rId6" cstate="print">
+            <a:extLst>
+              <a:ext uri="{28A0092B-C50C-407E-A947-70E740481C1C}">
+                <a14:useLocalDpi xmlns:a14="http://schemas.microsoft.com/office/drawing/2010/main" val="0"/>
+              </a:ext>
+            </a:extLst>
+          </a:blip>
+          <a:srcRect/>
+          <a:stretch>
+            <a:fillRect/>
+          </a:stretch>
+        </p:blipFill>
+        <p:spPr bwMode="auto">
+          <a:xfrm>
+            <a:off x="8967904" y="1882550"/>
+            <a:ext cx="2730958" cy="3165478"/>
+          </a:xfrm>
+          <a:prstGeom prst="rect">
+            <a:avLst/>
+          </a:prstGeom>
+          <a:noFill/>
+          <a:extLst>
+            <a:ext uri="{909E8E84-426E-40DD-AFC4-6F175D3DCCD1}">
+              <a14:hiddenFill xmlns:a14="http://schemas.microsoft.com/office/drawing/2010/main">
+                <a:solidFill>
+                  <a:srgbClr val="FFFFFF"/>
+                </a:solidFill>
+              </a14:hiddenFill>
+            </a:ext>
+          </a:extLst>
+        </p:spPr>
+      </p:pic>
+      <p:sp>
+        <p:nvSpPr>
+          <p:cNvPr id="13" name="TextBox 12">
+            <a:extLst>
+              <a:ext uri="{FF2B5EF4-FFF2-40B4-BE49-F238E27FC236}">
+                <a16:creationId xmlns:a16="http://schemas.microsoft.com/office/drawing/2014/main" id="{6DEA6594-3D2D-47D7-A4AB-E3B31A6DA3E8}"/>
+              </a:ext>
+            </a:extLst>
+          </p:cNvPr>
+          <p:cNvSpPr txBox="1"/>
+          <p:nvPr/>
+        </p:nvSpPr>
+        <p:spPr>
+          <a:xfrm>
+            <a:off x="8721400" y="5139819"/>
+            <a:ext cx="3136149" cy="830997"/>
+          </a:xfrm>
+          <a:prstGeom prst="rect">
+            <a:avLst/>
+          </a:prstGeom>
+          <a:noFill/>
+        </p:spPr>
+        <p:txBody>
+          <a:bodyPr wrap="square" rtlCol="0">
+            <a:spAutoFit/>
+          </a:bodyPr>
+          <a:lstStyle/>
+          <a:p>
+            <a:pPr algn="ctr"/>
+            <a:r>
+              <a:rPr lang="en-US" sz="2400" dirty="0">
+                <a:latin typeface="Pragmatica" pitchFamily="2" charset="0"/>
+              </a:rPr>
+              <a:t>The browser-based app</a:t>
             </a:r>
           </a:p>
         </p:txBody>
@@ -7131,7 +9310,7 @@
     </p:spTree>
     <p:extLst>
       <p:ext uri="{BB962C8B-B14F-4D97-AF65-F5344CB8AC3E}">
-        <p14:creationId xmlns:p14="http://schemas.microsoft.com/office/powerpoint/2010/main" val="1362530689"/>
+        <p14:creationId xmlns:p14="http://schemas.microsoft.com/office/powerpoint/2010/main" val="1396094909"/>
       </p:ext>
     </p:extLst>
   </p:cSld>
@@ -7158,29 +9337,106 @@
           <a:chExt cx="0" cy="0"/>
         </a:xfrm>
       </p:grpSpPr>
+      <p:sp>
+        <p:nvSpPr>
+          <p:cNvPr id="4" name="Rectangle 3"/>
+          <p:cNvSpPr/>
+          <p:nvPr/>
+        </p:nvSpPr>
+        <p:spPr>
+          <a:xfrm>
+            <a:off x="6574420" y="0"/>
+            <a:ext cx="5617580" cy="6858000"/>
+          </a:xfrm>
+          <a:prstGeom prst="rect">
+            <a:avLst/>
+          </a:prstGeom>
+          <a:solidFill>
+            <a:srgbClr val="CF3338"/>
+          </a:solidFill>
+        </p:spPr>
+        <p:style>
+          <a:lnRef idx="2">
+            <a:schemeClr val="accent1">
+              <a:shade val="50000"/>
+            </a:schemeClr>
+          </a:lnRef>
+          <a:fillRef idx="1">
+            <a:schemeClr val="accent1"/>
+          </a:fillRef>
+          <a:effectRef idx="0">
+            <a:schemeClr val="accent1"/>
+          </a:effectRef>
+          <a:fontRef idx="minor">
+            <a:schemeClr val="lt1"/>
+          </a:fontRef>
+        </p:style>
+        <p:txBody>
+          <a:bodyPr rtlCol="0" anchor="ctr"/>
+          <a:lstStyle/>
+          <a:p>
+            <a:pPr algn="ctr"/>
+            <a:endParaRPr lang="en-US"/>
+          </a:p>
+        </p:txBody>
+      </p:sp>
+      <p:sp>
+        <p:nvSpPr>
+          <p:cNvPr id="5" name="TextBox 4"/>
+          <p:cNvSpPr txBox="1"/>
+          <p:nvPr/>
+        </p:nvSpPr>
+        <p:spPr>
+          <a:xfrm>
+            <a:off x="6817489" y="0"/>
+            <a:ext cx="4120587" cy="1446550"/>
+          </a:xfrm>
+          <a:prstGeom prst="rect">
+            <a:avLst/>
+          </a:prstGeom>
+          <a:noFill/>
+        </p:spPr>
+        <p:txBody>
+          <a:bodyPr wrap="square" rtlCol="0">
+            <a:spAutoFit/>
+          </a:bodyPr>
+          <a:lstStyle/>
+          <a:p>
+            <a:r>
+              <a:rPr lang="en-US" sz="8800" dirty="0">
+                <a:solidFill>
+                  <a:schemeClr val="bg1"/>
+                </a:solidFill>
+                <a:latin typeface="Aliens &amp; cows" panose="00000500000000000000" pitchFamily="2" charset="0"/>
+              </a:rPr>
+              <a:t>Demo</a:t>
+            </a:r>
+          </a:p>
+        </p:txBody>
+      </p:sp>
       <p:pic>
         <p:nvPicPr>
-          <p:cNvPr id="10" name="Picture 9"/>
+          <p:cNvPr id="2" name="Picture 1"/>
           <p:cNvPicPr>
             <a:picLocks noChangeAspect="1"/>
           </p:cNvPicPr>
           <p:nvPr/>
         </p:nvPicPr>
         <p:blipFill rotWithShape="1">
-          <a:blip r:embed="rId2">
+          <a:blip r:embed="rId3">
             <a:extLst>
               <a:ext uri="{28A0092B-C50C-407E-A947-70E740481C1C}">
                 <a14:useLocalDpi xmlns:a14="http://schemas.microsoft.com/office/drawing/2010/main" val="0"/>
               </a:ext>
             </a:extLst>
           </a:blip>
-          <a:srcRect l="50728" t="56371"/>
+          <a:srcRect l="69227" t="33418" r="20112" b="50548"/>
           <a:stretch/>
         </p:blipFill>
         <p:spPr>
           <a:xfrm>
-            <a:off x="10894024" y="5370653"/>
-            <a:ext cx="1297975" cy="1487348"/>
+            <a:off x="10386349" y="5029795"/>
+            <a:ext cx="1805651" cy="1991719"/>
           </a:xfrm>
           <a:prstGeom prst="rect">
             <a:avLst/>
@@ -7189,14 +9445,14 @@
       </p:pic>
       <p:sp>
         <p:nvSpPr>
-          <p:cNvPr id="11" name="TextBox 10"/>
+          <p:cNvPr id="3" name="TextBox 2"/>
           <p:cNvSpPr txBox="1"/>
           <p:nvPr/>
         </p:nvSpPr>
         <p:spPr>
           <a:xfrm>
-            <a:off x="347240" y="113388"/>
-            <a:ext cx="9799937" cy="1015663"/>
+            <a:off x="173620" y="219919"/>
+            <a:ext cx="6285903" cy="1815882"/>
           </a:xfrm>
           <a:prstGeom prst="rect">
             <a:avLst/>
@@ -7210,29 +9466,147 @@
           <a:lstStyle/>
           <a:p>
             <a:r>
-              <a:rPr lang="en-US" sz="6000" dirty="0">
-                <a:latin typeface="Aliens &amp; cows" panose="00000500000000000000" pitchFamily="2" charset="0"/>
-              </a:rPr>
-              <a:t>Python+ Anaconda + </a:t>
-            </a:r>
-            <a:r>
-              <a:rPr lang="en-US" sz="6000" dirty="0" err="1">
-                <a:latin typeface="Aliens &amp; cows" panose="00000500000000000000" pitchFamily="2" charset="0"/>
+              <a:rPr lang="en-US" sz="2800" b="1" dirty="0">
+                <a:solidFill>
+                  <a:srgbClr val="CF3338"/>
+                </a:solidFill>
+                <a:latin typeface="Pragmatica" pitchFamily="2" charset="0"/>
+              </a:rPr>
+              <a:t>Navigate </a:t>
+            </a:r>
+            <a:r>
+              <a:rPr lang="en-US" sz="2800" b="1" dirty="0" err="1">
+                <a:solidFill>
+                  <a:srgbClr val="CF3338"/>
+                </a:solidFill>
+                <a:latin typeface="Pragmatica" pitchFamily="2" charset="0"/>
               </a:rPr>
               <a:t>Jupyter</a:t>
             </a:r>
-            <a:endParaRPr lang="en-US" sz="6000" dirty="0">
-              <a:latin typeface="Aliens &amp; cows" panose="00000500000000000000" pitchFamily="2" charset="0"/>
+            <a:r>
+              <a:rPr lang="en-US" sz="2800" b="1" dirty="0">
+                <a:solidFill>
+                  <a:srgbClr val="CF3338"/>
+                </a:solidFill>
+                <a:latin typeface="Pragmatica" pitchFamily="2" charset="0"/>
+              </a:rPr>
+              <a:t>, starting with 1 + 1</a:t>
+            </a:r>
+          </a:p>
+          <a:p>
+            <a:endParaRPr lang="en-US" sz="2800" b="1" dirty="0">
+              <a:solidFill>
+                <a:srgbClr val="CF3338"/>
+              </a:solidFill>
+              <a:latin typeface="Pragmatica" pitchFamily="2" charset="0"/>
             </a:endParaRPr>
           </a:p>
-        </p:txBody>
-      </p:sp>
-      <p:sp>
-        <p:nvSpPr>
-          <p:cNvPr id="8" name="TextBox 7">
+          <a:p>
+            <a:r>
+              <a:rPr lang="en-US" sz="2800" b="1" dirty="0">
+                <a:solidFill>
+                  <a:srgbClr val="CF3338"/>
+                </a:solidFill>
+                <a:latin typeface="Pragmatica" pitchFamily="2" charset="0"/>
+              </a:rPr>
+              <a:t>File: Open a new </a:t>
+            </a:r>
+            <a:r>
+              <a:rPr lang="en-US" sz="2800" b="1" dirty="0">
+                <a:solidFill>
+                  <a:srgbClr val="CF3338"/>
+                </a:solidFill>
+                <a:latin typeface="Consolas" panose="020B0609020204030204" pitchFamily="49" charset="0"/>
+              </a:rPr>
+              <a:t>.</a:t>
+            </a:r>
+            <a:r>
+              <a:rPr lang="en-US" sz="2800" b="1" dirty="0" err="1">
+                <a:solidFill>
+                  <a:srgbClr val="CF3338"/>
+                </a:solidFill>
+                <a:latin typeface="Consolas" panose="020B0609020204030204" pitchFamily="49" charset="0"/>
+              </a:rPr>
+              <a:t>ipynb</a:t>
+            </a:r>
+            <a:r>
+              <a:rPr lang="en-US" sz="2800" b="1" dirty="0">
+                <a:solidFill>
+                  <a:srgbClr val="CF3338"/>
+                </a:solidFill>
+                <a:latin typeface="Pragmatica" pitchFamily="2" charset="0"/>
+              </a:rPr>
+              <a:t> notebook</a:t>
+            </a:r>
+          </a:p>
+        </p:txBody>
+      </p:sp>
+      <p:pic>
+        <p:nvPicPr>
+          <p:cNvPr id="9" name="Picture 8">
             <a:extLst>
               <a:ext uri="{FF2B5EF4-FFF2-40B4-BE49-F238E27FC236}">
-                <a16:creationId xmlns:a16="http://schemas.microsoft.com/office/drawing/2014/main" id="{11840D5C-3D15-43FA-828B-81755108AC4E}"/>
+                <a16:creationId xmlns:a16="http://schemas.microsoft.com/office/drawing/2014/main" id="{54086B7D-6DA5-45E4-BFAC-565935D853D4}"/>
+              </a:ext>
+            </a:extLst>
+          </p:cNvPr>
+          <p:cNvPicPr>
+            <a:picLocks noChangeAspect="1"/>
+          </p:cNvPicPr>
+          <p:nvPr/>
+        </p:nvPicPr>
+        <p:blipFill>
+          <a:blip r:embed="rId4"/>
+          <a:stretch>
+            <a:fillRect/>
+          </a:stretch>
+        </p:blipFill>
+        <p:spPr>
+          <a:xfrm>
+            <a:off x="392397" y="3923670"/>
+            <a:ext cx="9856197" cy="2646866"/>
+          </a:xfrm>
+          <a:prstGeom prst="rect">
+            <a:avLst/>
+          </a:prstGeom>
+        </p:spPr>
+      </p:pic>
+      <p:pic>
+        <p:nvPicPr>
+          <p:cNvPr id="11" name="Picture 10">
+            <a:extLst>
+              <a:ext uri="{FF2B5EF4-FFF2-40B4-BE49-F238E27FC236}">
+                <a16:creationId xmlns:a16="http://schemas.microsoft.com/office/drawing/2014/main" id="{3CD83BF2-3603-4E70-91DF-99EE1A9BEFA8}"/>
+              </a:ext>
+            </a:extLst>
+          </p:cNvPr>
+          <p:cNvPicPr>
+            <a:picLocks noChangeAspect="1"/>
+          </p:cNvPicPr>
+          <p:nvPr/>
+        </p:nvPicPr>
+        <p:blipFill>
+          <a:blip r:embed="rId5"/>
+          <a:stretch>
+            <a:fillRect/>
+          </a:stretch>
+        </p:blipFill>
+        <p:spPr>
+          <a:xfrm>
+            <a:off x="579832" y="2099074"/>
+            <a:ext cx="4844484" cy="835256"/>
+          </a:xfrm>
+          <a:prstGeom prst="rect">
+            <a:avLst/>
+          </a:prstGeom>
+        </p:spPr>
+      </p:pic>
+      <p:sp>
+        <p:nvSpPr>
+          <p:cNvPr id="12" name="TextBox 11">
+            <a:extLst>
+              <a:ext uri="{FF2B5EF4-FFF2-40B4-BE49-F238E27FC236}">
+                <a16:creationId xmlns:a16="http://schemas.microsoft.com/office/drawing/2014/main" id="{1F343DE5-C90A-486A-8D20-55C935580E3E}"/>
               </a:ext>
             </a:extLst>
           </p:cNvPr>
@@ -7241,8 +9615,8 @@
         </p:nvSpPr>
         <p:spPr>
           <a:xfrm>
-            <a:off x="4211235" y="5048028"/>
-            <a:ext cx="3223967" cy="830997"/>
+            <a:off x="516150" y="2979319"/>
+            <a:ext cx="7695520" cy="400110"/>
           </a:xfrm>
           <a:prstGeom prst="rect">
             <a:avLst/>
@@ -7255,22 +9629,31 @@
           </a:bodyPr>
           <a:lstStyle/>
           <a:p>
-            <a:pPr algn="ctr"/>
-            <a:r>
-              <a:rPr lang="en-US" sz="2400" dirty="0">
-                <a:latin typeface="Pragmatica" pitchFamily="2" charset="0"/>
-              </a:rPr>
-              <a:t>The distribution of code &amp; apps</a:t>
-            </a:r>
-          </a:p>
-        </p:txBody>
-      </p:sp>
-      <p:sp>
-        <p:nvSpPr>
-          <p:cNvPr id="12" name="TextBox 11">
+            <a:r>
+              <a:rPr lang="en-US" sz="2000" dirty="0">
+                <a:solidFill>
+                  <a:srgbClr val="707070"/>
+                </a:solidFill>
+                <a:latin typeface="Pragmatica" panose="020B0403040502020204" pitchFamily="34" charset="0"/>
+                <a:hlinkClick r:id="rId6"/>
+              </a:rPr>
+              <a:t>https://github.com/stringfestdata/london-excel</a:t>
+            </a:r>
+            <a:endParaRPr lang="en-US" sz="2000" dirty="0">
+              <a:solidFill>
+                <a:srgbClr val="707070"/>
+              </a:solidFill>
+              <a:latin typeface="Pragmatica" panose="020B0403040502020204" pitchFamily="34" charset="0"/>
+            </a:endParaRPr>
+          </a:p>
+        </p:txBody>
+      </p:sp>
+      <p:sp>
+        <p:nvSpPr>
+          <p:cNvPr id="13" name="TextBox 12">
             <a:extLst>
               <a:ext uri="{FF2B5EF4-FFF2-40B4-BE49-F238E27FC236}">
-                <a16:creationId xmlns:a16="http://schemas.microsoft.com/office/drawing/2014/main" id="{58B22640-98BF-4B6B-939E-E50C08DEC28C}"/>
+                <a16:creationId xmlns:a16="http://schemas.microsoft.com/office/drawing/2014/main" id="{15039CAE-3A25-441F-86F2-FB512EB8851E}"/>
               </a:ext>
             </a:extLst>
           </p:cNvPr>
@@ -7279,8 +9662,8 @@
         </p:nvSpPr>
         <p:spPr>
           <a:xfrm>
-            <a:off x="334451" y="5139820"/>
-            <a:ext cx="3641931" cy="830997"/>
+            <a:off x="5429963" y="4120693"/>
+            <a:ext cx="1963024" cy="523220"/>
           </a:xfrm>
           <a:prstGeom prst="rect">
             <a:avLst/>
@@ -7288,167 +9671,29 @@
           <a:noFill/>
         </p:spPr>
         <p:txBody>
-          <a:bodyPr wrap="square">
+          <a:bodyPr wrap="square" rtlCol="0">
             <a:spAutoFit/>
           </a:bodyPr>
           <a:lstStyle/>
           <a:p>
             <a:r>
-              <a:rPr lang="en-US" sz="2400" dirty="0">
-                <a:latin typeface="Pragmatica" pitchFamily="2" charset="0"/>
-              </a:rPr>
-              <a:t>The (open) source code</a:t>
-            </a:r>
-          </a:p>
-        </p:txBody>
-      </p:sp>
-      <p:pic>
-        <p:nvPicPr>
-          <p:cNvPr id="3074" name="Picture 2">
+              <a:rPr lang="en-US" sz="2800" dirty="0">
+                <a:solidFill>
+                  <a:srgbClr val="CF3338"/>
+                </a:solidFill>
+                <a:latin typeface="Aliens &amp; cows" panose="00000500000000000000" pitchFamily="2" charset="0"/>
+              </a:rPr>
+              <a:t>Menu bar</a:t>
+            </a:r>
+          </a:p>
+        </p:txBody>
+      </p:sp>
+      <p:sp>
+        <p:nvSpPr>
+          <p:cNvPr id="14" name="TextBox 13">
             <a:extLst>
               <a:ext uri="{FF2B5EF4-FFF2-40B4-BE49-F238E27FC236}">
-                <a16:creationId xmlns:a16="http://schemas.microsoft.com/office/drawing/2014/main" id="{E3988C34-2EF3-4BC5-A72A-3F7595D4F9CB}"/>
-              </a:ext>
-            </a:extLst>
-          </p:cNvPr>
-          <p:cNvPicPr>
-            <a:picLocks noChangeAspect="1" noChangeArrowheads="1"/>
-          </p:cNvPicPr>
-          <p:nvPr/>
-        </p:nvPicPr>
-        <p:blipFill>
-          <a:blip r:embed="rId3" cstate="print">
-            <a:extLst>
-              <a:ext uri="{28A0092B-C50C-407E-A947-70E740481C1C}">
-                <a14:useLocalDpi xmlns:a14="http://schemas.microsoft.com/office/drawing/2010/main" val="0"/>
-              </a:ext>
-            </a:extLst>
-          </a:blip>
-          <a:srcRect/>
-          <a:stretch>
-            <a:fillRect/>
-          </a:stretch>
-        </p:blipFill>
-        <p:spPr bwMode="auto">
-          <a:xfrm>
-            <a:off x="418750" y="2407641"/>
-            <a:ext cx="2608976" cy="2608976"/>
-          </a:xfrm>
-          <a:prstGeom prst="rect">
-            <a:avLst/>
-          </a:prstGeom>
-          <a:noFill/>
-          <a:extLst>
-            <a:ext uri="{909E8E84-426E-40DD-AFC4-6F175D3DCCD1}">
-              <a14:hiddenFill xmlns:a14="http://schemas.microsoft.com/office/drawing/2010/main">
-                <a:solidFill>
-                  <a:srgbClr val="FFFFFF"/>
-                </a:solidFill>
-              </a14:hiddenFill>
-            </a:ext>
-          </a:extLst>
-        </p:spPr>
-      </p:pic>
-      <p:pic>
-        <p:nvPicPr>
-          <p:cNvPr id="3076" name="Picture 4" descr="Anaconda (Python distribution) - Wikipedia">
-            <a:extLst>
-              <a:ext uri="{FF2B5EF4-FFF2-40B4-BE49-F238E27FC236}">
-                <a16:creationId xmlns:a16="http://schemas.microsoft.com/office/drawing/2014/main" id="{68DA0063-7FE8-4DF8-994B-B10B1C977495}"/>
-              </a:ext>
-            </a:extLst>
-          </p:cNvPr>
-          <p:cNvPicPr>
-            <a:picLocks noChangeAspect="1" noChangeArrowheads="1"/>
-          </p:cNvPicPr>
-          <p:nvPr/>
-        </p:nvPicPr>
-        <p:blipFill>
-          <a:blip r:embed="rId4">
-            <a:extLst>
-              <a:ext uri="{28A0092B-C50C-407E-A947-70E740481C1C}">
-                <a14:useLocalDpi xmlns:a14="http://schemas.microsoft.com/office/drawing/2010/main" val="0"/>
-              </a:ext>
-            </a:extLst>
-          </a:blip>
-          <a:srcRect/>
-          <a:stretch>
-            <a:fillRect/>
-          </a:stretch>
-        </p:blipFill>
-        <p:spPr bwMode="auto">
-          <a:xfrm>
-            <a:off x="3698716" y="2576686"/>
-            <a:ext cx="4257675" cy="2124075"/>
-          </a:xfrm>
-          <a:prstGeom prst="rect">
-            <a:avLst/>
-          </a:prstGeom>
-          <a:noFill/>
-          <a:extLst>
-            <a:ext uri="{909E8E84-426E-40DD-AFC4-6F175D3DCCD1}">
-              <a14:hiddenFill xmlns:a14="http://schemas.microsoft.com/office/drawing/2010/main">
-                <a:solidFill>
-                  <a:srgbClr val="FFFFFF"/>
-                </a:solidFill>
-              </a14:hiddenFill>
-            </a:ext>
-          </a:extLst>
-        </p:spPr>
-      </p:pic>
-      <p:pic>
-        <p:nvPicPr>
-          <p:cNvPr id="3078" name="Picture 6" descr="Project Jupyter - Wikipedia">
-            <a:extLst>
-              <a:ext uri="{FF2B5EF4-FFF2-40B4-BE49-F238E27FC236}">
-                <a16:creationId xmlns:a16="http://schemas.microsoft.com/office/drawing/2014/main" id="{CD5F432D-C909-4287-9AEF-76EB923DE370}"/>
-              </a:ext>
-            </a:extLst>
-          </p:cNvPr>
-          <p:cNvPicPr>
-            <a:picLocks noChangeAspect="1" noChangeArrowheads="1"/>
-          </p:cNvPicPr>
-          <p:nvPr/>
-        </p:nvPicPr>
-        <p:blipFill>
-          <a:blip r:embed="rId5" cstate="print">
-            <a:extLst>
-              <a:ext uri="{28A0092B-C50C-407E-A947-70E740481C1C}">
-                <a14:useLocalDpi xmlns:a14="http://schemas.microsoft.com/office/drawing/2010/main" val="0"/>
-              </a:ext>
-            </a:extLst>
-          </a:blip>
-          <a:srcRect/>
-          <a:stretch>
-            <a:fillRect/>
-          </a:stretch>
-        </p:blipFill>
-        <p:spPr bwMode="auto">
-          <a:xfrm>
-            <a:off x="8967904" y="1882550"/>
-            <a:ext cx="2730958" cy="3165478"/>
-          </a:xfrm>
-          <a:prstGeom prst="rect">
-            <a:avLst/>
-          </a:prstGeom>
-          <a:noFill/>
-          <a:extLst>
-            <a:ext uri="{909E8E84-426E-40DD-AFC4-6F175D3DCCD1}">
-              <a14:hiddenFill xmlns:a14="http://schemas.microsoft.com/office/drawing/2010/main">
-                <a:solidFill>
-                  <a:srgbClr val="FFFFFF"/>
-                </a:solidFill>
-              </a14:hiddenFill>
-            </a:ext>
-          </a:extLst>
-        </p:spPr>
-      </p:pic>
-      <p:sp>
-        <p:nvSpPr>
-          <p:cNvPr id="13" name="TextBox 12">
-            <a:extLst>
-              <a:ext uri="{FF2B5EF4-FFF2-40B4-BE49-F238E27FC236}">
-                <a16:creationId xmlns:a16="http://schemas.microsoft.com/office/drawing/2014/main" id="{6DEA6594-3D2D-47D7-A4AB-E3B31A6DA3E8}"/>
+                <a16:creationId xmlns:a16="http://schemas.microsoft.com/office/drawing/2014/main" id="{B4BC673B-ED2C-4075-A2A9-AF56F43DCED5}"/>
               </a:ext>
             </a:extLst>
           </p:cNvPr>
@@ -7457,8 +9702,8 @@
         </p:nvSpPr>
         <p:spPr>
           <a:xfrm>
-            <a:off x="8721400" y="5139819"/>
-            <a:ext cx="3223967" cy="830997"/>
+            <a:off x="6091171" y="4522932"/>
+            <a:ext cx="1963024" cy="523220"/>
           </a:xfrm>
           <a:prstGeom prst="rect">
             <a:avLst/>
@@ -7471,12 +9716,54 @@
           </a:bodyPr>
           <a:lstStyle/>
           <a:p>
-            <a:pPr algn="ctr"/>
-            <a:r>
-              <a:rPr lang="en-US" sz="2400" dirty="0">
-                <a:latin typeface="Pragmatica" pitchFamily="2" charset="0"/>
-              </a:rPr>
-              <a:t>The browser-based app</a:t>
+            <a:r>
+              <a:rPr lang="en-US" sz="2800" dirty="0">
+                <a:solidFill>
+                  <a:srgbClr val="CF3338"/>
+                </a:solidFill>
+                <a:latin typeface="Aliens &amp; cows" panose="00000500000000000000" pitchFamily="2" charset="0"/>
+              </a:rPr>
+              <a:t>Toolbar</a:t>
+            </a:r>
+          </a:p>
+        </p:txBody>
+      </p:sp>
+      <p:sp>
+        <p:nvSpPr>
+          <p:cNvPr id="15" name="TextBox 14">
+            <a:extLst>
+              <a:ext uri="{FF2B5EF4-FFF2-40B4-BE49-F238E27FC236}">
+                <a16:creationId xmlns:a16="http://schemas.microsoft.com/office/drawing/2014/main" id="{65490B59-D9B7-4C84-BA19-C822A1B450EF}"/>
+              </a:ext>
+            </a:extLst>
+          </p:cNvPr>
+          <p:cNvSpPr txBox="1"/>
+          <p:nvPr/>
+        </p:nvSpPr>
+        <p:spPr>
+          <a:xfrm>
+            <a:off x="1933748" y="5247103"/>
+            <a:ext cx="1963024" cy="523220"/>
+          </a:xfrm>
+          <a:prstGeom prst="rect">
+            <a:avLst/>
+          </a:prstGeom>
+          <a:noFill/>
+        </p:spPr>
+        <p:txBody>
+          <a:bodyPr wrap="square" rtlCol="0">
+            <a:spAutoFit/>
+          </a:bodyPr>
+          <a:lstStyle/>
+          <a:p>
+            <a:r>
+              <a:rPr lang="en-US" sz="2800" dirty="0">
+                <a:solidFill>
+                  <a:srgbClr val="CF3338"/>
+                </a:solidFill>
+                <a:latin typeface="Aliens &amp; cows" panose="00000500000000000000" pitchFamily="2" charset="0"/>
+              </a:rPr>
+              <a:t>Code cell</a:t>
             </a:r>
           </a:p>
         </p:txBody>
@@ -7484,7 +9771,7 @@
     </p:spTree>
     <p:extLst>
       <p:ext uri="{BB962C8B-B14F-4D97-AF65-F5344CB8AC3E}">
-        <p14:creationId xmlns:p14="http://schemas.microsoft.com/office/powerpoint/2010/main" val="383149556"/>
+        <p14:creationId xmlns:p14="http://schemas.microsoft.com/office/powerpoint/2010/main" val="3169662932"/>
       </p:ext>
     </p:extLst>
   </p:cSld>
@@ -7520,7 +9807,7 @@
           <p:nvPr/>
         </p:nvPicPr>
         <p:blipFill rotWithShape="1">
-          <a:blip r:embed="rId2">
+          <a:blip r:embed="rId3">
             <a:extLst>
               <a:ext uri="{28A0092B-C50C-407E-A947-70E740481C1C}">
                 <a14:useLocalDpi xmlns:a14="http://schemas.microsoft.com/office/drawing/2010/main" val="0"/>
@@ -7566,7 +9853,7 @@
               <a:rPr lang="en-US" sz="6000" dirty="0">
                 <a:latin typeface="Aliens &amp; cows" panose="00000500000000000000" pitchFamily="2" charset="0"/>
               </a:rPr>
-              <a:t>Learning objectives</a:t>
+              <a:t>Follow along</a:t>
             </a:r>
           </a:p>
         </p:txBody>
@@ -7580,7 +9867,7 @@
         <p:spPr>
           <a:xfrm>
             <a:off x="462987" y="1365813"/>
-            <a:ext cx="9595413" cy="1384995"/>
+            <a:ext cx="8387397" cy="5262979"/>
           </a:xfrm>
           <a:prstGeom prst="rect">
             <a:avLst/>
@@ -7604,8 +9891,24 @@
                 </a:solidFill>
                 <a:latin typeface="Pragmatica" panose="020B0403040502020204" pitchFamily="34" charset="0"/>
               </a:rPr>
-              <a:t>Situate Excel in the data analytics stack</a:t>
-            </a:r>
+              <a:t>Download resources: </a:t>
+            </a:r>
+            <a:r>
+              <a:rPr lang="en-US" sz="2800" dirty="0">
+                <a:solidFill>
+                  <a:srgbClr val="707070"/>
+                </a:solidFill>
+                <a:latin typeface="Pragmatica" panose="020B0403040502020204" pitchFamily="34" charset="0"/>
+                <a:hlinkClick r:id="rId4"/>
+              </a:rPr>
+              <a:t>https://github.com/stringfestdata/lagos-meetup</a:t>
+            </a:r>
+            <a:endParaRPr lang="en-US" sz="2800" dirty="0">
+              <a:solidFill>
+                <a:srgbClr val="707070"/>
+              </a:solidFill>
+              <a:latin typeface="Pragmatica" panose="020B0403040502020204" pitchFamily="34" charset="0"/>
+            </a:endParaRPr>
           </a:p>
           <a:p>
             <a:pPr marL="285750" indent="-285750">
@@ -7619,7 +9922,7 @@
                 </a:solidFill>
                 <a:latin typeface="Pragmatica" panose="020B0403040502020204" pitchFamily="34" charset="0"/>
               </a:rPr>
-              <a:t>Chart a clear learning path from Excel to R and Python</a:t>
+              <a:t>Click through these links now to interact later:</a:t>
             </a:r>
           </a:p>
           <a:p>
@@ -7634,12 +9937,97 @@
               <a:latin typeface="Pragmatica" panose="020B0403040502020204" pitchFamily="34" charset="0"/>
             </a:endParaRPr>
           </a:p>
-        </p:txBody>
-      </p:sp>
+          <a:p>
+            <a:pPr marL="285750" indent="-285750">
+              <a:buFont typeface="Arial" panose="020B0604020202020204" pitchFamily="34" charset="0"/>
+              <a:buChar char="•"/>
+            </a:pPr>
+            <a:endParaRPr lang="en-US" sz="2800" dirty="0">
+              <a:solidFill>
+                <a:srgbClr val="707070"/>
+              </a:solidFill>
+              <a:latin typeface="Pragmatica" panose="020B0403040502020204" pitchFamily="34" charset="0"/>
+            </a:endParaRPr>
+          </a:p>
+          <a:p>
+            <a:pPr marL="285750" indent="-285750">
+              <a:buFont typeface="Arial" panose="020B0604020202020204" pitchFamily="34" charset="0"/>
+              <a:buChar char="•"/>
+            </a:pPr>
+            <a:endParaRPr lang="en-US" sz="2800" dirty="0">
+              <a:solidFill>
+                <a:srgbClr val="707070"/>
+              </a:solidFill>
+              <a:latin typeface="Pragmatica" panose="020B0403040502020204" pitchFamily="34" charset="0"/>
+            </a:endParaRPr>
+          </a:p>
+          <a:p>
+            <a:pPr marL="285750" indent="-285750">
+              <a:buFont typeface="Arial" panose="020B0604020202020204" pitchFamily="34" charset="0"/>
+              <a:buChar char="•"/>
+            </a:pPr>
+            <a:endParaRPr lang="en-US" sz="2800" dirty="0">
+              <a:solidFill>
+                <a:srgbClr val="707070"/>
+              </a:solidFill>
+              <a:latin typeface="Pragmatica" panose="020B0403040502020204" pitchFamily="34" charset="0"/>
+            </a:endParaRPr>
+          </a:p>
+          <a:p>
+            <a:endParaRPr lang="en-US" sz="2800" dirty="0">
+              <a:solidFill>
+                <a:srgbClr val="707070"/>
+              </a:solidFill>
+              <a:latin typeface="Pragmatica" panose="020B0403040502020204" pitchFamily="34" charset="0"/>
+            </a:endParaRPr>
+          </a:p>
+          <a:p>
+            <a:r>
+              <a:rPr lang="en-US" sz="2800" dirty="0">
+                <a:solidFill>
+                  <a:srgbClr val="707070"/>
+                </a:solidFill>
+                <a:latin typeface="Pragmatica" panose="020B0403040502020204" pitchFamily="34" charset="0"/>
+              </a:rPr>
+              <a:t>(this could take some time so feel free to ask questions now)…</a:t>
+            </a:r>
+          </a:p>
+        </p:txBody>
+      </p:sp>
+      <p:pic>
+        <p:nvPicPr>
+          <p:cNvPr id="4" name="Picture 3">
+            <a:extLst>
+              <a:ext uri="{FF2B5EF4-FFF2-40B4-BE49-F238E27FC236}">
+                <a16:creationId xmlns:a16="http://schemas.microsoft.com/office/drawing/2014/main" id="{F51C6B1B-A060-47A7-9AD8-3F6C3CE0AD77}"/>
+              </a:ext>
+            </a:extLst>
+          </p:cNvPr>
+          <p:cNvPicPr>
+            <a:picLocks noChangeAspect="1"/>
+          </p:cNvPicPr>
+          <p:nvPr/>
+        </p:nvPicPr>
+        <p:blipFill>
+          <a:blip r:embed="rId5"/>
+          <a:stretch>
+            <a:fillRect/>
+          </a:stretch>
+        </p:blipFill>
+        <p:spPr>
+          <a:xfrm>
+            <a:off x="1487239" y="3741832"/>
+            <a:ext cx="5780952" cy="1685714"/>
+          </a:xfrm>
+          <a:prstGeom prst="rect">
+            <a:avLst/>
+          </a:prstGeom>
+        </p:spPr>
+      </p:pic>
     </p:spTree>
     <p:extLst>
       <p:ext uri="{BB962C8B-B14F-4D97-AF65-F5344CB8AC3E}">
-        <p14:creationId xmlns:p14="http://schemas.microsoft.com/office/powerpoint/2010/main" val="3830029867"/>
+        <p14:creationId xmlns:p14="http://schemas.microsoft.com/office/powerpoint/2010/main" val="4141627579"/>
       </p:ext>
     </p:extLst>
   </p:cSld>
@@ -7752,7 +10140,7 @@
           <p:nvPr/>
         </p:nvPicPr>
         <p:blipFill rotWithShape="1">
-          <a:blip r:embed="rId2">
+          <a:blip r:embed="rId3">
             <a:extLst>
               <a:ext uri="{28A0092B-C50C-407E-A947-70E740481C1C}">
                 <a14:useLocalDpi xmlns:a14="http://schemas.microsoft.com/office/drawing/2010/main" val="0"/>
@@ -7781,7 +10169,7 @@
         <p:spPr>
           <a:xfrm>
             <a:off x="173620" y="219919"/>
-            <a:ext cx="6285903" cy="1815882"/>
+            <a:ext cx="6084567" cy="5262979"/>
           </a:xfrm>
           <a:prstGeom prst="rect">
             <a:avLst/>
@@ -7801,25 +10189,7 @@
                 </a:solidFill>
                 <a:latin typeface="Pragmatica" pitchFamily="2" charset="0"/>
               </a:rPr>
-              <a:t>Navigate </a:t>
-            </a:r>
-            <a:r>
-              <a:rPr lang="en-US" sz="2800" b="1" dirty="0" err="1">
-                <a:solidFill>
-                  <a:srgbClr val="CF3338"/>
-                </a:solidFill>
-                <a:latin typeface="Pragmatica" pitchFamily="2" charset="0"/>
-              </a:rPr>
-              <a:t>Jupyter</a:t>
-            </a:r>
-            <a:r>
-              <a:rPr lang="en-US" sz="2800" b="1" dirty="0">
-                <a:solidFill>
-                  <a:srgbClr val="CF3338"/>
-                </a:solidFill>
-                <a:latin typeface="Pragmatica" pitchFamily="2" charset="0"/>
-              </a:rPr>
-              <a:t>, starting with 1 + 1</a:t>
+              <a:t>Python for data analysis</a:t>
             </a:r>
           </a:p>
           <a:p>
@@ -7831,6 +10201,10 @@
             </a:endParaRPr>
           </a:p>
           <a:p>
+            <a:pPr marL="514350" indent="-514350">
+              <a:buFont typeface="+mj-lt"/>
+              <a:buAutoNum type="arabicPeriod"/>
+            </a:pPr>
             <a:r>
               <a:rPr lang="en-US" sz="2800" b="1" dirty="0">
                 <a:solidFill>
@@ -7838,16 +10212,82 @@
                 </a:solidFill>
                 <a:latin typeface="Pragmatica" pitchFamily="2" charset="0"/>
               </a:rPr>
-              <a:t>File: Open a new </a:t>
-            </a:r>
+              <a:t>Working with modules (packages) in Python</a:t>
+            </a:r>
+          </a:p>
+          <a:p>
+            <a:pPr marL="514350" indent="-514350">
+              <a:buFont typeface="+mj-lt"/>
+              <a:buAutoNum type="arabicPeriod"/>
+            </a:pPr>
             <a:r>
               <a:rPr lang="en-US" sz="2800" b="1" dirty="0">
                 <a:solidFill>
                   <a:srgbClr val="CF3338"/>
                 </a:solidFill>
+                <a:latin typeface="Pragmatica" pitchFamily="2" charset="0"/>
+              </a:rPr>
+              <a:t>Working with tabular data in Python with </a:t>
+            </a:r>
+            <a:r>
+              <a:rPr lang="en-US" sz="2800" b="1" dirty="0">
+                <a:solidFill>
+                  <a:srgbClr val="CF3338"/>
+                </a:solidFill>
                 <a:latin typeface="Consolas" panose="020B0609020204030204" pitchFamily="49" charset="0"/>
               </a:rPr>
-              <a:t>.</a:t>
+              <a:t>pandas</a:t>
+            </a:r>
+          </a:p>
+          <a:p>
+            <a:pPr marL="514350" indent="-514350">
+              <a:buFont typeface="+mj-lt"/>
+              <a:buAutoNum type="arabicPeriod"/>
+            </a:pPr>
+            <a:r>
+              <a:rPr lang="en-US" sz="2800" b="1" dirty="0">
+                <a:solidFill>
+                  <a:srgbClr val="CF3338"/>
+                </a:solidFill>
+                <a:latin typeface="Pragmatica" pitchFamily="2" charset="0"/>
+              </a:rPr>
+              <a:t>Reading and writing Excel &lt;&gt; Python data</a:t>
+            </a:r>
+          </a:p>
+          <a:p>
+            <a:endParaRPr lang="en-US" sz="2800" b="1" dirty="0">
+              <a:solidFill>
+                <a:srgbClr val="CF3338"/>
+              </a:solidFill>
+              <a:latin typeface="Pragmatica" pitchFamily="2" charset="0"/>
+            </a:endParaRPr>
+          </a:p>
+          <a:p>
+            <a:endParaRPr lang="en-US" sz="2800" b="1" dirty="0">
+              <a:solidFill>
+                <a:srgbClr val="CF3338"/>
+              </a:solidFill>
+              <a:latin typeface="Pragmatica" pitchFamily="2" charset="0"/>
+            </a:endParaRPr>
+          </a:p>
+          <a:p>
+            <a:r>
+              <a:rPr lang="en-US" sz="2800" b="1" dirty="0">
+                <a:solidFill>
+                  <a:srgbClr val="CF3338"/>
+                </a:solidFill>
+                <a:latin typeface="Pragmatica" pitchFamily="2" charset="0"/>
+              </a:rPr>
+              <a:t>File: </a:t>
+            </a:r>
+            <a:r>
+              <a:rPr lang="en-US" sz="2800" b="1" dirty="0">
+                <a:solidFill>
+                  <a:srgbClr val="CF3338"/>
+                </a:solidFill>
+                <a:latin typeface="Consolas" panose="020B0609020204030204" pitchFamily="49" charset="0"/>
+              </a:rPr>
+              <a:t>python-for-data-</a:t>
             </a:r>
             <a:r>
               <a:rPr lang="en-US" sz="2800" b="1" dirty="0" err="1">
@@ -7856,244 +10296,21 @@
                 </a:solidFill>
                 <a:latin typeface="Consolas" panose="020B0609020204030204" pitchFamily="49" charset="0"/>
               </a:rPr>
-              <a:t>ipynb</a:t>
-            </a:r>
-            <a:r>
-              <a:rPr lang="en-US" sz="2800" b="1" dirty="0">
-                <a:solidFill>
-                  <a:srgbClr val="CF3338"/>
-                </a:solidFill>
-                <a:latin typeface="Pragmatica" pitchFamily="2" charset="0"/>
-              </a:rPr>
-              <a:t> notebook</a:t>
-            </a:r>
-          </a:p>
-        </p:txBody>
-      </p:sp>
-      <p:pic>
-        <p:nvPicPr>
-          <p:cNvPr id="9" name="Picture 8">
-            <a:extLst>
-              <a:ext uri="{FF2B5EF4-FFF2-40B4-BE49-F238E27FC236}">
-                <a16:creationId xmlns:a16="http://schemas.microsoft.com/office/drawing/2014/main" id="{54086B7D-6DA5-45E4-BFAC-565935D853D4}"/>
-              </a:ext>
-            </a:extLst>
-          </p:cNvPr>
-          <p:cNvPicPr>
-            <a:picLocks noChangeAspect="1"/>
-          </p:cNvPicPr>
-          <p:nvPr/>
-        </p:nvPicPr>
-        <p:blipFill>
-          <a:blip r:embed="rId3"/>
-          <a:stretch>
-            <a:fillRect/>
-          </a:stretch>
-        </p:blipFill>
-        <p:spPr>
-          <a:xfrm>
-            <a:off x="392397" y="3923670"/>
-            <a:ext cx="9856197" cy="2646866"/>
-          </a:xfrm>
-          <a:prstGeom prst="rect">
-            <a:avLst/>
-          </a:prstGeom>
-        </p:spPr>
-      </p:pic>
-      <p:pic>
-        <p:nvPicPr>
-          <p:cNvPr id="11" name="Picture 10">
-            <a:extLst>
-              <a:ext uri="{FF2B5EF4-FFF2-40B4-BE49-F238E27FC236}">
-                <a16:creationId xmlns:a16="http://schemas.microsoft.com/office/drawing/2014/main" id="{3CD83BF2-3603-4E70-91DF-99EE1A9BEFA8}"/>
-              </a:ext>
-            </a:extLst>
-          </p:cNvPr>
-          <p:cNvPicPr>
-            <a:picLocks noChangeAspect="1"/>
-          </p:cNvPicPr>
-          <p:nvPr/>
-        </p:nvPicPr>
-        <p:blipFill>
-          <a:blip r:embed="rId4"/>
-          <a:stretch>
-            <a:fillRect/>
-          </a:stretch>
-        </p:blipFill>
-        <p:spPr>
-          <a:xfrm>
-            <a:off x="493018" y="2516702"/>
-            <a:ext cx="4844484" cy="835256"/>
-          </a:xfrm>
-          <a:prstGeom prst="rect">
-            <a:avLst/>
-          </a:prstGeom>
-        </p:spPr>
-      </p:pic>
-      <p:sp>
-        <p:nvSpPr>
-          <p:cNvPr id="12" name="TextBox 11">
-            <a:extLst>
-              <a:ext uri="{FF2B5EF4-FFF2-40B4-BE49-F238E27FC236}">
-                <a16:creationId xmlns:a16="http://schemas.microsoft.com/office/drawing/2014/main" id="{1F343DE5-C90A-486A-8D20-55C935580E3E}"/>
-              </a:ext>
-            </a:extLst>
-          </p:cNvPr>
-          <p:cNvSpPr txBox="1"/>
-          <p:nvPr/>
-        </p:nvSpPr>
-        <p:spPr>
-          <a:xfrm>
-            <a:off x="1657656" y="3516922"/>
-            <a:ext cx="2856649" cy="523220"/>
-          </a:xfrm>
-          <a:prstGeom prst="rect">
-            <a:avLst/>
-          </a:prstGeom>
-          <a:noFill/>
-        </p:spPr>
-        <p:txBody>
-          <a:bodyPr wrap="square" rtlCol="0">
-            <a:spAutoFit/>
-          </a:bodyPr>
-          <a:lstStyle/>
-          <a:p>
-            <a:r>
-              <a:rPr lang="en-US" sz="2800" dirty="0">
-                <a:solidFill>
-                  <a:srgbClr val="CF3338"/>
-                </a:solidFill>
-                <a:latin typeface="Aliens &amp; cows" panose="00000500000000000000" pitchFamily="2" charset="0"/>
-              </a:rPr>
-              <a:t>Notebook name</a:t>
-            </a:r>
-          </a:p>
-        </p:txBody>
-      </p:sp>
-      <p:sp>
-        <p:nvSpPr>
-          <p:cNvPr id="13" name="TextBox 12">
-            <a:extLst>
-              <a:ext uri="{FF2B5EF4-FFF2-40B4-BE49-F238E27FC236}">
-                <a16:creationId xmlns:a16="http://schemas.microsoft.com/office/drawing/2014/main" id="{15039CAE-3A25-441F-86F2-FB512EB8851E}"/>
-              </a:ext>
-            </a:extLst>
-          </p:cNvPr>
-          <p:cNvSpPr txBox="1"/>
-          <p:nvPr/>
-        </p:nvSpPr>
-        <p:spPr>
-          <a:xfrm>
-            <a:off x="5429963" y="4120693"/>
-            <a:ext cx="1963024" cy="523220"/>
-          </a:xfrm>
-          <a:prstGeom prst="rect">
-            <a:avLst/>
-          </a:prstGeom>
-          <a:noFill/>
-        </p:spPr>
-        <p:txBody>
-          <a:bodyPr wrap="square" rtlCol="0">
-            <a:spAutoFit/>
-          </a:bodyPr>
-          <a:lstStyle/>
-          <a:p>
-            <a:r>
-              <a:rPr lang="en-US" sz="2800" dirty="0">
-                <a:solidFill>
-                  <a:srgbClr val="CF3338"/>
-                </a:solidFill>
-                <a:latin typeface="Aliens &amp; cows" panose="00000500000000000000" pitchFamily="2" charset="0"/>
-              </a:rPr>
-              <a:t>Menu bar</a:t>
-            </a:r>
-          </a:p>
-        </p:txBody>
-      </p:sp>
-      <p:sp>
-        <p:nvSpPr>
-          <p:cNvPr id="14" name="TextBox 13">
-            <a:extLst>
-              <a:ext uri="{FF2B5EF4-FFF2-40B4-BE49-F238E27FC236}">
-                <a16:creationId xmlns:a16="http://schemas.microsoft.com/office/drawing/2014/main" id="{B4BC673B-ED2C-4075-A2A9-AF56F43DCED5}"/>
-              </a:ext>
-            </a:extLst>
-          </p:cNvPr>
-          <p:cNvSpPr txBox="1"/>
-          <p:nvPr/>
-        </p:nvSpPr>
-        <p:spPr>
-          <a:xfrm>
-            <a:off x="6091171" y="4522932"/>
-            <a:ext cx="1963024" cy="523220"/>
-          </a:xfrm>
-          <a:prstGeom prst="rect">
-            <a:avLst/>
-          </a:prstGeom>
-          <a:noFill/>
-        </p:spPr>
-        <p:txBody>
-          <a:bodyPr wrap="square" rtlCol="0">
-            <a:spAutoFit/>
-          </a:bodyPr>
-          <a:lstStyle/>
-          <a:p>
-            <a:r>
-              <a:rPr lang="en-US" sz="2800" dirty="0">
-                <a:solidFill>
-                  <a:srgbClr val="CF3338"/>
-                </a:solidFill>
-                <a:latin typeface="Aliens &amp; cows" panose="00000500000000000000" pitchFamily="2" charset="0"/>
-              </a:rPr>
-              <a:t>Toolbar</a:t>
-            </a:r>
-          </a:p>
-        </p:txBody>
-      </p:sp>
-      <p:sp>
-        <p:nvSpPr>
-          <p:cNvPr id="15" name="TextBox 14">
-            <a:extLst>
-              <a:ext uri="{FF2B5EF4-FFF2-40B4-BE49-F238E27FC236}">
-                <a16:creationId xmlns:a16="http://schemas.microsoft.com/office/drawing/2014/main" id="{65490B59-D9B7-4C84-BA19-C822A1B450EF}"/>
-              </a:ext>
-            </a:extLst>
-          </p:cNvPr>
-          <p:cNvSpPr txBox="1"/>
-          <p:nvPr/>
-        </p:nvSpPr>
-        <p:spPr>
-          <a:xfrm>
-            <a:off x="1933748" y="5247103"/>
-            <a:ext cx="1963024" cy="523220"/>
-          </a:xfrm>
-          <a:prstGeom prst="rect">
-            <a:avLst/>
-          </a:prstGeom>
-          <a:noFill/>
-        </p:spPr>
-        <p:txBody>
-          <a:bodyPr wrap="square" rtlCol="0">
-            <a:spAutoFit/>
-          </a:bodyPr>
-          <a:lstStyle/>
-          <a:p>
-            <a:r>
-              <a:rPr lang="en-US" sz="2800" dirty="0">
-                <a:solidFill>
-                  <a:srgbClr val="CF3338"/>
-                </a:solidFill>
-                <a:latin typeface="Aliens &amp; cows" panose="00000500000000000000" pitchFamily="2" charset="0"/>
-              </a:rPr>
-              <a:t>Code cell</a:t>
-            </a:r>
+              <a:t>analysis.ipynb</a:t>
+            </a:r>
+            <a:endParaRPr lang="en-US" sz="2800" b="1" dirty="0">
+              <a:solidFill>
+                <a:srgbClr val="CF3338"/>
+              </a:solidFill>
+              <a:latin typeface="Consolas" panose="020B0609020204030204" pitchFamily="49" charset="0"/>
+            </a:endParaRPr>
           </a:p>
         </p:txBody>
       </p:sp>
     </p:spTree>
     <p:extLst>
       <p:ext uri="{BB962C8B-B14F-4D97-AF65-F5344CB8AC3E}">
-        <p14:creationId xmlns:p14="http://schemas.microsoft.com/office/powerpoint/2010/main" val="4094946107"/>
+        <p14:creationId xmlns:p14="http://schemas.microsoft.com/office/powerpoint/2010/main" val="3176947692"/>
       </p:ext>
     </p:extLst>
   </p:cSld>
@@ -8129,7 +10346,7 @@
           <p:nvPr/>
         </p:nvPicPr>
         <p:blipFill rotWithShape="1">
-          <a:blip r:embed="rId2">
+          <a:blip r:embed="rId3">
             <a:extLst>
               <a:ext uri="{28A0092B-C50C-407E-A947-70E740481C1C}">
                 <a14:useLocalDpi xmlns:a14="http://schemas.microsoft.com/office/drawing/2010/main" val="0"/>
@@ -8229,7 +10446,7 @@
           <p:nvPr/>
         </p:nvPicPr>
         <p:blipFill>
-          <a:blip r:embed="rId3"/>
+          <a:blip r:embed="rId4"/>
           <a:stretch>
             <a:fillRect/>
           </a:stretch>
@@ -8259,7 +10476,7 @@
           <p:nvPr/>
         </p:nvPicPr>
         <p:blipFill>
-          <a:blip r:embed="rId4">
+          <a:blip r:embed="rId5">
             <a:extLst>
               <a:ext uri="{28A0092B-C50C-407E-A947-70E740481C1C}">
                 <a14:useLocalDpi xmlns:a14="http://schemas.microsoft.com/office/drawing/2010/main" val="0"/>
@@ -8306,7 +10523,7 @@
           <p:nvPr/>
         </p:nvPicPr>
         <p:blipFill>
-          <a:blip r:embed="rId5"/>
+          <a:blip r:embed="rId6"/>
           <a:stretch>
             <a:fillRect/>
           </a:stretch>
@@ -8373,7 +10590,7 @@
           <p:nvPr/>
         </p:nvPicPr>
         <p:blipFill>
-          <a:blip r:embed="rId6">
+          <a:blip r:embed="rId7">
             <a:extLst>
               <a:ext uri="{28A0092B-C50C-407E-A947-70E740481C1C}">
                 <a14:useLocalDpi xmlns:a14="http://schemas.microsoft.com/office/drawing/2010/main" val="0"/>
@@ -8408,7 +10625,7 @@
     </p:spTree>
     <p:extLst>
       <p:ext uri="{BB962C8B-B14F-4D97-AF65-F5344CB8AC3E}">
-        <p14:creationId xmlns:p14="http://schemas.microsoft.com/office/powerpoint/2010/main" val="3281768856"/>
+        <p14:creationId xmlns:p14="http://schemas.microsoft.com/office/powerpoint/2010/main" val="875044852"/>
       </p:ext>
     </p:extLst>
   </p:cSld>
@@ -8521,7 +10738,7 @@
           <p:nvPr/>
         </p:nvPicPr>
         <p:blipFill rotWithShape="1">
-          <a:blip r:embed="rId2">
+          <a:blip r:embed="rId3">
             <a:extLst>
               <a:ext uri="{28A0092B-C50C-407E-A947-70E740481C1C}">
                 <a14:useLocalDpi xmlns:a14="http://schemas.microsoft.com/office/drawing/2010/main" val="0"/>
@@ -8550,7 +10767,7 @@
         <p:spPr>
           <a:xfrm>
             <a:off x="173620" y="219919"/>
-            <a:ext cx="6084567" cy="5262979"/>
+            <a:ext cx="6084567" cy="3970318"/>
           </a:xfrm>
           <a:prstGeom prst="rect">
             <a:avLst/>
@@ -8568,9 +10785,56 @@
                 <a:solidFill>
                   <a:srgbClr val="CF3338"/>
                 </a:solidFill>
+                <a:latin typeface="Consolas" panose="020B0609020204030204" pitchFamily="49" charset="0"/>
+              </a:rPr>
+              <a:t>pandas </a:t>
+            </a:r>
+            <a:r>
+              <a:rPr lang="en-US" sz="2800" b="1" dirty="0">
+                <a:solidFill>
+                  <a:srgbClr val="CF3338"/>
+                </a:solidFill>
                 <a:latin typeface="Pragmatica" pitchFamily="2" charset="0"/>
               </a:rPr>
-              <a:t>Export &amp; format a dataset to Excel</a:t>
+              <a:t>+ </a:t>
+            </a:r>
+            <a:r>
+              <a:rPr lang="en-US" sz="2800" b="1" dirty="0" err="1">
+                <a:solidFill>
+                  <a:srgbClr val="CF3338"/>
+                </a:solidFill>
+                <a:latin typeface="Consolas" panose="020B0609020204030204" pitchFamily="49" charset="0"/>
+              </a:rPr>
+              <a:t>xlsxwriter</a:t>
+            </a:r>
+            <a:r>
+              <a:rPr lang="en-US" sz="2800" b="1" dirty="0">
+                <a:solidFill>
+                  <a:srgbClr val="CF3338"/>
+                </a:solidFill>
+                <a:latin typeface="Consolas" panose="020B0609020204030204" pitchFamily="49" charset="0"/>
+              </a:rPr>
+              <a:t> </a:t>
+            </a:r>
+            <a:r>
+              <a:rPr lang="en-US" sz="2800" b="1" dirty="0">
+                <a:solidFill>
+                  <a:srgbClr val="CF3338"/>
+                </a:solidFill>
+                <a:latin typeface="Pragmatica" pitchFamily="2" charset="0"/>
+              </a:rPr>
+              <a:t>=</a:t>
+            </a:r>
+          </a:p>
+          <a:p>
+            <a:r>
+              <a:rPr lang="en-US" sz="2800" b="1" dirty="0">
+                <a:solidFill>
+                  <a:srgbClr val="CF3338"/>
+                </a:solidFill>
+                <a:latin typeface="Pragmatica" pitchFamily="2" charset="0"/>
+              </a:rPr>
+              <a:t>Python-Powered Excel</a:t>
             </a:r>
           </a:p>
           <a:p>
@@ -8593,7 +10857,7 @@
                 </a:solidFill>
                 <a:latin typeface="Pragmatica" pitchFamily="2" charset="0"/>
               </a:rPr>
-              <a:t>Working with modules in Python</a:t>
+              <a:t>Add custom cell formats</a:t>
             </a:r>
           </a:p>
           <a:p>
@@ -8608,7 +10872,7 @@
                 </a:solidFill>
                 <a:latin typeface="Pragmatica" pitchFamily="2" charset="0"/>
               </a:rPr>
-              <a:t>Working with tabular data in Python</a:t>
+              <a:t>Re-size column widths</a:t>
             </a:r>
           </a:p>
           <a:p>
@@ -8623,7 +10887,7 @@
                 </a:solidFill>
                 <a:latin typeface="Pragmatica" pitchFamily="2" charset="0"/>
               </a:rPr>
-              <a:t>“Python-Powered Excel”</a:t>
+              <a:t>Add charts (from Excel or Python)</a:t>
             </a:r>
           </a:p>
           <a:p>
@@ -8682,7 +10946,7 @@
     </p:spTree>
     <p:extLst>
       <p:ext uri="{BB962C8B-B14F-4D97-AF65-F5344CB8AC3E}">
-        <p14:creationId xmlns:p14="http://schemas.microsoft.com/office/powerpoint/2010/main" val="463841088"/>
+        <p14:creationId xmlns:p14="http://schemas.microsoft.com/office/powerpoint/2010/main" val="2968035508"/>
       </p:ext>
     </p:extLst>
   </p:cSld>
@@ -8718,7 +10982,7 @@
           <p:nvPr/>
         </p:nvPicPr>
         <p:blipFill rotWithShape="1">
-          <a:blip r:embed="rId2">
+          <a:blip r:embed="rId3">
             <a:extLst>
               <a:ext uri="{28A0092B-C50C-407E-A947-70E740481C1C}">
                 <a14:useLocalDpi xmlns:a14="http://schemas.microsoft.com/office/drawing/2010/main" val="0"/>
@@ -8747,7 +11011,7 @@
           <p:nvPr/>
         </p:nvPicPr>
         <p:blipFill>
-          <a:blip r:embed="rId3">
+          <a:blip r:embed="rId4">
             <a:extLst>
               <a:ext uri="{28A0092B-C50C-407E-A947-70E740481C1C}">
                 <a14:useLocalDpi xmlns:a14="http://schemas.microsoft.com/office/drawing/2010/main" val="0"/>
@@ -8805,7 +11069,7 @@
     </p:spTree>
     <p:extLst>
       <p:ext uri="{BB962C8B-B14F-4D97-AF65-F5344CB8AC3E}">
-        <p14:creationId xmlns:p14="http://schemas.microsoft.com/office/powerpoint/2010/main" val="3672653518"/>
+        <p14:creationId xmlns:p14="http://schemas.microsoft.com/office/powerpoint/2010/main" val="883776877"/>
       </p:ext>
     </p:extLst>
   </p:cSld>
@@ -8912,7 +11176,7 @@
     </p:spTree>
     <p:extLst>
       <p:ext uri="{BB962C8B-B14F-4D97-AF65-F5344CB8AC3E}">
-        <p14:creationId xmlns:p14="http://schemas.microsoft.com/office/powerpoint/2010/main" val="3553521403"/>
+        <p14:creationId xmlns:p14="http://schemas.microsoft.com/office/powerpoint/2010/main" val="2201736680"/>
       </p:ext>
     </p:extLst>
   </p:cSld>
@@ -9025,7 +11289,7 @@
           <p:nvPr/>
         </p:nvPicPr>
         <p:blipFill rotWithShape="1">
-          <a:blip r:embed="rId2">
+          <a:blip r:embed="rId3">
             <a:extLst>
               <a:ext uri="{28A0092B-C50C-407E-A947-70E740481C1C}">
                 <a14:useLocalDpi xmlns:a14="http://schemas.microsoft.com/office/drawing/2010/main" val="0"/>
@@ -9091,14 +11355,53 @@
               <a:buAutoNum type="arabicPeriod"/>
             </a:pPr>
             <a:r>
+              <a:rPr lang="en-US" sz="2800" b="1" dirty="0" err="1">
+                <a:solidFill>
+                  <a:srgbClr val="CF3338"/>
+                </a:solidFill>
+                <a:latin typeface="Pragmatica" pitchFamily="2" charset="0"/>
+              </a:rPr>
+              <a:t>Jupyte”R</a:t>
+            </a:r>
+            <a:r>
               <a:rPr lang="en-US" sz="2800" b="1" dirty="0">
                 <a:solidFill>
                   <a:srgbClr val="CF3338"/>
                 </a:solidFill>
                 <a:latin typeface="Pragmatica" pitchFamily="2" charset="0"/>
               </a:rPr>
-              <a:t>Decoupling of platforms and applications</a:t>
-            </a:r>
+              <a:t>”</a:t>
+            </a:r>
+          </a:p>
+          <a:p>
+            <a:pPr marL="514350" indent="-514350">
+              <a:buFont typeface="+mj-lt"/>
+              <a:buAutoNum type="arabicPeriod"/>
+            </a:pPr>
+            <a:r>
+              <a:rPr lang="en-US" sz="2800" b="1" dirty="0">
+                <a:solidFill>
+                  <a:srgbClr val="CF3338"/>
+                </a:solidFill>
+                <a:latin typeface="Pragmatica" pitchFamily="2" charset="0"/>
+              </a:rPr>
+              <a:t>“R-powered Excel” with </a:t>
+            </a:r>
+            <a:r>
+              <a:rPr lang="en-US" sz="2800" b="1" dirty="0" err="1">
+                <a:solidFill>
+                  <a:srgbClr val="CF3338"/>
+                </a:solidFill>
+                <a:latin typeface="Consolas" panose="020B0609020204030204" pitchFamily="49" charset="0"/>
+              </a:rPr>
+              <a:t>openxlsx</a:t>
+            </a:r>
+            <a:endParaRPr lang="en-US" sz="2800" b="1" dirty="0">
+              <a:solidFill>
+                <a:srgbClr val="CF3338"/>
+              </a:solidFill>
+              <a:latin typeface="Consolas" panose="020B0609020204030204" pitchFamily="49" charset="0"/>
+            </a:endParaRPr>
           </a:p>
           <a:p>
             <a:pPr marL="514350" indent="-514350">
@@ -9185,7 +11488,7 @@
     </p:spTree>
     <p:extLst>
       <p:ext uri="{BB962C8B-B14F-4D97-AF65-F5344CB8AC3E}">
-        <p14:creationId xmlns:p14="http://schemas.microsoft.com/office/powerpoint/2010/main" val="2347368189"/>
+        <p14:creationId xmlns:p14="http://schemas.microsoft.com/office/powerpoint/2010/main" val="3088895096"/>
       </p:ext>
     </p:extLst>
   </p:cSld>
@@ -9308,7 +11611,7 @@
     </p:spTree>
     <p:extLst>
       <p:ext uri="{BB962C8B-B14F-4D97-AF65-F5344CB8AC3E}">
-        <p14:creationId xmlns:p14="http://schemas.microsoft.com/office/powerpoint/2010/main" val="2191243340"/>
+        <p14:creationId xmlns:p14="http://schemas.microsoft.com/office/powerpoint/2010/main" val="4081097533"/>
       </p:ext>
     </p:extLst>
   </p:cSld>
@@ -9415,7 +11718,7 @@
     </p:spTree>
     <p:extLst>
       <p:ext uri="{BB962C8B-B14F-4D97-AF65-F5344CB8AC3E}">
-        <p14:creationId xmlns:p14="http://schemas.microsoft.com/office/powerpoint/2010/main" val="2952985971"/>
+        <p14:creationId xmlns:p14="http://schemas.microsoft.com/office/powerpoint/2010/main" val="710846700"/>
       </p:ext>
     </p:extLst>
   </p:cSld>
@@ -9451,7 +11754,7 @@
           <p:nvPr/>
         </p:nvPicPr>
         <p:blipFill rotWithShape="1">
-          <a:blip r:embed="rId2">
+          <a:blip r:embed="rId3">
             <a:extLst>
               <a:ext uri="{28A0092B-C50C-407E-A947-70E740481C1C}">
                 <a14:useLocalDpi xmlns:a14="http://schemas.microsoft.com/office/drawing/2010/main" val="0"/>
@@ -9497,7 +11800,7 @@
               <a:rPr lang="en-US" sz="6000" dirty="0">
                 <a:latin typeface="Aliens &amp; cows" panose="00000500000000000000" pitchFamily="2" charset="0"/>
               </a:rPr>
-              <a:t>Buy my book</a:t>
+              <a:t>Recommended reading</a:t>
             </a:r>
           </a:p>
         </p:txBody>
@@ -9516,8 +11819,8 @@
         </p:nvSpPr>
         <p:spPr>
           <a:xfrm>
-            <a:off x="347240" y="1424949"/>
-            <a:ext cx="6285506" cy="3108543"/>
+            <a:off x="347240" y="1465093"/>
+            <a:ext cx="8255987" cy="954107"/>
           </a:xfrm>
           <a:prstGeom prst="rect">
             <a:avLst/>
@@ -9530,127 +11833,173 @@
           </a:bodyPr>
           <a:lstStyle/>
           <a:p>
-            <a:pPr>
+            <a:pPr marL="457200" indent="-457200">
               <a:buClr>
                 <a:srgbClr val="CF3338"/>
               </a:buClr>
+              <a:buFont typeface="Arial" panose="020B0604020202020204" pitchFamily="34" charset="0"/>
+              <a:buChar char="•"/>
             </a:pPr>
             <a:r>
+              <a:rPr lang="en-US" sz="2800" i="1" dirty="0">
+                <a:solidFill>
+                  <a:srgbClr val="707070"/>
+                </a:solidFill>
+                <a:latin typeface="Pragmatica" panose="020B0403040502020204" pitchFamily="34" charset="0"/>
+              </a:rPr>
+              <a:t>Advancing into Analytics </a:t>
+            </a:r>
+            <a:r>
               <a:rPr lang="en-US" sz="2800" dirty="0">
                 <a:solidFill>
                   <a:srgbClr val="707070"/>
                 </a:solidFill>
                 <a:latin typeface="Pragmatica" panose="020B0403040502020204" pitchFamily="34" charset="0"/>
-                <a:hlinkClick r:id="rId3"/>
-              </a:rPr>
-              <a:t>http://georgejmount.com/book/</a:t>
-            </a:r>
-            <a:r>
-              <a:rPr lang="en-US" sz="2800" dirty="0">
-                <a:solidFill>
-                  <a:srgbClr val="707070"/>
-                </a:solidFill>
-                <a:latin typeface="Pragmatica" panose="020B0403040502020204" pitchFamily="34" charset="0"/>
-              </a:rPr>
-              <a:t>  </a:t>
-            </a:r>
-          </a:p>
-          <a:p>
-            <a:pPr>
+              </a:rPr>
+              <a:t>by George Mount</a:t>
+            </a:r>
+          </a:p>
+          <a:p>
+            <a:pPr marL="914400" lvl="1" indent="-457200">
               <a:buClr>
                 <a:srgbClr val="CF3338"/>
               </a:buClr>
+              <a:buFont typeface="Arial" panose="020B0604020202020204" pitchFamily="34" charset="0"/>
+              <a:buChar char="•"/>
             </a:pPr>
-            <a:endParaRPr lang="en-US" sz="2800" dirty="0">
-              <a:solidFill>
-                <a:srgbClr val="707070"/>
-              </a:solidFill>
-              <a:latin typeface="Pragmatica" panose="020B0403040502020204" pitchFamily="34" charset="0"/>
-            </a:endParaRPr>
-          </a:p>
-          <a:p>
-            <a:pPr>
-              <a:buClr>
-                <a:srgbClr val="CF3338"/>
-              </a:buClr>
-            </a:pPr>
             <a:r>
               <a:rPr lang="en-US" sz="2800" dirty="0">
                 <a:solidFill>
                   <a:srgbClr val="707070"/>
                 </a:solidFill>
                 <a:latin typeface="Pragmatica" panose="020B0403040502020204" pitchFamily="34" charset="0"/>
-              </a:rPr>
-              <a:t>Learning objective: </a:t>
-            </a:r>
-            <a:r>
-              <a:rPr lang="en-US" sz="2800" i="1" dirty="0">
+                <a:hlinkClick r:id="rId4"/>
+              </a:rPr>
+              <a:t>georgejmount.com/book</a:t>
+            </a:r>
+            <a:r>
+              <a:rPr lang="en-US" sz="2800" dirty="0">
                 <a:solidFill>
                   <a:srgbClr val="707070"/>
                 </a:solidFill>
                 <a:latin typeface="Pragmatica" panose="020B0403040502020204" pitchFamily="34" charset="0"/>
               </a:rPr>
-              <a:t>By the end of this book, you should be able to conduct exploratory data analysis and</a:t>
-            </a:r>
-          </a:p>
-          <a:p>
-            <a:pPr>
-              <a:buClr>
-                <a:srgbClr val="CF3338"/>
-              </a:buClr>
-            </a:pPr>
-            <a:r>
-              <a:rPr lang="en-US" sz="2800" i="1" dirty="0">
-                <a:solidFill>
-                  <a:srgbClr val="707070"/>
-                </a:solidFill>
-                <a:latin typeface="Pragmatica" panose="020B0403040502020204" pitchFamily="34" charset="0"/>
-              </a:rPr>
-              <a:t>hypothesis testing using a programming language.</a:t>
+              <a:t>    </a:t>
             </a:r>
           </a:p>
         </p:txBody>
       </p:sp>
       <p:pic>
         <p:nvPicPr>
-          <p:cNvPr id="3" name="Picture 2" descr="A picture containing text, bird, sitting, oscine&#10;&#10;Description automatically generated">
+          <p:cNvPr id="4098" name="Picture 2" descr="Advancing into Analytics Cover Image">
             <a:extLst>
               <a:ext uri="{FF2B5EF4-FFF2-40B4-BE49-F238E27FC236}">
-                <a16:creationId xmlns:a16="http://schemas.microsoft.com/office/drawing/2014/main" id="{F54A0A62-9059-476F-9CB3-A2C41B7B2D91}"/>
+                <a16:creationId xmlns:a16="http://schemas.microsoft.com/office/drawing/2014/main" id="{58958D3C-C4DB-4EBB-9EE6-AA9672AA9979}"/>
               </a:ext>
             </a:extLst>
           </p:cNvPr>
           <p:cNvPicPr>
-            <a:picLocks noChangeAspect="1"/>
+            <a:picLocks noChangeAspect="1" noChangeArrowheads="1"/>
           </p:cNvPicPr>
           <p:nvPr/>
         </p:nvPicPr>
         <p:blipFill>
-          <a:blip r:embed="rId4">
+          <a:blip r:embed="rId5">
             <a:extLst>
               <a:ext uri="{28A0092B-C50C-407E-A947-70E740481C1C}">
                 <a14:useLocalDpi xmlns:a14="http://schemas.microsoft.com/office/drawing/2010/main" val="0"/>
               </a:ext>
             </a:extLst>
           </a:blip>
+          <a:srcRect/>
           <a:stretch>
             <a:fillRect/>
           </a:stretch>
         </p:blipFill>
-        <p:spPr>
-          <a:xfrm>
-            <a:off x="6956381" y="0"/>
-            <a:ext cx="5235618" cy="6858000"/>
+        <p:spPr bwMode="auto">
+          <a:xfrm>
+            <a:off x="8322631" y="1804894"/>
+            <a:ext cx="3869369" cy="5053106"/>
           </a:xfrm>
           <a:prstGeom prst="rect">
             <a:avLst/>
           </a:prstGeom>
+          <a:noFill/>
+          <a:extLst>
+            <a:ext uri="{909E8E84-426E-40DD-AFC4-6F175D3DCCD1}">
+              <a14:hiddenFill xmlns:a14="http://schemas.microsoft.com/office/drawing/2010/main">
+                <a:solidFill>
+                  <a:srgbClr val="FFFFFF"/>
+                </a:solidFill>
+              </a14:hiddenFill>
+            </a:ext>
+          </a:extLst>
         </p:spPr>
       </p:pic>
+      <p:sp>
+        <p:nvSpPr>
+          <p:cNvPr id="2" name="Rectangle 1">
+            <a:extLst>
+              <a:ext uri="{FF2B5EF4-FFF2-40B4-BE49-F238E27FC236}">
+                <a16:creationId xmlns:a16="http://schemas.microsoft.com/office/drawing/2014/main" id="{6681DC4C-77BB-4A7B-909D-F6A177016ADE}"/>
+              </a:ext>
+            </a:extLst>
+          </p:cNvPr>
+          <p:cNvSpPr/>
+          <p:nvPr/>
+        </p:nvSpPr>
+        <p:spPr>
+          <a:xfrm>
+            <a:off x="400424" y="3162573"/>
+            <a:ext cx="7697694" cy="2062103"/>
+          </a:xfrm>
+          <a:prstGeom prst="rect">
+            <a:avLst/>
+          </a:prstGeom>
+        </p:spPr>
+        <p:txBody>
+          <a:bodyPr wrap="square">
+            <a:spAutoFit/>
+          </a:bodyPr>
+          <a:lstStyle/>
+          <a:p>
+            <a:pPr>
+              <a:buClr>
+                <a:srgbClr val="CF3338"/>
+              </a:buClr>
+            </a:pPr>
+            <a:r>
+              <a:rPr lang="en-US" sz="3200" i="1" dirty="0">
+                <a:solidFill>
+                  <a:srgbClr val="707070"/>
+                </a:solidFill>
+                <a:latin typeface="Pragmatica" panose="020B0403040502020204" pitchFamily="34" charset="0"/>
+              </a:rPr>
+              <a:t>By the end of this book, you should be able to conduct exploratory data analysis and</a:t>
+            </a:r>
+          </a:p>
+          <a:p>
+            <a:pPr>
+              <a:buClr>
+                <a:srgbClr val="CF3338"/>
+              </a:buClr>
+            </a:pPr>
+            <a:r>
+              <a:rPr lang="en-US" sz="3200" i="1" dirty="0">
+                <a:solidFill>
+                  <a:srgbClr val="707070"/>
+                </a:solidFill>
+                <a:latin typeface="Pragmatica" panose="020B0403040502020204" pitchFamily="34" charset="0"/>
+              </a:rPr>
+              <a:t>hypothesis testing using a programming language.</a:t>
+            </a:r>
+          </a:p>
+        </p:txBody>
+      </p:sp>
     </p:spTree>
     <p:extLst>
       <p:ext uri="{BB962C8B-B14F-4D97-AF65-F5344CB8AC3E}">
-        <p14:creationId xmlns:p14="http://schemas.microsoft.com/office/powerpoint/2010/main" val="1911765370"/>
+        <p14:creationId xmlns:p14="http://schemas.microsoft.com/office/powerpoint/2010/main" val="3327978876"/>
       </p:ext>
     </p:extLst>
   </p:cSld>
@@ -9732,7 +12081,7 @@
               <a:rPr lang="en-US" sz="6000" dirty="0">
                 <a:latin typeface="Aliens &amp; cows" panose="00000500000000000000" pitchFamily="2" charset="0"/>
               </a:rPr>
-              <a:t>After you’ve bought my book</a:t>
+              <a:t>After that…</a:t>
             </a:r>
           </a:p>
         </p:txBody>
@@ -9901,7 +12250,7 @@
     </p:spTree>
     <p:extLst>
       <p:ext uri="{BB962C8B-B14F-4D97-AF65-F5344CB8AC3E}">
-        <p14:creationId xmlns:p14="http://schemas.microsoft.com/office/powerpoint/2010/main" val="159719367"/>
+        <p14:creationId xmlns:p14="http://schemas.microsoft.com/office/powerpoint/2010/main" val="2249534705"/>
       </p:ext>
     </p:extLst>
   </p:cSld>
@@ -9983,7 +12332,7 @@
               <a:rPr lang="en-US" sz="6000" dirty="0">
                 <a:latin typeface="Aliens &amp; cows" panose="00000500000000000000" pitchFamily="2" charset="0"/>
               </a:rPr>
-              <a:t>Unofficial learning objectives</a:t>
+              <a:t>Learning objectives</a:t>
             </a:r>
           </a:p>
         </p:txBody>
@@ -9997,7 +12346,7 @@
         <p:spPr>
           <a:xfrm>
             <a:off x="462987" y="1365813"/>
-            <a:ext cx="9595413" cy="954107"/>
+            <a:ext cx="9595413" cy="1384995"/>
           </a:xfrm>
           <a:prstGeom prst="rect">
             <a:avLst/>
@@ -10021,7 +12370,22 @@
                 </a:solidFill>
                 <a:latin typeface="Pragmatica" panose="020B0403040502020204" pitchFamily="34" charset="0"/>
               </a:rPr>
-              <a:t>Having fun with data &amp; computers</a:t>
+              <a:t>Situate Excel in the data analytics stack</a:t>
+            </a:r>
+          </a:p>
+          <a:p>
+            <a:pPr marL="285750" indent="-285750">
+              <a:buFont typeface="Arial" panose="020B0604020202020204" pitchFamily="34" charset="0"/>
+              <a:buChar char="•"/>
+            </a:pPr>
+            <a:r>
+              <a:rPr lang="en-US" sz="2800" dirty="0">
+                <a:solidFill>
+                  <a:srgbClr val="707070"/>
+                </a:solidFill>
+                <a:latin typeface="Pragmatica" panose="020B0403040502020204" pitchFamily="34" charset="0"/>
+              </a:rPr>
+              <a:t>Chart a clear learning path from Excel to R and Python</a:t>
             </a:r>
           </a:p>
           <a:p>
@@ -10041,7 +12405,7 @@
     </p:spTree>
     <p:extLst>
       <p:ext uri="{BB962C8B-B14F-4D97-AF65-F5344CB8AC3E}">
-        <p14:creationId xmlns:p14="http://schemas.microsoft.com/office/powerpoint/2010/main" val="3088404701"/>
+        <p14:creationId xmlns:p14="http://schemas.microsoft.com/office/powerpoint/2010/main" val="3245169404"/>
       </p:ext>
     </p:extLst>
   </p:cSld>
@@ -10214,7 +12578,149 @@
     </p:spTree>
     <p:extLst>
       <p:ext uri="{BB962C8B-B14F-4D97-AF65-F5344CB8AC3E}">
-        <p14:creationId xmlns:p14="http://schemas.microsoft.com/office/powerpoint/2010/main" val="1370879176"/>
+        <p14:creationId xmlns:p14="http://schemas.microsoft.com/office/powerpoint/2010/main" val="3217770178"/>
+      </p:ext>
+    </p:extLst>
+  </p:cSld>
+  <p:clrMapOvr>
+    <a:masterClrMapping/>
+  </p:clrMapOvr>
+</p:sld>
+</file>
+
+<file path=ppt/slides/slide31.xml><?xml version="1.0" encoding="utf-8"?>
+<p:sld xmlns:a="http://schemas.openxmlformats.org/drawingml/2006/main" xmlns:r="http://schemas.openxmlformats.org/officeDocument/2006/relationships" xmlns:p="http://schemas.openxmlformats.org/presentationml/2006/main">
+  <p:cSld>
+    <p:spTree>
+      <p:nvGrpSpPr>
+        <p:cNvPr id="1" name=""/>
+        <p:cNvGrpSpPr/>
+        <p:nvPr/>
+      </p:nvGrpSpPr>
+      <p:grpSpPr>
+        <a:xfrm>
+          <a:off x="0" y="0"/>
+          <a:ext cx="0" cy="0"/>
+          <a:chOff x="0" y="0"/>
+          <a:chExt cx="0" cy="0"/>
+        </a:xfrm>
+      </p:grpSpPr>
+      <p:pic>
+        <p:nvPicPr>
+          <p:cNvPr id="10" name="Picture 9"/>
+          <p:cNvPicPr>
+            <a:picLocks noChangeAspect="1"/>
+          </p:cNvPicPr>
+          <p:nvPr/>
+        </p:nvPicPr>
+        <p:blipFill rotWithShape="1">
+          <a:blip r:embed="rId2">
+            <a:extLst>
+              <a:ext uri="{28A0092B-C50C-407E-A947-70E740481C1C}">
+                <a14:useLocalDpi xmlns:a14="http://schemas.microsoft.com/office/drawing/2010/main" val="0"/>
+              </a:ext>
+            </a:extLst>
+          </a:blip>
+          <a:srcRect l="50728" t="56371"/>
+          <a:stretch/>
+        </p:blipFill>
+        <p:spPr>
+          <a:xfrm>
+            <a:off x="8136460" y="2210765"/>
+            <a:ext cx="4055539" cy="4647236"/>
+          </a:xfrm>
+          <a:prstGeom prst="rect">
+            <a:avLst/>
+          </a:prstGeom>
+        </p:spPr>
+      </p:pic>
+      <p:pic>
+        <p:nvPicPr>
+          <p:cNvPr id="4" name="Picture 3"/>
+          <p:cNvPicPr>
+            <a:picLocks noChangeAspect="1"/>
+          </p:cNvPicPr>
+          <p:nvPr/>
+        </p:nvPicPr>
+        <p:blipFill>
+          <a:blip r:embed="rId3">
+            <a:extLst>
+              <a:ext uri="{28A0092B-C50C-407E-A947-70E740481C1C}">
+                <a14:useLocalDpi xmlns:a14="http://schemas.microsoft.com/office/drawing/2010/main" val="0"/>
+              </a:ext>
+            </a:extLst>
+          </a:blip>
+          <a:stretch>
+            <a:fillRect/>
+          </a:stretch>
+        </p:blipFill>
+        <p:spPr>
+          <a:xfrm>
+            <a:off x="-538496" y="-2482770"/>
+            <a:ext cx="10171472" cy="7459883"/>
+          </a:xfrm>
+          <a:prstGeom prst="rect">
+            <a:avLst/>
+          </a:prstGeom>
+        </p:spPr>
+      </p:pic>
+      <p:sp>
+        <p:nvSpPr>
+          <p:cNvPr id="11" name="TextBox 10"/>
+          <p:cNvSpPr txBox="1"/>
+          <p:nvPr/>
+        </p:nvSpPr>
+        <p:spPr>
+          <a:xfrm>
+            <a:off x="324091" y="1687545"/>
+            <a:ext cx="7986531" cy="1384995"/>
+          </a:xfrm>
+          <a:prstGeom prst="rect">
+            <a:avLst/>
+          </a:prstGeom>
+          <a:noFill/>
+        </p:spPr>
+        <p:txBody>
+          <a:bodyPr wrap="square" rtlCol="0">
+            <a:spAutoFit/>
+          </a:bodyPr>
+          <a:lstStyle/>
+          <a:p>
+            <a:r>
+              <a:rPr lang="en-US" sz="2800" b="1" dirty="0">
+                <a:solidFill>
+                  <a:srgbClr val="707070"/>
+                </a:solidFill>
+                <a:latin typeface="Pragmatica" panose="020B0403040502020204" pitchFamily="34" charset="0"/>
+              </a:rPr>
+              <a:t>Questions?</a:t>
+            </a:r>
+          </a:p>
+          <a:p>
+            <a:endParaRPr lang="en-US" sz="2800" b="1" dirty="0">
+              <a:solidFill>
+                <a:srgbClr val="707070"/>
+              </a:solidFill>
+              <a:latin typeface="Pragmatica" panose="020B0403040502020204" pitchFamily="34" charset="0"/>
+            </a:endParaRPr>
+          </a:p>
+          <a:p>
+            <a:r>
+              <a:rPr lang="en-US" sz="2800" b="1" i="1" dirty="0">
+                <a:solidFill>
+                  <a:srgbClr val="707070"/>
+                </a:solidFill>
+                <a:latin typeface="Pragmatica" panose="020B0403040502020204" pitchFamily="34" charset="0"/>
+              </a:rPr>
+              <a:t>Who wants to win a book?</a:t>
+            </a:r>
+          </a:p>
+        </p:txBody>
+      </p:sp>
+    </p:spTree>
+    <p:extLst>
+      <p:ext uri="{BB962C8B-B14F-4D97-AF65-F5344CB8AC3E}">
+        <p14:creationId xmlns:p14="http://schemas.microsoft.com/office/powerpoint/2010/main" val="2312071835"/>
       </p:ext>
     </p:extLst>
   </p:cSld>
@@ -10241,59 +12747,45 @@
           <a:chExt cx="0" cy="0"/>
         </a:xfrm>
       </p:grpSpPr>
-      <p:sp>
-        <p:nvSpPr>
-          <p:cNvPr id="4" name="Rectangle 3"/>
-          <p:cNvSpPr/>
+      <p:pic>
+        <p:nvPicPr>
+          <p:cNvPr id="10" name="Picture 9"/>
+          <p:cNvPicPr>
+            <a:picLocks noChangeAspect="1"/>
+          </p:cNvPicPr>
           <p:nvPr/>
-        </p:nvSpPr>
-        <p:spPr>
-          <a:xfrm>
-            <a:off x="0" y="0"/>
-            <a:ext cx="12192000" cy="6858000"/>
+        </p:nvPicPr>
+        <p:blipFill rotWithShape="1">
+          <a:blip r:embed="rId2">
+            <a:extLst>
+              <a:ext uri="{28A0092B-C50C-407E-A947-70E740481C1C}">
+                <a14:useLocalDpi xmlns:a14="http://schemas.microsoft.com/office/drawing/2010/main" val="0"/>
+              </a:ext>
+            </a:extLst>
+          </a:blip>
+          <a:srcRect l="50728" t="56371"/>
+          <a:stretch/>
+        </p:blipFill>
+        <p:spPr>
+          <a:xfrm>
+            <a:off x="10894024" y="5370653"/>
+            <a:ext cx="1297975" cy="1487348"/>
           </a:xfrm>
           <a:prstGeom prst="rect">
             <a:avLst/>
           </a:prstGeom>
-          <a:solidFill>
-            <a:srgbClr val="CF3338"/>
-          </a:solidFill>
-        </p:spPr>
-        <p:style>
-          <a:lnRef idx="2">
-            <a:schemeClr val="accent1">
-              <a:shade val="50000"/>
-            </a:schemeClr>
-          </a:lnRef>
-          <a:fillRef idx="1">
-            <a:schemeClr val="accent1"/>
-          </a:fillRef>
-          <a:effectRef idx="0">
-            <a:schemeClr val="accent1"/>
-          </a:effectRef>
-          <a:fontRef idx="minor">
-            <a:schemeClr val="lt1"/>
-          </a:fontRef>
-        </p:style>
-        <p:txBody>
-          <a:bodyPr rtlCol="0" anchor="ctr"/>
-          <a:lstStyle/>
-          <a:p>
-            <a:pPr algn="ctr"/>
-            <a:endParaRPr lang="en-US"/>
-          </a:p>
-        </p:txBody>
-      </p:sp>
-      <p:sp>
-        <p:nvSpPr>
-          <p:cNvPr id="5" name="TextBox 4"/>
+        </p:spPr>
+      </p:pic>
+      <p:sp>
+        <p:nvSpPr>
+          <p:cNvPr id="11" name="TextBox 10"/>
           <p:cNvSpPr txBox="1"/>
           <p:nvPr/>
         </p:nvSpPr>
         <p:spPr>
           <a:xfrm>
-            <a:off x="520861" y="393539"/>
-            <a:ext cx="10324617" cy="2123658"/>
+            <a:off x="347240" y="113388"/>
+            <a:ext cx="9799937" cy="1015663"/>
           </a:xfrm>
           <a:prstGeom prst="rect">
             <a:avLst/>
@@ -10307,21 +12799,98 @@
           <a:lstStyle/>
           <a:p>
             <a:r>
-              <a:rPr lang="en-US" sz="6600" b="1" dirty="0">
-                <a:solidFill>
-                  <a:schemeClr val="bg1"/>
-                </a:solidFill>
-                <a:latin typeface="Pragmatica" pitchFamily="2" charset="0"/>
-              </a:rPr>
-              <a:t>What is the data analytics stack?</a:t>
-            </a:r>
+              <a:rPr lang="en-US" sz="6000" dirty="0">
+                <a:latin typeface="Aliens &amp; cows" panose="00000500000000000000" pitchFamily="2" charset="0"/>
+              </a:rPr>
+              <a:t>Unofficial learning objectives</a:t>
+            </a:r>
+          </a:p>
+        </p:txBody>
+      </p:sp>
+      <p:sp>
+        <p:nvSpPr>
+          <p:cNvPr id="3" name="TextBox 2"/>
+          <p:cNvSpPr txBox="1"/>
+          <p:nvPr/>
+        </p:nvSpPr>
+        <p:spPr>
+          <a:xfrm>
+            <a:off x="462987" y="1365813"/>
+            <a:ext cx="9595413" cy="1815882"/>
+          </a:xfrm>
+          <a:prstGeom prst="rect">
+            <a:avLst/>
+          </a:prstGeom>
+          <a:noFill/>
+        </p:spPr>
+        <p:txBody>
+          <a:bodyPr wrap="square" rtlCol="0">
+            <a:spAutoFit/>
+          </a:bodyPr>
+          <a:lstStyle/>
+          <a:p>
+            <a:pPr marL="285750" indent="-285750">
+              <a:buFont typeface="Arial" panose="020B0604020202020204" pitchFamily="34" charset="0"/>
+              <a:buChar char="•"/>
+            </a:pPr>
+            <a:r>
+              <a:rPr lang="en-US" sz="2800" dirty="0">
+                <a:solidFill>
+                  <a:srgbClr val="707070"/>
+                </a:solidFill>
+                <a:latin typeface="Pragmatica" panose="020B0403040502020204" pitchFamily="34" charset="0"/>
+              </a:rPr>
+              <a:t>Having fun with data &amp; computers</a:t>
+            </a:r>
+          </a:p>
+          <a:p>
+            <a:pPr marL="285750" indent="-285750">
+              <a:buFont typeface="Arial" panose="020B0604020202020204" pitchFamily="34" charset="0"/>
+              <a:buChar char="•"/>
+            </a:pPr>
+            <a:r>
+              <a:rPr lang="en-US" sz="2800" dirty="0">
+                <a:solidFill>
+                  <a:srgbClr val="707070"/>
+                </a:solidFill>
+                <a:latin typeface="Pragmatica" panose="020B0403040502020204" pitchFamily="34" charset="0"/>
+              </a:rPr>
+              <a:t>Maybe winning a book….</a:t>
+            </a:r>
+          </a:p>
+          <a:p>
+            <a:pPr marL="742950" lvl="1" indent="-285750">
+              <a:buFont typeface="Arial" panose="020B0604020202020204" pitchFamily="34" charset="0"/>
+              <a:buChar char="•"/>
+            </a:pPr>
+            <a:r>
+              <a:rPr lang="en-US" sz="2800" i="1" dirty="0">
+                <a:solidFill>
+                  <a:srgbClr val="707070"/>
+                </a:solidFill>
+                <a:latin typeface="Pragmatica" panose="020B0403040502020204" pitchFamily="34" charset="0"/>
+              </a:rPr>
+              <a:t>Wait for the next slide to answer… </a:t>
+            </a:r>
+          </a:p>
+          <a:p>
+            <a:pPr marL="285750" indent="-285750">
+              <a:buFont typeface="Arial" panose="020B0604020202020204" pitchFamily="34" charset="0"/>
+              <a:buChar char="•"/>
+            </a:pPr>
+            <a:endParaRPr lang="en-US" sz="2800" dirty="0">
+              <a:solidFill>
+                <a:srgbClr val="707070"/>
+              </a:solidFill>
+              <a:latin typeface="Pragmatica" panose="020B0403040502020204" pitchFamily="34" charset="0"/>
+            </a:endParaRPr>
           </a:p>
         </p:txBody>
       </p:sp>
     </p:spTree>
     <p:extLst>
       <p:ext uri="{BB962C8B-B14F-4D97-AF65-F5344CB8AC3E}">
-        <p14:creationId xmlns:p14="http://schemas.microsoft.com/office/powerpoint/2010/main" val="2967702006"/>
+        <p14:creationId xmlns:p14="http://schemas.microsoft.com/office/powerpoint/2010/main" val="4151676757"/>
       </p:ext>
     </p:extLst>
   </p:cSld>
@@ -10403,7 +12972,7 @@
               <a:rPr lang="en-US" sz="6000" dirty="0">
                 <a:latin typeface="Aliens &amp; cows" panose="00000500000000000000" pitchFamily="2" charset="0"/>
               </a:rPr>
-              <a:t>Spare no tools… </a:t>
+              <a:t>For a book… </a:t>
             </a:r>
           </a:p>
         </p:txBody>
@@ -10417,7 +12986,7 @@
         <p:spPr>
           <a:xfrm>
             <a:off x="462987" y="1365813"/>
-            <a:ext cx="9595413" cy="954107"/>
+            <a:ext cx="9595413" cy="523220"/>
           </a:xfrm>
           <a:prstGeom prst="rect">
             <a:avLst/>
@@ -10437,15 +13006,96 @@
                 </a:solidFill>
                 <a:latin typeface="Pragmatica" panose="020B0403040502020204" pitchFamily="34" charset="0"/>
               </a:rPr>
-              <a:t>Insert your O’Reilly-drawn data analytics stack image here</a:t>
-            </a:r>
-          </a:p>
-        </p:txBody>
-      </p:sp>
+              <a:t>Name another city in Ohio</a:t>
+            </a:r>
+          </a:p>
+        </p:txBody>
+      </p:sp>
+      <p:sp>
+        <p:nvSpPr>
+          <p:cNvPr id="2" name="Rectangle 1">
+            <a:extLst>
+              <a:ext uri="{FF2B5EF4-FFF2-40B4-BE49-F238E27FC236}">
+                <a16:creationId xmlns:a16="http://schemas.microsoft.com/office/drawing/2014/main" id="{29914723-7292-44D5-827E-205A9D38F32F}"/>
+              </a:ext>
+            </a:extLst>
+          </p:cNvPr>
+          <p:cNvSpPr/>
+          <p:nvPr/>
+        </p:nvSpPr>
+        <p:spPr>
+          <a:xfrm>
+            <a:off x="0" y="6488668"/>
+            <a:ext cx="5786777" cy="369332"/>
+          </a:xfrm>
+          <a:prstGeom prst="rect">
+            <a:avLst/>
+          </a:prstGeom>
+        </p:spPr>
+        <p:txBody>
+          <a:bodyPr wrap="none">
+            <a:spAutoFit/>
+          </a:bodyPr>
+          <a:lstStyle/>
+          <a:p>
+            <a:r>
+              <a:rPr lang="en-US" dirty="0"/>
+              <a:t>https://kids.britannica.com/students/assembly/view/54743</a:t>
+            </a:r>
+          </a:p>
+        </p:txBody>
+      </p:sp>
+      <p:pic>
+        <p:nvPicPr>
+          <p:cNvPr id="1026" name="Picture 2" descr="Cleveland: location">
+            <a:extLst>
+              <a:ext uri="{FF2B5EF4-FFF2-40B4-BE49-F238E27FC236}">
+                <a16:creationId xmlns:a16="http://schemas.microsoft.com/office/drawing/2014/main" id="{FDA13857-889C-4F31-BC78-35F70F80F7A8}"/>
+              </a:ext>
+            </a:extLst>
+          </p:cNvPr>
+          <p:cNvPicPr>
+            <a:picLocks noChangeAspect="1" noChangeArrowheads="1"/>
+          </p:cNvPicPr>
+          <p:nvPr/>
+        </p:nvPicPr>
+        <p:blipFill>
+          <a:blip r:embed="rId3">
+            <a:extLst>
+              <a:ext uri="{28A0092B-C50C-407E-A947-70E740481C1C}">
+                <a14:useLocalDpi xmlns:a14="http://schemas.microsoft.com/office/drawing/2010/main" val="0"/>
+              </a:ext>
+            </a:extLst>
+          </a:blip>
+          <a:srcRect/>
+          <a:stretch>
+            <a:fillRect/>
+          </a:stretch>
+        </p:blipFill>
+        <p:spPr bwMode="auto">
+          <a:xfrm>
+            <a:off x="5581089" y="1011331"/>
+            <a:ext cx="6381750" cy="5238750"/>
+          </a:xfrm>
+          <a:prstGeom prst="rect">
+            <a:avLst/>
+          </a:prstGeom>
+          <a:noFill/>
+          <a:extLst>
+            <a:ext uri="{909E8E84-426E-40DD-AFC4-6F175D3DCCD1}">
+              <a14:hiddenFill xmlns:a14="http://schemas.microsoft.com/office/drawing/2010/main">
+                <a:solidFill>
+                  <a:srgbClr val="FFFFFF"/>
+                </a:solidFill>
+              </a14:hiddenFill>
+            </a:ext>
+          </a:extLst>
+        </p:spPr>
+      </p:pic>
     </p:spTree>
     <p:extLst>
       <p:ext uri="{BB962C8B-B14F-4D97-AF65-F5344CB8AC3E}">
-        <p14:creationId xmlns:p14="http://schemas.microsoft.com/office/powerpoint/2010/main" val="1178959334"/>
+        <p14:creationId xmlns:p14="http://schemas.microsoft.com/office/powerpoint/2010/main" val="866473016"/>
       </p:ext>
     </p:extLst>
   </p:cSld>
@@ -10456,7 +13106,7 @@
 </file>
 
 <file path=ppt/slides/slide6.xml><?xml version="1.0" encoding="utf-8"?>
-<p:sld xmlns:a="http://schemas.openxmlformats.org/drawingml/2006/main" xmlns:r="http://schemas.openxmlformats.org/officeDocument/2006/relationships" xmlns:p="http://schemas.openxmlformats.org/presentationml/2006/main" show="0">
+<p:sld xmlns:a="http://schemas.openxmlformats.org/drawingml/2006/main" xmlns:r="http://schemas.openxmlformats.org/officeDocument/2006/relationships" xmlns:p="http://schemas.openxmlformats.org/presentationml/2006/main">
   <p:cSld>
     <p:spTree>
       <p:nvGrpSpPr>
@@ -10472,45 +13122,59 @@
           <a:chExt cx="0" cy="0"/>
         </a:xfrm>
       </p:grpSpPr>
-      <p:pic>
-        <p:nvPicPr>
-          <p:cNvPr id="10" name="Picture 9"/>
-          <p:cNvPicPr>
-            <a:picLocks noChangeAspect="1"/>
-          </p:cNvPicPr>
+      <p:sp>
+        <p:nvSpPr>
+          <p:cNvPr id="4" name="Rectangle 3"/>
+          <p:cNvSpPr/>
           <p:nvPr/>
-        </p:nvPicPr>
-        <p:blipFill rotWithShape="1">
-          <a:blip r:embed="rId2">
-            <a:extLst>
-              <a:ext uri="{28A0092B-C50C-407E-A947-70E740481C1C}">
-                <a14:useLocalDpi xmlns:a14="http://schemas.microsoft.com/office/drawing/2010/main" val="0"/>
-              </a:ext>
-            </a:extLst>
-          </a:blip>
-          <a:srcRect l="50728" t="56371"/>
-          <a:stretch/>
-        </p:blipFill>
-        <p:spPr>
-          <a:xfrm>
-            <a:off x="10894024" y="5370653"/>
-            <a:ext cx="1297975" cy="1487348"/>
+        </p:nvSpPr>
+        <p:spPr>
+          <a:xfrm>
+            <a:off x="0" y="0"/>
+            <a:ext cx="12192000" cy="6858000"/>
           </a:xfrm>
           <a:prstGeom prst="rect">
             <a:avLst/>
           </a:prstGeom>
-        </p:spPr>
-      </p:pic>
-      <p:sp>
-        <p:nvSpPr>
-          <p:cNvPr id="11" name="TextBox 10"/>
+          <a:solidFill>
+            <a:srgbClr val="CF3338"/>
+          </a:solidFill>
+        </p:spPr>
+        <p:style>
+          <a:lnRef idx="2">
+            <a:schemeClr val="accent1">
+              <a:shade val="50000"/>
+            </a:schemeClr>
+          </a:lnRef>
+          <a:fillRef idx="1">
+            <a:schemeClr val="accent1"/>
+          </a:fillRef>
+          <a:effectRef idx="0">
+            <a:schemeClr val="accent1"/>
+          </a:effectRef>
+          <a:fontRef idx="minor">
+            <a:schemeClr val="lt1"/>
+          </a:fontRef>
+        </p:style>
+        <p:txBody>
+          <a:bodyPr rtlCol="0" anchor="ctr"/>
+          <a:lstStyle/>
+          <a:p>
+            <a:pPr algn="ctr"/>
+            <a:endParaRPr lang="en-US"/>
+          </a:p>
+        </p:txBody>
+      </p:sp>
+      <p:sp>
+        <p:nvSpPr>
+          <p:cNvPr id="5" name="TextBox 4"/>
           <p:cNvSpPr txBox="1"/>
           <p:nvPr/>
         </p:nvSpPr>
         <p:spPr>
           <a:xfrm>
-            <a:off x="347240" y="113388"/>
-            <a:ext cx="11447363" cy="923330"/>
+            <a:off x="520861" y="393539"/>
+            <a:ext cx="10324617" cy="2123658"/>
           </a:xfrm>
           <a:prstGeom prst="rect">
             <a:avLst/>
@@ -10524,251 +13188,13 @@
           <a:lstStyle/>
           <a:p>
             <a:r>
-              <a:rPr lang="en-US" sz="5400" dirty="0">
-                <a:latin typeface="Aliens &amp; cows" panose="00000500000000000000" pitchFamily="2" charset="0"/>
-              </a:rPr>
-              <a:t>What is Excel good for? </a:t>
-            </a:r>
-          </a:p>
-        </p:txBody>
-      </p:sp>
-      <p:sp>
-        <p:nvSpPr>
-          <p:cNvPr id="3" name="TextBox 2"/>
-          <p:cNvSpPr txBox="1"/>
-          <p:nvPr/>
-        </p:nvSpPr>
-        <p:spPr>
-          <a:xfrm>
-            <a:off x="347241" y="2280355"/>
-            <a:ext cx="5164238" cy="2800767"/>
-          </a:xfrm>
-          <a:prstGeom prst="rect">
-            <a:avLst/>
-          </a:prstGeom>
-          <a:noFill/>
-        </p:spPr>
-        <p:txBody>
-          <a:bodyPr wrap="square" rtlCol="0">
-            <a:spAutoFit/>
-          </a:bodyPr>
-          <a:lstStyle/>
-          <a:p>
-            <a:pPr>
-              <a:buClr>
-                <a:srgbClr val="CF3338"/>
-              </a:buClr>
-            </a:pPr>
-            <a:r>
-              <a:rPr lang="en-US" sz="3600" b="1" dirty="0">
-                <a:solidFill>
-                  <a:srgbClr val="707070"/>
-                </a:solidFill>
-                <a:latin typeface="Normafixed Tryout" panose="00000409000000000000" pitchFamily="49" charset="0"/>
-              </a:rPr>
-              <a:t>Good at… </a:t>
-            </a:r>
-            <a:endParaRPr lang="en-US" sz="3600" dirty="0">
-              <a:solidFill>
-                <a:srgbClr val="707070"/>
-              </a:solidFill>
-              <a:latin typeface="Normafixed Tryout" panose="00000409000000000000" pitchFamily="49" charset="0"/>
-            </a:endParaRPr>
-          </a:p>
-          <a:p>
-            <a:pPr marL="457200" indent="-457200">
-              <a:buClr>
-                <a:srgbClr val="CF3338"/>
-              </a:buClr>
-              <a:buFont typeface="Arial" panose="020B0604020202020204" pitchFamily="34" charset="0"/>
-              <a:buChar char="•"/>
-            </a:pPr>
-            <a:endParaRPr lang="en-US" sz="2800" dirty="0">
-              <a:solidFill>
-                <a:srgbClr val="707070"/>
-              </a:solidFill>
-              <a:latin typeface="Pragmatica" panose="020B0403040502020204" pitchFamily="34" charset="0"/>
-            </a:endParaRPr>
-          </a:p>
-          <a:p>
-            <a:pPr marL="457200" indent="-457200">
-              <a:buClr>
-                <a:srgbClr val="CF3338"/>
-              </a:buClr>
-              <a:buFont typeface="Arial" panose="020B0604020202020204" pitchFamily="34" charset="0"/>
-              <a:buChar char="•"/>
-            </a:pPr>
-            <a:r>
-              <a:rPr lang="en-US" sz="2800" dirty="0">
-                <a:solidFill>
-                  <a:srgbClr val="707070"/>
-                </a:solidFill>
-                <a:latin typeface="Pragmatica" panose="020B0403040502020204" pitchFamily="34" charset="0"/>
-              </a:rPr>
-              <a:t>Visual calculations</a:t>
-            </a:r>
-          </a:p>
-          <a:p>
-            <a:pPr marL="457200" indent="-457200">
-              <a:buClr>
-                <a:srgbClr val="CF3338"/>
-              </a:buClr>
-              <a:buFont typeface="Arial" panose="020B0604020202020204" pitchFamily="34" charset="0"/>
-              <a:buChar char="•"/>
-            </a:pPr>
-            <a:r>
-              <a:rPr lang="en-US" sz="2800" dirty="0">
-                <a:solidFill>
-                  <a:srgbClr val="707070"/>
-                </a:solidFill>
-                <a:latin typeface="Pragmatica" panose="020B0403040502020204" pitchFamily="34" charset="0"/>
-              </a:rPr>
-              <a:t>End-user interactivity</a:t>
-            </a:r>
-          </a:p>
-          <a:p>
-            <a:pPr marL="457200" indent="-457200">
-              <a:buClr>
-                <a:srgbClr val="CF3338"/>
-              </a:buClr>
-              <a:buFont typeface="Arial" panose="020B0604020202020204" pitchFamily="34" charset="0"/>
-              <a:buChar char="•"/>
-            </a:pPr>
-            <a:r>
-              <a:rPr lang="en-US" sz="2800" dirty="0">
-                <a:solidFill>
-                  <a:srgbClr val="707070"/>
-                </a:solidFill>
-                <a:latin typeface="Pragmatica" panose="020B0403040502020204" pitchFamily="34" charset="0"/>
-              </a:rPr>
-              <a:t>Rapid prototyping</a:t>
-            </a:r>
-          </a:p>
-          <a:p>
-            <a:pPr>
-              <a:buClr>
-                <a:srgbClr val="CF3338"/>
-              </a:buClr>
-            </a:pPr>
-            <a:endParaRPr lang="en-US" sz="2800" dirty="0">
-              <a:solidFill>
-                <a:srgbClr val="707070"/>
-              </a:solidFill>
-              <a:latin typeface="Pragmatica" panose="020B0403040502020204" pitchFamily="34" charset="0"/>
-            </a:endParaRPr>
-          </a:p>
-        </p:txBody>
-      </p:sp>
-      <p:sp>
-        <p:nvSpPr>
-          <p:cNvPr id="5" name="TextBox 4"/>
-          <p:cNvSpPr txBox="1"/>
-          <p:nvPr/>
-        </p:nvSpPr>
-        <p:spPr>
-          <a:xfrm>
-            <a:off x="5511478" y="2218800"/>
-            <a:ext cx="6539697" cy="2369880"/>
-          </a:xfrm>
-          <a:prstGeom prst="rect">
-            <a:avLst/>
-          </a:prstGeom>
-          <a:noFill/>
-        </p:spPr>
-        <p:txBody>
-          <a:bodyPr wrap="square" rtlCol="0">
-            <a:spAutoFit/>
-          </a:bodyPr>
-          <a:lstStyle/>
-          <a:p>
-            <a:pPr>
-              <a:buClr>
-                <a:srgbClr val="CF3338"/>
-              </a:buClr>
-            </a:pPr>
-            <a:r>
-              <a:rPr lang="en-US" sz="3600" b="1" dirty="0">
-                <a:solidFill>
-                  <a:srgbClr val="707070"/>
-                </a:solidFill>
-                <a:latin typeface="Normafixed Tryout" panose="00000409000000000000" pitchFamily="49" charset="0"/>
-              </a:rPr>
-              <a:t>Not so much… </a:t>
-            </a:r>
-            <a:endParaRPr lang="en-US" sz="3600" dirty="0">
-              <a:solidFill>
-                <a:srgbClr val="707070"/>
-              </a:solidFill>
-              <a:latin typeface="Normafixed Tryout" panose="00000409000000000000" pitchFamily="49" charset="0"/>
-            </a:endParaRPr>
-          </a:p>
-          <a:p>
-            <a:pPr marL="457200" indent="-457200">
-              <a:buClr>
-                <a:srgbClr val="CF3338"/>
-              </a:buClr>
-              <a:buFont typeface="Arial" panose="020B0604020202020204" pitchFamily="34" charset="0"/>
-              <a:buChar char="•"/>
-            </a:pPr>
-            <a:endParaRPr lang="en-US" sz="2800" dirty="0">
-              <a:solidFill>
-                <a:srgbClr val="707070"/>
-              </a:solidFill>
-              <a:latin typeface="Pragmatica" panose="020B0403040502020204" pitchFamily="34" charset="0"/>
-            </a:endParaRPr>
-          </a:p>
-          <a:p>
-            <a:pPr marL="457200" indent="-457200">
-              <a:buClr>
-                <a:srgbClr val="CF3338"/>
-              </a:buClr>
-              <a:buFont typeface="Arial" panose="020B0604020202020204" pitchFamily="34" charset="0"/>
-              <a:buChar char="•"/>
-            </a:pPr>
-            <a:r>
-              <a:rPr lang="en-US" sz="2800" dirty="0">
-                <a:solidFill>
-                  <a:srgbClr val="707070"/>
-                </a:solidFill>
-                <a:latin typeface="Pragmatica" panose="020B0403040502020204" pitchFamily="34" charset="0"/>
-              </a:rPr>
-              <a:t>Storing data</a:t>
-            </a:r>
-          </a:p>
-          <a:p>
-            <a:pPr marL="457200" indent="-457200">
-              <a:buClr>
-                <a:srgbClr val="CF3338"/>
-              </a:buClr>
-              <a:buFont typeface="Arial" panose="020B0604020202020204" pitchFamily="34" charset="0"/>
-              <a:buChar char="•"/>
-            </a:pPr>
-            <a:r>
-              <a:rPr lang="en-US" sz="2800" dirty="0">
-                <a:solidFill>
-                  <a:srgbClr val="707070"/>
-                </a:solidFill>
-                <a:latin typeface="Pragmatica" panose="020B0403040502020204" pitchFamily="34" charset="0"/>
-              </a:rPr>
-              <a:t>Mobilizing data</a:t>
-            </a:r>
-          </a:p>
-          <a:p>
-            <a:pPr marL="457200" indent="-457200">
-              <a:buClr>
-                <a:srgbClr val="CF3338"/>
-              </a:buClr>
-              <a:buFont typeface="Arial" panose="020B0604020202020204" pitchFamily="34" charset="0"/>
-              <a:buChar char="•"/>
-            </a:pPr>
-            <a:r>
-              <a:rPr lang="en-US" sz="2800" dirty="0">
-                <a:solidFill>
-                  <a:srgbClr val="707070"/>
-                </a:solidFill>
-                <a:latin typeface="Pragmatica" panose="020B0403040502020204" pitchFamily="34" charset="0"/>
-              </a:rPr>
-              <a:t>Implementing advanced analysis</a:t>
+              <a:rPr lang="en-US" sz="6600" b="1" dirty="0">
+                <a:solidFill>
+                  <a:schemeClr val="bg1"/>
+                </a:solidFill>
+                <a:latin typeface="Pragmatica" pitchFamily="2" charset="0"/>
+              </a:rPr>
+              <a:t>What is the data analytics stack?</a:t>
             </a:r>
           </a:p>
         </p:txBody>
@@ -10776,7 +13202,7 @@
     </p:spTree>
     <p:extLst>
       <p:ext uri="{BB962C8B-B14F-4D97-AF65-F5344CB8AC3E}">
-        <p14:creationId xmlns:p14="http://schemas.microsoft.com/office/powerpoint/2010/main" val="3138290190"/>
+        <p14:creationId xmlns:p14="http://schemas.microsoft.com/office/powerpoint/2010/main" val="4066819571"/>
       </p:ext>
     </p:extLst>
   </p:cSld>
@@ -10812,7 +13238,7 @@
           <p:nvPr/>
         </p:nvPicPr>
         <p:blipFill rotWithShape="1">
-          <a:blip r:embed="rId2">
+          <a:blip r:embed="rId3">
             <a:extLst>
               <a:ext uri="{28A0092B-C50C-407E-A947-70E740481C1C}">
                 <a14:useLocalDpi xmlns:a14="http://schemas.microsoft.com/office/drawing/2010/main" val="0"/>
@@ -10841,7 +13267,7 @@
         <p:spPr>
           <a:xfrm>
             <a:off x="347240" y="113388"/>
-            <a:ext cx="11447363" cy="923330"/>
+            <a:ext cx="9799937" cy="1015663"/>
           </a:xfrm>
           <a:prstGeom prst="rect">
             <a:avLst/>
@@ -10855,20 +13281,20 @@
           <a:lstStyle/>
           <a:p>
             <a:r>
-              <a:rPr lang="en-US" sz="5400" dirty="0">
+              <a:rPr lang="en-US" sz="6000" dirty="0">
                 <a:latin typeface="Aliens &amp; cows" panose="00000500000000000000" pitchFamily="2" charset="0"/>
               </a:rPr>
-              <a:t>Don’t take my word for it… </a:t>
+              <a:t>Spare no tools… </a:t>
             </a:r>
           </a:p>
         </p:txBody>
       </p:sp>
       <p:pic>
         <p:nvPicPr>
-          <p:cNvPr id="2" name="Picture 1">
+          <p:cNvPr id="4" name="Picture 3" descr="Diagram, text&#10;&#10;Description automatically generated">
             <a:extLst>
               <a:ext uri="{FF2B5EF4-FFF2-40B4-BE49-F238E27FC236}">
-                <a16:creationId xmlns:a16="http://schemas.microsoft.com/office/drawing/2014/main" id="{3A430808-B129-457D-A95A-F611A94D0184}"/>
+                <a16:creationId xmlns:a16="http://schemas.microsoft.com/office/drawing/2014/main" id="{69888AE4-E6A5-42EE-8C41-9647CFF76E35}"/>
               </a:ext>
             </a:extLst>
           </p:cNvPr>
@@ -10878,15 +13304,21 @@
           <p:nvPr/>
         </p:nvPicPr>
         <p:blipFill>
-          <a:blip r:embed="rId3"/>
+          <a:blip r:embed="rId4">
+            <a:extLst>
+              <a:ext uri="{28A0092B-C50C-407E-A947-70E740481C1C}">
+                <a14:useLocalDpi xmlns:a14="http://schemas.microsoft.com/office/drawing/2010/main" val="0"/>
+              </a:ext>
+            </a:extLst>
+          </a:blip>
           <a:stretch>
             <a:fillRect/>
           </a:stretch>
         </p:blipFill>
         <p:spPr>
           <a:xfrm>
-            <a:off x="7639540" y="1681710"/>
-            <a:ext cx="2666949" cy="1424913"/>
+            <a:off x="1929935" y="1777154"/>
+            <a:ext cx="8555449" cy="4024138"/>
           </a:xfrm>
           <a:prstGeom prst="rect">
             <a:avLst/>
@@ -10895,10 +13327,10 @@
       </p:pic>
       <p:sp>
         <p:nvSpPr>
-          <p:cNvPr id="4" name="TextBox 3">
+          <p:cNvPr id="7" name="TextBox 6">
             <a:extLst>
               <a:ext uri="{FF2B5EF4-FFF2-40B4-BE49-F238E27FC236}">
-                <a16:creationId xmlns:a16="http://schemas.microsoft.com/office/drawing/2014/main" id="{D5A0E442-DBD9-4D0B-B04A-95A29BD832BA}"/>
+                <a16:creationId xmlns:a16="http://schemas.microsoft.com/office/drawing/2014/main" id="{CFAB272F-EC83-45BA-935F-DFBF5407D2B6}"/>
               </a:ext>
             </a:extLst>
           </p:cNvPr>
@@ -10907,8 +13339,8 @@
         </p:nvSpPr>
         <p:spPr>
           <a:xfrm>
-            <a:off x="1616697" y="1965489"/>
-            <a:ext cx="4001678" cy="369332"/>
+            <a:off x="261704" y="6114327"/>
+            <a:ext cx="9493446" cy="369332"/>
           </a:xfrm>
           <a:prstGeom prst="rect">
             <a:avLst/>
@@ -10922,16 +13354,53 @@
           <a:lstStyle/>
           <a:p>
             <a:r>
-              <a:rPr lang="en-US" dirty="0"/>
-              <a:t>Insert Power BI visuals here </a:t>
-            </a:r>
+              <a:rPr lang="en-US" dirty="0">
+                <a:solidFill>
+                  <a:schemeClr val="bg1">
+                    <a:lumMod val="50000"/>
+                  </a:schemeClr>
+                </a:solidFill>
+                <a:latin typeface="Pragmatica" pitchFamily="2" charset="0"/>
+              </a:rPr>
+              <a:t>Mount, George. </a:t>
+            </a:r>
+            <a:r>
+              <a:rPr lang="en-US" i="1" dirty="0">
+                <a:solidFill>
+                  <a:schemeClr val="bg1">
+                    <a:lumMod val="50000"/>
+                  </a:schemeClr>
+                </a:solidFill>
+                <a:latin typeface="Pragmatica" pitchFamily="2" charset="0"/>
+              </a:rPr>
+              <a:t>Advancing into Analytics: From Excel to Python and R</a:t>
+            </a:r>
+            <a:r>
+              <a:rPr lang="en-US" dirty="0">
+                <a:solidFill>
+                  <a:schemeClr val="bg1">
+                    <a:lumMod val="50000"/>
+                  </a:schemeClr>
+                </a:solidFill>
+                <a:latin typeface="Pragmatica" pitchFamily="2" charset="0"/>
+              </a:rPr>
+              <a:t>. O’Reilly Media, 2021</a:t>
+            </a:r>
+            <a:endParaRPr lang="en-US" i="1" dirty="0">
+              <a:solidFill>
+                <a:schemeClr val="bg1">
+                  <a:lumMod val="50000"/>
+                </a:schemeClr>
+              </a:solidFill>
+              <a:latin typeface="Pragmatica" pitchFamily="2" charset="0"/>
+            </a:endParaRPr>
           </a:p>
         </p:txBody>
       </p:sp>
     </p:spTree>
     <p:extLst>
       <p:ext uri="{BB962C8B-B14F-4D97-AF65-F5344CB8AC3E}">
-        <p14:creationId xmlns:p14="http://schemas.microsoft.com/office/powerpoint/2010/main" val="4151607513"/>
+        <p14:creationId xmlns:p14="http://schemas.microsoft.com/office/powerpoint/2010/main" val="3729633991"/>
       </p:ext>
     </p:extLst>
   </p:cSld>
@@ -10967,7 +13436,7 @@
           <p:nvPr/>
         </p:nvPicPr>
         <p:blipFill rotWithShape="1">
-          <a:blip r:embed="rId2">
+          <a:blip r:embed="rId3">
             <a:extLst>
               <a:ext uri="{28A0092B-C50C-407E-A947-70E740481C1C}">
                 <a14:useLocalDpi xmlns:a14="http://schemas.microsoft.com/office/drawing/2010/main" val="0"/>
@@ -11033,7 +13502,7 @@
           <p:nvPr/>
         </p:nvPicPr>
         <p:blipFill>
-          <a:blip r:embed="rId3">
+          <a:blip r:embed="rId4">
             <a:extLst>
               <a:ext uri="{28A0092B-C50C-407E-A947-70E740481C1C}">
                 <a14:useLocalDpi xmlns:a14="http://schemas.microsoft.com/office/drawing/2010/main" val="0"/>
@@ -11047,8 +13516,8 @@
         </p:blipFill>
         <p:spPr bwMode="auto">
           <a:xfrm>
-            <a:off x="1034817" y="2321529"/>
-            <a:ext cx="10383246" cy="1938206"/>
+            <a:off x="684888" y="1312010"/>
+            <a:ext cx="5074015" cy="947149"/>
           </a:xfrm>
           <a:prstGeom prst="rect">
             <a:avLst/>
@@ -11080,7 +13549,7 @@
         <p:spPr>
           <a:xfrm>
             <a:off x="347240" y="6098281"/>
-            <a:ext cx="8766676" cy="646331"/>
+            <a:ext cx="9493446" cy="646331"/>
           </a:xfrm>
           <a:prstGeom prst="rect">
             <a:avLst/>
@@ -11107,10 +13576,222 @@
           </a:p>
         </p:txBody>
       </p:sp>
+      <p:sp>
+        <p:nvSpPr>
+          <p:cNvPr id="2" name="TextBox 1">
+            <a:extLst>
+              <a:ext uri="{FF2B5EF4-FFF2-40B4-BE49-F238E27FC236}">
+                <a16:creationId xmlns:a16="http://schemas.microsoft.com/office/drawing/2014/main" id="{F3C27099-A60E-45D4-A935-9582286243BF}"/>
+              </a:ext>
+            </a:extLst>
+          </p:cNvPr>
+          <p:cNvSpPr txBox="1"/>
+          <p:nvPr/>
+        </p:nvSpPr>
+        <p:spPr>
+          <a:xfrm>
+            <a:off x="8723136" y="827998"/>
+            <a:ext cx="3121624" cy="2862322"/>
+          </a:xfrm>
+          <a:prstGeom prst="rect">
+            <a:avLst/>
+          </a:prstGeom>
+          <a:noFill/>
+        </p:spPr>
+        <p:txBody>
+          <a:bodyPr wrap="square" rtlCol="0">
+            <a:spAutoFit/>
+          </a:bodyPr>
+          <a:lstStyle/>
+          <a:p>
+            <a:r>
+              <a:rPr lang="en-US" sz="3600" dirty="0">
+                <a:solidFill>
+                  <a:srgbClr val="707070"/>
+                </a:solidFill>
+                <a:latin typeface="Pragmatica" panose="020B7200000000000000" pitchFamily="34" charset="0"/>
+              </a:rPr>
+              <a:t>Free to</a:t>
+            </a:r>
+          </a:p>
+          <a:p>
+            <a:pPr marL="285750" indent="-285750">
+              <a:buFontTx/>
+              <a:buChar char="-"/>
+            </a:pPr>
+            <a:r>
+              <a:rPr lang="en-US" sz="3600" dirty="0">
+                <a:solidFill>
+                  <a:srgbClr val="707070"/>
+                </a:solidFill>
+                <a:latin typeface="Pragmatica" panose="020B7200000000000000" pitchFamily="34" charset="0"/>
+              </a:rPr>
+              <a:t>Use</a:t>
+            </a:r>
+          </a:p>
+          <a:p>
+            <a:pPr marL="285750" indent="-285750">
+              <a:buFontTx/>
+              <a:buChar char="-"/>
+            </a:pPr>
+            <a:r>
+              <a:rPr lang="en-US" sz="3600" dirty="0">
+                <a:solidFill>
+                  <a:srgbClr val="707070"/>
+                </a:solidFill>
+                <a:latin typeface="Pragmatica" panose="020B7200000000000000" pitchFamily="34" charset="0"/>
+              </a:rPr>
+              <a:t>Build on</a:t>
+            </a:r>
+          </a:p>
+          <a:p>
+            <a:pPr marL="285750" indent="-285750">
+              <a:buFontTx/>
+              <a:buChar char="-"/>
+            </a:pPr>
+            <a:r>
+              <a:rPr lang="en-US" sz="3600" dirty="0">
+                <a:solidFill>
+                  <a:srgbClr val="707070"/>
+                </a:solidFill>
+                <a:latin typeface="Pragmatica" panose="020B7200000000000000" pitchFamily="34" charset="0"/>
+              </a:rPr>
+              <a:t>Repurpose</a:t>
+            </a:r>
+          </a:p>
+          <a:p>
+            <a:pPr marL="285750" indent="-285750">
+              <a:buFontTx/>
+              <a:buChar char="-"/>
+            </a:pPr>
+            <a:r>
+              <a:rPr lang="en-US" sz="3600" dirty="0">
+                <a:solidFill>
+                  <a:srgbClr val="707070"/>
+                </a:solidFill>
+                <a:latin typeface="Pragmatica" panose="020B7200000000000000" pitchFamily="34" charset="0"/>
+              </a:rPr>
+              <a:t>Redistribute</a:t>
+            </a:r>
+          </a:p>
+        </p:txBody>
+      </p:sp>
+      <p:pic>
+        <p:nvPicPr>
+          <p:cNvPr id="7" name="Picture 6">
+            <a:extLst>
+              <a:ext uri="{FF2B5EF4-FFF2-40B4-BE49-F238E27FC236}">
+                <a16:creationId xmlns:a16="http://schemas.microsoft.com/office/drawing/2014/main" id="{4920552E-A6F1-442A-80A4-B59141A0871E}"/>
+              </a:ext>
+            </a:extLst>
+          </p:cNvPr>
+          <p:cNvPicPr>
+            <a:picLocks noChangeAspect="1"/>
+          </p:cNvPicPr>
+          <p:nvPr/>
+        </p:nvPicPr>
+        <p:blipFill>
+          <a:blip r:embed="rId5"/>
+          <a:stretch>
+            <a:fillRect/>
+          </a:stretch>
+        </p:blipFill>
+        <p:spPr>
+          <a:xfrm>
+            <a:off x="274588" y="2775420"/>
+            <a:ext cx="4991792" cy="2806600"/>
+          </a:xfrm>
+          <a:prstGeom prst="rect">
+            <a:avLst/>
+          </a:prstGeom>
+        </p:spPr>
+      </p:pic>
+      <p:pic>
+        <p:nvPicPr>
+          <p:cNvPr id="8" name="Picture 7">
+            <a:extLst>
+              <a:ext uri="{FF2B5EF4-FFF2-40B4-BE49-F238E27FC236}">
+                <a16:creationId xmlns:a16="http://schemas.microsoft.com/office/drawing/2014/main" id="{F7E2D9E8-C60B-45C7-983F-680E54250661}"/>
+              </a:ext>
+            </a:extLst>
+          </p:cNvPr>
+          <p:cNvPicPr>
+            <a:picLocks noChangeAspect="1"/>
+          </p:cNvPicPr>
+          <p:nvPr/>
+        </p:nvPicPr>
+        <p:blipFill>
+          <a:blip r:embed="rId6"/>
+          <a:stretch>
+            <a:fillRect/>
+          </a:stretch>
+        </p:blipFill>
+        <p:spPr>
+          <a:xfrm>
+            <a:off x="5842689" y="3807803"/>
+            <a:ext cx="3997997" cy="2136073"/>
+          </a:xfrm>
+          <a:prstGeom prst="rect">
+            <a:avLst/>
+          </a:prstGeom>
+        </p:spPr>
+      </p:pic>
+      <p:sp>
+        <p:nvSpPr>
+          <p:cNvPr id="4" name="Rectangle 3">
+            <a:extLst>
+              <a:ext uri="{FF2B5EF4-FFF2-40B4-BE49-F238E27FC236}">
+                <a16:creationId xmlns:a16="http://schemas.microsoft.com/office/drawing/2014/main" id="{59889E5F-8C2F-4391-A49E-D05F27FB4984}"/>
+              </a:ext>
+            </a:extLst>
+          </p:cNvPr>
+          <p:cNvSpPr/>
+          <p:nvPr/>
+        </p:nvSpPr>
+        <p:spPr>
+          <a:xfrm>
+            <a:off x="5909301" y="5582020"/>
+            <a:ext cx="923455" cy="302677"/>
+          </a:xfrm>
+          <a:prstGeom prst="rect">
+            <a:avLst/>
+          </a:prstGeom>
+          <a:noFill/>
+          <a:ln w="28575">
+            <a:solidFill>
+              <a:srgbClr val="CF3338"/>
+            </a:solidFill>
+          </a:ln>
+        </p:spPr>
+        <p:style>
+          <a:lnRef idx="2">
+            <a:schemeClr val="accent1">
+              <a:shade val="50000"/>
+            </a:schemeClr>
+          </a:lnRef>
+          <a:fillRef idx="1">
+            <a:schemeClr val="accent1"/>
+          </a:fillRef>
+          <a:effectRef idx="0">
+            <a:schemeClr val="accent1"/>
+          </a:effectRef>
+          <a:fontRef idx="minor">
+            <a:schemeClr val="lt1"/>
+          </a:fontRef>
+        </p:style>
+        <p:txBody>
+          <a:bodyPr rtlCol="0" anchor="ctr"/>
+          <a:lstStyle/>
+          <a:p>
+            <a:pPr algn="ctr"/>
+            <a:endParaRPr lang="en-US"/>
+          </a:p>
+        </p:txBody>
+      </p:sp>
     </p:spTree>
     <p:extLst>
       <p:ext uri="{BB962C8B-B14F-4D97-AF65-F5344CB8AC3E}">
-        <p14:creationId xmlns:p14="http://schemas.microsoft.com/office/powerpoint/2010/main" val="755510153"/>
+        <p14:creationId xmlns:p14="http://schemas.microsoft.com/office/powerpoint/2010/main" val="1483565379"/>
       </p:ext>
     </p:extLst>
   </p:cSld>
@@ -11146,7 +13827,7 @@
           <p:nvPr/>
         </p:nvPicPr>
         <p:blipFill rotWithShape="1">
-          <a:blip r:embed="rId2">
+          <a:blip r:embed="rId3">
             <a:extLst>
               <a:ext uri="{28A0092B-C50C-407E-A947-70E740481C1C}">
                 <a14:useLocalDpi xmlns:a14="http://schemas.microsoft.com/office/drawing/2010/main" val="0"/>
@@ -11205,8 +13886,8 @@
         </p:nvSpPr>
         <p:spPr>
           <a:xfrm>
-            <a:off x="462987" y="1365813"/>
-            <a:ext cx="9595413" cy="2246769"/>
+            <a:off x="449501" y="1377924"/>
+            <a:ext cx="9595413" cy="2677656"/>
           </a:xfrm>
           <a:prstGeom prst="rect">
             <a:avLst/>
@@ -11230,7 +13911,7 @@
                 </a:solidFill>
                 <a:latin typeface="Pragmatica" panose="020B0403040502020204" pitchFamily="34" charset="0"/>
               </a:rPr>
-              <a:t>Adding, removing, calculating columns</a:t>
+              <a:t>Column-wise operations (Adding, dropping, calculating fields)</a:t>
             </a:r>
           </a:p>
           <a:p>
@@ -11245,7 +13926,7 @@
                 </a:solidFill>
                 <a:latin typeface="Pragmatica" panose="020B0403040502020204" pitchFamily="34" charset="0"/>
               </a:rPr>
-              <a:t>Sorting and filtering</a:t>
+              <a:t>Row-wise operations (Sorting, filtering)</a:t>
             </a:r>
           </a:p>
           <a:p>
@@ -11260,7 +13941,7 @@
                 </a:solidFill>
                 <a:latin typeface="Pragmatica" panose="020B0403040502020204" pitchFamily="34" charset="0"/>
               </a:rPr>
-              <a:t>Aggregating and joining</a:t>
+              <a:t>Aggregations (Grouping by, summarizing by)</a:t>
             </a:r>
           </a:p>
           <a:p>
@@ -11275,7 +13956,22 @@
                 </a:solidFill>
                 <a:latin typeface="Pragmatica" panose="020B0403040502020204" pitchFamily="34" charset="0"/>
               </a:rPr>
-              <a:t>Pivoting and reshaping</a:t>
+              <a:t>Joining and merging</a:t>
+            </a:r>
+          </a:p>
+          <a:p>
+            <a:pPr marL="457200" indent="-457200">
+              <a:buFont typeface="Arial" panose="020B0604020202020204" pitchFamily="34" charset="0"/>
+              <a:buChar char="•"/>
+            </a:pPr>
+            <a:r>
+              <a:rPr lang="en-US" sz="2800" dirty="0">
+                <a:solidFill>
+                  <a:srgbClr val="707070"/>
+                </a:solidFill>
+                <a:latin typeface="Pragmatica" panose="020B0403040502020204" pitchFamily="34" charset="0"/>
+              </a:rPr>
+              <a:t>Re-shaping (pivoting and unpivoting)  </a:t>
             </a:r>
           </a:p>
           <a:p>
@@ -11295,7 +13991,7 @@
     </p:spTree>
     <p:extLst>
       <p:ext uri="{BB962C8B-B14F-4D97-AF65-F5344CB8AC3E}">
-        <p14:creationId xmlns:p14="http://schemas.microsoft.com/office/powerpoint/2010/main" val="1088710593"/>
+        <p14:creationId xmlns:p14="http://schemas.microsoft.com/office/powerpoint/2010/main" val="3641797094"/>
       </p:ext>
     </p:extLst>
   </p:cSld>

--- a/advancing-into-analytics-presentation.pptx
+++ b/advancing-into-analytics-presentation.pptx
@@ -5,7 +5,7 @@
     <p:sldMasterId id="2147483648" r:id="rId1"/>
   </p:sldMasterIdLst>
   <p:notesMasterIdLst>
-    <p:notesMasterId r:id="rId33"/>
+    <p:notesMasterId r:id="rId34"/>
   </p:notesMasterIdLst>
   <p:sldIdLst>
     <p:sldId id="256" r:id="rId2"/>
@@ -13,32 +13,33 @@
     <p:sldId id="393" r:id="rId4"/>
     <p:sldId id="394" r:id="rId5"/>
     <p:sldId id="413" r:id="rId6"/>
-    <p:sldId id="414" r:id="rId7"/>
-    <p:sldId id="332" r:id="rId8"/>
-    <p:sldId id="415" r:id="rId9"/>
-    <p:sldId id="416" r:id="rId10"/>
-    <p:sldId id="405" r:id="rId11"/>
-    <p:sldId id="417" r:id="rId12"/>
-    <p:sldId id="406" r:id="rId13"/>
-    <p:sldId id="418" r:id="rId14"/>
-    <p:sldId id="419" r:id="rId15"/>
-    <p:sldId id="420" r:id="rId16"/>
-    <p:sldId id="421" r:id="rId17"/>
-    <p:sldId id="407" r:id="rId18"/>
-    <p:sldId id="422" r:id="rId19"/>
-    <p:sldId id="423" r:id="rId20"/>
-    <p:sldId id="424" r:id="rId21"/>
-    <p:sldId id="425" r:id="rId22"/>
-    <p:sldId id="408" r:id="rId23"/>
-    <p:sldId id="409" r:id="rId24"/>
-    <p:sldId id="410" r:id="rId25"/>
-    <p:sldId id="411" r:id="rId26"/>
-    <p:sldId id="426" r:id="rId27"/>
-    <p:sldId id="427" r:id="rId28"/>
-    <p:sldId id="338" r:id="rId29"/>
-    <p:sldId id="339" r:id="rId30"/>
-    <p:sldId id="412" r:id="rId31"/>
-    <p:sldId id="336" r:id="rId32"/>
+    <p:sldId id="428" r:id="rId7"/>
+    <p:sldId id="414" r:id="rId8"/>
+    <p:sldId id="332" r:id="rId9"/>
+    <p:sldId id="415" r:id="rId10"/>
+    <p:sldId id="416" r:id="rId11"/>
+    <p:sldId id="405" r:id="rId12"/>
+    <p:sldId id="417" r:id="rId13"/>
+    <p:sldId id="406" r:id="rId14"/>
+    <p:sldId id="418" r:id="rId15"/>
+    <p:sldId id="419" r:id="rId16"/>
+    <p:sldId id="420" r:id="rId17"/>
+    <p:sldId id="421" r:id="rId18"/>
+    <p:sldId id="407" r:id="rId19"/>
+    <p:sldId id="422" r:id="rId20"/>
+    <p:sldId id="423" r:id="rId21"/>
+    <p:sldId id="424" r:id="rId22"/>
+    <p:sldId id="425" r:id="rId23"/>
+    <p:sldId id="408" r:id="rId24"/>
+    <p:sldId id="409" r:id="rId25"/>
+    <p:sldId id="410" r:id="rId26"/>
+    <p:sldId id="411" r:id="rId27"/>
+    <p:sldId id="426" r:id="rId28"/>
+    <p:sldId id="427" r:id="rId29"/>
+    <p:sldId id="338" r:id="rId30"/>
+    <p:sldId id="339" r:id="rId31"/>
+    <p:sldId id="412" r:id="rId32"/>
+    <p:sldId id="336" r:id="rId33"/>
   </p:sldIdLst>
   <p:sldSz cx="12192000" cy="6858000"/>
   <p:notesSz cx="6858000" cy="9144000"/>
@@ -1857,7 +1858,7 @@
           <a:p>
             <a:fld id="{503F064B-41F2-4661-BDF0-BFD135E9A557}" type="datetimeFigureOut">
               <a:rPr lang="en-US" smtClean="0"/>
-              <a:t>7/4/2021</a:t>
+              <a:t>7/5/2021</a:t>
             </a:fld>
             <a:endParaRPr lang="en-US"/>
           </a:p>
@@ -2296,7 +2297,7 @@
           <a:p>
             <a:fld id="{3BB66621-ADCC-4EF8-8003-B9D3E881DCD2}" type="slidenum">
               <a:rPr lang="en-US" smtClean="0"/>
-              <a:t>15</a:t>
+              <a:t>16</a:t>
             </a:fld>
             <a:endParaRPr lang="en-US"/>
           </a:p>
@@ -2398,7 +2399,7 @@
           <a:p>
             <a:fld id="{3BB66621-ADCC-4EF8-8003-B9D3E881DCD2}" type="slidenum">
               <a:rPr lang="en-US" smtClean="0"/>
-              <a:t>16</a:t>
+              <a:t>17</a:t>
             </a:fld>
             <a:endParaRPr lang="en-US"/>
           </a:p>
@@ -2517,7 +2518,7 @@
           <a:p>
             <a:fld id="{3BB66621-ADCC-4EF8-8003-B9D3E881DCD2}" type="slidenum">
               <a:rPr lang="en-US" smtClean="0"/>
-              <a:t>17</a:t>
+              <a:t>18</a:t>
             </a:fld>
             <a:endParaRPr lang="en-US"/>
           </a:p>
@@ -2612,7 +2613,7 @@
           <a:p>
             <a:fld id="{3BB66621-ADCC-4EF8-8003-B9D3E881DCD2}" type="slidenum">
               <a:rPr lang="en-US" smtClean="0"/>
-              <a:t>18</a:t>
+              <a:t>19</a:t>
             </a:fld>
             <a:endParaRPr lang="en-US"/>
           </a:p>
@@ -2708,7 +2709,7 @@
           <a:p>
             <a:fld id="{3BB66621-ADCC-4EF8-8003-B9D3E881DCD2}" type="slidenum">
               <a:rPr lang="en-US" smtClean="0"/>
-              <a:t>19</a:t>
+              <a:t>20</a:t>
             </a:fld>
             <a:endParaRPr lang="en-US"/>
           </a:p>
@@ -2795,7 +2796,7 @@
           <a:p>
             <a:fld id="{3BB66621-ADCC-4EF8-8003-B9D3E881DCD2}" type="slidenum">
               <a:rPr lang="en-US" smtClean="0"/>
-              <a:t>20</a:t>
+              <a:t>21</a:t>
             </a:fld>
             <a:endParaRPr lang="en-US"/>
           </a:p>
@@ -2891,7 +2892,7 @@
           <a:p>
             <a:fld id="{3BB66621-ADCC-4EF8-8003-B9D3E881DCD2}" type="slidenum">
               <a:rPr lang="en-US" smtClean="0"/>
-              <a:t>21</a:t>
+              <a:t>22</a:t>
             </a:fld>
             <a:endParaRPr lang="en-US"/>
           </a:p>
@@ -2978,7 +2979,7 @@
           <a:p>
             <a:fld id="{3BB66621-ADCC-4EF8-8003-B9D3E881DCD2}" type="slidenum">
               <a:rPr lang="en-US" smtClean="0"/>
-              <a:t>22</a:t>
+              <a:t>23</a:t>
             </a:fld>
             <a:endParaRPr lang="en-US"/>
           </a:p>
@@ -3065,7 +3066,7 @@
           <a:p>
             <a:fld id="{3BB66621-ADCC-4EF8-8003-B9D3E881DCD2}" type="slidenum">
               <a:rPr lang="en-US" smtClean="0"/>
-              <a:t>23</a:t>
+              <a:t>24</a:t>
             </a:fld>
             <a:endParaRPr lang="en-US"/>
           </a:p>
@@ -3157,7 +3158,7 @@
           <a:p>
             <a:fld id="{3BB66621-ADCC-4EF8-8003-B9D3E881DCD2}" type="slidenum">
               <a:rPr lang="en-US" smtClean="0"/>
-              <a:t>24</a:t>
+              <a:t>25</a:t>
             </a:fld>
             <a:endParaRPr lang="en-US"/>
           </a:p>
@@ -3250,7 +3251,7 @@
           <a:p>
             <a:fld id="{3BB66621-ADCC-4EF8-8003-B9D3E881DCD2}" type="slidenum">
               <a:rPr lang="en-US" smtClean="0"/>
-              <a:t>7</a:t>
+              <a:t>8</a:t>
             </a:fld>
             <a:endParaRPr lang="en-US"/>
           </a:p>
@@ -3337,7 +3338,7 @@
           <a:p>
             <a:fld id="{3BB66621-ADCC-4EF8-8003-B9D3E881DCD2}" type="slidenum">
               <a:rPr lang="en-US" smtClean="0"/>
-              <a:t>25</a:t>
+              <a:t>26</a:t>
             </a:fld>
             <a:endParaRPr lang="en-US"/>
           </a:p>
@@ -3453,7 +3454,7 @@
           <a:p>
             <a:fld id="{3BB66621-ADCC-4EF8-8003-B9D3E881DCD2}" type="slidenum">
               <a:rPr lang="en-US" smtClean="0"/>
-              <a:t>28</a:t>
+              <a:t>29</a:t>
             </a:fld>
             <a:endParaRPr lang="en-US"/>
           </a:p>
@@ -3540,7 +3541,7 @@
           <a:p>
             <a:fld id="{3BB66621-ADCC-4EF8-8003-B9D3E881DCD2}" type="slidenum">
               <a:rPr lang="en-US" smtClean="0"/>
-              <a:t>8</a:t>
+              <a:t>9</a:t>
             </a:fld>
             <a:endParaRPr lang="en-US"/>
           </a:p>
@@ -3636,7 +3637,7 @@
           <a:p>
             <a:fld id="{3BB66621-ADCC-4EF8-8003-B9D3E881DCD2}" type="slidenum">
               <a:rPr lang="en-US" smtClean="0"/>
-              <a:t>9</a:t>
+              <a:t>10</a:t>
             </a:fld>
             <a:endParaRPr lang="en-US"/>
           </a:p>
@@ -3723,7 +3724,7 @@
           <a:p>
             <a:fld id="{3BB66621-ADCC-4EF8-8003-B9D3E881DCD2}" type="slidenum">
               <a:rPr lang="en-US" smtClean="0"/>
-              <a:t>10</a:t>
+              <a:t>11</a:t>
             </a:fld>
             <a:endParaRPr lang="en-US"/>
           </a:p>
@@ -3819,7 +3820,7 @@
           <a:p>
             <a:fld id="{3BB66621-ADCC-4EF8-8003-B9D3E881DCD2}" type="slidenum">
               <a:rPr lang="en-US" smtClean="0"/>
-              <a:t>11</a:t>
+              <a:t>12</a:t>
             </a:fld>
             <a:endParaRPr lang="en-US"/>
           </a:p>
@@ -3921,7 +3922,7 @@
           <a:p>
             <a:fld id="{3BB66621-ADCC-4EF8-8003-B9D3E881DCD2}" type="slidenum">
               <a:rPr lang="en-US" smtClean="0"/>
-              <a:t>12</a:t>
+              <a:t>13</a:t>
             </a:fld>
             <a:endParaRPr lang="en-US"/>
           </a:p>
@@ -4041,7 +4042,7 @@
           <a:p>
             <a:fld id="{3BB66621-ADCC-4EF8-8003-B9D3E881DCD2}" type="slidenum">
               <a:rPr lang="en-US" smtClean="0"/>
-              <a:t>13</a:t>
+              <a:t>14</a:t>
             </a:fld>
             <a:endParaRPr lang="en-US"/>
           </a:p>
@@ -4128,7 +4129,7 @@
           <a:p>
             <a:fld id="{3BB66621-ADCC-4EF8-8003-B9D3E881DCD2}" type="slidenum">
               <a:rPr lang="en-US" smtClean="0"/>
-              <a:t>14</a:t>
+              <a:t>15</a:t>
             </a:fld>
             <a:endParaRPr lang="en-US"/>
           </a:p>
@@ -4276,7 +4277,7 @@
           <a:p>
             <a:fld id="{0138B082-EFC2-46C1-B47C-51736C670379}" type="datetimeFigureOut">
               <a:rPr lang="en-US" smtClean="0"/>
-              <a:t>7/4/2021</a:t>
+              <a:t>7/5/2021</a:t>
             </a:fld>
             <a:endParaRPr lang="en-US"/>
           </a:p>
@@ -4444,7 +4445,7 @@
           <a:p>
             <a:fld id="{0138B082-EFC2-46C1-B47C-51736C670379}" type="datetimeFigureOut">
               <a:rPr lang="en-US" smtClean="0"/>
-              <a:t>7/4/2021</a:t>
+              <a:t>7/5/2021</a:t>
             </a:fld>
             <a:endParaRPr lang="en-US"/>
           </a:p>
@@ -4622,7 +4623,7 @@
           <a:p>
             <a:fld id="{0138B082-EFC2-46C1-B47C-51736C670379}" type="datetimeFigureOut">
               <a:rPr lang="en-US" smtClean="0"/>
-              <a:t>7/4/2021</a:t>
+              <a:t>7/5/2021</a:t>
             </a:fld>
             <a:endParaRPr lang="en-US"/>
           </a:p>
@@ -4790,7 +4791,7 @@
           <a:p>
             <a:fld id="{0138B082-EFC2-46C1-B47C-51736C670379}" type="datetimeFigureOut">
               <a:rPr lang="en-US" smtClean="0"/>
-              <a:t>7/4/2021</a:t>
+              <a:t>7/5/2021</a:t>
             </a:fld>
             <a:endParaRPr lang="en-US"/>
           </a:p>
@@ -5035,7 +5036,7 @@
           <a:p>
             <a:fld id="{0138B082-EFC2-46C1-B47C-51736C670379}" type="datetimeFigureOut">
               <a:rPr lang="en-US" smtClean="0"/>
-              <a:t>7/4/2021</a:t>
+              <a:t>7/5/2021</a:t>
             </a:fld>
             <a:endParaRPr lang="en-US"/>
           </a:p>
@@ -5264,7 +5265,7 @@
           <a:p>
             <a:fld id="{0138B082-EFC2-46C1-B47C-51736C670379}" type="datetimeFigureOut">
               <a:rPr lang="en-US" smtClean="0"/>
-              <a:t>7/4/2021</a:t>
+              <a:t>7/5/2021</a:t>
             </a:fld>
             <a:endParaRPr lang="en-US"/>
           </a:p>
@@ -5628,7 +5629,7 @@
           <a:p>
             <a:fld id="{0138B082-EFC2-46C1-B47C-51736C670379}" type="datetimeFigureOut">
               <a:rPr lang="en-US" smtClean="0"/>
-              <a:t>7/4/2021</a:t>
+              <a:t>7/5/2021</a:t>
             </a:fld>
             <a:endParaRPr lang="en-US"/>
           </a:p>
@@ -5745,7 +5746,7 @@
           <a:p>
             <a:fld id="{0138B082-EFC2-46C1-B47C-51736C670379}" type="datetimeFigureOut">
               <a:rPr lang="en-US" smtClean="0"/>
-              <a:t>7/4/2021</a:t>
+              <a:t>7/5/2021</a:t>
             </a:fld>
             <a:endParaRPr lang="en-US"/>
           </a:p>
@@ -5840,7 +5841,7 @@
           <a:p>
             <a:fld id="{0138B082-EFC2-46C1-B47C-51736C670379}" type="datetimeFigureOut">
               <a:rPr lang="en-US" smtClean="0"/>
-              <a:t>7/4/2021</a:t>
+              <a:t>7/5/2021</a:t>
             </a:fld>
             <a:endParaRPr lang="en-US"/>
           </a:p>
@@ -6115,7 +6116,7 @@
           <a:p>
             <a:fld id="{0138B082-EFC2-46C1-B47C-51736C670379}" type="datetimeFigureOut">
               <a:rPr lang="en-US" smtClean="0"/>
-              <a:t>7/4/2021</a:t>
+              <a:t>7/5/2021</a:t>
             </a:fld>
             <a:endParaRPr lang="en-US"/>
           </a:p>
@@ -6367,7 +6368,7 @@
           <a:p>
             <a:fld id="{0138B082-EFC2-46C1-B47C-51736C670379}" type="datetimeFigureOut">
               <a:rPr lang="en-US" smtClean="0"/>
-              <a:t>7/4/2021</a:t>
+              <a:t>7/5/2021</a:t>
             </a:fld>
             <a:endParaRPr lang="en-US"/>
           </a:p>
@@ -6578,7 +6579,7 @@
           <a:p>
             <a:fld id="{0138B082-EFC2-46C1-B47C-51736C670379}" type="datetimeFigureOut">
               <a:rPr lang="en-US" smtClean="0"/>
-              <a:t>7/4/2021</a:t>
+              <a:t>7/5/2021</a:t>
             </a:fld>
             <a:endParaRPr lang="en-US"/>
           </a:p>
@@ -7159,59 +7160,45 @@
           <a:chExt cx="0" cy="0"/>
         </a:xfrm>
       </p:grpSpPr>
-      <p:sp>
-        <p:nvSpPr>
-          <p:cNvPr id="4" name="Rectangle 3"/>
-          <p:cNvSpPr/>
+      <p:pic>
+        <p:nvPicPr>
+          <p:cNvPr id="10" name="Picture 9"/>
+          <p:cNvPicPr>
+            <a:picLocks noChangeAspect="1"/>
+          </p:cNvPicPr>
           <p:nvPr/>
-        </p:nvSpPr>
-        <p:spPr>
-          <a:xfrm>
-            <a:off x="0" y="0"/>
-            <a:ext cx="12192000" cy="6858000"/>
+        </p:nvPicPr>
+        <p:blipFill rotWithShape="1">
+          <a:blip r:embed="rId3">
+            <a:extLst>
+              <a:ext uri="{28A0092B-C50C-407E-A947-70E740481C1C}">
+                <a14:useLocalDpi xmlns:a14="http://schemas.microsoft.com/office/drawing/2010/main" val="0"/>
+              </a:ext>
+            </a:extLst>
+          </a:blip>
+          <a:srcRect l="50728" t="56371"/>
+          <a:stretch/>
+        </p:blipFill>
+        <p:spPr>
+          <a:xfrm>
+            <a:off x="10894024" y="5370653"/>
+            <a:ext cx="1297975" cy="1487348"/>
           </a:xfrm>
           <a:prstGeom prst="rect">
             <a:avLst/>
           </a:prstGeom>
-          <a:solidFill>
-            <a:srgbClr val="CF3338"/>
-          </a:solidFill>
-        </p:spPr>
-        <p:style>
-          <a:lnRef idx="2">
-            <a:schemeClr val="accent1">
-              <a:shade val="50000"/>
-            </a:schemeClr>
-          </a:lnRef>
-          <a:fillRef idx="1">
-            <a:schemeClr val="accent1"/>
-          </a:fillRef>
-          <a:effectRef idx="0">
-            <a:schemeClr val="accent1"/>
-          </a:effectRef>
-          <a:fontRef idx="minor">
-            <a:schemeClr val="lt1"/>
-          </a:fontRef>
-        </p:style>
-        <p:txBody>
-          <a:bodyPr rtlCol="0" anchor="ctr"/>
-          <a:lstStyle/>
-          <a:p>
-            <a:pPr algn="ctr"/>
-            <a:endParaRPr lang="en-US"/>
-          </a:p>
-        </p:txBody>
-      </p:sp>
-      <p:sp>
-        <p:nvSpPr>
-          <p:cNvPr id="5" name="TextBox 4"/>
+        </p:spPr>
+      </p:pic>
+      <p:sp>
+        <p:nvSpPr>
+          <p:cNvPr id="11" name="TextBox 10"/>
           <p:cNvSpPr txBox="1"/>
           <p:nvPr/>
         </p:nvSpPr>
         <p:spPr>
           <a:xfrm>
-            <a:off x="520861" y="393539"/>
-            <a:ext cx="10324617" cy="3139321"/>
+            <a:off x="347240" y="113388"/>
+            <a:ext cx="9799937" cy="1015663"/>
           </a:xfrm>
           <a:prstGeom prst="rect">
             <a:avLst/>
@@ -7225,21 +7212,128 @@
           <a:lstStyle/>
           <a:p>
             <a:r>
-              <a:rPr lang="en-US" sz="6600" b="1" dirty="0">
-                <a:solidFill>
-                  <a:schemeClr val="bg1"/>
-                </a:solidFill>
-                <a:latin typeface="Pragmatica" pitchFamily="2" charset="0"/>
-              </a:rPr>
-              <a:t>Welcome to the R Project for Statistical Computing</a:t>
-            </a:r>
+              <a:rPr lang="en-US" sz="6000" dirty="0">
+                <a:latin typeface="Aliens &amp; cows" panose="00000500000000000000" pitchFamily="2" charset="0"/>
+              </a:rPr>
+              <a:t>The dialects of data</a:t>
+            </a:r>
+          </a:p>
+        </p:txBody>
+      </p:sp>
+      <p:sp>
+        <p:nvSpPr>
+          <p:cNvPr id="3" name="TextBox 2"/>
+          <p:cNvSpPr txBox="1"/>
+          <p:nvPr/>
+        </p:nvSpPr>
+        <p:spPr>
+          <a:xfrm>
+            <a:off x="449501" y="1377924"/>
+            <a:ext cx="9595413" cy="2677656"/>
+          </a:xfrm>
+          <a:prstGeom prst="rect">
+            <a:avLst/>
+          </a:prstGeom>
+          <a:noFill/>
+        </p:spPr>
+        <p:txBody>
+          <a:bodyPr wrap="square" rtlCol="0">
+            <a:spAutoFit/>
+          </a:bodyPr>
+          <a:lstStyle/>
+          <a:p>
+            <a:pPr marL="457200" indent="-457200">
+              <a:buFont typeface="Arial" panose="020B0604020202020204" pitchFamily="34" charset="0"/>
+              <a:buChar char="•"/>
+            </a:pPr>
+            <a:r>
+              <a:rPr lang="en-US" sz="2800" dirty="0">
+                <a:solidFill>
+                  <a:srgbClr val="707070"/>
+                </a:solidFill>
+                <a:latin typeface="Pragmatica" panose="020B0403040502020204" pitchFamily="34" charset="0"/>
+              </a:rPr>
+              <a:t>Column-wise operations (Adding, dropping, calculating fields)</a:t>
+            </a:r>
+          </a:p>
+          <a:p>
+            <a:pPr marL="457200" indent="-457200">
+              <a:buFont typeface="Arial" panose="020B0604020202020204" pitchFamily="34" charset="0"/>
+              <a:buChar char="•"/>
+            </a:pPr>
+            <a:r>
+              <a:rPr lang="en-US" sz="2800" dirty="0">
+                <a:solidFill>
+                  <a:srgbClr val="707070"/>
+                </a:solidFill>
+                <a:latin typeface="Pragmatica" panose="020B0403040502020204" pitchFamily="34" charset="0"/>
+              </a:rPr>
+              <a:t>Row-wise operations (Sorting, filtering)</a:t>
+            </a:r>
+          </a:p>
+          <a:p>
+            <a:pPr marL="457200" indent="-457200">
+              <a:buFont typeface="Arial" panose="020B0604020202020204" pitchFamily="34" charset="0"/>
+              <a:buChar char="•"/>
+            </a:pPr>
+            <a:r>
+              <a:rPr lang="en-US" sz="2800" dirty="0">
+                <a:solidFill>
+                  <a:srgbClr val="707070"/>
+                </a:solidFill>
+                <a:latin typeface="Pragmatica" panose="020B0403040502020204" pitchFamily="34" charset="0"/>
+              </a:rPr>
+              <a:t>Aggregations (Grouping by, summarizing by)</a:t>
+            </a:r>
+          </a:p>
+          <a:p>
+            <a:pPr marL="457200" indent="-457200">
+              <a:buFont typeface="Arial" panose="020B0604020202020204" pitchFamily="34" charset="0"/>
+              <a:buChar char="•"/>
+            </a:pPr>
+            <a:r>
+              <a:rPr lang="en-US" sz="2800" dirty="0">
+                <a:solidFill>
+                  <a:srgbClr val="707070"/>
+                </a:solidFill>
+                <a:latin typeface="Pragmatica" panose="020B0403040502020204" pitchFamily="34" charset="0"/>
+              </a:rPr>
+              <a:t>Joining and merging</a:t>
+            </a:r>
+          </a:p>
+          <a:p>
+            <a:pPr marL="457200" indent="-457200">
+              <a:buFont typeface="Arial" panose="020B0604020202020204" pitchFamily="34" charset="0"/>
+              <a:buChar char="•"/>
+            </a:pPr>
+            <a:r>
+              <a:rPr lang="en-US" sz="2800" dirty="0">
+                <a:solidFill>
+                  <a:srgbClr val="707070"/>
+                </a:solidFill>
+                <a:latin typeface="Pragmatica" panose="020B0403040502020204" pitchFamily="34" charset="0"/>
+              </a:rPr>
+              <a:t>Re-shaping (pivoting and unpivoting)  </a:t>
+            </a:r>
+          </a:p>
+          <a:p>
+            <a:pPr marL="457200" indent="-457200">
+              <a:buFont typeface="Arial" panose="020B0604020202020204" pitchFamily="34" charset="0"/>
+              <a:buChar char="•"/>
+            </a:pPr>
+            <a:endParaRPr lang="en-US" sz="2800" dirty="0">
+              <a:solidFill>
+                <a:srgbClr val="707070"/>
+              </a:solidFill>
+              <a:latin typeface="Pragmatica" panose="020B0403040502020204" pitchFamily="34" charset="0"/>
+            </a:endParaRPr>
           </a:p>
         </p:txBody>
       </p:sp>
     </p:spTree>
     <p:extLst>
       <p:ext uri="{BB962C8B-B14F-4D97-AF65-F5344CB8AC3E}">
-        <p14:creationId xmlns:p14="http://schemas.microsoft.com/office/powerpoint/2010/main" val="801839645"/>
+        <p14:creationId xmlns:p14="http://schemas.microsoft.com/office/powerpoint/2010/main" val="3641797094"/>
       </p:ext>
     </p:extLst>
   </p:cSld>
@@ -7266,141 +7360,23 @@
           <a:chExt cx="0" cy="0"/>
         </a:xfrm>
       </p:grpSpPr>
-      <p:pic>
-        <p:nvPicPr>
-          <p:cNvPr id="10" name="Picture 9"/>
-          <p:cNvPicPr>
-            <a:picLocks noChangeAspect="1"/>
-          </p:cNvPicPr>
-          <p:nvPr/>
-        </p:nvPicPr>
-        <p:blipFill rotWithShape="1">
-          <a:blip r:embed="rId3">
-            <a:extLst>
-              <a:ext uri="{28A0092B-C50C-407E-A947-70E740481C1C}">
-                <a14:useLocalDpi xmlns:a14="http://schemas.microsoft.com/office/drawing/2010/main" val="0"/>
-              </a:ext>
-            </a:extLst>
-          </a:blip>
-          <a:srcRect l="50728" t="56371"/>
-          <a:stretch/>
-        </p:blipFill>
-        <p:spPr>
-          <a:xfrm>
-            <a:off x="10894024" y="5370653"/>
-            <a:ext cx="1297975" cy="1487348"/>
-          </a:xfrm>
-          <a:prstGeom prst="rect">
-            <a:avLst/>
-          </a:prstGeom>
-        </p:spPr>
-      </p:pic>
-      <p:sp>
-        <p:nvSpPr>
-          <p:cNvPr id="11" name="TextBox 10"/>
-          <p:cNvSpPr txBox="1"/>
-          <p:nvPr/>
-        </p:nvSpPr>
-        <p:spPr>
-          <a:xfrm>
-            <a:off x="347240" y="113388"/>
-            <a:ext cx="9799937" cy="1015663"/>
-          </a:xfrm>
-          <a:prstGeom prst="rect">
-            <a:avLst/>
-          </a:prstGeom>
-          <a:noFill/>
-        </p:spPr>
-        <p:txBody>
-          <a:bodyPr wrap="square" rtlCol="0">
-            <a:spAutoFit/>
-          </a:bodyPr>
-          <a:lstStyle/>
-          <a:p>
-            <a:r>
-              <a:rPr lang="en-US" sz="6000" dirty="0">
-                <a:latin typeface="Aliens &amp; cows" panose="00000500000000000000" pitchFamily="2" charset="0"/>
-              </a:rPr>
-              <a:t>The R project for…</a:t>
-            </a:r>
-          </a:p>
-        </p:txBody>
-      </p:sp>
-      <p:pic>
-        <p:nvPicPr>
-          <p:cNvPr id="1026" name="Picture 2" descr="FUBU – FUBU">
-            <a:extLst>
-              <a:ext uri="{FF2B5EF4-FFF2-40B4-BE49-F238E27FC236}">
-                <a16:creationId xmlns:a16="http://schemas.microsoft.com/office/drawing/2014/main" id="{EE2B8B44-CCD2-43B9-A751-24A134B928F2}"/>
-              </a:ext>
-            </a:extLst>
-          </p:cNvPr>
-          <p:cNvPicPr>
-            <a:picLocks noChangeAspect="1" noChangeArrowheads="1"/>
-          </p:cNvPicPr>
-          <p:nvPr/>
-        </p:nvPicPr>
-        <p:blipFill>
-          <a:blip r:embed="rId4">
-            <a:extLst>
-              <a:ext uri="{28A0092B-C50C-407E-A947-70E740481C1C}">
-                <a14:useLocalDpi xmlns:a14="http://schemas.microsoft.com/office/drawing/2010/main" val="0"/>
-              </a:ext>
-            </a:extLst>
-          </a:blip>
-          <a:srcRect/>
-          <a:stretch>
-            <a:fillRect/>
-          </a:stretch>
-        </p:blipFill>
-        <p:spPr bwMode="auto">
-          <a:xfrm>
-            <a:off x="2040854" y="2545414"/>
-            <a:ext cx="8853170" cy="1681416"/>
-          </a:xfrm>
-          <a:prstGeom prst="rect">
-            <a:avLst/>
-          </a:prstGeom>
-          <a:noFill/>
-          <a:extLst>
-            <a:ext uri="{909E8E84-426E-40DD-AFC4-6F175D3DCCD1}">
-              <a14:hiddenFill xmlns:a14="http://schemas.microsoft.com/office/drawing/2010/main">
-                <a:solidFill>
-                  <a:srgbClr val="FFFFFF"/>
-                </a:solidFill>
-              </a14:hiddenFill>
-            </a:ext>
-          </a:extLst>
-        </p:spPr>
-      </p:pic>
-      <p:sp>
-        <p:nvSpPr>
-          <p:cNvPr id="2" name="Rectangle 1">
-            <a:extLst>
-              <a:ext uri="{FF2B5EF4-FFF2-40B4-BE49-F238E27FC236}">
-                <a16:creationId xmlns:a16="http://schemas.microsoft.com/office/drawing/2014/main" id="{E7BF33C4-F091-4718-84DD-F4BB838055DC}"/>
-              </a:ext>
-            </a:extLst>
-          </p:cNvPr>
+      <p:sp>
+        <p:nvSpPr>
+          <p:cNvPr id="4" name="Rectangle 3"/>
           <p:cNvSpPr/>
           <p:nvPr/>
         </p:nvSpPr>
         <p:spPr>
           <a:xfrm>
-            <a:off x="4110005" y="2361696"/>
-            <a:ext cx="2387684" cy="2058914"/>
+            <a:off x="0" y="0"/>
+            <a:ext cx="12192000" cy="6858000"/>
           </a:xfrm>
           <a:prstGeom prst="rect">
             <a:avLst/>
           </a:prstGeom>
           <a:solidFill>
-            <a:schemeClr val="bg1"/>
+            <a:srgbClr val="CF3338"/>
           </a:solidFill>
-          <a:ln>
-            <a:solidFill>
-              <a:schemeClr val="bg1"/>
-            </a:solidFill>
-          </a:ln>
         </p:spPr>
         <p:style>
           <a:lnRef idx="2">
@@ -7427,158 +7403,44 @@
           </a:p>
         </p:txBody>
       </p:sp>
-      <p:pic>
-        <p:nvPicPr>
-          <p:cNvPr id="1028" name="Picture 4">
-            <a:extLst>
-              <a:ext uri="{FF2B5EF4-FFF2-40B4-BE49-F238E27FC236}">
-                <a16:creationId xmlns:a16="http://schemas.microsoft.com/office/drawing/2014/main" id="{825ACF1B-CE81-4574-A3DF-0CF7DC8ACCB0}"/>
-              </a:ext>
-            </a:extLst>
-          </p:cNvPr>
-          <p:cNvPicPr>
-            <a:picLocks noChangeAspect="1" noChangeArrowheads="1"/>
-          </p:cNvPicPr>
+      <p:sp>
+        <p:nvSpPr>
+          <p:cNvPr id="5" name="TextBox 4"/>
+          <p:cNvSpPr txBox="1"/>
           <p:nvPr/>
-        </p:nvPicPr>
-        <p:blipFill>
-          <a:blip r:embed="rId5" cstate="print">
-            <a:extLst>
-              <a:ext uri="{28A0092B-C50C-407E-A947-70E740481C1C}">
-                <a14:useLocalDpi xmlns:a14="http://schemas.microsoft.com/office/drawing/2010/main" val="0"/>
-              </a:ext>
-            </a:extLst>
-          </a:blip>
-          <a:srcRect/>
-          <a:stretch>
-            <a:fillRect/>
-          </a:stretch>
-        </p:blipFill>
-        <p:spPr bwMode="auto">
-          <a:xfrm>
-            <a:off x="4110005" y="2460634"/>
-            <a:ext cx="2169493" cy="1681416"/>
+        </p:nvSpPr>
+        <p:spPr>
+          <a:xfrm>
+            <a:off x="520861" y="393539"/>
+            <a:ext cx="10324617" cy="3139321"/>
           </a:xfrm>
           <a:prstGeom prst="rect">
             <a:avLst/>
           </a:prstGeom>
           <a:noFill/>
-          <a:extLst>
-            <a:ext uri="{909E8E84-426E-40DD-AFC4-6F175D3DCCD1}">
-              <a14:hiddenFill xmlns:a14="http://schemas.microsoft.com/office/drawing/2010/main">
-                <a:solidFill>
-                  <a:srgbClr val="FFFFFF"/>
-                </a:solidFill>
-              </a14:hiddenFill>
-            </a:ext>
-          </a:extLst>
-        </p:spPr>
-      </p:pic>
-      <p:sp>
-        <p:nvSpPr>
-          <p:cNvPr id="14" name="Rectangle 13">
-            <a:extLst>
-              <a:ext uri="{FF2B5EF4-FFF2-40B4-BE49-F238E27FC236}">
-                <a16:creationId xmlns:a16="http://schemas.microsoft.com/office/drawing/2014/main" id="{66C1EADA-8ED9-4554-B2D7-B9BE8D5DA53B}"/>
-              </a:ext>
-            </a:extLst>
-          </p:cNvPr>
-          <p:cNvSpPr/>
-          <p:nvPr/>
-        </p:nvSpPr>
-        <p:spPr>
-          <a:xfrm>
-            <a:off x="8615436" y="2361696"/>
-            <a:ext cx="2387684" cy="2058914"/>
-          </a:xfrm>
-          <a:prstGeom prst="rect">
-            <a:avLst/>
-          </a:prstGeom>
-          <a:solidFill>
-            <a:schemeClr val="bg1"/>
-          </a:solidFill>
-          <a:ln>
-            <a:solidFill>
-              <a:schemeClr val="bg1"/>
-            </a:solidFill>
-          </a:ln>
-        </p:spPr>
-        <p:style>
-          <a:lnRef idx="2">
-            <a:schemeClr val="accent1">
-              <a:shade val="50000"/>
-            </a:schemeClr>
-          </a:lnRef>
-          <a:fillRef idx="1">
-            <a:schemeClr val="accent1"/>
-          </a:fillRef>
-          <a:effectRef idx="0">
-            <a:schemeClr val="accent1"/>
-          </a:effectRef>
-          <a:fontRef idx="minor">
-            <a:schemeClr val="lt1"/>
-          </a:fontRef>
-        </p:style>
-        <p:txBody>
-          <a:bodyPr rtlCol="0" anchor="ctr"/>
-          <a:lstStyle/>
-          <a:p>
-            <a:pPr algn="ctr"/>
-            <a:endParaRPr lang="en-US"/>
-          </a:p>
-        </p:txBody>
-      </p:sp>
-      <p:pic>
-        <p:nvPicPr>
-          <p:cNvPr id="15" name="Picture 4">
-            <a:extLst>
-              <a:ext uri="{FF2B5EF4-FFF2-40B4-BE49-F238E27FC236}">
-                <a16:creationId xmlns:a16="http://schemas.microsoft.com/office/drawing/2014/main" id="{B4BD4C78-1F1F-4683-BFE9-CE9B4B2E1317}"/>
-              </a:ext>
-            </a:extLst>
-          </p:cNvPr>
-          <p:cNvPicPr>
-            <a:picLocks noChangeAspect="1" noChangeArrowheads="1"/>
-          </p:cNvPicPr>
-          <p:nvPr/>
-        </p:nvPicPr>
-        <p:blipFill>
-          <a:blip r:embed="rId5" cstate="print">
-            <a:extLst>
-              <a:ext uri="{28A0092B-C50C-407E-A947-70E740481C1C}">
-                <a14:useLocalDpi xmlns:a14="http://schemas.microsoft.com/office/drawing/2010/main" val="0"/>
-              </a:ext>
-            </a:extLst>
-          </a:blip>
-          <a:srcRect/>
-          <a:stretch>
-            <a:fillRect/>
-          </a:stretch>
-        </p:blipFill>
-        <p:spPr bwMode="auto">
-          <a:xfrm>
-            <a:off x="8615436" y="2460634"/>
-            <a:ext cx="2169493" cy="1681416"/>
-          </a:xfrm>
-          <a:prstGeom prst="rect">
-            <a:avLst/>
-          </a:prstGeom>
-          <a:noFill/>
-          <a:extLst>
-            <a:ext uri="{909E8E84-426E-40DD-AFC4-6F175D3DCCD1}">
-              <a14:hiddenFill xmlns:a14="http://schemas.microsoft.com/office/drawing/2010/main">
-                <a:solidFill>
-                  <a:srgbClr val="FFFFFF"/>
-                </a:solidFill>
-              </a14:hiddenFill>
-            </a:ext>
-          </a:extLst>
-        </p:spPr>
-      </p:pic>
+        </p:spPr>
+        <p:txBody>
+          <a:bodyPr wrap="square" rtlCol="0">
+            <a:spAutoFit/>
+          </a:bodyPr>
+          <a:lstStyle/>
+          <a:p>
+            <a:r>
+              <a:rPr lang="en-US" sz="6600" b="1" dirty="0">
+                <a:solidFill>
+                  <a:schemeClr val="bg1"/>
+                </a:solidFill>
+                <a:latin typeface="Pragmatica" pitchFamily="2" charset="0"/>
+              </a:rPr>
+              <a:t>Welcome to the R Project for Statistical Computing</a:t>
+            </a:r>
+          </a:p>
+        </p:txBody>
+      </p:sp>
     </p:spTree>
     <p:extLst>
       <p:ext uri="{BB962C8B-B14F-4D97-AF65-F5344CB8AC3E}">
-        <p14:creationId xmlns:p14="http://schemas.microsoft.com/office/powerpoint/2010/main" val="2312240890"/>
+        <p14:creationId xmlns:p14="http://schemas.microsoft.com/office/powerpoint/2010/main" val="801839645"/>
       </p:ext>
     </p:extLst>
   </p:cSld>
@@ -7642,7 +7504,7 @@
         </p:nvSpPr>
         <p:spPr>
           <a:xfrm>
-            <a:off x="334451" y="81469"/>
+            <a:off x="347240" y="113388"/>
             <a:ext cx="9799937" cy="1015663"/>
           </a:xfrm>
           <a:prstGeom prst="rect">
@@ -7660,355 +7522,17 @@
               <a:rPr lang="en-US" sz="6000" dirty="0">
                 <a:latin typeface="Aliens &amp; cows" panose="00000500000000000000" pitchFamily="2" charset="0"/>
               </a:rPr>
-              <a:t>R + RStudio</a:t>
+              <a:t>The R project for…</a:t>
             </a:r>
           </a:p>
         </p:txBody>
       </p:sp>
       <p:pic>
         <p:nvPicPr>
-          <p:cNvPr id="2050" name="Picture 2" descr="R (programming language) - Wikipedia">
+          <p:cNvPr id="1026" name="Picture 2" descr="FUBU – FUBU">
             <a:extLst>
               <a:ext uri="{FF2B5EF4-FFF2-40B4-BE49-F238E27FC236}">
-                <a16:creationId xmlns:a16="http://schemas.microsoft.com/office/drawing/2014/main" id="{0128CF47-2A1A-42EA-88FE-A6A4CE80EA2A}"/>
-              </a:ext>
-            </a:extLst>
-          </p:cNvPr>
-          <p:cNvPicPr>
-            <a:picLocks noChangeAspect="1" noChangeArrowheads="1"/>
-          </p:cNvPicPr>
-          <p:nvPr/>
-        </p:nvPicPr>
-        <p:blipFill>
-          <a:blip r:embed="rId4" cstate="print">
-            <a:extLst>
-              <a:ext uri="{28A0092B-C50C-407E-A947-70E740481C1C}">
-                <a14:useLocalDpi xmlns:a14="http://schemas.microsoft.com/office/drawing/2010/main" val="0"/>
-              </a:ext>
-            </a:extLst>
-          </a:blip>
-          <a:srcRect/>
-          <a:stretch>
-            <a:fillRect/>
-          </a:stretch>
-        </p:blipFill>
-        <p:spPr bwMode="auto">
-          <a:xfrm>
-            <a:off x="238766" y="1888627"/>
-            <a:ext cx="3975018" cy="3080746"/>
-          </a:xfrm>
-          <a:prstGeom prst="rect">
-            <a:avLst/>
-          </a:prstGeom>
-          <a:noFill/>
-          <a:extLst>
-            <a:ext uri="{909E8E84-426E-40DD-AFC4-6F175D3DCCD1}">
-              <a14:hiddenFill xmlns:a14="http://schemas.microsoft.com/office/drawing/2010/main">
-                <a:solidFill>
-                  <a:srgbClr val="FFFFFF"/>
-                </a:solidFill>
-              </a14:hiddenFill>
-            </a:ext>
-          </a:extLst>
-        </p:spPr>
-      </p:pic>
-      <p:pic>
-        <p:nvPicPr>
-          <p:cNvPr id="2052" name="Picture 4" descr="RStudio Partnership and Consultancy Services | Mango Solutions">
-            <a:extLst>
-              <a:ext uri="{FF2B5EF4-FFF2-40B4-BE49-F238E27FC236}">
-                <a16:creationId xmlns:a16="http://schemas.microsoft.com/office/drawing/2014/main" id="{EA0D657F-7250-41AF-AB4A-1E6E0E6D3D7F}"/>
-              </a:ext>
-            </a:extLst>
-          </p:cNvPr>
-          <p:cNvPicPr>
-            <a:picLocks noChangeAspect="1" noChangeArrowheads="1"/>
-          </p:cNvPicPr>
-          <p:nvPr/>
-        </p:nvPicPr>
-        <p:blipFill>
-          <a:blip r:embed="rId5">
-            <a:extLst>
-              <a:ext uri="{28A0092B-C50C-407E-A947-70E740481C1C}">
-                <a14:useLocalDpi xmlns:a14="http://schemas.microsoft.com/office/drawing/2010/main" val="0"/>
-              </a:ext>
-            </a:extLst>
-          </a:blip>
-          <a:srcRect/>
-          <a:stretch>
-            <a:fillRect/>
-          </a:stretch>
-        </p:blipFill>
-        <p:spPr bwMode="auto">
-          <a:xfrm>
-            <a:off x="4820642" y="1690187"/>
-            <a:ext cx="7371358" cy="3680466"/>
-          </a:xfrm>
-          <a:prstGeom prst="rect">
-            <a:avLst/>
-          </a:prstGeom>
-          <a:noFill/>
-          <a:extLst>
-            <a:ext uri="{909E8E84-426E-40DD-AFC4-6F175D3DCCD1}">
-              <a14:hiddenFill xmlns:a14="http://schemas.microsoft.com/office/drawing/2010/main">
-                <a:solidFill>
-                  <a:srgbClr val="FFFFFF"/>
-                </a:solidFill>
-              </a14:hiddenFill>
-            </a:ext>
-          </a:extLst>
-        </p:spPr>
-      </p:pic>
-      <p:sp>
-        <p:nvSpPr>
-          <p:cNvPr id="8" name="TextBox 7">
-            <a:extLst>
-              <a:ext uri="{FF2B5EF4-FFF2-40B4-BE49-F238E27FC236}">
-                <a16:creationId xmlns:a16="http://schemas.microsoft.com/office/drawing/2014/main" id="{11840D5C-3D15-43FA-828B-81755108AC4E}"/>
-              </a:ext>
-            </a:extLst>
-          </p:cNvPr>
-          <p:cNvSpPr txBox="1"/>
-          <p:nvPr/>
-        </p:nvSpPr>
-        <p:spPr>
-          <a:xfrm>
-            <a:off x="6168274" y="5139819"/>
-            <a:ext cx="3223967" cy="461665"/>
-          </a:xfrm>
-          <a:prstGeom prst="rect">
-            <a:avLst/>
-          </a:prstGeom>
-          <a:noFill/>
-        </p:spPr>
-        <p:txBody>
-          <a:bodyPr wrap="square" rtlCol="0">
-            <a:spAutoFit/>
-          </a:bodyPr>
-          <a:lstStyle/>
-          <a:p>
-            <a:r>
-              <a:rPr lang="en-US" sz="2400" dirty="0">
-                <a:latin typeface="Pragmatica" pitchFamily="2" charset="0"/>
-              </a:rPr>
-              <a:t>The interface</a:t>
-            </a:r>
-          </a:p>
-        </p:txBody>
-      </p:sp>
-      <p:sp>
-        <p:nvSpPr>
-          <p:cNvPr id="12" name="TextBox 11">
-            <a:extLst>
-              <a:ext uri="{FF2B5EF4-FFF2-40B4-BE49-F238E27FC236}">
-                <a16:creationId xmlns:a16="http://schemas.microsoft.com/office/drawing/2014/main" id="{58B22640-98BF-4B6B-939E-E50C08DEC28C}"/>
-              </a:ext>
-            </a:extLst>
-          </p:cNvPr>
-          <p:cNvSpPr txBox="1"/>
-          <p:nvPr/>
-        </p:nvSpPr>
-        <p:spPr>
-          <a:xfrm>
-            <a:off x="334451" y="5139820"/>
-            <a:ext cx="6103856" cy="461665"/>
-          </a:xfrm>
-          <a:prstGeom prst="rect">
-            <a:avLst/>
-          </a:prstGeom>
-          <a:noFill/>
-        </p:spPr>
-        <p:txBody>
-          <a:bodyPr wrap="square">
-            <a:spAutoFit/>
-          </a:bodyPr>
-          <a:lstStyle/>
-          <a:p>
-            <a:r>
-              <a:rPr lang="en-US" sz="2400" dirty="0">
-                <a:latin typeface="Pragmatica" pitchFamily="2" charset="0"/>
-              </a:rPr>
-              <a:t>The code base</a:t>
-            </a:r>
-          </a:p>
-        </p:txBody>
-      </p:sp>
-    </p:spTree>
-    <p:extLst>
-      <p:ext uri="{BB962C8B-B14F-4D97-AF65-F5344CB8AC3E}">
-        <p14:creationId xmlns:p14="http://schemas.microsoft.com/office/powerpoint/2010/main" val="4193561338"/>
-      </p:ext>
-    </p:extLst>
-  </p:cSld>
-  <p:clrMapOvr>
-    <a:masterClrMapping/>
-  </p:clrMapOvr>
-</p:sld>
-</file>
-
-<file path=ppt/slides/slide13.xml><?xml version="1.0" encoding="utf-8"?>
-<p:sld xmlns:a="http://schemas.openxmlformats.org/drawingml/2006/main" xmlns:r="http://schemas.openxmlformats.org/officeDocument/2006/relationships" xmlns:p="http://schemas.openxmlformats.org/presentationml/2006/main">
-  <p:cSld>
-    <p:spTree>
-      <p:nvGrpSpPr>
-        <p:cNvPr id="1" name=""/>
-        <p:cNvGrpSpPr/>
-        <p:nvPr/>
-      </p:nvGrpSpPr>
-      <p:grpSpPr>
-        <a:xfrm>
-          <a:off x="0" y="0"/>
-          <a:ext cx="0" cy="0"/>
-          <a:chOff x="0" y="0"/>
-          <a:chExt cx="0" cy="0"/>
-        </a:xfrm>
-      </p:grpSpPr>
-      <p:sp>
-        <p:nvSpPr>
-          <p:cNvPr id="4" name="Rectangle 3"/>
-          <p:cNvSpPr/>
-          <p:nvPr/>
-        </p:nvSpPr>
-        <p:spPr>
-          <a:xfrm>
-            <a:off x="6574420" y="0"/>
-            <a:ext cx="5617580" cy="6858000"/>
-          </a:xfrm>
-          <a:prstGeom prst="rect">
-            <a:avLst/>
-          </a:prstGeom>
-          <a:solidFill>
-            <a:srgbClr val="CF3338"/>
-          </a:solidFill>
-        </p:spPr>
-        <p:style>
-          <a:lnRef idx="2">
-            <a:schemeClr val="accent1">
-              <a:shade val="50000"/>
-            </a:schemeClr>
-          </a:lnRef>
-          <a:fillRef idx="1">
-            <a:schemeClr val="accent1"/>
-          </a:fillRef>
-          <a:effectRef idx="0">
-            <a:schemeClr val="accent1"/>
-          </a:effectRef>
-          <a:fontRef idx="minor">
-            <a:schemeClr val="lt1"/>
-          </a:fontRef>
-        </p:style>
-        <p:txBody>
-          <a:bodyPr rtlCol="0" anchor="ctr"/>
-          <a:lstStyle/>
-          <a:p>
-            <a:pPr algn="ctr"/>
-            <a:endParaRPr lang="en-US"/>
-          </a:p>
-        </p:txBody>
-      </p:sp>
-      <p:sp>
-        <p:nvSpPr>
-          <p:cNvPr id="5" name="TextBox 4"/>
-          <p:cNvSpPr txBox="1"/>
-          <p:nvPr/>
-        </p:nvSpPr>
-        <p:spPr>
-          <a:xfrm>
-            <a:off x="6817489" y="0"/>
-            <a:ext cx="4120587" cy="1446550"/>
-          </a:xfrm>
-          <a:prstGeom prst="rect">
-            <a:avLst/>
-          </a:prstGeom>
-          <a:noFill/>
-        </p:spPr>
-        <p:txBody>
-          <a:bodyPr wrap="square" rtlCol="0">
-            <a:spAutoFit/>
-          </a:bodyPr>
-          <a:lstStyle/>
-          <a:p>
-            <a:r>
-              <a:rPr lang="en-US" sz="8800" dirty="0">
-                <a:solidFill>
-                  <a:schemeClr val="bg1"/>
-                </a:solidFill>
-                <a:latin typeface="Aliens &amp; cows" panose="00000500000000000000" pitchFamily="2" charset="0"/>
-              </a:rPr>
-              <a:t>Demo</a:t>
-            </a:r>
-          </a:p>
-        </p:txBody>
-      </p:sp>
-      <p:pic>
-        <p:nvPicPr>
-          <p:cNvPr id="2" name="Picture 1"/>
-          <p:cNvPicPr>
-            <a:picLocks noChangeAspect="1"/>
-          </p:cNvPicPr>
-          <p:nvPr/>
-        </p:nvPicPr>
-        <p:blipFill rotWithShape="1">
-          <a:blip r:embed="rId3">
-            <a:extLst>
-              <a:ext uri="{28A0092B-C50C-407E-A947-70E740481C1C}">
-                <a14:useLocalDpi xmlns:a14="http://schemas.microsoft.com/office/drawing/2010/main" val="0"/>
-              </a:ext>
-            </a:extLst>
-          </a:blip>
-          <a:srcRect l="69227" t="33418" r="20112" b="50548"/>
-          <a:stretch/>
-        </p:blipFill>
-        <p:spPr>
-          <a:xfrm>
-            <a:off x="10386349" y="5029795"/>
-            <a:ext cx="1805651" cy="1991719"/>
-          </a:xfrm>
-          <a:prstGeom prst="rect">
-            <a:avLst/>
-          </a:prstGeom>
-        </p:spPr>
-      </p:pic>
-      <p:sp>
-        <p:nvSpPr>
-          <p:cNvPr id="3" name="TextBox 2"/>
-          <p:cNvSpPr txBox="1"/>
-          <p:nvPr/>
-        </p:nvSpPr>
-        <p:spPr>
-          <a:xfrm>
-            <a:off x="173620" y="219919"/>
-            <a:ext cx="5937813" cy="523220"/>
-          </a:xfrm>
-          <a:prstGeom prst="rect">
-            <a:avLst/>
-          </a:prstGeom>
-          <a:noFill/>
-        </p:spPr>
-        <p:txBody>
-          <a:bodyPr wrap="square" rtlCol="0">
-            <a:spAutoFit/>
-          </a:bodyPr>
-          <a:lstStyle/>
-          <a:p>
-            <a:r>
-              <a:rPr lang="en-US" sz="2800" b="1" dirty="0">
-                <a:solidFill>
-                  <a:srgbClr val="CF3338"/>
-                </a:solidFill>
-                <a:latin typeface="Pragmatica" pitchFamily="2" charset="0"/>
-              </a:rPr>
-              <a:t>Navigate RStudio, beginning with 1+1</a:t>
-            </a:r>
-          </a:p>
-        </p:txBody>
-      </p:sp>
-      <p:pic>
-        <p:nvPicPr>
-          <p:cNvPr id="7" name="Picture 2">
-            <a:extLst>
-              <a:ext uri="{FF2B5EF4-FFF2-40B4-BE49-F238E27FC236}">
-                <a16:creationId xmlns:a16="http://schemas.microsoft.com/office/drawing/2014/main" id="{6AA3752F-7DE4-42EF-930F-41F529023B4D}"/>
+                <a16:creationId xmlns:a16="http://schemas.microsoft.com/office/drawing/2014/main" id="{EE2B8B44-CCD2-43B9-A751-24A134B928F2}"/>
               </a:ext>
             </a:extLst>
           </p:cNvPr>
@@ -8032,8 +7556,8 @@
         </p:blipFill>
         <p:spPr bwMode="auto">
           <a:xfrm>
-            <a:off x="817355" y="2489120"/>
-            <a:ext cx="7995854" cy="4285278"/>
+            <a:off x="2040854" y="2545414"/>
+            <a:ext cx="8853170" cy="1681416"/>
           </a:xfrm>
           <a:prstGeom prst="rect">
             <a:avLst/>
@@ -8050,86 +7574,212 @@
           </a:extLst>
         </p:spPr>
       </p:pic>
+      <p:sp>
+        <p:nvSpPr>
+          <p:cNvPr id="2" name="Rectangle 1">
+            <a:extLst>
+              <a:ext uri="{FF2B5EF4-FFF2-40B4-BE49-F238E27FC236}">
+                <a16:creationId xmlns:a16="http://schemas.microsoft.com/office/drawing/2014/main" id="{E7BF33C4-F091-4718-84DD-F4BB838055DC}"/>
+              </a:ext>
+            </a:extLst>
+          </p:cNvPr>
+          <p:cNvSpPr/>
+          <p:nvPr/>
+        </p:nvSpPr>
+        <p:spPr>
+          <a:xfrm>
+            <a:off x="4110005" y="2361696"/>
+            <a:ext cx="2387684" cy="2058914"/>
+          </a:xfrm>
+          <a:prstGeom prst="rect">
+            <a:avLst/>
+          </a:prstGeom>
+          <a:solidFill>
+            <a:schemeClr val="bg1"/>
+          </a:solidFill>
+          <a:ln>
+            <a:solidFill>
+              <a:schemeClr val="bg1"/>
+            </a:solidFill>
+          </a:ln>
+        </p:spPr>
+        <p:style>
+          <a:lnRef idx="2">
+            <a:schemeClr val="accent1">
+              <a:shade val="50000"/>
+            </a:schemeClr>
+          </a:lnRef>
+          <a:fillRef idx="1">
+            <a:schemeClr val="accent1"/>
+          </a:fillRef>
+          <a:effectRef idx="0">
+            <a:schemeClr val="accent1"/>
+          </a:effectRef>
+          <a:fontRef idx="minor">
+            <a:schemeClr val="lt1"/>
+          </a:fontRef>
+        </p:style>
+        <p:txBody>
+          <a:bodyPr rtlCol="0" anchor="ctr"/>
+          <a:lstStyle/>
+          <a:p>
+            <a:pPr algn="ctr"/>
+            <a:endParaRPr lang="en-US"/>
+          </a:p>
+        </p:txBody>
+      </p:sp>
       <p:pic>
         <p:nvPicPr>
-          <p:cNvPr id="8" name="Picture 7">
+          <p:cNvPr id="1028" name="Picture 4">
             <a:extLst>
               <a:ext uri="{FF2B5EF4-FFF2-40B4-BE49-F238E27FC236}">
-                <a16:creationId xmlns:a16="http://schemas.microsoft.com/office/drawing/2014/main" id="{7A16F770-8038-495F-AA22-4602F7510F9D}"/>
+                <a16:creationId xmlns:a16="http://schemas.microsoft.com/office/drawing/2014/main" id="{825ACF1B-CE81-4574-A3DF-0CF7DC8ACCB0}"/>
               </a:ext>
             </a:extLst>
           </p:cNvPr>
           <p:cNvPicPr>
-            <a:picLocks noChangeAspect="1"/>
+            <a:picLocks noChangeAspect="1" noChangeArrowheads="1"/>
           </p:cNvPicPr>
           <p:nvPr/>
         </p:nvPicPr>
-        <p:blipFill rotWithShape="1">
-          <a:blip r:embed="rId5"/>
-          <a:srcRect b="47338"/>
-          <a:stretch/>
-        </p:blipFill>
-        <p:spPr>
-          <a:xfrm>
-            <a:off x="1198861" y="1273896"/>
-            <a:ext cx="3993611" cy="613266"/>
-          </a:xfrm>
-          <a:prstGeom prst="rect">
-            <a:avLst/>
-          </a:prstGeom>
-        </p:spPr>
-      </p:pic>
-      <p:sp>
-        <p:nvSpPr>
-          <p:cNvPr id="9" name="TextBox 8">
+        <p:blipFill>
+          <a:blip r:embed="rId5" cstate="print">
             <a:extLst>
-              <a:ext uri="{FF2B5EF4-FFF2-40B4-BE49-F238E27FC236}">
-                <a16:creationId xmlns:a16="http://schemas.microsoft.com/office/drawing/2014/main" id="{F0D02FF3-1492-433C-B9E2-786CF5157C1B}"/>
+              <a:ext uri="{28A0092B-C50C-407E-A947-70E740481C1C}">
+                <a14:useLocalDpi xmlns:a14="http://schemas.microsoft.com/office/drawing/2010/main" val="0"/>
               </a:ext>
             </a:extLst>
-          </p:cNvPr>
-          <p:cNvSpPr txBox="1"/>
-          <p:nvPr/>
-        </p:nvSpPr>
-        <p:spPr>
-          <a:xfrm>
-            <a:off x="1117689" y="1887162"/>
-            <a:ext cx="7695520" cy="400110"/>
+          </a:blip>
+          <a:srcRect/>
+          <a:stretch>
+            <a:fillRect/>
+          </a:stretch>
+        </p:blipFill>
+        <p:spPr bwMode="auto">
+          <a:xfrm>
+            <a:off x="4110005" y="2460634"/>
+            <a:ext cx="2169493" cy="1681416"/>
           </a:xfrm>
           <a:prstGeom prst="rect">
             <a:avLst/>
           </a:prstGeom>
           <a:noFill/>
-        </p:spPr>
-        <p:txBody>
-          <a:bodyPr wrap="square" rtlCol="0">
-            <a:spAutoFit/>
-          </a:bodyPr>
-          <a:lstStyle/>
-          <a:p>
-            <a:r>
-              <a:rPr lang="en-US" sz="2000" dirty="0">
-                <a:solidFill>
-                  <a:srgbClr val="707070"/>
-                </a:solidFill>
-                <a:latin typeface="Pragmatica" panose="020B0403040502020204" pitchFamily="34" charset="0"/>
-                <a:hlinkClick r:id="rId6"/>
-              </a:rPr>
-              <a:t>https://github.com/stringfestdata/london-excel</a:t>
-            </a:r>
-            <a:endParaRPr lang="en-US" sz="2000" dirty="0">
-              <a:solidFill>
-                <a:srgbClr val="707070"/>
-              </a:solidFill>
-              <a:latin typeface="Pragmatica" panose="020B0403040502020204" pitchFamily="34" charset="0"/>
-            </a:endParaRPr>
-          </a:p>
-        </p:txBody>
-      </p:sp>
+          <a:extLst>
+            <a:ext uri="{909E8E84-426E-40DD-AFC4-6F175D3DCCD1}">
+              <a14:hiddenFill xmlns:a14="http://schemas.microsoft.com/office/drawing/2010/main">
+                <a:solidFill>
+                  <a:srgbClr val="FFFFFF"/>
+                </a:solidFill>
+              </a14:hiddenFill>
+            </a:ext>
+          </a:extLst>
+        </p:spPr>
+      </p:pic>
+      <p:sp>
+        <p:nvSpPr>
+          <p:cNvPr id="14" name="Rectangle 13">
+            <a:extLst>
+              <a:ext uri="{FF2B5EF4-FFF2-40B4-BE49-F238E27FC236}">
+                <a16:creationId xmlns:a16="http://schemas.microsoft.com/office/drawing/2014/main" id="{66C1EADA-8ED9-4554-B2D7-B9BE8D5DA53B}"/>
+              </a:ext>
+            </a:extLst>
+          </p:cNvPr>
+          <p:cNvSpPr/>
+          <p:nvPr/>
+        </p:nvSpPr>
+        <p:spPr>
+          <a:xfrm>
+            <a:off x="8615436" y="2361696"/>
+            <a:ext cx="2387684" cy="2058914"/>
+          </a:xfrm>
+          <a:prstGeom prst="rect">
+            <a:avLst/>
+          </a:prstGeom>
+          <a:solidFill>
+            <a:schemeClr val="bg1"/>
+          </a:solidFill>
+          <a:ln>
+            <a:solidFill>
+              <a:schemeClr val="bg1"/>
+            </a:solidFill>
+          </a:ln>
+        </p:spPr>
+        <p:style>
+          <a:lnRef idx="2">
+            <a:schemeClr val="accent1">
+              <a:shade val="50000"/>
+            </a:schemeClr>
+          </a:lnRef>
+          <a:fillRef idx="1">
+            <a:schemeClr val="accent1"/>
+          </a:fillRef>
+          <a:effectRef idx="0">
+            <a:schemeClr val="accent1"/>
+          </a:effectRef>
+          <a:fontRef idx="minor">
+            <a:schemeClr val="lt1"/>
+          </a:fontRef>
+        </p:style>
+        <p:txBody>
+          <a:bodyPr rtlCol="0" anchor="ctr"/>
+          <a:lstStyle/>
+          <a:p>
+            <a:pPr algn="ctr"/>
+            <a:endParaRPr lang="en-US"/>
+          </a:p>
+        </p:txBody>
+      </p:sp>
+      <p:pic>
+        <p:nvPicPr>
+          <p:cNvPr id="15" name="Picture 4">
+            <a:extLst>
+              <a:ext uri="{FF2B5EF4-FFF2-40B4-BE49-F238E27FC236}">
+                <a16:creationId xmlns:a16="http://schemas.microsoft.com/office/drawing/2014/main" id="{B4BD4C78-1F1F-4683-BFE9-CE9B4B2E1317}"/>
+              </a:ext>
+            </a:extLst>
+          </p:cNvPr>
+          <p:cNvPicPr>
+            <a:picLocks noChangeAspect="1" noChangeArrowheads="1"/>
+          </p:cNvPicPr>
+          <p:nvPr/>
+        </p:nvPicPr>
+        <p:blipFill>
+          <a:blip r:embed="rId5" cstate="print">
+            <a:extLst>
+              <a:ext uri="{28A0092B-C50C-407E-A947-70E740481C1C}">
+                <a14:useLocalDpi xmlns:a14="http://schemas.microsoft.com/office/drawing/2010/main" val="0"/>
+              </a:ext>
+            </a:extLst>
+          </a:blip>
+          <a:srcRect/>
+          <a:stretch>
+            <a:fillRect/>
+          </a:stretch>
+        </p:blipFill>
+        <p:spPr bwMode="auto">
+          <a:xfrm>
+            <a:off x="8615436" y="2460634"/>
+            <a:ext cx="2169493" cy="1681416"/>
+          </a:xfrm>
+          <a:prstGeom prst="rect">
+            <a:avLst/>
+          </a:prstGeom>
+          <a:noFill/>
+          <a:extLst>
+            <a:ext uri="{909E8E84-426E-40DD-AFC4-6F175D3DCCD1}">
+              <a14:hiddenFill xmlns:a14="http://schemas.microsoft.com/office/drawing/2010/main">
+                <a:solidFill>
+                  <a:srgbClr val="FFFFFF"/>
+                </a:solidFill>
+              </a14:hiddenFill>
+            </a:ext>
+          </a:extLst>
+        </p:spPr>
+      </p:pic>
     </p:spTree>
     <p:extLst>
       <p:ext uri="{BB962C8B-B14F-4D97-AF65-F5344CB8AC3E}">
-        <p14:creationId xmlns:p14="http://schemas.microsoft.com/office/powerpoint/2010/main" val="698133896"/>
+        <p14:creationId xmlns:p14="http://schemas.microsoft.com/office/powerpoint/2010/main" val="2312240890"/>
       </p:ext>
     </p:extLst>
   </p:cSld>
@@ -8139,7 +7789,7 @@
 </p:sld>
 </file>
 
-<file path=ppt/slides/slide14.xml><?xml version="1.0" encoding="utf-8"?>
+<file path=ppt/slides/slide13.xml><?xml version="1.0" encoding="utf-8"?>
 <p:sld xmlns:a="http://schemas.openxmlformats.org/drawingml/2006/main" xmlns:r="http://schemas.openxmlformats.org/officeDocument/2006/relationships" xmlns:p="http://schemas.openxmlformats.org/presentationml/2006/main">
   <p:cSld>
     <p:spTree>
@@ -8193,8 +7843,8 @@
         </p:nvSpPr>
         <p:spPr>
           <a:xfrm>
-            <a:off x="347240" y="113388"/>
-            <a:ext cx="9799937" cy="1938992"/>
+            <a:off x="334451" y="81469"/>
+            <a:ext cx="9799937" cy="1015663"/>
           </a:xfrm>
           <a:prstGeom prst="rect">
             <a:avLst/>
@@ -8211,68 +7861,17 @@
               <a:rPr lang="en-US" sz="6000" dirty="0">
                 <a:latin typeface="Aliens &amp; cows" panose="00000500000000000000" pitchFamily="2" charset="0"/>
               </a:rPr>
-              <a:t>Packages: “There’s an App for that!”</a:t>
-            </a:r>
-          </a:p>
-        </p:txBody>
-      </p:sp>
-      <p:sp>
-        <p:nvSpPr>
-          <p:cNvPr id="3" name="TextBox 2"/>
-          <p:cNvSpPr txBox="1"/>
-          <p:nvPr/>
-        </p:nvSpPr>
-        <p:spPr>
-          <a:xfrm>
-            <a:off x="454109" y="2297968"/>
-            <a:ext cx="5414785" cy="1384995"/>
-          </a:xfrm>
-          <a:prstGeom prst="rect">
-            <a:avLst/>
-          </a:prstGeom>
-          <a:noFill/>
-        </p:spPr>
-        <p:txBody>
-          <a:bodyPr wrap="square" rtlCol="0">
-            <a:spAutoFit/>
-          </a:bodyPr>
-          <a:lstStyle/>
-          <a:p>
-            <a:pPr marL="514350" indent="-514350">
-              <a:buAutoNum type="arabicPeriod"/>
-            </a:pPr>
-            <a:r>
-              <a:rPr lang="en-US" sz="2800" dirty="0">
-                <a:solidFill>
-                  <a:srgbClr val="707070"/>
-                </a:solidFill>
-                <a:latin typeface="Pragmatica" panose="020B0403040502020204" pitchFamily="34" charset="0"/>
-              </a:rPr>
-              <a:t>Install the package (usually from CRAN)</a:t>
-            </a:r>
-          </a:p>
-          <a:p>
-            <a:pPr marL="514350" indent="-514350">
-              <a:buAutoNum type="arabicPeriod"/>
-            </a:pPr>
-            <a:r>
-              <a:rPr lang="en-US" sz="2800" dirty="0">
-                <a:solidFill>
-                  <a:srgbClr val="707070"/>
-                </a:solidFill>
-                <a:latin typeface="Pragmatica" panose="020B0403040502020204" pitchFamily="34" charset="0"/>
-              </a:rPr>
-              <a:t>Open the package</a:t>
+              <a:t>R + RStudio</a:t>
             </a:r>
           </a:p>
         </p:txBody>
       </p:sp>
       <p:pic>
         <p:nvPicPr>
-          <p:cNvPr id="8194" name="Picture 2">
+          <p:cNvPr id="2050" name="Picture 2" descr="R (programming language) - Wikipedia">
             <a:extLst>
               <a:ext uri="{FF2B5EF4-FFF2-40B4-BE49-F238E27FC236}">
-                <a16:creationId xmlns:a16="http://schemas.microsoft.com/office/drawing/2014/main" id="{93A3D79E-EFB5-4C74-925C-52E65CFB9662}"/>
+                <a16:creationId xmlns:a16="http://schemas.microsoft.com/office/drawing/2014/main" id="{0128CF47-2A1A-42EA-88FE-A6A4CE80EA2A}"/>
               </a:ext>
             </a:extLst>
           </p:cNvPr>
@@ -8295,9 +7894,9 @@
           </a:stretch>
         </p:blipFill>
         <p:spPr bwMode="auto">
-          <a:xfrm rot="16200000">
-            <a:off x="4795276" y="1137677"/>
-            <a:ext cx="5720323" cy="5720323"/>
+          <a:xfrm>
+            <a:off x="238766" y="1888627"/>
+            <a:ext cx="3975018" cy="3080746"/>
           </a:xfrm>
           <a:prstGeom prst="rect">
             <a:avLst/>
@@ -8314,10 +7913,131 @@
           </a:extLst>
         </p:spPr>
       </p:pic>
+      <p:pic>
+        <p:nvPicPr>
+          <p:cNvPr id="2052" name="Picture 4" descr="RStudio Partnership and Consultancy Services | Mango Solutions">
+            <a:extLst>
+              <a:ext uri="{FF2B5EF4-FFF2-40B4-BE49-F238E27FC236}">
+                <a16:creationId xmlns:a16="http://schemas.microsoft.com/office/drawing/2014/main" id="{EA0D657F-7250-41AF-AB4A-1E6E0E6D3D7F}"/>
+              </a:ext>
+            </a:extLst>
+          </p:cNvPr>
+          <p:cNvPicPr>
+            <a:picLocks noChangeAspect="1" noChangeArrowheads="1"/>
+          </p:cNvPicPr>
+          <p:nvPr/>
+        </p:nvPicPr>
+        <p:blipFill>
+          <a:blip r:embed="rId5">
+            <a:extLst>
+              <a:ext uri="{28A0092B-C50C-407E-A947-70E740481C1C}">
+                <a14:useLocalDpi xmlns:a14="http://schemas.microsoft.com/office/drawing/2010/main" val="0"/>
+              </a:ext>
+            </a:extLst>
+          </a:blip>
+          <a:srcRect/>
+          <a:stretch>
+            <a:fillRect/>
+          </a:stretch>
+        </p:blipFill>
+        <p:spPr bwMode="auto">
+          <a:xfrm>
+            <a:off x="4820642" y="1690187"/>
+            <a:ext cx="7371358" cy="3680466"/>
+          </a:xfrm>
+          <a:prstGeom prst="rect">
+            <a:avLst/>
+          </a:prstGeom>
+          <a:noFill/>
+          <a:extLst>
+            <a:ext uri="{909E8E84-426E-40DD-AFC4-6F175D3DCCD1}">
+              <a14:hiddenFill xmlns:a14="http://schemas.microsoft.com/office/drawing/2010/main">
+                <a:solidFill>
+                  <a:srgbClr val="FFFFFF"/>
+                </a:solidFill>
+              </a14:hiddenFill>
+            </a:ext>
+          </a:extLst>
+        </p:spPr>
+      </p:pic>
+      <p:sp>
+        <p:nvSpPr>
+          <p:cNvPr id="8" name="TextBox 7">
+            <a:extLst>
+              <a:ext uri="{FF2B5EF4-FFF2-40B4-BE49-F238E27FC236}">
+                <a16:creationId xmlns:a16="http://schemas.microsoft.com/office/drawing/2014/main" id="{11840D5C-3D15-43FA-828B-81755108AC4E}"/>
+              </a:ext>
+            </a:extLst>
+          </p:cNvPr>
+          <p:cNvSpPr txBox="1"/>
+          <p:nvPr/>
+        </p:nvSpPr>
+        <p:spPr>
+          <a:xfrm>
+            <a:off x="6168274" y="5139819"/>
+            <a:ext cx="3223967" cy="461665"/>
+          </a:xfrm>
+          <a:prstGeom prst="rect">
+            <a:avLst/>
+          </a:prstGeom>
+          <a:noFill/>
+        </p:spPr>
+        <p:txBody>
+          <a:bodyPr wrap="square" rtlCol="0">
+            <a:spAutoFit/>
+          </a:bodyPr>
+          <a:lstStyle/>
+          <a:p>
+            <a:r>
+              <a:rPr lang="en-US" sz="2400" dirty="0">
+                <a:latin typeface="Pragmatica" pitchFamily="2" charset="0"/>
+              </a:rPr>
+              <a:t>The interface</a:t>
+            </a:r>
+          </a:p>
+        </p:txBody>
+      </p:sp>
+      <p:sp>
+        <p:nvSpPr>
+          <p:cNvPr id="12" name="TextBox 11">
+            <a:extLst>
+              <a:ext uri="{FF2B5EF4-FFF2-40B4-BE49-F238E27FC236}">
+                <a16:creationId xmlns:a16="http://schemas.microsoft.com/office/drawing/2014/main" id="{58B22640-98BF-4B6B-939E-E50C08DEC28C}"/>
+              </a:ext>
+            </a:extLst>
+          </p:cNvPr>
+          <p:cNvSpPr txBox="1"/>
+          <p:nvPr/>
+        </p:nvSpPr>
+        <p:spPr>
+          <a:xfrm>
+            <a:off x="334451" y="5139820"/>
+            <a:ext cx="6103856" cy="461665"/>
+          </a:xfrm>
+          <a:prstGeom prst="rect">
+            <a:avLst/>
+          </a:prstGeom>
+          <a:noFill/>
+        </p:spPr>
+        <p:txBody>
+          <a:bodyPr wrap="square">
+            <a:spAutoFit/>
+          </a:bodyPr>
+          <a:lstStyle/>
+          <a:p>
+            <a:r>
+              <a:rPr lang="en-US" sz="2400" dirty="0">
+                <a:latin typeface="Pragmatica" pitchFamily="2" charset="0"/>
+              </a:rPr>
+              <a:t>The code base</a:t>
+            </a:r>
+          </a:p>
+        </p:txBody>
+      </p:sp>
     </p:spTree>
     <p:extLst>
       <p:ext uri="{BB962C8B-B14F-4D97-AF65-F5344CB8AC3E}">
-        <p14:creationId xmlns:p14="http://schemas.microsoft.com/office/powerpoint/2010/main" val="3260812531"/>
+        <p14:creationId xmlns:p14="http://schemas.microsoft.com/office/powerpoint/2010/main" val="4193561338"/>
       </p:ext>
     </p:extLst>
   </p:cSld>
@@ -8327,7 +8047,7 @@
 </p:sld>
 </file>
 
-<file path=ppt/slides/slide15.xml><?xml version="1.0" encoding="utf-8"?>
+<file path=ppt/slides/slide14.xml><?xml version="1.0" encoding="utf-8"?>
 <p:sld xmlns:a="http://schemas.openxmlformats.org/drawingml/2006/main" xmlns:r="http://schemas.openxmlformats.org/officeDocument/2006/relationships" xmlns:p="http://schemas.openxmlformats.org/presentationml/2006/main">
   <p:cSld>
     <p:spTree>
@@ -8459,7 +8179,7 @@
         <p:spPr>
           <a:xfrm>
             <a:off x="173620" y="219919"/>
-            <a:ext cx="5937813" cy="1384995"/>
+            <a:ext cx="5937813" cy="523220"/>
           </a:xfrm>
           <a:prstGeom prst="rect">
             <a:avLst/>
@@ -8479,40 +8199,93 @@
                 </a:solidFill>
                 <a:latin typeface="Pragmatica" pitchFamily="2" charset="0"/>
               </a:rPr>
-              <a:t>Speaking the language of data with the </a:t>
-            </a:r>
-            <a:r>
-              <a:rPr lang="en-US" sz="2800" b="1" dirty="0" err="1">
-                <a:solidFill>
-                  <a:srgbClr val="CF3338"/>
-                </a:solidFill>
-                <a:latin typeface="Consolas" panose="020B0609020204030204" pitchFamily="49" charset="0"/>
-              </a:rPr>
-              <a:t>tidyverse</a:t>
-            </a:r>
-            <a:endParaRPr lang="en-US" sz="2800" b="1" dirty="0">
-              <a:solidFill>
-                <a:srgbClr val="CF3338"/>
-              </a:solidFill>
-              <a:latin typeface="Consolas" panose="020B0609020204030204" pitchFamily="49" charset="0"/>
-            </a:endParaRPr>
-          </a:p>
-          <a:p>
-            <a:endParaRPr lang="en-US" sz="2800" b="1" dirty="0">
-              <a:solidFill>
-                <a:srgbClr val="CF3338"/>
-              </a:solidFill>
-              <a:latin typeface="Consolas" panose="020B0609020204030204" pitchFamily="49" charset="0"/>
-            </a:endParaRPr>
-          </a:p>
-        </p:txBody>
-      </p:sp>
-      <p:sp>
-        <p:nvSpPr>
-          <p:cNvPr id="7" name="TextBox 6">
+              <a:t>Navigate RStudio, beginning with 1+1</a:t>
+            </a:r>
+          </a:p>
+        </p:txBody>
+      </p:sp>
+      <p:pic>
+        <p:nvPicPr>
+          <p:cNvPr id="7" name="Picture 2">
             <a:extLst>
               <a:ext uri="{FF2B5EF4-FFF2-40B4-BE49-F238E27FC236}">
-                <a16:creationId xmlns:a16="http://schemas.microsoft.com/office/drawing/2014/main" id="{855BC584-A237-4C91-9DAB-ADA80256CAC8}"/>
+                <a16:creationId xmlns:a16="http://schemas.microsoft.com/office/drawing/2014/main" id="{6AA3752F-7DE4-42EF-930F-41F529023B4D}"/>
+              </a:ext>
+            </a:extLst>
+          </p:cNvPr>
+          <p:cNvPicPr>
+            <a:picLocks noChangeAspect="1" noChangeArrowheads="1"/>
+          </p:cNvPicPr>
+          <p:nvPr/>
+        </p:nvPicPr>
+        <p:blipFill>
+          <a:blip r:embed="rId4">
+            <a:extLst>
+              <a:ext uri="{28A0092B-C50C-407E-A947-70E740481C1C}">
+                <a14:useLocalDpi xmlns:a14="http://schemas.microsoft.com/office/drawing/2010/main" val="0"/>
+              </a:ext>
+            </a:extLst>
+          </a:blip>
+          <a:srcRect/>
+          <a:stretch>
+            <a:fillRect/>
+          </a:stretch>
+        </p:blipFill>
+        <p:spPr bwMode="auto">
+          <a:xfrm>
+            <a:off x="817355" y="2489120"/>
+            <a:ext cx="7995854" cy="4285278"/>
+          </a:xfrm>
+          <a:prstGeom prst="rect">
+            <a:avLst/>
+          </a:prstGeom>
+          <a:noFill/>
+          <a:extLst>
+            <a:ext uri="{909E8E84-426E-40DD-AFC4-6F175D3DCCD1}">
+              <a14:hiddenFill xmlns:a14="http://schemas.microsoft.com/office/drawing/2010/main">
+                <a:solidFill>
+                  <a:srgbClr val="FFFFFF"/>
+                </a:solidFill>
+              </a14:hiddenFill>
+            </a:ext>
+          </a:extLst>
+        </p:spPr>
+      </p:pic>
+      <p:pic>
+        <p:nvPicPr>
+          <p:cNvPr id="8" name="Picture 7">
+            <a:extLst>
+              <a:ext uri="{FF2B5EF4-FFF2-40B4-BE49-F238E27FC236}">
+                <a16:creationId xmlns:a16="http://schemas.microsoft.com/office/drawing/2014/main" id="{7A16F770-8038-495F-AA22-4602F7510F9D}"/>
+              </a:ext>
+            </a:extLst>
+          </p:cNvPr>
+          <p:cNvPicPr>
+            <a:picLocks noChangeAspect="1"/>
+          </p:cNvPicPr>
+          <p:nvPr/>
+        </p:nvPicPr>
+        <p:blipFill rotWithShape="1">
+          <a:blip r:embed="rId5"/>
+          <a:srcRect b="47338"/>
+          <a:stretch/>
+        </p:blipFill>
+        <p:spPr>
+          <a:xfrm>
+            <a:off x="1198861" y="1273896"/>
+            <a:ext cx="3993611" cy="613266"/>
+          </a:xfrm>
+          <a:prstGeom prst="rect">
+            <a:avLst/>
+          </a:prstGeom>
+        </p:spPr>
+      </p:pic>
+      <p:sp>
+        <p:nvSpPr>
+          <p:cNvPr id="9" name="TextBox 8">
+            <a:extLst>
+              <a:ext uri="{FF2B5EF4-FFF2-40B4-BE49-F238E27FC236}">
+                <a16:creationId xmlns:a16="http://schemas.microsoft.com/office/drawing/2014/main" id="{F0D02FF3-1492-433C-B9E2-786CF5157C1B}"/>
               </a:ext>
             </a:extLst>
           </p:cNvPr>
@@ -8521,8 +8294,8 @@
         </p:nvSpPr>
         <p:spPr>
           <a:xfrm>
-            <a:off x="158187" y="1446550"/>
-            <a:ext cx="5937813" cy="5693866"/>
+            <a:off x="1117689" y="1887162"/>
+            <a:ext cx="7695520" cy="400110"/>
           </a:xfrm>
           <a:prstGeom prst="rect">
             <a:avLst/>
@@ -8535,199 +8308,29 @@
           </a:bodyPr>
           <a:lstStyle/>
           <a:p>
-            <a:pPr marL="514350" indent="-514350">
-              <a:buFont typeface="+mj-lt"/>
-              <a:buAutoNum type="arabicPeriod"/>
-            </a:pPr>
-            <a:r>
-              <a:rPr lang="en-US" sz="2600" b="1" dirty="0">
-                <a:solidFill>
-                  <a:srgbClr val="CF3338"/>
-                </a:solidFill>
-                <a:latin typeface="Pragmatica" pitchFamily="2" charset="0"/>
-              </a:rPr>
-              <a:t>Load and explore </a:t>
-            </a:r>
-            <a:r>
-              <a:rPr lang="en-US" sz="2600" b="1" dirty="0">
-                <a:solidFill>
-                  <a:srgbClr val="CF3338"/>
-                </a:solidFill>
-                <a:latin typeface="Consolas" panose="020B0609020204030204" pitchFamily="49" charset="0"/>
-              </a:rPr>
-              <a:t>diamonds</a:t>
-            </a:r>
-            <a:r>
-              <a:rPr lang="en-US" sz="2600" b="1" dirty="0">
-                <a:solidFill>
-                  <a:srgbClr val="CF3338"/>
-                </a:solidFill>
-                <a:latin typeface="Pragmatica" pitchFamily="2" charset="0"/>
-              </a:rPr>
-              <a:t> dataset</a:t>
-            </a:r>
-            <a:endParaRPr lang="en-US" sz="2600" b="1" dirty="0">
+            <a:r>
+              <a:rPr lang="en-US" sz="2000" dirty="0">
+                <a:solidFill>
+                  <a:srgbClr val="707070"/>
+                </a:solidFill>
+                <a:latin typeface="Pragmatica" panose="020B0403040502020204" pitchFamily="34" charset="0"/>
+                <a:hlinkClick r:id="rId6"/>
+              </a:rPr>
+              <a:t>https://github.com/stringfestdata/london-excel</a:t>
+            </a:r>
+            <a:endParaRPr lang="en-US" sz="2000" dirty="0">
               <a:solidFill>
-                <a:srgbClr val="CF3338"/>
-              </a:solidFill>
-              <a:latin typeface="Consolas" panose="020B0609020204030204" pitchFamily="49" charset="0"/>
-            </a:endParaRPr>
-          </a:p>
-          <a:p>
-            <a:pPr marL="514350" indent="-514350">
-              <a:buFont typeface="+mj-lt"/>
-              <a:buAutoNum type="arabicPeriod"/>
-            </a:pPr>
-            <a:r>
-              <a:rPr lang="en-US" sz="2600" b="1" dirty="0">
-                <a:solidFill>
-                  <a:srgbClr val="CF3338"/>
-                </a:solidFill>
-                <a:latin typeface="Pragmatica" pitchFamily="2" charset="0"/>
-              </a:rPr>
-              <a:t>Write a “sentence” in </a:t>
-            </a:r>
-            <a:r>
-              <a:rPr lang="en-US" sz="2600" b="1" dirty="0" err="1">
-                <a:solidFill>
-                  <a:srgbClr val="CF3338"/>
-                </a:solidFill>
-                <a:latin typeface="Consolas" panose="020B0609020204030204" pitchFamily="49" charset="0"/>
-              </a:rPr>
-              <a:t>dplyr</a:t>
-            </a:r>
-            <a:r>
-              <a:rPr lang="en-US" sz="2600" b="1" dirty="0">
-                <a:solidFill>
-                  <a:srgbClr val="CF3338"/>
-                </a:solidFill>
-                <a:latin typeface="Pragmatica" pitchFamily="2" charset="0"/>
-              </a:rPr>
-              <a:t>:</a:t>
-            </a:r>
-          </a:p>
-          <a:p>
-            <a:pPr lvl="1"/>
-            <a:r>
-              <a:rPr lang="en-US" sz="2600" i="1" dirty="0">
-                <a:solidFill>
-                  <a:srgbClr val="CF3338"/>
-                </a:solidFill>
-                <a:latin typeface="Pragmatica" panose="020B0403040502020204" pitchFamily="34" charset="0"/>
-              </a:rPr>
-              <a:t>“Get me the average price for each cut, sorted from high to low.”</a:t>
-            </a:r>
-          </a:p>
-          <a:p>
-            <a:pPr lvl="1"/>
-            <a:r>
-              <a:rPr lang="en-US" sz="2600" dirty="0">
-                <a:solidFill>
-                  <a:srgbClr val="CF3338"/>
-                </a:solidFill>
-                <a:latin typeface="Pragmatica" panose="020B0403040502020204" pitchFamily="34" charset="0"/>
-              </a:rPr>
-              <a:t>How would you pseudo-code this?</a:t>
-            </a:r>
-          </a:p>
-          <a:p>
-            <a:pPr marL="914400" lvl="1" indent="-457200">
-              <a:buFont typeface="Arial" panose="020B0604020202020204" pitchFamily="34" charset="0"/>
-              <a:buChar char="•"/>
-            </a:pPr>
-            <a:r>
-              <a:rPr lang="en-US" sz="2600" dirty="0">
-                <a:solidFill>
-                  <a:srgbClr val="CF3338"/>
-                </a:solidFill>
-                <a:latin typeface="Pragmatica" panose="020B0403040502020204" pitchFamily="34" charset="0"/>
-              </a:rPr>
-              <a:t>Group by cut</a:t>
-            </a:r>
-          </a:p>
-          <a:p>
-            <a:pPr marL="914400" lvl="1" indent="-457200">
-              <a:buFont typeface="Arial" panose="020B0604020202020204" pitchFamily="34" charset="0"/>
-              <a:buChar char="•"/>
-            </a:pPr>
-            <a:r>
-              <a:rPr lang="en-US" sz="2600" dirty="0">
-                <a:solidFill>
-                  <a:srgbClr val="CF3338"/>
-                </a:solidFill>
-                <a:latin typeface="Pragmatica" panose="020B0403040502020204" pitchFamily="34" charset="0"/>
-              </a:rPr>
-              <a:t>Find average for each group</a:t>
-            </a:r>
-          </a:p>
-          <a:p>
-            <a:pPr marL="914400" lvl="1" indent="-457200">
-              <a:buFont typeface="Arial" panose="020B0604020202020204" pitchFamily="34" charset="0"/>
-              <a:buChar char="•"/>
-            </a:pPr>
-            <a:r>
-              <a:rPr lang="en-US" sz="2600" dirty="0">
-                <a:solidFill>
-                  <a:srgbClr val="CF3338"/>
-                </a:solidFill>
-                <a:latin typeface="Pragmatica" panose="020B0403040502020204" pitchFamily="34" charset="0"/>
-              </a:rPr>
-              <a:t>Sort the results</a:t>
-            </a:r>
-          </a:p>
-          <a:p>
-            <a:pPr lvl="1"/>
-            <a:endParaRPr lang="en-US" sz="2600" i="1" dirty="0">
-              <a:solidFill>
-                <a:srgbClr val="CF3338"/>
+                <a:srgbClr val="707070"/>
               </a:solidFill>
               <a:latin typeface="Pragmatica" panose="020B0403040502020204" pitchFamily="34" charset="0"/>
             </a:endParaRPr>
           </a:p>
-          <a:p>
-            <a:r>
-              <a:rPr lang="en-US" sz="2600" b="1" dirty="0">
-                <a:solidFill>
-                  <a:srgbClr val="CF3338"/>
-                </a:solidFill>
-                <a:latin typeface="Pragmatica" pitchFamily="2" charset="0"/>
-              </a:rPr>
-              <a:t>File: </a:t>
-            </a:r>
-            <a:r>
-              <a:rPr lang="en-US" sz="2600" b="1" dirty="0" err="1">
-                <a:solidFill>
-                  <a:srgbClr val="CF3338"/>
-                </a:solidFill>
-                <a:latin typeface="Consolas" panose="020B0609020204030204" pitchFamily="49" charset="0"/>
-              </a:rPr>
-              <a:t>diamonds.r</a:t>
-            </a:r>
-            <a:endParaRPr lang="en-US" sz="2600" b="1" dirty="0">
-              <a:solidFill>
-                <a:srgbClr val="CF3338"/>
-              </a:solidFill>
-              <a:latin typeface="Consolas" panose="020B0609020204030204" pitchFamily="49" charset="0"/>
-            </a:endParaRPr>
-          </a:p>
-          <a:p>
-            <a:pPr marL="514350" indent="-514350">
-              <a:buFont typeface="+mj-lt"/>
-              <a:buAutoNum type="arabicPeriod"/>
-            </a:pPr>
-            <a:endParaRPr lang="en-US" sz="2600" b="1" dirty="0">
-              <a:solidFill>
-                <a:srgbClr val="CF3338"/>
-              </a:solidFill>
-              <a:latin typeface="Pragmatica" pitchFamily="2" charset="0"/>
-            </a:endParaRPr>
-          </a:p>
         </p:txBody>
       </p:sp>
     </p:spTree>
     <p:extLst>
       <p:ext uri="{BB962C8B-B14F-4D97-AF65-F5344CB8AC3E}">
-        <p14:creationId xmlns:p14="http://schemas.microsoft.com/office/powerpoint/2010/main" val="3861786641"/>
+        <p14:creationId xmlns:p14="http://schemas.microsoft.com/office/powerpoint/2010/main" val="698133896"/>
       </p:ext>
     </p:extLst>
   </p:cSld>
@@ -8737,7 +8340,7 @@
 </p:sld>
 </file>
 
-<file path=ppt/slides/slide16.xml><?xml version="1.0" encoding="utf-8"?>
+<file path=ppt/slides/slide15.xml><?xml version="1.0" encoding="utf-8"?>
 <p:sld xmlns:a="http://schemas.openxmlformats.org/drawingml/2006/main" xmlns:r="http://schemas.openxmlformats.org/officeDocument/2006/relationships" xmlns:p="http://schemas.openxmlformats.org/presentationml/2006/main">
   <p:cSld>
     <p:spTree>
@@ -8775,82 +8378,147 @@
         </p:blipFill>
         <p:spPr>
           <a:xfrm>
-            <a:off x="8136460" y="2210765"/>
-            <a:ext cx="4055539" cy="4647236"/>
+            <a:off x="10894024" y="5370653"/>
+            <a:ext cx="1297975" cy="1487348"/>
           </a:xfrm>
           <a:prstGeom prst="rect">
             <a:avLst/>
           </a:prstGeom>
         </p:spPr>
       </p:pic>
+      <p:sp>
+        <p:nvSpPr>
+          <p:cNvPr id="11" name="TextBox 10"/>
+          <p:cNvSpPr txBox="1"/>
+          <p:nvPr/>
+        </p:nvSpPr>
+        <p:spPr>
+          <a:xfrm>
+            <a:off x="347240" y="113388"/>
+            <a:ext cx="9799937" cy="1938992"/>
+          </a:xfrm>
+          <a:prstGeom prst="rect">
+            <a:avLst/>
+          </a:prstGeom>
+          <a:noFill/>
+        </p:spPr>
+        <p:txBody>
+          <a:bodyPr wrap="square" rtlCol="0">
+            <a:spAutoFit/>
+          </a:bodyPr>
+          <a:lstStyle/>
+          <a:p>
+            <a:r>
+              <a:rPr lang="en-US" sz="6000" dirty="0">
+                <a:latin typeface="Aliens &amp; cows" panose="00000500000000000000" pitchFamily="2" charset="0"/>
+              </a:rPr>
+              <a:t>Packages: “There’s an App for that!”</a:t>
+            </a:r>
+          </a:p>
+        </p:txBody>
+      </p:sp>
+      <p:sp>
+        <p:nvSpPr>
+          <p:cNvPr id="3" name="TextBox 2"/>
+          <p:cNvSpPr txBox="1"/>
+          <p:nvPr/>
+        </p:nvSpPr>
+        <p:spPr>
+          <a:xfrm>
+            <a:off x="454109" y="2297968"/>
+            <a:ext cx="5414785" cy="1384995"/>
+          </a:xfrm>
+          <a:prstGeom prst="rect">
+            <a:avLst/>
+          </a:prstGeom>
+          <a:noFill/>
+        </p:spPr>
+        <p:txBody>
+          <a:bodyPr wrap="square" rtlCol="0">
+            <a:spAutoFit/>
+          </a:bodyPr>
+          <a:lstStyle/>
+          <a:p>
+            <a:pPr marL="514350" indent="-514350">
+              <a:buAutoNum type="arabicPeriod"/>
+            </a:pPr>
+            <a:r>
+              <a:rPr lang="en-US" sz="2800" dirty="0">
+                <a:solidFill>
+                  <a:srgbClr val="707070"/>
+                </a:solidFill>
+                <a:latin typeface="Pragmatica" panose="020B0403040502020204" pitchFamily="34" charset="0"/>
+              </a:rPr>
+              <a:t>Install the package (usually from CRAN)</a:t>
+            </a:r>
+          </a:p>
+          <a:p>
+            <a:pPr marL="514350" indent="-514350">
+              <a:buAutoNum type="arabicPeriod"/>
+            </a:pPr>
+            <a:r>
+              <a:rPr lang="en-US" sz="2800" dirty="0">
+                <a:solidFill>
+                  <a:srgbClr val="707070"/>
+                </a:solidFill>
+                <a:latin typeface="Pragmatica" panose="020B0403040502020204" pitchFamily="34" charset="0"/>
+              </a:rPr>
+              <a:t>Open the package</a:t>
+            </a:r>
+          </a:p>
+        </p:txBody>
+      </p:sp>
       <p:pic>
         <p:nvPicPr>
-          <p:cNvPr id="4" name="Picture 3"/>
+          <p:cNvPr id="8194" name="Picture 2">
+            <a:extLst>
+              <a:ext uri="{FF2B5EF4-FFF2-40B4-BE49-F238E27FC236}">
+                <a16:creationId xmlns:a16="http://schemas.microsoft.com/office/drawing/2014/main" id="{93A3D79E-EFB5-4C74-925C-52E65CFB9662}"/>
+              </a:ext>
+            </a:extLst>
+          </p:cNvPr>
           <p:cNvPicPr>
-            <a:picLocks noChangeAspect="1"/>
+            <a:picLocks noChangeAspect="1" noChangeArrowheads="1"/>
           </p:cNvPicPr>
           <p:nvPr/>
         </p:nvPicPr>
         <p:blipFill>
-          <a:blip r:embed="rId4">
+          <a:blip r:embed="rId4" cstate="print">
             <a:extLst>
               <a:ext uri="{28A0092B-C50C-407E-A947-70E740481C1C}">
                 <a14:useLocalDpi xmlns:a14="http://schemas.microsoft.com/office/drawing/2010/main" val="0"/>
               </a:ext>
             </a:extLst>
           </a:blip>
+          <a:srcRect/>
           <a:stretch>
             <a:fillRect/>
           </a:stretch>
         </p:blipFill>
-        <p:spPr>
-          <a:xfrm>
-            <a:off x="-538496" y="-2482770"/>
-            <a:ext cx="10171472" cy="7459883"/>
-          </a:xfrm>
-          <a:prstGeom prst="rect">
-            <a:avLst/>
-          </a:prstGeom>
-        </p:spPr>
-      </p:pic>
-      <p:sp>
-        <p:nvSpPr>
-          <p:cNvPr id="11" name="TextBox 10"/>
-          <p:cNvSpPr txBox="1"/>
-          <p:nvPr/>
-        </p:nvSpPr>
-        <p:spPr>
-          <a:xfrm>
-            <a:off x="324091" y="1687545"/>
-            <a:ext cx="7986531" cy="523220"/>
+        <p:spPr bwMode="auto">
+          <a:xfrm rot="16200000">
+            <a:off x="4795276" y="1137677"/>
+            <a:ext cx="5720323" cy="5720323"/>
           </a:xfrm>
           <a:prstGeom prst="rect">
             <a:avLst/>
           </a:prstGeom>
           <a:noFill/>
-        </p:spPr>
-        <p:txBody>
-          <a:bodyPr wrap="square" rtlCol="0">
-            <a:spAutoFit/>
-          </a:bodyPr>
-          <a:lstStyle/>
-          <a:p>
-            <a:r>
-              <a:rPr lang="en-US" sz="2800" b="1" dirty="0">
-                <a:solidFill>
-                  <a:srgbClr val="707070"/>
-                </a:solidFill>
-                <a:latin typeface="Pragmatica" panose="020B0403040502020204" pitchFamily="34" charset="0"/>
-              </a:rPr>
-              <a:t>Questions?</a:t>
-            </a:r>
-          </a:p>
-        </p:txBody>
-      </p:sp>
+          <a:extLst>
+            <a:ext uri="{909E8E84-426E-40DD-AFC4-6F175D3DCCD1}">
+              <a14:hiddenFill xmlns:a14="http://schemas.microsoft.com/office/drawing/2010/main">
+                <a:solidFill>
+                  <a:srgbClr val="FFFFFF"/>
+                </a:solidFill>
+              </a14:hiddenFill>
+            </a:ext>
+          </a:extLst>
+        </p:spPr>
+      </p:pic>
     </p:spTree>
     <p:extLst>
       <p:ext uri="{BB962C8B-B14F-4D97-AF65-F5344CB8AC3E}">
-        <p14:creationId xmlns:p14="http://schemas.microsoft.com/office/powerpoint/2010/main" val="4242815480"/>
+        <p14:creationId xmlns:p14="http://schemas.microsoft.com/office/powerpoint/2010/main" val="3260812531"/>
       </p:ext>
     </p:extLst>
   </p:cSld>
@@ -8860,7 +8528,7 @@
 </p:sld>
 </file>
 
-<file path=ppt/slides/slide17.xml><?xml version="1.0" encoding="utf-8"?>
+<file path=ppt/slides/slide16.xml><?xml version="1.0" encoding="utf-8"?>
 <p:sld xmlns:a="http://schemas.openxmlformats.org/drawingml/2006/main" xmlns:r="http://schemas.openxmlformats.org/officeDocument/2006/relationships" xmlns:p="http://schemas.openxmlformats.org/presentationml/2006/main">
   <p:cSld>
     <p:spTree>
@@ -8885,8 +8553,8 @@
         </p:nvSpPr>
         <p:spPr>
           <a:xfrm>
-            <a:off x="0" y="0"/>
-            <a:ext cx="12192000" cy="6858000"/>
+            <a:off x="6574420" y="0"/>
+            <a:ext cx="5617580" cy="6858000"/>
           </a:xfrm>
           <a:prstGeom prst="rect">
             <a:avLst/>
@@ -8928,8 +8596,8 @@
         </p:nvSpPr>
         <p:spPr>
           <a:xfrm>
-            <a:off x="520861" y="393539"/>
-            <a:ext cx="10324617" cy="1107996"/>
+            <a:off x="6817489" y="0"/>
+            <a:ext cx="4120587" cy="1446550"/>
           </a:xfrm>
           <a:prstGeom prst="rect">
             <a:avLst/>
@@ -8943,21 +8611,324 @@
           <a:lstStyle/>
           <a:p>
             <a:r>
-              <a:rPr lang="en-US" sz="6600" b="1" dirty="0">
+              <a:rPr lang="en-US" sz="8800" dirty="0">
                 <a:solidFill>
                   <a:schemeClr val="bg1"/>
                 </a:solidFill>
+                <a:latin typeface="Aliens &amp; cows" panose="00000500000000000000" pitchFamily="2" charset="0"/>
+              </a:rPr>
+              <a:t>Demo</a:t>
+            </a:r>
+          </a:p>
+        </p:txBody>
+      </p:sp>
+      <p:pic>
+        <p:nvPicPr>
+          <p:cNvPr id="2" name="Picture 1"/>
+          <p:cNvPicPr>
+            <a:picLocks noChangeAspect="1"/>
+          </p:cNvPicPr>
+          <p:nvPr/>
+        </p:nvPicPr>
+        <p:blipFill rotWithShape="1">
+          <a:blip r:embed="rId3">
+            <a:extLst>
+              <a:ext uri="{28A0092B-C50C-407E-A947-70E740481C1C}">
+                <a14:useLocalDpi xmlns:a14="http://schemas.microsoft.com/office/drawing/2010/main" val="0"/>
+              </a:ext>
+            </a:extLst>
+          </a:blip>
+          <a:srcRect l="69227" t="33418" r="20112" b="50548"/>
+          <a:stretch/>
+        </p:blipFill>
+        <p:spPr>
+          <a:xfrm>
+            <a:off x="10386349" y="5029795"/>
+            <a:ext cx="1805651" cy="1991719"/>
+          </a:xfrm>
+          <a:prstGeom prst="rect">
+            <a:avLst/>
+          </a:prstGeom>
+        </p:spPr>
+      </p:pic>
+      <p:sp>
+        <p:nvSpPr>
+          <p:cNvPr id="3" name="TextBox 2"/>
+          <p:cNvSpPr txBox="1"/>
+          <p:nvPr/>
+        </p:nvSpPr>
+        <p:spPr>
+          <a:xfrm>
+            <a:off x="173620" y="219919"/>
+            <a:ext cx="5937813" cy="1384995"/>
+          </a:xfrm>
+          <a:prstGeom prst="rect">
+            <a:avLst/>
+          </a:prstGeom>
+          <a:noFill/>
+        </p:spPr>
+        <p:txBody>
+          <a:bodyPr wrap="square" rtlCol="0">
+            <a:spAutoFit/>
+          </a:bodyPr>
+          <a:lstStyle/>
+          <a:p>
+            <a:r>
+              <a:rPr lang="en-US" sz="2800" b="1" dirty="0">
+                <a:solidFill>
+                  <a:srgbClr val="CF3338"/>
+                </a:solidFill>
                 <a:latin typeface="Pragmatica" pitchFamily="2" charset="0"/>
               </a:rPr>
-              <a:t>Prancing into Python</a:t>
-            </a:r>
+              <a:t>Speaking the language of data with the </a:t>
+            </a:r>
+            <a:r>
+              <a:rPr lang="en-US" sz="2800" b="1" dirty="0" err="1">
+                <a:solidFill>
+                  <a:srgbClr val="CF3338"/>
+                </a:solidFill>
+                <a:latin typeface="Consolas" panose="020B0609020204030204" pitchFamily="49" charset="0"/>
+              </a:rPr>
+              <a:t>tidyverse</a:t>
+            </a:r>
+            <a:endParaRPr lang="en-US" sz="2800" b="1" dirty="0">
+              <a:solidFill>
+                <a:srgbClr val="CF3338"/>
+              </a:solidFill>
+              <a:latin typeface="Consolas" panose="020B0609020204030204" pitchFamily="49" charset="0"/>
+            </a:endParaRPr>
+          </a:p>
+          <a:p>
+            <a:endParaRPr lang="en-US" sz="2800" b="1" dirty="0">
+              <a:solidFill>
+                <a:srgbClr val="CF3338"/>
+              </a:solidFill>
+              <a:latin typeface="Consolas" panose="020B0609020204030204" pitchFamily="49" charset="0"/>
+            </a:endParaRPr>
+          </a:p>
+        </p:txBody>
+      </p:sp>
+      <p:sp>
+        <p:nvSpPr>
+          <p:cNvPr id="7" name="TextBox 6">
+            <a:extLst>
+              <a:ext uri="{FF2B5EF4-FFF2-40B4-BE49-F238E27FC236}">
+                <a16:creationId xmlns:a16="http://schemas.microsoft.com/office/drawing/2014/main" id="{855BC584-A237-4C91-9DAB-ADA80256CAC8}"/>
+              </a:ext>
+            </a:extLst>
+          </p:cNvPr>
+          <p:cNvSpPr txBox="1"/>
+          <p:nvPr/>
+        </p:nvSpPr>
+        <p:spPr>
+          <a:xfrm>
+            <a:off x="158187" y="1446550"/>
+            <a:ext cx="5937813" cy="5693866"/>
+          </a:xfrm>
+          <a:prstGeom prst="rect">
+            <a:avLst/>
+          </a:prstGeom>
+          <a:noFill/>
+        </p:spPr>
+        <p:txBody>
+          <a:bodyPr wrap="square" rtlCol="0">
+            <a:spAutoFit/>
+          </a:bodyPr>
+          <a:lstStyle/>
+          <a:p>
+            <a:pPr marL="514350" indent="-514350">
+              <a:buFont typeface="+mj-lt"/>
+              <a:buAutoNum type="arabicPeriod"/>
+            </a:pPr>
+            <a:r>
+              <a:rPr lang="en-US" sz="2600" b="1" dirty="0">
+                <a:solidFill>
+                  <a:srgbClr val="CF3338"/>
+                </a:solidFill>
+                <a:latin typeface="Pragmatica" pitchFamily="2" charset="0"/>
+              </a:rPr>
+              <a:t>Load and explore </a:t>
+            </a:r>
+            <a:r>
+              <a:rPr lang="en-US" sz="2600" b="1" dirty="0">
+                <a:solidFill>
+                  <a:srgbClr val="CF3338"/>
+                </a:solidFill>
+                <a:latin typeface="Consolas" panose="020B0609020204030204" pitchFamily="49" charset="0"/>
+              </a:rPr>
+              <a:t>diamonds</a:t>
+            </a:r>
+            <a:r>
+              <a:rPr lang="en-US" sz="2600" b="1" dirty="0">
+                <a:solidFill>
+                  <a:srgbClr val="CF3338"/>
+                </a:solidFill>
+                <a:latin typeface="Pragmatica" pitchFamily="2" charset="0"/>
+              </a:rPr>
+              <a:t> dataset</a:t>
+            </a:r>
+            <a:endParaRPr lang="en-US" sz="2600" b="1" dirty="0">
+              <a:solidFill>
+                <a:srgbClr val="CF3338"/>
+              </a:solidFill>
+              <a:latin typeface="Consolas" panose="020B0609020204030204" pitchFamily="49" charset="0"/>
+            </a:endParaRPr>
+          </a:p>
+          <a:p>
+            <a:pPr marL="514350" indent="-514350">
+              <a:buFont typeface="+mj-lt"/>
+              <a:buAutoNum type="arabicPeriod"/>
+            </a:pPr>
+            <a:r>
+              <a:rPr lang="en-US" sz="2600" b="1" dirty="0">
+                <a:solidFill>
+                  <a:srgbClr val="CF3338"/>
+                </a:solidFill>
+                <a:latin typeface="Pragmatica" pitchFamily="2" charset="0"/>
+              </a:rPr>
+              <a:t>Write a “sentence” in </a:t>
+            </a:r>
+            <a:r>
+              <a:rPr lang="en-US" sz="2600" b="1" dirty="0" err="1">
+                <a:solidFill>
+                  <a:srgbClr val="CF3338"/>
+                </a:solidFill>
+                <a:latin typeface="Consolas" panose="020B0609020204030204" pitchFamily="49" charset="0"/>
+              </a:rPr>
+              <a:t>dplyr</a:t>
+            </a:r>
+            <a:r>
+              <a:rPr lang="en-US" sz="2600" b="1" dirty="0">
+                <a:solidFill>
+                  <a:srgbClr val="CF3338"/>
+                </a:solidFill>
+                <a:latin typeface="Pragmatica" pitchFamily="2" charset="0"/>
+              </a:rPr>
+              <a:t>:</a:t>
+            </a:r>
+          </a:p>
+          <a:p>
+            <a:pPr lvl="1"/>
+            <a:r>
+              <a:rPr lang="en-US" sz="2600" i="1" dirty="0">
+                <a:solidFill>
+                  <a:srgbClr val="CF3338"/>
+                </a:solidFill>
+                <a:latin typeface="Pragmatica" panose="020B0403040502020204" pitchFamily="34" charset="0"/>
+              </a:rPr>
+              <a:t>“Get me the average price for each cut, sorted from high to low.”</a:t>
+            </a:r>
+          </a:p>
+          <a:p>
+            <a:pPr lvl="1"/>
+            <a:r>
+              <a:rPr lang="en-US" sz="2600" dirty="0">
+                <a:solidFill>
+                  <a:srgbClr val="CF3338"/>
+                </a:solidFill>
+                <a:latin typeface="Pragmatica" panose="020B0403040502020204" pitchFamily="34" charset="0"/>
+              </a:rPr>
+              <a:t>How would you pseudo-code this?</a:t>
+            </a:r>
+          </a:p>
+          <a:p>
+            <a:pPr marL="914400" lvl="1" indent="-457200">
+              <a:buFont typeface="Arial" panose="020B0604020202020204" pitchFamily="34" charset="0"/>
+              <a:buChar char="•"/>
+            </a:pPr>
+            <a:r>
+              <a:rPr lang="en-US" sz="2600" dirty="0">
+                <a:solidFill>
+                  <a:srgbClr val="CF3338"/>
+                </a:solidFill>
+                <a:latin typeface="Pragmatica" panose="020B0403040502020204" pitchFamily="34" charset="0"/>
+              </a:rPr>
+              <a:t>Group by cut</a:t>
+            </a:r>
+          </a:p>
+          <a:p>
+            <a:pPr marL="914400" lvl="1" indent="-457200">
+              <a:buFont typeface="Arial" panose="020B0604020202020204" pitchFamily="34" charset="0"/>
+              <a:buChar char="•"/>
+            </a:pPr>
+            <a:r>
+              <a:rPr lang="en-US" sz="2600" dirty="0">
+                <a:solidFill>
+                  <a:srgbClr val="CF3338"/>
+                </a:solidFill>
+                <a:latin typeface="Pragmatica" panose="020B0403040502020204" pitchFamily="34" charset="0"/>
+              </a:rPr>
+              <a:t>Find average for each group</a:t>
+            </a:r>
+          </a:p>
+          <a:p>
+            <a:pPr marL="914400" lvl="1" indent="-457200">
+              <a:buFont typeface="Arial" panose="020B0604020202020204" pitchFamily="34" charset="0"/>
+              <a:buChar char="•"/>
+            </a:pPr>
+            <a:r>
+              <a:rPr lang="en-US" sz="2600" dirty="0">
+                <a:solidFill>
+                  <a:srgbClr val="CF3338"/>
+                </a:solidFill>
+                <a:latin typeface="Pragmatica" panose="020B0403040502020204" pitchFamily="34" charset="0"/>
+              </a:rPr>
+              <a:t>Sort the results</a:t>
+            </a:r>
+          </a:p>
+          <a:p>
+            <a:pPr lvl="1"/>
+            <a:endParaRPr lang="en-US" sz="2600" i="1" dirty="0">
+              <a:solidFill>
+                <a:srgbClr val="CF3338"/>
+              </a:solidFill>
+              <a:latin typeface="Pragmatica" panose="020B0403040502020204" pitchFamily="34" charset="0"/>
+            </a:endParaRPr>
+          </a:p>
+          <a:p>
+            <a:r>
+              <a:rPr lang="en-US" sz="2600" b="1" dirty="0">
+                <a:solidFill>
+                  <a:srgbClr val="CF3338"/>
+                </a:solidFill>
+                <a:latin typeface="Pragmatica" pitchFamily="2" charset="0"/>
+              </a:rPr>
+              <a:t>File: </a:t>
+            </a:r>
+            <a:r>
+              <a:rPr lang="en-US" sz="2600" b="1" dirty="0" err="1">
+                <a:solidFill>
+                  <a:srgbClr val="CF3338"/>
+                </a:solidFill>
+                <a:latin typeface="Consolas" panose="020B0609020204030204" pitchFamily="49" charset="0"/>
+              </a:rPr>
+              <a:t>diamonds.r</a:t>
+            </a:r>
+            <a:endParaRPr lang="en-US" sz="2600" b="1" dirty="0">
+              <a:solidFill>
+                <a:srgbClr val="CF3338"/>
+              </a:solidFill>
+              <a:latin typeface="Consolas" panose="020B0609020204030204" pitchFamily="49" charset="0"/>
+            </a:endParaRPr>
+          </a:p>
+          <a:p>
+            <a:pPr marL="514350" indent="-514350">
+              <a:buFont typeface="+mj-lt"/>
+              <a:buAutoNum type="arabicPeriod"/>
+            </a:pPr>
+            <a:endParaRPr lang="en-US" sz="2600" b="1" dirty="0">
+              <a:solidFill>
+                <a:srgbClr val="CF3338"/>
+              </a:solidFill>
+              <a:latin typeface="Pragmatica" pitchFamily="2" charset="0"/>
+            </a:endParaRPr>
           </a:p>
         </p:txBody>
       </p:sp>
     </p:spTree>
     <p:extLst>
       <p:ext uri="{BB962C8B-B14F-4D97-AF65-F5344CB8AC3E}">
-        <p14:creationId xmlns:p14="http://schemas.microsoft.com/office/powerpoint/2010/main" val="692570879"/>
+        <p14:creationId xmlns:p14="http://schemas.microsoft.com/office/powerpoint/2010/main" val="3861786641"/>
       </p:ext>
     </p:extLst>
   </p:cSld>
@@ -8967,7 +8938,7 @@
 </p:sld>
 </file>
 
-<file path=ppt/slides/slide18.xml><?xml version="1.0" encoding="utf-8"?>
+<file path=ppt/slides/slide17.xml><?xml version="1.0" encoding="utf-8"?>
 <p:sld xmlns:a="http://schemas.openxmlformats.org/drawingml/2006/main" xmlns:r="http://schemas.openxmlformats.org/officeDocument/2006/relationships" xmlns:p="http://schemas.openxmlformats.org/presentationml/2006/main">
   <p:cSld>
     <p:spTree>
@@ -9005,6 +8976,236 @@
         </p:blipFill>
         <p:spPr>
           <a:xfrm>
+            <a:off x="8136460" y="2210765"/>
+            <a:ext cx="4055539" cy="4647236"/>
+          </a:xfrm>
+          <a:prstGeom prst="rect">
+            <a:avLst/>
+          </a:prstGeom>
+        </p:spPr>
+      </p:pic>
+      <p:pic>
+        <p:nvPicPr>
+          <p:cNvPr id="4" name="Picture 3"/>
+          <p:cNvPicPr>
+            <a:picLocks noChangeAspect="1"/>
+          </p:cNvPicPr>
+          <p:nvPr/>
+        </p:nvPicPr>
+        <p:blipFill>
+          <a:blip r:embed="rId4">
+            <a:extLst>
+              <a:ext uri="{28A0092B-C50C-407E-A947-70E740481C1C}">
+                <a14:useLocalDpi xmlns:a14="http://schemas.microsoft.com/office/drawing/2010/main" val="0"/>
+              </a:ext>
+            </a:extLst>
+          </a:blip>
+          <a:stretch>
+            <a:fillRect/>
+          </a:stretch>
+        </p:blipFill>
+        <p:spPr>
+          <a:xfrm>
+            <a:off x="-538496" y="-2482770"/>
+            <a:ext cx="10171472" cy="7459883"/>
+          </a:xfrm>
+          <a:prstGeom prst="rect">
+            <a:avLst/>
+          </a:prstGeom>
+        </p:spPr>
+      </p:pic>
+      <p:sp>
+        <p:nvSpPr>
+          <p:cNvPr id="11" name="TextBox 10"/>
+          <p:cNvSpPr txBox="1"/>
+          <p:nvPr/>
+        </p:nvSpPr>
+        <p:spPr>
+          <a:xfrm>
+            <a:off x="324091" y="1687545"/>
+            <a:ext cx="7986531" cy="523220"/>
+          </a:xfrm>
+          <a:prstGeom prst="rect">
+            <a:avLst/>
+          </a:prstGeom>
+          <a:noFill/>
+        </p:spPr>
+        <p:txBody>
+          <a:bodyPr wrap="square" rtlCol="0">
+            <a:spAutoFit/>
+          </a:bodyPr>
+          <a:lstStyle/>
+          <a:p>
+            <a:r>
+              <a:rPr lang="en-US" sz="2800" b="1" dirty="0">
+                <a:solidFill>
+                  <a:srgbClr val="707070"/>
+                </a:solidFill>
+                <a:latin typeface="Pragmatica" panose="020B0403040502020204" pitchFamily="34" charset="0"/>
+              </a:rPr>
+              <a:t>Questions?</a:t>
+            </a:r>
+          </a:p>
+        </p:txBody>
+      </p:sp>
+    </p:spTree>
+    <p:extLst>
+      <p:ext uri="{BB962C8B-B14F-4D97-AF65-F5344CB8AC3E}">
+        <p14:creationId xmlns:p14="http://schemas.microsoft.com/office/powerpoint/2010/main" val="4242815480"/>
+      </p:ext>
+    </p:extLst>
+  </p:cSld>
+  <p:clrMapOvr>
+    <a:masterClrMapping/>
+  </p:clrMapOvr>
+</p:sld>
+</file>
+
+<file path=ppt/slides/slide18.xml><?xml version="1.0" encoding="utf-8"?>
+<p:sld xmlns:a="http://schemas.openxmlformats.org/drawingml/2006/main" xmlns:r="http://schemas.openxmlformats.org/officeDocument/2006/relationships" xmlns:p="http://schemas.openxmlformats.org/presentationml/2006/main">
+  <p:cSld>
+    <p:spTree>
+      <p:nvGrpSpPr>
+        <p:cNvPr id="1" name=""/>
+        <p:cNvGrpSpPr/>
+        <p:nvPr/>
+      </p:nvGrpSpPr>
+      <p:grpSpPr>
+        <a:xfrm>
+          <a:off x="0" y="0"/>
+          <a:ext cx="0" cy="0"/>
+          <a:chOff x="0" y="0"/>
+          <a:chExt cx="0" cy="0"/>
+        </a:xfrm>
+      </p:grpSpPr>
+      <p:sp>
+        <p:nvSpPr>
+          <p:cNvPr id="4" name="Rectangle 3"/>
+          <p:cNvSpPr/>
+          <p:nvPr/>
+        </p:nvSpPr>
+        <p:spPr>
+          <a:xfrm>
+            <a:off x="0" y="0"/>
+            <a:ext cx="12192000" cy="6858000"/>
+          </a:xfrm>
+          <a:prstGeom prst="rect">
+            <a:avLst/>
+          </a:prstGeom>
+          <a:solidFill>
+            <a:srgbClr val="CF3338"/>
+          </a:solidFill>
+        </p:spPr>
+        <p:style>
+          <a:lnRef idx="2">
+            <a:schemeClr val="accent1">
+              <a:shade val="50000"/>
+            </a:schemeClr>
+          </a:lnRef>
+          <a:fillRef idx="1">
+            <a:schemeClr val="accent1"/>
+          </a:fillRef>
+          <a:effectRef idx="0">
+            <a:schemeClr val="accent1"/>
+          </a:effectRef>
+          <a:fontRef idx="minor">
+            <a:schemeClr val="lt1"/>
+          </a:fontRef>
+        </p:style>
+        <p:txBody>
+          <a:bodyPr rtlCol="0" anchor="ctr"/>
+          <a:lstStyle/>
+          <a:p>
+            <a:pPr algn="ctr"/>
+            <a:endParaRPr lang="en-US"/>
+          </a:p>
+        </p:txBody>
+      </p:sp>
+      <p:sp>
+        <p:nvSpPr>
+          <p:cNvPr id="5" name="TextBox 4"/>
+          <p:cNvSpPr txBox="1"/>
+          <p:nvPr/>
+        </p:nvSpPr>
+        <p:spPr>
+          <a:xfrm>
+            <a:off x="520861" y="393539"/>
+            <a:ext cx="10324617" cy="1107996"/>
+          </a:xfrm>
+          <a:prstGeom prst="rect">
+            <a:avLst/>
+          </a:prstGeom>
+          <a:noFill/>
+        </p:spPr>
+        <p:txBody>
+          <a:bodyPr wrap="square" rtlCol="0">
+            <a:spAutoFit/>
+          </a:bodyPr>
+          <a:lstStyle/>
+          <a:p>
+            <a:r>
+              <a:rPr lang="en-US" sz="6600" b="1" dirty="0">
+                <a:solidFill>
+                  <a:schemeClr val="bg1"/>
+                </a:solidFill>
+                <a:latin typeface="Pragmatica" pitchFamily="2" charset="0"/>
+              </a:rPr>
+              <a:t>Prancing into Python</a:t>
+            </a:r>
+          </a:p>
+        </p:txBody>
+      </p:sp>
+    </p:spTree>
+    <p:extLst>
+      <p:ext uri="{BB962C8B-B14F-4D97-AF65-F5344CB8AC3E}">
+        <p14:creationId xmlns:p14="http://schemas.microsoft.com/office/powerpoint/2010/main" val="692570879"/>
+      </p:ext>
+    </p:extLst>
+  </p:cSld>
+  <p:clrMapOvr>
+    <a:masterClrMapping/>
+  </p:clrMapOvr>
+</p:sld>
+</file>
+
+<file path=ppt/slides/slide19.xml><?xml version="1.0" encoding="utf-8"?>
+<p:sld xmlns:a="http://schemas.openxmlformats.org/drawingml/2006/main" xmlns:r="http://schemas.openxmlformats.org/officeDocument/2006/relationships" xmlns:p="http://schemas.openxmlformats.org/presentationml/2006/main">
+  <p:cSld>
+    <p:spTree>
+      <p:nvGrpSpPr>
+        <p:cNvPr id="1" name=""/>
+        <p:cNvGrpSpPr/>
+        <p:nvPr/>
+      </p:nvGrpSpPr>
+      <p:grpSpPr>
+        <a:xfrm>
+          <a:off x="0" y="0"/>
+          <a:ext cx="0" cy="0"/>
+          <a:chOff x="0" y="0"/>
+          <a:chExt cx="0" cy="0"/>
+        </a:xfrm>
+      </p:grpSpPr>
+      <p:pic>
+        <p:nvPicPr>
+          <p:cNvPr id="10" name="Picture 9"/>
+          <p:cNvPicPr>
+            <a:picLocks noChangeAspect="1"/>
+          </p:cNvPicPr>
+          <p:nvPr/>
+        </p:nvPicPr>
+        <p:blipFill rotWithShape="1">
+          <a:blip r:embed="rId3">
+            <a:extLst>
+              <a:ext uri="{28A0092B-C50C-407E-A947-70E740481C1C}">
+                <a14:useLocalDpi xmlns:a14="http://schemas.microsoft.com/office/drawing/2010/main" val="0"/>
+              </a:ext>
+            </a:extLst>
+          </a:blip>
+          <a:srcRect l="50728" t="56371"/>
+          <a:stretch/>
+        </p:blipFill>
+        <p:spPr>
+          <a:xfrm>
             <a:off x="10894024" y="5370653"/>
             <a:ext cx="1297975" cy="1487348"/>
           </a:xfrm>
@@ -9311,467 +9512,6 @@
     <p:extLst>
       <p:ext uri="{BB962C8B-B14F-4D97-AF65-F5344CB8AC3E}">
         <p14:creationId xmlns:p14="http://schemas.microsoft.com/office/powerpoint/2010/main" val="1396094909"/>
-      </p:ext>
-    </p:extLst>
-  </p:cSld>
-  <p:clrMapOvr>
-    <a:masterClrMapping/>
-  </p:clrMapOvr>
-</p:sld>
-</file>
-
-<file path=ppt/slides/slide19.xml><?xml version="1.0" encoding="utf-8"?>
-<p:sld xmlns:a="http://schemas.openxmlformats.org/drawingml/2006/main" xmlns:r="http://schemas.openxmlformats.org/officeDocument/2006/relationships" xmlns:p="http://schemas.openxmlformats.org/presentationml/2006/main">
-  <p:cSld>
-    <p:spTree>
-      <p:nvGrpSpPr>
-        <p:cNvPr id="1" name=""/>
-        <p:cNvGrpSpPr/>
-        <p:nvPr/>
-      </p:nvGrpSpPr>
-      <p:grpSpPr>
-        <a:xfrm>
-          <a:off x="0" y="0"/>
-          <a:ext cx="0" cy="0"/>
-          <a:chOff x="0" y="0"/>
-          <a:chExt cx="0" cy="0"/>
-        </a:xfrm>
-      </p:grpSpPr>
-      <p:sp>
-        <p:nvSpPr>
-          <p:cNvPr id="4" name="Rectangle 3"/>
-          <p:cNvSpPr/>
-          <p:nvPr/>
-        </p:nvSpPr>
-        <p:spPr>
-          <a:xfrm>
-            <a:off x="6574420" y="0"/>
-            <a:ext cx="5617580" cy="6858000"/>
-          </a:xfrm>
-          <a:prstGeom prst="rect">
-            <a:avLst/>
-          </a:prstGeom>
-          <a:solidFill>
-            <a:srgbClr val="CF3338"/>
-          </a:solidFill>
-        </p:spPr>
-        <p:style>
-          <a:lnRef idx="2">
-            <a:schemeClr val="accent1">
-              <a:shade val="50000"/>
-            </a:schemeClr>
-          </a:lnRef>
-          <a:fillRef idx="1">
-            <a:schemeClr val="accent1"/>
-          </a:fillRef>
-          <a:effectRef idx="0">
-            <a:schemeClr val="accent1"/>
-          </a:effectRef>
-          <a:fontRef idx="minor">
-            <a:schemeClr val="lt1"/>
-          </a:fontRef>
-        </p:style>
-        <p:txBody>
-          <a:bodyPr rtlCol="0" anchor="ctr"/>
-          <a:lstStyle/>
-          <a:p>
-            <a:pPr algn="ctr"/>
-            <a:endParaRPr lang="en-US"/>
-          </a:p>
-        </p:txBody>
-      </p:sp>
-      <p:sp>
-        <p:nvSpPr>
-          <p:cNvPr id="5" name="TextBox 4"/>
-          <p:cNvSpPr txBox="1"/>
-          <p:nvPr/>
-        </p:nvSpPr>
-        <p:spPr>
-          <a:xfrm>
-            <a:off x="6817489" y="0"/>
-            <a:ext cx="4120587" cy="1446550"/>
-          </a:xfrm>
-          <a:prstGeom prst="rect">
-            <a:avLst/>
-          </a:prstGeom>
-          <a:noFill/>
-        </p:spPr>
-        <p:txBody>
-          <a:bodyPr wrap="square" rtlCol="0">
-            <a:spAutoFit/>
-          </a:bodyPr>
-          <a:lstStyle/>
-          <a:p>
-            <a:r>
-              <a:rPr lang="en-US" sz="8800" dirty="0">
-                <a:solidFill>
-                  <a:schemeClr val="bg1"/>
-                </a:solidFill>
-                <a:latin typeface="Aliens &amp; cows" panose="00000500000000000000" pitchFamily="2" charset="0"/>
-              </a:rPr>
-              <a:t>Demo</a:t>
-            </a:r>
-          </a:p>
-        </p:txBody>
-      </p:sp>
-      <p:pic>
-        <p:nvPicPr>
-          <p:cNvPr id="2" name="Picture 1"/>
-          <p:cNvPicPr>
-            <a:picLocks noChangeAspect="1"/>
-          </p:cNvPicPr>
-          <p:nvPr/>
-        </p:nvPicPr>
-        <p:blipFill rotWithShape="1">
-          <a:blip r:embed="rId3">
-            <a:extLst>
-              <a:ext uri="{28A0092B-C50C-407E-A947-70E740481C1C}">
-                <a14:useLocalDpi xmlns:a14="http://schemas.microsoft.com/office/drawing/2010/main" val="0"/>
-              </a:ext>
-            </a:extLst>
-          </a:blip>
-          <a:srcRect l="69227" t="33418" r="20112" b="50548"/>
-          <a:stretch/>
-        </p:blipFill>
-        <p:spPr>
-          <a:xfrm>
-            <a:off x="10386349" y="5029795"/>
-            <a:ext cx="1805651" cy="1991719"/>
-          </a:xfrm>
-          <a:prstGeom prst="rect">
-            <a:avLst/>
-          </a:prstGeom>
-        </p:spPr>
-      </p:pic>
-      <p:sp>
-        <p:nvSpPr>
-          <p:cNvPr id="3" name="TextBox 2"/>
-          <p:cNvSpPr txBox="1"/>
-          <p:nvPr/>
-        </p:nvSpPr>
-        <p:spPr>
-          <a:xfrm>
-            <a:off x="173620" y="219919"/>
-            <a:ext cx="6285903" cy="1815882"/>
-          </a:xfrm>
-          <a:prstGeom prst="rect">
-            <a:avLst/>
-          </a:prstGeom>
-          <a:noFill/>
-        </p:spPr>
-        <p:txBody>
-          <a:bodyPr wrap="square" rtlCol="0">
-            <a:spAutoFit/>
-          </a:bodyPr>
-          <a:lstStyle/>
-          <a:p>
-            <a:r>
-              <a:rPr lang="en-US" sz="2800" b="1" dirty="0">
-                <a:solidFill>
-                  <a:srgbClr val="CF3338"/>
-                </a:solidFill>
-                <a:latin typeface="Pragmatica" pitchFamily="2" charset="0"/>
-              </a:rPr>
-              <a:t>Navigate </a:t>
-            </a:r>
-            <a:r>
-              <a:rPr lang="en-US" sz="2800" b="1" dirty="0" err="1">
-                <a:solidFill>
-                  <a:srgbClr val="CF3338"/>
-                </a:solidFill>
-                <a:latin typeface="Pragmatica" pitchFamily="2" charset="0"/>
-              </a:rPr>
-              <a:t>Jupyter</a:t>
-            </a:r>
-            <a:r>
-              <a:rPr lang="en-US" sz="2800" b="1" dirty="0">
-                <a:solidFill>
-                  <a:srgbClr val="CF3338"/>
-                </a:solidFill>
-                <a:latin typeface="Pragmatica" pitchFamily="2" charset="0"/>
-              </a:rPr>
-              <a:t>, starting with 1 + 1</a:t>
-            </a:r>
-          </a:p>
-          <a:p>
-            <a:endParaRPr lang="en-US" sz="2800" b="1" dirty="0">
-              <a:solidFill>
-                <a:srgbClr val="CF3338"/>
-              </a:solidFill>
-              <a:latin typeface="Pragmatica" pitchFamily="2" charset="0"/>
-            </a:endParaRPr>
-          </a:p>
-          <a:p>
-            <a:r>
-              <a:rPr lang="en-US" sz="2800" b="1" dirty="0">
-                <a:solidFill>
-                  <a:srgbClr val="CF3338"/>
-                </a:solidFill>
-                <a:latin typeface="Pragmatica" pitchFamily="2" charset="0"/>
-              </a:rPr>
-              <a:t>File: Open a new </a:t>
-            </a:r>
-            <a:r>
-              <a:rPr lang="en-US" sz="2800" b="1" dirty="0">
-                <a:solidFill>
-                  <a:srgbClr val="CF3338"/>
-                </a:solidFill>
-                <a:latin typeface="Consolas" panose="020B0609020204030204" pitchFamily="49" charset="0"/>
-              </a:rPr>
-              <a:t>.</a:t>
-            </a:r>
-            <a:r>
-              <a:rPr lang="en-US" sz="2800" b="1" dirty="0" err="1">
-                <a:solidFill>
-                  <a:srgbClr val="CF3338"/>
-                </a:solidFill>
-                <a:latin typeface="Consolas" panose="020B0609020204030204" pitchFamily="49" charset="0"/>
-              </a:rPr>
-              <a:t>ipynb</a:t>
-            </a:r>
-            <a:r>
-              <a:rPr lang="en-US" sz="2800" b="1" dirty="0">
-                <a:solidFill>
-                  <a:srgbClr val="CF3338"/>
-                </a:solidFill>
-                <a:latin typeface="Pragmatica" pitchFamily="2" charset="0"/>
-              </a:rPr>
-              <a:t> notebook</a:t>
-            </a:r>
-          </a:p>
-        </p:txBody>
-      </p:sp>
-      <p:pic>
-        <p:nvPicPr>
-          <p:cNvPr id="9" name="Picture 8">
-            <a:extLst>
-              <a:ext uri="{FF2B5EF4-FFF2-40B4-BE49-F238E27FC236}">
-                <a16:creationId xmlns:a16="http://schemas.microsoft.com/office/drawing/2014/main" id="{54086B7D-6DA5-45E4-BFAC-565935D853D4}"/>
-              </a:ext>
-            </a:extLst>
-          </p:cNvPr>
-          <p:cNvPicPr>
-            <a:picLocks noChangeAspect="1"/>
-          </p:cNvPicPr>
-          <p:nvPr/>
-        </p:nvPicPr>
-        <p:blipFill>
-          <a:blip r:embed="rId4"/>
-          <a:stretch>
-            <a:fillRect/>
-          </a:stretch>
-        </p:blipFill>
-        <p:spPr>
-          <a:xfrm>
-            <a:off x="392397" y="3923670"/>
-            <a:ext cx="9856197" cy="2646866"/>
-          </a:xfrm>
-          <a:prstGeom prst="rect">
-            <a:avLst/>
-          </a:prstGeom>
-        </p:spPr>
-      </p:pic>
-      <p:pic>
-        <p:nvPicPr>
-          <p:cNvPr id="11" name="Picture 10">
-            <a:extLst>
-              <a:ext uri="{FF2B5EF4-FFF2-40B4-BE49-F238E27FC236}">
-                <a16:creationId xmlns:a16="http://schemas.microsoft.com/office/drawing/2014/main" id="{3CD83BF2-3603-4E70-91DF-99EE1A9BEFA8}"/>
-              </a:ext>
-            </a:extLst>
-          </p:cNvPr>
-          <p:cNvPicPr>
-            <a:picLocks noChangeAspect="1"/>
-          </p:cNvPicPr>
-          <p:nvPr/>
-        </p:nvPicPr>
-        <p:blipFill>
-          <a:blip r:embed="rId5"/>
-          <a:stretch>
-            <a:fillRect/>
-          </a:stretch>
-        </p:blipFill>
-        <p:spPr>
-          <a:xfrm>
-            <a:off x="579832" y="2099074"/>
-            <a:ext cx="4844484" cy="835256"/>
-          </a:xfrm>
-          <a:prstGeom prst="rect">
-            <a:avLst/>
-          </a:prstGeom>
-        </p:spPr>
-      </p:pic>
-      <p:sp>
-        <p:nvSpPr>
-          <p:cNvPr id="12" name="TextBox 11">
-            <a:extLst>
-              <a:ext uri="{FF2B5EF4-FFF2-40B4-BE49-F238E27FC236}">
-                <a16:creationId xmlns:a16="http://schemas.microsoft.com/office/drawing/2014/main" id="{1F343DE5-C90A-486A-8D20-55C935580E3E}"/>
-              </a:ext>
-            </a:extLst>
-          </p:cNvPr>
-          <p:cNvSpPr txBox="1"/>
-          <p:nvPr/>
-        </p:nvSpPr>
-        <p:spPr>
-          <a:xfrm>
-            <a:off x="516150" y="2979319"/>
-            <a:ext cx="7695520" cy="400110"/>
-          </a:xfrm>
-          <a:prstGeom prst="rect">
-            <a:avLst/>
-          </a:prstGeom>
-          <a:noFill/>
-        </p:spPr>
-        <p:txBody>
-          <a:bodyPr wrap="square" rtlCol="0">
-            <a:spAutoFit/>
-          </a:bodyPr>
-          <a:lstStyle/>
-          <a:p>
-            <a:r>
-              <a:rPr lang="en-US" sz="2000" dirty="0">
-                <a:solidFill>
-                  <a:srgbClr val="707070"/>
-                </a:solidFill>
-                <a:latin typeface="Pragmatica" panose="020B0403040502020204" pitchFamily="34" charset="0"/>
-                <a:hlinkClick r:id="rId6"/>
-              </a:rPr>
-              <a:t>https://github.com/stringfestdata/london-excel</a:t>
-            </a:r>
-            <a:endParaRPr lang="en-US" sz="2000" dirty="0">
-              <a:solidFill>
-                <a:srgbClr val="707070"/>
-              </a:solidFill>
-              <a:latin typeface="Pragmatica" panose="020B0403040502020204" pitchFamily="34" charset="0"/>
-            </a:endParaRPr>
-          </a:p>
-        </p:txBody>
-      </p:sp>
-      <p:sp>
-        <p:nvSpPr>
-          <p:cNvPr id="13" name="TextBox 12">
-            <a:extLst>
-              <a:ext uri="{FF2B5EF4-FFF2-40B4-BE49-F238E27FC236}">
-                <a16:creationId xmlns:a16="http://schemas.microsoft.com/office/drawing/2014/main" id="{15039CAE-3A25-441F-86F2-FB512EB8851E}"/>
-              </a:ext>
-            </a:extLst>
-          </p:cNvPr>
-          <p:cNvSpPr txBox="1"/>
-          <p:nvPr/>
-        </p:nvSpPr>
-        <p:spPr>
-          <a:xfrm>
-            <a:off x="5429963" y="4120693"/>
-            <a:ext cx="1963024" cy="523220"/>
-          </a:xfrm>
-          <a:prstGeom prst="rect">
-            <a:avLst/>
-          </a:prstGeom>
-          <a:noFill/>
-        </p:spPr>
-        <p:txBody>
-          <a:bodyPr wrap="square" rtlCol="0">
-            <a:spAutoFit/>
-          </a:bodyPr>
-          <a:lstStyle/>
-          <a:p>
-            <a:r>
-              <a:rPr lang="en-US" sz="2800" dirty="0">
-                <a:solidFill>
-                  <a:srgbClr val="CF3338"/>
-                </a:solidFill>
-                <a:latin typeface="Aliens &amp; cows" panose="00000500000000000000" pitchFamily="2" charset="0"/>
-              </a:rPr>
-              <a:t>Menu bar</a:t>
-            </a:r>
-          </a:p>
-        </p:txBody>
-      </p:sp>
-      <p:sp>
-        <p:nvSpPr>
-          <p:cNvPr id="14" name="TextBox 13">
-            <a:extLst>
-              <a:ext uri="{FF2B5EF4-FFF2-40B4-BE49-F238E27FC236}">
-                <a16:creationId xmlns:a16="http://schemas.microsoft.com/office/drawing/2014/main" id="{B4BC673B-ED2C-4075-A2A9-AF56F43DCED5}"/>
-              </a:ext>
-            </a:extLst>
-          </p:cNvPr>
-          <p:cNvSpPr txBox="1"/>
-          <p:nvPr/>
-        </p:nvSpPr>
-        <p:spPr>
-          <a:xfrm>
-            <a:off x="6091171" y="4522932"/>
-            <a:ext cx="1963024" cy="523220"/>
-          </a:xfrm>
-          <a:prstGeom prst="rect">
-            <a:avLst/>
-          </a:prstGeom>
-          <a:noFill/>
-        </p:spPr>
-        <p:txBody>
-          <a:bodyPr wrap="square" rtlCol="0">
-            <a:spAutoFit/>
-          </a:bodyPr>
-          <a:lstStyle/>
-          <a:p>
-            <a:r>
-              <a:rPr lang="en-US" sz="2800" dirty="0">
-                <a:solidFill>
-                  <a:srgbClr val="CF3338"/>
-                </a:solidFill>
-                <a:latin typeface="Aliens &amp; cows" panose="00000500000000000000" pitchFamily="2" charset="0"/>
-              </a:rPr>
-              <a:t>Toolbar</a:t>
-            </a:r>
-          </a:p>
-        </p:txBody>
-      </p:sp>
-      <p:sp>
-        <p:nvSpPr>
-          <p:cNvPr id="15" name="TextBox 14">
-            <a:extLst>
-              <a:ext uri="{FF2B5EF4-FFF2-40B4-BE49-F238E27FC236}">
-                <a16:creationId xmlns:a16="http://schemas.microsoft.com/office/drawing/2014/main" id="{65490B59-D9B7-4C84-BA19-C822A1B450EF}"/>
-              </a:ext>
-            </a:extLst>
-          </p:cNvPr>
-          <p:cNvSpPr txBox="1"/>
-          <p:nvPr/>
-        </p:nvSpPr>
-        <p:spPr>
-          <a:xfrm>
-            <a:off x="1933748" y="5247103"/>
-            <a:ext cx="1963024" cy="523220"/>
-          </a:xfrm>
-          <a:prstGeom prst="rect">
-            <a:avLst/>
-          </a:prstGeom>
-          <a:noFill/>
-        </p:spPr>
-        <p:txBody>
-          <a:bodyPr wrap="square" rtlCol="0">
-            <a:spAutoFit/>
-          </a:bodyPr>
-          <a:lstStyle/>
-          <a:p>
-            <a:r>
-              <a:rPr lang="en-US" sz="2800" dirty="0">
-                <a:solidFill>
-                  <a:srgbClr val="CF3338"/>
-                </a:solidFill>
-                <a:latin typeface="Aliens &amp; cows" panose="00000500000000000000" pitchFamily="2" charset="0"/>
-              </a:rPr>
-              <a:t>Code cell</a:t>
-            </a:r>
-          </a:p>
-        </p:txBody>
-      </p:sp>
-    </p:spTree>
-    <p:extLst>
-      <p:ext uri="{BB962C8B-B14F-4D97-AF65-F5344CB8AC3E}">
-        <p14:creationId xmlns:p14="http://schemas.microsoft.com/office/powerpoint/2010/main" val="3169662932"/>
       </p:ext>
     </p:extLst>
   </p:cSld>
@@ -10169,6 +9909,467 @@
         <p:spPr>
           <a:xfrm>
             <a:off x="173620" y="219919"/>
+            <a:ext cx="6285903" cy="1815882"/>
+          </a:xfrm>
+          <a:prstGeom prst="rect">
+            <a:avLst/>
+          </a:prstGeom>
+          <a:noFill/>
+        </p:spPr>
+        <p:txBody>
+          <a:bodyPr wrap="square" rtlCol="0">
+            <a:spAutoFit/>
+          </a:bodyPr>
+          <a:lstStyle/>
+          <a:p>
+            <a:r>
+              <a:rPr lang="en-US" sz="2800" b="1" dirty="0">
+                <a:solidFill>
+                  <a:srgbClr val="CF3338"/>
+                </a:solidFill>
+                <a:latin typeface="Pragmatica" pitchFamily="2" charset="0"/>
+              </a:rPr>
+              <a:t>Navigate </a:t>
+            </a:r>
+            <a:r>
+              <a:rPr lang="en-US" sz="2800" b="1" dirty="0" err="1">
+                <a:solidFill>
+                  <a:srgbClr val="CF3338"/>
+                </a:solidFill>
+                <a:latin typeface="Pragmatica" pitchFamily="2" charset="0"/>
+              </a:rPr>
+              <a:t>Jupyter</a:t>
+            </a:r>
+            <a:r>
+              <a:rPr lang="en-US" sz="2800" b="1" dirty="0">
+                <a:solidFill>
+                  <a:srgbClr val="CF3338"/>
+                </a:solidFill>
+                <a:latin typeface="Pragmatica" pitchFamily="2" charset="0"/>
+              </a:rPr>
+              <a:t>, starting with 1 + 1</a:t>
+            </a:r>
+          </a:p>
+          <a:p>
+            <a:endParaRPr lang="en-US" sz="2800" b="1" dirty="0">
+              <a:solidFill>
+                <a:srgbClr val="CF3338"/>
+              </a:solidFill>
+              <a:latin typeface="Pragmatica" pitchFamily="2" charset="0"/>
+            </a:endParaRPr>
+          </a:p>
+          <a:p>
+            <a:r>
+              <a:rPr lang="en-US" sz="2800" b="1" dirty="0">
+                <a:solidFill>
+                  <a:srgbClr val="CF3338"/>
+                </a:solidFill>
+                <a:latin typeface="Pragmatica" pitchFamily="2" charset="0"/>
+              </a:rPr>
+              <a:t>File: Open a new </a:t>
+            </a:r>
+            <a:r>
+              <a:rPr lang="en-US" sz="2800" b="1" dirty="0">
+                <a:solidFill>
+                  <a:srgbClr val="CF3338"/>
+                </a:solidFill>
+                <a:latin typeface="Consolas" panose="020B0609020204030204" pitchFamily="49" charset="0"/>
+              </a:rPr>
+              <a:t>.</a:t>
+            </a:r>
+            <a:r>
+              <a:rPr lang="en-US" sz="2800" b="1" dirty="0" err="1">
+                <a:solidFill>
+                  <a:srgbClr val="CF3338"/>
+                </a:solidFill>
+                <a:latin typeface="Consolas" panose="020B0609020204030204" pitchFamily="49" charset="0"/>
+              </a:rPr>
+              <a:t>ipynb</a:t>
+            </a:r>
+            <a:r>
+              <a:rPr lang="en-US" sz="2800" b="1" dirty="0">
+                <a:solidFill>
+                  <a:srgbClr val="CF3338"/>
+                </a:solidFill>
+                <a:latin typeface="Pragmatica" pitchFamily="2" charset="0"/>
+              </a:rPr>
+              <a:t> notebook</a:t>
+            </a:r>
+          </a:p>
+        </p:txBody>
+      </p:sp>
+      <p:pic>
+        <p:nvPicPr>
+          <p:cNvPr id="9" name="Picture 8">
+            <a:extLst>
+              <a:ext uri="{FF2B5EF4-FFF2-40B4-BE49-F238E27FC236}">
+                <a16:creationId xmlns:a16="http://schemas.microsoft.com/office/drawing/2014/main" id="{54086B7D-6DA5-45E4-BFAC-565935D853D4}"/>
+              </a:ext>
+            </a:extLst>
+          </p:cNvPr>
+          <p:cNvPicPr>
+            <a:picLocks noChangeAspect="1"/>
+          </p:cNvPicPr>
+          <p:nvPr/>
+        </p:nvPicPr>
+        <p:blipFill>
+          <a:blip r:embed="rId4"/>
+          <a:stretch>
+            <a:fillRect/>
+          </a:stretch>
+        </p:blipFill>
+        <p:spPr>
+          <a:xfrm>
+            <a:off x="392397" y="3923670"/>
+            <a:ext cx="9856197" cy="2646866"/>
+          </a:xfrm>
+          <a:prstGeom prst="rect">
+            <a:avLst/>
+          </a:prstGeom>
+        </p:spPr>
+      </p:pic>
+      <p:pic>
+        <p:nvPicPr>
+          <p:cNvPr id="11" name="Picture 10">
+            <a:extLst>
+              <a:ext uri="{FF2B5EF4-FFF2-40B4-BE49-F238E27FC236}">
+                <a16:creationId xmlns:a16="http://schemas.microsoft.com/office/drawing/2014/main" id="{3CD83BF2-3603-4E70-91DF-99EE1A9BEFA8}"/>
+              </a:ext>
+            </a:extLst>
+          </p:cNvPr>
+          <p:cNvPicPr>
+            <a:picLocks noChangeAspect="1"/>
+          </p:cNvPicPr>
+          <p:nvPr/>
+        </p:nvPicPr>
+        <p:blipFill>
+          <a:blip r:embed="rId5"/>
+          <a:stretch>
+            <a:fillRect/>
+          </a:stretch>
+        </p:blipFill>
+        <p:spPr>
+          <a:xfrm>
+            <a:off x="579832" y="2099074"/>
+            <a:ext cx="4844484" cy="835256"/>
+          </a:xfrm>
+          <a:prstGeom prst="rect">
+            <a:avLst/>
+          </a:prstGeom>
+        </p:spPr>
+      </p:pic>
+      <p:sp>
+        <p:nvSpPr>
+          <p:cNvPr id="12" name="TextBox 11">
+            <a:extLst>
+              <a:ext uri="{FF2B5EF4-FFF2-40B4-BE49-F238E27FC236}">
+                <a16:creationId xmlns:a16="http://schemas.microsoft.com/office/drawing/2014/main" id="{1F343DE5-C90A-486A-8D20-55C935580E3E}"/>
+              </a:ext>
+            </a:extLst>
+          </p:cNvPr>
+          <p:cNvSpPr txBox="1"/>
+          <p:nvPr/>
+        </p:nvSpPr>
+        <p:spPr>
+          <a:xfrm>
+            <a:off x="516150" y="2979319"/>
+            <a:ext cx="7695520" cy="400110"/>
+          </a:xfrm>
+          <a:prstGeom prst="rect">
+            <a:avLst/>
+          </a:prstGeom>
+          <a:noFill/>
+        </p:spPr>
+        <p:txBody>
+          <a:bodyPr wrap="square" rtlCol="0">
+            <a:spAutoFit/>
+          </a:bodyPr>
+          <a:lstStyle/>
+          <a:p>
+            <a:r>
+              <a:rPr lang="en-US" sz="2000" dirty="0">
+                <a:solidFill>
+                  <a:srgbClr val="707070"/>
+                </a:solidFill>
+                <a:latin typeface="Pragmatica" panose="020B0403040502020204" pitchFamily="34" charset="0"/>
+                <a:hlinkClick r:id="rId6"/>
+              </a:rPr>
+              <a:t>https://github.com/stringfestdata/london-excel</a:t>
+            </a:r>
+            <a:endParaRPr lang="en-US" sz="2000" dirty="0">
+              <a:solidFill>
+                <a:srgbClr val="707070"/>
+              </a:solidFill>
+              <a:latin typeface="Pragmatica" panose="020B0403040502020204" pitchFamily="34" charset="0"/>
+            </a:endParaRPr>
+          </a:p>
+        </p:txBody>
+      </p:sp>
+      <p:sp>
+        <p:nvSpPr>
+          <p:cNvPr id="13" name="TextBox 12">
+            <a:extLst>
+              <a:ext uri="{FF2B5EF4-FFF2-40B4-BE49-F238E27FC236}">
+                <a16:creationId xmlns:a16="http://schemas.microsoft.com/office/drawing/2014/main" id="{15039CAE-3A25-441F-86F2-FB512EB8851E}"/>
+              </a:ext>
+            </a:extLst>
+          </p:cNvPr>
+          <p:cNvSpPr txBox="1"/>
+          <p:nvPr/>
+        </p:nvSpPr>
+        <p:spPr>
+          <a:xfrm>
+            <a:off x="5429963" y="4120693"/>
+            <a:ext cx="1963024" cy="523220"/>
+          </a:xfrm>
+          <a:prstGeom prst="rect">
+            <a:avLst/>
+          </a:prstGeom>
+          <a:noFill/>
+        </p:spPr>
+        <p:txBody>
+          <a:bodyPr wrap="square" rtlCol="0">
+            <a:spAutoFit/>
+          </a:bodyPr>
+          <a:lstStyle/>
+          <a:p>
+            <a:r>
+              <a:rPr lang="en-US" sz="2800" dirty="0">
+                <a:solidFill>
+                  <a:srgbClr val="CF3338"/>
+                </a:solidFill>
+                <a:latin typeface="Aliens &amp; cows" panose="00000500000000000000" pitchFamily="2" charset="0"/>
+              </a:rPr>
+              <a:t>Menu bar</a:t>
+            </a:r>
+          </a:p>
+        </p:txBody>
+      </p:sp>
+      <p:sp>
+        <p:nvSpPr>
+          <p:cNvPr id="14" name="TextBox 13">
+            <a:extLst>
+              <a:ext uri="{FF2B5EF4-FFF2-40B4-BE49-F238E27FC236}">
+                <a16:creationId xmlns:a16="http://schemas.microsoft.com/office/drawing/2014/main" id="{B4BC673B-ED2C-4075-A2A9-AF56F43DCED5}"/>
+              </a:ext>
+            </a:extLst>
+          </p:cNvPr>
+          <p:cNvSpPr txBox="1"/>
+          <p:nvPr/>
+        </p:nvSpPr>
+        <p:spPr>
+          <a:xfrm>
+            <a:off x="6091171" y="4522932"/>
+            <a:ext cx="1963024" cy="523220"/>
+          </a:xfrm>
+          <a:prstGeom prst="rect">
+            <a:avLst/>
+          </a:prstGeom>
+          <a:noFill/>
+        </p:spPr>
+        <p:txBody>
+          <a:bodyPr wrap="square" rtlCol="0">
+            <a:spAutoFit/>
+          </a:bodyPr>
+          <a:lstStyle/>
+          <a:p>
+            <a:r>
+              <a:rPr lang="en-US" sz="2800" dirty="0">
+                <a:solidFill>
+                  <a:srgbClr val="CF3338"/>
+                </a:solidFill>
+                <a:latin typeface="Aliens &amp; cows" panose="00000500000000000000" pitchFamily="2" charset="0"/>
+              </a:rPr>
+              <a:t>Toolbar</a:t>
+            </a:r>
+          </a:p>
+        </p:txBody>
+      </p:sp>
+      <p:sp>
+        <p:nvSpPr>
+          <p:cNvPr id="15" name="TextBox 14">
+            <a:extLst>
+              <a:ext uri="{FF2B5EF4-FFF2-40B4-BE49-F238E27FC236}">
+                <a16:creationId xmlns:a16="http://schemas.microsoft.com/office/drawing/2014/main" id="{65490B59-D9B7-4C84-BA19-C822A1B450EF}"/>
+              </a:ext>
+            </a:extLst>
+          </p:cNvPr>
+          <p:cNvSpPr txBox="1"/>
+          <p:nvPr/>
+        </p:nvSpPr>
+        <p:spPr>
+          <a:xfrm>
+            <a:off x="1933748" y="5247103"/>
+            <a:ext cx="1963024" cy="523220"/>
+          </a:xfrm>
+          <a:prstGeom prst="rect">
+            <a:avLst/>
+          </a:prstGeom>
+          <a:noFill/>
+        </p:spPr>
+        <p:txBody>
+          <a:bodyPr wrap="square" rtlCol="0">
+            <a:spAutoFit/>
+          </a:bodyPr>
+          <a:lstStyle/>
+          <a:p>
+            <a:r>
+              <a:rPr lang="en-US" sz="2800" dirty="0">
+                <a:solidFill>
+                  <a:srgbClr val="CF3338"/>
+                </a:solidFill>
+                <a:latin typeface="Aliens &amp; cows" panose="00000500000000000000" pitchFamily="2" charset="0"/>
+              </a:rPr>
+              <a:t>Code cell</a:t>
+            </a:r>
+          </a:p>
+        </p:txBody>
+      </p:sp>
+    </p:spTree>
+    <p:extLst>
+      <p:ext uri="{BB962C8B-B14F-4D97-AF65-F5344CB8AC3E}">
+        <p14:creationId xmlns:p14="http://schemas.microsoft.com/office/powerpoint/2010/main" val="3169662932"/>
+      </p:ext>
+    </p:extLst>
+  </p:cSld>
+  <p:clrMapOvr>
+    <a:masterClrMapping/>
+  </p:clrMapOvr>
+</p:sld>
+</file>
+
+<file path=ppt/slides/slide21.xml><?xml version="1.0" encoding="utf-8"?>
+<p:sld xmlns:a="http://schemas.openxmlformats.org/drawingml/2006/main" xmlns:r="http://schemas.openxmlformats.org/officeDocument/2006/relationships" xmlns:p="http://schemas.openxmlformats.org/presentationml/2006/main">
+  <p:cSld>
+    <p:spTree>
+      <p:nvGrpSpPr>
+        <p:cNvPr id="1" name=""/>
+        <p:cNvGrpSpPr/>
+        <p:nvPr/>
+      </p:nvGrpSpPr>
+      <p:grpSpPr>
+        <a:xfrm>
+          <a:off x="0" y="0"/>
+          <a:ext cx="0" cy="0"/>
+          <a:chOff x="0" y="0"/>
+          <a:chExt cx="0" cy="0"/>
+        </a:xfrm>
+      </p:grpSpPr>
+      <p:sp>
+        <p:nvSpPr>
+          <p:cNvPr id="4" name="Rectangle 3"/>
+          <p:cNvSpPr/>
+          <p:nvPr/>
+        </p:nvSpPr>
+        <p:spPr>
+          <a:xfrm>
+            <a:off x="6574420" y="0"/>
+            <a:ext cx="5617580" cy="6858000"/>
+          </a:xfrm>
+          <a:prstGeom prst="rect">
+            <a:avLst/>
+          </a:prstGeom>
+          <a:solidFill>
+            <a:srgbClr val="CF3338"/>
+          </a:solidFill>
+        </p:spPr>
+        <p:style>
+          <a:lnRef idx="2">
+            <a:schemeClr val="accent1">
+              <a:shade val="50000"/>
+            </a:schemeClr>
+          </a:lnRef>
+          <a:fillRef idx="1">
+            <a:schemeClr val="accent1"/>
+          </a:fillRef>
+          <a:effectRef idx="0">
+            <a:schemeClr val="accent1"/>
+          </a:effectRef>
+          <a:fontRef idx="minor">
+            <a:schemeClr val="lt1"/>
+          </a:fontRef>
+        </p:style>
+        <p:txBody>
+          <a:bodyPr rtlCol="0" anchor="ctr"/>
+          <a:lstStyle/>
+          <a:p>
+            <a:pPr algn="ctr"/>
+            <a:endParaRPr lang="en-US"/>
+          </a:p>
+        </p:txBody>
+      </p:sp>
+      <p:sp>
+        <p:nvSpPr>
+          <p:cNvPr id="5" name="TextBox 4"/>
+          <p:cNvSpPr txBox="1"/>
+          <p:nvPr/>
+        </p:nvSpPr>
+        <p:spPr>
+          <a:xfrm>
+            <a:off x="6817489" y="0"/>
+            <a:ext cx="4120587" cy="1446550"/>
+          </a:xfrm>
+          <a:prstGeom prst="rect">
+            <a:avLst/>
+          </a:prstGeom>
+          <a:noFill/>
+        </p:spPr>
+        <p:txBody>
+          <a:bodyPr wrap="square" rtlCol="0">
+            <a:spAutoFit/>
+          </a:bodyPr>
+          <a:lstStyle/>
+          <a:p>
+            <a:r>
+              <a:rPr lang="en-US" sz="8800" dirty="0">
+                <a:solidFill>
+                  <a:schemeClr val="bg1"/>
+                </a:solidFill>
+                <a:latin typeface="Aliens &amp; cows" panose="00000500000000000000" pitchFamily="2" charset="0"/>
+              </a:rPr>
+              <a:t>Demo</a:t>
+            </a:r>
+          </a:p>
+        </p:txBody>
+      </p:sp>
+      <p:pic>
+        <p:nvPicPr>
+          <p:cNvPr id="2" name="Picture 1"/>
+          <p:cNvPicPr>
+            <a:picLocks noChangeAspect="1"/>
+          </p:cNvPicPr>
+          <p:nvPr/>
+        </p:nvPicPr>
+        <p:blipFill rotWithShape="1">
+          <a:blip r:embed="rId3">
+            <a:extLst>
+              <a:ext uri="{28A0092B-C50C-407E-A947-70E740481C1C}">
+                <a14:useLocalDpi xmlns:a14="http://schemas.microsoft.com/office/drawing/2010/main" val="0"/>
+              </a:ext>
+            </a:extLst>
+          </a:blip>
+          <a:srcRect l="69227" t="33418" r="20112" b="50548"/>
+          <a:stretch/>
+        </p:blipFill>
+        <p:spPr>
+          <a:xfrm>
+            <a:off x="10386349" y="5029795"/>
+            <a:ext cx="1805651" cy="1991719"/>
+          </a:xfrm>
+          <a:prstGeom prst="rect">
+            <a:avLst/>
+          </a:prstGeom>
+        </p:spPr>
+      </p:pic>
+      <p:sp>
+        <p:nvSpPr>
+          <p:cNvPr id="3" name="TextBox 2"/>
+          <p:cNvSpPr txBox="1"/>
+          <p:nvPr/>
+        </p:nvSpPr>
+        <p:spPr>
+          <a:xfrm>
+            <a:off x="173620" y="219919"/>
             <a:ext cx="6084567" cy="5262979"/>
           </a:xfrm>
           <a:prstGeom prst="rect">
@@ -10320,7 +10521,7 @@
 </p:sld>
 </file>
 
-<file path=ppt/slides/slide21.xml><?xml version="1.0" encoding="utf-8"?>
+<file path=ppt/slides/slide22.xml><?xml version="1.0" encoding="utf-8"?>
 <p:sld xmlns:a="http://schemas.openxmlformats.org/drawingml/2006/main" xmlns:r="http://schemas.openxmlformats.org/officeDocument/2006/relationships" xmlns:p="http://schemas.openxmlformats.org/presentationml/2006/main">
   <p:cSld>
     <p:spTree>
@@ -10635,7 +10836,7 @@
 </p:sld>
 </file>
 
-<file path=ppt/slides/slide22.xml><?xml version="1.0" encoding="utf-8"?>
+<file path=ppt/slides/slide23.xml><?xml version="1.0" encoding="utf-8"?>
 <p:sld xmlns:a="http://schemas.openxmlformats.org/drawingml/2006/main" xmlns:r="http://schemas.openxmlformats.org/officeDocument/2006/relationships" xmlns:p="http://schemas.openxmlformats.org/presentationml/2006/main">
   <p:cSld>
     <p:spTree>
@@ -10956,7 +11157,7 @@
 </p:sld>
 </file>
 
-<file path=ppt/slides/slide23.xml><?xml version="1.0" encoding="utf-8"?>
+<file path=ppt/slides/slide24.xml><?xml version="1.0" encoding="utf-8"?>
 <p:sld xmlns:a="http://schemas.openxmlformats.org/drawingml/2006/main" xmlns:r="http://schemas.openxmlformats.org/officeDocument/2006/relationships" xmlns:p="http://schemas.openxmlformats.org/presentationml/2006/main">
   <p:cSld>
     <p:spTree>
@@ -11079,7 +11280,7 @@
 </p:sld>
 </file>
 
-<file path=ppt/slides/slide24.xml><?xml version="1.0" encoding="utf-8"?>
+<file path=ppt/slides/slide25.xml><?xml version="1.0" encoding="utf-8"?>
 <p:sld xmlns:a="http://schemas.openxmlformats.org/drawingml/2006/main" xmlns:r="http://schemas.openxmlformats.org/officeDocument/2006/relationships" xmlns:p="http://schemas.openxmlformats.org/presentationml/2006/main">
   <p:cSld>
     <p:spTree>
@@ -11186,7 +11387,7 @@
 </p:sld>
 </file>
 
-<file path=ppt/slides/slide25.xml><?xml version="1.0" encoding="utf-8"?>
+<file path=ppt/slides/slide26.xml><?xml version="1.0" encoding="utf-8"?>
 <p:sld xmlns:a="http://schemas.openxmlformats.org/drawingml/2006/main" xmlns:r="http://schemas.openxmlformats.org/officeDocument/2006/relationships" xmlns:p="http://schemas.openxmlformats.org/presentationml/2006/main">
   <p:cSld>
     <p:spTree>
@@ -11498,7 +11699,7 @@
 </p:sld>
 </file>
 
-<file path=ppt/slides/slide26.xml><?xml version="1.0" encoding="utf-8"?>
+<file path=ppt/slides/slide27.xml><?xml version="1.0" encoding="utf-8"?>
 <p:sld xmlns:a="http://schemas.openxmlformats.org/drawingml/2006/main" xmlns:r="http://schemas.openxmlformats.org/officeDocument/2006/relationships" xmlns:p="http://schemas.openxmlformats.org/presentationml/2006/main">
   <p:cSld>
     <p:spTree>
@@ -11621,7 +11822,7 @@
 </p:sld>
 </file>
 
-<file path=ppt/slides/slide27.xml><?xml version="1.0" encoding="utf-8"?>
+<file path=ppt/slides/slide28.xml><?xml version="1.0" encoding="utf-8"?>
 <p:sld xmlns:a="http://schemas.openxmlformats.org/drawingml/2006/main" xmlns:r="http://schemas.openxmlformats.org/officeDocument/2006/relationships" xmlns:p="http://schemas.openxmlformats.org/presentationml/2006/main">
   <p:cSld>
     <p:spTree>
@@ -11728,7 +11929,7 @@
 </p:sld>
 </file>
 
-<file path=ppt/slides/slide28.xml><?xml version="1.0" encoding="utf-8"?>
+<file path=ppt/slides/slide29.xml><?xml version="1.0" encoding="utf-8"?>
 <p:sld xmlns:a="http://schemas.openxmlformats.org/drawingml/2006/main" xmlns:r="http://schemas.openxmlformats.org/officeDocument/2006/relationships" xmlns:p="http://schemas.openxmlformats.org/presentationml/2006/main">
   <p:cSld>
     <p:spTree>
@@ -12000,257 +12201,6 @@
     <p:extLst>
       <p:ext uri="{BB962C8B-B14F-4D97-AF65-F5344CB8AC3E}">
         <p14:creationId xmlns:p14="http://schemas.microsoft.com/office/powerpoint/2010/main" val="3327978876"/>
-      </p:ext>
-    </p:extLst>
-  </p:cSld>
-  <p:clrMapOvr>
-    <a:masterClrMapping/>
-  </p:clrMapOvr>
-</p:sld>
-</file>
-
-<file path=ppt/slides/slide29.xml><?xml version="1.0" encoding="utf-8"?>
-<p:sld xmlns:a="http://schemas.openxmlformats.org/drawingml/2006/main" xmlns:r="http://schemas.openxmlformats.org/officeDocument/2006/relationships" xmlns:p="http://schemas.openxmlformats.org/presentationml/2006/main">
-  <p:cSld>
-    <p:spTree>
-      <p:nvGrpSpPr>
-        <p:cNvPr id="1" name=""/>
-        <p:cNvGrpSpPr/>
-        <p:nvPr/>
-      </p:nvGrpSpPr>
-      <p:grpSpPr>
-        <a:xfrm>
-          <a:off x="0" y="0"/>
-          <a:ext cx="0" cy="0"/>
-          <a:chOff x="0" y="0"/>
-          <a:chExt cx="0" cy="0"/>
-        </a:xfrm>
-      </p:grpSpPr>
-      <p:pic>
-        <p:nvPicPr>
-          <p:cNvPr id="10" name="Picture 9"/>
-          <p:cNvPicPr>
-            <a:picLocks noChangeAspect="1"/>
-          </p:cNvPicPr>
-          <p:nvPr/>
-        </p:nvPicPr>
-        <p:blipFill rotWithShape="1">
-          <a:blip r:embed="rId2">
-            <a:extLst>
-              <a:ext uri="{28A0092B-C50C-407E-A947-70E740481C1C}">
-                <a14:useLocalDpi xmlns:a14="http://schemas.microsoft.com/office/drawing/2010/main" val="0"/>
-              </a:ext>
-            </a:extLst>
-          </a:blip>
-          <a:srcRect l="50728" t="56371"/>
-          <a:stretch/>
-        </p:blipFill>
-        <p:spPr>
-          <a:xfrm>
-            <a:off x="10894024" y="5370653"/>
-            <a:ext cx="1297975" cy="1487348"/>
-          </a:xfrm>
-          <a:prstGeom prst="rect">
-            <a:avLst/>
-          </a:prstGeom>
-        </p:spPr>
-      </p:pic>
-      <p:sp>
-        <p:nvSpPr>
-          <p:cNvPr id="11" name="TextBox 10"/>
-          <p:cNvSpPr txBox="1"/>
-          <p:nvPr/>
-        </p:nvSpPr>
-        <p:spPr>
-          <a:xfrm>
-            <a:off x="347240" y="113388"/>
-            <a:ext cx="10861534" cy="1015663"/>
-          </a:xfrm>
-          <a:prstGeom prst="rect">
-            <a:avLst/>
-          </a:prstGeom>
-          <a:noFill/>
-        </p:spPr>
-        <p:txBody>
-          <a:bodyPr wrap="square" rtlCol="0">
-            <a:spAutoFit/>
-          </a:bodyPr>
-          <a:lstStyle/>
-          <a:p>
-            <a:r>
-              <a:rPr lang="en-US" sz="6000" dirty="0">
-                <a:latin typeface="Aliens &amp; cows" panose="00000500000000000000" pitchFamily="2" charset="0"/>
-              </a:rPr>
-              <a:t>After that…</a:t>
-            </a:r>
-          </a:p>
-        </p:txBody>
-      </p:sp>
-      <p:sp>
-        <p:nvSpPr>
-          <p:cNvPr id="4" name="TextBox 3">
-            <a:extLst>
-              <a:ext uri="{FF2B5EF4-FFF2-40B4-BE49-F238E27FC236}">
-                <a16:creationId xmlns:a16="http://schemas.microsoft.com/office/drawing/2014/main" id="{5A4F6C64-3E8D-4255-95B8-CF64265213DA}"/>
-              </a:ext>
-            </a:extLst>
-          </p:cNvPr>
-          <p:cNvSpPr txBox="1"/>
-          <p:nvPr/>
-        </p:nvSpPr>
-        <p:spPr>
-          <a:xfrm>
-            <a:off x="347240" y="1465093"/>
-            <a:ext cx="8255987" cy="2246769"/>
-          </a:xfrm>
-          <a:prstGeom prst="rect">
-            <a:avLst/>
-          </a:prstGeom>
-          <a:noFill/>
-        </p:spPr>
-        <p:txBody>
-          <a:bodyPr wrap="square" rtlCol="0">
-            <a:spAutoFit/>
-          </a:bodyPr>
-          <a:lstStyle/>
-          <a:p>
-            <a:pPr marL="457200" indent="-457200">
-              <a:buClr>
-                <a:srgbClr val="CF3338"/>
-              </a:buClr>
-              <a:buFont typeface="Arial" panose="020B0604020202020204" pitchFamily="34" charset="0"/>
-              <a:buChar char="•"/>
-            </a:pPr>
-            <a:r>
-              <a:rPr lang="en-US" sz="2800" i="1" dirty="0">
-                <a:solidFill>
-                  <a:srgbClr val="707070"/>
-                </a:solidFill>
-                <a:latin typeface="Pragmatica" panose="020B0403040502020204" pitchFamily="34" charset="0"/>
-              </a:rPr>
-              <a:t>R for Data Science </a:t>
-            </a:r>
-            <a:r>
-              <a:rPr lang="en-US" sz="2800" dirty="0">
-                <a:solidFill>
-                  <a:srgbClr val="707070"/>
-                </a:solidFill>
-                <a:latin typeface="Pragmatica" panose="020B0403040502020204" pitchFamily="34" charset="0"/>
-              </a:rPr>
-              <a:t>by Hadley Wickham and Garrett </a:t>
-            </a:r>
-            <a:r>
-              <a:rPr lang="en-US" sz="2800" dirty="0" err="1">
-                <a:solidFill>
-                  <a:srgbClr val="707070"/>
-                </a:solidFill>
-                <a:latin typeface="Pragmatica" panose="020B0403040502020204" pitchFamily="34" charset="0"/>
-              </a:rPr>
-              <a:t>Grolemund</a:t>
-            </a:r>
-            <a:endParaRPr lang="en-US" sz="2800" dirty="0">
-              <a:solidFill>
-                <a:srgbClr val="707070"/>
-              </a:solidFill>
-              <a:latin typeface="Pragmatica" panose="020B0403040502020204" pitchFamily="34" charset="0"/>
-            </a:endParaRPr>
-          </a:p>
-          <a:p>
-            <a:pPr marL="457200" indent="-457200">
-              <a:buClr>
-                <a:srgbClr val="CF3338"/>
-              </a:buClr>
-              <a:buFont typeface="Arial" panose="020B0604020202020204" pitchFamily="34" charset="0"/>
-              <a:buChar char="•"/>
-            </a:pPr>
-            <a:r>
-              <a:rPr lang="en-US" sz="2800" i="1" dirty="0">
-                <a:solidFill>
-                  <a:srgbClr val="707070"/>
-                </a:solidFill>
-                <a:latin typeface="Pragmatica" panose="020B0403040502020204" pitchFamily="34" charset="0"/>
-              </a:rPr>
-              <a:t>Python for Data Analysis</a:t>
-            </a:r>
-            <a:r>
-              <a:rPr lang="en-US" sz="2800" dirty="0">
-                <a:solidFill>
-                  <a:srgbClr val="707070"/>
-                </a:solidFill>
-                <a:latin typeface="Pragmatica" panose="020B0403040502020204" pitchFamily="34" charset="0"/>
-              </a:rPr>
-              <a:t>, 2</a:t>
-            </a:r>
-            <a:r>
-              <a:rPr lang="en-US" sz="2800" baseline="30000" dirty="0">
-                <a:solidFill>
-                  <a:srgbClr val="707070"/>
-                </a:solidFill>
-                <a:latin typeface="Pragmatica" panose="020B0403040502020204" pitchFamily="34" charset="0"/>
-              </a:rPr>
-              <a:t>nd</a:t>
-            </a:r>
-            <a:r>
-              <a:rPr lang="en-US" sz="2800" dirty="0">
-                <a:solidFill>
-                  <a:srgbClr val="707070"/>
-                </a:solidFill>
-                <a:latin typeface="Pragmatica" panose="020B0403040502020204" pitchFamily="34" charset="0"/>
-              </a:rPr>
-              <a:t> Edition by Wes McKinney</a:t>
-            </a:r>
-          </a:p>
-          <a:p>
-            <a:pPr marL="457200" indent="-457200">
-              <a:buClr>
-                <a:srgbClr val="CF3338"/>
-              </a:buClr>
-              <a:buFont typeface="Arial" panose="020B0604020202020204" pitchFamily="34" charset="0"/>
-              <a:buChar char="•"/>
-            </a:pPr>
-            <a:r>
-              <a:rPr lang="en-US" sz="2800" i="1" dirty="0">
-                <a:solidFill>
-                  <a:srgbClr val="707070"/>
-                </a:solidFill>
-                <a:latin typeface="Pragmatica" panose="020B0403040502020204" pitchFamily="34" charset="0"/>
-              </a:rPr>
-              <a:t>Python for Excel </a:t>
-            </a:r>
-            <a:r>
-              <a:rPr lang="en-US" sz="2800" dirty="0">
-                <a:solidFill>
-                  <a:srgbClr val="707070"/>
-                </a:solidFill>
-                <a:latin typeface="Pragmatica" panose="020B0403040502020204" pitchFamily="34" charset="0"/>
-              </a:rPr>
-              <a:t>by Felix </a:t>
-            </a:r>
-            <a:r>
-              <a:rPr lang="en-US" sz="2800" dirty="0" err="1">
-                <a:solidFill>
-                  <a:srgbClr val="707070"/>
-                </a:solidFill>
-                <a:latin typeface="Pragmatica" panose="020B0403040502020204" pitchFamily="34" charset="0"/>
-              </a:rPr>
-              <a:t>Zumstein</a:t>
-            </a:r>
-            <a:r>
-              <a:rPr lang="en-US" sz="2800" dirty="0">
-                <a:solidFill>
-                  <a:srgbClr val="707070"/>
-                </a:solidFill>
-                <a:latin typeface="Pragmatica" panose="020B0403040502020204" pitchFamily="34" charset="0"/>
-              </a:rPr>
-              <a:t> </a:t>
-            </a:r>
-          </a:p>
-        </p:txBody>
-      </p:sp>
-    </p:spTree>
-    <p:extLst>
-      <p:ext uri="{BB962C8B-B14F-4D97-AF65-F5344CB8AC3E}">
-        <p14:creationId xmlns:p14="http://schemas.microsoft.com/office/powerpoint/2010/main" val="2249534705"/>
       </p:ext>
     </p:extLst>
   </p:cSld>
@@ -12346,7 +12296,7 @@
         <p:spPr>
           <a:xfrm>
             <a:off x="462987" y="1365813"/>
-            <a:ext cx="9595413" cy="1384995"/>
+            <a:ext cx="9595413" cy="3970318"/>
           </a:xfrm>
           <a:prstGeom prst="rect">
             <a:avLst/>
@@ -12386,6 +12336,74 @@
                 <a:latin typeface="Pragmatica" panose="020B0403040502020204" pitchFamily="34" charset="0"/>
               </a:rPr>
               <a:t>Chart a clear learning path from Excel to R and Python</a:t>
+            </a:r>
+          </a:p>
+          <a:p>
+            <a:pPr marL="285750" indent="-285750">
+              <a:buFont typeface="Arial" panose="020B0604020202020204" pitchFamily="34" charset="0"/>
+              <a:buChar char="•"/>
+            </a:pPr>
+            <a:endParaRPr lang="en-US" sz="2800" dirty="0">
+              <a:solidFill>
+                <a:srgbClr val="707070"/>
+              </a:solidFill>
+              <a:latin typeface="Pragmatica" panose="020B0403040502020204" pitchFamily="34" charset="0"/>
+            </a:endParaRPr>
+          </a:p>
+          <a:p>
+            <a:r>
+              <a:rPr lang="en-US" sz="2800" i="1" dirty="0">
+                <a:solidFill>
+                  <a:srgbClr val="707070"/>
+                </a:solidFill>
+                <a:latin typeface="Pragmatica" panose="020B0403040502020204" pitchFamily="34" charset="0"/>
+              </a:rPr>
+              <a:t>Preferred topics?</a:t>
+            </a:r>
+          </a:p>
+          <a:p>
+            <a:pPr marL="457200" indent="-457200">
+              <a:buFont typeface="Arial" panose="020B0604020202020204" pitchFamily="34" charset="0"/>
+              <a:buChar char="•"/>
+            </a:pPr>
+            <a:r>
+              <a:rPr lang="en-US" sz="2800" dirty="0">
+                <a:solidFill>
+                  <a:srgbClr val="707070"/>
+                </a:solidFill>
+                <a:latin typeface="Pragmatica" panose="020B0403040502020204" pitchFamily="34" charset="0"/>
+              </a:rPr>
+              <a:t>Foundations of Analytics in Excel</a:t>
+            </a:r>
+          </a:p>
+          <a:p>
+            <a:pPr marL="457200" indent="-457200">
+              <a:buFont typeface="Arial" panose="020B0604020202020204" pitchFamily="34" charset="0"/>
+              <a:buChar char="•"/>
+            </a:pPr>
+            <a:r>
+              <a:rPr lang="en-US" sz="2800" dirty="0">
+                <a:solidFill>
+                  <a:srgbClr val="707070"/>
+                </a:solidFill>
+                <a:latin typeface="Pragmatica" panose="020B0403040502020204" pitchFamily="34" charset="0"/>
+              </a:rPr>
+              <a:t>From Excel to R</a:t>
+            </a:r>
+          </a:p>
+          <a:p>
+            <a:pPr marL="457200" indent="-457200">
+              <a:buFont typeface="Arial" panose="020B0604020202020204" pitchFamily="34" charset="0"/>
+              <a:buChar char="•"/>
+            </a:pPr>
+            <a:r>
+              <a:rPr lang="en-US" sz="2800" dirty="0">
+                <a:solidFill>
+                  <a:srgbClr val="707070"/>
+                </a:solidFill>
+                <a:latin typeface="Pragmatica" panose="020B0403040502020204" pitchFamily="34" charset="0"/>
+              </a:rPr>
+              <a:t>From Excel to Python</a:t>
             </a:r>
           </a:p>
           <a:p>
@@ -12487,6 +12505,257 @@
               <a:rPr lang="en-US" sz="6000" dirty="0">
                 <a:latin typeface="Aliens &amp; cows" panose="00000500000000000000" pitchFamily="2" charset="0"/>
               </a:rPr>
+              <a:t>After that…</a:t>
+            </a:r>
+          </a:p>
+        </p:txBody>
+      </p:sp>
+      <p:sp>
+        <p:nvSpPr>
+          <p:cNvPr id="4" name="TextBox 3">
+            <a:extLst>
+              <a:ext uri="{FF2B5EF4-FFF2-40B4-BE49-F238E27FC236}">
+                <a16:creationId xmlns:a16="http://schemas.microsoft.com/office/drawing/2014/main" id="{5A4F6C64-3E8D-4255-95B8-CF64265213DA}"/>
+              </a:ext>
+            </a:extLst>
+          </p:cNvPr>
+          <p:cNvSpPr txBox="1"/>
+          <p:nvPr/>
+        </p:nvSpPr>
+        <p:spPr>
+          <a:xfrm>
+            <a:off x="347240" y="1465093"/>
+            <a:ext cx="8255987" cy="2246769"/>
+          </a:xfrm>
+          <a:prstGeom prst="rect">
+            <a:avLst/>
+          </a:prstGeom>
+          <a:noFill/>
+        </p:spPr>
+        <p:txBody>
+          <a:bodyPr wrap="square" rtlCol="0">
+            <a:spAutoFit/>
+          </a:bodyPr>
+          <a:lstStyle/>
+          <a:p>
+            <a:pPr marL="457200" indent="-457200">
+              <a:buClr>
+                <a:srgbClr val="CF3338"/>
+              </a:buClr>
+              <a:buFont typeface="Arial" panose="020B0604020202020204" pitchFamily="34" charset="0"/>
+              <a:buChar char="•"/>
+            </a:pPr>
+            <a:r>
+              <a:rPr lang="en-US" sz="2800" i="1" dirty="0">
+                <a:solidFill>
+                  <a:srgbClr val="707070"/>
+                </a:solidFill>
+                <a:latin typeface="Pragmatica" panose="020B0403040502020204" pitchFamily="34" charset="0"/>
+              </a:rPr>
+              <a:t>R for Data Science </a:t>
+            </a:r>
+            <a:r>
+              <a:rPr lang="en-US" sz="2800" dirty="0">
+                <a:solidFill>
+                  <a:srgbClr val="707070"/>
+                </a:solidFill>
+                <a:latin typeface="Pragmatica" panose="020B0403040502020204" pitchFamily="34" charset="0"/>
+              </a:rPr>
+              <a:t>by Hadley Wickham and Garrett </a:t>
+            </a:r>
+            <a:r>
+              <a:rPr lang="en-US" sz="2800" dirty="0" err="1">
+                <a:solidFill>
+                  <a:srgbClr val="707070"/>
+                </a:solidFill>
+                <a:latin typeface="Pragmatica" panose="020B0403040502020204" pitchFamily="34" charset="0"/>
+              </a:rPr>
+              <a:t>Grolemund</a:t>
+            </a:r>
+            <a:endParaRPr lang="en-US" sz="2800" dirty="0">
+              <a:solidFill>
+                <a:srgbClr val="707070"/>
+              </a:solidFill>
+              <a:latin typeface="Pragmatica" panose="020B0403040502020204" pitchFamily="34" charset="0"/>
+            </a:endParaRPr>
+          </a:p>
+          <a:p>
+            <a:pPr marL="457200" indent="-457200">
+              <a:buClr>
+                <a:srgbClr val="CF3338"/>
+              </a:buClr>
+              <a:buFont typeface="Arial" panose="020B0604020202020204" pitchFamily="34" charset="0"/>
+              <a:buChar char="•"/>
+            </a:pPr>
+            <a:r>
+              <a:rPr lang="en-US" sz="2800" i="1" dirty="0">
+                <a:solidFill>
+                  <a:srgbClr val="707070"/>
+                </a:solidFill>
+                <a:latin typeface="Pragmatica" panose="020B0403040502020204" pitchFamily="34" charset="0"/>
+              </a:rPr>
+              <a:t>Python for Data Analysis</a:t>
+            </a:r>
+            <a:r>
+              <a:rPr lang="en-US" sz="2800" dirty="0">
+                <a:solidFill>
+                  <a:srgbClr val="707070"/>
+                </a:solidFill>
+                <a:latin typeface="Pragmatica" panose="020B0403040502020204" pitchFamily="34" charset="0"/>
+              </a:rPr>
+              <a:t>, 2</a:t>
+            </a:r>
+            <a:r>
+              <a:rPr lang="en-US" sz="2800" baseline="30000" dirty="0">
+                <a:solidFill>
+                  <a:srgbClr val="707070"/>
+                </a:solidFill>
+                <a:latin typeface="Pragmatica" panose="020B0403040502020204" pitchFamily="34" charset="0"/>
+              </a:rPr>
+              <a:t>nd</a:t>
+            </a:r>
+            <a:r>
+              <a:rPr lang="en-US" sz="2800" dirty="0">
+                <a:solidFill>
+                  <a:srgbClr val="707070"/>
+                </a:solidFill>
+                <a:latin typeface="Pragmatica" panose="020B0403040502020204" pitchFamily="34" charset="0"/>
+              </a:rPr>
+              <a:t> Edition by Wes McKinney</a:t>
+            </a:r>
+          </a:p>
+          <a:p>
+            <a:pPr marL="457200" indent="-457200">
+              <a:buClr>
+                <a:srgbClr val="CF3338"/>
+              </a:buClr>
+              <a:buFont typeface="Arial" panose="020B0604020202020204" pitchFamily="34" charset="0"/>
+              <a:buChar char="•"/>
+            </a:pPr>
+            <a:r>
+              <a:rPr lang="en-US" sz="2800" i="1" dirty="0">
+                <a:solidFill>
+                  <a:srgbClr val="707070"/>
+                </a:solidFill>
+                <a:latin typeface="Pragmatica" panose="020B0403040502020204" pitchFamily="34" charset="0"/>
+              </a:rPr>
+              <a:t>Python for Excel </a:t>
+            </a:r>
+            <a:r>
+              <a:rPr lang="en-US" sz="2800" dirty="0">
+                <a:solidFill>
+                  <a:srgbClr val="707070"/>
+                </a:solidFill>
+                <a:latin typeface="Pragmatica" panose="020B0403040502020204" pitchFamily="34" charset="0"/>
+              </a:rPr>
+              <a:t>by Felix </a:t>
+            </a:r>
+            <a:r>
+              <a:rPr lang="en-US" sz="2800" dirty="0" err="1">
+                <a:solidFill>
+                  <a:srgbClr val="707070"/>
+                </a:solidFill>
+                <a:latin typeface="Pragmatica" panose="020B0403040502020204" pitchFamily="34" charset="0"/>
+              </a:rPr>
+              <a:t>Zumstein</a:t>
+            </a:r>
+            <a:r>
+              <a:rPr lang="en-US" sz="2800" dirty="0">
+                <a:solidFill>
+                  <a:srgbClr val="707070"/>
+                </a:solidFill>
+                <a:latin typeface="Pragmatica" panose="020B0403040502020204" pitchFamily="34" charset="0"/>
+              </a:rPr>
+              <a:t> </a:t>
+            </a:r>
+          </a:p>
+        </p:txBody>
+      </p:sp>
+    </p:spTree>
+    <p:extLst>
+      <p:ext uri="{BB962C8B-B14F-4D97-AF65-F5344CB8AC3E}">
+        <p14:creationId xmlns:p14="http://schemas.microsoft.com/office/powerpoint/2010/main" val="2249534705"/>
+      </p:ext>
+    </p:extLst>
+  </p:cSld>
+  <p:clrMapOvr>
+    <a:masterClrMapping/>
+  </p:clrMapOvr>
+</p:sld>
+</file>
+
+<file path=ppt/slides/slide31.xml><?xml version="1.0" encoding="utf-8"?>
+<p:sld xmlns:a="http://schemas.openxmlformats.org/drawingml/2006/main" xmlns:r="http://schemas.openxmlformats.org/officeDocument/2006/relationships" xmlns:p="http://schemas.openxmlformats.org/presentationml/2006/main">
+  <p:cSld>
+    <p:spTree>
+      <p:nvGrpSpPr>
+        <p:cNvPr id="1" name=""/>
+        <p:cNvGrpSpPr/>
+        <p:nvPr/>
+      </p:nvGrpSpPr>
+      <p:grpSpPr>
+        <a:xfrm>
+          <a:off x="0" y="0"/>
+          <a:ext cx="0" cy="0"/>
+          <a:chOff x="0" y="0"/>
+          <a:chExt cx="0" cy="0"/>
+        </a:xfrm>
+      </p:grpSpPr>
+      <p:pic>
+        <p:nvPicPr>
+          <p:cNvPr id="10" name="Picture 9"/>
+          <p:cNvPicPr>
+            <a:picLocks noChangeAspect="1"/>
+          </p:cNvPicPr>
+          <p:nvPr/>
+        </p:nvPicPr>
+        <p:blipFill rotWithShape="1">
+          <a:blip r:embed="rId2">
+            <a:extLst>
+              <a:ext uri="{28A0092B-C50C-407E-A947-70E740481C1C}">
+                <a14:useLocalDpi xmlns:a14="http://schemas.microsoft.com/office/drawing/2010/main" val="0"/>
+              </a:ext>
+            </a:extLst>
+          </a:blip>
+          <a:srcRect l="50728" t="56371"/>
+          <a:stretch/>
+        </p:blipFill>
+        <p:spPr>
+          <a:xfrm>
+            <a:off x="10894024" y="5370653"/>
+            <a:ext cx="1297975" cy="1487348"/>
+          </a:xfrm>
+          <a:prstGeom prst="rect">
+            <a:avLst/>
+          </a:prstGeom>
+        </p:spPr>
+      </p:pic>
+      <p:sp>
+        <p:nvSpPr>
+          <p:cNvPr id="11" name="TextBox 10"/>
+          <p:cNvSpPr txBox="1"/>
+          <p:nvPr/>
+        </p:nvSpPr>
+        <p:spPr>
+          <a:xfrm>
+            <a:off x="347240" y="113388"/>
+            <a:ext cx="10861534" cy="1015663"/>
+          </a:xfrm>
+          <a:prstGeom prst="rect">
+            <a:avLst/>
+          </a:prstGeom>
+          <a:noFill/>
+        </p:spPr>
+        <p:txBody>
+          <a:bodyPr wrap="square" rtlCol="0">
+            <a:spAutoFit/>
+          </a:bodyPr>
+          <a:lstStyle/>
+          <a:p>
+            <a:r>
+              <a:rPr lang="en-US" sz="6000" dirty="0">
+                <a:latin typeface="Aliens &amp; cows" panose="00000500000000000000" pitchFamily="2" charset="0"/>
+              </a:rPr>
               <a:t>Get in touch</a:t>
             </a:r>
           </a:p>
@@ -12588,7 +12857,7 @@
 </p:sld>
 </file>
 
-<file path=ppt/slides/slide31.xml><?xml version="1.0" encoding="utf-8"?>
+<file path=ppt/slides/slide32.xml><?xml version="1.0" encoding="utf-8"?>
 <p:sld xmlns:a="http://schemas.openxmlformats.org/drawingml/2006/main" xmlns:r="http://schemas.openxmlformats.org/officeDocument/2006/relationships" xmlns:p="http://schemas.openxmlformats.org/presentationml/2006/main">
   <p:cSld>
     <p:spTree>
@@ -13122,59 +13391,45 @@
           <a:chExt cx="0" cy="0"/>
         </a:xfrm>
       </p:grpSpPr>
-      <p:sp>
-        <p:nvSpPr>
-          <p:cNvPr id="4" name="Rectangle 3"/>
-          <p:cNvSpPr/>
+      <p:pic>
+        <p:nvPicPr>
+          <p:cNvPr id="10" name="Picture 9"/>
+          <p:cNvPicPr>
+            <a:picLocks noChangeAspect="1"/>
+          </p:cNvPicPr>
           <p:nvPr/>
-        </p:nvSpPr>
-        <p:spPr>
-          <a:xfrm>
-            <a:off x="0" y="0"/>
-            <a:ext cx="12192000" cy="6858000"/>
+        </p:nvPicPr>
+        <p:blipFill rotWithShape="1">
+          <a:blip r:embed="rId2">
+            <a:extLst>
+              <a:ext uri="{28A0092B-C50C-407E-A947-70E740481C1C}">
+                <a14:useLocalDpi xmlns:a14="http://schemas.microsoft.com/office/drawing/2010/main" val="0"/>
+              </a:ext>
+            </a:extLst>
+          </a:blip>
+          <a:srcRect l="50728" t="56371"/>
+          <a:stretch/>
+        </p:blipFill>
+        <p:spPr>
+          <a:xfrm>
+            <a:off x="10894024" y="5370653"/>
+            <a:ext cx="1297975" cy="1487348"/>
           </a:xfrm>
           <a:prstGeom prst="rect">
             <a:avLst/>
           </a:prstGeom>
-          <a:solidFill>
-            <a:srgbClr val="CF3338"/>
-          </a:solidFill>
-        </p:spPr>
-        <p:style>
-          <a:lnRef idx="2">
-            <a:schemeClr val="accent1">
-              <a:shade val="50000"/>
-            </a:schemeClr>
-          </a:lnRef>
-          <a:fillRef idx="1">
-            <a:schemeClr val="accent1"/>
-          </a:fillRef>
-          <a:effectRef idx="0">
-            <a:schemeClr val="accent1"/>
-          </a:effectRef>
-          <a:fontRef idx="minor">
-            <a:schemeClr val="lt1"/>
-          </a:fontRef>
-        </p:style>
-        <p:txBody>
-          <a:bodyPr rtlCol="0" anchor="ctr"/>
-          <a:lstStyle/>
-          <a:p>
-            <a:pPr algn="ctr"/>
-            <a:endParaRPr lang="en-US"/>
-          </a:p>
-        </p:txBody>
-      </p:sp>
-      <p:sp>
-        <p:nvSpPr>
-          <p:cNvPr id="5" name="TextBox 4"/>
+        </p:spPr>
+      </p:pic>
+      <p:sp>
+        <p:nvSpPr>
+          <p:cNvPr id="11" name="TextBox 10"/>
           <p:cNvSpPr txBox="1"/>
           <p:nvPr/>
         </p:nvSpPr>
         <p:spPr>
           <a:xfrm>
-            <a:off x="520861" y="393539"/>
-            <a:ext cx="10324617" cy="2123658"/>
+            <a:off x="347240" y="113388"/>
+            <a:ext cx="9799937" cy="1015663"/>
           </a:xfrm>
           <a:prstGeom prst="rect">
             <a:avLst/>
@@ -13188,21 +13443,98 @@
           <a:lstStyle/>
           <a:p>
             <a:r>
-              <a:rPr lang="en-US" sz="6600" b="1" dirty="0">
-                <a:solidFill>
-                  <a:schemeClr val="bg1"/>
-                </a:solidFill>
-                <a:latin typeface="Pragmatica" pitchFamily="2" charset="0"/>
-              </a:rPr>
-              <a:t>What is the data analytics stack?</a:t>
-            </a:r>
+              <a:rPr lang="en-US" sz="6000" dirty="0">
+                <a:latin typeface="Aliens &amp; cows" panose="00000500000000000000" pitchFamily="2" charset="0"/>
+              </a:rPr>
+              <a:t>Preferred topics? (Vote here)</a:t>
+            </a:r>
+          </a:p>
+        </p:txBody>
+      </p:sp>
+      <p:sp>
+        <p:nvSpPr>
+          <p:cNvPr id="3" name="TextBox 2"/>
+          <p:cNvSpPr txBox="1"/>
+          <p:nvPr/>
+        </p:nvSpPr>
+        <p:spPr>
+          <a:xfrm>
+            <a:off x="462987" y="1365813"/>
+            <a:ext cx="9595413" cy="1815882"/>
+          </a:xfrm>
+          <a:prstGeom prst="rect">
+            <a:avLst/>
+          </a:prstGeom>
+          <a:noFill/>
+        </p:spPr>
+        <p:txBody>
+          <a:bodyPr wrap="square" rtlCol="0">
+            <a:spAutoFit/>
+          </a:bodyPr>
+          <a:lstStyle/>
+          <a:p>
+            <a:pPr marL="457200" indent="-457200">
+              <a:buFont typeface="Arial" panose="020B0604020202020204" pitchFamily="34" charset="0"/>
+              <a:buChar char="•"/>
+            </a:pPr>
+            <a:r>
+              <a:rPr lang="en-US" sz="2800" dirty="0">
+                <a:solidFill>
+                  <a:srgbClr val="707070"/>
+                </a:solidFill>
+                <a:latin typeface="Pragmatica" panose="020B0403040502020204" pitchFamily="34" charset="0"/>
+              </a:rPr>
+              <a:t>Foundations of Analytics in Excel</a:t>
+            </a:r>
+          </a:p>
+          <a:p>
+            <a:pPr marL="457200" indent="-457200">
+              <a:buFont typeface="Arial" panose="020B0604020202020204" pitchFamily="34" charset="0"/>
+              <a:buChar char="•"/>
+            </a:pPr>
+            <a:r>
+              <a:rPr lang="en-US" sz="2800" dirty="0">
+                <a:solidFill>
+                  <a:srgbClr val="707070"/>
+                </a:solidFill>
+                <a:latin typeface="Pragmatica" panose="020B0403040502020204" pitchFamily="34" charset="0"/>
+              </a:rPr>
+              <a:t>From Excel to R</a:t>
+            </a:r>
+          </a:p>
+          <a:p>
+            <a:pPr marL="457200" indent="-457200">
+              <a:buFont typeface="Arial" panose="020B0604020202020204" pitchFamily="34" charset="0"/>
+              <a:buChar char="•"/>
+            </a:pPr>
+            <a:r>
+              <a:rPr lang="en-US" sz="2800" dirty="0">
+                <a:solidFill>
+                  <a:srgbClr val="707070"/>
+                </a:solidFill>
+                <a:latin typeface="Pragmatica" panose="020B0403040502020204" pitchFamily="34" charset="0"/>
+              </a:rPr>
+              <a:t>From Excel to Python</a:t>
+            </a:r>
+          </a:p>
+          <a:p>
+            <a:pPr marL="285750" indent="-285750">
+              <a:buFont typeface="Arial" panose="020B0604020202020204" pitchFamily="34" charset="0"/>
+              <a:buChar char="•"/>
+            </a:pPr>
+            <a:endParaRPr lang="en-US" sz="2800" dirty="0">
+              <a:solidFill>
+                <a:srgbClr val="707070"/>
+              </a:solidFill>
+              <a:latin typeface="Pragmatica" panose="020B0403040502020204" pitchFamily="34" charset="0"/>
+            </a:endParaRPr>
           </a:p>
         </p:txBody>
       </p:sp>
     </p:spTree>
     <p:extLst>
       <p:ext uri="{BB962C8B-B14F-4D97-AF65-F5344CB8AC3E}">
-        <p14:creationId xmlns:p14="http://schemas.microsoft.com/office/powerpoint/2010/main" val="4066819571"/>
+        <p14:creationId xmlns:p14="http://schemas.microsoft.com/office/powerpoint/2010/main" val="2320200950"/>
       </p:ext>
     </p:extLst>
   </p:cSld>
@@ -13229,45 +13561,59 @@
           <a:chExt cx="0" cy="0"/>
         </a:xfrm>
       </p:grpSpPr>
-      <p:pic>
-        <p:nvPicPr>
-          <p:cNvPr id="10" name="Picture 9"/>
-          <p:cNvPicPr>
-            <a:picLocks noChangeAspect="1"/>
-          </p:cNvPicPr>
+      <p:sp>
+        <p:nvSpPr>
+          <p:cNvPr id="4" name="Rectangle 3"/>
+          <p:cNvSpPr/>
           <p:nvPr/>
-        </p:nvPicPr>
-        <p:blipFill rotWithShape="1">
-          <a:blip r:embed="rId3">
-            <a:extLst>
-              <a:ext uri="{28A0092B-C50C-407E-A947-70E740481C1C}">
-                <a14:useLocalDpi xmlns:a14="http://schemas.microsoft.com/office/drawing/2010/main" val="0"/>
-              </a:ext>
-            </a:extLst>
-          </a:blip>
-          <a:srcRect l="50728" t="56371"/>
-          <a:stretch/>
-        </p:blipFill>
-        <p:spPr>
-          <a:xfrm>
-            <a:off x="10894024" y="5370653"/>
-            <a:ext cx="1297975" cy="1487348"/>
+        </p:nvSpPr>
+        <p:spPr>
+          <a:xfrm>
+            <a:off x="0" y="0"/>
+            <a:ext cx="12192000" cy="6858000"/>
           </a:xfrm>
           <a:prstGeom prst="rect">
             <a:avLst/>
           </a:prstGeom>
-        </p:spPr>
-      </p:pic>
-      <p:sp>
-        <p:nvSpPr>
-          <p:cNvPr id="11" name="TextBox 10"/>
+          <a:solidFill>
+            <a:srgbClr val="CF3338"/>
+          </a:solidFill>
+        </p:spPr>
+        <p:style>
+          <a:lnRef idx="2">
+            <a:schemeClr val="accent1">
+              <a:shade val="50000"/>
+            </a:schemeClr>
+          </a:lnRef>
+          <a:fillRef idx="1">
+            <a:schemeClr val="accent1"/>
+          </a:fillRef>
+          <a:effectRef idx="0">
+            <a:schemeClr val="accent1"/>
+          </a:effectRef>
+          <a:fontRef idx="minor">
+            <a:schemeClr val="lt1"/>
+          </a:fontRef>
+        </p:style>
+        <p:txBody>
+          <a:bodyPr rtlCol="0" anchor="ctr"/>
+          <a:lstStyle/>
+          <a:p>
+            <a:pPr algn="ctr"/>
+            <a:endParaRPr lang="en-US"/>
+          </a:p>
+        </p:txBody>
+      </p:sp>
+      <p:sp>
+        <p:nvSpPr>
+          <p:cNvPr id="5" name="TextBox 4"/>
           <p:cNvSpPr txBox="1"/>
           <p:nvPr/>
         </p:nvSpPr>
         <p:spPr>
           <a:xfrm>
-            <a:off x="347240" y="113388"/>
-            <a:ext cx="9799937" cy="1015663"/>
+            <a:off x="520861" y="393539"/>
+            <a:ext cx="10324617" cy="2123658"/>
           </a:xfrm>
           <a:prstGeom prst="rect">
             <a:avLst/>
@@ -13281,126 +13627,21 @@
           <a:lstStyle/>
           <a:p>
             <a:r>
-              <a:rPr lang="en-US" sz="6000" dirty="0">
-                <a:latin typeface="Aliens &amp; cows" panose="00000500000000000000" pitchFamily="2" charset="0"/>
-              </a:rPr>
-              <a:t>Spare no tools… </a:t>
-            </a:r>
-          </a:p>
-        </p:txBody>
-      </p:sp>
-      <p:pic>
-        <p:nvPicPr>
-          <p:cNvPr id="4" name="Picture 3" descr="Diagram, text&#10;&#10;Description automatically generated">
-            <a:extLst>
-              <a:ext uri="{FF2B5EF4-FFF2-40B4-BE49-F238E27FC236}">
-                <a16:creationId xmlns:a16="http://schemas.microsoft.com/office/drawing/2014/main" id="{69888AE4-E6A5-42EE-8C41-9647CFF76E35}"/>
-              </a:ext>
-            </a:extLst>
-          </p:cNvPr>
-          <p:cNvPicPr>
-            <a:picLocks noChangeAspect="1"/>
-          </p:cNvPicPr>
-          <p:nvPr/>
-        </p:nvPicPr>
-        <p:blipFill>
-          <a:blip r:embed="rId4">
-            <a:extLst>
-              <a:ext uri="{28A0092B-C50C-407E-A947-70E740481C1C}">
-                <a14:useLocalDpi xmlns:a14="http://schemas.microsoft.com/office/drawing/2010/main" val="0"/>
-              </a:ext>
-            </a:extLst>
-          </a:blip>
-          <a:stretch>
-            <a:fillRect/>
-          </a:stretch>
-        </p:blipFill>
-        <p:spPr>
-          <a:xfrm>
-            <a:off x="1929935" y="1777154"/>
-            <a:ext cx="8555449" cy="4024138"/>
-          </a:xfrm>
-          <a:prstGeom prst="rect">
-            <a:avLst/>
-          </a:prstGeom>
-        </p:spPr>
-      </p:pic>
-      <p:sp>
-        <p:nvSpPr>
-          <p:cNvPr id="7" name="TextBox 6">
-            <a:extLst>
-              <a:ext uri="{FF2B5EF4-FFF2-40B4-BE49-F238E27FC236}">
-                <a16:creationId xmlns:a16="http://schemas.microsoft.com/office/drawing/2014/main" id="{CFAB272F-EC83-45BA-935F-DFBF5407D2B6}"/>
-              </a:ext>
-            </a:extLst>
-          </p:cNvPr>
-          <p:cNvSpPr txBox="1"/>
-          <p:nvPr/>
-        </p:nvSpPr>
-        <p:spPr>
-          <a:xfrm>
-            <a:off x="261704" y="6114327"/>
-            <a:ext cx="9493446" cy="369332"/>
-          </a:xfrm>
-          <a:prstGeom prst="rect">
-            <a:avLst/>
-          </a:prstGeom>
-          <a:noFill/>
-        </p:spPr>
-        <p:txBody>
-          <a:bodyPr wrap="square" rtlCol="0">
-            <a:spAutoFit/>
-          </a:bodyPr>
-          <a:lstStyle/>
-          <a:p>
-            <a:r>
-              <a:rPr lang="en-US" dirty="0">
-                <a:solidFill>
-                  <a:schemeClr val="bg1">
-                    <a:lumMod val="50000"/>
-                  </a:schemeClr>
+              <a:rPr lang="en-US" sz="6600" b="1" dirty="0">
+                <a:solidFill>
+                  <a:schemeClr val="bg1"/>
                 </a:solidFill>
                 <a:latin typeface="Pragmatica" pitchFamily="2" charset="0"/>
               </a:rPr>
-              <a:t>Mount, George. </a:t>
-            </a:r>
-            <a:r>
-              <a:rPr lang="en-US" i="1" dirty="0">
-                <a:solidFill>
-                  <a:schemeClr val="bg1">
-                    <a:lumMod val="50000"/>
-                  </a:schemeClr>
-                </a:solidFill>
-                <a:latin typeface="Pragmatica" pitchFamily="2" charset="0"/>
-              </a:rPr>
-              <a:t>Advancing into Analytics: From Excel to Python and R</a:t>
-            </a:r>
-            <a:r>
-              <a:rPr lang="en-US" dirty="0">
-                <a:solidFill>
-                  <a:schemeClr val="bg1">
-                    <a:lumMod val="50000"/>
-                  </a:schemeClr>
-                </a:solidFill>
-                <a:latin typeface="Pragmatica" pitchFamily="2" charset="0"/>
-              </a:rPr>
-              <a:t>. O’Reilly Media, 2021</a:t>
-            </a:r>
-            <a:endParaRPr lang="en-US" i="1" dirty="0">
-              <a:solidFill>
-                <a:schemeClr val="bg1">
-                  <a:lumMod val="50000"/>
-                </a:schemeClr>
-              </a:solidFill>
-              <a:latin typeface="Pragmatica" pitchFamily="2" charset="0"/>
-            </a:endParaRPr>
+              <a:t>What is the data analytics stack?</a:t>
+            </a:r>
           </a:p>
         </p:txBody>
       </p:sp>
     </p:spTree>
     <p:extLst>
       <p:ext uri="{BB962C8B-B14F-4D97-AF65-F5344CB8AC3E}">
-        <p14:creationId xmlns:p14="http://schemas.microsoft.com/office/powerpoint/2010/main" val="3729633991"/>
+        <p14:creationId xmlns:p14="http://schemas.microsoft.com/office/powerpoint/2010/main" val="4066819571"/>
       </p:ext>
     </p:extLst>
   </p:cSld>
@@ -13465,7 +13706,7 @@
         <p:spPr>
           <a:xfrm>
             <a:off x="347240" y="113388"/>
-            <a:ext cx="11447363" cy="923330"/>
+            <a:ext cx="9799937" cy="1015663"/>
           </a:xfrm>
           <a:prstGeom prst="rect">
             <a:avLst/>
@@ -13479,25 +13720,25 @@
           <a:lstStyle/>
           <a:p>
             <a:r>
-              <a:rPr lang="en-US" sz="5400" dirty="0">
+              <a:rPr lang="en-US" sz="6000" dirty="0">
                 <a:latin typeface="Aliens &amp; cows" panose="00000500000000000000" pitchFamily="2" charset="0"/>
               </a:rPr>
-              <a:t>Don’t take my word for it… </a:t>
+              <a:t>Spare no tools… </a:t>
             </a:r>
           </a:p>
         </p:txBody>
       </p:sp>
       <p:pic>
         <p:nvPicPr>
-          <p:cNvPr id="1026" name="Picture 2" descr="microsoft-loves-open-source">
+          <p:cNvPr id="4" name="Picture 3" descr="Diagram, text&#10;&#10;Description automatically generated">
             <a:extLst>
               <a:ext uri="{FF2B5EF4-FFF2-40B4-BE49-F238E27FC236}">
-                <a16:creationId xmlns:a16="http://schemas.microsoft.com/office/drawing/2014/main" id="{A931006F-21EE-492D-84E9-846695305C53}"/>
+                <a16:creationId xmlns:a16="http://schemas.microsoft.com/office/drawing/2014/main" id="{69888AE4-E6A5-42EE-8C41-9647CFF76E35}"/>
               </a:ext>
             </a:extLst>
           </p:cNvPr>
           <p:cNvPicPr>
-            <a:picLocks noChangeAspect="1" noChangeArrowheads="1"/>
+            <a:picLocks noChangeAspect="1"/>
           </p:cNvPicPr>
           <p:nvPr/>
         </p:nvPicPr>
@@ -13509,37 +13750,26 @@
               </a:ext>
             </a:extLst>
           </a:blip>
-          <a:srcRect/>
           <a:stretch>
             <a:fillRect/>
           </a:stretch>
         </p:blipFill>
-        <p:spPr bwMode="auto">
-          <a:xfrm>
-            <a:off x="684888" y="1312010"/>
-            <a:ext cx="5074015" cy="947149"/>
+        <p:spPr>
+          <a:xfrm>
+            <a:off x="1929935" y="1777154"/>
+            <a:ext cx="8555449" cy="4024138"/>
           </a:xfrm>
           <a:prstGeom prst="rect">
             <a:avLst/>
           </a:prstGeom>
-          <a:noFill/>
-          <a:extLst>
-            <a:ext uri="{909E8E84-426E-40DD-AFC4-6F175D3DCCD1}">
-              <a14:hiddenFill xmlns:a14="http://schemas.microsoft.com/office/drawing/2010/main">
-                <a:solidFill>
-                  <a:srgbClr val="FFFFFF"/>
-                </a:solidFill>
-              </a14:hiddenFill>
-            </a:ext>
-          </a:extLst>
         </p:spPr>
       </p:pic>
       <p:sp>
         <p:nvSpPr>
-          <p:cNvPr id="3" name="TextBox 2">
+          <p:cNvPr id="7" name="TextBox 6">
             <a:extLst>
               <a:ext uri="{FF2B5EF4-FFF2-40B4-BE49-F238E27FC236}">
-                <a16:creationId xmlns:a16="http://schemas.microsoft.com/office/drawing/2014/main" id="{BA82E761-61F9-49F1-A2FF-47B99AA5E20E}"/>
+                <a16:creationId xmlns:a16="http://schemas.microsoft.com/office/drawing/2014/main" id="{CFAB272F-EC83-45BA-935F-DFBF5407D2B6}"/>
               </a:ext>
             </a:extLst>
           </p:cNvPr>
@@ -13548,8 +13778,8 @@
         </p:nvSpPr>
         <p:spPr>
           <a:xfrm>
-            <a:off x="347240" y="6098281"/>
-            <a:ext cx="9493446" cy="646331"/>
+            <a:off x="261704" y="6114327"/>
+            <a:ext cx="9493446" cy="369332"/>
           </a:xfrm>
           <a:prstGeom prst="rect">
             <a:avLst/>
@@ -13571,227 +13801,45 @@
                 </a:solidFill>
                 <a:latin typeface="Pragmatica" pitchFamily="2" charset="0"/>
               </a:rPr>
-              <a:t>https://docs.microsoft.com/en-us/archive/blogs/wikininjas/tnwiki-article-spotlight-consuming-azure-storages-python-sdk-using-ptvs</a:t>
-            </a:r>
-          </a:p>
-        </p:txBody>
-      </p:sp>
-      <p:sp>
-        <p:nvSpPr>
-          <p:cNvPr id="2" name="TextBox 1">
-            <a:extLst>
-              <a:ext uri="{FF2B5EF4-FFF2-40B4-BE49-F238E27FC236}">
-                <a16:creationId xmlns:a16="http://schemas.microsoft.com/office/drawing/2014/main" id="{F3C27099-A60E-45D4-A935-9582286243BF}"/>
-              </a:ext>
-            </a:extLst>
-          </p:cNvPr>
-          <p:cNvSpPr txBox="1"/>
-          <p:nvPr/>
-        </p:nvSpPr>
-        <p:spPr>
-          <a:xfrm>
-            <a:off x="8723136" y="827998"/>
-            <a:ext cx="3121624" cy="2862322"/>
-          </a:xfrm>
-          <a:prstGeom prst="rect">
-            <a:avLst/>
-          </a:prstGeom>
-          <a:noFill/>
-        </p:spPr>
-        <p:txBody>
-          <a:bodyPr wrap="square" rtlCol="0">
-            <a:spAutoFit/>
-          </a:bodyPr>
-          <a:lstStyle/>
-          <a:p>
-            <a:r>
-              <a:rPr lang="en-US" sz="3600" dirty="0">
-                <a:solidFill>
-                  <a:srgbClr val="707070"/>
-                </a:solidFill>
-                <a:latin typeface="Pragmatica" panose="020B7200000000000000" pitchFamily="34" charset="0"/>
-              </a:rPr>
-              <a:t>Free to</a:t>
-            </a:r>
-          </a:p>
-          <a:p>
-            <a:pPr marL="285750" indent="-285750">
-              <a:buFontTx/>
-              <a:buChar char="-"/>
-            </a:pPr>
-            <a:r>
-              <a:rPr lang="en-US" sz="3600" dirty="0">
-                <a:solidFill>
-                  <a:srgbClr val="707070"/>
-                </a:solidFill>
-                <a:latin typeface="Pragmatica" panose="020B7200000000000000" pitchFamily="34" charset="0"/>
-              </a:rPr>
-              <a:t>Use</a:t>
-            </a:r>
-          </a:p>
-          <a:p>
-            <a:pPr marL="285750" indent="-285750">
-              <a:buFontTx/>
-              <a:buChar char="-"/>
-            </a:pPr>
-            <a:r>
-              <a:rPr lang="en-US" sz="3600" dirty="0">
-                <a:solidFill>
-                  <a:srgbClr val="707070"/>
-                </a:solidFill>
-                <a:latin typeface="Pragmatica" panose="020B7200000000000000" pitchFamily="34" charset="0"/>
-              </a:rPr>
-              <a:t>Build on</a:t>
-            </a:r>
-          </a:p>
-          <a:p>
-            <a:pPr marL="285750" indent="-285750">
-              <a:buFontTx/>
-              <a:buChar char="-"/>
-            </a:pPr>
-            <a:r>
-              <a:rPr lang="en-US" sz="3600" dirty="0">
-                <a:solidFill>
-                  <a:srgbClr val="707070"/>
-                </a:solidFill>
-                <a:latin typeface="Pragmatica" panose="020B7200000000000000" pitchFamily="34" charset="0"/>
-              </a:rPr>
-              <a:t>Repurpose</a:t>
-            </a:r>
-          </a:p>
-          <a:p>
-            <a:pPr marL="285750" indent="-285750">
-              <a:buFontTx/>
-              <a:buChar char="-"/>
-            </a:pPr>
-            <a:r>
-              <a:rPr lang="en-US" sz="3600" dirty="0">
-                <a:solidFill>
-                  <a:srgbClr val="707070"/>
-                </a:solidFill>
-                <a:latin typeface="Pragmatica" panose="020B7200000000000000" pitchFamily="34" charset="0"/>
-              </a:rPr>
-              <a:t>Redistribute</a:t>
-            </a:r>
-          </a:p>
-        </p:txBody>
-      </p:sp>
-      <p:pic>
-        <p:nvPicPr>
-          <p:cNvPr id="7" name="Picture 6">
-            <a:extLst>
-              <a:ext uri="{FF2B5EF4-FFF2-40B4-BE49-F238E27FC236}">
-                <a16:creationId xmlns:a16="http://schemas.microsoft.com/office/drawing/2014/main" id="{4920552E-A6F1-442A-80A4-B59141A0871E}"/>
-              </a:ext>
-            </a:extLst>
-          </p:cNvPr>
-          <p:cNvPicPr>
-            <a:picLocks noChangeAspect="1"/>
-          </p:cNvPicPr>
-          <p:nvPr/>
-        </p:nvPicPr>
-        <p:blipFill>
-          <a:blip r:embed="rId5"/>
-          <a:stretch>
-            <a:fillRect/>
-          </a:stretch>
-        </p:blipFill>
-        <p:spPr>
-          <a:xfrm>
-            <a:off x="274588" y="2775420"/>
-            <a:ext cx="4991792" cy="2806600"/>
-          </a:xfrm>
-          <a:prstGeom prst="rect">
-            <a:avLst/>
-          </a:prstGeom>
-        </p:spPr>
-      </p:pic>
-      <p:pic>
-        <p:nvPicPr>
-          <p:cNvPr id="8" name="Picture 7">
-            <a:extLst>
-              <a:ext uri="{FF2B5EF4-FFF2-40B4-BE49-F238E27FC236}">
-                <a16:creationId xmlns:a16="http://schemas.microsoft.com/office/drawing/2014/main" id="{F7E2D9E8-C60B-45C7-983F-680E54250661}"/>
-              </a:ext>
-            </a:extLst>
-          </p:cNvPr>
-          <p:cNvPicPr>
-            <a:picLocks noChangeAspect="1"/>
-          </p:cNvPicPr>
-          <p:nvPr/>
-        </p:nvPicPr>
-        <p:blipFill>
-          <a:blip r:embed="rId6"/>
-          <a:stretch>
-            <a:fillRect/>
-          </a:stretch>
-        </p:blipFill>
-        <p:spPr>
-          <a:xfrm>
-            <a:off x="5842689" y="3807803"/>
-            <a:ext cx="3997997" cy="2136073"/>
-          </a:xfrm>
-          <a:prstGeom prst="rect">
-            <a:avLst/>
-          </a:prstGeom>
-        </p:spPr>
-      </p:pic>
-      <p:sp>
-        <p:nvSpPr>
-          <p:cNvPr id="4" name="Rectangle 3">
-            <a:extLst>
-              <a:ext uri="{FF2B5EF4-FFF2-40B4-BE49-F238E27FC236}">
-                <a16:creationId xmlns:a16="http://schemas.microsoft.com/office/drawing/2014/main" id="{59889E5F-8C2F-4391-A49E-D05F27FB4984}"/>
-              </a:ext>
-            </a:extLst>
-          </p:cNvPr>
-          <p:cNvSpPr/>
-          <p:nvPr/>
-        </p:nvSpPr>
-        <p:spPr>
-          <a:xfrm>
-            <a:off x="5909301" y="5582020"/>
-            <a:ext cx="923455" cy="302677"/>
-          </a:xfrm>
-          <a:prstGeom prst="rect">
-            <a:avLst/>
-          </a:prstGeom>
-          <a:noFill/>
-          <a:ln w="28575">
-            <a:solidFill>
-              <a:srgbClr val="CF3338"/>
-            </a:solidFill>
-          </a:ln>
-        </p:spPr>
-        <p:style>
-          <a:lnRef idx="2">
-            <a:schemeClr val="accent1">
-              <a:shade val="50000"/>
-            </a:schemeClr>
-          </a:lnRef>
-          <a:fillRef idx="1">
-            <a:schemeClr val="accent1"/>
-          </a:fillRef>
-          <a:effectRef idx="0">
-            <a:schemeClr val="accent1"/>
-          </a:effectRef>
-          <a:fontRef idx="minor">
-            <a:schemeClr val="lt1"/>
-          </a:fontRef>
-        </p:style>
-        <p:txBody>
-          <a:bodyPr rtlCol="0" anchor="ctr"/>
-          <a:lstStyle/>
-          <a:p>
-            <a:pPr algn="ctr"/>
-            <a:endParaRPr lang="en-US"/>
+              <a:t>Mount, George. </a:t>
+            </a:r>
+            <a:r>
+              <a:rPr lang="en-US" i="1" dirty="0">
+                <a:solidFill>
+                  <a:schemeClr val="bg1">
+                    <a:lumMod val="50000"/>
+                  </a:schemeClr>
+                </a:solidFill>
+                <a:latin typeface="Pragmatica" pitchFamily="2" charset="0"/>
+              </a:rPr>
+              <a:t>Advancing into Analytics: From Excel to Python and R</a:t>
+            </a:r>
+            <a:r>
+              <a:rPr lang="en-US" dirty="0">
+                <a:solidFill>
+                  <a:schemeClr val="bg1">
+                    <a:lumMod val="50000"/>
+                  </a:schemeClr>
+                </a:solidFill>
+                <a:latin typeface="Pragmatica" pitchFamily="2" charset="0"/>
+              </a:rPr>
+              <a:t>. O’Reilly Media, 2021</a:t>
+            </a:r>
+            <a:endParaRPr lang="en-US" i="1" dirty="0">
+              <a:solidFill>
+                <a:schemeClr val="bg1">
+                  <a:lumMod val="50000"/>
+                </a:schemeClr>
+              </a:solidFill>
+              <a:latin typeface="Pragmatica" pitchFamily="2" charset="0"/>
+            </a:endParaRPr>
           </a:p>
         </p:txBody>
       </p:sp>
     </p:spTree>
     <p:extLst>
       <p:ext uri="{BB962C8B-B14F-4D97-AF65-F5344CB8AC3E}">
-        <p14:creationId xmlns:p14="http://schemas.microsoft.com/office/powerpoint/2010/main" val="1483565379"/>
+        <p14:creationId xmlns:p14="http://schemas.microsoft.com/office/powerpoint/2010/main" val="3729633991"/>
       </p:ext>
     </p:extLst>
   </p:cSld>
@@ -13856,7 +13904,7 @@
         <p:spPr>
           <a:xfrm>
             <a:off x="347240" y="113388"/>
-            <a:ext cx="9799937" cy="1015663"/>
+            <a:ext cx="11447363" cy="923330"/>
           </a:xfrm>
           <a:prstGeom prst="rect">
             <a:avLst/>
@@ -13870,29 +13918,82 @@
           <a:lstStyle/>
           <a:p>
             <a:r>
-              <a:rPr lang="en-US" sz="6000" dirty="0">
+              <a:rPr lang="en-US" sz="5400" dirty="0">
                 <a:latin typeface="Aliens &amp; cows" panose="00000500000000000000" pitchFamily="2" charset="0"/>
               </a:rPr>
-              <a:t>The dialects of data</a:t>
-            </a:r>
-          </a:p>
-        </p:txBody>
-      </p:sp>
-      <p:sp>
-        <p:nvSpPr>
-          <p:cNvPr id="3" name="TextBox 2"/>
-          <p:cNvSpPr txBox="1"/>
+              <a:t>Don’t take my word for it… </a:t>
+            </a:r>
+          </a:p>
+        </p:txBody>
+      </p:sp>
+      <p:pic>
+        <p:nvPicPr>
+          <p:cNvPr id="1026" name="Picture 2" descr="microsoft-loves-open-source">
+            <a:extLst>
+              <a:ext uri="{FF2B5EF4-FFF2-40B4-BE49-F238E27FC236}">
+                <a16:creationId xmlns:a16="http://schemas.microsoft.com/office/drawing/2014/main" id="{A931006F-21EE-492D-84E9-846695305C53}"/>
+              </a:ext>
+            </a:extLst>
+          </p:cNvPr>
+          <p:cNvPicPr>
+            <a:picLocks noChangeAspect="1" noChangeArrowheads="1"/>
+          </p:cNvPicPr>
           <p:nvPr/>
-        </p:nvSpPr>
-        <p:spPr>
-          <a:xfrm>
-            <a:off x="449501" y="1377924"/>
-            <a:ext cx="9595413" cy="2677656"/>
+        </p:nvPicPr>
+        <p:blipFill>
+          <a:blip r:embed="rId4">
+            <a:extLst>
+              <a:ext uri="{28A0092B-C50C-407E-A947-70E740481C1C}">
+                <a14:useLocalDpi xmlns:a14="http://schemas.microsoft.com/office/drawing/2010/main" val="0"/>
+              </a:ext>
+            </a:extLst>
+          </a:blip>
+          <a:srcRect/>
+          <a:stretch>
+            <a:fillRect/>
+          </a:stretch>
+        </p:blipFill>
+        <p:spPr bwMode="auto">
+          <a:xfrm>
+            <a:off x="684888" y="1312010"/>
+            <a:ext cx="5074015" cy="947149"/>
           </a:xfrm>
           <a:prstGeom prst="rect">
             <a:avLst/>
           </a:prstGeom>
           <a:noFill/>
+          <a:extLst>
+            <a:ext uri="{909E8E84-426E-40DD-AFC4-6F175D3DCCD1}">
+              <a14:hiddenFill xmlns:a14="http://schemas.microsoft.com/office/drawing/2010/main">
+                <a:solidFill>
+                  <a:srgbClr val="FFFFFF"/>
+                </a:solidFill>
+              </a14:hiddenFill>
+            </a:ext>
+          </a:extLst>
+        </p:spPr>
+      </p:pic>
+      <p:sp>
+        <p:nvSpPr>
+          <p:cNvPr id="3" name="TextBox 2">
+            <a:extLst>
+              <a:ext uri="{FF2B5EF4-FFF2-40B4-BE49-F238E27FC236}">
+                <a16:creationId xmlns:a16="http://schemas.microsoft.com/office/drawing/2014/main" id="{BA82E761-61F9-49F1-A2FF-47B99AA5E20E}"/>
+              </a:ext>
+            </a:extLst>
+          </p:cNvPr>
+          <p:cNvSpPr txBox="1"/>
+          <p:nvPr/>
+        </p:nvSpPr>
+        <p:spPr>
+          <a:xfrm>
+            <a:off x="347240" y="6098281"/>
+            <a:ext cx="9493446" cy="646331"/>
+          </a:xfrm>
+          <a:prstGeom prst="rect">
+            <a:avLst/>
+          </a:prstGeom>
+          <a:noFill/>
         </p:spPr>
         <p:txBody>
           <a:bodyPr wrap="square" rtlCol="0">
@@ -13900,98 +14001,236 @@
           </a:bodyPr>
           <a:lstStyle/>
           <a:p>
-            <a:pPr marL="457200" indent="-457200">
-              <a:buFont typeface="Arial" panose="020B0604020202020204" pitchFamily="34" charset="0"/>
-              <a:buChar char="•"/>
+            <a:r>
+              <a:rPr lang="en-US" dirty="0">
+                <a:solidFill>
+                  <a:schemeClr val="bg1">
+                    <a:lumMod val="50000"/>
+                  </a:schemeClr>
+                </a:solidFill>
+                <a:latin typeface="Pragmatica" pitchFamily="2" charset="0"/>
+              </a:rPr>
+              <a:t>https://docs.microsoft.com/en-us/archive/blogs/wikininjas/tnwiki-article-spotlight-consuming-azure-storages-python-sdk-using-ptvs</a:t>
+            </a:r>
+          </a:p>
+        </p:txBody>
+      </p:sp>
+      <p:sp>
+        <p:nvSpPr>
+          <p:cNvPr id="2" name="TextBox 1">
+            <a:extLst>
+              <a:ext uri="{FF2B5EF4-FFF2-40B4-BE49-F238E27FC236}">
+                <a16:creationId xmlns:a16="http://schemas.microsoft.com/office/drawing/2014/main" id="{F3C27099-A60E-45D4-A935-9582286243BF}"/>
+              </a:ext>
+            </a:extLst>
+          </p:cNvPr>
+          <p:cNvSpPr txBox="1"/>
+          <p:nvPr/>
+        </p:nvSpPr>
+        <p:spPr>
+          <a:xfrm>
+            <a:off x="8723136" y="827998"/>
+            <a:ext cx="3121624" cy="2862322"/>
+          </a:xfrm>
+          <a:prstGeom prst="rect">
+            <a:avLst/>
+          </a:prstGeom>
+          <a:noFill/>
+        </p:spPr>
+        <p:txBody>
+          <a:bodyPr wrap="square" rtlCol="0">
+            <a:spAutoFit/>
+          </a:bodyPr>
+          <a:lstStyle/>
+          <a:p>
+            <a:r>
+              <a:rPr lang="en-US" sz="3600" dirty="0">
+                <a:solidFill>
+                  <a:srgbClr val="707070"/>
+                </a:solidFill>
+                <a:latin typeface="Pragmatica" panose="020B7200000000000000" pitchFamily="34" charset="0"/>
+              </a:rPr>
+              <a:t>Free to</a:t>
+            </a:r>
+          </a:p>
+          <a:p>
+            <a:pPr marL="285750" indent="-285750">
+              <a:buFontTx/>
+              <a:buChar char="-"/>
             </a:pPr>
             <a:r>
-              <a:rPr lang="en-US" sz="2800" dirty="0">
+              <a:rPr lang="en-US" sz="3600" dirty="0">
                 <a:solidFill>
                   <a:srgbClr val="707070"/>
                 </a:solidFill>
-                <a:latin typeface="Pragmatica" panose="020B0403040502020204" pitchFamily="34" charset="0"/>
-              </a:rPr>
-              <a:t>Column-wise operations (Adding, dropping, calculating fields)</a:t>
-            </a:r>
-          </a:p>
-          <a:p>
-            <a:pPr marL="457200" indent="-457200">
-              <a:buFont typeface="Arial" panose="020B0604020202020204" pitchFamily="34" charset="0"/>
-              <a:buChar char="•"/>
+                <a:latin typeface="Pragmatica" panose="020B7200000000000000" pitchFamily="34" charset="0"/>
+              </a:rPr>
+              <a:t>Use</a:t>
+            </a:r>
+          </a:p>
+          <a:p>
+            <a:pPr marL="285750" indent="-285750">
+              <a:buFontTx/>
+              <a:buChar char="-"/>
             </a:pPr>
             <a:r>
-              <a:rPr lang="en-US" sz="2800" dirty="0">
+              <a:rPr lang="en-US" sz="3600" dirty="0">
                 <a:solidFill>
                   <a:srgbClr val="707070"/>
                 </a:solidFill>
-                <a:latin typeface="Pragmatica" panose="020B0403040502020204" pitchFamily="34" charset="0"/>
-              </a:rPr>
-              <a:t>Row-wise operations (Sorting, filtering)</a:t>
-            </a:r>
-          </a:p>
-          <a:p>
-            <a:pPr marL="457200" indent="-457200">
-              <a:buFont typeface="Arial" panose="020B0604020202020204" pitchFamily="34" charset="0"/>
-              <a:buChar char="•"/>
+                <a:latin typeface="Pragmatica" panose="020B7200000000000000" pitchFamily="34" charset="0"/>
+              </a:rPr>
+              <a:t>Build on</a:t>
+            </a:r>
+          </a:p>
+          <a:p>
+            <a:pPr marL="285750" indent="-285750">
+              <a:buFontTx/>
+              <a:buChar char="-"/>
             </a:pPr>
             <a:r>
-              <a:rPr lang="en-US" sz="2800" dirty="0">
+              <a:rPr lang="en-US" sz="3600" dirty="0">
                 <a:solidFill>
                   <a:srgbClr val="707070"/>
                 </a:solidFill>
-                <a:latin typeface="Pragmatica" panose="020B0403040502020204" pitchFamily="34" charset="0"/>
-              </a:rPr>
-              <a:t>Aggregations (Grouping by, summarizing by)</a:t>
-            </a:r>
-          </a:p>
-          <a:p>
-            <a:pPr marL="457200" indent="-457200">
-              <a:buFont typeface="Arial" panose="020B0604020202020204" pitchFamily="34" charset="0"/>
-              <a:buChar char="•"/>
+                <a:latin typeface="Pragmatica" panose="020B7200000000000000" pitchFamily="34" charset="0"/>
+              </a:rPr>
+              <a:t>Repurpose</a:t>
+            </a:r>
+          </a:p>
+          <a:p>
+            <a:pPr marL="285750" indent="-285750">
+              <a:buFontTx/>
+              <a:buChar char="-"/>
             </a:pPr>
             <a:r>
-              <a:rPr lang="en-US" sz="2800" dirty="0">
+              <a:rPr lang="en-US" sz="3600" dirty="0">
                 <a:solidFill>
                   <a:srgbClr val="707070"/>
                 </a:solidFill>
-                <a:latin typeface="Pragmatica" panose="020B0403040502020204" pitchFamily="34" charset="0"/>
-              </a:rPr>
-              <a:t>Joining and merging</a:t>
-            </a:r>
-          </a:p>
-          <a:p>
-            <a:pPr marL="457200" indent="-457200">
-              <a:buFont typeface="Arial" panose="020B0604020202020204" pitchFamily="34" charset="0"/>
-              <a:buChar char="•"/>
-            </a:pPr>
-            <a:r>
-              <a:rPr lang="en-US" sz="2800" dirty="0">
-                <a:solidFill>
-                  <a:srgbClr val="707070"/>
-                </a:solidFill>
-                <a:latin typeface="Pragmatica" panose="020B0403040502020204" pitchFamily="34" charset="0"/>
-              </a:rPr>
-              <a:t>Re-shaping (pivoting and unpivoting)  </a:t>
-            </a:r>
-          </a:p>
-          <a:p>
-            <a:pPr marL="457200" indent="-457200">
-              <a:buFont typeface="Arial" panose="020B0604020202020204" pitchFamily="34" charset="0"/>
-              <a:buChar char="•"/>
-            </a:pPr>
-            <a:endParaRPr lang="en-US" sz="2800" dirty="0">
-              <a:solidFill>
-                <a:srgbClr val="707070"/>
-              </a:solidFill>
-              <a:latin typeface="Pragmatica" panose="020B0403040502020204" pitchFamily="34" charset="0"/>
-            </a:endParaRPr>
+                <a:latin typeface="Pragmatica" panose="020B7200000000000000" pitchFamily="34" charset="0"/>
+              </a:rPr>
+              <a:t>Redistribute</a:t>
+            </a:r>
+          </a:p>
+        </p:txBody>
+      </p:sp>
+      <p:pic>
+        <p:nvPicPr>
+          <p:cNvPr id="7" name="Picture 6">
+            <a:extLst>
+              <a:ext uri="{FF2B5EF4-FFF2-40B4-BE49-F238E27FC236}">
+                <a16:creationId xmlns:a16="http://schemas.microsoft.com/office/drawing/2014/main" id="{4920552E-A6F1-442A-80A4-B59141A0871E}"/>
+              </a:ext>
+            </a:extLst>
+          </p:cNvPr>
+          <p:cNvPicPr>
+            <a:picLocks noChangeAspect="1"/>
+          </p:cNvPicPr>
+          <p:nvPr/>
+        </p:nvPicPr>
+        <p:blipFill>
+          <a:blip r:embed="rId5"/>
+          <a:stretch>
+            <a:fillRect/>
+          </a:stretch>
+        </p:blipFill>
+        <p:spPr>
+          <a:xfrm>
+            <a:off x="274588" y="2775420"/>
+            <a:ext cx="4991792" cy="2806600"/>
+          </a:xfrm>
+          <a:prstGeom prst="rect">
+            <a:avLst/>
+          </a:prstGeom>
+        </p:spPr>
+      </p:pic>
+      <p:pic>
+        <p:nvPicPr>
+          <p:cNvPr id="8" name="Picture 7">
+            <a:extLst>
+              <a:ext uri="{FF2B5EF4-FFF2-40B4-BE49-F238E27FC236}">
+                <a16:creationId xmlns:a16="http://schemas.microsoft.com/office/drawing/2014/main" id="{F7E2D9E8-C60B-45C7-983F-680E54250661}"/>
+              </a:ext>
+            </a:extLst>
+          </p:cNvPr>
+          <p:cNvPicPr>
+            <a:picLocks noChangeAspect="1"/>
+          </p:cNvPicPr>
+          <p:nvPr/>
+        </p:nvPicPr>
+        <p:blipFill>
+          <a:blip r:embed="rId6"/>
+          <a:stretch>
+            <a:fillRect/>
+          </a:stretch>
+        </p:blipFill>
+        <p:spPr>
+          <a:xfrm>
+            <a:off x="5842689" y="3807803"/>
+            <a:ext cx="3997997" cy="2136073"/>
+          </a:xfrm>
+          <a:prstGeom prst="rect">
+            <a:avLst/>
+          </a:prstGeom>
+        </p:spPr>
+      </p:pic>
+      <p:sp>
+        <p:nvSpPr>
+          <p:cNvPr id="4" name="Rectangle 3">
+            <a:extLst>
+              <a:ext uri="{FF2B5EF4-FFF2-40B4-BE49-F238E27FC236}">
+                <a16:creationId xmlns:a16="http://schemas.microsoft.com/office/drawing/2014/main" id="{59889E5F-8C2F-4391-A49E-D05F27FB4984}"/>
+              </a:ext>
+            </a:extLst>
+          </p:cNvPr>
+          <p:cNvSpPr/>
+          <p:nvPr/>
+        </p:nvSpPr>
+        <p:spPr>
+          <a:xfrm>
+            <a:off x="5909301" y="5582020"/>
+            <a:ext cx="923455" cy="302677"/>
+          </a:xfrm>
+          <a:prstGeom prst="rect">
+            <a:avLst/>
+          </a:prstGeom>
+          <a:noFill/>
+          <a:ln w="28575">
+            <a:solidFill>
+              <a:srgbClr val="CF3338"/>
+            </a:solidFill>
+          </a:ln>
+        </p:spPr>
+        <p:style>
+          <a:lnRef idx="2">
+            <a:schemeClr val="accent1">
+              <a:shade val="50000"/>
+            </a:schemeClr>
+          </a:lnRef>
+          <a:fillRef idx="1">
+            <a:schemeClr val="accent1"/>
+          </a:fillRef>
+          <a:effectRef idx="0">
+            <a:schemeClr val="accent1"/>
+          </a:effectRef>
+          <a:fontRef idx="minor">
+            <a:schemeClr val="lt1"/>
+          </a:fontRef>
+        </p:style>
+        <p:txBody>
+          <a:bodyPr rtlCol="0" anchor="ctr"/>
+          <a:lstStyle/>
+          <a:p>
+            <a:pPr algn="ctr"/>
+            <a:endParaRPr lang="en-US"/>
           </a:p>
         </p:txBody>
       </p:sp>
     </p:spTree>
     <p:extLst>
       <p:ext uri="{BB962C8B-B14F-4D97-AF65-F5344CB8AC3E}">
-        <p14:creationId xmlns:p14="http://schemas.microsoft.com/office/powerpoint/2010/main" val="3641797094"/>
+        <p14:creationId xmlns:p14="http://schemas.microsoft.com/office/powerpoint/2010/main" val="1483565379"/>
       </p:ext>
     </p:extLst>
   </p:cSld>

--- a/advancing-into-analytics-presentation.pptx
+++ b/advancing-into-analytics-presentation.pptx
@@ -5,7 +5,7 @@
     <p:sldMasterId id="2147483648" r:id="rId1"/>
   </p:sldMasterIdLst>
   <p:notesMasterIdLst>
-    <p:notesMasterId r:id="rId34"/>
+    <p:notesMasterId r:id="rId36"/>
   </p:notesMasterIdLst>
   <p:sldIdLst>
     <p:sldId id="256" r:id="rId2"/>
@@ -18,28 +18,30 @@
     <p:sldId id="332" r:id="rId9"/>
     <p:sldId id="415" r:id="rId10"/>
     <p:sldId id="416" r:id="rId11"/>
-    <p:sldId id="405" r:id="rId12"/>
-    <p:sldId id="417" r:id="rId13"/>
-    <p:sldId id="406" r:id="rId14"/>
-    <p:sldId id="418" r:id="rId15"/>
-    <p:sldId id="419" r:id="rId16"/>
-    <p:sldId id="420" r:id="rId17"/>
-    <p:sldId id="421" r:id="rId18"/>
-    <p:sldId id="407" r:id="rId19"/>
-    <p:sldId id="422" r:id="rId20"/>
-    <p:sldId id="423" r:id="rId21"/>
-    <p:sldId id="424" r:id="rId22"/>
-    <p:sldId id="425" r:id="rId23"/>
-    <p:sldId id="408" r:id="rId24"/>
-    <p:sldId id="409" r:id="rId25"/>
-    <p:sldId id="410" r:id="rId26"/>
-    <p:sldId id="411" r:id="rId27"/>
-    <p:sldId id="426" r:id="rId28"/>
-    <p:sldId id="427" r:id="rId29"/>
-    <p:sldId id="338" r:id="rId30"/>
-    <p:sldId id="339" r:id="rId31"/>
-    <p:sldId id="412" r:id="rId32"/>
-    <p:sldId id="336" r:id="rId33"/>
+    <p:sldId id="429" r:id="rId12"/>
+    <p:sldId id="430" r:id="rId13"/>
+    <p:sldId id="405" r:id="rId14"/>
+    <p:sldId id="417" r:id="rId15"/>
+    <p:sldId id="406" r:id="rId16"/>
+    <p:sldId id="418" r:id="rId17"/>
+    <p:sldId id="419" r:id="rId18"/>
+    <p:sldId id="420" r:id="rId19"/>
+    <p:sldId id="421" r:id="rId20"/>
+    <p:sldId id="407" r:id="rId21"/>
+    <p:sldId id="422" r:id="rId22"/>
+    <p:sldId id="423" r:id="rId23"/>
+    <p:sldId id="424" r:id="rId24"/>
+    <p:sldId id="425" r:id="rId25"/>
+    <p:sldId id="408" r:id="rId26"/>
+    <p:sldId id="409" r:id="rId27"/>
+    <p:sldId id="410" r:id="rId28"/>
+    <p:sldId id="411" r:id="rId29"/>
+    <p:sldId id="426" r:id="rId30"/>
+    <p:sldId id="427" r:id="rId31"/>
+    <p:sldId id="338" r:id="rId32"/>
+    <p:sldId id="339" r:id="rId33"/>
+    <p:sldId id="412" r:id="rId34"/>
+    <p:sldId id="336" r:id="rId35"/>
   </p:sldIdLst>
   <p:sldSz cx="12192000" cy="6858000"/>
   <p:notesSz cx="6858000" cy="9144000"/>
@@ -1858,7 +1860,7 @@
           <a:p>
             <a:fld id="{503F064B-41F2-4661-BDF0-BFD135E9A557}" type="datetimeFigureOut">
               <a:rPr lang="en-US" smtClean="0"/>
-              <a:t>7/5/2021</a:t>
+              <a:t>7/11/2021</a:t>
             </a:fld>
             <a:endParaRPr lang="en-US"/>
           </a:p>
@@ -2297,7 +2299,7 @@
           <a:p>
             <a:fld id="{3BB66621-ADCC-4EF8-8003-B9D3E881DCD2}" type="slidenum">
               <a:rPr lang="en-US" smtClean="0"/>
-              <a:t>16</a:t>
+              <a:t>18</a:t>
             </a:fld>
             <a:endParaRPr lang="en-US"/>
           </a:p>
@@ -2399,7 +2401,7 @@
           <a:p>
             <a:fld id="{3BB66621-ADCC-4EF8-8003-B9D3E881DCD2}" type="slidenum">
               <a:rPr lang="en-US" smtClean="0"/>
-              <a:t>17</a:t>
+              <a:t>19</a:t>
             </a:fld>
             <a:endParaRPr lang="en-US"/>
           </a:p>
@@ -2518,7 +2520,7 @@
           <a:p>
             <a:fld id="{3BB66621-ADCC-4EF8-8003-B9D3E881DCD2}" type="slidenum">
               <a:rPr lang="en-US" smtClean="0"/>
-              <a:t>18</a:t>
+              <a:t>20</a:t>
             </a:fld>
             <a:endParaRPr lang="en-US"/>
           </a:p>
@@ -2613,7 +2615,7 @@
           <a:p>
             <a:fld id="{3BB66621-ADCC-4EF8-8003-B9D3E881DCD2}" type="slidenum">
               <a:rPr lang="en-US" smtClean="0"/>
-              <a:t>19</a:t>
+              <a:t>21</a:t>
             </a:fld>
             <a:endParaRPr lang="en-US"/>
           </a:p>
@@ -2709,7 +2711,7 @@
           <a:p>
             <a:fld id="{3BB66621-ADCC-4EF8-8003-B9D3E881DCD2}" type="slidenum">
               <a:rPr lang="en-US" smtClean="0"/>
-              <a:t>20</a:t>
+              <a:t>22</a:t>
             </a:fld>
             <a:endParaRPr lang="en-US"/>
           </a:p>
@@ -2796,7 +2798,7 @@
           <a:p>
             <a:fld id="{3BB66621-ADCC-4EF8-8003-B9D3E881DCD2}" type="slidenum">
               <a:rPr lang="en-US" smtClean="0"/>
-              <a:t>21</a:t>
+              <a:t>23</a:t>
             </a:fld>
             <a:endParaRPr lang="en-US"/>
           </a:p>
@@ -2892,7 +2894,7 @@
           <a:p>
             <a:fld id="{3BB66621-ADCC-4EF8-8003-B9D3E881DCD2}" type="slidenum">
               <a:rPr lang="en-US" smtClean="0"/>
-              <a:t>22</a:t>
+              <a:t>24</a:t>
             </a:fld>
             <a:endParaRPr lang="en-US"/>
           </a:p>
@@ -2979,7 +2981,7 @@
           <a:p>
             <a:fld id="{3BB66621-ADCC-4EF8-8003-B9D3E881DCD2}" type="slidenum">
               <a:rPr lang="en-US" smtClean="0"/>
-              <a:t>23</a:t>
+              <a:t>25</a:t>
             </a:fld>
             <a:endParaRPr lang="en-US"/>
           </a:p>
@@ -3066,7 +3068,7 @@
           <a:p>
             <a:fld id="{3BB66621-ADCC-4EF8-8003-B9D3E881DCD2}" type="slidenum">
               <a:rPr lang="en-US" smtClean="0"/>
-              <a:t>24</a:t>
+              <a:t>26</a:t>
             </a:fld>
             <a:endParaRPr lang="en-US"/>
           </a:p>
@@ -3158,7 +3160,7 @@
           <a:p>
             <a:fld id="{3BB66621-ADCC-4EF8-8003-B9D3E881DCD2}" type="slidenum">
               <a:rPr lang="en-US" smtClean="0"/>
-              <a:t>25</a:t>
+              <a:t>27</a:t>
             </a:fld>
             <a:endParaRPr lang="en-US"/>
           </a:p>
@@ -3338,7 +3340,7 @@
           <a:p>
             <a:fld id="{3BB66621-ADCC-4EF8-8003-B9D3E881DCD2}" type="slidenum">
               <a:rPr lang="en-US" smtClean="0"/>
-              <a:t>26</a:t>
+              <a:t>28</a:t>
             </a:fld>
             <a:endParaRPr lang="en-US"/>
           </a:p>
@@ -3454,7 +3456,7 @@
           <a:p>
             <a:fld id="{3BB66621-ADCC-4EF8-8003-B9D3E881DCD2}" type="slidenum">
               <a:rPr lang="en-US" smtClean="0"/>
-              <a:t>29</a:t>
+              <a:t>31</a:t>
             </a:fld>
             <a:endParaRPr lang="en-US"/>
           </a:p>
@@ -3724,7 +3726,7 @@
           <a:p>
             <a:fld id="{3BB66621-ADCC-4EF8-8003-B9D3E881DCD2}" type="slidenum">
               <a:rPr lang="en-US" smtClean="0"/>
-              <a:t>11</a:t>
+              <a:t>13</a:t>
             </a:fld>
             <a:endParaRPr lang="en-US"/>
           </a:p>
@@ -3820,7 +3822,7 @@
           <a:p>
             <a:fld id="{3BB66621-ADCC-4EF8-8003-B9D3E881DCD2}" type="slidenum">
               <a:rPr lang="en-US" smtClean="0"/>
-              <a:t>12</a:t>
+              <a:t>14</a:t>
             </a:fld>
             <a:endParaRPr lang="en-US"/>
           </a:p>
@@ -3922,7 +3924,7 @@
           <a:p>
             <a:fld id="{3BB66621-ADCC-4EF8-8003-B9D3E881DCD2}" type="slidenum">
               <a:rPr lang="en-US" smtClean="0"/>
-              <a:t>13</a:t>
+              <a:t>15</a:t>
             </a:fld>
             <a:endParaRPr lang="en-US"/>
           </a:p>
@@ -4042,7 +4044,7 @@
           <a:p>
             <a:fld id="{3BB66621-ADCC-4EF8-8003-B9D3E881DCD2}" type="slidenum">
               <a:rPr lang="en-US" smtClean="0"/>
-              <a:t>14</a:t>
+              <a:t>16</a:t>
             </a:fld>
             <a:endParaRPr lang="en-US"/>
           </a:p>
@@ -4129,7 +4131,7 @@
           <a:p>
             <a:fld id="{3BB66621-ADCC-4EF8-8003-B9D3E881DCD2}" type="slidenum">
               <a:rPr lang="en-US" smtClean="0"/>
-              <a:t>15</a:t>
+              <a:t>17</a:t>
             </a:fld>
             <a:endParaRPr lang="en-US"/>
           </a:p>
@@ -4277,7 +4279,7 @@
           <a:p>
             <a:fld id="{0138B082-EFC2-46C1-B47C-51736C670379}" type="datetimeFigureOut">
               <a:rPr lang="en-US" smtClean="0"/>
-              <a:t>7/5/2021</a:t>
+              <a:t>7/11/2021</a:t>
             </a:fld>
             <a:endParaRPr lang="en-US"/>
           </a:p>
@@ -4445,7 +4447,7 @@
           <a:p>
             <a:fld id="{0138B082-EFC2-46C1-B47C-51736C670379}" type="datetimeFigureOut">
               <a:rPr lang="en-US" smtClean="0"/>
-              <a:t>7/5/2021</a:t>
+              <a:t>7/11/2021</a:t>
             </a:fld>
             <a:endParaRPr lang="en-US"/>
           </a:p>
@@ -4623,7 +4625,7 @@
           <a:p>
             <a:fld id="{0138B082-EFC2-46C1-B47C-51736C670379}" type="datetimeFigureOut">
               <a:rPr lang="en-US" smtClean="0"/>
-              <a:t>7/5/2021</a:t>
+              <a:t>7/11/2021</a:t>
             </a:fld>
             <a:endParaRPr lang="en-US"/>
           </a:p>
@@ -4791,7 +4793,7 @@
           <a:p>
             <a:fld id="{0138B082-EFC2-46C1-B47C-51736C670379}" type="datetimeFigureOut">
               <a:rPr lang="en-US" smtClean="0"/>
-              <a:t>7/5/2021</a:t>
+              <a:t>7/11/2021</a:t>
             </a:fld>
             <a:endParaRPr lang="en-US"/>
           </a:p>
@@ -5036,7 +5038,7 @@
           <a:p>
             <a:fld id="{0138B082-EFC2-46C1-B47C-51736C670379}" type="datetimeFigureOut">
               <a:rPr lang="en-US" smtClean="0"/>
-              <a:t>7/5/2021</a:t>
+              <a:t>7/11/2021</a:t>
             </a:fld>
             <a:endParaRPr lang="en-US"/>
           </a:p>
@@ -5265,7 +5267,7 @@
           <a:p>
             <a:fld id="{0138B082-EFC2-46C1-B47C-51736C670379}" type="datetimeFigureOut">
               <a:rPr lang="en-US" smtClean="0"/>
-              <a:t>7/5/2021</a:t>
+              <a:t>7/11/2021</a:t>
             </a:fld>
             <a:endParaRPr lang="en-US"/>
           </a:p>
@@ -5629,7 +5631,7 @@
           <a:p>
             <a:fld id="{0138B082-EFC2-46C1-B47C-51736C670379}" type="datetimeFigureOut">
               <a:rPr lang="en-US" smtClean="0"/>
-              <a:t>7/5/2021</a:t>
+              <a:t>7/11/2021</a:t>
             </a:fld>
             <a:endParaRPr lang="en-US"/>
           </a:p>
@@ -5746,7 +5748,7 @@
           <a:p>
             <a:fld id="{0138B082-EFC2-46C1-B47C-51736C670379}" type="datetimeFigureOut">
               <a:rPr lang="en-US" smtClean="0"/>
-              <a:t>7/5/2021</a:t>
+              <a:t>7/11/2021</a:t>
             </a:fld>
             <a:endParaRPr lang="en-US"/>
           </a:p>
@@ -5841,7 +5843,7 @@
           <a:p>
             <a:fld id="{0138B082-EFC2-46C1-B47C-51736C670379}" type="datetimeFigureOut">
               <a:rPr lang="en-US" smtClean="0"/>
-              <a:t>7/5/2021</a:t>
+              <a:t>7/11/2021</a:t>
             </a:fld>
             <a:endParaRPr lang="en-US"/>
           </a:p>
@@ -6116,7 +6118,7 @@
           <a:p>
             <a:fld id="{0138B082-EFC2-46C1-B47C-51736C670379}" type="datetimeFigureOut">
               <a:rPr lang="en-US" smtClean="0"/>
-              <a:t>7/5/2021</a:t>
+              <a:t>7/11/2021</a:t>
             </a:fld>
             <a:endParaRPr lang="en-US"/>
           </a:p>
@@ -6368,7 +6370,7 @@
           <a:p>
             <a:fld id="{0138B082-EFC2-46C1-B47C-51736C670379}" type="datetimeFigureOut">
               <a:rPr lang="en-US" smtClean="0"/>
-              <a:t>7/5/2021</a:t>
+              <a:t>7/11/2021</a:t>
             </a:fld>
             <a:endParaRPr lang="en-US"/>
           </a:p>
@@ -6579,7 +6581,7 @@
           <a:p>
             <a:fld id="{0138B082-EFC2-46C1-B47C-51736C670379}" type="datetimeFigureOut">
               <a:rPr lang="en-US" smtClean="0"/>
-              <a:t>7/5/2021</a:t>
+              <a:t>7/11/2021</a:t>
             </a:fld>
             <a:endParaRPr lang="en-US"/>
           </a:p>
@@ -7144,6 +7146,630 @@
 </file>
 
 <file path=ppt/slides/slide10.xml><?xml version="1.0" encoding="utf-8"?>
+<p:sld xmlns:a="http://schemas.openxmlformats.org/drawingml/2006/main" xmlns:r="http://schemas.openxmlformats.org/officeDocument/2006/relationships" xmlns:p="http://schemas.openxmlformats.org/presentationml/2006/main" show="0">
+  <p:cSld>
+    <p:spTree>
+      <p:nvGrpSpPr>
+        <p:cNvPr id="1" name=""/>
+        <p:cNvGrpSpPr/>
+        <p:nvPr/>
+      </p:nvGrpSpPr>
+      <p:grpSpPr>
+        <a:xfrm>
+          <a:off x="0" y="0"/>
+          <a:ext cx="0" cy="0"/>
+          <a:chOff x="0" y="0"/>
+          <a:chExt cx="0" cy="0"/>
+        </a:xfrm>
+      </p:grpSpPr>
+      <p:pic>
+        <p:nvPicPr>
+          <p:cNvPr id="10" name="Picture 9"/>
+          <p:cNvPicPr>
+            <a:picLocks noChangeAspect="1"/>
+          </p:cNvPicPr>
+          <p:nvPr/>
+        </p:nvPicPr>
+        <p:blipFill rotWithShape="1">
+          <a:blip r:embed="rId3">
+            <a:extLst>
+              <a:ext uri="{28A0092B-C50C-407E-A947-70E740481C1C}">
+                <a14:useLocalDpi xmlns:a14="http://schemas.microsoft.com/office/drawing/2010/main" val="0"/>
+              </a:ext>
+            </a:extLst>
+          </a:blip>
+          <a:srcRect l="50728" t="56371"/>
+          <a:stretch/>
+        </p:blipFill>
+        <p:spPr>
+          <a:xfrm>
+            <a:off x="10894024" y="5370653"/>
+            <a:ext cx="1297975" cy="1487348"/>
+          </a:xfrm>
+          <a:prstGeom prst="rect">
+            <a:avLst/>
+          </a:prstGeom>
+        </p:spPr>
+      </p:pic>
+      <p:sp>
+        <p:nvSpPr>
+          <p:cNvPr id="11" name="TextBox 10"/>
+          <p:cNvSpPr txBox="1"/>
+          <p:nvPr/>
+        </p:nvSpPr>
+        <p:spPr>
+          <a:xfrm>
+            <a:off x="347240" y="113388"/>
+            <a:ext cx="9799937" cy="1015663"/>
+          </a:xfrm>
+          <a:prstGeom prst="rect">
+            <a:avLst/>
+          </a:prstGeom>
+          <a:noFill/>
+        </p:spPr>
+        <p:txBody>
+          <a:bodyPr wrap="square" rtlCol="0">
+            <a:spAutoFit/>
+          </a:bodyPr>
+          <a:lstStyle/>
+          <a:p>
+            <a:r>
+              <a:rPr lang="en-US" sz="6000" dirty="0">
+                <a:latin typeface="Aliens &amp; cows" panose="00000500000000000000" pitchFamily="2" charset="0"/>
+              </a:rPr>
+              <a:t>The dialects of data</a:t>
+            </a:r>
+          </a:p>
+        </p:txBody>
+      </p:sp>
+      <p:sp>
+        <p:nvSpPr>
+          <p:cNvPr id="3" name="TextBox 2"/>
+          <p:cNvSpPr txBox="1"/>
+          <p:nvPr/>
+        </p:nvSpPr>
+        <p:spPr>
+          <a:xfrm>
+            <a:off x="449501" y="1377924"/>
+            <a:ext cx="9595413" cy="2677656"/>
+          </a:xfrm>
+          <a:prstGeom prst="rect">
+            <a:avLst/>
+          </a:prstGeom>
+          <a:noFill/>
+        </p:spPr>
+        <p:txBody>
+          <a:bodyPr wrap="square" rtlCol="0">
+            <a:spAutoFit/>
+          </a:bodyPr>
+          <a:lstStyle/>
+          <a:p>
+            <a:pPr marL="457200" indent="-457200">
+              <a:buFont typeface="Arial" panose="020B0604020202020204" pitchFamily="34" charset="0"/>
+              <a:buChar char="•"/>
+            </a:pPr>
+            <a:r>
+              <a:rPr lang="en-US" sz="2800" dirty="0">
+                <a:solidFill>
+                  <a:srgbClr val="707070"/>
+                </a:solidFill>
+                <a:latin typeface="Pragmatica" panose="020B0403040502020204" pitchFamily="34" charset="0"/>
+              </a:rPr>
+              <a:t>Column-wise operations (Adding, dropping, calculating fields)</a:t>
+            </a:r>
+          </a:p>
+          <a:p>
+            <a:pPr marL="457200" indent="-457200">
+              <a:buFont typeface="Arial" panose="020B0604020202020204" pitchFamily="34" charset="0"/>
+              <a:buChar char="•"/>
+            </a:pPr>
+            <a:r>
+              <a:rPr lang="en-US" sz="2800" dirty="0">
+                <a:solidFill>
+                  <a:srgbClr val="707070"/>
+                </a:solidFill>
+                <a:latin typeface="Pragmatica" panose="020B0403040502020204" pitchFamily="34" charset="0"/>
+              </a:rPr>
+              <a:t>Row-wise operations (Sorting, filtering)</a:t>
+            </a:r>
+          </a:p>
+          <a:p>
+            <a:pPr marL="457200" indent="-457200">
+              <a:buFont typeface="Arial" panose="020B0604020202020204" pitchFamily="34" charset="0"/>
+              <a:buChar char="•"/>
+            </a:pPr>
+            <a:r>
+              <a:rPr lang="en-US" sz="2800" dirty="0">
+                <a:solidFill>
+                  <a:srgbClr val="707070"/>
+                </a:solidFill>
+                <a:latin typeface="Pragmatica" panose="020B0403040502020204" pitchFamily="34" charset="0"/>
+              </a:rPr>
+              <a:t>Aggregations (Grouping by, summarizing by)</a:t>
+            </a:r>
+          </a:p>
+          <a:p>
+            <a:pPr marL="457200" indent="-457200">
+              <a:buFont typeface="Arial" panose="020B0604020202020204" pitchFamily="34" charset="0"/>
+              <a:buChar char="•"/>
+            </a:pPr>
+            <a:r>
+              <a:rPr lang="en-US" sz="2800" dirty="0">
+                <a:solidFill>
+                  <a:srgbClr val="707070"/>
+                </a:solidFill>
+                <a:latin typeface="Pragmatica" panose="020B0403040502020204" pitchFamily="34" charset="0"/>
+              </a:rPr>
+              <a:t>Joining and merging</a:t>
+            </a:r>
+          </a:p>
+          <a:p>
+            <a:pPr marL="457200" indent="-457200">
+              <a:buFont typeface="Arial" panose="020B0604020202020204" pitchFamily="34" charset="0"/>
+              <a:buChar char="•"/>
+            </a:pPr>
+            <a:r>
+              <a:rPr lang="en-US" sz="2800" dirty="0">
+                <a:solidFill>
+                  <a:srgbClr val="707070"/>
+                </a:solidFill>
+                <a:latin typeface="Pragmatica" panose="020B0403040502020204" pitchFamily="34" charset="0"/>
+              </a:rPr>
+              <a:t>Re-shaping (pivoting and unpivoting)  </a:t>
+            </a:r>
+          </a:p>
+          <a:p>
+            <a:pPr marL="457200" indent="-457200">
+              <a:buFont typeface="Arial" panose="020B0604020202020204" pitchFamily="34" charset="0"/>
+              <a:buChar char="•"/>
+            </a:pPr>
+            <a:endParaRPr lang="en-US" sz="2800" dirty="0">
+              <a:solidFill>
+                <a:srgbClr val="707070"/>
+              </a:solidFill>
+              <a:latin typeface="Pragmatica" panose="020B0403040502020204" pitchFamily="34" charset="0"/>
+            </a:endParaRPr>
+          </a:p>
+        </p:txBody>
+      </p:sp>
+    </p:spTree>
+    <p:extLst>
+      <p:ext uri="{BB962C8B-B14F-4D97-AF65-F5344CB8AC3E}">
+        <p14:creationId xmlns:p14="http://schemas.microsoft.com/office/powerpoint/2010/main" val="3641797094"/>
+      </p:ext>
+    </p:extLst>
+  </p:cSld>
+  <p:clrMapOvr>
+    <a:masterClrMapping/>
+  </p:clrMapOvr>
+</p:sld>
+</file>
+
+<file path=ppt/slides/slide11.xml><?xml version="1.0" encoding="utf-8"?>
+<p:sld xmlns:a="http://schemas.openxmlformats.org/drawingml/2006/main" xmlns:r="http://schemas.openxmlformats.org/officeDocument/2006/relationships" xmlns:p="http://schemas.openxmlformats.org/presentationml/2006/main">
+  <p:cSld>
+    <p:spTree>
+      <p:nvGrpSpPr>
+        <p:cNvPr id="1" name=""/>
+        <p:cNvGrpSpPr/>
+        <p:nvPr/>
+      </p:nvGrpSpPr>
+      <p:grpSpPr>
+        <a:xfrm>
+          <a:off x="0" y="0"/>
+          <a:ext cx="0" cy="0"/>
+          <a:chOff x="0" y="0"/>
+          <a:chExt cx="0" cy="0"/>
+        </a:xfrm>
+      </p:grpSpPr>
+      <p:sp>
+        <p:nvSpPr>
+          <p:cNvPr id="4" name="Rectangle 3"/>
+          <p:cNvSpPr/>
+          <p:nvPr/>
+        </p:nvSpPr>
+        <p:spPr>
+          <a:xfrm>
+            <a:off x="0" y="0"/>
+            <a:ext cx="12192000" cy="6858000"/>
+          </a:xfrm>
+          <a:prstGeom prst="rect">
+            <a:avLst/>
+          </a:prstGeom>
+          <a:solidFill>
+            <a:srgbClr val="CF3338"/>
+          </a:solidFill>
+        </p:spPr>
+        <p:style>
+          <a:lnRef idx="2">
+            <a:schemeClr val="accent1">
+              <a:shade val="50000"/>
+            </a:schemeClr>
+          </a:lnRef>
+          <a:fillRef idx="1">
+            <a:schemeClr val="accent1"/>
+          </a:fillRef>
+          <a:effectRef idx="0">
+            <a:schemeClr val="accent1"/>
+          </a:effectRef>
+          <a:fontRef idx="minor">
+            <a:schemeClr val="lt1"/>
+          </a:fontRef>
+        </p:style>
+        <p:txBody>
+          <a:bodyPr rtlCol="0" anchor="ctr"/>
+          <a:lstStyle/>
+          <a:p>
+            <a:pPr algn="ctr"/>
+            <a:endParaRPr lang="en-US"/>
+          </a:p>
+        </p:txBody>
+      </p:sp>
+      <p:sp>
+        <p:nvSpPr>
+          <p:cNvPr id="5" name="TextBox 4"/>
+          <p:cNvSpPr txBox="1"/>
+          <p:nvPr/>
+        </p:nvSpPr>
+        <p:spPr>
+          <a:xfrm>
+            <a:off x="520861" y="393539"/>
+            <a:ext cx="10324617" cy="2123658"/>
+          </a:xfrm>
+          <a:prstGeom prst="rect">
+            <a:avLst/>
+          </a:prstGeom>
+          <a:noFill/>
+        </p:spPr>
+        <p:txBody>
+          <a:bodyPr wrap="square" rtlCol="0">
+            <a:spAutoFit/>
+          </a:bodyPr>
+          <a:lstStyle/>
+          <a:p>
+            <a:r>
+              <a:rPr lang="en-US" sz="6600" b="1" dirty="0">
+                <a:solidFill>
+                  <a:schemeClr val="bg1"/>
+                </a:solidFill>
+                <a:latin typeface="Pragmatica" pitchFamily="2" charset="0"/>
+              </a:rPr>
+              <a:t>Foundations of Data Analytics in Excel</a:t>
+            </a:r>
+          </a:p>
+        </p:txBody>
+      </p:sp>
+    </p:spTree>
+    <p:extLst>
+      <p:ext uri="{BB962C8B-B14F-4D97-AF65-F5344CB8AC3E}">
+        <p14:creationId xmlns:p14="http://schemas.microsoft.com/office/powerpoint/2010/main" val="167414896"/>
+      </p:ext>
+    </p:extLst>
+  </p:cSld>
+  <p:clrMapOvr>
+    <a:masterClrMapping/>
+  </p:clrMapOvr>
+</p:sld>
+</file>
+
+<file path=ppt/slides/slide12.xml><?xml version="1.0" encoding="utf-8"?>
+<p:sld xmlns:a="http://schemas.openxmlformats.org/drawingml/2006/main" xmlns:r="http://schemas.openxmlformats.org/officeDocument/2006/relationships" xmlns:p="http://schemas.openxmlformats.org/presentationml/2006/main">
+  <p:cSld>
+    <p:spTree>
+      <p:nvGrpSpPr>
+        <p:cNvPr id="1" name=""/>
+        <p:cNvGrpSpPr/>
+        <p:nvPr/>
+      </p:nvGrpSpPr>
+      <p:grpSpPr>
+        <a:xfrm>
+          <a:off x="0" y="0"/>
+          <a:ext cx="0" cy="0"/>
+          <a:chOff x="0" y="0"/>
+          <a:chExt cx="0" cy="0"/>
+        </a:xfrm>
+      </p:grpSpPr>
+      <p:pic>
+        <p:nvPicPr>
+          <p:cNvPr id="10" name="Picture 9"/>
+          <p:cNvPicPr>
+            <a:picLocks noChangeAspect="1"/>
+          </p:cNvPicPr>
+          <p:nvPr/>
+        </p:nvPicPr>
+        <p:blipFill rotWithShape="1">
+          <a:blip r:embed="rId2">
+            <a:extLst>
+              <a:ext uri="{28A0092B-C50C-407E-A947-70E740481C1C}">
+                <a14:useLocalDpi xmlns:a14="http://schemas.microsoft.com/office/drawing/2010/main" val="0"/>
+              </a:ext>
+            </a:extLst>
+          </a:blip>
+          <a:srcRect l="50728" t="56371"/>
+          <a:stretch/>
+        </p:blipFill>
+        <p:spPr>
+          <a:xfrm>
+            <a:off x="10894024" y="5370653"/>
+            <a:ext cx="1297975" cy="1487348"/>
+          </a:xfrm>
+          <a:prstGeom prst="rect">
+            <a:avLst/>
+          </a:prstGeom>
+        </p:spPr>
+      </p:pic>
+      <p:sp>
+        <p:nvSpPr>
+          <p:cNvPr id="11" name="TextBox 10"/>
+          <p:cNvSpPr txBox="1"/>
+          <p:nvPr/>
+        </p:nvSpPr>
+        <p:spPr>
+          <a:xfrm>
+            <a:off x="347240" y="113388"/>
+            <a:ext cx="9799937" cy="1015663"/>
+          </a:xfrm>
+          <a:prstGeom prst="rect">
+            <a:avLst/>
+          </a:prstGeom>
+          <a:noFill/>
+        </p:spPr>
+        <p:txBody>
+          <a:bodyPr wrap="square" rtlCol="0">
+            <a:spAutoFit/>
+          </a:bodyPr>
+          <a:lstStyle/>
+          <a:p>
+            <a:r>
+              <a:rPr lang="en-US" sz="6000" dirty="0">
+                <a:latin typeface="Aliens &amp; cows" panose="00000500000000000000" pitchFamily="2" charset="0"/>
+              </a:rPr>
+              <a:t>Exploratory &amp; Confirmatory</a:t>
+            </a:r>
+          </a:p>
+        </p:txBody>
+      </p:sp>
+      <p:sp>
+        <p:nvSpPr>
+          <p:cNvPr id="3" name="TextBox 2"/>
+          <p:cNvSpPr txBox="1"/>
+          <p:nvPr/>
+        </p:nvSpPr>
+        <p:spPr>
+          <a:xfrm>
+            <a:off x="462987" y="1365813"/>
+            <a:ext cx="9595413" cy="3539430"/>
+          </a:xfrm>
+          <a:prstGeom prst="rect">
+            <a:avLst/>
+          </a:prstGeom>
+          <a:noFill/>
+        </p:spPr>
+        <p:txBody>
+          <a:bodyPr wrap="square" rtlCol="0">
+            <a:spAutoFit/>
+          </a:bodyPr>
+          <a:lstStyle/>
+          <a:p>
+            <a:pPr marL="457200" indent="-457200">
+              <a:buFont typeface="Arial" panose="020B0604020202020204" pitchFamily="34" charset="0"/>
+              <a:buChar char="•"/>
+            </a:pPr>
+            <a:r>
+              <a:rPr lang="en-US" sz="2800" dirty="0">
+                <a:solidFill>
+                  <a:srgbClr val="707070"/>
+                </a:solidFill>
+                <a:latin typeface="Pragmatica" panose="020B0403040502020204" pitchFamily="34" charset="0"/>
+              </a:rPr>
+              <a:t>File: </a:t>
+            </a:r>
+            <a:r>
+              <a:rPr lang="en-US" sz="2800" dirty="0">
+                <a:solidFill>
+                  <a:srgbClr val="707070"/>
+                </a:solidFill>
+                <a:latin typeface="Consolas" panose="020B0609020204030204" pitchFamily="49" charset="0"/>
+              </a:rPr>
+              <a:t>datasets/computers.xlsx</a:t>
+            </a:r>
+          </a:p>
+          <a:p>
+            <a:pPr marL="457200" indent="-457200">
+              <a:buFont typeface="Arial" panose="020B0604020202020204" pitchFamily="34" charset="0"/>
+              <a:buChar char="•"/>
+            </a:pPr>
+            <a:r>
+              <a:rPr lang="en-US" sz="2800" dirty="0">
+                <a:solidFill>
+                  <a:srgbClr val="707070"/>
+                </a:solidFill>
+                <a:latin typeface="Pragmatica" panose="020B0403040502020204" pitchFamily="34" charset="0"/>
+              </a:rPr>
+              <a:t>Is there a difference in sale price of computers with and without a CD-ROM?</a:t>
+            </a:r>
+          </a:p>
+          <a:p>
+            <a:pPr marL="914400" lvl="1" indent="-457200">
+              <a:buFont typeface="Arial" panose="020B0604020202020204" pitchFamily="34" charset="0"/>
+              <a:buChar char="•"/>
+            </a:pPr>
+            <a:r>
+              <a:rPr lang="en-US" sz="2800" dirty="0">
+                <a:solidFill>
+                  <a:srgbClr val="707070"/>
+                </a:solidFill>
+                <a:latin typeface="Pragmatica" panose="020B0403040502020204" pitchFamily="34" charset="0"/>
+              </a:rPr>
+              <a:t>Dated data… </a:t>
+            </a:r>
+            <a:r>
+              <a:rPr lang="en-US" sz="2800" i="1" dirty="0">
+                <a:solidFill>
+                  <a:srgbClr val="707070"/>
+                </a:solidFill>
+                <a:latin typeface="Pragmatica" panose="020B0403040502020204" pitchFamily="34" charset="0"/>
+              </a:rPr>
+              <a:t>same analysis</a:t>
+            </a:r>
+          </a:p>
+          <a:p>
+            <a:pPr marL="457200" indent="-457200">
+              <a:buFont typeface="Arial" panose="020B0604020202020204" pitchFamily="34" charset="0"/>
+              <a:buChar char="•"/>
+            </a:pPr>
+            <a:r>
+              <a:rPr lang="en-US" sz="2800" dirty="0">
+                <a:solidFill>
+                  <a:srgbClr val="707070"/>
+                </a:solidFill>
+                <a:latin typeface="Pragmatica" panose="020B0403040502020204" pitchFamily="34" charset="0"/>
+              </a:rPr>
+              <a:t>Download the Analysis ToolPak: </a:t>
+            </a:r>
+            <a:r>
+              <a:rPr lang="en-US" sz="2800" dirty="0">
+                <a:solidFill>
+                  <a:srgbClr val="707070"/>
+                </a:solidFill>
+                <a:latin typeface="Pragmatica" panose="020B0403040502020204" pitchFamily="34" charset="0"/>
+                <a:hlinkClick r:id="rId3"/>
+              </a:rPr>
+              <a:t>https://support.microsoft.com/en-us/office/load-the-analysis-toolpak-in-excel-6a63e598-cd6d-42e3-9317-6b40ba1a66b4</a:t>
+            </a:r>
+            <a:r>
+              <a:rPr lang="en-US" sz="2800" dirty="0">
+                <a:solidFill>
+                  <a:srgbClr val="707070"/>
+                </a:solidFill>
+                <a:latin typeface="Pragmatica" panose="020B0403040502020204" pitchFamily="34" charset="0"/>
+              </a:rPr>
+              <a:t>  </a:t>
+            </a:r>
+          </a:p>
+        </p:txBody>
+      </p:sp>
+    </p:spTree>
+    <p:extLst>
+      <p:ext uri="{BB962C8B-B14F-4D97-AF65-F5344CB8AC3E}">
+        <p14:creationId xmlns:p14="http://schemas.microsoft.com/office/powerpoint/2010/main" val="692720685"/>
+      </p:ext>
+    </p:extLst>
+  </p:cSld>
+  <p:clrMapOvr>
+    <a:masterClrMapping/>
+  </p:clrMapOvr>
+</p:sld>
+</file>
+
+<file path=ppt/slides/slide13.xml><?xml version="1.0" encoding="utf-8"?>
+<p:sld xmlns:a="http://schemas.openxmlformats.org/drawingml/2006/main" xmlns:r="http://schemas.openxmlformats.org/officeDocument/2006/relationships" xmlns:p="http://schemas.openxmlformats.org/presentationml/2006/main">
+  <p:cSld>
+    <p:spTree>
+      <p:nvGrpSpPr>
+        <p:cNvPr id="1" name=""/>
+        <p:cNvGrpSpPr/>
+        <p:nvPr/>
+      </p:nvGrpSpPr>
+      <p:grpSpPr>
+        <a:xfrm>
+          <a:off x="0" y="0"/>
+          <a:ext cx="0" cy="0"/>
+          <a:chOff x="0" y="0"/>
+          <a:chExt cx="0" cy="0"/>
+        </a:xfrm>
+      </p:grpSpPr>
+      <p:sp>
+        <p:nvSpPr>
+          <p:cNvPr id="4" name="Rectangle 3"/>
+          <p:cNvSpPr/>
+          <p:nvPr/>
+        </p:nvSpPr>
+        <p:spPr>
+          <a:xfrm>
+            <a:off x="0" y="0"/>
+            <a:ext cx="12192000" cy="6858000"/>
+          </a:xfrm>
+          <a:prstGeom prst="rect">
+            <a:avLst/>
+          </a:prstGeom>
+          <a:solidFill>
+            <a:srgbClr val="CF3338"/>
+          </a:solidFill>
+        </p:spPr>
+        <p:style>
+          <a:lnRef idx="2">
+            <a:schemeClr val="accent1">
+              <a:shade val="50000"/>
+            </a:schemeClr>
+          </a:lnRef>
+          <a:fillRef idx="1">
+            <a:schemeClr val="accent1"/>
+          </a:fillRef>
+          <a:effectRef idx="0">
+            <a:schemeClr val="accent1"/>
+          </a:effectRef>
+          <a:fontRef idx="minor">
+            <a:schemeClr val="lt1"/>
+          </a:fontRef>
+        </p:style>
+        <p:txBody>
+          <a:bodyPr rtlCol="0" anchor="ctr"/>
+          <a:lstStyle/>
+          <a:p>
+            <a:pPr algn="ctr"/>
+            <a:endParaRPr lang="en-US"/>
+          </a:p>
+        </p:txBody>
+      </p:sp>
+      <p:sp>
+        <p:nvSpPr>
+          <p:cNvPr id="5" name="TextBox 4"/>
+          <p:cNvSpPr txBox="1"/>
+          <p:nvPr/>
+        </p:nvSpPr>
+        <p:spPr>
+          <a:xfrm>
+            <a:off x="520861" y="393539"/>
+            <a:ext cx="10324617" cy="3139321"/>
+          </a:xfrm>
+          <a:prstGeom prst="rect">
+            <a:avLst/>
+          </a:prstGeom>
+          <a:noFill/>
+        </p:spPr>
+        <p:txBody>
+          <a:bodyPr wrap="square" rtlCol="0">
+            <a:spAutoFit/>
+          </a:bodyPr>
+          <a:lstStyle/>
+          <a:p>
+            <a:r>
+              <a:rPr lang="en-US" sz="6600" b="1" dirty="0">
+                <a:solidFill>
+                  <a:schemeClr val="bg1"/>
+                </a:solidFill>
+                <a:latin typeface="Pragmatica" pitchFamily="2" charset="0"/>
+              </a:rPr>
+              <a:t>Welcome to the R Project for Statistical Computing</a:t>
+            </a:r>
+          </a:p>
+        </p:txBody>
+      </p:sp>
+    </p:spTree>
+    <p:extLst>
+      <p:ext uri="{BB962C8B-B14F-4D97-AF65-F5344CB8AC3E}">
+        <p14:creationId xmlns:p14="http://schemas.microsoft.com/office/powerpoint/2010/main" val="801839645"/>
+      </p:ext>
+    </p:extLst>
+  </p:cSld>
+  <p:clrMapOvr>
+    <a:masterClrMapping/>
+  </p:clrMapOvr>
+</p:sld>
+</file>
+
+<file path=ppt/slides/slide14.xml><?xml version="1.0" encoding="utf-8"?>
 <p:sld xmlns:a="http://schemas.openxmlformats.org/drawingml/2006/main" xmlns:r="http://schemas.openxmlformats.org/officeDocument/2006/relationships" xmlns:p="http://schemas.openxmlformats.org/presentationml/2006/main">
   <p:cSld>
     <p:spTree>
@@ -7215,313 +7841,6 @@
               <a:rPr lang="en-US" sz="6000" dirty="0">
                 <a:latin typeface="Aliens &amp; cows" panose="00000500000000000000" pitchFamily="2" charset="0"/>
               </a:rPr>
-              <a:t>The dialects of data</a:t>
-            </a:r>
-          </a:p>
-        </p:txBody>
-      </p:sp>
-      <p:sp>
-        <p:nvSpPr>
-          <p:cNvPr id="3" name="TextBox 2"/>
-          <p:cNvSpPr txBox="1"/>
-          <p:nvPr/>
-        </p:nvSpPr>
-        <p:spPr>
-          <a:xfrm>
-            <a:off x="449501" y="1377924"/>
-            <a:ext cx="9595413" cy="2677656"/>
-          </a:xfrm>
-          <a:prstGeom prst="rect">
-            <a:avLst/>
-          </a:prstGeom>
-          <a:noFill/>
-        </p:spPr>
-        <p:txBody>
-          <a:bodyPr wrap="square" rtlCol="0">
-            <a:spAutoFit/>
-          </a:bodyPr>
-          <a:lstStyle/>
-          <a:p>
-            <a:pPr marL="457200" indent="-457200">
-              <a:buFont typeface="Arial" panose="020B0604020202020204" pitchFamily="34" charset="0"/>
-              <a:buChar char="•"/>
-            </a:pPr>
-            <a:r>
-              <a:rPr lang="en-US" sz="2800" dirty="0">
-                <a:solidFill>
-                  <a:srgbClr val="707070"/>
-                </a:solidFill>
-                <a:latin typeface="Pragmatica" panose="020B0403040502020204" pitchFamily="34" charset="0"/>
-              </a:rPr>
-              <a:t>Column-wise operations (Adding, dropping, calculating fields)</a:t>
-            </a:r>
-          </a:p>
-          <a:p>
-            <a:pPr marL="457200" indent="-457200">
-              <a:buFont typeface="Arial" panose="020B0604020202020204" pitchFamily="34" charset="0"/>
-              <a:buChar char="•"/>
-            </a:pPr>
-            <a:r>
-              <a:rPr lang="en-US" sz="2800" dirty="0">
-                <a:solidFill>
-                  <a:srgbClr val="707070"/>
-                </a:solidFill>
-                <a:latin typeface="Pragmatica" panose="020B0403040502020204" pitchFamily="34" charset="0"/>
-              </a:rPr>
-              <a:t>Row-wise operations (Sorting, filtering)</a:t>
-            </a:r>
-          </a:p>
-          <a:p>
-            <a:pPr marL="457200" indent="-457200">
-              <a:buFont typeface="Arial" panose="020B0604020202020204" pitchFamily="34" charset="0"/>
-              <a:buChar char="•"/>
-            </a:pPr>
-            <a:r>
-              <a:rPr lang="en-US" sz="2800" dirty="0">
-                <a:solidFill>
-                  <a:srgbClr val="707070"/>
-                </a:solidFill>
-                <a:latin typeface="Pragmatica" panose="020B0403040502020204" pitchFamily="34" charset="0"/>
-              </a:rPr>
-              <a:t>Aggregations (Grouping by, summarizing by)</a:t>
-            </a:r>
-          </a:p>
-          <a:p>
-            <a:pPr marL="457200" indent="-457200">
-              <a:buFont typeface="Arial" panose="020B0604020202020204" pitchFamily="34" charset="0"/>
-              <a:buChar char="•"/>
-            </a:pPr>
-            <a:r>
-              <a:rPr lang="en-US" sz="2800" dirty="0">
-                <a:solidFill>
-                  <a:srgbClr val="707070"/>
-                </a:solidFill>
-                <a:latin typeface="Pragmatica" panose="020B0403040502020204" pitchFamily="34" charset="0"/>
-              </a:rPr>
-              <a:t>Joining and merging</a:t>
-            </a:r>
-          </a:p>
-          <a:p>
-            <a:pPr marL="457200" indent="-457200">
-              <a:buFont typeface="Arial" panose="020B0604020202020204" pitchFamily="34" charset="0"/>
-              <a:buChar char="•"/>
-            </a:pPr>
-            <a:r>
-              <a:rPr lang="en-US" sz="2800" dirty="0">
-                <a:solidFill>
-                  <a:srgbClr val="707070"/>
-                </a:solidFill>
-                <a:latin typeface="Pragmatica" panose="020B0403040502020204" pitchFamily="34" charset="0"/>
-              </a:rPr>
-              <a:t>Re-shaping (pivoting and unpivoting)  </a:t>
-            </a:r>
-          </a:p>
-          <a:p>
-            <a:pPr marL="457200" indent="-457200">
-              <a:buFont typeface="Arial" panose="020B0604020202020204" pitchFamily="34" charset="0"/>
-              <a:buChar char="•"/>
-            </a:pPr>
-            <a:endParaRPr lang="en-US" sz="2800" dirty="0">
-              <a:solidFill>
-                <a:srgbClr val="707070"/>
-              </a:solidFill>
-              <a:latin typeface="Pragmatica" panose="020B0403040502020204" pitchFamily="34" charset="0"/>
-            </a:endParaRPr>
-          </a:p>
-        </p:txBody>
-      </p:sp>
-    </p:spTree>
-    <p:extLst>
-      <p:ext uri="{BB962C8B-B14F-4D97-AF65-F5344CB8AC3E}">
-        <p14:creationId xmlns:p14="http://schemas.microsoft.com/office/powerpoint/2010/main" val="3641797094"/>
-      </p:ext>
-    </p:extLst>
-  </p:cSld>
-  <p:clrMapOvr>
-    <a:masterClrMapping/>
-  </p:clrMapOvr>
-</p:sld>
-</file>
-
-<file path=ppt/slides/slide11.xml><?xml version="1.0" encoding="utf-8"?>
-<p:sld xmlns:a="http://schemas.openxmlformats.org/drawingml/2006/main" xmlns:r="http://schemas.openxmlformats.org/officeDocument/2006/relationships" xmlns:p="http://schemas.openxmlformats.org/presentationml/2006/main">
-  <p:cSld>
-    <p:spTree>
-      <p:nvGrpSpPr>
-        <p:cNvPr id="1" name=""/>
-        <p:cNvGrpSpPr/>
-        <p:nvPr/>
-      </p:nvGrpSpPr>
-      <p:grpSpPr>
-        <a:xfrm>
-          <a:off x="0" y="0"/>
-          <a:ext cx="0" cy="0"/>
-          <a:chOff x="0" y="0"/>
-          <a:chExt cx="0" cy="0"/>
-        </a:xfrm>
-      </p:grpSpPr>
-      <p:sp>
-        <p:nvSpPr>
-          <p:cNvPr id="4" name="Rectangle 3"/>
-          <p:cNvSpPr/>
-          <p:nvPr/>
-        </p:nvSpPr>
-        <p:spPr>
-          <a:xfrm>
-            <a:off x="0" y="0"/>
-            <a:ext cx="12192000" cy="6858000"/>
-          </a:xfrm>
-          <a:prstGeom prst="rect">
-            <a:avLst/>
-          </a:prstGeom>
-          <a:solidFill>
-            <a:srgbClr val="CF3338"/>
-          </a:solidFill>
-        </p:spPr>
-        <p:style>
-          <a:lnRef idx="2">
-            <a:schemeClr val="accent1">
-              <a:shade val="50000"/>
-            </a:schemeClr>
-          </a:lnRef>
-          <a:fillRef idx="1">
-            <a:schemeClr val="accent1"/>
-          </a:fillRef>
-          <a:effectRef idx="0">
-            <a:schemeClr val="accent1"/>
-          </a:effectRef>
-          <a:fontRef idx="minor">
-            <a:schemeClr val="lt1"/>
-          </a:fontRef>
-        </p:style>
-        <p:txBody>
-          <a:bodyPr rtlCol="0" anchor="ctr"/>
-          <a:lstStyle/>
-          <a:p>
-            <a:pPr algn="ctr"/>
-            <a:endParaRPr lang="en-US"/>
-          </a:p>
-        </p:txBody>
-      </p:sp>
-      <p:sp>
-        <p:nvSpPr>
-          <p:cNvPr id="5" name="TextBox 4"/>
-          <p:cNvSpPr txBox="1"/>
-          <p:nvPr/>
-        </p:nvSpPr>
-        <p:spPr>
-          <a:xfrm>
-            <a:off x="520861" y="393539"/>
-            <a:ext cx="10324617" cy="3139321"/>
-          </a:xfrm>
-          <a:prstGeom prst="rect">
-            <a:avLst/>
-          </a:prstGeom>
-          <a:noFill/>
-        </p:spPr>
-        <p:txBody>
-          <a:bodyPr wrap="square" rtlCol="0">
-            <a:spAutoFit/>
-          </a:bodyPr>
-          <a:lstStyle/>
-          <a:p>
-            <a:r>
-              <a:rPr lang="en-US" sz="6600" b="1" dirty="0">
-                <a:solidFill>
-                  <a:schemeClr val="bg1"/>
-                </a:solidFill>
-                <a:latin typeface="Pragmatica" pitchFamily="2" charset="0"/>
-              </a:rPr>
-              <a:t>Welcome to the R Project for Statistical Computing</a:t>
-            </a:r>
-          </a:p>
-        </p:txBody>
-      </p:sp>
-    </p:spTree>
-    <p:extLst>
-      <p:ext uri="{BB962C8B-B14F-4D97-AF65-F5344CB8AC3E}">
-        <p14:creationId xmlns:p14="http://schemas.microsoft.com/office/powerpoint/2010/main" val="801839645"/>
-      </p:ext>
-    </p:extLst>
-  </p:cSld>
-  <p:clrMapOvr>
-    <a:masterClrMapping/>
-  </p:clrMapOvr>
-</p:sld>
-</file>
-
-<file path=ppt/slides/slide12.xml><?xml version="1.0" encoding="utf-8"?>
-<p:sld xmlns:a="http://schemas.openxmlformats.org/drawingml/2006/main" xmlns:r="http://schemas.openxmlformats.org/officeDocument/2006/relationships" xmlns:p="http://schemas.openxmlformats.org/presentationml/2006/main">
-  <p:cSld>
-    <p:spTree>
-      <p:nvGrpSpPr>
-        <p:cNvPr id="1" name=""/>
-        <p:cNvGrpSpPr/>
-        <p:nvPr/>
-      </p:nvGrpSpPr>
-      <p:grpSpPr>
-        <a:xfrm>
-          <a:off x="0" y="0"/>
-          <a:ext cx="0" cy="0"/>
-          <a:chOff x="0" y="0"/>
-          <a:chExt cx="0" cy="0"/>
-        </a:xfrm>
-      </p:grpSpPr>
-      <p:pic>
-        <p:nvPicPr>
-          <p:cNvPr id="10" name="Picture 9"/>
-          <p:cNvPicPr>
-            <a:picLocks noChangeAspect="1"/>
-          </p:cNvPicPr>
-          <p:nvPr/>
-        </p:nvPicPr>
-        <p:blipFill rotWithShape="1">
-          <a:blip r:embed="rId3">
-            <a:extLst>
-              <a:ext uri="{28A0092B-C50C-407E-A947-70E740481C1C}">
-                <a14:useLocalDpi xmlns:a14="http://schemas.microsoft.com/office/drawing/2010/main" val="0"/>
-              </a:ext>
-            </a:extLst>
-          </a:blip>
-          <a:srcRect l="50728" t="56371"/>
-          <a:stretch/>
-        </p:blipFill>
-        <p:spPr>
-          <a:xfrm>
-            <a:off x="10894024" y="5370653"/>
-            <a:ext cx="1297975" cy="1487348"/>
-          </a:xfrm>
-          <a:prstGeom prst="rect">
-            <a:avLst/>
-          </a:prstGeom>
-        </p:spPr>
-      </p:pic>
-      <p:sp>
-        <p:nvSpPr>
-          <p:cNvPr id="11" name="TextBox 10"/>
-          <p:cNvSpPr txBox="1"/>
-          <p:nvPr/>
-        </p:nvSpPr>
-        <p:spPr>
-          <a:xfrm>
-            <a:off x="347240" y="113388"/>
-            <a:ext cx="9799937" cy="1015663"/>
-          </a:xfrm>
-          <a:prstGeom prst="rect">
-            <a:avLst/>
-          </a:prstGeom>
-          <a:noFill/>
-        </p:spPr>
-        <p:txBody>
-          <a:bodyPr wrap="square" rtlCol="0">
-            <a:spAutoFit/>
-          </a:bodyPr>
-          <a:lstStyle/>
-          <a:p>
-            <a:r>
-              <a:rPr lang="en-US" sz="6000" dirty="0">
-                <a:latin typeface="Aliens &amp; cows" panose="00000500000000000000" pitchFamily="2" charset="0"/>
-              </a:rPr>
               <a:t>The R project for…</a:t>
             </a:r>
           </a:p>
@@ -7780,557 +8099,6 @@
     <p:extLst>
       <p:ext uri="{BB962C8B-B14F-4D97-AF65-F5344CB8AC3E}">
         <p14:creationId xmlns:p14="http://schemas.microsoft.com/office/powerpoint/2010/main" val="2312240890"/>
-      </p:ext>
-    </p:extLst>
-  </p:cSld>
-  <p:clrMapOvr>
-    <a:masterClrMapping/>
-  </p:clrMapOvr>
-</p:sld>
-</file>
-
-<file path=ppt/slides/slide13.xml><?xml version="1.0" encoding="utf-8"?>
-<p:sld xmlns:a="http://schemas.openxmlformats.org/drawingml/2006/main" xmlns:r="http://schemas.openxmlformats.org/officeDocument/2006/relationships" xmlns:p="http://schemas.openxmlformats.org/presentationml/2006/main">
-  <p:cSld>
-    <p:spTree>
-      <p:nvGrpSpPr>
-        <p:cNvPr id="1" name=""/>
-        <p:cNvGrpSpPr/>
-        <p:nvPr/>
-      </p:nvGrpSpPr>
-      <p:grpSpPr>
-        <a:xfrm>
-          <a:off x="0" y="0"/>
-          <a:ext cx="0" cy="0"/>
-          <a:chOff x="0" y="0"/>
-          <a:chExt cx="0" cy="0"/>
-        </a:xfrm>
-      </p:grpSpPr>
-      <p:pic>
-        <p:nvPicPr>
-          <p:cNvPr id="10" name="Picture 9"/>
-          <p:cNvPicPr>
-            <a:picLocks noChangeAspect="1"/>
-          </p:cNvPicPr>
-          <p:nvPr/>
-        </p:nvPicPr>
-        <p:blipFill rotWithShape="1">
-          <a:blip r:embed="rId3">
-            <a:extLst>
-              <a:ext uri="{28A0092B-C50C-407E-A947-70E740481C1C}">
-                <a14:useLocalDpi xmlns:a14="http://schemas.microsoft.com/office/drawing/2010/main" val="0"/>
-              </a:ext>
-            </a:extLst>
-          </a:blip>
-          <a:srcRect l="50728" t="56371"/>
-          <a:stretch/>
-        </p:blipFill>
-        <p:spPr>
-          <a:xfrm>
-            <a:off x="10894024" y="5370653"/>
-            <a:ext cx="1297975" cy="1487348"/>
-          </a:xfrm>
-          <a:prstGeom prst="rect">
-            <a:avLst/>
-          </a:prstGeom>
-        </p:spPr>
-      </p:pic>
-      <p:sp>
-        <p:nvSpPr>
-          <p:cNvPr id="11" name="TextBox 10"/>
-          <p:cNvSpPr txBox="1"/>
-          <p:nvPr/>
-        </p:nvSpPr>
-        <p:spPr>
-          <a:xfrm>
-            <a:off x="334451" y="81469"/>
-            <a:ext cx="9799937" cy="1015663"/>
-          </a:xfrm>
-          <a:prstGeom prst="rect">
-            <a:avLst/>
-          </a:prstGeom>
-          <a:noFill/>
-        </p:spPr>
-        <p:txBody>
-          <a:bodyPr wrap="square" rtlCol="0">
-            <a:spAutoFit/>
-          </a:bodyPr>
-          <a:lstStyle/>
-          <a:p>
-            <a:r>
-              <a:rPr lang="en-US" sz="6000" dirty="0">
-                <a:latin typeface="Aliens &amp; cows" panose="00000500000000000000" pitchFamily="2" charset="0"/>
-              </a:rPr>
-              <a:t>R + RStudio</a:t>
-            </a:r>
-          </a:p>
-        </p:txBody>
-      </p:sp>
-      <p:pic>
-        <p:nvPicPr>
-          <p:cNvPr id="2050" name="Picture 2" descr="R (programming language) - Wikipedia">
-            <a:extLst>
-              <a:ext uri="{FF2B5EF4-FFF2-40B4-BE49-F238E27FC236}">
-                <a16:creationId xmlns:a16="http://schemas.microsoft.com/office/drawing/2014/main" id="{0128CF47-2A1A-42EA-88FE-A6A4CE80EA2A}"/>
-              </a:ext>
-            </a:extLst>
-          </p:cNvPr>
-          <p:cNvPicPr>
-            <a:picLocks noChangeAspect="1" noChangeArrowheads="1"/>
-          </p:cNvPicPr>
-          <p:nvPr/>
-        </p:nvPicPr>
-        <p:blipFill>
-          <a:blip r:embed="rId4" cstate="print">
-            <a:extLst>
-              <a:ext uri="{28A0092B-C50C-407E-A947-70E740481C1C}">
-                <a14:useLocalDpi xmlns:a14="http://schemas.microsoft.com/office/drawing/2010/main" val="0"/>
-              </a:ext>
-            </a:extLst>
-          </a:blip>
-          <a:srcRect/>
-          <a:stretch>
-            <a:fillRect/>
-          </a:stretch>
-        </p:blipFill>
-        <p:spPr bwMode="auto">
-          <a:xfrm>
-            <a:off x="238766" y="1888627"/>
-            <a:ext cx="3975018" cy="3080746"/>
-          </a:xfrm>
-          <a:prstGeom prst="rect">
-            <a:avLst/>
-          </a:prstGeom>
-          <a:noFill/>
-          <a:extLst>
-            <a:ext uri="{909E8E84-426E-40DD-AFC4-6F175D3DCCD1}">
-              <a14:hiddenFill xmlns:a14="http://schemas.microsoft.com/office/drawing/2010/main">
-                <a:solidFill>
-                  <a:srgbClr val="FFFFFF"/>
-                </a:solidFill>
-              </a14:hiddenFill>
-            </a:ext>
-          </a:extLst>
-        </p:spPr>
-      </p:pic>
-      <p:pic>
-        <p:nvPicPr>
-          <p:cNvPr id="2052" name="Picture 4" descr="RStudio Partnership and Consultancy Services | Mango Solutions">
-            <a:extLst>
-              <a:ext uri="{FF2B5EF4-FFF2-40B4-BE49-F238E27FC236}">
-                <a16:creationId xmlns:a16="http://schemas.microsoft.com/office/drawing/2014/main" id="{EA0D657F-7250-41AF-AB4A-1E6E0E6D3D7F}"/>
-              </a:ext>
-            </a:extLst>
-          </p:cNvPr>
-          <p:cNvPicPr>
-            <a:picLocks noChangeAspect="1" noChangeArrowheads="1"/>
-          </p:cNvPicPr>
-          <p:nvPr/>
-        </p:nvPicPr>
-        <p:blipFill>
-          <a:blip r:embed="rId5">
-            <a:extLst>
-              <a:ext uri="{28A0092B-C50C-407E-A947-70E740481C1C}">
-                <a14:useLocalDpi xmlns:a14="http://schemas.microsoft.com/office/drawing/2010/main" val="0"/>
-              </a:ext>
-            </a:extLst>
-          </a:blip>
-          <a:srcRect/>
-          <a:stretch>
-            <a:fillRect/>
-          </a:stretch>
-        </p:blipFill>
-        <p:spPr bwMode="auto">
-          <a:xfrm>
-            <a:off x="4820642" y="1690187"/>
-            <a:ext cx="7371358" cy="3680466"/>
-          </a:xfrm>
-          <a:prstGeom prst="rect">
-            <a:avLst/>
-          </a:prstGeom>
-          <a:noFill/>
-          <a:extLst>
-            <a:ext uri="{909E8E84-426E-40DD-AFC4-6F175D3DCCD1}">
-              <a14:hiddenFill xmlns:a14="http://schemas.microsoft.com/office/drawing/2010/main">
-                <a:solidFill>
-                  <a:srgbClr val="FFFFFF"/>
-                </a:solidFill>
-              </a14:hiddenFill>
-            </a:ext>
-          </a:extLst>
-        </p:spPr>
-      </p:pic>
-      <p:sp>
-        <p:nvSpPr>
-          <p:cNvPr id="8" name="TextBox 7">
-            <a:extLst>
-              <a:ext uri="{FF2B5EF4-FFF2-40B4-BE49-F238E27FC236}">
-                <a16:creationId xmlns:a16="http://schemas.microsoft.com/office/drawing/2014/main" id="{11840D5C-3D15-43FA-828B-81755108AC4E}"/>
-              </a:ext>
-            </a:extLst>
-          </p:cNvPr>
-          <p:cNvSpPr txBox="1"/>
-          <p:nvPr/>
-        </p:nvSpPr>
-        <p:spPr>
-          <a:xfrm>
-            <a:off x="6168274" y="5139819"/>
-            <a:ext cx="3223967" cy="461665"/>
-          </a:xfrm>
-          <a:prstGeom prst="rect">
-            <a:avLst/>
-          </a:prstGeom>
-          <a:noFill/>
-        </p:spPr>
-        <p:txBody>
-          <a:bodyPr wrap="square" rtlCol="0">
-            <a:spAutoFit/>
-          </a:bodyPr>
-          <a:lstStyle/>
-          <a:p>
-            <a:r>
-              <a:rPr lang="en-US" sz="2400" dirty="0">
-                <a:latin typeface="Pragmatica" pitchFamily="2" charset="0"/>
-              </a:rPr>
-              <a:t>The interface</a:t>
-            </a:r>
-          </a:p>
-        </p:txBody>
-      </p:sp>
-      <p:sp>
-        <p:nvSpPr>
-          <p:cNvPr id="12" name="TextBox 11">
-            <a:extLst>
-              <a:ext uri="{FF2B5EF4-FFF2-40B4-BE49-F238E27FC236}">
-                <a16:creationId xmlns:a16="http://schemas.microsoft.com/office/drawing/2014/main" id="{58B22640-98BF-4B6B-939E-E50C08DEC28C}"/>
-              </a:ext>
-            </a:extLst>
-          </p:cNvPr>
-          <p:cNvSpPr txBox="1"/>
-          <p:nvPr/>
-        </p:nvSpPr>
-        <p:spPr>
-          <a:xfrm>
-            <a:off x="334451" y="5139820"/>
-            <a:ext cx="6103856" cy="461665"/>
-          </a:xfrm>
-          <a:prstGeom prst="rect">
-            <a:avLst/>
-          </a:prstGeom>
-          <a:noFill/>
-        </p:spPr>
-        <p:txBody>
-          <a:bodyPr wrap="square">
-            <a:spAutoFit/>
-          </a:bodyPr>
-          <a:lstStyle/>
-          <a:p>
-            <a:r>
-              <a:rPr lang="en-US" sz="2400" dirty="0">
-                <a:latin typeface="Pragmatica" pitchFamily="2" charset="0"/>
-              </a:rPr>
-              <a:t>The code base</a:t>
-            </a:r>
-          </a:p>
-        </p:txBody>
-      </p:sp>
-    </p:spTree>
-    <p:extLst>
-      <p:ext uri="{BB962C8B-B14F-4D97-AF65-F5344CB8AC3E}">
-        <p14:creationId xmlns:p14="http://schemas.microsoft.com/office/powerpoint/2010/main" val="4193561338"/>
-      </p:ext>
-    </p:extLst>
-  </p:cSld>
-  <p:clrMapOvr>
-    <a:masterClrMapping/>
-  </p:clrMapOvr>
-</p:sld>
-</file>
-
-<file path=ppt/slides/slide14.xml><?xml version="1.0" encoding="utf-8"?>
-<p:sld xmlns:a="http://schemas.openxmlformats.org/drawingml/2006/main" xmlns:r="http://schemas.openxmlformats.org/officeDocument/2006/relationships" xmlns:p="http://schemas.openxmlformats.org/presentationml/2006/main">
-  <p:cSld>
-    <p:spTree>
-      <p:nvGrpSpPr>
-        <p:cNvPr id="1" name=""/>
-        <p:cNvGrpSpPr/>
-        <p:nvPr/>
-      </p:nvGrpSpPr>
-      <p:grpSpPr>
-        <a:xfrm>
-          <a:off x="0" y="0"/>
-          <a:ext cx="0" cy="0"/>
-          <a:chOff x="0" y="0"/>
-          <a:chExt cx="0" cy="0"/>
-        </a:xfrm>
-      </p:grpSpPr>
-      <p:sp>
-        <p:nvSpPr>
-          <p:cNvPr id="4" name="Rectangle 3"/>
-          <p:cNvSpPr/>
-          <p:nvPr/>
-        </p:nvSpPr>
-        <p:spPr>
-          <a:xfrm>
-            <a:off x="6574420" y="0"/>
-            <a:ext cx="5617580" cy="6858000"/>
-          </a:xfrm>
-          <a:prstGeom prst="rect">
-            <a:avLst/>
-          </a:prstGeom>
-          <a:solidFill>
-            <a:srgbClr val="CF3338"/>
-          </a:solidFill>
-        </p:spPr>
-        <p:style>
-          <a:lnRef idx="2">
-            <a:schemeClr val="accent1">
-              <a:shade val="50000"/>
-            </a:schemeClr>
-          </a:lnRef>
-          <a:fillRef idx="1">
-            <a:schemeClr val="accent1"/>
-          </a:fillRef>
-          <a:effectRef idx="0">
-            <a:schemeClr val="accent1"/>
-          </a:effectRef>
-          <a:fontRef idx="minor">
-            <a:schemeClr val="lt1"/>
-          </a:fontRef>
-        </p:style>
-        <p:txBody>
-          <a:bodyPr rtlCol="0" anchor="ctr"/>
-          <a:lstStyle/>
-          <a:p>
-            <a:pPr algn="ctr"/>
-            <a:endParaRPr lang="en-US"/>
-          </a:p>
-        </p:txBody>
-      </p:sp>
-      <p:sp>
-        <p:nvSpPr>
-          <p:cNvPr id="5" name="TextBox 4"/>
-          <p:cNvSpPr txBox="1"/>
-          <p:nvPr/>
-        </p:nvSpPr>
-        <p:spPr>
-          <a:xfrm>
-            <a:off x="6817489" y="0"/>
-            <a:ext cx="4120587" cy="1446550"/>
-          </a:xfrm>
-          <a:prstGeom prst="rect">
-            <a:avLst/>
-          </a:prstGeom>
-          <a:noFill/>
-        </p:spPr>
-        <p:txBody>
-          <a:bodyPr wrap="square" rtlCol="0">
-            <a:spAutoFit/>
-          </a:bodyPr>
-          <a:lstStyle/>
-          <a:p>
-            <a:r>
-              <a:rPr lang="en-US" sz="8800" dirty="0">
-                <a:solidFill>
-                  <a:schemeClr val="bg1"/>
-                </a:solidFill>
-                <a:latin typeface="Aliens &amp; cows" panose="00000500000000000000" pitchFamily="2" charset="0"/>
-              </a:rPr>
-              <a:t>Demo</a:t>
-            </a:r>
-          </a:p>
-        </p:txBody>
-      </p:sp>
-      <p:pic>
-        <p:nvPicPr>
-          <p:cNvPr id="2" name="Picture 1"/>
-          <p:cNvPicPr>
-            <a:picLocks noChangeAspect="1"/>
-          </p:cNvPicPr>
-          <p:nvPr/>
-        </p:nvPicPr>
-        <p:blipFill rotWithShape="1">
-          <a:blip r:embed="rId3">
-            <a:extLst>
-              <a:ext uri="{28A0092B-C50C-407E-A947-70E740481C1C}">
-                <a14:useLocalDpi xmlns:a14="http://schemas.microsoft.com/office/drawing/2010/main" val="0"/>
-              </a:ext>
-            </a:extLst>
-          </a:blip>
-          <a:srcRect l="69227" t="33418" r="20112" b="50548"/>
-          <a:stretch/>
-        </p:blipFill>
-        <p:spPr>
-          <a:xfrm>
-            <a:off x="10386349" y="5029795"/>
-            <a:ext cx="1805651" cy="1991719"/>
-          </a:xfrm>
-          <a:prstGeom prst="rect">
-            <a:avLst/>
-          </a:prstGeom>
-        </p:spPr>
-      </p:pic>
-      <p:sp>
-        <p:nvSpPr>
-          <p:cNvPr id="3" name="TextBox 2"/>
-          <p:cNvSpPr txBox="1"/>
-          <p:nvPr/>
-        </p:nvSpPr>
-        <p:spPr>
-          <a:xfrm>
-            <a:off x="173620" y="219919"/>
-            <a:ext cx="5937813" cy="523220"/>
-          </a:xfrm>
-          <a:prstGeom prst="rect">
-            <a:avLst/>
-          </a:prstGeom>
-          <a:noFill/>
-        </p:spPr>
-        <p:txBody>
-          <a:bodyPr wrap="square" rtlCol="0">
-            <a:spAutoFit/>
-          </a:bodyPr>
-          <a:lstStyle/>
-          <a:p>
-            <a:r>
-              <a:rPr lang="en-US" sz="2800" b="1" dirty="0">
-                <a:solidFill>
-                  <a:srgbClr val="CF3338"/>
-                </a:solidFill>
-                <a:latin typeface="Pragmatica" pitchFamily="2" charset="0"/>
-              </a:rPr>
-              <a:t>Navigate RStudio, beginning with 1+1</a:t>
-            </a:r>
-          </a:p>
-        </p:txBody>
-      </p:sp>
-      <p:pic>
-        <p:nvPicPr>
-          <p:cNvPr id="7" name="Picture 2">
-            <a:extLst>
-              <a:ext uri="{FF2B5EF4-FFF2-40B4-BE49-F238E27FC236}">
-                <a16:creationId xmlns:a16="http://schemas.microsoft.com/office/drawing/2014/main" id="{6AA3752F-7DE4-42EF-930F-41F529023B4D}"/>
-              </a:ext>
-            </a:extLst>
-          </p:cNvPr>
-          <p:cNvPicPr>
-            <a:picLocks noChangeAspect="1" noChangeArrowheads="1"/>
-          </p:cNvPicPr>
-          <p:nvPr/>
-        </p:nvPicPr>
-        <p:blipFill>
-          <a:blip r:embed="rId4">
-            <a:extLst>
-              <a:ext uri="{28A0092B-C50C-407E-A947-70E740481C1C}">
-                <a14:useLocalDpi xmlns:a14="http://schemas.microsoft.com/office/drawing/2010/main" val="0"/>
-              </a:ext>
-            </a:extLst>
-          </a:blip>
-          <a:srcRect/>
-          <a:stretch>
-            <a:fillRect/>
-          </a:stretch>
-        </p:blipFill>
-        <p:spPr bwMode="auto">
-          <a:xfrm>
-            <a:off x="817355" y="2489120"/>
-            <a:ext cx="7995854" cy="4285278"/>
-          </a:xfrm>
-          <a:prstGeom prst="rect">
-            <a:avLst/>
-          </a:prstGeom>
-          <a:noFill/>
-          <a:extLst>
-            <a:ext uri="{909E8E84-426E-40DD-AFC4-6F175D3DCCD1}">
-              <a14:hiddenFill xmlns:a14="http://schemas.microsoft.com/office/drawing/2010/main">
-                <a:solidFill>
-                  <a:srgbClr val="FFFFFF"/>
-                </a:solidFill>
-              </a14:hiddenFill>
-            </a:ext>
-          </a:extLst>
-        </p:spPr>
-      </p:pic>
-      <p:pic>
-        <p:nvPicPr>
-          <p:cNvPr id="8" name="Picture 7">
-            <a:extLst>
-              <a:ext uri="{FF2B5EF4-FFF2-40B4-BE49-F238E27FC236}">
-                <a16:creationId xmlns:a16="http://schemas.microsoft.com/office/drawing/2014/main" id="{7A16F770-8038-495F-AA22-4602F7510F9D}"/>
-              </a:ext>
-            </a:extLst>
-          </p:cNvPr>
-          <p:cNvPicPr>
-            <a:picLocks noChangeAspect="1"/>
-          </p:cNvPicPr>
-          <p:nvPr/>
-        </p:nvPicPr>
-        <p:blipFill rotWithShape="1">
-          <a:blip r:embed="rId5"/>
-          <a:srcRect b="47338"/>
-          <a:stretch/>
-        </p:blipFill>
-        <p:spPr>
-          <a:xfrm>
-            <a:off x="1198861" y="1273896"/>
-            <a:ext cx="3993611" cy="613266"/>
-          </a:xfrm>
-          <a:prstGeom prst="rect">
-            <a:avLst/>
-          </a:prstGeom>
-        </p:spPr>
-      </p:pic>
-      <p:sp>
-        <p:nvSpPr>
-          <p:cNvPr id="9" name="TextBox 8">
-            <a:extLst>
-              <a:ext uri="{FF2B5EF4-FFF2-40B4-BE49-F238E27FC236}">
-                <a16:creationId xmlns:a16="http://schemas.microsoft.com/office/drawing/2014/main" id="{F0D02FF3-1492-433C-B9E2-786CF5157C1B}"/>
-              </a:ext>
-            </a:extLst>
-          </p:cNvPr>
-          <p:cNvSpPr txBox="1"/>
-          <p:nvPr/>
-        </p:nvSpPr>
-        <p:spPr>
-          <a:xfrm>
-            <a:off x="1117689" y="1887162"/>
-            <a:ext cx="7695520" cy="400110"/>
-          </a:xfrm>
-          <a:prstGeom prst="rect">
-            <a:avLst/>
-          </a:prstGeom>
-          <a:noFill/>
-        </p:spPr>
-        <p:txBody>
-          <a:bodyPr wrap="square" rtlCol="0">
-            <a:spAutoFit/>
-          </a:bodyPr>
-          <a:lstStyle/>
-          <a:p>
-            <a:r>
-              <a:rPr lang="en-US" sz="2000" dirty="0">
-                <a:solidFill>
-                  <a:srgbClr val="707070"/>
-                </a:solidFill>
-                <a:latin typeface="Pragmatica" panose="020B0403040502020204" pitchFamily="34" charset="0"/>
-                <a:hlinkClick r:id="rId6"/>
-              </a:rPr>
-              <a:t>https://github.com/stringfestdata/london-excel</a:t>
-            </a:r>
-            <a:endParaRPr lang="en-US" sz="2000" dirty="0">
-              <a:solidFill>
-                <a:srgbClr val="707070"/>
-              </a:solidFill>
-              <a:latin typeface="Pragmatica" panose="020B0403040502020204" pitchFamily="34" charset="0"/>
-            </a:endParaRPr>
-          </a:p>
-        </p:txBody>
-      </p:sp>
-    </p:spTree>
-    <p:extLst>
-      <p:ext uri="{BB962C8B-B14F-4D97-AF65-F5344CB8AC3E}">
-        <p14:creationId xmlns:p14="http://schemas.microsoft.com/office/powerpoint/2010/main" val="698133896"/>
       </p:ext>
     </p:extLst>
   </p:cSld>
@@ -8394,8 +8162,8 @@
         </p:nvSpPr>
         <p:spPr>
           <a:xfrm>
-            <a:off x="347240" y="113388"/>
-            <a:ext cx="9799937" cy="1938992"/>
+            <a:off x="334451" y="81469"/>
+            <a:ext cx="9799937" cy="1015663"/>
           </a:xfrm>
           <a:prstGeom prst="rect">
             <a:avLst/>
@@ -8412,68 +8180,17 @@
               <a:rPr lang="en-US" sz="6000" dirty="0">
                 <a:latin typeface="Aliens &amp; cows" panose="00000500000000000000" pitchFamily="2" charset="0"/>
               </a:rPr>
-              <a:t>Packages: “There’s an App for that!”</a:t>
-            </a:r>
-          </a:p>
-        </p:txBody>
-      </p:sp>
-      <p:sp>
-        <p:nvSpPr>
-          <p:cNvPr id="3" name="TextBox 2"/>
-          <p:cNvSpPr txBox="1"/>
-          <p:nvPr/>
-        </p:nvSpPr>
-        <p:spPr>
-          <a:xfrm>
-            <a:off x="454109" y="2297968"/>
-            <a:ext cx="5414785" cy="1384995"/>
-          </a:xfrm>
-          <a:prstGeom prst="rect">
-            <a:avLst/>
-          </a:prstGeom>
-          <a:noFill/>
-        </p:spPr>
-        <p:txBody>
-          <a:bodyPr wrap="square" rtlCol="0">
-            <a:spAutoFit/>
-          </a:bodyPr>
-          <a:lstStyle/>
-          <a:p>
-            <a:pPr marL="514350" indent="-514350">
-              <a:buAutoNum type="arabicPeriod"/>
-            </a:pPr>
-            <a:r>
-              <a:rPr lang="en-US" sz="2800" dirty="0">
-                <a:solidFill>
-                  <a:srgbClr val="707070"/>
-                </a:solidFill>
-                <a:latin typeface="Pragmatica" panose="020B0403040502020204" pitchFamily="34" charset="0"/>
-              </a:rPr>
-              <a:t>Install the package (usually from CRAN)</a:t>
-            </a:r>
-          </a:p>
-          <a:p>
-            <a:pPr marL="514350" indent="-514350">
-              <a:buAutoNum type="arabicPeriod"/>
-            </a:pPr>
-            <a:r>
-              <a:rPr lang="en-US" sz="2800" dirty="0">
-                <a:solidFill>
-                  <a:srgbClr val="707070"/>
-                </a:solidFill>
-                <a:latin typeface="Pragmatica" panose="020B0403040502020204" pitchFamily="34" charset="0"/>
-              </a:rPr>
-              <a:t>Open the package</a:t>
+              <a:t>R + RStudio</a:t>
             </a:r>
           </a:p>
         </p:txBody>
       </p:sp>
       <p:pic>
         <p:nvPicPr>
-          <p:cNvPr id="8194" name="Picture 2">
+          <p:cNvPr id="2050" name="Picture 2" descr="R (programming language) - Wikipedia">
             <a:extLst>
               <a:ext uri="{FF2B5EF4-FFF2-40B4-BE49-F238E27FC236}">
-                <a16:creationId xmlns:a16="http://schemas.microsoft.com/office/drawing/2014/main" id="{93A3D79E-EFB5-4C74-925C-52E65CFB9662}"/>
+                <a16:creationId xmlns:a16="http://schemas.microsoft.com/office/drawing/2014/main" id="{0128CF47-2A1A-42EA-88FE-A6A4CE80EA2A}"/>
               </a:ext>
             </a:extLst>
           </p:cNvPr>
@@ -8496,9 +8213,9 @@
           </a:stretch>
         </p:blipFill>
         <p:spPr bwMode="auto">
-          <a:xfrm rot="16200000">
-            <a:off x="4795276" y="1137677"/>
-            <a:ext cx="5720323" cy="5720323"/>
+          <a:xfrm>
+            <a:off x="238766" y="1888627"/>
+            <a:ext cx="3975018" cy="3080746"/>
           </a:xfrm>
           <a:prstGeom prst="rect">
             <a:avLst/>
@@ -8515,10 +8232,131 @@
           </a:extLst>
         </p:spPr>
       </p:pic>
+      <p:pic>
+        <p:nvPicPr>
+          <p:cNvPr id="2052" name="Picture 4" descr="RStudio Partnership and Consultancy Services | Mango Solutions">
+            <a:extLst>
+              <a:ext uri="{FF2B5EF4-FFF2-40B4-BE49-F238E27FC236}">
+                <a16:creationId xmlns:a16="http://schemas.microsoft.com/office/drawing/2014/main" id="{EA0D657F-7250-41AF-AB4A-1E6E0E6D3D7F}"/>
+              </a:ext>
+            </a:extLst>
+          </p:cNvPr>
+          <p:cNvPicPr>
+            <a:picLocks noChangeAspect="1" noChangeArrowheads="1"/>
+          </p:cNvPicPr>
+          <p:nvPr/>
+        </p:nvPicPr>
+        <p:blipFill>
+          <a:blip r:embed="rId5">
+            <a:extLst>
+              <a:ext uri="{28A0092B-C50C-407E-A947-70E740481C1C}">
+                <a14:useLocalDpi xmlns:a14="http://schemas.microsoft.com/office/drawing/2010/main" val="0"/>
+              </a:ext>
+            </a:extLst>
+          </a:blip>
+          <a:srcRect/>
+          <a:stretch>
+            <a:fillRect/>
+          </a:stretch>
+        </p:blipFill>
+        <p:spPr bwMode="auto">
+          <a:xfrm>
+            <a:off x="4820642" y="1690187"/>
+            <a:ext cx="7371358" cy="3680466"/>
+          </a:xfrm>
+          <a:prstGeom prst="rect">
+            <a:avLst/>
+          </a:prstGeom>
+          <a:noFill/>
+          <a:extLst>
+            <a:ext uri="{909E8E84-426E-40DD-AFC4-6F175D3DCCD1}">
+              <a14:hiddenFill xmlns:a14="http://schemas.microsoft.com/office/drawing/2010/main">
+                <a:solidFill>
+                  <a:srgbClr val="FFFFFF"/>
+                </a:solidFill>
+              </a14:hiddenFill>
+            </a:ext>
+          </a:extLst>
+        </p:spPr>
+      </p:pic>
+      <p:sp>
+        <p:nvSpPr>
+          <p:cNvPr id="8" name="TextBox 7">
+            <a:extLst>
+              <a:ext uri="{FF2B5EF4-FFF2-40B4-BE49-F238E27FC236}">
+                <a16:creationId xmlns:a16="http://schemas.microsoft.com/office/drawing/2014/main" id="{11840D5C-3D15-43FA-828B-81755108AC4E}"/>
+              </a:ext>
+            </a:extLst>
+          </p:cNvPr>
+          <p:cNvSpPr txBox="1"/>
+          <p:nvPr/>
+        </p:nvSpPr>
+        <p:spPr>
+          <a:xfrm>
+            <a:off x="6168274" y="5139819"/>
+            <a:ext cx="3223967" cy="461665"/>
+          </a:xfrm>
+          <a:prstGeom prst="rect">
+            <a:avLst/>
+          </a:prstGeom>
+          <a:noFill/>
+        </p:spPr>
+        <p:txBody>
+          <a:bodyPr wrap="square" rtlCol="0">
+            <a:spAutoFit/>
+          </a:bodyPr>
+          <a:lstStyle/>
+          <a:p>
+            <a:r>
+              <a:rPr lang="en-US" sz="2400" dirty="0">
+                <a:latin typeface="Pragmatica" pitchFamily="2" charset="0"/>
+              </a:rPr>
+              <a:t>The interface</a:t>
+            </a:r>
+          </a:p>
+        </p:txBody>
+      </p:sp>
+      <p:sp>
+        <p:nvSpPr>
+          <p:cNvPr id="12" name="TextBox 11">
+            <a:extLst>
+              <a:ext uri="{FF2B5EF4-FFF2-40B4-BE49-F238E27FC236}">
+                <a16:creationId xmlns:a16="http://schemas.microsoft.com/office/drawing/2014/main" id="{58B22640-98BF-4B6B-939E-E50C08DEC28C}"/>
+              </a:ext>
+            </a:extLst>
+          </p:cNvPr>
+          <p:cNvSpPr txBox="1"/>
+          <p:nvPr/>
+        </p:nvSpPr>
+        <p:spPr>
+          <a:xfrm>
+            <a:off x="334451" y="5139820"/>
+            <a:ext cx="6103856" cy="461665"/>
+          </a:xfrm>
+          <a:prstGeom prst="rect">
+            <a:avLst/>
+          </a:prstGeom>
+          <a:noFill/>
+        </p:spPr>
+        <p:txBody>
+          <a:bodyPr wrap="square">
+            <a:spAutoFit/>
+          </a:bodyPr>
+          <a:lstStyle/>
+          <a:p>
+            <a:r>
+              <a:rPr lang="en-US" sz="2400" dirty="0">
+                <a:latin typeface="Pragmatica" pitchFamily="2" charset="0"/>
+              </a:rPr>
+              <a:t>The code base</a:t>
+            </a:r>
+          </a:p>
+        </p:txBody>
+      </p:sp>
     </p:spTree>
     <p:extLst>
       <p:ext uri="{BB962C8B-B14F-4D97-AF65-F5344CB8AC3E}">
-        <p14:creationId xmlns:p14="http://schemas.microsoft.com/office/powerpoint/2010/main" val="3260812531"/>
+        <p14:creationId xmlns:p14="http://schemas.microsoft.com/office/powerpoint/2010/main" val="4193561338"/>
       </p:ext>
     </p:extLst>
   </p:cSld>
@@ -8660,7 +8498,7 @@
         <p:spPr>
           <a:xfrm>
             <a:off x="173620" y="219919"/>
-            <a:ext cx="5937813" cy="1384995"/>
+            <a:ext cx="5937813" cy="523220"/>
           </a:xfrm>
           <a:prstGeom prst="rect">
             <a:avLst/>
@@ -8680,40 +8518,93 @@
                 </a:solidFill>
                 <a:latin typeface="Pragmatica" pitchFamily="2" charset="0"/>
               </a:rPr>
-              <a:t>Speaking the language of data with the </a:t>
-            </a:r>
-            <a:r>
-              <a:rPr lang="en-US" sz="2800" b="1" dirty="0" err="1">
-                <a:solidFill>
-                  <a:srgbClr val="CF3338"/>
-                </a:solidFill>
-                <a:latin typeface="Consolas" panose="020B0609020204030204" pitchFamily="49" charset="0"/>
-              </a:rPr>
-              <a:t>tidyverse</a:t>
-            </a:r>
-            <a:endParaRPr lang="en-US" sz="2800" b="1" dirty="0">
-              <a:solidFill>
-                <a:srgbClr val="CF3338"/>
-              </a:solidFill>
-              <a:latin typeface="Consolas" panose="020B0609020204030204" pitchFamily="49" charset="0"/>
-            </a:endParaRPr>
-          </a:p>
-          <a:p>
-            <a:endParaRPr lang="en-US" sz="2800" b="1" dirty="0">
-              <a:solidFill>
-                <a:srgbClr val="CF3338"/>
-              </a:solidFill>
-              <a:latin typeface="Consolas" panose="020B0609020204030204" pitchFamily="49" charset="0"/>
-            </a:endParaRPr>
-          </a:p>
-        </p:txBody>
-      </p:sp>
-      <p:sp>
-        <p:nvSpPr>
-          <p:cNvPr id="7" name="TextBox 6">
+              <a:t>Navigate RStudio, beginning with 1+1</a:t>
+            </a:r>
+          </a:p>
+        </p:txBody>
+      </p:sp>
+      <p:pic>
+        <p:nvPicPr>
+          <p:cNvPr id="7" name="Picture 2">
             <a:extLst>
               <a:ext uri="{FF2B5EF4-FFF2-40B4-BE49-F238E27FC236}">
-                <a16:creationId xmlns:a16="http://schemas.microsoft.com/office/drawing/2014/main" id="{855BC584-A237-4C91-9DAB-ADA80256CAC8}"/>
+                <a16:creationId xmlns:a16="http://schemas.microsoft.com/office/drawing/2014/main" id="{6AA3752F-7DE4-42EF-930F-41F529023B4D}"/>
+              </a:ext>
+            </a:extLst>
+          </p:cNvPr>
+          <p:cNvPicPr>
+            <a:picLocks noChangeAspect="1" noChangeArrowheads="1"/>
+          </p:cNvPicPr>
+          <p:nvPr/>
+        </p:nvPicPr>
+        <p:blipFill>
+          <a:blip r:embed="rId4">
+            <a:extLst>
+              <a:ext uri="{28A0092B-C50C-407E-A947-70E740481C1C}">
+                <a14:useLocalDpi xmlns:a14="http://schemas.microsoft.com/office/drawing/2010/main" val="0"/>
+              </a:ext>
+            </a:extLst>
+          </a:blip>
+          <a:srcRect/>
+          <a:stretch>
+            <a:fillRect/>
+          </a:stretch>
+        </p:blipFill>
+        <p:spPr bwMode="auto">
+          <a:xfrm>
+            <a:off x="817355" y="2489120"/>
+            <a:ext cx="7995854" cy="4285278"/>
+          </a:xfrm>
+          <a:prstGeom prst="rect">
+            <a:avLst/>
+          </a:prstGeom>
+          <a:noFill/>
+          <a:extLst>
+            <a:ext uri="{909E8E84-426E-40DD-AFC4-6F175D3DCCD1}">
+              <a14:hiddenFill xmlns:a14="http://schemas.microsoft.com/office/drawing/2010/main">
+                <a:solidFill>
+                  <a:srgbClr val="FFFFFF"/>
+                </a:solidFill>
+              </a14:hiddenFill>
+            </a:ext>
+          </a:extLst>
+        </p:spPr>
+      </p:pic>
+      <p:pic>
+        <p:nvPicPr>
+          <p:cNvPr id="8" name="Picture 7">
+            <a:extLst>
+              <a:ext uri="{FF2B5EF4-FFF2-40B4-BE49-F238E27FC236}">
+                <a16:creationId xmlns:a16="http://schemas.microsoft.com/office/drawing/2014/main" id="{7A16F770-8038-495F-AA22-4602F7510F9D}"/>
+              </a:ext>
+            </a:extLst>
+          </p:cNvPr>
+          <p:cNvPicPr>
+            <a:picLocks noChangeAspect="1"/>
+          </p:cNvPicPr>
+          <p:nvPr/>
+        </p:nvPicPr>
+        <p:blipFill rotWithShape="1">
+          <a:blip r:embed="rId5"/>
+          <a:srcRect b="47338"/>
+          <a:stretch/>
+        </p:blipFill>
+        <p:spPr>
+          <a:xfrm>
+            <a:off x="1198861" y="1273896"/>
+            <a:ext cx="3993611" cy="613266"/>
+          </a:xfrm>
+          <a:prstGeom prst="rect">
+            <a:avLst/>
+          </a:prstGeom>
+        </p:spPr>
+      </p:pic>
+      <p:sp>
+        <p:nvSpPr>
+          <p:cNvPr id="9" name="TextBox 8">
+            <a:extLst>
+              <a:ext uri="{FF2B5EF4-FFF2-40B4-BE49-F238E27FC236}">
+                <a16:creationId xmlns:a16="http://schemas.microsoft.com/office/drawing/2014/main" id="{F0D02FF3-1492-433C-B9E2-786CF5157C1B}"/>
               </a:ext>
             </a:extLst>
           </p:cNvPr>
@@ -8722,8 +8613,8 @@
         </p:nvSpPr>
         <p:spPr>
           <a:xfrm>
-            <a:off x="158187" y="1446550"/>
-            <a:ext cx="5937813" cy="5693866"/>
+            <a:off x="1117689" y="1887162"/>
+            <a:ext cx="7695520" cy="400110"/>
           </a:xfrm>
           <a:prstGeom prst="rect">
             <a:avLst/>
@@ -8736,199 +8627,29 @@
           </a:bodyPr>
           <a:lstStyle/>
           <a:p>
-            <a:pPr marL="514350" indent="-514350">
-              <a:buFont typeface="+mj-lt"/>
-              <a:buAutoNum type="arabicPeriod"/>
-            </a:pPr>
-            <a:r>
-              <a:rPr lang="en-US" sz="2600" b="1" dirty="0">
-                <a:solidFill>
-                  <a:srgbClr val="CF3338"/>
-                </a:solidFill>
-                <a:latin typeface="Pragmatica" pitchFamily="2" charset="0"/>
-              </a:rPr>
-              <a:t>Load and explore </a:t>
-            </a:r>
-            <a:r>
-              <a:rPr lang="en-US" sz="2600" b="1" dirty="0">
-                <a:solidFill>
-                  <a:srgbClr val="CF3338"/>
-                </a:solidFill>
-                <a:latin typeface="Consolas" panose="020B0609020204030204" pitchFamily="49" charset="0"/>
-              </a:rPr>
-              <a:t>diamonds</a:t>
-            </a:r>
-            <a:r>
-              <a:rPr lang="en-US" sz="2600" b="1" dirty="0">
-                <a:solidFill>
-                  <a:srgbClr val="CF3338"/>
-                </a:solidFill>
-                <a:latin typeface="Pragmatica" pitchFamily="2" charset="0"/>
-              </a:rPr>
-              <a:t> dataset</a:t>
-            </a:r>
-            <a:endParaRPr lang="en-US" sz="2600" b="1" dirty="0">
+            <a:r>
+              <a:rPr lang="en-US" sz="2000" dirty="0">
+                <a:solidFill>
+                  <a:srgbClr val="707070"/>
+                </a:solidFill>
+                <a:latin typeface="Pragmatica" panose="020B0403040502020204" pitchFamily="34" charset="0"/>
+                <a:hlinkClick r:id="rId6"/>
+              </a:rPr>
+              <a:t>https://github.com/stringfestdata/london-excel</a:t>
+            </a:r>
+            <a:endParaRPr lang="en-US" sz="2000" dirty="0">
               <a:solidFill>
-                <a:srgbClr val="CF3338"/>
-              </a:solidFill>
-              <a:latin typeface="Consolas" panose="020B0609020204030204" pitchFamily="49" charset="0"/>
-            </a:endParaRPr>
-          </a:p>
-          <a:p>
-            <a:pPr marL="514350" indent="-514350">
-              <a:buFont typeface="+mj-lt"/>
-              <a:buAutoNum type="arabicPeriod"/>
-            </a:pPr>
-            <a:r>
-              <a:rPr lang="en-US" sz="2600" b="1" dirty="0">
-                <a:solidFill>
-                  <a:srgbClr val="CF3338"/>
-                </a:solidFill>
-                <a:latin typeface="Pragmatica" pitchFamily="2" charset="0"/>
-              </a:rPr>
-              <a:t>Write a “sentence” in </a:t>
-            </a:r>
-            <a:r>
-              <a:rPr lang="en-US" sz="2600" b="1" dirty="0" err="1">
-                <a:solidFill>
-                  <a:srgbClr val="CF3338"/>
-                </a:solidFill>
-                <a:latin typeface="Consolas" panose="020B0609020204030204" pitchFamily="49" charset="0"/>
-              </a:rPr>
-              <a:t>dplyr</a:t>
-            </a:r>
-            <a:r>
-              <a:rPr lang="en-US" sz="2600" b="1" dirty="0">
-                <a:solidFill>
-                  <a:srgbClr val="CF3338"/>
-                </a:solidFill>
-                <a:latin typeface="Pragmatica" pitchFamily="2" charset="0"/>
-              </a:rPr>
-              <a:t>:</a:t>
-            </a:r>
-          </a:p>
-          <a:p>
-            <a:pPr lvl="1"/>
-            <a:r>
-              <a:rPr lang="en-US" sz="2600" i="1" dirty="0">
-                <a:solidFill>
-                  <a:srgbClr val="CF3338"/>
-                </a:solidFill>
-                <a:latin typeface="Pragmatica" panose="020B0403040502020204" pitchFamily="34" charset="0"/>
-              </a:rPr>
-              <a:t>“Get me the average price for each cut, sorted from high to low.”</a:t>
-            </a:r>
-          </a:p>
-          <a:p>
-            <a:pPr lvl="1"/>
-            <a:r>
-              <a:rPr lang="en-US" sz="2600" dirty="0">
-                <a:solidFill>
-                  <a:srgbClr val="CF3338"/>
-                </a:solidFill>
-                <a:latin typeface="Pragmatica" panose="020B0403040502020204" pitchFamily="34" charset="0"/>
-              </a:rPr>
-              <a:t>How would you pseudo-code this?</a:t>
-            </a:r>
-          </a:p>
-          <a:p>
-            <a:pPr marL="914400" lvl="1" indent="-457200">
-              <a:buFont typeface="Arial" panose="020B0604020202020204" pitchFamily="34" charset="0"/>
-              <a:buChar char="•"/>
-            </a:pPr>
-            <a:r>
-              <a:rPr lang="en-US" sz="2600" dirty="0">
-                <a:solidFill>
-                  <a:srgbClr val="CF3338"/>
-                </a:solidFill>
-                <a:latin typeface="Pragmatica" panose="020B0403040502020204" pitchFamily="34" charset="0"/>
-              </a:rPr>
-              <a:t>Group by cut</a:t>
-            </a:r>
-          </a:p>
-          <a:p>
-            <a:pPr marL="914400" lvl="1" indent="-457200">
-              <a:buFont typeface="Arial" panose="020B0604020202020204" pitchFamily="34" charset="0"/>
-              <a:buChar char="•"/>
-            </a:pPr>
-            <a:r>
-              <a:rPr lang="en-US" sz="2600" dirty="0">
-                <a:solidFill>
-                  <a:srgbClr val="CF3338"/>
-                </a:solidFill>
-                <a:latin typeface="Pragmatica" panose="020B0403040502020204" pitchFamily="34" charset="0"/>
-              </a:rPr>
-              <a:t>Find average for each group</a:t>
-            </a:r>
-          </a:p>
-          <a:p>
-            <a:pPr marL="914400" lvl="1" indent="-457200">
-              <a:buFont typeface="Arial" panose="020B0604020202020204" pitchFamily="34" charset="0"/>
-              <a:buChar char="•"/>
-            </a:pPr>
-            <a:r>
-              <a:rPr lang="en-US" sz="2600" dirty="0">
-                <a:solidFill>
-                  <a:srgbClr val="CF3338"/>
-                </a:solidFill>
-                <a:latin typeface="Pragmatica" panose="020B0403040502020204" pitchFamily="34" charset="0"/>
-              </a:rPr>
-              <a:t>Sort the results</a:t>
-            </a:r>
-          </a:p>
-          <a:p>
-            <a:pPr lvl="1"/>
-            <a:endParaRPr lang="en-US" sz="2600" i="1" dirty="0">
-              <a:solidFill>
-                <a:srgbClr val="CF3338"/>
+                <a:srgbClr val="707070"/>
               </a:solidFill>
               <a:latin typeface="Pragmatica" panose="020B0403040502020204" pitchFamily="34" charset="0"/>
             </a:endParaRPr>
           </a:p>
-          <a:p>
-            <a:r>
-              <a:rPr lang="en-US" sz="2600" b="1" dirty="0">
-                <a:solidFill>
-                  <a:srgbClr val="CF3338"/>
-                </a:solidFill>
-                <a:latin typeface="Pragmatica" pitchFamily="2" charset="0"/>
-              </a:rPr>
-              <a:t>File: </a:t>
-            </a:r>
-            <a:r>
-              <a:rPr lang="en-US" sz="2600" b="1" dirty="0" err="1">
-                <a:solidFill>
-                  <a:srgbClr val="CF3338"/>
-                </a:solidFill>
-                <a:latin typeface="Consolas" panose="020B0609020204030204" pitchFamily="49" charset="0"/>
-              </a:rPr>
-              <a:t>diamonds.r</a:t>
-            </a:r>
-            <a:endParaRPr lang="en-US" sz="2600" b="1" dirty="0">
-              <a:solidFill>
-                <a:srgbClr val="CF3338"/>
-              </a:solidFill>
-              <a:latin typeface="Consolas" panose="020B0609020204030204" pitchFamily="49" charset="0"/>
-            </a:endParaRPr>
-          </a:p>
-          <a:p>
-            <a:pPr marL="514350" indent="-514350">
-              <a:buFont typeface="+mj-lt"/>
-              <a:buAutoNum type="arabicPeriod"/>
-            </a:pPr>
-            <a:endParaRPr lang="en-US" sz="2600" b="1" dirty="0">
-              <a:solidFill>
-                <a:srgbClr val="CF3338"/>
-              </a:solidFill>
-              <a:latin typeface="Pragmatica" pitchFamily="2" charset="0"/>
-            </a:endParaRPr>
-          </a:p>
         </p:txBody>
       </p:sp>
     </p:spTree>
     <p:extLst>
       <p:ext uri="{BB962C8B-B14F-4D97-AF65-F5344CB8AC3E}">
-        <p14:creationId xmlns:p14="http://schemas.microsoft.com/office/powerpoint/2010/main" val="3861786641"/>
+        <p14:creationId xmlns:p14="http://schemas.microsoft.com/office/powerpoint/2010/main" val="698133896"/>
       </p:ext>
     </p:extLst>
   </p:cSld>
@@ -8976,82 +8697,147 @@
         </p:blipFill>
         <p:spPr>
           <a:xfrm>
-            <a:off x="8136460" y="2210765"/>
-            <a:ext cx="4055539" cy="4647236"/>
+            <a:off x="10894024" y="5370653"/>
+            <a:ext cx="1297975" cy="1487348"/>
           </a:xfrm>
           <a:prstGeom prst="rect">
             <a:avLst/>
           </a:prstGeom>
         </p:spPr>
       </p:pic>
+      <p:sp>
+        <p:nvSpPr>
+          <p:cNvPr id="11" name="TextBox 10"/>
+          <p:cNvSpPr txBox="1"/>
+          <p:nvPr/>
+        </p:nvSpPr>
+        <p:spPr>
+          <a:xfrm>
+            <a:off x="347240" y="113388"/>
+            <a:ext cx="9799937" cy="1938992"/>
+          </a:xfrm>
+          <a:prstGeom prst="rect">
+            <a:avLst/>
+          </a:prstGeom>
+          <a:noFill/>
+        </p:spPr>
+        <p:txBody>
+          <a:bodyPr wrap="square" rtlCol="0">
+            <a:spAutoFit/>
+          </a:bodyPr>
+          <a:lstStyle/>
+          <a:p>
+            <a:r>
+              <a:rPr lang="en-US" sz="6000" dirty="0">
+                <a:latin typeface="Aliens &amp; cows" panose="00000500000000000000" pitchFamily="2" charset="0"/>
+              </a:rPr>
+              <a:t>Packages: “There’s an App for that!”</a:t>
+            </a:r>
+          </a:p>
+        </p:txBody>
+      </p:sp>
+      <p:sp>
+        <p:nvSpPr>
+          <p:cNvPr id="3" name="TextBox 2"/>
+          <p:cNvSpPr txBox="1"/>
+          <p:nvPr/>
+        </p:nvSpPr>
+        <p:spPr>
+          <a:xfrm>
+            <a:off x="454109" y="2297968"/>
+            <a:ext cx="5414785" cy="1384995"/>
+          </a:xfrm>
+          <a:prstGeom prst="rect">
+            <a:avLst/>
+          </a:prstGeom>
+          <a:noFill/>
+        </p:spPr>
+        <p:txBody>
+          <a:bodyPr wrap="square" rtlCol="0">
+            <a:spAutoFit/>
+          </a:bodyPr>
+          <a:lstStyle/>
+          <a:p>
+            <a:pPr marL="514350" indent="-514350">
+              <a:buAutoNum type="arabicPeriod"/>
+            </a:pPr>
+            <a:r>
+              <a:rPr lang="en-US" sz="2800" dirty="0">
+                <a:solidFill>
+                  <a:srgbClr val="707070"/>
+                </a:solidFill>
+                <a:latin typeface="Pragmatica" panose="020B0403040502020204" pitchFamily="34" charset="0"/>
+              </a:rPr>
+              <a:t>Install the package (usually from CRAN)</a:t>
+            </a:r>
+          </a:p>
+          <a:p>
+            <a:pPr marL="514350" indent="-514350">
+              <a:buAutoNum type="arabicPeriod"/>
+            </a:pPr>
+            <a:r>
+              <a:rPr lang="en-US" sz="2800" dirty="0">
+                <a:solidFill>
+                  <a:srgbClr val="707070"/>
+                </a:solidFill>
+                <a:latin typeface="Pragmatica" panose="020B0403040502020204" pitchFamily="34" charset="0"/>
+              </a:rPr>
+              <a:t>Open the package</a:t>
+            </a:r>
+          </a:p>
+        </p:txBody>
+      </p:sp>
       <p:pic>
         <p:nvPicPr>
-          <p:cNvPr id="4" name="Picture 3"/>
+          <p:cNvPr id="8194" name="Picture 2">
+            <a:extLst>
+              <a:ext uri="{FF2B5EF4-FFF2-40B4-BE49-F238E27FC236}">
+                <a16:creationId xmlns:a16="http://schemas.microsoft.com/office/drawing/2014/main" id="{93A3D79E-EFB5-4C74-925C-52E65CFB9662}"/>
+              </a:ext>
+            </a:extLst>
+          </p:cNvPr>
           <p:cNvPicPr>
-            <a:picLocks noChangeAspect="1"/>
+            <a:picLocks noChangeAspect="1" noChangeArrowheads="1"/>
           </p:cNvPicPr>
           <p:nvPr/>
         </p:nvPicPr>
         <p:blipFill>
-          <a:blip r:embed="rId4">
+          <a:blip r:embed="rId4" cstate="print">
             <a:extLst>
               <a:ext uri="{28A0092B-C50C-407E-A947-70E740481C1C}">
                 <a14:useLocalDpi xmlns:a14="http://schemas.microsoft.com/office/drawing/2010/main" val="0"/>
               </a:ext>
             </a:extLst>
           </a:blip>
+          <a:srcRect/>
           <a:stretch>
             <a:fillRect/>
           </a:stretch>
         </p:blipFill>
-        <p:spPr>
-          <a:xfrm>
-            <a:off x="-538496" y="-2482770"/>
-            <a:ext cx="10171472" cy="7459883"/>
-          </a:xfrm>
-          <a:prstGeom prst="rect">
-            <a:avLst/>
-          </a:prstGeom>
+        <p:spPr bwMode="auto">
+          <a:xfrm rot="16200000">
+            <a:off x="4795276" y="1137677"/>
+            <a:ext cx="5720323" cy="5720323"/>
+          </a:xfrm>
+          <a:prstGeom prst="rect">
+            <a:avLst/>
+          </a:prstGeom>
+          <a:noFill/>
+          <a:extLst>
+            <a:ext uri="{909E8E84-426E-40DD-AFC4-6F175D3DCCD1}">
+              <a14:hiddenFill xmlns:a14="http://schemas.microsoft.com/office/drawing/2010/main">
+                <a:solidFill>
+                  <a:srgbClr val="FFFFFF"/>
+                </a:solidFill>
+              </a14:hiddenFill>
+            </a:ext>
+          </a:extLst>
         </p:spPr>
       </p:pic>
-      <p:sp>
-        <p:nvSpPr>
-          <p:cNvPr id="11" name="TextBox 10"/>
-          <p:cNvSpPr txBox="1"/>
-          <p:nvPr/>
-        </p:nvSpPr>
-        <p:spPr>
-          <a:xfrm>
-            <a:off x="324091" y="1687545"/>
-            <a:ext cx="7986531" cy="523220"/>
-          </a:xfrm>
-          <a:prstGeom prst="rect">
-            <a:avLst/>
-          </a:prstGeom>
-          <a:noFill/>
-        </p:spPr>
-        <p:txBody>
-          <a:bodyPr wrap="square" rtlCol="0">
-            <a:spAutoFit/>
-          </a:bodyPr>
-          <a:lstStyle/>
-          <a:p>
-            <a:r>
-              <a:rPr lang="en-US" sz="2800" b="1" dirty="0">
-                <a:solidFill>
-                  <a:srgbClr val="707070"/>
-                </a:solidFill>
-                <a:latin typeface="Pragmatica" panose="020B0403040502020204" pitchFamily="34" charset="0"/>
-              </a:rPr>
-              <a:t>Questions?</a:t>
-            </a:r>
-          </a:p>
-        </p:txBody>
-      </p:sp>
     </p:spTree>
     <p:extLst>
       <p:ext uri="{BB962C8B-B14F-4D97-AF65-F5344CB8AC3E}">
-        <p14:creationId xmlns:p14="http://schemas.microsoft.com/office/powerpoint/2010/main" val="4242815480"/>
+        <p14:creationId xmlns:p14="http://schemas.microsoft.com/office/powerpoint/2010/main" val="3260812531"/>
       </p:ext>
     </p:extLst>
   </p:cSld>
@@ -9086,8 +8872,8 @@
         </p:nvSpPr>
         <p:spPr>
           <a:xfrm>
-            <a:off x="0" y="0"/>
-            <a:ext cx="12192000" cy="6858000"/>
+            <a:off x="6574420" y="0"/>
+            <a:ext cx="5617580" cy="6858000"/>
           </a:xfrm>
           <a:prstGeom prst="rect">
             <a:avLst/>
@@ -9129,8 +8915,8 @@
         </p:nvSpPr>
         <p:spPr>
           <a:xfrm>
-            <a:off x="520861" y="393539"/>
-            <a:ext cx="10324617" cy="1107996"/>
+            <a:off x="6817489" y="0"/>
+            <a:ext cx="4120587" cy="1446550"/>
           </a:xfrm>
           <a:prstGeom prst="rect">
             <a:avLst/>
@@ -9144,21 +8930,324 @@
           <a:lstStyle/>
           <a:p>
             <a:r>
-              <a:rPr lang="en-US" sz="6600" b="1" dirty="0">
+              <a:rPr lang="en-US" sz="8800" dirty="0">
                 <a:solidFill>
                   <a:schemeClr val="bg1"/>
                 </a:solidFill>
+                <a:latin typeface="Aliens &amp; cows" panose="00000500000000000000" pitchFamily="2" charset="0"/>
+              </a:rPr>
+              <a:t>Demo</a:t>
+            </a:r>
+          </a:p>
+        </p:txBody>
+      </p:sp>
+      <p:pic>
+        <p:nvPicPr>
+          <p:cNvPr id="2" name="Picture 1"/>
+          <p:cNvPicPr>
+            <a:picLocks noChangeAspect="1"/>
+          </p:cNvPicPr>
+          <p:nvPr/>
+        </p:nvPicPr>
+        <p:blipFill rotWithShape="1">
+          <a:blip r:embed="rId3">
+            <a:extLst>
+              <a:ext uri="{28A0092B-C50C-407E-A947-70E740481C1C}">
+                <a14:useLocalDpi xmlns:a14="http://schemas.microsoft.com/office/drawing/2010/main" val="0"/>
+              </a:ext>
+            </a:extLst>
+          </a:blip>
+          <a:srcRect l="69227" t="33418" r="20112" b="50548"/>
+          <a:stretch/>
+        </p:blipFill>
+        <p:spPr>
+          <a:xfrm>
+            <a:off x="10386349" y="5029795"/>
+            <a:ext cx="1805651" cy="1991719"/>
+          </a:xfrm>
+          <a:prstGeom prst="rect">
+            <a:avLst/>
+          </a:prstGeom>
+        </p:spPr>
+      </p:pic>
+      <p:sp>
+        <p:nvSpPr>
+          <p:cNvPr id="3" name="TextBox 2"/>
+          <p:cNvSpPr txBox="1"/>
+          <p:nvPr/>
+        </p:nvSpPr>
+        <p:spPr>
+          <a:xfrm>
+            <a:off x="173620" y="219919"/>
+            <a:ext cx="5937813" cy="1384995"/>
+          </a:xfrm>
+          <a:prstGeom prst="rect">
+            <a:avLst/>
+          </a:prstGeom>
+          <a:noFill/>
+        </p:spPr>
+        <p:txBody>
+          <a:bodyPr wrap="square" rtlCol="0">
+            <a:spAutoFit/>
+          </a:bodyPr>
+          <a:lstStyle/>
+          <a:p>
+            <a:r>
+              <a:rPr lang="en-US" sz="2800" b="1" dirty="0">
+                <a:solidFill>
+                  <a:srgbClr val="CF3338"/>
+                </a:solidFill>
                 <a:latin typeface="Pragmatica" pitchFamily="2" charset="0"/>
               </a:rPr>
-              <a:t>Prancing into Python</a:t>
-            </a:r>
+              <a:t>Speaking the language of data with the </a:t>
+            </a:r>
+            <a:r>
+              <a:rPr lang="en-US" sz="2800" b="1" dirty="0" err="1">
+                <a:solidFill>
+                  <a:srgbClr val="CF3338"/>
+                </a:solidFill>
+                <a:latin typeface="Consolas" panose="020B0609020204030204" pitchFamily="49" charset="0"/>
+              </a:rPr>
+              <a:t>tidyverse</a:t>
+            </a:r>
+            <a:endParaRPr lang="en-US" sz="2800" b="1" dirty="0">
+              <a:solidFill>
+                <a:srgbClr val="CF3338"/>
+              </a:solidFill>
+              <a:latin typeface="Consolas" panose="020B0609020204030204" pitchFamily="49" charset="0"/>
+            </a:endParaRPr>
+          </a:p>
+          <a:p>
+            <a:endParaRPr lang="en-US" sz="2800" b="1" dirty="0">
+              <a:solidFill>
+                <a:srgbClr val="CF3338"/>
+              </a:solidFill>
+              <a:latin typeface="Consolas" panose="020B0609020204030204" pitchFamily="49" charset="0"/>
+            </a:endParaRPr>
+          </a:p>
+        </p:txBody>
+      </p:sp>
+      <p:sp>
+        <p:nvSpPr>
+          <p:cNvPr id="7" name="TextBox 6">
+            <a:extLst>
+              <a:ext uri="{FF2B5EF4-FFF2-40B4-BE49-F238E27FC236}">
+                <a16:creationId xmlns:a16="http://schemas.microsoft.com/office/drawing/2014/main" id="{855BC584-A237-4C91-9DAB-ADA80256CAC8}"/>
+              </a:ext>
+            </a:extLst>
+          </p:cNvPr>
+          <p:cNvSpPr txBox="1"/>
+          <p:nvPr/>
+        </p:nvSpPr>
+        <p:spPr>
+          <a:xfrm>
+            <a:off x="158187" y="1446550"/>
+            <a:ext cx="5937813" cy="5693866"/>
+          </a:xfrm>
+          <a:prstGeom prst="rect">
+            <a:avLst/>
+          </a:prstGeom>
+          <a:noFill/>
+        </p:spPr>
+        <p:txBody>
+          <a:bodyPr wrap="square" rtlCol="0">
+            <a:spAutoFit/>
+          </a:bodyPr>
+          <a:lstStyle/>
+          <a:p>
+            <a:pPr marL="514350" indent="-514350">
+              <a:buFont typeface="+mj-lt"/>
+              <a:buAutoNum type="arabicPeriod"/>
+            </a:pPr>
+            <a:r>
+              <a:rPr lang="en-US" sz="2600" b="1" dirty="0">
+                <a:solidFill>
+                  <a:srgbClr val="CF3338"/>
+                </a:solidFill>
+                <a:latin typeface="Pragmatica" pitchFamily="2" charset="0"/>
+              </a:rPr>
+              <a:t>Load and explore </a:t>
+            </a:r>
+            <a:r>
+              <a:rPr lang="en-US" sz="2600" b="1" dirty="0">
+                <a:solidFill>
+                  <a:srgbClr val="CF3338"/>
+                </a:solidFill>
+                <a:latin typeface="Consolas" panose="020B0609020204030204" pitchFamily="49" charset="0"/>
+              </a:rPr>
+              <a:t>diamonds</a:t>
+            </a:r>
+            <a:r>
+              <a:rPr lang="en-US" sz="2600" b="1" dirty="0">
+                <a:solidFill>
+                  <a:srgbClr val="CF3338"/>
+                </a:solidFill>
+                <a:latin typeface="Pragmatica" pitchFamily="2" charset="0"/>
+              </a:rPr>
+              <a:t> dataset</a:t>
+            </a:r>
+            <a:endParaRPr lang="en-US" sz="2600" b="1" dirty="0">
+              <a:solidFill>
+                <a:srgbClr val="CF3338"/>
+              </a:solidFill>
+              <a:latin typeface="Consolas" panose="020B0609020204030204" pitchFamily="49" charset="0"/>
+            </a:endParaRPr>
+          </a:p>
+          <a:p>
+            <a:pPr marL="514350" indent="-514350">
+              <a:buFont typeface="+mj-lt"/>
+              <a:buAutoNum type="arabicPeriod"/>
+            </a:pPr>
+            <a:r>
+              <a:rPr lang="en-US" sz="2600" b="1" dirty="0">
+                <a:solidFill>
+                  <a:srgbClr val="CF3338"/>
+                </a:solidFill>
+                <a:latin typeface="Pragmatica" pitchFamily="2" charset="0"/>
+              </a:rPr>
+              <a:t>Write a “sentence” in </a:t>
+            </a:r>
+            <a:r>
+              <a:rPr lang="en-US" sz="2600" b="1" dirty="0" err="1">
+                <a:solidFill>
+                  <a:srgbClr val="CF3338"/>
+                </a:solidFill>
+                <a:latin typeface="Consolas" panose="020B0609020204030204" pitchFamily="49" charset="0"/>
+              </a:rPr>
+              <a:t>dplyr</a:t>
+            </a:r>
+            <a:r>
+              <a:rPr lang="en-US" sz="2600" b="1" dirty="0">
+                <a:solidFill>
+                  <a:srgbClr val="CF3338"/>
+                </a:solidFill>
+                <a:latin typeface="Pragmatica" pitchFamily="2" charset="0"/>
+              </a:rPr>
+              <a:t>:</a:t>
+            </a:r>
+          </a:p>
+          <a:p>
+            <a:pPr lvl="1"/>
+            <a:r>
+              <a:rPr lang="en-US" sz="2600" i="1" dirty="0">
+                <a:solidFill>
+                  <a:srgbClr val="CF3338"/>
+                </a:solidFill>
+                <a:latin typeface="Pragmatica" panose="020B0403040502020204" pitchFamily="34" charset="0"/>
+              </a:rPr>
+              <a:t>“Get me the average price for each cut, sorted from high to low.”</a:t>
+            </a:r>
+          </a:p>
+          <a:p>
+            <a:pPr lvl="1"/>
+            <a:r>
+              <a:rPr lang="en-US" sz="2600" dirty="0">
+                <a:solidFill>
+                  <a:srgbClr val="CF3338"/>
+                </a:solidFill>
+                <a:latin typeface="Pragmatica" panose="020B0403040502020204" pitchFamily="34" charset="0"/>
+              </a:rPr>
+              <a:t>How would you pseudo-code this?</a:t>
+            </a:r>
+          </a:p>
+          <a:p>
+            <a:pPr marL="914400" lvl="1" indent="-457200">
+              <a:buFont typeface="Arial" panose="020B0604020202020204" pitchFamily="34" charset="0"/>
+              <a:buChar char="•"/>
+            </a:pPr>
+            <a:r>
+              <a:rPr lang="en-US" sz="2600" dirty="0">
+                <a:solidFill>
+                  <a:srgbClr val="CF3338"/>
+                </a:solidFill>
+                <a:latin typeface="Pragmatica" panose="020B0403040502020204" pitchFamily="34" charset="0"/>
+              </a:rPr>
+              <a:t>Group by cut</a:t>
+            </a:r>
+          </a:p>
+          <a:p>
+            <a:pPr marL="914400" lvl="1" indent="-457200">
+              <a:buFont typeface="Arial" panose="020B0604020202020204" pitchFamily="34" charset="0"/>
+              <a:buChar char="•"/>
+            </a:pPr>
+            <a:r>
+              <a:rPr lang="en-US" sz="2600" dirty="0">
+                <a:solidFill>
+                  <a:srgbClr val="CF3338"/>
+                </a:solidFill>
+                <a:latin typeface="Pragmatica" panose="020B0403040502020204" pitchFamily="34" charset="0"/>
+              </a:rPr>
+              <a:t>Find average for each group</a:t>
+            </a:r>
+          </a:p>
+          <a:p>
+            <a:pPr marL="914400" lvl="1" indent="-457200">
+              <a:buFont typeface="Arial" panose="020B0604020202020204" pitchFamily="34" charset="0"/>
+              <a:buChar char="•"/>
+            </a:pPr>
+            <a:r>
+              <a:rPr lang="en-US" sz="2600" dirty="0">
+                <a:solidFill>
+                  <a:srgbClr val="CF3338"/>
+                </a:solidFill>
+                <a:latin typeface="Pragmatica" panose="020B0403040502020204" pitchFamily="34" charset="0"/>
+              </a:rPr>
+              <a:t>Sort the results</a:t>
+            </a:r>
+          </a:p>
+          <a:p>
+            <a:pPr lvl="1"/>
+            <a:endParaRPr lang="en-US" sz="2600" i="1" dirty="0">
+              <a:solidFill>
+                <a:srgbClr val="CF3338"/>
+              </a:solidFill>
+              <a:latin typeface="Pragmatica" panose="020B0403040502020204" pitchFamily="34" charset="0"/>
+            </a:endParaRPr>
+          </a:p>
+          <a:p>
+            <a:r>
+              <a:rPr lang="en-US" sz="2600" b="1" dirty="0">
+                <a:solidFill>
+                  <a:srgbClr val="CF3338"/>
+                </a:solidFill>
+                <a:latin typeface="Pragmatica" pitchFamily="2" charset="0"/>
+              </a:rPr>
+              <a:t>File: </a:t>
+            </a:r>
+            <a:r>
+              <a:rPr lang="en-US" sz="2600" b="1" dirty="0" err="1">
+                <a:solidFill>
+                  <a:srgbClr val="CF3338"/>
+                </a:solidFill>
+                <a:latin typeface="Consolas" panose="020B0609020204030204" pitchFamily="49" charset="0"/>
+              </a:rPr>
+              <a:t>diamonds.r</a:t>
+            </a:r>
+            <a:endParaRPr lang="en-US" sz="2600" b="1" dirty="0">
+              <a:solidFill>
+                <a:srgbClr val="CF3338"/>
+              </a:solidFill>
+              <a:latin typeface="Consolas" panose="020B0609020204030204" pitchFamily="49" charset="0"/>
+            </a:endParaRPr>
+          </a:p>
+          <a:p>
+            <a:pPr marL="514350" indent="-514350">
+              <a:buFont typeface="+mj-lt"/>
+              <a:buAutoNum type="arabicPeriod"/>
+            </a:pPr>
+            <a:endParaRPr lang="en-US" sz="2600" b="1" dirty="0">
+              <a:solidFill>
+                <a:srgbClr val="CF3338"/>
+              </a:solidFill>
+              <a:latin typeface="Pragmatica" pitchFamily="2" charset="0"/>
+            </a:endParaRPr>
           </a:p>
         </p:txBody>
       </p:sp>
     </p:spTree>
     <p:extLst>
       <p:ext uri="{BB962C8B-B14F-4D97-AF65-F5344CB8AC3E}">
-        <p14:creationId xmlns:p14="http://schemas.microsoft.com/office/powerpoint/2010/main" val="692570879"/>
+        <p14:creationId xmlns:p14="http://schemas.microsoft.com/office/powerpoint/2010/main" val="3861786641"/>
       </p:ext>
     </p:extLst>
   </p:cSld>
@@ -9206,286 +9295,54 @@
         </p:blipFill>
         <p:spPr>
           <a:xfrm>
-            <a:off x="10894024" y="5370653"/>
-            <a:ext cx="1297975" cy="1487348"/>
+            <a:off x="8136460" y="2210765"/>
+            <a:ext cx="4055539" cy="4647236"/>
           </a:xfrm>
           <a:prstGeom prst="rect">
             <a:avLst/>
           </a:prstGeom>
         </p:spPr>
       </p:pic>
-      <p:sp>
-        <p:nvSpPr>
-          <p:cNvPr id="11" name="TextBox 10"/>
-          <p:cNvSpPr txBox="1"/>
-          <p:nvPr/>
-        </p:nvSpPr>
-        <p:spPr>
-          <a:xfrm>
-            <a:off x="347240" y="113388"/>
-            <a:ext cx="9799937" cy="1015663"/>
-          </a:xfrm>
-          <a:prstGeom prst="rect">
-            <a:avLst/>
-          </a:prstGeom>
-          <a:noFill/>
-        </p:spPr>
-        <p:txBody>
-          <a:bodyPr wrap="square" rtlCol="0">
-            <a:spAutoFit/>
-          </a:bodyPr>
-          <a:lstStyle/>
-          <a:p>
-            <a:r>
-              <a:rPr lang="en-US" sz="6000" dirty="0">
-                <a:latin typeface="Aliens &amp; cows" panose="00000500000000000000" pitchFamily="2" charset="0"/>
-              </a:rPr>
-              <a:t>Python+ Anaconda + </a:t>
-            </a:r>
-            <a:r>
-              <a:rPr lang="en-US" sz="6000" dirty="0" err="1">
-                <a:latin typeface="Aliens &amp; cows" panose="00000500000000000000" pitchFamily="2" charset="0"/>
-              </a:rPr>
-              <a:t>Jupyter</a:t>
-            </a:r>
-            <a:endParaRPr lang="en-US" sz="6000" dirty="0">
-              <a:latin typeface="Aliens &amp; cows" panose="00000500000000000000" pitchFamily="2" charset="0"/>
-            </a:endParaRPr>
-          </a:p>
-        </p:txBody>
-      </p:sp>
-      <p:sp>
-        <p:nvSpPr>
-          <p:cNvPr id="8" name="TextBox 7">
-            <a:extLst>
-              <a:ext uri="{FF2B5EF4-FFF2-40B4-BE49-F238E27FC236}">
-                <a16:creationId xmlns:a16="http://schemas.microsoft.com/office/drawing/2014/main" id="{11840D5C-3D15-43FA-828B-81755108AC4E}"/>
-              </a:ext>
-            </a:extLst>
-          </p:cNvPr>
-          <p:cNvSpPr txBox="1"/>
-          <p:nvPr/>
-        </p:nvSpPr>
-        <p:spPr>
-          <a:xfrm>
-            <a:off x="4211235" y="5048028"/>
-            <a:ext cx="3223967" cy="830997"/>
-          </a:xfrm>
-          <a:prstGeom prst="rect">
-            <a:avLst/>
-          </a:prstGeom>
-          <a:noFill/>
-        </p:spPr>
-        <p:txBody>
-          <a:bodyPr wrap="square" rtlCol="0">
-            <a:spAutoFit/>
-          </a:bodyPr>
-          <a:lstStyle/>
-          <a:p>
-            <a:pPr algn="ctr"/>
-            <a:r>
-              <a:rPr lang="en-US" sz="2400" dirty="0">
-                <a:latin typeface="Pragmatica" pitchFamily="2" charset="0"/>
-              </a:rPr>
-              <a:t>The distribution of code &amp; apps</a:t>
-            </a:r>
-          </a:p>
-        </p:txBody>
-      </p:sp>
-      <p:sp>
-        <p:nvSpPr>
-          <p:cNvPr id="12" name="TextBox 11">
-            <a:extLst>
-              <a:ext uri="{FF2B5EF4-FFF2-40B4-BE49-F238E27FC236}">
-                <a16:creationId xmlns:a16="http://schemas.microsoft.com/office/drawing/2014/main" id="{58B22640-98BF-4B6B-939E-E50C08DEC28C}"/>
-              </a:ext>
-            </a:extLst>
-          </p:cNvPr>
-          <p:cNvSpPr txBox="1"/>
-          <p:nvPr/>
-        </p:nvSpPr>
-        <p:spPr>
-          <a:xfrm>
-            <a:off x="334451" y="5139820"/>
-            <a:ext cx="3641931" cy="830997"/>
-          </a:xfrm>
-          <a:prstGeom prst="rect">
-            <a:avLst/>
-          </a:prstGeom>
-          <a:noFill/>
-        </p:spPr>
-        <p:txBody>
-          <a:bodyPr wrap="square">
-            <a:spAutoFit/>
-          </a:bodyPr>
-          <a:lstStyle/>
-          <a:p>
-            <a:r>
-              <a:rPr lang="en-US" sz="2400" dirty="0">
-                <a:latin typeface="Pragmatica" pitchFamily="2" charset="0"/>
-              </a:rPr>
-              <a:t>The (open) source code</a:t>
-            </a:r>
-          </a:p>
-        </p:txBody>
-      </p:sp>
       <p:pic>
         <p:nvPicPr>
-          <p:cNvPr id="3074" name="Picture 2">
-            <a:extLst>
-              <a:ext uri="{FF2B5EF4-FFF2-40B4-BE49-F238E27FC236}">
-                <a16:creationId xmlns:a16="http://schemas.microsoft.com/office/drawing/2014/main" id="{E3988C34-2EF3-4BC5-A72A-3F7595D4F9CB}"/>
-              </a:ext>
-            </a:extLst>
-          </p:cNvPr>
+          <p:cNvPr id="4" name="Picture 3"/>
           <p:cNvPicPr>
-            <a:picLocks noChangeAspect="1" noChangeArrowheads="1"/>
+            <a:picLocks noChangeAspect="1"/>
           </p:cNvPicPr>
           <p:nvPr/>
         </p:nvPicPr>
         <p:blipFill>
-          <a:blip r:embed="rId4" cstate="print">
+          <a:blip r:embed="rId4">
             <a:extLst>
               <a:ext uri="{28A0092B-C50C-407E-A947-70E740481C1C}">
                 <a14:useLocalDpi xmlns:a14="http://schemas.microsoft.com/office/drawing/2010/main" val="0"/>
               </a:ext>
             </a:extLst>
           </a:blip>
-          <a:srcRect/>
           <a:stretch>
             <a:fillRect/>
           </a:stretch>
         </p:blipFill>
-        <p:spPr bwMode="auto">
-          <a:xfrm>
-            <a:off x="418750" y="2407641"/>
-            <a:ext cx="2608976" cy="2608976"/>
-          </a:xfrm>
-          <a:prstGeom prst="rect">
-            <a:avLst/>
-          </a:prstGeom>
-          <a:noFill/>
-          <a:extLst>
-            <a:ext uri="{909E8E84-426E-40DD-AFC4-6F175D3DCCD1}">
-              <a14:hiddenFill xmlns:a14="http://schemas.microsoft.com/office/drawing/2010/main">
-                <a:solidFill>
-                  <a:srgbClr val="FFFFFF"/>
-                </a:solidFill>
-              </a14:hiddenFill>
-            </a:ext>
-          </a:extLst>
+        <p:spPr>
+          <a:xfrm>
+            <a:off x="-538496" y="-2482770"/>
+            <a:ext cx="10171472" cy="7459883"/>
+          </a:xfrm>
+          <a:prstGeom prst="rect">
+            <a:avLst/>
+          </a:prstGeom>
         </p:spPr>
       </p:pic>
-      <p:pic>
-        <p:nvPicPr>
-          <p:cNvPr id="3076" name="Picture 4" descr="Anaconda (Python distribution) - Wikipedia">
-            <a:extLst>
-              <a:ext uri="{FF2B5EF4-FFF2-40B4-BE49-F238E27FC236}">
-                <a16:creationId xmlns:a16="http://schemas.microsoft.com/office/drawing/2014/main" id="{68DA0063-7FE8-4DF8-994B-B10B1C977495}"/>
-              </a:ext>
-            </a:extLst>
-          </p:cNvPr>
-          <p:cNvPicPr>
-            <a:picLocks noChangeAspect="1" noChangeArrowheads="1"/>
-          </p:cNvPicPr>
-          <p:nvPr/>
-        </p:nvPicPr>
-        <p:blipFill>
-          <a:blip r:embed="rId5">
-            <a:extLst>
-              <a:ext uri="{28A0092B-C50C-407E-A947-70E740481C1C}">
-                <a14:useLocalDpi xmlns:a14="http://schemas.microsoft.com/office/drawing/2010/main" val="0"/>
-              </a:ext>
-            </a:extLst>
-          </a:blip>
-          <a:srcRect/>
-          <a:stretch>
-            <a:fillRect/>
-          </a:stretch>
-        </p:blipFill>
-        <p:spPr bwMode="auto">
-          <a:xfrm>
-            <a:off x="3698716" y="2576686"/>
-            <a:ext cx="4257675" cy="2124075"/>
-          </a:xfrm>
-          <a:prstGeom prst="rect">
-            <a:avLst/>
-          </a:prstGeom>
-          <a:noFill/>
-          <a:extLst>
-            <a:ext uri="{909E8E84-426E-40DD-AFC4-6F175D3DCCD1}">
-              <a14:hiddenFill xmlns:a14="http://schemas.microsoft.com/office/drawing/2010/main">
-                <a:solidFill>
-                  <a:srgbClr val="FFFFFF"/>
-                </a:solidFill>
-              </a14:hiddenFill>
-            </a:ext>
-          </a:extLst>
-        </p:spPr>
-      </p:pic>
-      <p:pic>
-        <p:nvPicPr>
-          <p:cNvPr id="3078" name="Picture 6" descr="Project Jupyter - Wikipedia">
-            <a:extLst>
-              <a:ext uri="{FF2B5EF4-FFF2-40B4-BE49-F238E27FC236}">
-                <a16:creationId xmlns:a16="http://schemas.microsoft.com/office/drawing/2014/main" id="{CD5F432D-C909-4287-9AEF-76EB923DE370}"/>
-              </a:ext>
-            </a:extLst>
-          </p:cNvPr>
-          <p:cNvPicPr>
-            <a:picLocks noChangeAspect="1" noChangeArrowheads="1"/>
-          </p:cNvPicPr>
-          <p:nvPr/>
-        </p:nvPicPr>
-        <p:blipFill>
-          <a:blip r:embed="rId6" cstate="print">
-            <a:extLst>
-              <a:ext uri="{28A0092B-C50C-407E-A947-70E740481C1C}">
-                <a14:useLocalDpi xmlns:a14="http://schemas.microsoft.com/office/drawing/2010/main" val="0"/>
-              </a:ext>
-            </a:extLst>
-          </a:blip>
-          <a:srcRect/>
-          <a:stretch>
-            <a:fillRect/>
-          </a:stretch>
-        </p:blipFill>
-        <p:spPr bwMode="auto">
-          <a:xfrm>
-            <a:off x="8967904" y="1882550"/>
-            <a:ext cx="2730958" cy="3165478"/>
-          </a:xfrm>
-          <a:prstGeom prst="rect">
-            <a:avLst/>
-          </a:prstGeom>
-          <a:noFill/>
-          <a:extLst>
-            <a:ext uri="{909E8E84-426E-40DD-AFC4-6F175D3DCCD1}">
-              <a14:hiddenFill xmlns:a14="http://schemas.microsoft.com/office/drawing/2010/main">
-                <a:solidFill>
-                  <a:srgbClr val="FFFFFF"/>
-                </a:solidFill>
-              </a14:hiddenFill>
-            </a:ext>
-          </a:extLst>
-        </p:spPr>
-      </p:pic>
-      <p:sp>
-        <p:nvSpPr>
-          <p:cNvPr id="13" name="TextBox 12">
-            <a:extLst>
-              <a:ext uri="{FF2B5EF4-FFF2-40B4-BE49-F238E27FC236}">
-                <a16:creationId xmlns:a16="http://schemas.microsoft.com/office/drawing/2014/main" id="{6DEA6594-3D2D-47D7-A4AB-E3B31A6DA3E8}"/>
-              </a:ext>
-            </a:extLst>
-          </p:cNvPr>
+      <p:sp>
+        <p:nvSpPr>
+          <p:cNvPr id="11" name="TextBox 10"/>
           <p:cNvSpPr txBox="1"/>
           <p:nvPr/>
         </p:nvSpPr>
         <p:spPr>
           <a:xfrm>
-            <a:off x="8721400" y="5139819"/>
-            <a:ext cx="3136149" cy="830997"/>
+            <a:off x="324091" y="1687545"/>
+            <a:ext cx="7986531" cy="523220"/>
           </a:xfrm>
           <a:prstGeom prst="rect">
             <a:avLst/>
@@ -9498,12 +9355,14 @@
           </a:bodyPr>
           <a:lstStyle/>
           <a:p>
-            <a:pPr algn="ctr"/>
-            <a:r>
-              <a:rPr lang="en-US" sz="2400" dirty="0">
-                <a:latin typeface="Pragmatica" pitchFamily="2" charset="0"/>
-              </a:rPr>
-              <a:t>The browser-based app</a:t>
+            <a:r>
+              <a:rPr lang="en-US" sz="2800" b="1" dirty="0">
+                <a:solidFill>
+                  <a:srgbClr val="707070"/>
+                </a:solidFill>
+                <a:latin typeface="Pragmatica" panose="020B0403040502020204" pitchFamily="34" charset="0"/>
+              </a:rPr>
+              <a:t>Questions?</a:t>
             </a:r>
           </a:p>
         </p:txBody>
@@ -9511,7 +9370,7 @@
     </p:spTree>
     <p:extLst>
       <p:ext uri="{BB962C8B-B14F-4D97-AF65-F5344CB8AC3E}">
-        <p14:creationId xmlns:p14="http://schemas.microsoft.com/office/powerpoint/2010/main" val="1396094909"/>
+        <p14:creationId xmlns:p14="http://schemas.microsoft.com/office/powerpoint/2010/main" val="4242815480"/>
       </p:ext>
     </p:extLst>
   </p:cSld>
@@ -9756,7 +9615,7 @@
         </p:blipFill>
         <p:spPr>
           <a:xfrm>
-            <a:off x="1487239" y="3741832"/>
+            <a:off x="1442134" y="2934043"/>
             <a:ext cx="5780952" cy="1685714"/>
           </a:xfrm>
           <a:prstGeom prst="rect">
@@ -9802,8 +9661,8 @@
         </p:nvSpPr>
         <p:spPr>
           <a:xfrm>
-            <a:off x="6574420" y="0"/>
-            <a:ext cx="5617580" cy="6858000"/>
+            <a:off x="0" y="0"/>
+            <a:ext cx="12192000" cy="6858000"/>
           </a:xfrm>
           <a:prstGeom prst="rect">
             <a:avLst/>
@@ -9845,8 +9704,8 @@
         </p:nvSpPr>
         <p:spPr>
           <a:xfrm>
-            <a:off x="6817489" y="0"/>
-            <a:ext cx="4120587" cy="1446550"/>
+            <a:off x="520861" y="393539"/>
+            <a:ext cx="10324617" cy="1107996"/>
           </a:xfrm>
           <a:prstGeom prst="rect">
             <a:avLst/>
@@ -9860,367 +9719,13 @@
           <a:lstStyle/>
           <a:p>
             <a:r>
-              <a:rPr lang="en-US" sz="8800" dirty="0">
+              <a:rPr lang="en-US" sz="6600" b="1" dirty="0">
                 <a:solidFill>
                   <a:schemeClr val="bg1"/>
                 </a:solidFill>
-                <a:latin typeface="Aliens &amp; cows" panose="00000500000000000000" pitchFamily="2" charset="0"/>
-              </a:rPr>
-              <a:t>Demo</a:t>
-            </a:r>
-          </a:p>
-        </p:txBody>
-      </p:sp>
-      <p:pic>
-        <p:nvPicPr>
-          <p:cNvPr id="2" name="Picture 1"/>
-          <p:cNvPicPr>
-            <a:picLocks noChangeAspect="1"/>
-          </p:cNvPicPr>
-          <p:nvPr/>
-        </p:nvPicPr>
-        <p:blipFill rotWithShape="1">
-          <a:blip r:embed="rId3">
-            <a:extLst>
-              <a:ext uri="{28A0092B-C50C-407E-A947-70E740481C1C}">
-                <a14:useLocalDpi xmlns:a14="http://schemas.microsoft.com/office/drawing/2010/main" val="0"/>
-              </a:ext>
-            </a:extLst>
-          </a:blip>
-          <a:srcRect l="69227" t="33418" r="20112" b="50548"/>
-          <a:stretch/>
-        </p:blipFill>
-        <p:spPr>
-          <a:xfrm>
-            <a:off x="10386349" y="5029795"/>
-            <a:ext cx="1805651" cy="1991719"/>
-          </a:xfrm>
-          <a:prstGeom prst="rect">
-            <a:avLst/>
-          </a:prstGeom>
-        </p:spPr>
-      </p:pic>
-      <p:sp>
-        <p:nvSpPr>
-          <p:cNvPr id="3" name="TextBox 2"/>
-          <p:cNvSpPr txBox="1"/>
-          <p:nvPr/>
-        </p:nvSpPr>
-        <p:spPr>
-          <a:xfrm>
-            <a:off x="173620" y="219919"/>
-            <a:ext cx="6285903" cy="1815882"/>
-          </a:xfrm>
-          <a:prstGeom prst="rect">
-            <a:avLst/>
-          </a:prstGeom>
-          <a:noFill/>
-        </p:spPr>
-        <p:txBody>
-          <a:bodyPr wrap="square" rtlCol="0">
-            <a:spAutoFit/>
-          </a:bodyPr>
-          <a:lstStyle/>
-          <a:p>
-            <a:r>
-              <a:rPr lang="en-US" sz="2800" b="1" dirty="0">
-                <a:solidFill>
-                  <a:srgbClr val="CF3338"/>
-                </a:solidFill>
                 <a:latin typeface="Pragmatica" pitchFamily="2" charset="0"/>
               </a:rPr>
-              <a:t>Navigate </a:t>
-            </a:r>
-            <a:r>
-              <a:rPr lang="en-US" sz="2800" b="1" dirty="0" err="1">
-                <a:solidFill>
-                  <a:srgbClr val="CF3338"/>
-                </a:solidFill>
-                <a:latin typeface="Pragmatica" pitchFamily="2" charset="0"/>
-              </a:rPr>
-              <a:t>Jupyter</a:t>
-            </a:r>
-            <a:r>
-              <a:rPr lang="en-US" sz="2800" b="1" dirty="0">
-                <a:solidFill>
-                  <a:srgbClr val="CF3338"/>
-                </a:solidFill>
-                <a:latin typeface="Pragmatica" pitchFamily="2" charset="0"/>
-              </a:rPr>
-              <a:t>, starting with 1 + 1</a:t>
-            </a:r>
-          </a:p>
-          <a:p>
-            <a:endParaRPr lang="en-US" sz="2800" b="1" dirty="0">
-              <a:solidFill>
-                <a:srgbClr val="CF3338"/>
-              </a:solidFill>
-              <a:latin typeface="Pragmatica" pitchFamily="2" charset="0"/>
-            </a:endParaRPr>
-          </a:p>
-          <a:p>
-            <a:r>
-              <a:rPr lang="en-US" sz="2800" b="1" dirty="0">
-                <a:solidFill>
-                  <a:srgbClr val="CF3338"/>
-                </a:solidFill>
-                <a:latin typeface="Pragmatica" pitchFamily="2" charset="0"/>
-              </a:rPr>
-              <a:t>File: Open a new </a:t>
-            </a:r>
-            <a:r>
-              <a:rPr lang="en-US" sz="2800" b="1" dirty="0">
-                <a:solidFill>
-                  <a:srgbClr val="CF3338"/>
-                </a:solidFill>
-                <a:latin typeface="Consolas" panose="020B0609020204030204" pitchFamily="49" charset="0"/>
-              </a:rPr>
-              <a:t>.</a:t>
-            </a:r>
-            <a:r>
-              <a:rPr lang="en-US" sz="2800" b="1" dirty="0" err="1">
-                <a:solidFill>
-                  <a:srgbClr val="CF3338"/>
-                </a:solidFill>
-                <a:latin typeface="Consolas" panose="020B0609020204030204" pitchFamily="49" charset="0"/>
-              </a:rPr>
-              <a:t>ipynb</a:t>
-            </a:r>
-            <a:r>
-              <a:rPr lang="en-US" sz="2800" b="1" dirty="0">
-                <a:solidFill>
-                  <a:srgbClr val="CF3338"/>
-                </a:solidFill>
-                <a:latin typeface="Pragmatica" pitchFamily="2" charset="0"/>
-              </a:rPr>
-              <a:t> notebook</a:t>
-            </a:r>
-          </a:p>
-        </p:txBody>
-      </p:sp>
-      <p:pic>
-        <p:nvPicPr>
-          <p:cNvPr id="9" name="Picture 8">
-            <a:extLst>
-              <a:ext uri="{FF2B5EF4-FFF2-40B4-BE49-F238E27FC236}">
-                <a16:creationId xmlns:a16="http://schemas.microsoft.com/office/drawing/2014/main" id="{54086B7D-6DA5-45E4-BFAC-565935D853D4}"/>
-              </a:ext>
-            </a:extLst>
-          </p:cNvPr>
-          <p:cNvPicPr>
-            <a:picLocks noChangeAspect="1"/>
-          </p:cNvPicPr>
-          <p:nvPr/>
-        </p:nvPicPr>
-        <p:blipFill>
-          <a:blip r:embed="rId4"/>
-          <a:stretch>
-            <a:fillRect/>
-          </a:stretch>
-        </p:blipFill>
-        <p:spPr>
-          <a:xfrm>
-            <a:off x="392397" y="3923670"/>
-            <a:ext cx="9856197" cy="2646866"/>
-          </a:xfrm>
-          <a:prstGeom prst="rect">
-            <a:avLst/>
-          </a:prstGeom>
-        </p:spPr>
-      </p:pic>
-      <p:pic>
-        <p:nvPicPr>
-          <p:cNvPr id="11" name="Picture 10">
-            <a:extLst>
-              <a:ext uri="{FF2B5EF4-FFF2-40B4-BE49-F238E27FC236}">
-                <a16:creationId xmlns:a16="http://schemas.microsoft.com/office/drawing/2014/main" id="{3CD83BF2-3603-4E70-91DF-99EE1A9BEFA8}"/>
-              </a:ext>
-            </a:extLst>
-          </p:cNvPr>
-          <p:cNvPicPr>
-            <a:picLocks noChangeAspect="1"/>
-          </p:cNvPicPr>
-          <p:nvPr/>
-        </p:nvPicPr>
-        <p:blipFill>
-          <a:blip r:embed="rId5"/>
-          <a:stretch>
-            <a:fillRect/>
-          </a:stretch>
-        </p:blipFill>
-        <p:spPr>
-          <a:xfrm>
-            <a:off x="579832" y="2099074"/>
-            <a:ext cx="4844484" cy="835256"/>
-          </a:xfrm>
-          <a:prstGeom prst="rect">
-            <a:avLst/>
-          </a:prstGeom>
-        </p:spPr>
-      </p:pic>
-      <p:sp>
-        <p:nvSpPr>
-          <p:cNvPr id="12" name="TextBox 11">
-            <a:extLst>
-              <a:ext uri="{FF2B5EF4-FFF2-40B4-BE49-F238E27FC236}">
-                <a16:creationId xmlns:a16="http://schemas.microsoft.com/office/drawing/2014/main" id="{1F343DE5-C90A-486A-8D20-55C935580E3E}"/>
-              </a:ext>
-            </a:extLst>
-          </p:cNvPr>
-          <p:cNvSpPr txBox="1"/>
-          <p:nvPr/>
-        </p:nvSpPr>
-        <p:spPr>
-          <a:xfrm>
-            <a:off x="516150" y="2979319"/>
-            <a:ext cx="7695520" cy="400110"/>
-          </a:xfrm>
-          <a:prstGeom prst="rect">
-            <a:avLst/>
-          </a:prstGeom>
-          <a:noFill/>
-        </p:spPr>
-        <p:txBody>
-          <a:bodyPr wrap="square" rtlCol="0">
-            <a:spAutoFit/>
-          </a:bodyPr>
-          <a:lstStyle/>
-          <a:p>
-            <a:r>
-              <a:rPr lang="en-US" sz="2000" dirty="0">
-                <a:solidFill>
-                  <a:srgbClr val="707070"/>
-                </a:solidFill>
-                <a:latin typeface="Pragmatica" panose="020B0403040502020204" pitchFamily="34" charset="0"/>
-                <a:hlinkClick r:id="rId6"/>
-              </a:rPr>
-              <a:t>https://github.com/stringfestdata/london-excel</a:t>
-            </a:r>
-            <a:endParaRPr lang="en-US" sz="2000" dirty="0">
-              <a:solidFill>
-                <a:srgbClr val="707070"/>
-              </a:solidFill>
-              <a:latin typeface="Pragmatica" panose="020B0403040502020204" pitchFamily="34" charset="0"/>
-            </a:endParaRPr>
-          </a:p>
-        </p:txBody>
-      </p:sp>
-      <p:sp>
-        <p:nvSpPr>
-          <p:cNvPr id="13" name="TextBox 12">
-            <a:extLst>
-              <a:ext uri="{FF2B5EF4-FFF2-40B4-BE49-F238E27FC236}">
-                <a16:creationId xmlns:a16="http://schemas.microsoft.com/office/drawing/2014/main" id="{15039CAE-3A25-441F-86F2-FB512EB8851E}"/>
-              </a:ext>
-            </a:extLst>
-          </p:cNvPr>
-          <p:cNvSpPr txBox="1"/>
-          <p:nvPr/>
-        </p:nvSpPr>
-        <p:spPr>
-          <a:xfrm>
-            <a:off x="5429963" y="4120693"/>
-            <a:ext cx="1963024" cy="523220"/>
-          </a:xfrm>
-          <a:prstGeom prst="rect">
-            <a:avLst/>
-          </a:prstGeom>
-          <a:noFill/>
-        </p:spPr>
-        <p:txBody>
-          <a:bodyPr wrap="square" rtlCol="0">
-            <a:spAutoFit/>
-          </a:bodyPr>
-          <a:lstStyle/>
-          <a:p>
-            <a:r>
-              <a:rPr lang="en-US" sz="2800" dirty="0">
-                <a:solidFill>
-                  <a:srgbClr val="CF3338"/>
-                </a:solidFill>
-                <a:latin typeface="Aliens &amp; cows" panose="00000500000000000000" pitchFamily="2" charset="0"/>
-              </a:rPr>
-              <a:t>Menu bar</a:t>
-            </a:r>
-          </a:p>
-        </p:txBody>
-      </p:sp>
-      <p:sp>
-        <p:nvSpPr>
-          <p:cNvPr id="14" name="TextBox 13">
-            <a:extLst>
-              <a:ext uri="{FF2B5EF4-FFF2-40B4-BE49-F238E27FC236}">
-                <a16:creationId xmlns:a16="http://schemas.microsoft.com/office/drawing/2014/main" id="{B4BC673B-ED2C-4075-A2A9-AF56F43DCED5}"/>
-              </a:ext>
-            </a:extLst>
-          </p:cNvPr>
-          <p:cNvSpPr txBox="1"/>
-          <p:nvPr/>
-        </p:nvSpPr>
-        <p:spPr>
-          <a:xfrm>
-            <a:off x="6091171" y="4522932"/>
-            <a:ext cx="1963024" cy="523220"/>
-          </a:xfrm>
-          <a:prstGeom prst="rect">
-            <a:avLst/>
-          </a:prstGeom>
-          <a:noFill/>
-        </p:spPr>
-        <p:txBody>
-          <a:bodyPr wrap="square" rtlCol="0">
-            <a:spAutoFit/>
-          </a:bodyPr>
-          <a:lstStyle/>
-          <a:p>
-            <a:r>
-              <a:rPr lang="en-US" sz="2800" dirty="0">
-                <a:solidFill>
-                  <a:srgbClr val="CF3338"/>
-                </a:solidFill>
-                <a:latin typeface="Aliens &amp; cows" panose="00000500000000000000" pitchFamily="2" charset="0"/>
-              </a:rPr>
-              <a:t>Toolbar</a:t>
-            </a:r>
-          </a:p>
-        </p:txBody>
-      </p:sp>
-      <p:sp>
-        <p:nvSpPr>
-          <p:cNvPr id="15" name="TextBox 14">
-            <a:extLst>
-              <a:ext uri="{FF2B5EF4-FFF2-40B4-BE49-F238E27FC236}">
-                <a16:creationId xmlns:a16="http://schemas.microsoft.com/office/drawing/2014/main" id="{65490B59-D9B7-4C84-BA19-C822A1B450EF}"/>
-              </a:ext>
-            </a:extLst>
-          </p:cNvPr>
-          <p:cNvSpPr txBox="1"/>
-          <p:nvPr/>
-        </p:nvSpPr>
-        <p:spPr>
-          <a:xfrm>
-            <a:off x="1933748" y="5247103"/>
-            <a:ext cx="1963024" cy="523220"/>
-          </a:xfrm>
-          <a:prstGeom prst="rect">
-            <a:avLst/>
-          </a:prstGeom>
-          <a:noFill/>
-        </p:spPr>
-        <p:txBody>
-          <a:bodyPr wrap="square" rtlCol="0">
-            <a:spAutoFit/>
-          </a:bodyPr>
-          <a:lstStyle/>
-          <a:p>
-            <a:r>
-              <a:rPr lang="en-US" sz="2800" dirty="0">
-                <a:solidFill>
-                  <a:srgbClr val="CF3338"/>
-                </a:solidFill>
-                <a:latin typeface="Aliens &amp; cows" panose="00000500000000000000" pitchFamily="2" charset="0"/>
-              </a:rPr>
-              <a:t>Code cell</a:t>
+              <a:t>Prancing into Python</a:t>
             </a:r>
           </a:p>
         </p:txBody>
@@ -10228,7 +9733,7 @@
     </p:spTree>
     <p:extLst>
       <p:ext uri="{BB962C8B-B14F-4D97-AF65-F5344CB8AC3E}">
-        <p14:creationId xmlns:p14="http://schemas.microsoft.com/office/powerpoint/2010/main" val="3169662932"/>
+        <p14:creationId xmlns:p14="http://schemas.microsoft.com/office/powerpoint/2010/main" val="692570879"/>
       </p:ext>
     </p:extLst>
   </p:cSld>
@@ -10239,289 +9744,6 @@
 </file>
 
 <file path=ppt/slides/slide21.xml><?xml version="1.0" encoding="utf-8"?>
-<p:sld xmlns:a="http://schemas.openxmlformats.org/drawingml/2006/main" xmlns:r="http://schemas.openxmlformats.org/officeDocument/2006/relationships" xmlns:p="http://schemas.openxmlformats.org/presentationml/2006/main">
-  <p:cSld>
-    <p:spTree>
-      <p:nvGrpSpPr>
-        <p:cNvPr id="1" name=""/>
-        <p:cNvGrpSpPr/>
-        <p:nvPr/>
-      </p:nvGrpSpPr>
-      <p:grpSpPr>
-        <a:xfrm>
-          <a:off x="0" y="0"/>
-          <a:ext cx="0" cy="0"/>
-          <a:chOff x="0" y="0"/>
-          <a:chExt cx="0" cy="0"/>
-        </a:xfrm>
-      </p:grpSpPr>
-      <p:sp>
-        <p:nvSpPr>
-          <p:cNvPr id="4" name="Rectangle 3"/>
-          <p:cNvSpPr/>
-          <p:nvPr/>
-        </p:nvSpPr>
-        <p:spPr>
-          <a:xfrm>
-            <a:off x="6574420" y="0"/>
-            <a:ext cx="5617580" cy="6858000"/>
-          </a:xfrm>
-          <a:prstGeom prst="rect">
-            <a:avLst/>
-          </a:prstGeom>
-          <a:solidFill>
-            <a:srgbClr val="CF3338"/>
-          </a:solidFill>
-        </p:spPr>
-        <p:style>
-          <a:lnRef idx="2">
-            <a:schemeClr val="accent1">
-              <a:shade val="50000"/>
-            </a:schemeClr>
-          </a:lnRef>
-          <a:fillRef idx="1">
-            <a:schemeClr val="accent1"/>
-          </a:fillRef>
-          <a:effectRef idx="0">
-            <a:schemeClr val="accent1"/>
-          </a:effectRef>
-          <a:fontRef idx="minor">
-            <a:schemeClr val="lt1"/>
-          </a:fontRef>
-        </p:style>
-        <p:txBody>
-          <a:bodyPr rtlCol="0" anchor="ctr"/>
-          <a:lstStyle/>
-          <a:p>
-            <a:pPr algn="ctr"/>
-            <a:endParaRPr lang="en-US"/>
-          </a:p>
-        </p:txBody>
-      </p:sp>
-      <p:sp>
-        <p:nvSpPr>
-          <p:cNvPr id="5" name="TextBox 4"/>
-          <p:cNvSpPr txBox="1"/>
-          <p:nvPr/>
-        </p:nvSpPr>
-        <p:spPr>
-          <a:xfrm>
-            <a:off x="6817489" y="0"/>
-            <a:ext cx="4120587" cy="1446550"/>
-          </a:xfrm>
-          <a:prstGeom prst="rect">
-            <a:avLst/>
-          </a:prstGeom>
-          <a:noFill/>
-        </p:spPr>
-        <p:txBody>
-          <a:bodyPr wrap="square" rtlCol="0">
-            <a:spAutoFit/>
-          </a:bodyPr>
-          <a:lstStyle/>
-          <a:p>
-            <a:r>
-              <a:rPr lang="en-US" sz="8800" dirty="0">
-                <a:solidFill>
-                  <a:schemeClr val="bg1"/>
-                </a:solidFill>
-                <a:latin typeface="Aliens &amp; cows" panose="00000500000000000000" pitchFamily="2" charset="0"/>
-              </a:rPr>
-              <a:t>Demo</a:t>
-            </a:r>
-          </a:p>
-        </p:txBody>
-      </p:sp>
-      <p:pic>
-        <p:nvPicPr>
-          <p:cNvPr id="2" name="Picture 1"/>
-          <p:cNvPicPr>
-            <a:picLocks noChangeAspect="1"/>
-          </p:cNvPicPr>
-          <p:nvPr/>
-        </p:nvPicPr>
-        <p:blipFill rotWithShape="1">
-          <a:blip r:embed="rId3">
-            <a:extLst>
-              <a:ext uri="{28A0092B-C50C-407E-A947-70E740481C1C}">
-                <a14:useLocalDpi xmlns:a14="http://schemas.microsoft.com/office/drawing/2010/main" val="0"/>
-              </a:ext>
-            </a:extLst>
-          </a:blip>
-          <a:srcRect l="69227" t="33418" r="20112" b="50548"/>
-          <a:stretch/>
-        </p:blipFill>
-        <p:spPr>
-          <a:xfrm>
-            <a:off x="10386349" y="5029795"/>
-            <a:ext cx="1805651" cy="1991719"/>
-          </a:xfrm>
-          <a:prstGeom prst="rect">
-            <a:avLst/>
-          </a:prstGeom>
-        </p:spPr>
-      </p:pic>
-      <p:sp>
-        <p:nvSpPr>
-          <p:cNvPr id="3" name="TextBox 2"/>
-          <p:cNvSpPr txBox="1"/>
-          <p:nvPr/>
-        </p:nvSpPr>
-        <p:spPr>
-          <a:xfrm>
-            <a:off x="173620" y="219919"/>
-            <a:ext cx="6084567" cy="5262979"/>
-          </a:xfrm>
-          <a:prstGeom prst="rect">
-            <a:avLst/>
-          </a:prstGeom>
-          <a:noFill/>
-        </p:spPr>
-        <p:txBody>
-          <a:bodyPr wrap="square" rtlCol="0">
-            <a:spAutoFit/>
-          </a:bodyPr>
-          <a:lstStyle/>
-          <a:p>
-            <a:r>
-              <a:rPr lang="en-US" sz="2800" b="1" dirty="0">
-                <a:solidFill>
-                  <a:srgbClr val="CF3338"/>
-                </a:solidFill>
-                <a:latin typeface="Pragmatica" pitchFamily="2" charset="0"/>
-              </a:rPr>
-              <a:t>Python for data analysis</a:t>
-            </a:r>
-          </a:p>
-          <a:p>
-            <a:endParaRPr lang="en-US" sz="2800" b="1" dirty="0">
-              <a:solidFill>
-                <a:srgbClr val="CF3338"/>
-              </a:solidFill>
-              <a:latin typeface="Pragmatica" pitchFamily="2" charset="0"/>
-            </a:endParaRPr>
-          </a:p>
-          <a:p>
-            <a:pPr marL="514350" indent="-514350">
-              <a:buFont typeface="+mj-lt"/>
-              <a:buAutoNum type="arabicPeriod"/>
-            </a:pPr>
-            <a:r>
-              <a:rPr lang="en-US" sz="2800" b="1" dirty="0">
-                <a:solidFill>
-                  <a:srgbClr val="CF3338"/>
-                </a:solidFill>
-                <a:latin typeface="Pragmatica" pitchFamily="2" charset="0"/>
-              </a:rPr>
-              <a:t>Working with modules (packages) in Python</a:t>
-            </a:r>
-          </a:p>
-          <a:p>
-            <a:pPr marL="514350" indent="-514350">
-              <a:buFont typeface="+mj-lt"/>
-              <a:buAutoNum type="arabicPeriod"/>
-            </a:pPr>
-            <a:r>
-              <a:rPr lang="en-US" sz="2800" b="1" dirty="0">
-                <a:solidFill>
-                  <a:srgbClr val="CF3338"/>
-                </a:solidFill>
-                <a:latin typeface="Pragmatica" pitchFamily="2" charset="0"/>
-              </a:rPr>
-              <a:t>Working with tabular data in Python with </a:t>
-            </a:r>
-            <a:r>
-              <a:rPr lang="en-US" sz="2800" b="1" dirty="0">
-                <a:solidFill>
-                  <a:srgbClr val="CF3338"/>
-                </a:solidFill>
-                <a:latin typeface="Consolas" panose="020B0609020204030204" pitchFamily="49" charset="0"/>
-              </a:rPr>
-              <a:t>pandas</a:t>
-            </a:r>
-          </a:p>
-          <a:p>
-            <a:pPr marL="514350" indent="-514350">
-              <a:buFont typeface="+mj-lt"/>
-              <a:buAutoNum type="arabicPeriod"/>
-            </a:pPr>
-            <a:r>
-              <a:rPr lang="en-US" sz="2800" b="1" dirty="0">
-                <a:solidFill>
-                  <a:srgbClr val="CF3338"/>
-                </a:solidFill>
-                <a:latin typeface="Pragmatica" pitchFamily="2" charset="0"/>
-              </a:rPr>
-              <a:t>Reading and writing Excel &lt;&gt; Python data</a:t>
-            </a:r>
-          </a:p>
-          <a:p>
-            <a:endParaRPr lang="en-US" sz="2800" b="1" dirty="0">
-              <a:solidFill>
-                <a:srgbClr val="CF3338"/>
-              </a:solidFill>
-              <a:latin typeface="Pragmatica" pitchFamily="2" charset="0"/>
-            </a:endParaRPr>
-          </a:p>
-          <a:p>
-            <a:endParaRPr lang="en-US" sz="2800" b="1" dirty="0">
-              <a:solidFill>
-                <a:srgbClr val="CF3338"/>
-              </a:solidFill>
-              <a:latin typeface="Pragmatica" pitchFamily="2" charset="0"/>
-            </a:endParaRPr>
-          </a:p>
-          <a:p>
-            <a:r>
-              <a:rPr lang="en-US" sz="2800" b="1" dirty="0">
-                <a:solidFill>
-                  <a:srgbClr val="CF3338"/>
-                </a:solidFill>
-                <a:latin typeface="Pragmatica" pitchFamily="2" charset="0"/>
-              </a:rPr>
-              <a:t>File: </a:t>
-            </a:r>
-            <a:r>
-              <a:rPr lang="en-US" sz="2800" b="1" dirty="0">
-                <a:solidFill>
-                  <a:srgbClr val="CF3338"/>
-                </a:solidFill>
-                <a:latin typeface="Consolas" panose="020B0609020204030204" pitchFamily="49" charset="0"/>
-              </a:rPr>
-              <a:t>python-for-data-</a:t>
-            </a:r>
-            <a:r>
-              <a:rPr lang="en-US" sz="2800" b="1" dirty="0" err="1">
-                <a:solidFill>
-                  <a:srgbClr val="CF3338"/>
-                </a:solidFill>
-                <a:latin typeface="Consolas" panose="020B0609020204030204" pitchFamily="49" charset="0"/>
-              </a:rPr>
-              <a:t>analysis.ipynb</a:t>
-            </a:r>
-            <a:endParaRPr lang="en-US" sz="2800" b="1" dirty="0">
-              <a:solidFill>
-                <a:srgbClr val="CF3338"/>
-              </a:solidFill>
-              <a:latin typeface="Consolas" panose="020B0609020204030204" pitchFamily="49" charset="0"/>
-            </a:endParaRPr>
-          </a:p>
-        </p:txBody>
-      </p:sp>
-    </p:spTree>
-    <p:extLst>
-      <p:ext uri="{BB962C8B-B14F-4D97-AF65-F5344CB8AC3E}">
-        <p14:creationId xmlns:p14="http://schemas.microsoft.com/office/powerpoint/2010/main" val="3176947692"/>
-      </p:ext>
-    </p:extLst>
-  </p:cSld>
-  <p:clrMapOvr>
-    <a:masterClrMapping/>
-  </p:clrMapOvr>
-</p:sld>
-</file>
-
-<file path=ppt/slides/slide22.xml><?xml version="1.0" encoding="utf-8"?>
 <p:sld xmlns:a="http://schemas.openxmlformats.org/drawingml/2006/main" xmlns:r="http://schemas.openxmlformats.org/officeDocument/2006/relationships" xmlns:p="http://schemas.openxmlformats.org/presentationml/2006/main">
   <p:cSld>
     <p:spTree>
@@ -10593,21 +9815,36 @@
               <a:rPr lang="en-US" sz="6000" dirty="0">
                 <a:latin typeface="Aliens &amp; cows" panose="00000500000000000000" pitchFamily="2" charset="0"/>
               </a:rPr>
-              <a:t>Python for Excel</a:t>
-            </a:r>
-          </a:p>
-        </p:txBody>
-      </p:sp>
-      <p:sp>
-        <p:nvSpPr>
-          <p:cNvPr id="3" name="TextBox 2"/>
+              <a:t>Python+ Anaconda + </a:t>
+            </a:r>
+            <a:r>
+              <a:rPr lang="en-US" sz="6000" dirty="0" err="1">
+                <a:latin typeface="Aliens &amp; cows" panose="00000500000000000000" pitchFamily="2" charset="0"/>
+              </a:rPr>
+              <a:t>Jupyter</a:t>
+            </a:r>
+            <a:endParaRPr lang="en-US" sz="6000" dirty="0">
+              <a:latin typeface="Aliens &amp; cows" panose="00000500000000000000" pitchFamily="2" charset="0"/>
+            </a:endParaRPr>
+          </a:p>
+        </p:txBody>
+      </p:sp>
+      <p:sp>
+        <p:nvSpPr>
+          <p:cNvPr id="8" name="TextBox 7">
+            <a:extLst>
+              <a:ext uri="{FF2B5EF4-FFF2-40B4-BE49-F238E27FC236}">
+                <a16:creationId xmlns:a16="http://schemas.microsoft.com/office/drawing/2014/main" id="{11840D5C-3D15-43FA-828B-81755108AC4E}"/>
+              </a:ext>
+            </a:extLst>
+          </p:cNvPr>
           <p:cNvSpPr txBox="1"/>
           <p:nvPr/>
         </p:nvSpPr>
         <p:spPr>
           <a:xfrm>
-            <a:off x="0" y="6334780"/>
-            <a:ext cx="7420966" cy="523220"/>
+            <a:off x="4211235" y="5048028"/>
+            <a:ext cx="3223967" cy="830997"/>
           </a:xfrm>
           <a:prstGeom prst="rect">
             <a:avLst/>
@@ -10620,54 +9857,106 @@
           </a:bodyPr>
           <a:lstStyle/>
           <a:p>
-            <a:r>
-              <a:rPr lang="en-US" sz="1400" dirty="0">
-                <a:solidFill>
-                  <a:srgbClr val="707070"/>
-                </a:solidFill>
-                <a:latin typeface="Pragmatica" panose="020B0403040502020204" pitchFamily="34" charset="0"/>
-              </a:rPr>
-              <a:t>https://excel.uservoice.com/forums/304921-excel-for-windows-desktop-application/suggestions/10549005-python-as-an-excel-scripting-language</a:t>
+            <a:pPr algn="ctr"/>
+            <a:r>
+              <a:rPr lang="en-US" sz="2400" dirty="0">
+                <a:latin typeface="Pragmatica" pitchFamily="2" charset="0"/>
+              </a:rPr>
+              <a:t>The distribution of code &amp; apps</a:t>
+            </a:r>
+          </a:p>
+        </p:txBody>
+      </p:sp>
+      <p:sp>
+        <p:nvSpPr>
+          <p:cNvPr id="12" name="TextBox 11">
+            <a:extLst>
+              <a:ext uri="{FF2B5EF4-FFF2-40B4-BE49-F238E27FC236}">
+                <a16:creationId xmlns:a16="http://schemas.microsoft.com/office/drawing/2014/main" id="{58B22640-98BF-4B6B-939E-E50C08DEC28C}"/>
+              </a:ext>
+            </a:extLst>
+          </p:cNvPr>
+          <p:cNvSpPr txBox="1"/>
+          <p:nvPr/>
+        </p:nvSpPr>
+        <p:spPr>
+          <a:xfrm>
+            <a:off x="334451" y="5139820"/>
+            <a:ext cx="3641931" cy="830997"/>
+          </a:xfrm>
+          <a:prstGeom prst="rect">
+            <a:avLst/>
+          </a:prstGeom>
+          <a:noFill/>
+        </p:spPr>
+        <p:txBody>
+          <a:bodyPr wrap="square">
+            <a:spAutoFit/>
+          </a:bodyPr>
+          <a:lstStyle/>
+          <a:p>
+            <a:r>
+              <a:rPr lang="en-US" sz="2400" dirty="0">
+                <a:latin typeface="Pragmatica" pitchFamily="2" charset="0"/>
+              </a:rPr>
+              <a:t>The (open) source code</a:t>
             </a:r>
           </a:p>
         </p:txBody>
       </p:sp>
       <p:pic>
         <p:nvPicPr>
-          <p:cNvPr id="6" name="Picture 5">
+          <p:cNvPr id="3074" name="Picture 2">
             <a:extLst>
               <a:ext uri="{FF2B5EF4-FFF2-40B4-BE49-F238E27FC236}">
-                <a16:creationId xmlns:a16="http://schemas.microsoft.com/office/drawing/2014/main" id="{AB9B98DE-851E-4DCE-A682-83C2082D863E}"/>
+                <a16:creationId xmlns:a16="http://schemas.microsoft.com/office/drawing/2014/main" id="{E3988C34-2EF3-4BC5-A72A-3F7595D4F9CB}"/>
               </a:ext>
             </a:extLst>
           </p:cNvPr>
           <p:cNvPicPr>
-            <a:picLocks noChangeAspect="1"/>
+            <a:picLocks noChangeAspect="1" noChangeArrowheads="1"/>
           </p:cNvPicPr>
           <p:nvPr/>
         </p:nvPicPr>
         <p:blipFill>
-          <a:blip r:embed="rId4"/>
+          <a:blip r:embed="rId4" cstate="print">
+            <a:extLst>
+              <a:ext uri="{28A0092B-C50C-407E-A947-70E740481C1C}">
+                <a14:useLocalDpi xmlns:a14="http://schemas.microsoft.com/office/drawing/2010/main" val="0"/>
+              </a:ext>
+            </a:extLst>
+          </a:blip>
+          <a:srcRect/>
           <a:stretch>
             <a:fillRect/>
           </a:stretch>
         </p:blipFill>
-        <p:spPr>
-          <a:xfrm>
-            <a:off x="249829" y="1497416"/>
-            <a:ext cx="6777117" cy="3062800"/>
-          </a:xfrm>
-          <a:prstGeom prst="rect">
-            <a:avLst/>
-          </a:prstGeom>
+        <p:spPr bwMode="auto">
+          <a:xfrm>
+            <a:off x="418750" y="2407641"/>
+            <a:ext cx="2608976" cy="2608976"/>
+          </a:xfrm>
+          <a:prstGeom prst="rect">
+            <a:avLst/>
+          </a:prstGeom>
+          <a:noFill/>
+          <a:extLst>
+            <a:ext uri="{909E8E84-426E-40DD-AFC4-6F175D3DCCD1}">
+              <a14:hiddenFill xmlns:a14="http://schemas.microsoft.com/office/drawing/2010/main">
+                <a:solidFill>
+                  <a:srgbClr val="FFFFFF"/>
+                </a:solidFill>
+              </a14:hiddenFill>
+            </a:ext>
+          </a:extLst>
         </p:spPr>
       </p:pic>
       <p:pic>
         <p:nvPicPr>
-          <p:cNvPr id="1026" name="Picture 2" descr="Logo">
+          <p:cNvPr id="3076" name="Picture 4" descr="Anaconda (Python distribution) - Wikipedia">
             <a:extLst>
               <a:ext uri="{FF2B5EF4-FFF2-40B4-BE49-F238E27FC236}">
-                <a16:creationId xmlns:a16="http://schemas.microsoft.com/office/drawing/2014/main" id="{DFA31B08-9729-493E-ACD6-0C1ED2EDA81F}"/>
+                <a16:creationId xmlns:a16="http://schemas.microsoft.com/office/drawing/2014/main" id="{68DA0063-7FE8-4DF8-994B-B10B1C977495}"/>
               </a:ext>
             </a:extLst>
           </p:cNvPr>
@@ -10691,8 +9980,8 @@
         </p:blipFill>
         <p:spPr bwMode="auto">
           <a:xfrm>
-            <a:off x="8447030" y="2858833"/>
-            <a:ext cx="3199732" cy="625646"/>
+            <a:off x="3698716" y="2576686"/>
+            <a:ext cx="4257675" cy="2124075"/>
           </a:xfrm>
           <a:prstGeom prst="rect">
             <a:avLst/>
@@ -10711,77 +10000,10 @@
       </p:pic>
       <p:pic>
         <p:nvPicPr>
-          <p:cNvPr id="8" name="Picture 7">
+          <p:cNvPr id="3078" name="Picture 6" descr="Project Jupyter - Wikipedia">
             <a:extLst>
               <a:ext uri="{FF2B5EF4-FFF2-40B4-BE49-F238E27FC236}">
-                <a16:creationId xmlns:a16="http://schemas.microsoft.com/office/drawing/2014/main" id="{D3A04345-EA68-47E4-9BEA-A8B53EF2B21B}"/>
-              </a:ext>
-            </a:extLst>
-          </p:cNvPr>
-          <p:cNvPicPr>
-            <a:picLocks noChangeAspect="1"/>
-          </p:cNvPicPr>
-          <p:nvPr/>
-        </p:nvPicPr>
-        <p:blipFill>
-          <a:blip r:embed="rId6"/>
-          <a:stretch>
-            <a:fillRect/>
-          </a:stretch>
-        </p:blipFill>
-        <p:spPr>
-          <a:xfrm>
-            <a:off x="7026946" y="3484479"/>
-            <a:ext cx="2840168" cy="842688"/>
-          </a:xfrm>
-          <a:prstGeom prst="rect">
-            <a:avLst/>
-          </a:prstGeom>
-        </p:spPr>
-      </p:pic>
-      <p:sp>
-        <p:nvSpPr>
-          <p:cNvPr id="13" name="TextBox 12">
-            <a:extLst>
-              <a:ext uri="{FF2B5EF4-FFF2-40B4-BE49-F238E27FC236}">
-                <a16:creationId xmlns:a16="http://schemas.microsoft.com/office/drawing/2014/main" id="{D76C3081-EF88-4D32-9F9A-7B0E3EAEB568}"/>
-              </a:ext>
-            </a:extLst>
-          </p:cNvPr>
-          <p:cNvSpPr txBox="1"/>
-          <p:nvPr/>
-        </p:nvSpPr>
-        <p:spPr>
-          <a:xfrm>
-            <a:off x="7167868" y="5596729"/>
-            <a:ext cx="4628435" cy="369332"/>
-          </a:xfrm>
-          <a:prstGeom prst="rect">
-            <a:avLst/>
-          </a:prstGeom>
-          <a:noFill/>
-        </p:spPr>
-        <p:txBody>
-          <a:bodyPr wrap="square" rtlCol="0">
-            <a:spAutoFit/>
-          </a:bodyPr>
-          <a:lstStyle/>
-          <a:p>
-            <a:r>
-              <a:rPr lang="en-US" b="1" dirty="0">
-                <a:latin typeface="Pragmatica" pitchFamily="2" charset="0"/>
-              </a:rPr>
-              <a:t>More: http://www.python-excel.org</a:t>
-            </a:r>
-          </a:p>
-        </p:txBody>
-      </p:sp>
-      <p:pic>
-        <p:nvPicPr>
-          <p:cNvPr id="1028" name="Picture 4">
-            <a:extLst>
-              <a:ext uri="{FF2B5EF4-FFF2-40B4-BE49-F238E27FC236}">
-                <a16:creationId xmlns:a16="http://schemas.microsoft.com/office/drawing/2014/main" id="{3C329EA7-0AC7-4A26-A24D-2507FC7AAAB6}"/>
+                <a16:creationId xmlns:a16="http://schemas.microsoft.com/office/drawing/2014/main" id="{CD5F432D-C909-4287-9AEF-76EB923DE370}"/>
               </a:ext>
             </a:extLst>
           </p:cNvPr>
@@ -10791,7 +10013,7 @@
           <p:nvPr/>
         </p:nvPicPr>
         <p:blipFill>
-          <a:blip r:embed="rId7">
+          <a:blip r:embed="rId6" cstate="print">
             <a:extLst>
               <a:ext uri="{28A0092B-C50C-407E-A947-70E740481C1C}">
                 <a14:useLocalDpi xmlns:a14="http://schemas.microsoft.com/office/drawing/2010/main" val="0"/>
@@ -10805,8 +10027,8 @@
         </p:blipFill>
         <p:spPr bwMode="auto">
           <a:xfrm>
-            <a:off x="7783672" y="4327167"/>
-            <a:ext cx="3933825" cy="1095375"/>
+            <a:off x="8967904" y="1882550"/>
+            <a:ext cx="2730958" cy="3165478"/>
           </a:xfrm>
           <a:prstGeom prst="rect">
             <a:avLst/>
@@ -10823,10 +10045,509 @@
           </a:extLst>
         </p:spPr>
       </p:pic>
+      <p:sp>
+        <p:nvSpPr>
+          <p:cNvPr id="13" name="TextBox 12">
+            <a:extLst>
+              <a:ext uri="{FF2B5EF4-FFF2-40B4-BE49-F238E27FC236}">
+                <a16:creationId xmlns:a16="http://schemas.microsoft.com/office/drawing/2014/main" id="{6DEA6594-3D2D-47D7-A4AB-E3B31A6DA3E8}"/>
+              </a:ext>
+            </a:extLst>
+          </p:cNvPr>
+          <p:cNvSpPr txBox="1"/>
+          <p:nvPr/>
+        </p:nvSpPr>
+        <p:spPr>
+          <a:xfrm>
+            <a:off x="8721400" y="5139819"/>
+            <a:ext cx="3136149" cy="830997"/>
+          </a:xfrm>
+          <a:prstGeom prst="rect">
+            <a:avLst/>
+          </a:prstGeom>
+          <a:noFill/>
+        </p:spPr>
+        <p:txBody>
+          <a:bodyPr wrap="square" rtlCol="0">
+            <a:spAutoFit/>
+          </a:bodyPr>
+          <a:lstStyle/>
+          <a:p>
+            <a:pPr algn="ctr"/>
+            <a:r>
+              <a:rPr lang="en-US" sz="2400" dirty="0">
+                <a:latin typeface="Pragmatica" pitchFamily="2" charset="0"/>
+              </a:rPr>
+              <a:t>The browser-based app</a:t>
+            </a:r>
+          </a:p>
+        </p:txBody>
+      </p:sp>
     </p:spTree>
     <p:extLst>
       <p:ext uri="{BB962C8B-B14F-4D97-AF65-F5344CB8AC3E}">
-        <p14:creationId xmlns:p14="http://schemas.microsoft.com/office/powerpoint/2010/main" val="875044852"/>
+        <p14:creationId xmlns:p14="http://schemas.microsoft.com/office/powerpoint/2010/main" val="1396094909"/>
+      </p:ext>
+    </p:extLst>
+  </p:cSld>
+  <p:clrMapOvr>
+    <a:masterClrMapping/>
+  </p:clrMapOvr>
+</p:sld>
+</file>
+
+<file path=ppt/slides/slide22.xml><?xml version="1.0" encoding="utf-8"?>
+<p:sld xmlns:a="http://schemas.openxmlformats.org/drawingml/2006/main" xmlns:r="http://schemas.openxmlformats.org/officeDocument/2006/relationships" xmlns:p="http://schemas.openxmlformats.org/presentationml/2006/main">
+  <p:cSld>
+    <p:spTree>
+      <p:nvGrpSpPr>
+        <p:cNvPr id="1" name=""/>
+        <p:cNvGrpSpPr/>
+        <p:nvPr/>
+      </p:nvGrpSpPr>
+      <p:grpSpPr>
+        <a:xfrm>
+          <a:off x="0" y="0"/>
+          <a:ext cx="0" cy="0"/>
+          <a:chOff x="0" y="0"/>
+          <a:chExt cx="0" cy="0"/>
+        </a:xfrm>
+      </p:grpSpPr>
+      <p:sp>
+        <p:nvSpPr>
+          <p:cNvPr id="4" name="Rectangle 3"/>
+          <p:cNvSpPr/>
+          <p:nvPr/>
+        </p:nvSpPr>
+        <p:spPr>
+          <a:xfrm>
+            <a:off x="6574420" y="0"/>
+            <a:ext cx="5617580" cy="6858000"/>
+          </a:xfrm>
+          <a:prstGeom prst="rect">
+            <a:avLst/>
+          </a:prstGeom>
+          <a:solidFill>
+            <a:srgbClr val="CF3338"/>
+          </a:solidFill>
+        </p:spPr>
+        <p:style>
+          <a:lnRef idx="2">
+            <a:schemeClr val="accent1">
+              <a:shade val="50000"/>
+            </a:schemeClr>
+          </a:lnRef>
+          <a:fillRef idx="1">
+            <a:schemeClr val="accent1"/>
+          </a:fillRef>
+          <a:effectRef idx="0">
+            <a:schemeClr val="accent1"/>
+          </a:effectRef>
+          <a:fontRef idx="minor">
+            <a:schemeClr val="lt1"/>
+          </a:fontRef>
+        </p:style>
+        <p:txBody>
+          <a:bodyPr rtlCol="0" anchor="ctr"/>
+          <a:lstStyle/>
+          <a:p>
+            <a:pPr algn="ctr"/>
+            <a:endParaRPr lang="en-US"/>
+          </a:p>
+        </p:txBody>
+      </p:sp>
+      <p:sp>
+        <p:nvSpPr>
+          <p:cNvPr id="5" name="TextBox 4"/>
+          <p:cNvSpPr txBox="1"/>
+          <p:nvPr/>
+        </p:nvSpPr>
+        <p:spPr>
+          <a:xfrm>
+            <a:off x="6817489" y="0"/>
+            <a:ext cx="4120587" cy="1446550"/>
+          </a:xfrm>
+          <a:prstGeom prst="rect">
+            <a:avLst/>
+          </a:prstGeom>
+          <a:noFill/>
+        </p:spPr>
+        <p:txBody>
+          <a:bodyPr wrap="square" rtlCol="0">
+            <a:spAutoFit/>
+          </a:bodyPr>
+          <a:lstStyle/>
+          <a:p>
+            <a:r>
+              <a:rPr lang="en-US" sz="8800" dirty="0">
+                <a:solidFill>
+                  <a:schemeClr val="bg1"/>
+                </a:solidFill>
+                <a:latin typeface="Aliens &amp; cows" panose="00000500000000000000" pitchFamily="2" charset="0"/>
+              </a:rPr>
+              <a:t>Demo</a:t>
+            </a:r>
+          </a:p>
+        </p:txBody>
+      </p:sp>
+      <p:pic>
+        <p:nvPicPr>
+          <p:cNvPr id="2" name="Picture 1"/>
+          <p:cNvPicPr>
+            <a:picLocks noChangeAspect="1"/>
+          </p:cNvPicPr>
+          <p:nvPr/>
+        </p:nvPicPr>
+        <p:blipFill rotWithShape="1">
+          <a:blip r:embed="rId3">
+            <a:extLst>
+              <a:ext uri="{28A0092B-C50C-407E-A947-70E740481C1C}">
+                <a14:useLocalDpi xmlns:a14="http://schemas.microsoft.com/office/drawing/2010/main" val="0"/>
+              </a:ext>
+            </a:extLst>
+          </a:blip>
+          <a:srcRect l="69227" t="33418" r="20112" b="50548"/>
+          <a:stretch/>
+        </p:blipFill>
+        <p:spPr>
+          <a:xfrm>
+            <a:off x="10386349" y="5029795"/>
+            <a:ext cx="1805651" cy="1991719"/>
+          </a:xfrm>
+          <a:prstGeom prst="rect">
+            <a:avLst/>
+          </a:prstGeom>
+        </p:spPr>
+      </p:pic>
+      <p:sp>
+        <p:nvSpPr>
+          <p:cNvPr id="3" name="TextBox 2"/>
+          <p:cNvSpPr txBox="1"/>
+          <p:nvPr/>
+        </p:nvSpPr>
+        <p:spPr>
+          <a:xfrm>
+            <a:off x="173620" y="219919"/>
+            <a:ext cx="6285903" cy="1815882"/>
+          </a:xfrm>
+          <a:prstGeom prst="rect">
+            <a:avLst/>
+          </a:prstGeom>
+          <a:noFill/>
+        </p:spPr>
+        <p:txBody>
+          <a:bodyPr wrap="square" rtlCol="0">
+            <a:spAutoFit/>
+          </a:bodyPr>
+          <a:lstStyle/>
+          <a:p>
+            <a:r>
+              <a:rPr lang="en-US" sz="2800" b="1" dirty="0">
+                <a:solidFill>
+                  <a:srgbClr val="CF3338"/>
+                </a:solidFill>
+                <a:latin typeface="Pragmatica" pitchFamily="2" charset="0"/>
+              </a:rPr>
+              <a:t>Navigate </a:t>
+            </a:r>
+            <a:r>
+              <a:rPr lang="en-US" sz="2800" b="1" dirty="0" err="1">
+                <a:solidFill>
+                  <a:srgbClr val="CF3338"/>
+                </a:solidFill>
+                <a:latin typeface="Pragmatica" pitchFamily="2" charset="0"/>
+              </a:rPr>
+              <a:t>Jupyter</a:t>
+            </a:r>
+            <a:r>
+              <a:rPr lang="en-US" sz="2800" b="1" dirty="0">
+                <a:solidFill>
+                  <a:srgbClr val="CF3338"/>
+                </a:solidFill>
+                <a:latin typeface="Pragmatica" pitchFamily="2" charset="0"/>
+              </a:rPr>
+              <a:t>, starting with 1 + 1</a:t>
+            </a:r>
+          </a:p>
+          <a:p>
+            <a:endParaRPr lang="en-US" sz="2800" b="1" dirty="0">
+              <a:solidFill>
+                <a:srgbClr val="CF3338"/>
+              </a:solidFill>
+              <a:latin typeface="Pragmatica" pitchFamily="2" charset="0"/>
+            </a:endParaRPr>
+          </a:p>
+          <a:p>
+            <a:r>
+              <a:rPr lang="en-US" sz="2800" b="1" dirty="0">
+                <a:solidFill>
+                  <a:srgbClr val="CF3338"/>
+                </a:solidFill>
+                <a:latin typeface="Pragmatica" pitchFamily="2" charset="0"/>
+              </a:rPr>
+              <a:t>File: Open a new </a:t>
+            </a:r>
+            <a:r>
+              <a:rPr lang="en-US" sz="2800" b="1" dirty="0">
+                <a:solidFill>
+                  <a:srgbClr val="CF3338"/>
+                </a:solidFill>
+                <a:latin typeface="Consolas" panose="020B0609020204030204" pitchFamily="49" charset="0"/>
+              </a:rPr>
+              <a:t>.</a:t>
+            </a:r>
+            <a:r>
+              <a:rPr lang="en-US" sz="2800" b="1" dirty="0" err="1">
+                <a:solidFill>
+                  <a:srgbClr val="CF3338"/>
+                </a:solidFill>
+                <a:latin typeface="Consolas" panose="020B0609020204030204" pitchFamily="49" charset="0"/>
+              </a:rPr>
+              <a:t>ipynb</a:t>
+            </a:r>
+            <a:r>
+              <a:rPr lang="en-US" sz="2800" b="1" dirty="0">
+                <a:solidFill>
+                  <a:srgbClr val="CF3338"/>
+                </a:solidFill>
+                <a:latin typeface="Pragmatica" pitchFamily="2" charset="0"/>
+              </a:rPr>
+              <a:t> notebook</a:t>
+            </a:r>
+          </a:p>
+        </p:txBody>
+      </p:sp>
+      <p:pic>
+        <p:nvPicPr>
+          <p:cNvPr id="9" name="Picture 8">
+            <a:extLst>
+              <a:ext uri="{FF2B5EF4-FFF2-40B4-BE49-F238E27FC236}">
+                <a16:creationId xmlns:a16="http://schemas.microsoft.com/office/drawing/2014/main" id="{54086B7D-6DA5-45E4-BFAC-565935D853D4}"/>
+              </a:ext>
+            </a:extLst>
+          </p:cNvPr>
+          <p:cNvPicPr>
+            <a:picLocks noChangeAspect="1"/>
+          </p:cNvPicPr>
+          <p:nvPr/>
+        </p:nvPicPr>
+        <p:blipFill>
+          <a:blip r:embed="rId4"/>
+          <a:stretch>
+            <a:fillRect/>
+          </a:stretch>
+        </p:blipFill>
+        <p:spPr>
+          <a:xfrm>
+            <a:off x="392397" y="3923670"/>
+            <a:ext cx="9856197" cy="2646866"/>
+          </a:xfrm>
+          <a:prstGeom prst="rect">
+            <a:avLst/>
+          </a:prstGeom>
+        </p:spPr>
+      </p:pic>
+      <p:pic>
+        <p:nvPicPr>
+          <p:cNvPr id="11" name="Picture 10">
+            <a:extLst>
+              <a:ext uri="{FF2B5EF4-FFF2-40B4-BE49-F238E27FC236}">
+                <a16:creationId xmlns:a16="http://schemas.microsoft.com/office/drawing/2014/main" id="{3CD83BF2-3603-4E70-91DF-99EE1A9BEFA8}"/>
+              </a:ext>
+            </a:extLst>
+          </p:cNvPr>
+          <p:cNvPicPr>
+            <a:picLocks noChangeAspect="1"/>
+          </p:cNvPicPr>
+          <p:nvPr/>
+        </p:nvPicPr>
+        <p:blipFill>
+          <a:blip r:embed="rId5"/>
+          <a:stretch>
+            <a:fillRect/>
+          </a:stretch>
+        </p:blipFill>
+        <p:spPr>
+          <a:xfrm>
+            <a:off x="579832" y="2099074"/>
+            <a:ext cx="4844484" cy="835256"/>
+          </a:xfrm>
+          <a:prstGeom prst="rect">
+            <a:avLst/>
+          </a:prstGeom>
+        </p:spPr>
+      </p:pic>
+      <p:sp>
+        <p:nvSpPr>
+          <p:cNvPr id="12" name="TextBox 11">
+            <a:extLst>
+              <a:ext uri="{FF2B5EF4-FFF2-40B4-BE49-F238E27FC236}">
+                <a16:creationId xmlns:a16="http://schemas.microsoft.com/office/drawing/2014/main" id="{1F343DE5-C90A-486A-8D20-55C935580E3E}"/>
+              </a:ext>
+            </a:extLst>
+          </p:cNvPr>
+          <p:cNvSpPr txBox="1"/>
+          <p:nvPr/>
+        </p:nvSpPr>
+        <p:spPr>
+          <a:xfrm>
+            <a:off x="516150" y="2979319"/>
+            <a:ext cx="7695520" cy="400110"/>
+          </a:xfrm>
+          <a:prstGeom prst="rect">
+            <a:avLst/>
+          </a:prstGeom>
+          <a:noFill/>
+        </p:spPr>
+        <p:txBody>
+          <a:bodyPr wrap="square" rtlCol="0">
+            <a:spAutoFit/>
+          </a:bodyPr>
+          <a:lstStyle/>
+          <a:p>
+            <a:r>
+              <a:rPr lang="en-US" sz="2000" dirty="0">
+                <a:solidFill>
+                  <a:srgbClr val="707070"/>
+                </a:solidFill>
+                <a:latin typeface="Pragmatica" panose="020B0403040502020204" pitchFamily="34" charset="0"/>
+                <a:hlinkClick r:id="rId6"/>
+              </a:rPr>
+              <a:t>https://github.com/stringfestdata/london-excel</a:t>
+            </a:r>
+            <a:endParaRPr lang="en-US" sz="2000" dirty="0">
+              <a:solidFill>
+                <a:srgbClr val="707070"/>
+              </a:solidFill>
+              <a:latin typeface="Pragmatica" panose="020B0403040502020204" pitchFamily="34" charset="0"/>
+            </a:endParaRPr>
+          </a:p>
+        </p:txBody>
+      </p:sp>
+      <p:sp>
+        <p:nvSpPr>
+          <p:cNvPr id="13" name="TextBox 12">
+            <a:extLst>
+              <a:ext uri="{FF2B5EF4-FFF2-40B4-BE49-F238E27FC236}">
+                <a16:creationId xmlns:a16="http://schemas.microsoft.com/office/drawing/2014/main" id="{15039CAE-3A25-441F-86F2-FB512EB8851E}"/>
+              </a:ext>
+            </a:extLst>
+          </p:cNvPr>
+          <p:cNvSpPr txBox="1"/>
+          <p:nvPr/>
+        </p:nvSpPr>
+        <p:spPr>
+          <a:xfrm>
+            <a:off x="5429963" y="4120693"/>
+            <a:ext cx="1963024" cy="523220"/>
+          </a:xfrm>
+          <a:prstGeom prst="rect">
+            <a:avLst/>
+          </a:prstGeom>
+          <a:noFill/>
+        </p:spPr>
+        <p:txBody>
+          <a:bodyPr wrap="square" rtlCol="0">
+            <a:spAutoFit/>
+          </a:bodyPr>
+          <a:lstStyle/>
+          <a:p>
+            <a:r>
+              <a:rPr lang="en-US" sz="2800" dirty="0">
+                <a:solidFill>
+                  <a:srgbClr val="CF3338"/>
+                </a:solidFill>
+                <a:latin typeface="Aliens &amp; cows" panose="00000500000000000000" pitchFamily="2" charset="0"/>
+              </a:rPr>
+              <a:t>Menu bar</a:t>
+            </a:r>
+          </a:p>
+        </p:txBody>
+      </p:sp>
+      <p:sp>
+        <p:nvSpPr>
+          <p:cNvPr id="14" name="TextBox 13">
+            <a:extLst>
+              <a:ext uri="{FF2B5EF4-FFF2-40B4-BE49-F238E27FC236}">
+                <a16:creationId xmlns:a16="http://schemas.microsoft.com/office/drawing/2014/main" id="{B4BC673B-ED2C-4075-A2A9-AF56F43DCED5}"/>
+              </a:ext>
+            </a:extLst>
+          </p:cNvPr>
+          <p:cNvSpPr txBox="1"/>
+          <p:nvPr/>
+        </p:nvSpPr>
+        <p:spPr>
+          <a:xfrm>
+            <a:off x="6091171" y="4522932"/>
+            <a:ext cx="1963024" cy="523220"/>
+          </a:xfrm>
+          <a:prstGeom prst="rect">
+            <a:avLst/>
+          </a:prstGeom>
+          <a:noFill/>
+        </p:spPr>
+        <p:txBody>
+          <a:bodyPr wrap="square" rtlCol="0">
+            <a:spAutoFit/>
+          </a:bodyPr>
+          <a:lstStyle/>
+          <a:p>
+            <a:r>
+              <a:rPr lang="en-US" sz="2800" dirty="0">
+                <a:solidFill>
+                  <a:srgbClr val="CF3338"/>
+                </a:solidFill>
+                <a:latin typeface="Aliens &amp; cows" panose="00000500000000000000" pitchFamily="2" charset="0"/>
+              </a:rPr>
+              <a:t>Toolbar</a:t>
+            </a:r>
+          </a:p>
+        </p:txBody>
+      </p:sp>
+      <p:sp>
+        <p:nvSpPr>
+          <p:cNvPr id="15" name="TextBox 14">
+            <a:extLst>
+              <a:ext uri="{FF2B5EF4-FFF2-40B4-BE49-F238E27FC236}">
+                <a16:creationId xmlns:a16="http://schemas.microsoft.com/office/drawing/2014/main" id="{65490B59-D9B7-4C84-BA19-C822A1B450EF}"/>
+              </a:ext>
+            </a:extLst>
+          </p:cNvPr>
+          <p:cNvSpPr txBox="1"/>
+          <p:nvPr/>
+        </p:nvSpPr>
+        <p:spPr>
+          <a:xfrm>
+            <a:off x="1933748" y="5247103"/>
+            <a:ext cx="1963024" cy="523220"/>
+          </a:xfrm>
+          <a:prstGeom prst="rect">
+            <a:avLst/>
+          </a:prstGeom>
+          <a:noFill/>
+        </p:spPr>
+        <p:txBody>
+          <a:bodyPr wrap="square" rtlCol="0">
+            <a:spAutoFit/>
+          </a:bodyPr>
+          <a:lstStyle/>
+          <a:p>
+            <a:r>
+              <a:rPr lang="en-US" sz="2800" dirty="0">
+                <a:solidFill>
+                  <a:srgbClr val="CF3338"/>
+                </a:solidFill>
+                <a:latin typeface="Aliens &amp; cows" panose="00000500000000000000" pitchFamily="2" charset="0"/>
+              </a:rPr>
+              <a:t>Code cell</a:t>
+            </a:r>
+          </a:p>
+        </p:txBody>
+      </p:sp>
+    </p:spTree>
+    <p:extLst>
+      <p:ext uri="{BB962C8B-B14F-4D97-AF65-F5344CB8AC3E}">
+        <p14:creationId xmlns:p14="http://schemas.microsoft.com/office/powerpoint/2010/main" val="3169662932"/>
       </p:ext>
     </p:extLst>
   </p:cSld>
@@ -10968,7 +10689,7 @@
         <p:spPr>
           <a:xfrm>
             <a:off x="173620" y="219919"/>
-            <a:ext cx="6084567" cy="3970318"/>
+            <a:ext cx="6084567" cy="5262979"/>
           </a:xfrm>
           <a:prstGeom prst="rect">
             <a:avLst/>
@@ -10986,56 +10707,9 @@
                 <a:solidFill>
                   <a:srgbClr val="CF3338"/>
                 </a:solidFill>
-                <a:latin typeface="Consolas" panose="020B0609020204030204" pitchFamily="49" charset="0"/>
-              </a:rPr>
-              <a:t>pandas </a:t>
-            </a:r>
-            <a:r>
-              <a:rPr lang="en-US" sz="2800" b="1" dirty="0">
-                <a:solidFill>
-                  <a:srgbClr val="CF3338"/>
-                </a:solidFill>
                 <a:latin typeface="Pragmatica" pitchFamily="2" charset="0"/>
               </a:rPr>
-              <a:t>+ </a:t>
-            </a:r>
-            <a:r>
-              <a:rPr lang="en-US" sz="2800" b="1" dirty="0" err="1">
-                <a:solidFill>
-                  <a:srgbClr val="CF3338"/>
-                </a:solidFill>
-                <a:latin typeface="Consolas" panose="020B0609020204030204" pitchFamily="49" charset="0"/>
-              </a:rPr>
-              <a:t>xlsxwriter</a:t>
-            </a:r>
-            <a:r>
-              <a:rPr lang="en-US" sz="2800" b="1" dirty="0">
-                <a:solidFill>
-                  <a:srgbClr val="CF3338"/>
-                </a:solidFill>
-                <a:latin typeface="Consolas" panose="020B0609020204030204" pitchFamily="49" charset="0"/>
-              </a:rPr>
-              <a:t> </a:t>
-            </a:r>
-            <a:r>
-              <a:rPr lang="en-US" sz="2800" b="1" dirty="0">
-                <a:solidFill>
-                  <a:srgbClr val="CF3338"/>
-                </a:solidFill>
-                <a:latin typeface="Pragmatica" pitchFamily="2" charset="0"/>
-              </a:rPr>
-              <a:t>=</a:t>
-            </a:r>
-          </a:p>
-          <a:p>
-            <a:r>
-              <a:rPr lang="en-US" sz="2800" b="1" dirty="0">
-                <a:solidFill>
-                  <a:srgbClr val="CF3338"/>
-                </a:solidFill>
-                <a:latin typeface="Pragmatica" pitchFamily="2" charset="0"/>
-              </a:rPr>
-              <a:t>Python-Powered Excel</a:t>
+              <a:t>Python for data analysis</a:t>
             </a:r>
           </a:p>
           <a:p>
@@ -11058,7 +10732,7 @@
                 </a:solidFill>
                 <a:latin typeface="Pragmatica" pitchFamily="2" charset="0"/>
               </a:rPr>
-              <a:t>Add custom cell formats</a:t>
+              <a:t>Working with modules (packages) in Python</a:t>
             </a:r>
           </a:p>
           <a:p>
@@ -11073,7 +10747,16 @@
                 </a:solidFill>
                 <a:latin typeface="Pragmatica" pitchFamily="2" charset="0"/>
               </a:rPr>
-              <a:t>Re-size column widths</a:t>
+              <a:t>Working with tabular data in Python with </a:t>
+            </a:r>
+            <a:r>
+              <a:rPr lang="en-US" sz="2800" b="1" dirty="0">
+                <a:solidFill>
+                  <a:srgbClr val="CF3338"/>
+                </a:solidFill>
+                <a:latin typeface="Consolas" panose="020B0609020204030204" pitchFamily="49" charset="0"/>
+              </a:rPr>
+              <a:t>pandas</a:t>
             </a:r>
           </a:p>
           <a:p>
@@ -11088,7 +10771,7 @@
                 </a:solidFill>
                 <a:latin typeface="Pragmatica" pitchFamily="2" charset="0"/>
               </a:rPr>
-              <a:t>Add charts (from Excel or Python)</a:t>
+              <a:t>Reading and writing Excel &lt;&gt; Python data</a:t>
             </a:r>
           </a:p>
           <a:p>
@@ -11124,7 +10807,7 @@
                 </a:solidFill>
                 <a:latin typeface="Consolas" panose="020B0609020204030204" pitchFamily="49" charset="0"/>
               </a:rPr>
-              <a:t>python-powered-</a:t>
+              <a:t>python-for-data-</a:t>
             </a:r>
             <a:r>
               <a:rPr lang="en-US" sz="2800" b="1" dirty="0" err="1">
@@ -11133,7 +10816,7 @@
                 </a:solidFill>
                 <a:latin typeface="Consolas" panose="020B0609020204030204" pitchFamily="49" charset="0"/>
               </a:rPr>
-              <a:t>excel.ipynb</a:t>
+              <a:t>analysis.ipynb</a:t>
             </a:r>
             <a:endParaRPr lang="en-US" sz="2800" b="1" dirty="0">
               <a:solidFill>
@@ -11147,7 +10830,7 @@
     </p:spTree>
     <p:extLst>
       <p:ext uri="{BB962C8B-B14F-4D97-AF65-F5344CB8AC3E}">
-        <p14:creationId xmlns:p14="http://schemas.microsoft.com/office/powerpoint/2010/main" val="2968035508"/>
+        <p14:creationId xmlns:p14="http://schemas.microsoft.com/office/powerpoint/2010/main" val="3176947692"/>
       </p:ext>
     </p:extLst>
   </p:cSld>
@@ -11195,54 +10878,202 @@
         </p:blipFill>
         <p:spPr>
           <a:xfrm>
-            <a:off x="8136460" y="2210765"/>
-            <a:ext cx="4055539" cy="4647236"/>
+            <a:off x="10894024" y="5370653"/>
+            <a:ext cx="1297975" cy="1487348"/>
           </a:xfrm>
           <a:prstGeom prst="rect">
             <a:avLst/>
           </a:prstGeom>
         </p:spPr>
       </p:pic>
+      <p:sp>
+        <p:nvSpPr>
+          <p:cNvPr id="11" name="TextBox 10"/>
+          <p:cNvSpPr txBox="1"/>
+          <p:nvPr/>
+        </p:nvSpPr>
+        <p:spPr>
+          <a:xfrm>
+            <a:off x="347240" y="113388"/>
+            <a:ext cx="9799937" cy="1015663"/>
+          </a:xfrm>
+          <a:prstGeom prst="rect">
+            <a:avLst/>
+          </a:prstGeom>
+          <a:noFill/>
+        </p:spPr>
+        <p:txBody>
+          <a:bodyPr wrap="square" rtlCol="0">
+            <a:spAutoFit/>
+          </a:bodyPr>
+          <a:lstStyle/>
+          <a:p>
+            <a:r>
+              <a:rPr lang="en-US" sz="6000" dirty="0">
+                <a:latin typeface="Aliens &amp; cows" panose="00000500000000000000" pitchFamily="2" charset="0"/>
+              </a:rPr>
+              <a:t>Python for Excel</a:t>
+            </a:r>
+          </a:p>
+        </p:txBody>
+      </p:sp>
+      <p:sp>
+        <p:nvSpPr>
+          <p:cNvPr id="3" name="TextBox 2"/>
+          <p:cNvSpPr txBox="1"/>
+          <p:nvPr/>
+        </p:nvSpPr>
+        <p:spPr>
+          <a:xfrm>
+            <a:off x="0" y="6334780"/>
+            <a:ext cx="7420966" cy="523220"/>
+          </a:xfrm>
+          <a:prstGeom prst="rect">
+            <a:avLst/>
+          </a:prstGeom>
+          <a:noFill/>
+        </p:spPr>
+        <p:txBody>
+          <a:bodyPr wrap="square" rtlCol="0">
+            <a:spAutoFit/>
+          </a:bodyPr>
+          <a:lstStyle/>
+          <a:p>
+            <a:r>
+              <a:rPr lang="en-US" sz="1400" dirty="0">
+                <a:solidFill>
+                  <a:srgbClr val="707070"/>
+                </a:solidFill>
+                <a:latin typeface="Pragmatica" panose="020B0403040502020204" pitchFamily="34" charset="0"/>
+              </a:rPr>
+              <a:t>https://excel.uservoice.com/forums/304921-excel-for-windows-desktop-application/suggestions/10549005-python-as-an-excel-scripting-language</a:t>
+            </a:r>
+          </a:p>
+        </p:txBody>
+      </p:sp>
       <p:pic>
         <p:nvPicPr>
-          <p:cNvPr id="4" name="Picture 3"/>
+          <p:cNvPr id="6" name="Picture 5">
+            <a:extLst>
+              <a:ext uri="{FF2B5EF4-FFF2-40B4-BE49-F238E27FC236}">
+                <a16:creationId xmlns:a16="http://schemas.microsoft.com/office/drawing/2014/main" id="{AB9B98DE-851E-4DCE-A682-83C2082D863E}"/>
+              </a:ext>
+            </a:extLst>
+          </p:cNvPr>
           <p:cNvPicPr>
             <a:picLocks noChangeAspect="1"/>
           </p:cNvPicPr>
           <p:nvPr/>
         </p:nvPicPr>
         <p:blipFill>
-          <a:blip r:embed="rId4">
+          <a:blip r:embed="rId4"/>
+          <a:stretch>
+            <a:fillRect/>
+          </a:stretch>
+        </p:blipFill>
+        <p:spPr>
+          <a:xfrm>
+            <a:off x="249829" y="1497416"/>
+            <a:ext cx="6777117" cy="3062800"/>
+          </a:xfrm>
+          <a:prstGeom prst="rect">
+            <a:avLst/>
+          </a:prstGeom>
+        </p:spPr>
+      </p:pic>
+      <p:pic>
+        <p:nvPicPr>
+          <p:cNvPr id="1026" name="Picture 2" descr="Logo">
+            <a:extLst>
+              <a:ext uri="{FF2B5EF4-FFF2-40B4-BE49-F238E27FC236}">
+                <a16:creationId xmlns:a16="http://schemas.microsoft.com/office/drawing/2014/main" id="{DFA31B08-9729-493E-ACD6-0C1ED2EDA81F}"/>
+              </a:ext>
+            </a:extLst>
+          </p:cNvPr>
+          <p:cNvPicPr>
+            <a:picLocks noChangeAspect="1" noChangeArrowheads="1"/>
+          </p:cNvPicPr>
+          <p:nvPr/>
+        </p:nvPicPr>
+        <p:blipFill>
+          <a:blip r:embed="rId5">
             <a:extLst>
               <a:ext uri="{28A0092B-C50C-407E-A947-70E740481C1C}">
                 <a14:useLocalDpi xmlns:a14="http://schemas.microsoft.com/office/drawing/2010/main" val="0"/>
               </a:ext>
             </a:extLst>
           </a:blip>
+          <a:srcRect/>
           <a:stretch>
             <a:fillRect/>
           </a:stretch>
         </p:blipFill>
-        <p:spPr>
-          <a:xfrm>
-            <a:off x="-538496" y="-2482770"/>
-            <a:ext cx="10171472" cy="7459883"/>
-          </a:xfrm>
-          <a:prstGeom prst="rect">
-            <a:avLst/>
-          </a:prstGeom>
+        <p:spPr bwMode="auto">
+          <a:xfrm>
+            <a:off x="8447030" y="2858833"/>
+            <a:ext cx="3199732" cy="625646"/>
+          </a:xfrm>
+          <a:prstGeom prst="rect">
+            <a:avLst/>
+          </a:prstGeom>
+          <a:noFill/>
+          <a:extLst>
+            <a:ext uri="{909E8E84-426E-40DD-AFC4-6F175D3DCCD1}">
+              <a14:hiddenFill xmlns:a14="http://schemas.microsoft.com/office/drawing/2010/main">
+                <a:solidFill>
+                  <a:srgbClr val="FFFFFF"/>
+                </a:solidFill>
+              </a14:hiddenFill>
+            </a:ext>
+          </a:extLst>
         </p:spPr>
       </p:pic>
-      <p:sp>
-        <p:nvSpPr>
-          <p:cNvPr id="11" name="TextBox 10"/>
+      <p:pic>
+        <p:nvPicPr>
+          <p:cNvPr id="8" name="Picture 7">
+            <a:extLst>
+              <a:ext uri="{FF2B5EF4-FFF2-40B4-BE49-F238E27FC236}">
+                <a16:creationId xmlns:a16="http://schemas.microsoft.com/office/drawing/2014/main" id="{D3A04345-EA68-47E4-9BEA-A8B53EF2B21B}"/>
+              </a:ext>
+            </a:extLst>
+          </p:cNvPr>
+          <p:cNvPicPr>
+            <a:picLocks noChangeAspect="1"/>
+          </p:cNvPicPr>
+          <p:nvPr/>
+        </p:nvPicPr>
+        <p:blipFill>
+          <a:blip r:embed="rId6"/>
+          <a:stretch>
+            <a:fillRect/>
+          </a:stretch>
+        </p:blipFill>
+        <p:spPr>
+          <a:xfrm>
+            <a:off x="7026946" y="3484479"/>
+            <a:ext cx="2840168" cy="842688"/>
+          </a:xfrm>
+          <a:prstGeom prst="rect">
+            <a:avLst/>
+          </a:prstGeom>
+        </p:spPr>
+      </p:pic>
+      <p:sp>
+        <p:nvSpPr>
+          <p:cNvPr id="13" name="TextBox 12">
+            <a:extLst>
+              <a:ext uri="{FF2B5EF4-FFF2-40B4-BE49-F238E27FC236}">
+                <a16:creationId xmlns:a16="http://schemas.microsoft.com/office/drawing/2014/main" id="{D76C3081-EF88-4D32-9F9A-7B0E3EAEB568}"/>
+              </a:ext>
+            </a:extLst>
+          </p:cNvPr>
           <p:cNvSpPr txBox="1"/>
           <p:nvPr/>
         </p:nvSpPr>
         <p:spPr>
           <a:xfrm>
-            <a:off x="324091" y="1687545"/>
-            <a:ext cx="7986531" cy="523220"/>
+            <a:off x="7167868" y="5596729"/>
+            <a:ext cx="4628435" cy="369332"/>
           </a:xfrm>
           <a:prstGeom prst="rect">
             <a:avLst/>
@@ -11256,21 +11087,65 @@
           <a:lstStyle/>
           <a:p>
             <a:r>
-              <a:rPr lang="en-US" sz="2800" b="1" dirty="0">
-                <a:solidFill>
-                  <a:srgbClr val="707070"/>
-                </a:solidFill>
-                <a:latin typeface="Pragmatica" panose="020B0403040502020204" pitchFamily="34" charset="0"/>
-              </a:rPr>
-              <a:t>Questions?</a:t>
-            </a:r>
-          </a:p>
-        </p:txBody>
-      </p:sp>
+              <a:rPr lang="en-US" b="1" dirty="0">
+                <a:latin typeface="Pragmatica" pitchFamily="2" charset="0"/>
+              </a:rPr>
+              <a:t>More: http://www.python-excel.org</a:t>
+            </a:r>
+          </a:p>
+        </p:txBody>
+      </p:sp>
+      <p:pic>
+        <p:nvPicPr>
+          <p:cNvPr id="1028" name="Picture 4">
+            <a:extLst>
+              <a:ext uri="{FF2B5EF4-FFF2-40B4-BE49-F238E27FC236}">
+                <a16:creationId xmlns:a16="http://schemas.microsoft.com/office/drawing/2014/main" id="{3C329EA7-0AC7-4A26-A24D-2507FC7AAAB6}"/>
+              </a:ext>
+            </a:extLst>
+          </p:cNvPr>
+          <p:cNvPicPr>
+            <a:picLocks noChangeAspect="1" noChangeArrowheads="1"/>
+          </p:cNvPicPr>
+          <p:nvPr/>
+        </p:nvPicPr>
+        <p:blipFill>
+          <a:blip r:embed="rId7">
+            <a:extLst>
+              <a:ext uri="{28A0092B-C50C-407E-A947-70E740481C1C}">
+                <a14:useLocalDpi xmlns:a14="http://schemas.microsoft.com/office/drawing/2010/main" val="0"/>
+              </a:ext>
+            </a:extLst>
+          </a:blip>
+          <a:srcRect/>
+          <a:stretch>
+            <a:fillRect/>
+          </a:stretch>
+        </p:blipFill>
+        <p:spPr bwMode="auto">
+          <a:xfrm>
+            <a:off x="7783672" y="4327167"/>
+            <a:ext cx="3933825" cy="1095375"/>
+          </a:xfrm>
+          <a:prstGeom prst="rect">
+            <a:avLst/>
+          </a:prstGeom>
+          <a:noFill/>
+          <a:extLst>
+            <a:ext uri="{909E8E84-426E-40DD-AFC4-6F175D3DCCD1}">
+              <a14:hiddenFill xmlns:a14="http://schemas.microsoft.com/office/drawing/2010/main">
+                <a:solidFill>
+                  <a:srgbClr val="FFFFFF"/>
+                </a:solidFill>
+              </a14:hiddenFill>
+            </a:ext>
+          </a:extLst>
+        </p:spPr>
+      </p:pic>
     </p:spTree>
     <p:extLst>
       <p:ext uri="{BB962C8B-B14F-4D97-AF65-F5344CB8AC3E}">
-        <p14:creationId xmlns:p14="http://schemas.microsoft.com/office/powerpoint/2010/main" val="883776877"/>
+        <p14:creationId xmlns:p14="http://schemas.microsoft.com/office/powerpoint/2010/main" val="875044852"/>
       </p:ext>
     </p:extLst>
   </p:cSld>
@@ -11305,8 +11180,8 @@
         </p:nvSpPr>
         <p:spPr>
           <a:xfrm>
-            <a:off x="0" y="0"/>
-            <a:ext cx="12192000" cy="6858000"/>
+            <a:off x="6574420" y="0"/>
+            <a:ext cx="5617580" cy="6858000"/>
           </a:xfrm>
           <a:prstGeom prst="rect">
             <a:avLst/>
@@ -11348,8 +11223,8 @@
         </p:nvSpPr>
         <p:spPr>
           <a:xfrm>
-            <a:off x="520861" y="393539"/>
-            <a:ext cx="10324617" cy="2123658"/>
+            <a:off x="6817489" y="0"/>
+            <a:ext cx="4120587" cy="1446550"/>
           </a:xfrm>
           <a:prstGeom prst="rect">
             <a:avLst/>
@@ -11363,21 +11238,235 @@
           <a:lstStyle/>
           <a:p>
             <a:r>
-              <a:rPr lang="en-US" sz="6600" b="1" dirty="0">
+              <a:rPr lang="en-US" sz="8800" dirty="0">
                 <a:solidFill>
                   <a:schemeClr val="bg1"/>
                 </a:solidFill>
+                <a:latin typeface="Aliens &amp; cows" panose="00000500000000000000" pitchFamily="2" charset="0"/>
+              </a:rPr>
+              <a:t>Demo</a:t>
+            </a:r>
+          </a:p>
+        </p:txBody>
+      </p:sp>
+      <p:pic>
+        <p:nvPicPr>
+          <p:cNvPr id="2" name="Picture 1"/>
+          <p:cNvPicPr>
+            <a:picLocks noChangeAspect="1"/>
+          </p:cNvPicPr>
+          <p:nvPr/>
+        </p:nvPicPr>
+        <p:blipFill rotWithShape="1">
+          <a:blip r:embed="rId3">
+            <a:extLst>
+              <a:ext uri="{28A0092B-C50C-407E-A947-70E740481C1C}">
+                <a14:useLocalDpi xmlns:a14="http://schemas.microsoft.com/office/drawing/2010/main" val="0"/>
+              </a:ext>
+            </a:extLst>
+          </a:blip>
+          <a:srcRect l="69227" t="33418" r="20112" b="50548"/>
+          <a:stretch/>
+        </p:blipFill>
+        <p:spPr>
+          <a:xfrm>
+            <a:off x="10386349" y="5029795"/>
+            <a:ext cx="1805651" cy="1991719"/>
+          </a:xfrm>
+          <a:prstGeom prst="rect">
+            <a:avLst/>
+          </a:prstGeom>
+        </p:spPr>
+      </p:pic>
+      <p:sp>
+        <p:nvSpPr>
+          <p:cNvPr id="3" name="TextBox 2"/>
+          <p:cNvSpPr txBox="1"/>
+          <p:nvPr/>
+        </p:nvSpPr>
+        <p:spPr>
+          <a:xfrm>
+            <a:off x="173620" y="219919"/>
+            <a:ext cx="6084567" cy="3970318"/>
+          </a:xfrm>
+          <a:prstGeom prst="rect">
+            <a:avLst/>
+          </a:prstGeom>
+          <a:noFill/>
+        </p:spPr>
+        <p:txBody>
+          <a:bodyPr wrap="square" rtlCol="0">
+            <a:spAutoFit/>
+          </a:bodyPr>
+          <a:lstStyle/>
+          <a:p>
+            <a:r>
+              <a:rPr lang="en-US" sz="2800" b="1" dirty="0">
+                <a:solidFill>
+                  <a:srgbClr val="CF3338"/>
+                </a:solidFill>
+                <a:latin typeface="Consolas" panose="020B0609020204030204" pitchFamily="49" charset="0"/>
+              </a:rPr>
+              <a:t>pandas </a:t>
+            </a:r>
+            <a:r>
+              <a:rPr lang="en-US" sz="2800" b="1" dirty="0">
+                <a:solidFill>
+                  <a:srgbClr val="CF3338"/>
+                </a:solidFill>
                 <a:latin typeface="Pragmatica" pitchFamily="2" charset="0"/>
               </a:rPr>
-              <a:t>The data world is your oyster shell</a:t>
-            </a:r>
+              <a:t>+ </a:t>
+            </a:r>
+            <a:r>
+              <a:rPr lang="en-US" sz="2800" b="1" dirty="0" err="1">
+                <a:solidFill>
+                  <a:srgbClr val="CF3338"/>
+                </a:solidFill>
+                <a:latin typeface="Consolas" panose="020B0609020204030204" pitchFamily="49" charset="0"/>
+              </a:rPr>
+              <a:t>xlsxwriter</a:t>
+            </a:r>
+            <a:r>
+              <a:rPr lang="en-US" sz="2800" b="1" dirty="0">
+                <a:solidFill>
+                  <a:srgbClr val="CF3338"/>
+                </a:solidFill>
+                <a:latin typeface="Consolas" panose="020B0609020204030204" pitchFamily="49" charset="0"/>
+              </a:rPr>
+              <a:t> </a:t>
+            </a:r>
+            <a:r>
+              <a:rPr lang="en-US" sz="2800" b="1" dirty="0">
+                <a:solidFill>
+                  <a:srgbClr val="CF3338"/>
+                </a:solidFill>
+                <a:latin typeface="Pragmatica" pitchFamily="2" charset="0"/>
+              </a:rPr>
+              <a:t>=</a:t>
+            </a:r>
+          </a:p>
+          <a:p>
+            <a:r>
+              <a:rPr lang="en-US" sz="2800" b="1" dirty="0">
+                <a:solidFill>
+                  <a:srgbClr val="CF3338"/>
+                </a:solidFill>
+                <a:latin typeface="Pragmatica" pitchFamily="2" charset="0"/>
+              </a:rPr>
+              <a:t>Python-Powered Excel</a:t>
+            </a:r>
+          </a:p>
+          <a:p>
+            <a:endParaRPr lang="en-US" sz="2800" b="1" dirty="0">
+              <a:solidFill>
+                <a:srgbClr val="CF3338"/>
+              </a:solidFill>
+              <a:latin typeface="Pragmatica" pitchFamily="2" charset="0"/>
+            </a:endParaRPr>
+          </a:p>
+          <a:p>
+            <a:pPr marL="514350" indent="-514350">
+              <a:buFont typeface="+mj-lt"/>
+              <a:buAutoNum type="arabicPeriod"/>
+            </a:pPr>
+            <a:r>
+              <a:rPr lang="en-US" sz="2800" b="1" dirty="0">
+                <a:solidFill>
+                  <a:srgbClr val="CF3338"/>
+                </a:solidFill>
+                <a:latin typeface="Pragmatica" pitchFamily="2" charset="0"/>
+              </a:rPr>
+              <a:t>Add custom cell formats</a:t>
+            </a:r>
+          </a:p>
+          <a:p>
+            <a:pPr marL="514350" indent="-514350">
+              <a:buFont typeface="+mj-lt"/>
+              <a:buAutoNum type="arabicPeriod"/>
+            </a:pPr>
+            <a:r>
+              <a:rPr lang="en-US" sz="2800" b="1" dirty="0">
+                <a:solidFill>
+                  <a:srgbClr val="CF3338"/>
+                </a:solidFill>
+                <a:latin typeface="Pragmatica" pitchFamily="2" charset="0"/>
+              </a:rPr>
+              <a:t>Re-size column widths</a:t>
+            </a:r>
+          </a:p>
+          <a:p>
+            <a:pPr marL="514350" indent="-514350">
+              <a:buFont typeface="+mj-lt"/>
+              <a:buAutoNum type="arabicPeriod"/>
+            </a:pPr>
+            <a:r>
+              <a:rPr lang="en-US" sz="2800" b="1" dirty="0">
+                <a:solidFill>
+                  <a:srgbClr val="CF3338"/>
+                </a:solidFill>
+                <a:latin typeface="Pragmatica" pitchFamily="2" charset="0"/>
+              </a:rPr>
+              <a:t>Add charts (from Excel or Python)</a:t>
+            </a:r>
+          </a:p>
+          <a:p>
+            <a:endParaRPr lang="en-US" sz="2800" b="1" dirty="0">
+              <a:solidFill>
+                <a:srgbClr val="CF3338"/>
+              </a:solidFill>
+              <a:latin typeface="Pragmatica" pitchFamily="2" charset="0"/>
+            </a:endParaRPr>
+          </a:p>
+          <a:p>
+            <a:endParaRPr lang="en-US" sz="2800" b="1" dirty="0">
+              <a:solidFill>
+                <a:srgbClr val="CF3338"/>
+              </a:solidFill>
+              <a:latin typeface="Pragmatica" pitchFamily="2" charset="0"/>
+            </a:endParaRPr>
+          </a:p>
+          <a:p>
+            <a:r>
+              <a:rPr lang="en-US" sz="2800" b="1" dirty="0">
+                <a:solidFill>
+                  <a:srgbClr val="CF3338"/>
+                </a:solidFill>
+                <a:latin typeface="Pragmatica" pitchFamily="2" charset="0"/>
+              </a:rPr>
+              <a:t>File: </a:t>
+            </a:r>
+            <a:r>
+              <a:rPr lang="en-US" sz="2800" b="1" dirty="0">
+                <a:solidFill>
+                  <a:srgbClr val="CF3338"/>
+                </a:solidFill>
+                <a:latin typeface="Consolas" panose="020B0609020204030204" pitchFamily="49" charset="0"/>
+              </a:rPr>
+              <a:t>python-powered-</a:t>
+            </a:r>
+            <a:r>
+              <a:rPr lang="en-US" sz="2800" b="1" dirty="0" err="1">
+                <a:solidFill>
+                  <a:srgbClr val="CF3338"/>
+                </a:solidFill>
+                <a:latin typeface="Consolas" panose="020B0609020204030204" pitchFamily="49" charset="0"/>
+              </a:rPr>
+              <a:t>excel.ipynb</a:t>
+            </a:r>
+            <a:endParaRPr lang="en-US" sz="2800" b="1" dirty="0">
+              <a:solidFill>
+                <a:srgbClr val="CF3338"/>
+              </a:solidFill>
+              <a:latin typeface="Consolas" panose="020B0609020204030204" pitchFamily="49" charset="0"/>
+            </a:endParaRPr>
           </a:p>
         </p:txBody>
       </p:sp>
     </p:spTree>
     <p:extLst>
       <p:ext uri="{BB962C8B-B14F-4D97-AF65-F5344CB8AC3E}">
-        <p14:creationId xmlns:p14="http://schemas.microsoft.com/office/powerpoint/2010/main" val="2201736680"/>
+        <p14:creationId xmlns:p14="http://schemas.microsoft.com/office/powerpoint/2010/main" val="2968035508"/>
       </p:ext>
     </p:extLst>
   </p:cSld>
@@ -11404,6 +11493,236 @@
           <a:chExt cx="0" cy="0"/>
         </a:xfrm>
       </p:grpSpPr>
+      <p:pic>
+        <p:nvPicPr>
+          <p:cNvPr id="10" name="Picture 9"/>
+          <p:cNvPicPr>
+            <a:picLocks noChangeAspect="1"/>
+          </p:cNvPicPr>
+          <p:nvPr/>
+        </p:nvPicPr>
+        <p:blipFill rotWithShape="1">
+          <a:blip r:embed="rId3">
+            <a:extLst>
+              <a:ext uri="{28A0092B-C50C-407E-A947-70E740481C1C}">
+                <a14:useLocalDpi xmlns:a14="http://schemas.microsoft.com/office/drawing/2010/main" val="0"/>
+              </a:ext>
+            </a:extLst>
+          </a:blip>
+          <a:srcRect l="50728" t="56371"/>
+          <a:stretch/>
+        </p:blipFill>
+        <p:spPr>
+          <a:xfrm>
+            <a:off x="8136460" y="2210765"/>
+            <a:ext cx="4055539" cy="4647236"/>
+          </a:xfrm>
+          <a:prstGeom prst="rect">
+            <a:avLst/>
+          </a:prstGeom>
+        </p:spPr>
+      </p:pic>
+      <p:pic>
+        <p:nvPicPr>
+          <p:cNvPr id="4" name="Picture 3"/>
+          <p:cNvPicPr>
+            <a:picLocks noChangeAspect="1"/>
+          </p:cNvPicPr>
+          <p:nvPr/>
+        </p:nvPicPr>
+        <p:blipFill>
+          <a:blip r:embed="rId4">
+            <a:extLst>
+              <a:ext uri="{28A0092B-C50C-407E-A947-70E740481C1C}">
+                <a14:useLocalDpi xmlns:a14="http://schemas.microsoft.com/office/drawing/2010/main" val="0"/>
+              </a:ext>
+            </a:extLst>
+          </a:blip>
+          <a:stretch>
+            <a:fillRect/>
+          </a:stretch>
+        </p:blipFill>
+        <p:spPr>
+          <a:xfrm>
+            <a:off x="-538496" y="-2482770"/>
+            <a:ext cx="10171472" cy="7459883"/>
+          </a:xfrm>
+          <a:prstGeom prst="rect">
+            <a:avLst/>
+          </a:prstGeom>
+        </p:spPr>
+      </p:pic>
+      <p:sp>
+        <p:nvSpPr>
+          <p:cNvPr id="11" name="TextBox 10"/>
+          <p:cNvSpPr txBox="1"/>
+          <p:nvPr/>
+        </p:nvSpPr>
+        <p:spPr>
+          <a:xfrm>
+            <a:off x="324091" y="1687545"/>
+            <a:ext cx="7986531" cy="523220"/>
+          </a:xfrm>
+          <a:prstGeom prst="rect">
+            <a:avLst/>
+          </a:prstGeom>
+          <a:noFill/>
+        </p:spPr>
+        <p:txBody>
+          <a:bodyPr wrap="square" rtlCol="0">
+            <a:spAutoFit/>
+          </a:bodyPr>
+          <a:lstStyle/>
+          <a:p>
+            <a:r>
+              <a:rPr lang="en-US" sz="2800" b="1" dirty="0">
+                <a:solidFill>
+                  <a:srgbClr val="707070"/>
+                </a:solidFill>
+                <a:latin typeface="Pragmatica" panose="020B0403040502020204" pitchFamily="34" charset="0"/>
+              </a:rPr>
+              <a:t>Questions?</a:t>
+            </a:r>
+          </a:p>
+        </p:txBody>
+      </p:sp>
+    </p:spTree>
+    <p:extLst>
+      <p:ext uri="{BB962C8B-B14F-4D97-AF65-F5344CB8AC3E}">
+        <p14:creationId xmlns:p14="http://schemas.microsoft.com/office/powerpoint/2010/main" val="883776877"/>
+      </p:ext>
+    </p:extLst>
+  </p:cSld>
+  <p:clrMapOvr>
+    <a:masterClrMapping/>
+  </p:clrMapOvr>
+</p:sld>
+</file>
+
+<file path=ppt/slides/slide27.xml><?xml version="1.0" encoding="utf-8"?>
+<p:sld xmlns:a="http://schemas.openxmlformats.org/drawingml/2006/main" xmlns:r="http://schemas.openxmlformats.org/officeDocument/2006/relationships" xmlns:p="http://schemas.openxmlformats.org/presentationml/2006/main">
+  <p:cSld>
+    <p:spTree>
+      <p:nvGrpSpPr>
+        <p:cNvPr id="1" name=""/>
+        <p:cNvGrpSpPr/>
+        <p:nvPr/>
+      </p:nvGrpSpPr>
+      <p:grpSpPr>
+        <a:xfrm>
+          <a:off x="0" y="0"/>
+          <a:ext cx="0" cy="0"/>
+          <a:chOff x="0" y="0"/>
+          <a:chExt cx="0" cy="0"/>
+        </a:xfrm>
+      </p:grpSpPr>
+      <p:sp>
+        <p:nvSpPr>
+          <p:cNvPr id="4" name="Rectangle 3"/>
+          <p:cNvSpPr/>
+          <p:nvPr/>
+        </p:nvSpPr>
+        <p:spPr>
+          <a:xfrm>
+            <a:off x="0" y="0"/>
+            <a:ext cx="12192000" cy="6858000"/>
+          </a:xfrm>
+          <a:prstGeom prst="rect">
+            <a:avLst/>
+          </a:prstGeom>
+          <a:solidFill>
+            <a:srgbClr val="CF3338"/>
+          </a:solidFill>
+        </p:spPr>
+        <p:style>
+          <a:lnRef idx="2">
+            <a:schemeClr val="accent1">
+              <a:shade val="50000"/>
+            </a:schemeClr>
+          </a:lnRef>
+          <a:fillRef idx="1">
+            <a:schemeClr val="accent1"/>
+          </a:fillRef>
+          <a:effectRef idx="0">
+            <a:schemeClr val="accent1"/>
+          </a:effectRef>
+          <a:fontRef idx="minor">
+            <a:schemeClr val="lt1"/>
+          </a:fontRef>
+        </p:style>
+        <p:txBody>
+          <a:bodyPr rtlCol="0" anchor="ctr"/>
+          <a:lstStyle/>
+          <a:p>
+            <a:pPr algn="ctr"/>
+            <a:endParaRPr lang="en-US"/>
+          </a:p>
+        </p:txBody>
+      </p:sp>
+      <p:sp>
+        <p:nvSpPr>
+          <p:cNvPr id="5" name="TextBox 4"/>
+          <p:cNvSpPr txBox="1"/>
+          <p:nvPr/>
+        </p:nvSpPr>
+        <p:spPr>
+          <a:xfrm>
+            <a:off x="520861" y="393539"/>
+            <a:ext cx="10324617" cy="2123658"/>
+          </a:xfrm>
+          <a:prstGeom prst="rect">
+            <a:avLst/>
+          </a:prstGeom>
+          <a:noFill/>
+        </p:spPr>
+        <p:txBody>
+          <a:bodyPr wrap="square" rtlCol="0">
+            <a:spAutoFit/>
+          </a:bodyPr>
+          <a:lstStyle/>
+          <a:p>
+            <a:r>
+              <a:rPr lang="en-US" sz="6600" b="1" dirty="0">
+                <a:solidFill>
+                  <a:schemeClr val="bg1"/>
+                </a:solidFill>
+                <a:latin typeface="Pragmatica" pitchFamily="2" charset="0"/>
+              </a:rPr>
+              <a:t>The data world is your oyster shell</a:t>
+            </a:r>
+          </a:p>
+        </p:txBody>
+      </p:sp>
+    </p:spTree>
+    <p:extLst>
+      <p:ext uri="{BB962C8B-B14F-4D97-AF65-F5344CB8AC3E}">
+        <p14:creationId xmlns:p14="http://schemas.microsoft.com/office/powerpoint/2010/main" val="2201736680"/>
+      </p:ext>
+    </p:extLst>
+  </p:cSld>
+  <p:clrMapOvr>
+    <a:masterClrMapping/>
+  </p:clrMapOvr>
+</p:sld>
+</file>
+
+<file path=ppt/slides/slide28.xml><?xml version="1.0" encoding="utf-8"?>
+<p:sld xmlns:a="http://schemas.openxmlformats.org/drawingml/2006/main" xmlns:r="http://schemas.openxmlformats.org/officeDocument/2006/relationships" xmlns:p="http://schemas.openxmlformats.org/presentationml/2006/main">
+  <p:cSld>
+    <p:spTree>
+      <p:nvGrpSpPr>
+        <p:cNvPr id="1" name=""/>
+        <p:cNvGrpSpPr/>
+        <p:nvPr/>
+      </p:nvGrpSpPr>
+      <p:grpSpPr>
+        <a:xfrm>
+          <a:off x="0" y="0"/>
+          <a:ext cx="0" cy="0"/>
+          <a:chOff x="0" y="0"/>
+          <a:chExt cx="0" cy="0"/>
+        </a:xfrm>
+      </p:grpSpPr>
       <p:sp>
         <p:nvSpPr>
           <p:cNvPr id="4" name="Rectangle 3"/>
@@ -11699,7 +12018,7 @@
 </p:sld>
 </file>
 
-<file path=ppt/slides/slide27.xml><?xml version="1.0" encoding="utf-8"?>
+<file path=ppt/slides/slide29.xml><?xml version="1.0" encoding="utf-8"?>
 <p:sld xmlns:a="http://schemas.openxmlformats.org/drawingml/2006/main" xmlns:r="http://schemas.openxmlformats.org/officeDocument/2006/relationships" xmlns:p="http://schemas.openxmlformats.org/presentationml/2006/main">
   <p:cSld>
     <p:spTree>
@@ -11813,394 +12132,6 @@
     <p:extLst>
       <p:ext uri="{BB962C8B-B14F-4D97-AF65-F5344CB8AC3E}">
         <p14:creationId xmlns:p14="http://schemas.microsoft.com/office/powerpoint/2010/main" val="4081097533"/>
-      </p:ext>
-    </p:extLst>
-  </p:cSld>
-  <p:clrMapOvr>
-    <a:masterClrMapping/>
-  </p:clrMapOvr>
-</p:sld>
-</file>
-
-<file path=ppt/slides/slide28.xml><?xml version="1.0" encoding="utf-8"?>
-<p:sld xmlns:a="http://schemas.openxmlformats.org/drawingml/2006/main" xmlns:r="http://schemas.openxmlformats.org/officeDocument/2006/relationships" xmlns:p="http://schemas.openxmlformats.org/presentationml/2006/main">
-  <p:cSld>
-    <p:spTree>
-      <p:nvGrpSpPr>
-        <p:cNvPr id="1" name=""/>
-        <p:cNvGrpSpPr/>
-        <p:nvPr/>
-      </p:nvGrpSpPr>
-      <p:grpSpPr>
-        <a:xfrm>
-          <a:off x="0" y="0"/>
-          <a:ext cx="0" cy="0"/>
-          <a:chOff x="0" y="0"/>
-          <a:chExt cx="0" cy="0"/>
-        </a:xfrm>
-      </p:grpSpPr>
-      <p:sp>
-        <p:nvSpPr>
-          <p:cNvPr id="4" name="Rectangle 3"/>
-          <p:cNvSpPr/>
-          <p:nvPr/>
-        </p:nvSpPr>
-        <p:spPr>
-          <a:xfrm>
-            <a:off x="0" y="0"/>
-            <a:ext cx="12192000" cy="6858000"/>
-          </a:xfrm>
-          <a:prstGeom prst="rect">
-            <a:avLst/>
-          </a:prstGeom>
-          <a:solidFill>
-            <a:srgbClr val="CF3338"/>
-          </a:solidFill>
-        </p:spPr>
-        <p:style>
-          <a:lnRef idx="2">
-            <a:schemeClr val="accent1">
-              <a:shade val="50000"/>
-            </a:schemeClr>
-          </a:lnRef>
-          <a:fillRef idx="1">
-            <a:schemeClr val="accent1"/>
-          </a:fillRef>
-          <a:effectRef idx="0">
-            <a:schemeClr val="accent1"/>
-          </a:effectRef>
-          <a:fontRef idx="minor">
-            <a:schemeClr val="lt1"/>
-          </a:fontRef>
-        </p:style>
-        <p:txBody>
-          <a:bodyPr rtlCol="0" anchor="ctr"/>
-          <a:lstStyle/>
-          <a:p>
-            <a:pPr algn="ctr"/>
-            <a:endParaRPr lang="en-US"/>
-          </a:p>
-        </p:txBody>
-      </p:sp>
-      <p:sp>
-        <p:nvSpPr>
-          <p:cNvPr id="5" name="TextBox 4"/>
-          <p:cNvSpPr txBox="1"/>
-          <p:nvPr/>
-        </p:nvSpPr>
-        <p:spPr>
-          <a:xfrm>
-            <a:off x="520861" y="393539"/>
-            <a:ext cx="10324617" cy="1107996"/>
-          </a:xfrm>
-          <a:prstGeom prst="rect">
-            <a:avLst/>
-          </a:prstGeom>
-          <a:noFill/>
-        </p:spPr>
-        <p:txBody>
-          <a:bodyPr wrap="square" rtlCol="0">
-            <a:spAutoFit/>
-          </a:bodyPr>
-          <a:lstStyle/>
-          <a:p>
-            <a:r>
-              <a:rPr lang="en-US" sz="6600" b="1" dirty="0">
-                <a:solidFill>
-                  <a:schemeClr val="bg1"/>
-                </a:solidFill>
-                <a:latin typeface="Pragmatica" pitchFamily="2" charset="0"/>
-              </a:rPr>
-              <a:t>Conclusion/Resources</a:t>
-            </a:r>
-          </a:p>
-        </p:txBody>
-      </p:sp>
-    </p:spTree>
-    <p:extLst>
-      <p:ext uri="{BB962C8B-B14F-4D97-AF65-F5344CB8AC3E}">
-        <p14:creationId xmlns:p14="http://schemas.microsoft.com/office/powerpoint/2010/main" val="710846700"/>
-      </p:ext>
-    </p:extLst>
-  </p:cSld>
-  <p:clrMapOvr>
-    <a:masterClrMapping/>
-  </p:clrMapOvr>
-</p:sld>
-</file>
-
-<file path=ppt/slides/slide29.xml><?xml version="1.0" encoding="utf-8"?>
-<p:sld xmlns:a="http://schemas.openxmlformats.org/drawingml/2006/main" xmlns:r="http://schemas.openxmlformats.org/officeDocument/2006/relationships" xmlns:p="http://schemas.openxmlformats.org/presentationml/2006/main">
-  <p:cSld>
-    <p:spTree>
-      <p:nvGrpSpPr>
-        <p:cNvPr id="1" name=""/>
-        <p:cNvGrpSpPr/>
-        <p:nvPr/>
-      </p:nvGrpSpPr>
-      <p:grpSpPr>
-        <a:xfrm>
-          <a:off x="0" y="0"/>
-          <a:ext cx="0" cy="0"/>
-          <a:chOff x="0" y="0"/>
-          <a:chExt cx="0" cy="0"/>
-        </a:xfrm>
-      </p:grpSpPr>
-      <p:pic>
-        <p:nvPicPr>
-          <p:cNvPr id="10" name="Picture 9"/>
-          <p:cNvPicPr>
-            <a:picLocks noChangeAspect="1"/>
-          </p:cNvPicPr>
-          <p:nvPr/>
-        </p:nvPicPr>
-        <p:blipFill rotWithShape="1">
-          <a:blip r:embed="rId3">
-            <a:extLst>
-              <a:ext uri="{28A0092B-C50C-407E-A947-70E740481C1C}">
-                <a14:useLocalDpi xmlns:a14="http://schemas.microsoft.com/office/drawing/2010/main" val="0"/>
-              </a:ext>
-            </a:extLst>
-          </a:blip>
-          <a:srcRect l="50728" t="56371"/>
-          <a:stretch/>
-        </p:blipFill>
-        <p:spPr>
-          <a:xfrm>
-            <a:off x="10894024" y="5370653"/>
-            <a:ext cx="1297975" cy="1487348"/>
-          </a:xfrm>
-          <a:prstGeom prst="rect">
-            <a:avLst/>
-          </a:prstGeom>
-        </p:spPr>
-      </p:pic>
-      <p:sp>
-        <p:nvSpPr>
-          <p:cNvPr id="11" name="TextBox 10"/>
-          <p:cNvSpPr txBox="1"/>
-          <p:nvPr/>
-        </p:nvSpPr>
-        <p:spPr>
-          <a:xfrm>
-            <a:off x="347240" y="113388"/>
-            <a:ext cx="10861534" cy="1015663"/>
-          </a:xfrm>
-          <a:prstGeom prst="rect">
-            <a:avLst/>
-          </a:prstGeom>
-          <a:noFill/>
-        </p:spPr>
-        <p:txBody>
-          <a:bodyPr wrap="square" rtlCol="0">
-            <a:spAutoFit/>
-          </a:bodyPr>
-          <a:lstStyle/>
-          <a:p>
-            <a:r>
-              <a:rPr lang="en-US" sz="6000" dirty="0">
-                <a:latin typeface="Aliens &amp; cows" panose="00000500000000000000" pitchFamily="2" charset="0"/>
-              </a:rPr>
-              <a:t>Recommended reading</a:t>
-            </a:r>
-          </a:p>
-        </p:txBody>
-      </p:sp>
-      <p:sp>
-        <p:nvSpPr>
-          <p:cNvPr id="4" name="TextBox 3">
-            <a:extLst>
-              <a:ext uri="{FF2B5EF4-FFF2-40B4-BE49-F238E27FC236}">
-                <a16:creationId xmlns:a16="http://schemas.microsoft.com/office/drawing/2014/main" id="{5A4F6C64-3E8D-4255-95B8-CF64265213DA}"/>
-              </a:ext>
-            </a:extLst>
-          </p:cNvPr>
-          <p:cNvSpPr txBox="1"/>
-          <p:nvPr/>
-        </p:nvSpPr>
-        <p:spPr>
-          <a:xfrm>
-            <a:off x="347240" y="1465093"/>
-            <a:ext cx="8255987" cy="954107"/>
-          </a:xfrm>
-          <a:prstGeom prst="rect">
-            <a:avLst/>
-          </a:prstGeom>
-          <a:noFill/>
-        </p:spPr>
-        <p:txBody>
-          <a:bodyPr wrap="square" rtlCol="0">
-            <a:spAutoFit/>
-          </a:bodyPr>
-          <a:lstStyle/>
-          <a:p>
-            <a:pPr marL="457200" indent="-457200">
-              <a:buClr>
-                <a:srgbClr val="CF3338"/>
-              </a:buClr>
-              <a:buFont typeface="Arial" panose="020B0604020202020204" pitchFamily="34" charset="0"/>
-              <a:buChar char="•"/>
-            </a:pPr>
-            <a:r>
-              <a:rPr lang="en-US" sz="2800" i="1" dirty="0">
-                <a:solidFill>
-                  <a:srgbClr val="707070"/>
-                </a:solidFill>
-                <a:latin typeface="Pragmatica" panose="020B0403040502020204" pitchFamily="34" charset="0"/>
-              </a:rPr>
-              <a:t>Advancing into Analytics </a:t>
-            </a:r>
-            <a:r>
-              <a:rPr lang="en-US" sz="2800" dirty="0">
-                <a:solidFill>
-                  <a:srgbClr val="707070"/>
-                </a:solidFill>
-                <a:latin typeface="Pragmatica" panose="020B0403040502020204" pitchFamily="34" charset="0"/>
-              </a:rPr>
-              <a:t>by George Mount</a:t>
-            </a:r>
-          </a:p>
-          <a:p>
-            <a:pPr marL="914400" lvl="1" indent="-457200">
-              <a:buClr>
-                <a:srgbClr val="CF3338"/>
-              </a:buClr>
-              <a:buFont typeface="Arial" panose="020B0604020202020204" pitchFamily="34" charset="0"/>
-              <a:buChar char="•"/>
-            </a:pPr>
-            <a:r>
-              <a:rPr lang="en-US" sz="2800" dirty="0">
-                <a:solidFill>
-                  <a:srgbClr val="707070"/>
-                </a:solidFill>
-                <a:latin typeface="Pragmatica" panose="020B0403040502020204" pitchFamily="34" charset="0"/>
-                <a:hlinkClick r:id="rId4"/>
-              </a:rPr>
-              <a:t>georgejmount.com/book</a:t>
-            </a:r>
-            <a:r>
-              <a:rPr lang="en-US" sz="2800" dirty="0">
-                <a:solidFill>
-                  <a:srgbClr val="707070"/>
-                </a:solidFill>
-                <a:latin typeface="Pragmatica" panose="020B0403040502020204" pitchFamily="34" charset="0"/>
-              </a:rPr>
-              <a:t>    </a:t>
-            </a:r>
-          </a:p>
-        </p:txBody>
-      </p:sp>
-      <p:pic>
-        <p:nvPicPr>
-          <p:cNvPr id="4098" name="Picture 2" descr="Advancing into Analytics Cover Image">
-            <a:extLst>
-              <a:ext uri="{FF2B5EF4-FFF2-40B4-BE49-F238E27FC236}">
-                <a16:creationId xmlns:a16="http://schemas.microsoft.com/office/drawing/2014/main" id="{58958D3C-C4DB-4EBB-9EE6-AA9672AA9979}"/>
-              </a:ext>
-            </a:extLst>
-          </p:cNvPr>
-          <p:cNvPicPr>
-            <a:picLocks noChangeAspect="1" noChangeArrowheads="1"/>
-          </p:cNvPicPr>
-          <p:nvPr/>
-        </p:nvPicPr>
-        <p:blipFill>
-          <a:blip r:embed="rId5">
-            <a:extLst>
-              <a:ext uri="{28A0092B-C50C-407E-A947-70E740481C1C}">
-                <a14:useLocalDpi xmlns:a14="http://schemas.microsoft.com/office/drawing/2010/main" val="0"/>
-              </a:ext>
-            </a:extLst>
-          </a:blip>
-          <a:srcRect/>
-          <a:stretch>
-            <a:fillRect/>
-          </a:stretch>
-        </p:blipFill>
-        <p:spPr bwMode="auto">
-          <a:xfrm>
-            <a:off x="8322631" y="1804894"/>
-            <a:ext cx="3869369" cy="5053106"/>
-          </a:xfrm>
-          <a:prstGeom prst="rect">
-            <a:avLst/>
-          </a:prstGeom>
-          <a:noFill/>
-          <a:extLst>
-            <a:ext uri="{909E8E84-426E-40DD-AFC4-6F175D3DCCD1}">
-              <a14:hiddenFill xmlns:a14="http://schemas.microsoft.com/office/drawing/2010/main">
-                <a:solidFill>
-                  <a:srgbClr val="FFFFFF"/>
-                </a:solidFill>
-              </a14:hiddenFill>
-            </a:ext>
-          </a:extLst>
-        </p:spPr>
-      </p:pic>
-      <p:sp>
-        <p:nvSpPr>
-          <p:cNvPr id="2" name="Rectangle 1">
-            <a:extLst>
-              <a:ext uri="{FF2B5EF4-FFF2-40B4-BE49-F238E27FC236}">
-                <a16:creationId xmlns:a16="http://schemas.microsoft.com/office/drawing/2014/main" id="{6681DC4C-77BB-4A7B-909D-F6A177016ADE}"/>
-              </a:ext>
-            </a:extLst>
-          </p:cNvPr>
-          <p:cNvSpPr/>
-          <p:nvPr/>
-        </p:nvSpPr>
-        <p:spPr>
-          <a:xfrm>
-            <a:off x="400424" y="3162573"/>
-            <a:ext cx="7697694" cy="2062103"/>
-          </a:xfrm>
-          <a:prstGeom prst="rect">
-            <a:avLst/>
-          </a:prstGeom>
-        </p:spPr>
-        <p:txBody>
-          <a:bodyPr wrap="square">
-            <a:spAutoFit/>
-          </a:bodyPr>
-          <a:lstStyle/>
-          <a:p>
-            <a:pPr>
-              <a:buClr>
-                <a:srgbClr val="CF3338"/>
-              </a:buClr>
-            </a:pPr>
-            <a:r>
-              <a:rPr lang="en-US" sz="3200" i="1" dirty="0">
-                <a:solidFill>
-                  <a:srgbClr val="707070"/>
-                </a:solidFill>
-                <a:latin typeface="Pragmatica" panose="020B0403040502020204" pitchFamily="34" charset="0"/>
-              </a:rPr>
-              <a:t>By the end of this book, you should be able to conduct exploratory data analysis and</a:t>
-            </a:r>
-          </a:p>
-          <a:p>
-            <a:pPr>
-              <a:buClr>
-                <a:srgbClr val="CF3338"/>
-              </a:buClr>
-            </a:pPr>
-            <a:r>
-              <a:rPr lang="en-US" sz="3200" i="1" dirty="0">
-                <a:solidFill>
-                  <a:srgbClr val="707070"/>
-                </a:solidFill>
-                <a:latin typeface="Pragmatica" panose="020B0403040502020204" pitchFamily="34" charset="0"/>
-              </a:rPr>
-              <a:t>hypothesis testing using a programming language.</a:t>
-            </a:r>
-          </a:p>
-        </p:txBody>
-      </p:sp>
-    </p:spTree>
-    <p:extLst>
-      <p:ext uri="{BB962C8B-B14F-4D97-AF65-F5344CB8AC3E}">
-        <p14:creationId xmlns:p14="http://schemas.microsoft.com/office/powerpoint/2010/main" val="3327978876"/>
       </p:ext>
     </p:extLst>
   </p:cSld>
@@ -12296,7 +12227,7 @@
         <p:spPr>
           <a:xfrm>
             <a:off x="462987" y="1365813"/>
-            <a:ext cx="9595413" cy="3970318"/>
+            <a:ext cx="9595413" cy="1384995"/>
           </a:xfrm>
           <a:prstGeom prst="rect">
             <a:avLst/>
@@ -12339,78 +12270,6 @@
             </a:r>
           </a:p>
           <a:p>
-            <a:pPr marL="285750" indent="-285750">
-              <a:buFont typeface="Arial" panose="020B0604020202020204" pitchFamily="34" charset="0"/>
-              <a:buChar char="•"/>
-            </a:pPr>
-            <a:endParaRPr lang="en-US" sz="2800" dirty="0">
-              <a:solidFill>
-                <a:srgbClr val="707070"/>
-              </a:solidFill>
-              <a:latin typeface="Pragmatica" panose="020B0403040502020204" pitchFamily="34" charset="0"/>
-            </a:endParaRPr>
-          </a:p>
-          <a:p>
-            <a:r>
-              <a:rPr lang="en-US" sz="2800" i="1" dirty="0">
-                <a:solidFill>
-                  <a:srgbClr val="707070"/>
-                </a:solidFill>
-                <a:latin typeface="Pragmatica" panose="020B0403040502020204" pitchFamily="34" charset="0"/>
-              </a:rPr>
-              <a:t>Preferred topics?</a:t>
-            </a:r>
-          </a:p>
-          <a:p>
-            <a:pPr marL="457200" indent="-457200">
-              <a:buFont typeface="Arial" panose="020B0604020202020204" pitchFamily="34" charset="0"/>
-              <a:buChar char="•"/>
-            </a:pPr>
-            <a:r>
-              <a:rPr lang="en-US" sz="2800" dirty="0">
-                <a:solidFill>
-                  <a:srgbClr val="707070"/>
-                </a:solidFill>
-                <a:latin typeface="Pragmatica" panose="020B0403040502020204" pitchFamily="34" charset="0"/>
-              </a:rPr>
-              <a:t>Foundations of Analytics in Excel</a:t>
-            </a:r>
-          </a:p>
-          <a:p>
-            <a:pPr marL="457200" indent="-457200">
-              <a:buFont typeface="Arial" panose="020B0604020202020204" pitchFamily="34" charset="0"/>
-              <a:buChar char="•"/>
-            </a:pPr>
-            <a:r>
-              <a:rPr lang="en-US" sz="2800" dirty="0">
-                <a:solidFill>
-                  <a:srgbClr val="707070"/>
-                </a:solidFill>
-                <a:latin typeface="Pragmatica" panose="020B0403040502020204" pitchFamily="34" charset="0"/>
-              </a:rPr>
-              <a:t>From Excel to R</a:t>
-            </a:r>
-          </a:p>
-          <a:p>
-            <a:pPr marL="457200" indent="-457200">
-              <a:buFont typeface="Arial" panose="020B0604020202020204" pitchFamily="34" charset="0"/>
-              <a:buChar char="•"/>
-            </a:pPr>
-            <a:r>
-              <a:rPr lang="en-US" sz="2800" dirty="0">
-                <a:solidFill>
-                  <a:srgbClr val="707070"/>
-                </a:solidFill>
-                <a:latin typeface="Pragmatica" panose="020B0403040502020204" pitchFamily="34" charset="0"/>
-              </a:rPr>
-              <a:t>From Excel to Python</a:t>
-            </a:r>
-          </a:p>
-          <a:p>
-            <a:pPr marL="285750" indent="-285750">
-              <a:buFont typeface="Arial" panose="020B0604020202020204" pitchFamily="34" charset="0"/>
-              <a:buChar char="•"/>
-            </a:pPr>
             <a:endParaRPr lang="en-US" sz="2800" dirty="0">
               <a:solidFill>
                 <a:srgbClr val="707070"/>
@@ -12434,6 +12293,394 @@
 </file>
 
 <file path=ppt/slides/slide30.xml><?xml version="1.0" encoding="utf-8"?>
+<p:sld xmlns:a="http://schemas.openxmlformats.org/drawingml/2006/main" xmlns:r="http://schemas.openxmlformats.org/officeDocument/2006/relationships" xmlns:p="http://schemas.openxmlformats.org/presentationml/2006/main">
+  <p:cSld>
+    <p:spTree>
+      <p:nvGrpSpPr>
+        <p:cNvPr id="1" name=""/>
+        <p:cNvGrpSpPr/>
+        <p:nvPr/>
+      </p:nvGrpSpPr>
+      <p:grpSpPr>
+        <a:xfrm>
+          <a:off x="0" y="0"/>
+          <a:ext cx="0" cy="0"/>
+          <a:chOff x="0" y="0"/>
+          <a:chExt cx="0" cy="0"/>
+        </a:xfrm>
+      </p:grpSpPr>
+      <p:sp>
+        <p:nvSpPr>
+          <p:cNvPr id="4" name="Rectangle 3"/>
+          <p:cNvSpPr/>
+          <p:nvPr/>
+        </p:nvSpPr>
+        <p:spPr>
+          <a:xfrm>
+            <a:off x="0" y="0"/>
+            <a:ext cx="12192000" cy="6858000"/>
+          </a:xfrm>
+          <a:prstGeom prst="rect">
+            <a:avLst/>
+          </a:prstGeom>
+          <a:solidFill>
+            <a:srgbClr val="CF3338"/>
+          </a:solidFill>
+        </p:spPr>
+        <p:style>
+          <a:lnRef idx="2">
+            <a:schemeClr val="accent1">
+              <a:shade val="50000"/>
+            </a:schemeClr>
+          </a:lnRef>
+          <a:fillRef idx="1">
+            <a:schemeClr val="accent1"/>
+          </a:fillRef>
+          <a:effectRef idx="0">
+            <a:schemeClr val="accent1"/>
+          </a:effectRef>
+          <a:fontRef idx="minor">
+            <a:schemeClr val="lt1"/>
+          </a:fontRef>
+        </p:style>
+        <p:txBody>
+          <a:bodyPr rtlCol="0" anchor="ctr"/>
+          <a:lstStyle/>
+          <a:p>
+            <a:pPr algn="ctr"/>
+            <a:endParaRPr lang="en-US"/>
+          </a:p>
+        </p:txBody>
+      </p:sp>
+      <p:sp>
+        <p:nvSpPr>
+          <p:cNvPr id="5" name="TextBox 4"/>
+          <p:cNvSpPr txBox="1"/>
+          <p:nvPr/>
+        </p:nvSpPr>
+        <p:spPr>
+          <a:xfrm>
+            <a:off x="520861" y="393539"/>
+            <a:ext cx="10324617" cy="1107996"/>
+          </a:xfrm>
+          <a:prstGeom prst="rect">
+            <a:avLst/>
+          </a:prstGeom>
+          <a:noFill/>
+        </p:spPr>
+        <p:txBody>
+          <a:bodyPr wrap="square" rtlCol="0">
+            <a:spAutoFit/>
+          </a:bodyPr>
+          <a:lstStyle/>
+          <a:p>
+            <a:r>
+              <a:rPr lang="en-US" sz="6600" b="1" dirty="0">
+                <a:solidFill>
+                  <a:schemeClr val="bg1"/>
+                </a:solidFill>
+                <a:latin typeface="Pragmatica" pitchFamily="2" charset="0"/>
+              </a:rPr>
+              <a:t>Conclusion/Resources</a:t>
+            </a:r>
+          </a:p>
+        </p:txBody>
+      </p:sp>
+    </p:spTree>
+    <p:extLst>
+      <p:ext uri="{BB962C8B-B14F-4D97-AF65-F5344CB8AC3E}">
+        <p14:creationId xmlns:p14="http://schemas.microsoft.com/office/powerpoint/2010/main" val="710846700"/>
+      </p:ext>
+    </p:extLst>
+  </p:cSld>
+  <p:clrMapOvr>
+    <a:masterClrMapping/>
+  </p:clrMapOvr>
+</p:sld>
+</file>
+
+<file path=ppt/slides/slide31.xml><?xml version="1.0" encoding="utf-8"?>
+<p:sld xmlns:a="http://schemas.openxmlformats.org/drawingml/2006/main" xmlns:r="http://schemas.openxmlformats.org/officeDocument/2006/relationships" xmlns:p="http://schemas.openxmlformats.org/presentationml/2006/main">
+  <p:cSld>
+    <p:spTree>
+      <p:nvGrpSpPr>
+        <p:cNvPr id="1" name=""/>
+        <p:cNvGrpSpPr/>
+        <p:nvPr/>
+      </p:nvGrpSpPr>
+      <p:grpSpPr>
+        <a:xfrm>
+          <a:off x="0" y="0"/>
+          <a:ext cx="0" cy="0"/>
+          <a:chOff x="0" y="0"/>
+          <a:chExt cx="0" cy="0"/>
+        </a:xfrm>
+      </p:grpSpPr>
+      <p:pic>
+        <p:nvPicPr>
+          <p:cNvPr id="10" name="Picture 9"/>
+          <p:cNvPicPr>
+            <a:picLocks noChangeAspect="1"/>
+          </p:cNvPicPr>
+          <p:nvPr/>
+        </p:nvPicPr>
+        <p:blipFill rotWithShape="1">
+          <a:blip r:embed="rId3">
+            <a:extLst>
+              <a:ext uri="{28A0092B-C50C-407E-A947-70E740481C1C}">
+                <a14:useLocalDpi xmlns:a14="http://schemas.microsoft.com/office/drawing/2010/main" val="0"/>
+              </a:ext>
+            </a:extLst>
+          </a:blip>
+          <a:srcRect l="50728" t="56371"/>
+          <a:stretch/>
+        </p:blipFill>
+        <p:spPr>
+          <a:xfrm>
+            <a:off x="10894024" y="5370653"/>
+            <a:ext cx="1297975" cy="1487348"/>
+          </a:xfrm>
+          <a:prstGeom prst="rect">
+            <a:avLst/>
+          </a:prstGeom>
+        </p:spPr>
+      </p:pic>
+      <p:sp>
+        <p:nvSpPr>
+          <p:cNvPr id="11" name="TextBox 10"/>
+          <p:cNvSpPr txBox="1"/>
+          <p:nvPr/>
+        </p:nvSpPr>
+        <p:spPr>
+          <a:xfrm>
+            <a:off x="347240" y="113388"/>
+            <a:ext cx="10861534" cy="1015663"/>
+          </a:xfrm>
+          <a:prstGeom prst="rect">
+            <a:avLst/>
+          </a:prstGeom>
+          <a:noFill/>
+        </p:spPr>
+        <p:txBody>
+          <a:bodyPr wrap="square" rtlCol="0">
+            <a:spAutoFit/>
+          </a:bodyPr>
+          <a:lstStyle/>
+          <a:p>
+            <a:r>
+              <a:rPr lang="en-US" sz="6000" dirty="0">
+                <a:latin typeface="Aliens &amp; cows" panose="00000500000000000000" pitchFamily="2" charset="0"/>
+              </a:rPr>
+              <a:t>Recommended reading</a:t>
+            </a:r>
+          </a:p>
+        </p:txBody>
+      </p:sp>
+      <p:sp>
+        <p:nvSpPr>
+          <p:cNvPr id="4" name="TextBox 3">
+            <a:extLst>
+              <a:ext uri="{FF2B5EF4-FFF2-40B4-BE49-F238E27FC236}">
+                <a16:creationId xmlns:a16="http://schemas.microsoft.com/office/drawing/2014/main" id="{5A4F6C64-3E8D-4255-95B8-CF64265213DA}"/>
+              </a:ext>
+            </a:extLst>
+          </p:cNvPr>
+          <p:cNvSpPr txBox="1"/>
+          <p:nvPr/>
+        </p:nvSpPr>
+        <p:spPr>
+          <a:xfrm>
+            <a:off x="347240" y="1465093"/>
+            <a:ext cx="8255987" cy="954107"/>
+          </a:xfrm>
+          <a:prstGeom prst="rect">
+            <a:avLst/>
+          </a:prstGeom>
+          <a:noFill/>
+        </p:spPr>
+        <p:txBody>
+          <a:bodyPr wrap="square" rtlCol="0">
+            <a:spAutoFit/>
+          </a:bodyPr>
+          <a:lstStyle/>
+          <a:p>
+            <a:pPr marL="457200" indent="-457200">
+              <a:buClr>
+                <a:srgbClr val="CF3338"/>
+              </a:buClr>
+              <a:buFont typeface="Arial" panose="020B0604020202020204" pitchFamily="34" charset="0"/>
+              <a:buChar char="•"/>
+            </a:pPr>
+            <a:r>
+              <a:rPr lang="en-US" sz="2800" i="1" dirty="0">
+                <a:solidFill>
+                  <a:srgbClr val="707070"/>
+                </a:solidFill>
+                <a:latin typeface="Pragmatica" panose="020B0403040502020204" pitchFamily="34" charset="0"/>
+              </a:rPr>
+              <a:t>Advancing into Analytics </a:t>
+            </a:r>
+            <a:r>
+              <a:rPr lang="en-US" sz="2800" dirty="0">
+                <a:solidFill>
+                  <a:srgbClr val="707070"/>
+                </a:solidFill>
+                <a:latin typeface="Pragmatica" panose="020B0403040502020204" pitchFamily="34" charset="0"/>
+              </a:rPr>
+              <a:t>by George Mount</a:t>
+            </a:r>
+          </a:p>
+          <a:p>
+            <a:pPr marL="914400" lvl="1" indent="-457200">
+              <a:buClr>
+                <a:srgbClr val="CF3338"/>
+              </a:buClr>
+              <a:buFont typeface="Arial" panose="020B0604020202020204" pitchFamily="34" charset="0"/>
+              <a:buChar char="•"/>
+            </a:pPr>
+            <a:r>
+              <a:rPr lang="en-US" sz="2800" dirty="0">
+                <a:solidFill>
+                  <a:srgbClr val="707070"/>
+                </a:solidFill>
+                <a:latin typeface="Pragmatica" panose="020B0403040502020204" pitchFamily="34" charset="0"/>
+                <a:hlinkClick r:id="rId4"/>
+              </a:rPr>
+              <a:t>georgejmount.com/book</a:t>
+            </a:r>
+            <a:r>
+              <a:rPr lang="en-US" sz="2800" dirty="0">
+                <a:solidFill>
+                  <a:srgbClr val="707070"/>
+                </a:solidFill>
+                <a:latin typeface="Pragmatica" panose="020B0403040502020204" pitchFamily="34" charset="0"/>
+              </a:rPr>
+              <a:t>    </a:t>
+            </a:r>
+          </a:p>
+        </p:txBody>
+      </p:sp>
+      <p:pic>
+        <p:nvPicPr>
+          <p:cNvPr id="4098" name="Picture 2" descr="Advancing into Analytics Cover Image">
+            <a:extLst>
+              <a:ext uri="{FF2B5EF4-FFF2-40B4-BE49-F238E27FC236}">
+                <a16:creationId xmlns:a16="http://schemas.microsoft.com/office/drawing/2014/main" id="{58958D3C-C4DB-4EBB-9EE6-AA9672AA9979}"/>
+              </a:ext>
+            </a:extLst>
+          </p:cNvPr>
+          <p:cNvPicPr>
+            <a:picLocks noChangeAspect="1" noChangeArrowheads="1"/>
+          </p:cNvPicPr>
+          <p:nvPr/>
+        </p:nvPicPr>
+        <p:blipFill>
+          <a:blip r:embed="rId5">
+            <a:extLst>
+              <a:ext uri="{28A0092B-C50C-407E-A947-70E740481C1C}">
+                <a14:useLocalDpi xmlns:a14="http://schemas.microsoft.com/office/drawing/2010/main" val="0"/>
+              </a:ext>
+            </a:extLst>
+          </a:blip>
+          <a:srcRect/>
+          <a:stretch>
+            <a:fillRect/>
+          </a:stretch>
+        </p:blipFill>
+        <p:spPr bwMode="auto">
+          <a:xfrm>
+            <a:off x="8322631" y="1804894"/>
+            <a:ext cx="3869369" cy="5053106"/>
+          </a:xfrm>
+          <a:prstGeom prst="rect">
+            <a:avLst/>
+          </a:prstGeom>
+          <a:noFill/>
+          <a:extLst>
+            <a:ext uri="{909E8E84-426E-40DD-AFC4-6F175D3DCCD1}">
+              <a14:hiddenFill xmlns:a14="http://schemas.microsoft.com/office/drawing/2010/main">
+                <a:solidFill>
+                  <a:srgbClr val="FFFFFF"/>
+                </a:solidFill>
+              </a14:hiddenFill>
+            </a:ext>
+          </a:extLst>
+        </p:spPr>
+      </p:pic>
+      <p:sp>
+        <p:nvSpPr>
+          <p:cNvPr id="2" name="Rectangle 1">
+            <a:extLst>
+              <a:ext uri="{FF2B5EF4-FFF2-40B4-BE49-F238E27FC236}">
+                <a16:creationId xmlns:a16="http://schemas.microsoft.com/office/drawing/2014/main" id="{6681DC4C-77BB-4A7B-909D-F6A177016ADE}"/>
+              </a:ext>
+            </a:extLst>
+          </p:cNvPr>
+          <p:cNvSpPr/>
+          <p:nvPr/>
+        </p:nvSpPr>
+        <p:spPr>
+          <a:xfrm>
+            <a:off x="400424" y="3162573"/>
+            <a:ext cx="7697694" cy="2062103"/>
+          </a:xfrm>
+          <a:prstGeom prst="rect">
+            <a:avLst/>
+          </a:prstGeom>
+        </p:spPr>
+        <p:txBody>
+          <a:bodyPr wrap="square">
+            <a:spAutoFit/>
+          </a:bodyPr>
+          <a:lstStyle/>
+          <a:p>
+            <a:pPr>
+              <a:buClr>
+                <a:srgbClr val="CF3338"/>
+              </a:buClr>
+            </a:pPr>
+            <a:r>
+              <a:rPr lang="en-US" sz="3200" i="1" dirty="0">
+                <a:solidFill>
+                  <a:srgbClr val="707070"/>
+                </a:solidFill>
+                <a:latin typeface="Pragmatica" panose="020B0403040502020204" pitchFamily="34" charset="0"/>
+              </a:rPr>
+              <a:t>By the end of this book, you should be able to conduct exploratory data analysis and</a:t>
+            </a:r>
+          </a:p>
+          <a:p>
+            <a:pPr>
+              <a:buClr>
+                <a:srgbClr val="CF3338"/>
+              </a:buClr>
+            </a:pPr>
+            <a:r>
+              <a:rPr lang="en-US" sz="3200" i="1" dirty="0">
+                <a:solidFill>
+                  <a:srgbClr val="707070"/>
+                </a:solidFill>
+                <a:latin typeface="Pragmatica" panose="020B0403040502020204" pitchFamily="34" charset="0"/>
+              </a:rPr>
+              <a:t>hypothesis testing using a programming language.</a:t>
+            </a:r>
+          </a:p>
+        </p:txBody>
+      </p:sp>
+    </p:spTree>
+    <p:extLst>
+      <p:ext uri="{BB962C8B-B14F-4D97-AF65-F5344CB8AC3E}">
+        <p14:creationId xmlns:p14="http://schemas.microsoft.com/office/powerpoint/2010/main" val="3327978876"/>
+      </p:ext>
+    </p:extLst>
+  </p:cSld>
+  <p:clrMapOvr>
+    <a:masterClrMapping/>
+  </p:clrMapOvr>
+</p:sld>
+</file>
+
+<file path=ppt/slides/slide32.xml><?xml version="1.0" encoding="utf-8"?>
 <p:sld xmlns:a="http://schemas.openxmlformats.org/drawingml/2006/main" xmlns:r="http://schemas.openxmlformats.org/officeDocument/2006/relationships" xmlns:p="http://schemas.openxmlformats.org/presentationml/2006/main">
   <p:cSld>
     <p:spTree>
@@ -12684,7 +12931,7 @@
 </p:sld>
 </file>
 
-<file path=ppt/slides/slide31.xml><?xml version="1.0" encoding="utf-8"?>
+<file path=ppt/slides/slide33.xml><?xml version="1.0" encoding="utf-8"?>
 <p:sld xmlns:a="http://schemas.openxmlformats.org/drawingml/2006/main" xmlns:r="http://schemas.openxmlformats.org/officeDocument/2006/relationships" xmlns:p="http://schemas.openxmlformats.org/presentationml/2006/main">
   <p:cSld>
     <p:spTree>
@@ -12857,7 +13104,7 @@
 </p:sld>
 </file>
 
-<file path=ppt/slides/slide32.xml><?xml version="1.0" encoding="utf-8"?>
+<file path=ppt/slides/slide34.xml><?xml version="1.0" encoding="utf-8"?>
 <p:sld xmlns:a="http://schemas.openxmlformats.org/drawingml/2006/main" xmlns:r="http://schemas.openxmlformats.org/officeDocument/2006/relationships" xmlns:p="http://schemas.openxmlformats.org/presentationml/2006/main">
   <p:cSld>
     <p:spTree>
@@ -13850,7 +14097,7 @@
 </file>
 
 <file path=ppt/slides/slide9.xml><?xml version="1.0" encoding="utf-8"?>
-<p:sld xmlns:a="http://schemas.openxmlformats.org/drawingml/2006/main" xmlns:r="http://schemas.openxmlformats.org/officeDocument/2006/relationships" xmlns:p="http://schemas.openxmlformats.org/presentationml/2006/main">
+<p:sld xmlns:a="http://schemas.openxmlformats.org/drawingml/2006/main" xmlns:r="http://schemas.openxmlformats.org/officeDocument/2006/relationships" xmlns:p="http://schemas.openxmlformats.org/presentationml/2006/main" show="0">
   <p:cSld>
     <p:spTree>
       <p:nvGrpSpPr>

--- a/advancing-into-analytics-presentation.pptx
+++ b/advancing-into-analytics-presentation.pptx
@@ -1860,7 +1860,7 @@
           <a:p>
             <a:fld id="{503F064B-41F2-4661-BDF0-BFD135E9A557}" type="datetimeFigureOut">
               <a:rPr lang="en-US" smtClean="0"/>
-              <a:t>7/11/2021</a:t>
+              <a:t>7/13/2021</a:t>
             </a:fld>
             <a:endParaRPr lang="en-US"/>
           </a:p>
@@ -4279,7 +4279,7 @@
           <a:p>
             <a:fld id="{0138B082-EFC2-46C1-B47C-51736C670379}" type="datetimeFigureOut">
               <a:rPr lang="en-US" smtClean="0"/>
-              <a:t>7/11/2021</a:t>
+              <a:t>7/13/2021</a:t>
             </a:fld>
             <a:endParaRPr lang="en-US"/>
           </a:p>
@@ -4447,7 +4447,7 @@
           <a:p>
             <a:fld id="{0138B082-EFC2-46C1-B47C-51736C670379}" type="datetimeFigureOut">
               <a:rPr lang="en-US" smtClean="0"/>
-              <a:t>7/11/2021</a:t>
+              <a:t>7/13/2021</a:t>
             </a:fld>
             <a:endParaRPr lang="en-US"/>
           </a:p>
@@ -4625,7 +4625,7 @@
           <a:p>
             <a:fld id="{0138B082-EFC2-46C1-B47C-51736C670379}" type="datetimeFigureOut">
               <a:rPr lang="en-US" smtClean="0"/>
-              <a:t>7/11/2021</a:t>
+              <a:t>7/13/2021</a:t>
             </a:fld>
             <a:endParaRPr lang="en-US"/>
           </a:p>
@@ -4793,7 +4793,7 @@
           <a:p>
             <a:fld id="{0138B082-EFC2-46C1-B47C-51736C670379}" type="datetimeFigureOut">
               <a:rPr lang="en-US" smtClean="0"/>
-              <a:t>7/11/2021</a:t>
+              <a:t>7/13/2021</a:t>
             </a:fld>
             <a:endParaRPr lang="en-US"/>
           </a:p>
@@ -5038,7 +5038,7 @@
           <a:p>
             <a:fld id="{0138B082-EFC2-46C1-B47C-51736C670379}" type="datetimeFigureOut">
               <a:rPr lang="en-US" smtClean="0"/>
-              <a:t>7/11/2021</a:t>
+              <a:t>7/13/2021</a:t>
             </a:fld>
             <a:endParaRPr lang="en-US"/>
           </a:p>
@@ -5267,7 +5267,7 @@
           <a:p>
             <a:fld id="{0138B082-EFC2-46C1-B47C-51736C670379}" type="datetimeFigureOut">
               <a:rPr lang="en-US" smtClean="0"/>
-              <a:t>7/11/2021</a:t>
+              <a:t>7/13/2021</a:t>
             </a:fld>
             <a:endParaRPr lang="en-US"/>
           </a:p>
@@ -5631,7 +5631,7 @@
           <a:p>
             <a:fld id="{0138B082-EFC2-46C1-B47C-51736C670379}" type="datetimeFigureOut">
               <a:rPr lang="en-US" smtClean="0"/>
-              <a:t>7/11/2021</a:t>
+              <a:t>7/13/2021</a:t>
             </a:fld>
             <a:endParaRPr lang="en-US"/>
           </a:p>
@@ -5748,7 +5748,7 @@
           <a:p>
             <a:fld id="{0138B082-EFC2-46C1-B47C-51736C670379}" type="datetimeFigureOut">
               <a:rPr lang="en-US" smtClean="0"/>
-              <a:t>7/11/2021</a:t>
+              <a:t>7/13/2021</a:t>
             </a:fld>
             <a:endParaRPr lang="en-US"/>
           </a:p>
@@ -5843,7 +5843,7 @@
           <a:p>
             <a:fld id="{0138B082-EFC2-46C1-B47C-51736C670379}" type="datetimeFigureOut">
               <a:rPr lang="en-US" smtClean="0"/>
-              <a:t>7/11/2021</a:t>
+              <a:t>7/13/2021</a:t>
             </a:fld>
             <a:endParaRPr lang="en-US"/>
           </a:p>
@@ -6118,7 +6118,7 @@
           <a:p>
             <a:fld id="{0138B082-EFC2-46C1-B47C-51736C670379}" type="datetimeFigureOut">
               <a:rPr lang="en-US" smtClean="0"/>
-              <a:t>7/11/2021</a:t>
+              <a:t>7/13/2021</a:t>
             </a:fld>
             <a:endParaRPr lang="en-US"/>
           </a:p>
@@ -6370,7 +6370,7 @@
           <a:p>
             <a:fld id="{0138B082-EFC2-46C1-B47C-51736C670379}" type="datetimeFigureOut">
               <a:rPr lang="en-US" smtClean="0"/>
-              <a:t>7/11/2021</a:t>
+              <a:t>7/13/2021</a:t>
             </a:fld>
             <a:endParaRPr lang="en-US"/>
           </a:p>
@@ -6581,7 +6581,7 @@
           <a:p>
             <a:fld id="{0138B082-EFC2-46C1-B47C-51736C670379}" type="datetimeFigureOut">
               <a:rPr lang="en-US" smtClean="0"/>
-              <a:t>7/11/2021</a:t>
+              <a:t>7/13/2021</a:t>
             </a:fld>
             <a:endParaRPr lang="en-US"/>
           </a:p>
@@ -13522,90 +13522,39 @@
                 </a:solidFill>
                 <a:latin typeface="Pragmatica" panose="020B0403040502020204" pitchFamily="34" charset="0"/>
               </a:rPr>
-              <a:t>Name another city in Ohio</a:t>
-            </a:r>
-          </a:p>
-        </p:txBody>
-      </p:sp>
-      <p:sp>
-        <p:nvSpPr>
-          <p:cNvPr id="2" name="Rectangle 1">
+              <a:t>Answer this brain teaser!</a:t>
+            </a:r>
+          </a:p>
+        </p:txBody>
+      </p:sp>
+      <p:pic>
+        <p:nvPicPr>
+          <p:cNvPr id="4" name="Picture 3">
             <a:extLst>
               <a:ext uri="{FF2B5EF4-FFF2-40B4-BE49-F238E27FC236}">
-                <a16:creationId xmlns:a16="http://schemas.microsoft.com/office/drawing/2014/main" id="{29914723-7292-44D5-827E-205A9D38F32F}"/>
-              </a:ext>
-            </a:extLst>
-          </p:cNvPr>
-          <p:cNvSpPr/>
-          <p:nvPr/>
-        </p:nvSpPr>
-        <p:spPr>
-          <a:xfrm>
-            <a:off x="0" y="6488668"/>
-            <a:ext cx="5786777" cy="369332"/>
-          </a:xfrm>
-          <a:prstGeom prst="rect">
-            <a:avLst/>
-          </a:prstGeom>
-        </p:spPr>
-        <p:txBody>
-          <a:bodyPr wrap="none">
-            <a:spAutoFit/>
-          </a:bodyPr>
-          <a:lstStyle/>
-          <a:p>
-            <a:r>
-              <a:rPr lang="en-US" dirty="0"/>
-              <a:t>https://kids.britannica.com/students/assembly/view/54743</a:t>
-            </a:r>
-          </a:p>
-        </p:txBody>
-      </p:sp>
-      <p:pic>
-        <p:nvPicPr>
-          <p:cNvPr id="1026" name="Picture 2" descr="Cleveland: location">
-            <a:extLst>
-              <a:ext uri="{FF2B5EF4-FFF2-40B4-BE49-F238E27FC236}">
-                <a16:creationId xmlns:a16="http://schemas.microsoft.com/office/drawing/2014/main" id="{FDA13857-889C-4F31-BC78-35F70F80F7A8}"/>
+                <a16:creationId xmlns:a16="http://schemas.microsoft.com/office/drawing/2014/main" id="{62EB3F93-1556-473D-8FBB-9DCD7F47C422}"/>
               </a:ext>
             </a:extLst>
           </p:cNvPr>
           <p:cNvPicPr>
-            <a:picLocks noChangeAspect="1" noChangeArrowheads="1"/>
+            <a:picLocks noChangeAspect="1"/>
           </p:cNvPicPr>
           <p:nvPr/>
         </p:nvPicPr>
         <p:blipFill>
-          <a:blip r:embed="rId3">
-            <a:extLst>
-              <a:ext uri="{28A0092B-C50C-407E-A947-70E740481C1C}">
-                <a14:useLocalDpi xmlns:a14="http://schemas.microsoft.com/office/drawing/2010/main" val="0"/>
-              </a:ext>
-            </a:extLst>
-          </a:blip>
-          <a:srcRect/>
+          <a:blip r:embed="rId3"/>
           <a:stretch>
             <a:fillRect/>
           </a:stretch>
         </p:blipFill>
-        <p:spPr bwMode="auto">
-          <a:xfrm>
-            <a:off x="5581089" y="1011331"/>
-            <a:ext cx="6381750" cy="5238750"/>
-          </a:xfrm>
-          <a:prstGeom prst="rect">
-            <a:avLst/>
-          </a:prstGeom>
-          <a:noFill/>
-          <a:extLst>
-            <a:ext uri="{909E8E84-426E-40DD-AFC4-6F175D3DCCD1}">
-              <a14:hiddenFill xmlns:a14="http://schemas.microsoft.com/office/drawing/2010/main">
-                <a:solidFill>
-                  <a:srgbClr val="FFFFFF"/>
-                </a:solidFill>
-              </a14:hiddenFill>
-            </a:ext>
-          </a:extLst>
+        <p:spPr>
+          <a:xfrm>
+            <a:off x="5165560" y="1265409"/>
+            <a:ext cx="5354052" cy="5354052"/>
+          </a:xfrm>
+          <a:prstGeom prst="rect">
+            <a:avLst/>
+          </a:prstGeom>
         </p:spPr>
       </p:pic>
     </p:spTree>

--- a/advancing-into-analytics-presentation.pptx
+++ b/advancing-into-analytics-presentation.pptx
@@ -12251,7 +12251,7 @@
                 </a:solidFill>
                 <a:latin typeface="Pragmatica" panose="020B0403040502020204" pitchFamily="34" charset="0"/>
               </a:rPr>
-              <a:t>Situate Excel in the data analytics stack</a:t>
+              <a:t>Situate Excel, Python and R in the data analytics stack</a:t>
             </a:r>
           </a:p>
           <a:p>
@@ -13332,7 +13332,7 @@
         <p:spPr>
           <a:xfrm>
             <a:off x="462987" y="1365813"/>
-            <a:ext cx="9595413" cy="1815882"/>
+            <a:ext cx="9595413" cy="2677656"/>
           </a:xfrm>
           <a:prstGeom prst="rect">
             <a:avLst/>
@@ -13387,6 +13387,36 @@
                 <a:latin typeface="Pragmatica" panose="020B0403040502020204" pitchFamily="34" charset="0"/>
               </a:rPr>
               <a:t>Wait for the next slide to answer… </a:t>
+            </a:r>
+          </a:p>
+          <a:p>
+            <a:pPr marL="742950" lvl="1" indent="-285750">
+              <a:buFont typeface="Arial" panose="020B0604020202020204" pitchFamily="34" charset="0"/>
+              <a:buChar char="•"/>
+            </a:pPr>
+            <a:r>
+              <a:rPr lang="en-US" sz="2800" dirty="0">
+                <a:solidFill>
+                  <a:srgbClr val="707070"/>
+                </a:solidFill>
+                <a:latin typeface="Pragmatica" panose="020B0403040502020204" pitchFamily="34" charset="0"/>
+              </a:rPr>
+              <a:t>We’ll raffle two more off…</a:t>
+            </a:r>
+          </a:p>
+          <a:p>
+            <a:pPr marL="742950" lvl="1" indent="-285750">
+              <a:buFont typeface="Arial" panose="020B0604020202020204" pitchFamily="34" charset="0"/>
+              <a:buChar char="•"/>
+            </a:pPr>
+            <a:r>
+              <a:rPr lang="en-US" sz="2800" dirty="0">
+                <a:solidFill>
+                  <a:srgbClr val="707070"/>
+                </a:solidFill>
+                <a:latin typeface="Pragmatica" panose="020B0403040502020204" pitchFamily="34" charset="0"/>
+              </a:rPr>
+              <a:t>… AND anyone can read for free! (more on that later)</a:t>
             </a:r>
           </a:p>
           <a:p>
@@ -13501,8 +13531,8 @@
         </p:nvSpPr>
         <p:spPr>
           <a:xfrm>
-            <a:off x="462987" y="1365813"/>
-            <a:ext cx="9595413" cy="523220"/>
+            <a:off x="138275" y="1365813"/>
+            <a:ext cx="5254455" cy="3108543"/>
           </a:xfrm>
           <a:prstGeom prst="rect">
             <a:avLst/>
@@ -13524,6 +13554,60 @@
               </a:rPr>
               <a:t>Answer this brain teaser!</a:t>
             </a:r>
+          </a:p>
+          <a:p>
+            <a:endParaRPr lang="en-US" sz="2800" dirty="0">
+              <a:solidFill>
+                <a:srgbClr val="707070"/>
+              </a:solidFill>
+              <a:latin typeface="Pragmatica" panose="020B0403040502020204" pitchFamily="34" charset="0"/>
+            </a:endParaRPr>
+          </a:p>
+          <a:p>
+            <a:r>
+              <a:rPr lang="en-US" sz="2800" i="1" dirty="0">
+                <a:solidFill>
+                  <a:srgbClr val="707070"/>
+                </a:solidFill>
+                <a:latin typeface="Pragmatica" panose="020B0403040502020204" pitchFamily="34" charset="0"/>
+              </a:rPr>
+              <a:t>Get them all: </a:t>
+            </a:r>
+            <a:r>
+              <a:rPr lang="en-US" sz="2800" i="1" dirty="0">
+                <a:solidFill>
+                  <a:srgbClr val="707070"/>
+                </a:solidFill>
+                <a:latin typeface="Pragmatica" panose="020B0403040502020204" pitchFamily="34" charset="0"/>
+                <a:hlinkClick r:id="rId3"/>
+              </a:rPr>
+              <a:t>https://github.com/stringfestdata/data-brain-teasers</a:t>
+            </a:r>
+            <a:r>
+              <a:rPr lang="en-US" sz="2800" i="1" dirty="0">
+                <a:solidFill>
+                  <a:srgbClr val="707070"/>
+                </a:solidFill>
+                <a:latin typeface="Pragmatica" panose="020B0403040502020204" pitchFamily="34" charset="0"/>
+              </a:rPr>
+              <a:t>  </a:t>
+            </a:r>
+          </a:p>
+          <a:p>
+            <a:endParaRPr lang="en-US" sz="2800" i="1" dirty="0">
+              <a:solidFill>
+                <a:srgbClr val="707070"/>
+              </a:solidFill>
+              <a:latin typeface="Pragmatica" panose="020B0403040502020204" pitchFamily="34" charset="0"/>
+            </a:endParaRPr>
+          </a:p>
+          <a:p>
+            <a:endParaRPr lang="en-US" sz="2800" i="1" dirty="0">
+              <a:solidFill>
+                <a:srgbClr val="707070"/>
+              </a:solidFill>
+              <a:latin typeface="Pragmatica" panose="020B0403040502020204" pitchFamily="34" charset="0"/>
+            </a:endParaRPr>
           </a:p>
         </p:txBody>
       </p:sp>
@@ -13542,14 +13626,14 @@
           <p:nvPr/>
         </p:nvPicPr>
         <p:blipFill>
-          <a:blip r:embed="rId3"/>
+          <a:blip r:embed="rId4"/>
           <a:stretch>
             <a:fillRect/>
           </a:stretch>
         </p:blipFill>
         <p:spPr>
           <a:xfrm>
-            <a:off x="5165560" y="1265409"/>
+            <a:off x="5593766" y="1234185"/>
             <a:ext cx="5354052" cy="5354052"/>
           </a:xfrm>
           <a:prstGeom prst="rect">
